--- a/trunk/docs/comercial/brochure_2.pptx
+++ b/trunk/docs/comercial/brochure_2.pptx
@@ -21,11 +21,12 @@
     <p:sldId id="270" r:id="rId15"/>
     <p:sldId id="269" r:id="rId16"/>
     <p:sldId id="268" r:id="rId17"/>
-    <p:sldId id="272" r:id="rId18"/>
-    <p:sldId id="273" r:id="rId19"/>
-    <p:sldId id="274" r:id="rId20"/>
-    <p:sldId id="271" r:id="rId21"/>
-    <p:sldId id="260" r:id="rId22"/>
+    <p:sldId id="280" r:id="rId18"/>
+    <p:sldId id="272" r:id="rId19"/>
+    <p:sldId id="273" r:id="rId20"/>
+    <p:sldId id="274" r:id="rId21"/>
+    <p:sldId id="271" r:id="rId22"/>
+    <p:sldId id="260" r:id="rId23"/>
   </p:sldIdLst>
   <p:sldSz cx="9144000" cy="6858000" type="screen4x3"/>
   <p:notesSz cx="6858000" cy="9144000"/>
@@ -753,7 +754,7 @@
             <a:fld id="{DE3A2F4D-761B-49FA-B2B4-D6F123DD324B}" type="datetimeFigureOut">
               <a:rPr lang="es-CL" smtClean="0"/>
               <a:pPr/>
-              <a:t>30-07-2012</a:t>
+              <a:t>31-07-2012</a:t>
             </a:fld>
             <a:endParaRPr lang="es-CL"/>
           </a:p>
@@ -954,7 +955,7 @@
             <a:fld id="{DE3A2F4D-761B-49FA-B2B4-D6F123DD324B}" type="datetimeFigureOut">
               <a:rPr lang="es-CL" smtClean="0"/>
               <a:pPr/>
-              <a:t>30-07-2012</a:t>
+              <a:t>31-07-2012</a:t>
             </a:fld>
             <a:endParaRPr lang="es-CL"/>
           </a:p>
@@ -1144,7 +1145,7 @@
             <a:fld id="{DE3A2F4D-761B-49FA-B2B4-D6F123DD324B}" type="datetimeFigureOut">
               <a:rPr lang="es-CL" smtClean="0"/>
               <a:pPr/>
-              <a:t>30-07-2012</a:t>
+              <a:t>31-07-2012</a:t>
             </a:fld>
             <a:endParaRPr lang="es-CL"/>
           </a:p>
@@ -1299,7 +1300,7 @@
             <a:fld id="{DE3A2F4D-761B-49FA-B2B4-D6F123DD324B}" type="datetimeFigureOut">
               <a:rPr lang="es-CL" smtClean="0"/>
               <a:pPr/>
-              <a:t>30-07-2012</a:t>
+              <a:t>31-07-2012</a:t>
             </a:fld>
             <a:endParaRPr lang="es-CL"/>
           </a:p>
@@ -1559,7 +1560,7 @@
             <a:fld id="{DE3A2F4D-761B-49FA-B2B4-D6F123DD324B}" type="datetimeFigureOut">
               <a:rPr lang="es-CL" smtClean="0"/>
               <a:pPr/>
-              <a:t>30-07-2012</a:t>
+              <a:t>31-07-2012</a:t>
             </a:fld>
             <a:endParaRPr lang="es-CL"/>
           </a:p>
@@ -1973,7 +1974,7 @@
             <a:fld id="{DE3A2F4D-761B-49FA-B2B4-D6F123DD324B}" type="datetimeFigureOut">
               <a:rPr lang="es-CL" smtClean="0"/>
               <a:pPr/>
-              <a:t>30-07-2012</a:t>
+              <a:t>31-07-2012</a:t>
             </a:fld>
             <a:endParaRPr lang="es-CL"/>
           </a:p>
@@ -2424,7 +2425,7 @@
             <a:fld id="{DE3A2F4D-761B-49FA-B2B4-D6F123DD324B}" type="datetimeFigureOut">
               <a:rPr lang="es-CL" smtClean="0"/>
               <a:pPr/>
-              <a:t>30-07-2012</a:t>
+              <a:t>31-07-2012</a:t>
             </a:fld>
             <a:endParaRPr lang="es-CL"/>
           </a:p>
@@ -2530,7 +2531,7 @@
             <a:fld id="{DE3A2F4D-761B-49FA-B2B4-D6F123DD324B}" type="datetimeFigureOut">
               <a:rPr lang="es-CL" smtClean="0"/>
               <a:pPr/>
-              <a:t>30-07-2012</a:t>
+              <a:t>31-07-2012</a:t>
             </a:fld>
             <a:endParaRPr lang="es-CL"/>
           </a:p>
@@ -2656,7 +2657,7 @@
             <a:fld id="{DE3A2F4D-761B-49FA-B2B4-D6F123DD324B}" type="datetimeFigureOut">
               <a:rPr lang="es-CL" smtClean="0"/>
               <a:pPr/>
-              <a:t>30-07-2012</a:t>
+              <a:t>31-07-2012</a:t>
             </a:fld>
             <a:endParaRPr lang="es-CL"/>
           </a:p>
@@ -2935,7 +2936,7 @@
             <a:fld id="{DE3A2F4D-761B-49FA-B2B4-D6F123DD324B}" type="datetimeFigureOut">
               <a:rPr lang="es-CL" smtClean="0"/>
               <a:pPr/>
-              <a:t>30-07-2012</a:t>
+              <a:t>31-07-2012</a:t>
             </a:fld>
             <a:endParaRPr lang="es-CL"/>
           </a:p>
@@ -3145,7 +3146,7 @@
             <a:fld id="{DE3A2F4D-761B-49FA-B2B4-D6F123DD324B}" type="datetimeFigureOut">
               <a:rPr lang="es-CL" smtClean="0"/>
               <a:pPr/>
-              <a:t>30-07-2012</a:t>
+              <a:t>31-07-2012</a:t>
             </a:fld>
             <a:endParaRPr lang="es-CL"/>
           </a:p>
@@ -4259,7 +4260,7 @@
             <a:fld id="{DE3A2F4D-761B-49FA-B2B4-D6F123DD324B}" type="datetimeFigureOut">
               <a:rPr lang="es-CL" smtClean="0"/>
               <a:pPr/>
-              <a:t>30-07-2012</a:t>
+              <a:t>31-07-2012</a:t>
             </a:fld>
             <a:endParaRPr lang="es-CL"/>
           </a:p>
@@ -4670,38 +4671,6 @@
           <a:chExt cx="0" cy="0"/>
         </a:xfrm>
       </p:grpSpPr>
-      <p:pic>
-        <p:nvPicPr>
-          <p:cNvPr id="5" name="4 Imagen" descr="logo_top_byte.gif"/>
-          <p:cNvPicPr>
-            <a:picLocks noChangeAspect="1"/>
-          </p:cNvPicPr>
-          <p:nvPr/>
-        </p:nvPicPr>
-        <p:blipFill>
-          <a:blip r:embed="rId2">
-            <a:duotone>
-              <a:schemeClr val="bg2">
-                <a:shade val="45000"/>
-                <a:satMod val="135000"/>
-              </a:schemeClr>
-              <a:prstClr val="white"/>
-            </a:duotone>
-          </a:blip>
-          <a:stretch>
-            <a:fillRect/>
-          </a:stretch>
-        </p:blipFill>
-        <p:spPr>
-          <a:xfrm>
-            <a:off x="1281904" y="1124744"/>
-            <a:ext cx="2232248" cy="2232248"/>
-          </a:xfrm>
-          <a:prstGeom prst="rect">
-            <a:avLst/>
-          </a:prstGeom>
-        </p:spPr>
-      </p:pic>
       <p:sp>
         <p:nvSpPr>
           <p:cNvPr id="2" name="1 Título"/>
@@ -4746,11 +4715,7 @@
             </a:r>
             <a:r>
               <a:rPr lang="es-CL" sz="2000" dirty="0" smtClean="0"/>
-              <a:t> </a:t>
-            </a:r>
-            <a:r>
-              <a:rPr lang="es-CL" sz="2000" dirty="0" smtClean="0"/>
-              <a:t>Data)</a:t>
+              <a:t> Data)</a:t>
             </a:r>
             <a:r>
               <a:rPr lang="es-CL" sz="5400" dirty="0" smtClean="0"/>
@@ -4783,8 +4748,8 @@
         </p:blipFill>
         <p:spPr>
           <a:xfrm>
-            <a:off x="571472" y="571480"/>
-            <a:ext cx="1357322" cy="1357322"/>
+            <a:off x="706368" y="643488"/>
+            <a:ext cx="1273344" cy="1273344"/>
           </a:xfrm>
           <a:prstGeom prst="rect">
             <a:avLst/>
@@ -4828,21 +4793,23 @@
       </p:grpSpPr>
       <p:pic>
         <p:nvPicPr>
-          <p:cNvPr id="7171" name="Picture 3"/>
+          <p:cNvPr id="7173" name="Picture 5"/>
           <p:cNvPicPr>
             <a:picLocks noChangeAspect="1" noChangeArrowheads="1"/>
           </p:cNvPicPr>
           <p:nvPr/>
         </p:nvPicPr>
-        <p:blipFill rotWithShape="1">
+        <p:blipFill>
           <a:blip r:embed="rId2"/>
-          <a:srcRect r="38424" b="7028"/>
-          <a:stretch/>
+          <a:srcRect/>
+          <a:stretch>
+            <a:fillRect/>
+          </a:stretch>
         </p:blipFill>
         <p:spPr bwMode="auto">
           <a:xfrm>
-            <a:off x="604532" y="3521918"/>
-            <a:ext cx="7999916" cy="2993182"/>
+            <a:off x="467544" y="1888906"/>
+            <a:ext cx="7526217" cy="1756118"/>
           </a:xfrm>
           <a:prstGeom prst="rect">
             <a:avLst/>
@@ -4859,16 +4826,63 @@
           </a:effectLst>
         </p:spPr>
       </p:pic>
+      <p:sp>
+        <p:nvSpPr>
+          <p:cNvPr id="5" name="4 Rectángulo"/>
+          <p:cNvSpPr/>
+          <p:nvPr/>
+        </p:nvSpPr>
+        <p:spPr>
+          <a:xfrm>
+            <a:off x="528046" y="756573"/>
+            <a:ext cx="7932386" cy="1154162"/>
+          </a:xfrm>
+          <a:prstGeom prst="rect">
+            <a:avLst/>
+          </a:prstGeom>
+        </p:spPr>
+        <p:txBody>
+          <a:bodyPr wrap="square">
+            <a:spAutoFit/>
+          </a:bodyPr>
+          <a:lstStyle/>
+          <a:p>
+            <a:pPr algn="just"/>
+            <a:endParaRPr lang="es-CL" sz="2300" dirty="0" smtClean="0"/>
+          </a:p>
+          <a:p>
+            <a:pPr algn="just"/>
+            <a:r>
+              <a:rPr lang="es-CL" sz="2300" dirty="0" smtClean="0"/>
+              <a:t>Acceda a su información de acuerdo a su </a:t>
+            </a:r>
+          </a:p>
+          <a:p>
+            <a:pPr algn="just"/>
+            <a:r>
+              <a:rPr lang="es-CL" sz="2300" dirty="0" smtClean="0"/>
+              <a:t>perfil, de manera fácil y oportuna.</a:t>
+            </a:r>
+            <a:endParaRPr lang="es-CL" sz="2300" dirty="0"/>
+          </a:p>
+        </p:txBody>
+      </p:sp>
       <p:pic>
         <p:nvPicPr>
-          <p:cNvPr id="7173" name="Picture 5"/>
+          <p:cNvPr id="2051" name="Picture 3"/>
           <p:cNvPicPr>
             <a:picLocks noChangeAspect="1" noChangeArrowheads="1"/>
           </p:cNvPicPr>
           <p:nvPr/>
         </p:nvPicPr>
         <p:blipFill>
-          <a:blip r:embed="rId3"/>
+          <a:blip r:embed="rId3">
+            <a:extLst>
+              <a:ext uri="{28A0092B-C50C-407E-A947-70E740481C1C}">
+                <a14:useLocalDpi xmlns:a14="http://schemas.microsoft.com/office/drawing/2010/main" val="0"/>
+              </a:ext>
+            </a:extLst>
+          </a:blip>
           <a:srcRect/>
           <a:stretch>
             <a:fillRect/>
@@ -4876,8 +4890,8 @@
         </p:blipFill>
         <p:spPr bwMode="auto">
           <a:xfrm>
-            <a:off x="531954" y="1545418"/>
-            <a:ext cx="8072494" cy="1883582"/>
+            <a:off x="3134226" y="3789040"/>
+            <a:ext cx="5614238" cy="2592288"/>
           </a:xfrm>
           <a:prstGeom prst="rect">
             <a:avLst/>
@@ -4892,11 +4906,62 @@
               </a:srgbClr>
             </a:outerShdw>
           </a:effectLst>
+          <a:extLst>
+            <a:ext uri="{909E8E84-426E-40DD-AFC4-6F175D3DCCD1}">
+              <a14:hiddenFill xmlns:a14="http://schemas.microsoft.com/office/drawing/2010/main">
+                <a:solidFill>
+                  <a:schemeClr val="accent1"/>
+                </a:solidFill>
+              </a14:hiddenFill>
+            </a:ext>
+            <a:ext uri="{91240B29-F687-4F45-9708-019B960494DF}">
+              <a14:hiddenLine xmlns:a14="http://schemas.microsoft.com/office/drawing/2010/main" w="9525">
+                <a:solidFill>
+                  <a:schemeClr val="tx1"/>
+                </a:solidFill>
+                <a:miter lim="800000"/>
+                <a:headEnd/>
+                <a:tailEnd/>
+              </a14:hiddenLine>
+            </a:ext>
+          </a:extLst>
         </p:spPr>
       </p:pic>
-      <p:sp>
-        <p:nvSpPr>
-          <p:cNvPr id="4" name="2 Título"/>
+      <p:pic>
+        <p:nvPicPr>
+          <p:cNvPr id="8" name="7 Imagen" descr="logo_top_byte.gif"/>
+          <p:cNvPicPr>
+            <a:picLocks noChangeAspect="1"/>
+          </p:cNvPicPr>
+          <p:nvPr/>
+        </p:nvPicPr>
+        <p:blipFill>
+          <a:blip r:embed="rId4">
+            <a:duotone>
+              <a:schemeClr val="bg2">
+                <a:shade val="45000"/>
+                <a:satMod val="135000"/>
+              </a:schemeClr>
+              <a:prstClr val="white"/>
+            </a:duotone>
+          </a:blip>
+          <a:stretch>
+            <a:fillRect/>
+          </a:stretch>
+        </p:blipFill>
+        <p:spPr>
+          <a:xfrm>
+            <a:off x="7572396" y="357166"/>
+            <a:ext cx="971550" cy="971550"/>
+          </a:xfrm>
+          <a:prstGeom prst="rect">
+            <a:avLst/>
+          </a:prstGeom>
+        </p:spPr>
+      </p:pic>
+      <p:sp>
+        <p:nvSpPr>
+          <p:cNvPr id="10" name="2 Título"/>
           <p:cNvSpPr>
             <a:spLocks noGrp="1"/>
           </p:cNvSpPr>
@@ -4906,8 +4971,8 @@
         </p:nvSpPr>
         <p:spPr>
           <a:xfrm>
-            <a:off x="457200" y="116632"/>
-            <a:ext cx="8229600" cy="568303"/>
+            <a:off x="457200" y="260648"/>
+            <a:ext cx="8229600" cy="792088"/>
           </a:xfrm>
         </p:spPr>
         <p:txBody>
@@ -4917,44 +4982,11 @@
           <a:lstStyle/>
           <a:p>
             <a:r>
-              <a:rPr lang="es-CL" sz="2900" dirty="0" smtClean="0">
+              <a:rPr lang="es-CL" sz="2400" dirty="0">
                 <a:latin typeface="Arial Black" pitchFamily="34" charset="0"/>
               </a:rPr>
-              <a:t>Ingreso XFIDA &gt;</a:t>
-            </a:r>
-            <a:endParaRPr lang="es-CL" sz="2900" dirty="0">
-              <a:latin typeface="Arial Black" pitchFamily="34" charset="0"/>
-            </a:endParaRPr>
-          </a:p>
-        </p:txBody>
-      </p:sp>
-      <p:sp>
-        <p:nvSpPr>
-          <p:cNvPr id="5" name="4 Rectángulo"/>
-          <p:cNvSpPr/>
-          <p:nvPr/>
-        </p:nvSpPr>
-        <p:spPr>
-          <a:xfrm>
-            <a:off x="528046" y="756573"/>
-            <a:ext cx="7932386" cy="800219"/>
-          </a:xfrm>
-          <a:prstGeom prst="rect">
-            <a:avLst/>
-          </a:prstGeom>
-        </p:spPr>
-        <p:txBody>
-          <a:bodyPr wrap="square">
-            <a:spAutoFit/>
-          </a:bodyPr>
-          <a:lstStyle/>
-          <a:p>
-            <a:pPr algn="just"/>
-            <a:r>
-              <a:rPr lang="es-CL" sz="2300" dirty="0" smtClean="0"/>
-              <a:t>Al ingresar el sistema presentará las opciones de acuerdo a su perfil</a:t>
-            </a:r>
-            <a:endParaRPr lang="es-CL" sz="2300" dirty="0"/>
+              <a:t>EXFIDA, seguro y confiable &gt;</a:t>
+            </a:r>
           </a:p>
         </p:txBody>
       </p:sp>
@@ -5051,7 +5083,7 @@
               <a:buNone/>
             </a:pPr>
             <a:r>
-              <a:rPr lang="es-CL" sz="2200" b="1" dirty="0">
+              <a:rPr lang="es-CL" sz="2200" b="1" dirty="0" smtClean="0">
                 <a:solidFill>
                   <a:schemeClr val="tx2"/>
                 </a:solidFill>
@@ -5066,43 +5098,7 @@
                 <a:ea typeface="+mj-ea"/>
                 <a:cs typeface="+mj-cs"/>
               </a:rPr>
-              <a:t>RF por </a:t>
-            </a:r>
-            <a:r>
-              <a:rPr lang="es-CL" sz="2200" b="1" dirty="0">
-                <a:solidFill>
-                  <a:schemeClr val="tx2"/>
-                </a:solidFill>
-                <a:effectLst>
-                  <a:outerShdw blurRad="31750" dist="25400" dir="5400000" algn="tl" rotWithShape="0">
-                    <a:srgbClr val="000000">
-                      <a:alpha val="25000"/>
-                    </a:srgbClr>
-                  </a:outerShdw>
-                </a:effectLst>
-                <a:latin typeface="Arial Black" pitchFamily="34" charset="0"/>
-                <a:ea typeface="+mj-ea"/>
-                <a:cs typeface="+mj-cs"/>
-              </a:rPr>
-              <a:t>Período</a:t>
-            </a:r>
-            <a:r>
-              <a:rPr lang="es-CL" sz="2200" b="1" dirty="0">
-                <a:solidFill>
-                  <a:schemeClr val="tx2"/>
-                </a:solidFill>
-                <a:effectLst>
-                  <a:outerShdw blurRad="31750" dist="25400" dir="5400000" algn="tl" rotWithShape="0">
-                    <a:srgbClr val="000000">
-                      <a:alpha val="25000"/>
-                    </a:srgbClr>
-                  </a:outerShdw>
-                </a:effectLst>
-                <a:latin typeface="Arial Black" pitchFamily="34" charset="0"/>
-                <a:ea typeface="+mj-ea"/>
-                <a:cs typeface="+mj-cs"/>
-              </a:rPr>
-              <a:t> &gt;</a:t>
+              <a:t>Controle su Información&gt;</a:t>
             </a:r>
             <a:r>
               <a:rPr lang="es-CL" sz="2200" b="1" dirty="0">
@@ -5234,7 +5230,7 @@
         <p:spPr>
           <a:xfrm>
             <a:off x="611560" y="1052736"/>
-            <a:ext cx="7932386" cy="800219"/>
+            <a:ext cx="7932386" cy="1077218"/>
           </a:xfrm>
           <a:prstGeom prst="rect">
             <a:avLst/>
@@ -5251,9 +5247,12 @@
               <a:rPr lang="es-CL" dirty="0" smtClean="0"/>
               <a:t>	</a:t>
             </a:r>
-            <a:r>
-              <a:rPr lang="es-CL" sz="2300" dirty="0"/>
-              <a:t>Realice </a:t>
+          </a:p>
+          <a:p>
+            <a:pPr algn="just"/>
+            <a:r>
+              <a:rPr lang="es-CL" sz="2300" dirty="0" smtClean="0"/>
+              <a:t>Controle las </a:t>
             </a:r>
             <a:r>
               <a:rPr lang="es-CL" sz="2300" dirty="0"/>
@@ -5354,53 +5353,15 @@
             <a:pPr marL="109728" indent="0" algn="just">
               <a:buNone/>
             </a:pPr>
-            <a:r>
-              <a:rPr lang="es-CL" sz="2300" dirty="0" smtClean="0">
-                <a:effectLst>
-                  <a:outerShdw blurRad="38100" dist="38100" dir="2700000" algn="tl">
-                    <a:srgbClr val="000000">
-                      <a:alpha val="43137"/>
-                    </a:srgbClr>
-                  </a:outerShdw>
-                </a:effectLst>
-              </a:rPr>
-              <a:t>Estructuras de RF</a:t>
-            </a:r>
+            <a:endParaRPr lang="es-CL" sz="2300" dirty="0" smtClean="0"/>
+          </a:p>
+          <a:p>
+            <a:pPr marL="109728" indent="0" algn="just">
+              <a:buNone/>
+            </a:pPr>
             <a:r>
               <a:rPr lang="es-CL" sz="2300" dirty="0" smtClean="0"/>
-              <a:t>: </a:t>
-            </a:r>
-            <a:r>
-              <a:rPr lang="es-CL" sz="2300" dirty="0" smtClean="0"/>
-              <a:t>Configure dinámicamente las </a:t>
-            </a:r>
-            <a:r>
-              <a:rPr lang="es-CL" sz="2300" dirty="0" smtClean="0"/>
-              <a:t>estructuras de las notas (cuadros, títulos, textos) </a:t>
-            </a:r>
-            <a:r>
-              <a:rPr lang="es-CL" sz="2300" dirty="0" smtClean="0"/>
-              <a:t>de </a:t>
-            </a:r>
-            <a:r>
-              <a:rPr lang="es-CL" sz="2300" dirty="0" smtClean="0"/>
-              <a:t>información </a:t>
-            </a:r>
-            <a:r>
-              <a:rPr lang="es-CL" sz="2300" dirty="0" smtClean="0"/>
-              <a:t>para las </a:t>
-            </a:r>
-            <a:r>
-              <a:rPr lang="es-CL" sz="2300" dirty="0" smtClean="0"/>
-              <a:t>RF </a:t>
-            </a:r>
-            <a:r>
-              <a:rPr lang="es-CL" sz="2300" dirty="0" smtClean="0"/>
-              <a:t>según la normativa de la </a:t>
-            </a:r>
-            <a:r>
-              <a:rPr lang="es-CL" sz="2300" dirty="0" smtClean="0"/>
-              <a:t>SVS.</a:t>
+              <a:t>Configure dinámicamente las estructuras de las Revelaciones según la normativa de la SVS.</a:t>
             </a:r>
             <a:endParaRPr lang="es-CL" sz="2300" dirty="0"/>
           </a:p>
@@ -5424,17 +5385,35 @@
         </p:spPr>
         <p:txBody>
           <a:bodyPr>
-            <a:normAutofit/>
+            <a:noAutofit/>
           </a:bodyPr>
           <a:lstStyle/>
           <a:p>
             <a:r>
-              <a:rPr lang="es-CL" sz="2900" dirty="0" smtClean="0">
+              <a:rPr lang="es-CL" sz="2400" dirty="0" smtClean="0">
                 <a:latin typeface="Arial Black" pitchFamily="34" charset="0"/>
               </a:rPr>
-              <a:t>Configure &gt; Estructuras</a:t>
-            </a:r>
-            <a:endParaRPr lang="es-CL" sz="2900" dirty="0">
+              <a:t>Configure </a:t>
+            </a:r>
+            <a:r>
+              <a:rPr lang="es-CL" sz="2400" dirty="0">
+                <a:latin typeface="Arial Black" pitchFamily="34" charset="0"/>
+              </a:rPr>
+              <a:t>s</a:t>
+            </a:r>
+            <a:r>
+              <a:rPr lang="es-CL" sz="2400" dirty="0" smtClean="0">
+                <a:latin typeface="Arial Black" pitchFamily="34" charset="0"/>
+              </a:rPr>
+              <a:t>us Revelaciones </a:t>
+            </a:r>
+            <a:r>
+              <a:rPr lang="es-CL" sz="3200" dirty="0" smtClean="0">
+                <a:latin typeface="Arial Black" pitchFamily="34" charset="0"/>
+              </a:rPr>
+              <a:t>&gt;</a:t>
+            </a:r>
+            <a:endParaRPr lang="es-CL" sz="2800" dirty="0">
               <a:latin typeface="Arial Black" pitchFamily="34" charset="0"/>
             </a:endParaRPr>
           </a:p>
@@ -5632,6 +5611,40 @@
               <a:buNone/>
             </a:pPr>
             <a:r>
+              <a:rPr lang="es-CL" sz="9600" b="1" dirty="0" smtClean="0">
+                <a:solidFill>
+                  <a:schemeClr val="tx2"/>
+                </a:solidFill>
+                <a:effectLst>
+                  <a:outerShdw blurRad="31750" dist="25400" dir="5400000" algn="tl" rotWithShape="0">
+                    <a:srgbClr val="000000">
+                      <a:alpha val="25000"/>
+                    </a:srgbClr>
+                  </a:outerShdw>
+                </a:effectLst>
+                <a:latin typeface="Arial Black" pitchFamily="34" charset="0"/>
+                <a:ea typeface="+mj-ea"/>
+                <a:cs typeface="+mj-cs"/>
+              </a:rPr>
+              <a:t>Añada operaciones y Fórmulas </a:t>
+            </a:r>
+            <a:r>
+              <a:rPr lang="es-CL" sz="11600" b="1" dirty="0">
+                <a:solidFill>
+                  <a:schemeClr val="tx2"/>
+                </a:solidFill>
+                <a:effectLst>
+                  <a:outerShdw blurRad="31750" dist="25400" dir="5400000" algn="tl" rotWithShape="0">
+                    <a:srgbClr val="000000">
+                      <a:alpha val="25000"/>
+                    </a:srgbClr>
+                  </a:outerShdw>
+                </a:effectLst>
+                <a:latin typeface="Arial Black" pitchFamily="34" charset="0"/>
+              </a:rPr>
+              <a:t>&gt;</a:t>
+            </a:r>
+            <a:r>
               <a:rPr lang="es-CL" sz="11600" b="1" dirty="0">
                 <a:solidFill>
                   <a:schemeClr val="tx2"/>
@@ -5647,7 +5660,7 @@
                 <a:ea typeface="+mj-ea"/>
                 <a:cs typeface="+mj-cs"/>
               </a:rPr>
-              <a:t>Configure &gt; Formulas</a:t>
+              <a:t/>
             </a:r>
             <a:br>
               <a:rPr lang="es-CL" sz="11600" b="1" dirty="0">
@@ -5821,7 +5834,23 @@
             </a:r>
             <a:r>
               <a:rPr lang="es-CL" sz="2300" dirty="0"/>
-              <a:t>dar dinamismo a sus estructuras, configure las operatorias necesarias entre los campos de cada cuadro y establezca sumas y restas.</a:t>
+              <a:t>dar dinamismo a sus </a:t>
+            </a:r>
+            <a:r>
+              <a:rPr lang="es-CL" sz="2300" dirty="0" smtClean="0"/>
+              <a:t>RF. Añadiendo </a:t>
+            </a:r>
+            <a:r>
+              <a:rPr lang="es-CL" sz="2300" dirty="0"/>
+              <a:t>las operatorias necesarias entre los campos de cada </a:t>
+            </a:r>
+            <a:r>
+              <a:rPr lang="es-CL" sz="2300" dirty="0" smtClean="0"/>
+              <a:t>cuadro, estableciendo </a:t>
+            </a:r>
+            <a:r>
+              <a:rPr lang="es-CL" sz="2300" dirty="0"/>
+              <a:t>sumas y restas.</a:t>
             </a:r>
           </a:p>
         </p:txBody>
@@ -5919,7 +5948,7 @@
               <a:buNone/>
             </a:pPr>
             <a:r>
-              <a:rPr lang="es-CL" sz="2900" b="1" dirty="0">
+              <a:rPr lang="es-CL" sz="2400" b="1" dirty="0">
                 <a:solidFill>
                   <a:schemeClr val="tx2"/>
                 </a:solidFill>
@@ -5934,25 +5963,7 @@
                 <a:ea typeface="+mj-ea"/>
                 <a:cs typeface="+mj-cs"/>
               </a:rPr>
-              <a:t>Proceso e Ingreso de </a:t>
-            </a:r>
-            <a:r>
-              <a:rPr lang="es-CL" sz="2900" b="1" dirty="0">
-                <a:solidFill>
-                  <a:schemeClr val="tx2"/>
-                </a:solidFill>
-                <a:effectLst>
-                  <a:outerShdw blurRad="31750" dist="25400" dir="5400000" algn="tl" rotWithShape="0">
-                    <a:srgbClr val="000000">
-                      <a:alpha val="25000"/>
-                    </a:srgbClr>
-                  </a:outerShdw>
-                </a:effectLst>
-                <a:latin typeface="Arial Black" pitchFamily="34" charset="0"/>
-                <a:ea typeface="+mj-ea"/>
-                <a:cs typeface="+mj-cs"/>
-              </a:rPr>
-              <a:t>Información &gt;</a:t>
+              <a:t>Proceso e Ingreso de Información &gt;</a:t>
             </a:r>
             <a:r>
               <a:rPr lang="es-CL" sz="2900" b="1" dirty="0">
@@ -6059,7 +6070,7 @@
         </p:blipFill>
         <p:spPr bwMode="auto">
           <a:xfrm>
-            <a:off x="827584" y="2348880"/>
+            <a:off x="827584" y="2629243"/>
             <a:ext cx="7888896" cy="3248029"/>
           </a:xfrm>
           <a:prstGeom prst="rect">
@@ -6150,7 +6161,7 @@
         <p:spPr>
           <a:xfrm>
             <a:off x="611560" y="978694"/>
-            <a:ext cx="8104920" cy="1154162"/>
+            <a:ext cx="8104920" cy="1508105"/>
           </a:xfrm>
           <a:prstGeom prst="rect">
             <a:avLst/>
@@ -6165,7 +6176,14 @@
             <a:pPr algn="just"/>
             <a:r>
               <a:rPr lang="es-CL" sz="2300" dirty="0" smtClean="0"/>
-              <a:t>	Ingrese y almacene su información, para recuperarla de forma oportuna y fácil, </a:t>
+              <a:t>	</a:t>
+            </a:r>
+          </a:p>
+          <a:p>
+            <a:pPr algn="just"/>
+            <a:r>
+              <a:rPr lang="es-CL" sz="2300" dirty="0" smtClean="0"/>
+              <a:t>Ingrese y almacene su información, para divulgarla de forma oportuna y fácil, </a:t>
             </a:r>
             <a:r>
               <a:rPr lang="es-CL" sz="2300" dirty="0"/>
@@ -6244,7 +6262,7 @@
               <a:buNone/>
             </a:pPr>
             <a:r>
-              <a:rPr lang="es-CL" sz="2900" b="1" dirty="0" err="1" smtClean="0">
+              <a:rPr lang="es-CL" sz="2400" b="1" dirty="0" smtClean="0">
                 <a:solidFill>
                   <a:schemeClr val="tx2"/>
                 </a:solidFill>
@@ -6259,28 +6277,10 @@
                 <a:ea typeface="+mj-ea"/>
                 <a:cs typeface="+mj-cs"/>
               </a:rPr>
-              <a:t>Workflow</a:t>
-            </a:r>
-            <a:r>
-              <a:rPr lang="es-CL" sz="2900" b="1" dirty="0" smtClean="0">
-                <a:solidFill>
-                  <a:schemeClr val="tx2"/>
-                </a:solidFill>
-                <a:effectLst>
-                  <a:outerShdw blurRad="31750" dist="25400" dir="5400000" algn="tl" rotWithShape="0">
-                    <a:srgbClr val="000000">
-                      <a:alpha val="25000"/>
-                    </a:srgbClr>
-                  </a:outerShdw>
-                </a:effectLst>
-                <a:latin typeface="Arial Black" pitchFamily="34" charset="0"/>
-                <a:ea typeface="+mj-ea"/>
-                <a:cs typeface="+mj-cs"/>
-              </a:rPr>
-              <a:t> de aprobación </a:t>
-            </a:r>
-            <a:r>
-              <a:rPr lang="es-CL" sz="2900" b="1" dirty="0">
+              <a:t>Workflow de Aprobación </a:t>
+            </a:r>
+            <a:r>
+              <a:rPr lang="es-CL" sz="2400" b="1" dirty="0">
                 <a:solidFill>
                   <a:schemeClr val="tx2"/>
                 </a:solidFill>
@@ -6297,26 +6297,8 @@
               </a:rPr>
               <a:t>&gt;</a:t>
             </a:r>
-            <a:r>
-              <a:rPr lang="es-CL" sz="2900" b="1" dirty="0">
-                <a:solidFill>
-                  <a:schemeClr val="tx2"/>
-                </a:solidFill>
-                <a:effectLst>
-                  <a:outerShdw blurRad="31750" dist="25400" dir="5400000" algn="tl" rotWithShape="0">
-                    <a:srgbClr val="000000">
-                      <a:alpha val="25000"/>
-                    </a:srgbClr>
-                  </a:outerShdw>
-                </a:effectLst>
-                <a:latin typeface="Arial Black" pitchFamily="34" charset="0"/>
-                <a:ea typeface="+mj-ea"/>
-                <a:cs typeface="+mj-cs"/>
-              </a:rPr>
-              <a:t/>
-            </a:r>
             <a:br>
-              <a:rPr lang="es-CL" sz="2900" b="1" dirty="0">
+              <a:rPr lang="es-CL" sz="2400" b="1" dirty="0">
                 <a:solidFill>
                   <a:schemeClr val="tx2"/>
                 </a:solidFill>
@@ -6525,7 +6507,7 @@
         <p:spPr>
           <a:xfrm>
             <a:off x="539552" y="1116613"/>
-            <a:ext cx="8004394" cy="800219"/>
+            <a:ext cx="8004394" cy="1154162"/>
           </a:xfrm>
           <a:prstGeom prst="rect">
             <a:avLst/>
@@ -6540,7 +6522,14 @@
             <a:pPr algn="just"/>
             <a:r>
               <a:rPr lang="es-CL" sz="2300" dirty="0" smtClean="0"/>
-              <a:t>	Mantenga el control sobre el estado de los RF por periodo.</a:t>
+              <a:t>	</a:t>
+            </a:r>
+          </a:p>
+          <a:p>
+            <a:pPr algn="just"/>
+            <a:r>
+              <a:rPr lang="es-CL" sz="2300" dirty="0" smtClean="0"/>
+              <a:t>Mantenga el control sobre el estado de los RF por periodo.</a:t>
             </a:r>
             <a:endParaRPr lang="es-CL" sz="2300" dirty="0"/>
           </a:p>
@@ -6639,6 +6628,59 @@
               <a:buNone/>
             </a:pPr>
             <a:r>
+              <a:rPr lang="es-CL" sz="9600" b="1" dirty="0" smtClean="0">
+                <a:solidFill>
+                  <a:schemeClr val="tx2"/>
+                </a:solidFill>
+                <a:effectLst>
+                  <a:outerShdw blurRad="31750" dist="25400" dir="5400000" algn="tl" rotWithShape="0">
+                    <a:srgbClr val="000000">
+                      <a:alpha val="25000"/>
+                    </a:srgbClr>
+                  </a:outerShdw>
+                </a:effectLst>
+                <a:latin typeface="Arial Black" pitchFamily="34" charset="0"/>
+                <a:ea typeface="+mj-ea"/>
+                <a:cs typeface="+mj-cs"/>
+              </a:rPr>
+              <a:t>Validación en base a sus EE.FF </a:t>
+            </a:r>
+            <a:r>
+              <a:rPr lang="es-CL" sz="9600" b="1" dirty="0">
+                <a:solidFill>
+                  <a:schemeClr val="tx2"/>
+                </a:solidFill>
+                <a:effectLst>
+                  <a:outerShdw blurRad="31750" dist="25400" dir="5400000" algn="tl" rotWithShape="0">
+                    <a:srgbClr val="000000">
+                      <a:alpha val="25000"/>
+                    </a:srgbClr>
+                  </a:outerShdw>
+                </a:effectLst>
+                <a:latin typeface="Arial Black" pitchFamily="34" charset="0"/>
+                <a:ea typeface="+mj-ea"/>
+                <a:cs typeface="+mj-cs"/>
+              </a:rPr>
+              <a:t>&gt;</a:t>
+            </a:r>
+            <a:br>
+              <a:rPr lang="es-CL" sz="9600" b="1" dirty="0">
+                <a:solidFill>
+                  <a:schemeClr val="tx2"/>
+                </a:solidFill>
+                <a:effectLst>
+                  <a:outerShdw blurRad="31750" dist="25400" dir="5400000" algn="tl" rotWithShape="0">
+                    <a:srgbClr val="000000">
+                      <a:alpha val="25000"/>
+                    </a:srgbClr>
+                  </a:outerShdw>
+                </a:effectLst>
+                <a:latin typeface="Arial Black" pitchFamily="34" charset="0"/>
+                <a:ea typeface="+mj-ea"/>
+                <a:cs typeface="+mj-cs"/>
+              </a:rPr>
+            </a:br>
+            <a:r>
               <a:rPr lang="es-CL" sz="11600" b="1" dirty="0">
                 <a:solidFill>
                   <a:schemeClr val="tx2"/>
@@ -6654,7 +6696,7 @@
                 <a:ea typeface="+mj-ea"/>
                 <a:cs typeface="+mj-cs"/>
               </a:rPr>
-              <a:t>Cargador y Validador de EEFF &gt;</a:t>
+              <a:t/>
             </a:r>
             <a:br>
               <a:rPr lang="es-CL" sz="11600" b="1" dirty="0">
@@ -6674,41 +6716,6 @@
               </a:rPr>
             </a:br>
             <a:r>
-              <a:rPr lang="es-CL" sz="11600" b="1" dirty="0">
-                <a:solidFill>
-                  <a:schemeClr val="tx2"/>
-                </a:solidFill>
-                <a:effectLst>
-                  <a:outerShdw blurRad="31750" dist="25400" dir="5400000" algn="tl" rotWithShape="0">
-                    <a:srgbClr val="000000">
-                      <a:alpha val="25000"/>
-                    </a:srgbClr>
-                  </a:outerShdw>
-                </a:effectLst>
-                <a:latin typeface="Arial Black" pitchFamily="34" charset="0"/>
-                <a:ea typeface="+mj-ea"/>
-                <a:cs typeface="+mj-cs"/>
-              </a:rPr>
-              <a:t/>
-            </a:r>
-            <a:br>
-              <a:rPr lang="es-CL" sz="11600" b="1" dirty="0">
-                <a:solidFill>
-                  <a:schemeClr val="tx2"/>
-                </a:solidFill>
-                <a:effectLst>
-                  <a:outerShdw blurRad="31750" dist="25400" dir="5400000" algn="tl" rotWithShape="0">
-                    <a:srgbClr val="000000">
-                      <a:alpha val="25000"/>
-                    </a:srgbClr>
-                  </a:outerShdw>
-                </a:effectLst>
-                <a:latin typeface="Arial Black" pitchFamily="34" charset="0"/>
-                <a:ea typeface="+mj-ea"/>
-                <a:cs typeface="+mj-cs"/>
-              </a:rPr>
-            </a:br>
-            <a:r>
               <a:rPr lang="es-CL" dirty="0" smtClean="0"/>
               <a:t>	</a:t>
             </a:r>
@@ -6733,7 +6740,7 @@
         </p:blipFill>
         <p:spPr bwMode="auto">
           <a:xfrm>
-            <a:off x="1533504" y="2276872"/>
+            <a:off x="1595544" y="2590830"/>
             <a:ext cx="6000792" cy="3142426"/>
           </a:xfrm>
           <a:prstGeom prst="rect">
@@ -6824,7 +6831,7 @@
         <p:spPr>
           <a:xfrm>
             <a:off x="683568" y="1126485"/>
-            <a:ext cx="7992888" cy="800219"/>
+            <a:ext cx="7992888" cy="1169551"/>
           </a:xfrm>
           <a:prstGeom prst="rect">
             <a:avLst/>
@@ -6838,12 +6845,68 @@
           <a:p>
             <a:r>
               <a:rPr lang="es-CL" sz="2300" dirty="0" smtClean="0"/>
-              <a:t>	Cargue </a:t>
+              <a:t>	</a:t>
+            </a:r>
+          </a:p>
+          <a:p>
+            <a:r>
+              <a:rPr lang="es-CL" sz="2300" dirty="0" smtClean="0"/>
+              <a:t>Cargue </a:t>
             </a:r>
             <a:r>
               <a:rPr lang="es-CL" sz="2300" dirty="0"/>
-              <a:t>sus estados financieros en el sistema y valide sus ingresos de Información en base a los EE.FF.</a:t>
-            </a:r>
+              <a:t>sus </a:t>
+            </a:r>
+            <a:r>
+              <a:rPr lang="es-CL" sz="2300" dirty="0" smtClean="0"/>
+              <a:t>Estados </a:t>
+            </a:r>
+            <a:r>
+              <a:rPr lang="es-CL" sz="2300" dirty="0"/>
+              <a:t>F</a:t>
+            </a:r>
+            <a:r>
+              <a:rPr lang="es-CL" sz="2300" dirty="0" smtClean="0"/>
+              <a:t>inancieros </a:t>
+            </a:r>
+            <a:r>
+              <a:rPr lang="es-CL" sz="2300" dirty="0"/>
+              <a:t>en </a:t>
+            </a:r>
+            <a:r>
+              <a:rPr lang="es-CL" sz="2400" dirty="0">
+                <a:solidFill>
+                  <a:schemeClr val="tx2">
+                    <a:lumMod val="75000"/>
+                  </a:schemeClr>
+                </a:solidFill>
+                <a:effectLst>
+                  <a:outerShdw blurRad="38100" dist="38100" dir="2700000" algn="tl">
+                    <a:srgbClr val="000000">
+                      <a:alpha val="43137"/>
+                    </a:srgbClr>
+                  </a:outerShdw>
+                </a:effectLst>
+              </a:rPr>
+              <a:t>EXFIDA</a:t>
+            </a:r>
+            <a:r>
+              <a:rPr lang="es-CL" sz="2400" dirty="0"/>
+              <a:t> </a:t>
+            </a:r>
+            <a:r>
+              <a:rPr lang="es-CL" sz="2300" dirty="0" smtClean="0"/>
+              <a:t>y </a:t>
+            </a:r>
+            <a:r>
+              <a:rPr lang="es-CL" sz="2300" dirty="0"/>
+              <a:t>valide sus </a:t>
+            </a:r>
+            <a:r>
+              <a:rPr lang="es-CL" sz="2300" dirty="0" smtClean="0"/>
+              <a:t>Revelaciones en base a estos.</a:t>
+            </a:r>
+            <a:endParaRPr lang="es-CL" sz="2300" dirty="0"/>
           </a:p>
         </p:txBody>
       </p:sp>
@@ -6866,6 +6929,369 @@
 </file>
 
 <file path=ppt/slides/slide17.xml><?xml version="1.0" encoding="utf-8"?>
+<p:sld xmlns:a="http://schemas.openxmlformats.org/drawingml/2006/main" xmlns:r="http://schemas.openxmlformats.org/officeDocument/2006/relationships" xmlns:p="http://schemas.openxmlformats.org/presentationml/2006/main">
+  <p:cSld>
+    <p:spTree>
+      <p:nvGrpSpPr>
+        <p:cNvPr id="1" name=""/>
+        <p:cNvGrpSpPr/>
+        <p:nvPr/>
+      </p:nvGrpSpPr>
+      <p:grpSpPr>
+        <a:xfrm>
+          <a:off x="0" y="0"/>
+          <a:ext cx="0" cy="0"/>
+          <a:chOff x="0" y="0"/>
+          <a:chExt cx="0" cy="0"/>
+        </a:xfrm>
+      </p:grpSpPr>
+      <p:pic>
+        <p:nvPicPr>
+          <p:cNvPr id="3" name="2 Imagen" descr="logo_top_byte.gif"/>
+          <p:cNvPicPr>
+            <a:picLocks noChangeAspect="1"/>
+          </p:cNvPicPr>
+          <p:nvPr/>
+        </p:nvPicPr>
+        <p:blipFill>
+          <a:blip r:embed="rId2">
+            <a:duotone>
+              <a:schemeClr val="bg2">
+                <a:shade val="45000"/>
+                <a:satMod val="135000"/>
+              </a:schemeClr>
+              <a:prstClr val="white"/>
+            </a:duotone>
+          </a:blip>
+          <a:stretch>
+            <a:fillRect/>
+          </a:stretch>
+        </p:blipFill>
+        <p:spPr>
+          <a:xfrm>
+            <a:off x="7572396" y="357166"/>
+            <a:ext cx="971550" cy="971550"/>
+          </a:xfrm>
+          <a:prstGeom prst="rect">
+            <a:avLst/>
+          </a:prstGeom>
+        </p:spPr>
+      </p:pic>
+      <p:sp>
+        <p:nvSpPr>
+          <p:cNvPr id="2" name="1 Marcador de contenido"/>
+          <p:cNvSpPr>
+            <a:spLocks noGrp="1"/>
+          </p:cNvSpPr>
+          <p:nvPr>
+            <p:ph idx="1"/>
+          </p:nvPr>
+        </p:nvSpPr>
+        <p:spPr>
+          <a:xfrm>
+            <a:off x="428596" y="428604"/>
+            <a:ext cx="8229600" cy="552124"/>
+          </a:xfrm>
+        </p:spPr>
+        <p:txBody>
+          <a:bodyPr>
+            <a:normAutofit fontScale="25000" lnSpcReduction="20000"/>
+          </a:bodyPr>
+          <a:lstStyle/>
+          <a:p>
+            <a:pPr marL="109728" indent="0">
+              <a:buNone/>
+            </a:pPr>
+            <a:r>
+              <a:rPr lang="es-CL" sz="9600" b="1" dirty="0" smtClean="0">
+                <a:solidFill>
+                  <a:schemeClr val="tx2"/>
+                </a:solidFill>
+                <a:effectLst>
+                  <a:outerShdw blurRad="31750" dist="25400" dir="5400000" algn="tl" rotWithShape="0">
+                    <a:srgbClr val="000000">
+                      <a:alpha val="25000"/>
+                    </a:srgbClr>
+                  </a:outerShdw>
+                </a:effectLst>
+                <a:latin typeface="Arial Black" pitchFamily="34" charset="0"/>
+                <a:ea typeface="+mj-ea"/>
+                <a:cs typeface="+mj-cs"/>
+              </a:rPr>
+              <a:t>Notificador </a:t>
+            </a:r>
+            <a:r>
+              <a:rPr lang="es-CL" sz="9600" b="1" dirty="0">
+                <a:solidFill>
+                  <a:schemeClr val="tx2"/>
+                </a:solidFill>
+                <a:effectLst>
+                  <a:outerShdw blurRad="31750" dist="25400" dir="5400000" algn="tl" rotWithShape="0">
+                    <a:srgbClr val="000000">
+                      <a:alpha val="25000"/>
+                    </a:srgbClr>
+                  </a:outerShdw>
+                </a:effectLst>
+                <a:latin typeface="Arial Black" pitchFamily="34" charset="0"/>
+                <a:ea typeface="+mj-ea"/>
+                <a:cs typeface="+mj-cs"/>
+              </a:rPr>
+              <a:t>de </a:t>
+            </a:r>
+            <a:r>
+              <a:rPr lang="es-CL" sz="9600" b="1" dirty="0" smtClean="0">
+                <a:solidFill>
+                  <a:schemeClr val="tx2"/>
+                </a:solidFill>
+                <a:effectLst>
+                  <a:outerShdw blurRad="31750" dist="25400" dir="5400000" algn="tl" rotWithShape="0">
+                    <a:srgbClr val="000000">
+                      <a:alpha val="25000"/>
+                    </a:srgbClr>
+                  </a:outerShdw>
+                </a:effectLst>
+                <a:latin typeface="Arial Black" pitchFamily="34" charset="0"/>
+                <a:ea typeface="+mj-ea"/>
+                <a:cs typeface="+mj-cs"/>
+              </a:rPr>
+              <a:t>Cambios en EEFF </a:t>
+            </a:r>
+            <a:r>
+              <a:rPr lang="es-CL" sz="9600" b="1" dirty="0">
+                <a:solidFill>
+                  <a:schemeClr val="tx2"/>
+                </a:solidFill>
+                <a:effectLst>
+                  <a:outerShdw blurRad="31750" dist="25400" dir="5400000" algn="tl" rotWithShape="0">
+                    <a:srgbClr val="000000">
+                      <a:alpha val="25000"/>
+                    </a:srgbClr>
+                  </a:outerShdw>
+                </a:effectLst>
+                <a:latin typeface="Arial Black" pitchFamily="34" charset="0"/>
+                <a:ea typeface="+mj-ea"/>
+                <a:cs typeface="+mj-cs"/>
+              </a:rPr>
+              <a:t>&gt;</a:t>
+            </a:r>
+            <a:br>
+              <a:rPr lang="es-CL" sz="9600" b="1" dirty="0">
+                <a:solidFill>
+                  <a:schemeClr val="tx2"/>
+                </a:solidFill>
+                <a:effectLst>
+                  <a:outerShdw blurRad="31750" dist="25400" dir="5400000" algn="tl" rotWithShape="0">
+                    <a:srgbClr val="000000">
+                      <a:alpha val="25000"/>
+                    </a:srgbClr>
+                  </a:outerShdw>
+                </a:effectLst>
+                <a:latin typeface="Arial Black" pitchFamily="34" charset="0"/>
+                <a:ea typeface="+mj-ea"/>
+                <a:cs typeface="+mj-cs"/>
+              </a:rPr>
+            </a:br>
+            <a:r>
+              <a:rPr lang="es-CL" sz="11600" b="1" dirty="0">
+                <a:solidFill>
+                  <a:schemeClr val="tx2"/>
+                </a:solidFill>
+                <a:effectLst>
+                  <a:outerShdw blurRad="31750" dist="25400" dir="5400000" algn="tl" rotWithShape="0">
+                    <a:srgbClr val="000000">
+                      <a:alpha val="25000"/>
+                    </a:srgbClr>
+                  </a:outerShdw>
+                </a:effectLst>
+                <a:latin typeface="Arial Black" pitchFamily="34" charset="0"/>
+                <a:ea typeface="+mj-ea"/>
+                <a:cs typeface="+mj-cs"/>
+              </a:rPr>
+              <a:t/>
+            </a:r>
+            <a:br>
+              <a:rPr lang="es-CL" sz="11600" b="1" dirty="0">
+                <a:solidFill>
+                  <a:schemeClr val="tx2"/>
+                </a:solidFill>
+                <a:effectLst>
+                  <a:outerShdw blurRad="31750" dist="25400" dir="5400000" algn="tl" rotWithShape="0">
+                    <a:srgbClr val="000000">
+                      <a:alpha val="25000"/>
+                    </a:srgbClr>
+                  </a:outerShdw>
+                </a:effectLst>
+                <a:latin typeface="Arial Black" pitchFamily="34" charset="0"/>
+                <a:ea typeface="+mj-ea"/>
+                <a:cs typeface="+mj-cs"/>
+              </a:rPr>
+            </a:br>
+            <a:r>
+              <a:rPr lang="es-CL" dirty="0" smtClean="0"/>
+              <a:t>	</a:t>
+            </a:r>
+            <a:endParaRPr lang="es-CL" sz="2300" dirty="0"/>
+          </a:p>
+        </p:txBody>
+      </p:sp>
+      <p:pic>
+        <p:nvPicPr>
+          <p:cNvPr id="8195" name="Picture 3"/>
+          <p:cNvPicPr>
+            <a:picLocks noChangeAspect="1" noChangeArrowheads="1"/>
+          </p:cNvPicPr>
+          <p:nvPr/>
+        </p:nvPicPr>
+        <p:blipFill>
+          <a:blip r:embed="rId3"/>
+          <a:srcRect/>
+          <a:stretch>
+            <a:fillRect/>
+          </a:stretch>
+        </p:blipFill>
+        <p:spPr bwMode="auto">
+          <a:xfrm>
+            <a:off x="1595544" y="2590830"/>
+            <a:ext cx="6000792" cy="3142426"/>
+          </a:xfrm>
+          <a:prstGeom prst="rect">
+            <a:avLst/>
+          </a:prstGeom>
+          <a:ln>
+            <a:noFill/>
+          </a:ln>
+          <a:effectLst>
+            <a:outerShdw blurRad="292100" dist="139700" dir="2700000" algn="tl" rotWithShape="0">
+              <a:srgbClr val="333333">
+                <a:alpha val="65000"/>
+              </a:srgbClr>
+            </a:outerShdw>
+          </a:effectLst>
+        </p:spPr>
+      </p:pic>
+      <p:pic>
+        <p:nvPicPr>
+          <p:cNvPr id="5" name="Picture 2"/>
+          <p:cNvPicPr>
+            <a:picLocks noChangeAspect="1" noChangeArrowheads="1"/>
+          </p:cNvPicPr>
+          <p:nvPr/>
+        </p:nvPicPr>
+        <p:blipFill>
+          <a:blip r:embed="rId4">
+            <a:extLst>
+              <a:ext uri="{28A0092B-C50C-407E-A947-70E740481C1C}">
+                <a14:useLocalDpi xmlns:a14="http://schemas.microsoft.com/office/drawing/2010/main" val="0"/>
+              </a:ext>
+            </a:extLst>
+          </a:blip>
+          <a:srcRect/>
+          <a:stretch>
+            <a:fillRect/>
+          </a:stretch>
+        </p:blipFill>
+        <p:spPr bwMode="auto">
+          <a:xfrm>
+            <a:off x="7239021" y="6165304"/>
+            <a:ext cx="1638300" cy="419100"/>
+          </a:xfrm>
+          <a:prstGeom prst="rect">
+            <a:avLst/>
+          </a:prstGeom>
+          <a:noFill/>
+          <a:ln>
+            <a:noFill/>
+          </a:ln>
+          <a:effectLst/>
+          <a:extLst>
+            <a:ext uri="{909E8E84-426E-40DD-AFC4-6F175D3DCCD1}">
+              <a14:hiddenFill xmlns:a14="http://schemas.microsoft.com/office/drawing/2010/main">
+                <a:solidFill>
+                  <a:schemeClr val="accent1"/>
+                </a:solidFill>
+              </a14:hiddenFill>
+            </a:ext>
+            <a:ext uri="{91240B29-F687-4F45-9708-019B960494DF}">
+              <a14:hiddenLine xmlns:a14="http://schemas.microsoft.com/office/drawing/2010/main" w="9525">
+                <a:solidFill>
+                  <a:schemeClr val="tx1"/>
+                </a:solidFill>
+                <a:miter lim="800000"/>
+                <a:headEnd/>
+                <a:tailEnd/>
+              </a14:hiddenLine>
+            </a:ext>
+            <a:ext uri="{AF507438-7753-43E0-B8FC-AC1667EBCBE1}">
+              <a14:hiddenEffects xmlns:a14="http://schemas.microsoft.com/office/drawing/2010/main">
+                <a:effectLst>
+                  <a:outerShdw dist="35921" dir="2700000" algn="ctr" rotWithShape="0">
+                    <a:schemeClr val="bg2"/>
+                  </a:outerShdw>
+                </a:effectLst>
+              </a14:hiddenEffects>
+            </a:ext>
+          </a:extLst>
+        </p:spPr>
+      </p:pic>
+      <p:sp>
+        <p:nvSpPr>
+          <p:cNvPr id="4" name="3 Rectángulo"/>
+          <p:cNvSpPr/>
+          <p:nvPr/>
+        </p:nvSpPr>
+        <p:spPr>
+          <a:xfrm>
+            <a:off x="683568" y="1126485"/>
+            <a:ext cx="7992888" cy="1508105"/>
+          </a:xfrm>
+          <a:prstGeom prst="rect">
+            <a:avLst/>
+          </a:prstGeom>
+        </p:spPr>
+        <p:txBody>
+          <a:bodyPr wrap="square">
+            <a:spAutoFit/>
+          </a:bodyPr>
+          <a:lstStyle/>
+          <a:p>
+            <a:r>
+              <a:rPr lang="es-CL" sz="2300" dirty="0" smtClean="0"/>
+              <a:t>	</a:t>
+            </a:r>
+          </a:p>
+          <a:p>
+            <a:r>
+              <a:rPr lang="es-CL" sz="2300" dirty="0" smtClean="0"/>
+              <a:t>Notifique a sus áreas de negocio el cambio en sus Estados Financieros para la cuadratura de sus Revelaciones.</a:t>
+            </a:r>
+            <a:endParaRPr lang="es-CL" sz="2300" dirty="0"/>
+          </a:p>
+        </p:txBody>
+      </p:sp>
+    </p:spTree>
+    <p:extLst>
+      <p:ext uri="{BB962C8B-B14F-4D97-AF65-F5344CB8AC3E}">
+        <p14:creationId xmlns:p14="http://schemas.microsoft.com/office/powerpoint/2010/main" val="2482610731"/>
+      </p:ext>
+    </p:extLst>
+  </p:cSld>
+  <p:clrMapOvr>
+    <a:masterClrMapping/>
+  </p:clrMapOvr>
+  <p:transition spd="slow">
+    <p:fade/>
+  </p:transition>
+  <p:timing>
+    <p:tnLst>
+      <p:par>
+        <p:cTn id="1" dur="indefinite" restart="never" nodeType="tmRoot"/>
+      </p:par>
+    </p:tnLst>
+  </p:timing>
+</p:sld>
+</file>
+
+<file path=ppt/slides/slide18.xml><?xml version="1.0" encoding="utf-8"?>
 <p:sld xmlns:a="http://schemas.openxmlformats.org/drawingml/2006/main" xmlns:r="http://schemas.openxmlformats.org/officeDocument/2006/relationships" xmlns:p="http://schemas.openxmlformats.org/presentationml/2006/main">
   <p:cSld>
     <p:spTree>
@@ -6944,7 +7370,7 @@
               <a:buNone/>
             </a:pPr>
             <a:r>
-              <a:rPr lang="es-CL" sz="11600" b="1" dirty="0">
+              <a:rPr lang="es-CL" sz="9600" b="1" dirty="0">
                 <a:solidFill>
                   <a:schemeClr val="tx2"/>
                 </a:solidFill>
@@ -6962,7 +7388,7 @@
               <a:t>Reportes &gt;</a:t>
             </a:r>
             <a:br>
-              <a:rPr lang="es-CL" sz="11600" b="1" dirty="0">
+              <a:rPr lang="es-CL" sz="9600" b="1" dirty="0">
                 <a:solidFill>
                   <a:schemeClr val="tx2"/>
                 </a:solidFill>
@@ -7006,8 +7432,8 @@
         </p:blipFill>
         <p:spPr bwMode="auto">
           <a:xfrm>
-            <a:off x="1390314" y="3078224"/>
-            <a:ext cx="6494054" cy="2871056"/>
+            <a:off x="2051720" y="3294375"/>
+            <a:ext cx="6206022" cy="2743716"/>
           </a:xfrm>
           <a:prstGeom prst="rect">
             <a:avLst/>
@@ -7097,7 +7523,7 @@
         <p:spPr>
           <a:xfrm>
             <a:off x="611560" y="1052736"/>
-            <a:ext cx="7932386" cy="1872307"/>
+            <a:ext cx="7932386" cy="2241639"/>
           </a:xfrm>
           <a:prstGeom prst="rect">
             <a:avLst/>
@@ -7111,14 +7537,34 @@
           <a:p>
             <a:r>
               <a:rPr lang="es-CL" sz="2300" b="1" dirty="0" smtClean="0"/>
-              <a:t>	EXFIDA</a:t>
+              <a:t>	</a:t>
+            </a:r>
+          </a:p>
+          <a:p>
+            <a:r>
+              <a:rPr lang="es-CL" sz="2400" dirty="0">
+                <a:solidFill>
+                  <a:schemeClr val="tx2">
+                    <a:lumMod val="75000"/>
+                  </a:schemeClr>
+                </a:solidFill>
+                <a:effectLst>
+                  <a:outerShdw blurRad="38100" dist="38100" dir="2700000" algn="tl">
+                    <a:srgbClr val="000000">
+                      <a:alpha val="43137"/>
+                    </a:srgbClr>
+                  </a:outerShdw>
+                </a:effectLst>
+              </a:rPr>
+              <a:t>EXFIDA</a:t>
             </a:r>
             <a:r>
               <a:rPr lang="es-CL" sz="2300" dirty="0" smtClean="0"/>
-              <a:t> provee de una salida por informes para la información de las RF:</a:t>
-            </a:r>
-          </a:p>
-          <a:p>
+              <a:t> provee reportes de su información de Revelaciones para evitar impresiones innecesarias.</a:t>
+            </a:r>
+            <a:br>
+              <a:rPr lang="es-CL" sz="2300" dirty="0" smtClean="0"/>
+            </a:br>
             <a:endParaRPr lang="es-CL" sz="2300" dirty="0"/>
           </a:p>
           <a:p>
@@ -7175,7 +7621,7 @@
 </p:sld>
 </file>
 
-<file path=ppt/slides/slide18.xml><?xml version="1.0" encoding="utf-8"?>
+<file path=ppt/slides/slide19.xml><?xml version="1.0" encoding="utf-8"?>
 <p:sld xmlns:a="http://schemas.openxmlformats.org/drawingml/2006/main" xmlns:r="http://schemas.openxmlformats.org/officeDocument/2006/relationships" xmlns:p="http://schemas.openxmlformats.org/presentationml/2006/main">
   <p:cSld>
     <p:spTree>
@@ -7250,7 +7696,7 @@
               <a:buNone/>
             </a:pPr>
             <a:r>
-              <a:rPr lang="es-CL" sz="2900" b="1" dirty="0">
+              <a:rPr lang="es-CL" sz="2400" b="1" dirty="0">
                 <a:solidFill>
                   <a:schemeClr val="tx2"/>
                 </a:solidFill>
@@ -7268,7 +7714,7 @@
               <a:t>Reportes &gt; Consolidado de RF en MS </a:t>
             </a:r>
             <a:r>
-              <a:rPr lang="es-CL" sz="2900" b="1" dirty="0" smtClean="0">
+              <a:rPr lang="es-CL" sz="2400" b="1" dirty="0" smtClean="0">
                 <a:solidFill>
                   <a:schemeClr val="tx2"/>
                 </a:solidFill>
@@ -7285,7 +7731,7 @@
               </a:rPr>
               <a:t>Word &gt;</a:t>
             </a:r>
-            <a:endParaRPr lang="es-CL" sz="2900" b="1" dirty="0">
+            <a:endParaRPr lang="es-CL" sz="2400" b="1" dirty="0">
               <a:solidFill>
                 <a:schemeClr val="tx2"/>
               </a:solidFill>
@@ -7408,218 +7854,6 @@
     <a:masterClrMapping/>
   </p:clrMapOvr>
   <p:transition spd="slow">
-    <p:fade/>
-  </p:transition>
-  <p:timing>
-    <p:tnLst>
-      <p:par>
-        <p:cTn id="1" dur="indefinite" restart="never" nodeType="tmRoot"/>
-      </p:par>
-    </p:tnLst>
-  </p:timing>
-</p:sld>
-</file>
-
-<file path=ppt/slides/slide19.xml><?xml version="1.0" encoding="utf-8"?>
-<p:sld xmlns:a="http://schemas.openxmlformats.org/drawingml/2006/main" xmlns:r="http://schemas.openxmlformats.org/officeDocument/2006/relationships" xmlns:p="http://schemas.openxmlformats.org/presentationml/2006/main">
-  <p:cSld>
-    <p:spTree>
-      <p:nvGrpSpPr>
-        <p:cNvPr id="1" name=""/>
-        <p:cNvGrpSpPr/>
-        <p:nvPr/>
-      </p:nvGrpSpPr>
-      <p:grpSpPr>
-        <a:xfrm>
-          <a:off x="0" y="0"/>
-          <a:ext cx="0" cy="0"/>
-          <a:chOff x="0" y="0"/>
-          <a:chExt cx="0" cy="0"/>
-        </a:xfrm>
-      </p:grpSpPr>
-      <p:pic>
-        <p:nvPicPr>
-          <p:cNvPr id="5" name="4 Imagen" descr="logo_top_byte.gif"/>
-          <p:cNvPicPr>
-            <a:picLocks noChangeAspect="1"/>
-          </p:cNvPicPr>
-          <p:nvPr/>
-        </p:nvPicPr>
-        <p:blipFill>
-          <a:blip r:embed="rId2">
-            <a:duotone>
-              <a:schemeClr val="bg2">
-                <a:shade val="45000"/>
-                <a:satMod val="135000"/>
-              </a:schemeClr>
-              <a:prstClr val="white"/>
-            </a:duotone>
-          </a:blip>
-          <a:stretch>
-            <a:fillRect/>
-          </a:stretch>
-        </p:blipFill>
-        <p:spPr>
-          <a:xfrm>
-            <a:off x="7572396" y="357166"/>
-            <a:ext cx="971550" cy="971550"/>
-          </a:xfrm>
-          <a:prstGeom prst="rect">
-            <a:avLst/>
-          </a:prstGeom>
-        </p:spPr>
-      </p:pic>
-      <p:sp>
-        <p:nvSpPr>
-          <p:cNvPr id="2" name="1 Marcador de contenido"/>
-          <p:cNvSpPr>
-            <a:spLocks noGrp="1"/>
-          </p:cNvSpPr>
-          <p:nvPr>
-            <p:ph idx="1"/>
-          </p:nvPr>
-        </p:nvSpPr>
-        <p:spPr>
-          <a:xfrm>
-            <a:off x="428596" y="500042"/>
-            <a:ext cx="8229600" cy="5286412"/>
-          </a:xfrm>
-        </p:spPr>
-        <p:txBody>
-          <a:bodyPr>
-            <a:normAutofit/>
-          </a:bodyPr>
-          <a:lstStyle/>
-          <a:p>
-            <a:pPr marL="85725" lvl="2" indent="0" algn="just">
-              <a:buNone/>
-            </a:pPr>
-            <a:r>
-              <a:rPr lang="es-CL" sz="2900" b="1" dirty="0">
-                <a:solidFill>
-                  <a:schemeClr val="tx2"/>
-                </a:solidFill>
-                <a:effectLst>
-                  <a:outerShdw blurRad="31750" dist="25400" dir="5400000" algn="tl" rotWithShape="0">
-                    <a:srgbClr val="000000">
-                      <a:alpha val="25000"/>
-                    </a:srgbClr>
-                  </a:outerShdw>
-                </a:effectLst>
-                <a:latin typeface="Arial Black" pitchFamily="34" charset="0"/>
-                <a:ea typeface="+mj-ea"/>
-                <a:cs typeface="+mj-cs"/>
-              </a:rPr>
-              <a:t>Reportes &gt; RF en Formato MS Excel &gt;</a:t>
-            </a:r>
-          </a:p>
-        </p:txBody>
-      </p:sp>
-      <p:pic>
-        <p:nvPicPr>
-          <p:cNvPr id="5122" name="Picture 2"/>
-          <p:cNvPicPr>
-            <a:picLocks noChangeAspect="1" noChangeArrowheads="1"/>
-          </p:cNvPicPr>
-          <p:nvPr/>
-        </p:nvPicPr>
-        <p:blipFill>
-          <a:blip r:embed="rId3"/>
-          <a:srcRect/>
-          <a:stretch>
-            <a:fillRect/>
-          </a:stretch>
-        </p:blipFill>
-        <p:spPr bwMode="auto">
-          <a:xfrm>
-            <a:off x="451243" y="1571612"/>
-            <a:ext cx="8297221" cy="3857652"/>
-          </a:xfrm>
-          <a:prstGeom prst="rect">
-            <a:avLst/>
-          </a:prstGeom>
-          <a:ln>
-            <a:noFill/>
-          </a:ln>
-          <a:effectLst>
-            <a:outerShdw blurRad="292100" dist="139700" dir="2700000" algn="tl" rotWithShape="0">
-              <a:srgbClr val="333333">
-                <a:alpha val="65000"/>
-              </a:srgbClr>
-            </a:outerShdw>
-          </a:effectLst>
-        </p:spPr>
-      </p:pic>
-      <p:pic>
-        <p:nvPicPr>
-          <p:cNvPr id="6" name="Picture 2"/>
-          <p:cNvPicPr>
-            <a:picLocks noChangeAspect="1" noChangeArrowheads="1"/>
-          </p:cNvPicPr>
-          <p:nvPr/>
-        </p:nvPicPr>
-        <p:blipFill>
-          <a:blip r:embed="rId4">
-            <a:extLst>
-              <a:ext uri="{28A0092B-C50C-407E-A947-70E740481C1C}">
-                <a14:useLocalDpi xmlns:a14="http://schemas.microsoft.com/office/drawing/2010/main" val="0"/>
-              </a:ext>
-            </a:extLst>
-          </a:blip>
-          <a:srcRect/>
-          <a:stretch>
-            <a:fillRect/>
-          </a:stretch>
-        </p:blipFill>
-        <p:spPr bwMode="auto">
-          <a:xfrm>
-            <a:off x="7239021" y="6165304"/>
-            <a:ext cx="1638300" cy="419100"/>
-          </a:xfrm>
-          <a:prstGeom prst="rect">
-            <a:avLst/>
-          </a:prstGeom>
-          <a:noFill/>
-          <a:ln>
-            <a:noFill/>
-          </a:ln>
-          <a:effectLst/>
-          <a:extLst>
-            <a:ext uri="{909E8E84-426E-40DD-AFC4-6F175D3DCCD1}">
-              <a14:hiddenFill xmlns:a14="http://schemas.microsoft.com/office/drawing/2010/main">
-                <a:solidFill>
-                  <a:schemeClr val="accent1"/>
-                </a:solidFill>
-              </a14:hiddenFill>
-            </a:ext>
-            <a:ext uri="{91240B29-F687-4F45-9708-019B960494DF}">
-              <a14:hiddenLine xmlns:a14="http://schemas.microsoft.com/office/drawing/2010/main" w="9525">
-                <a:solidFill>
-                  <a:schemeClr val="tx1"/>
-                </a:solidFill>
-                <a:miter lim="800000"/>
-                <a:headEnd/>
-                <a:tailEnd/>
-              </a14:hiddenLine>
-            </a:ext>
-            <a:ext uri="{AF507438-7753-43E0-B8FC-AC1667EBCBE1}">
-              <a14:hiddenEffects xmlns:a14="http://schemas.microsoft.com/office/drawing/2010/main">
-                <a:effectLst>
-                  <a:outerShdw dist="35921" dir="2700000" algn="ctr" rotWithShape="0">
-                    <a:schemeClr val="bg2"/>
-                  </a:outerShdw>
-                </a:effectLst>
-              </a14:hiddenEffects>
-            </a:ext>
-          </a:extLst>
-        </p:spPr>
-      </p:pic>
-    </p:spTree>
-  </p:cSld>
-  <p:clrMapOvr>
-    <a:masterClrMapping/>
-  </p:clrMapOvr>
-  <p:transition spd="slow" advClick="0">
     <p:fade/>
   </p:transition>
   <p:timing>
@@ -7708,11 +7942,15 @@
             </a:pPr>
             <a:r>
               <a:rPr lang="es-CL" sz="2300" dirty="0" smtClean="0"/>
-              <a:t>	Somos </a:t>
+              <a:t>	Somos una empresa </a:t>
             </a:r>
             <a:r>
               <a:rPr lang="es-CL" sz="2300" dirty="0" smtClean="0"/>
-              <a:t>una empresa chilena con 18 años de experiencia profesional en las áreas de desarrollo de software y consultoría.</a:t>
+              <a:t>Chilena </a:t>
+            </a:r>
+            <a:r>
+              <a:rPr lang="es-CL" sz="2300" dirty="0" smtClean="0"/>
+              <a:t>con 18 años de experiencia profesional en las áreas de desarrollo de software y consultoría.</a:t>
             </a:r>
             <a:endParaRPr lang="es-MX" sz="2300" dirty="0" smtClean="0"/>
           </a:p>
@@ -7740,11 +7978,7 @@
             </a:pPr>
             <a:r>
               <a:rPr lang="es-MX" sz="2300" dirty="0" smtClean="0"/>
-              <a:t>	Actualmente</a:t>
-            </a:r>
-            <a:r>
-              <a:rPr lang="es-MX" sz="2300" dirty="0" smtClean="0"/>
-              <a:t>, en nuestra línea de productos ofrecemos, desarrollo de Proyectos de Software específicamente en Arquitecturas JEE (Java Enterprise Edition), Consultoría Tecnológica y Funcional en Módulos SAP R3, Desarrollo de Productos de Software y venta e implementación de Infraestructura, a objeto de </a:t>
+              <a:t>	Actualmente, en nuestra línea de productos ofrecemos, desarrollo de Proyectos de Software específicamente en Arquitecturas JEE (Java Enterprise Edition), Consultoría Tecnológica y Funcional en Módulos SAP R3, Desarrollo de Productos de Software y venta e implementación de Infraestructura, a objeto de </a:t>
             </a:r>
             <a:r>
               <a:rPr lang="es-ES" sz="2300" dirty="0" smtClean="0"/>
@@ -7795,13 +8029,7 @@
               <a:rPr lang="es-CL" sz="3200" dirty="0" smtClean="0">
                 <a:latin typeface="Arial Black" pitchFamily="34" charset="0"/>
               </a:rPr>
-              <a:t>Nuestra </a:t>
-            </a:r>
-            <a:r>
-              <a:rPr lang="es-CL" sz="3200" dirty="0" smtClean="0">
-                <a:latin typeface="Arial Black" pitchFamily="34" charset="0"/>
-              </a:rPr>
-              <a:t>empresa &gt;</a:t>
+              <a:t>Nuestra empresa &gt;</a:t>
             </a:r>
             <a:endParaRPr lang="es-CL" sz="3200" dirty="0">
               <a:latin typeface="Arial Black" pitchFamily="34" charset="0"/>
@@ -7869,6 +8097,251 @@
 </file>
 
 <file path=ppt/slides/slide20.xml><?xml version="1.0" encoding="utf-8"?>
+<p:sld xmlns:a="http://schemas.openxmlformats.org/drawingml/2006/main" xmlns:r="http://schemas.openxmlformats.org/officeDocument/2006/relationships" xmlns:p="http://schemas.openxmlformats.org/presentationml/2006/main">
+  <p:cSld>
+    <p:spTree>
+      <p:nvGrpSpPr>
+        <p:cNvPr id="1" name=""/>
+        <p:cNvGrpSpPr/>
+        <p:nvPr/>
+      </p:nvGrpSpPr>
+      <p:grpSpPr>
+        <a:xfrm>
+          <a:off x="0" y="0"/>
+          <a:ext cx="0" cy="0"/>
+          <a:chOff x="0" y="0"/>
+          <a:chExt cx="0" cy="0"/>
+        </a:xfrm>
+      </p:grpSpPr>
+      <p:pic>
+        <p:nvPicPr>
+          <p:cNvPr id="5" name="4 Imagen" descr="logo_top_byte.gif"/>
+          <p:cNvPicPr>
+            <a:picLocks noChangeAspect="1"/>
+          </p:cNvPicPr>
+          <p:nvPr/>
+        </p:nvPicPr>
+        <p:blipFill>
+          <a:blip r:embed="rId2">
+            <a:duotone>
+              <a:schemeClr val="bg2">
+                <a:shade val="45000"/>
+                <a:satMod val="135000"/>
+              </a:schemeClr>
+              <a:prstClr val="white"/>
+            </a:duotone>
+          </a:blip>
+          <a:stretch>
+            <a:fillRect/>
+          </a:stretch>
+        </p:blipFill>
+        <p:spPr>
+          <a:xfrm>
+            <a:off x="7572396" y="357166"/>
+            <a:ext cx="971550" cy="971550"/>
+          </a:xfrm>
+          <a:prstGeom prst="rect">
+            <a:avLst/>
+          </a:prstGeom>
+        </p:spPr>
+      </p:pic>
+      <p:sp>
+        <p:nvSpPr>
+          <p:cNvPr id="2" name="1 Marcador de contenido"/>
+          <p:cNvSpPr>
+            <a:spLocks noGrp="1"/>
+          </p:cNvSpPr>
+          <p:nvPr>
+            <p:ph idx="1"/>
+          </p:nvPr>
+        </p:nvSpPr>
+        <p:spPr>
+          <a:xfrm>
+            <a:off x="428596" y="500042"/>
+            <a:ext cx="8229600" cy="5286412"/>
+          </a:xfrm>
+        </p:spPr>
+        <p:txBody>
+          <a:bodyPr>
+            <a:normAutofit/>
+          </a:bodyPr>
+          <a:lstStyle/>
+          <a:p>
+            <a:pPr marL="85725" lvl="2" indent="0" algn="just">
+              <a:buNone/>
+            </a:pPr>
+            <a:r>
+              <a:rPr lang="es-CL" sz="2400" b="1" dirty="0">
+                <a:solidFill>
+                  <a:schemeClr val="tx2"/>
+                </a:solidFill>
+                <a:effectLst>
+                  <a:outerShdw blurRad="31750" dist="25400" dir="5400000" algn="tl" rotWithShape="0">
+                    <a:srgbClr val="000000">
+                      <a:alpha val="25000"/>
+                    </a:srgbClr>
+                  </a:outerShdw>
+                </a:effectLst>
+                <a:latin typeface="Arial Black" pitchFamily="34" charset="0"/>
+                <a:ea typeface="+mj-ea"/>
+                <a:cs typeface="+mj-cs"/>
+              </a:rPr>
+              <a:t>Reportes</a:t>
+            </a:r>
+            <a:r>
+              <a:rPr lang="es-CL" sz="2800" b="1" dirty="0">
+                <a:solidFill>
+                  <a:schemeClr val="tx2"/>
+                </a:solidFill>
+                <a:effectLst>
+                  <a:outerShdw blurRad="31750" dist="25400" dir="5400000" algn="tl" rotWithShape="0">
+                    <a:srgbClr val="000000">
+                      <a:alpha val="25000"/>
+                    </a:srgbClr>
+                  </a:outerShdw>
+                </a:effectLst>
+                <a:latin typeface="Arial Black" pitchFamily="34" charset="0"/>
+                <a:ea typeface="+mj-ea"/>
+                <a:cs typeface="+mj-cs"/>
+              </a:rPr>
+              <a:t> &gt; RF en Formato MS Excel &gt;</a:t>
+            </a:r>
+            <a:endParaRPr lang="es-CL" sz="2900" b="1" dirty="0">
+              <a:solidFill>
+                <a:schemeClr val="tx2"/>
+              </a:solidFill>
+              <a:effectLst>
+                <a:outerShdw blurRad="31750" dist="25400" dir="5400000" algn="tl" rotWithShape="0">
+                  <a:srgbClr val="000000">
+                    <a:alpha val="25000"/>
+                  </a:srgbClr>
+                </a:outerShdw>
+              </a:effectLst>
+              <a:latin typeface="Arial Black" pitchFamily="34" charset="0"/>
+              <a:ea typeface="+mj-ea"/>
+              <a:cs typeface="+mj-cs"/>
+            </a:endParaRPr>
+          </a:p>
+        </p:txBody>
+      </p:sp>
+      <p:pic>
+        <p:nvPicPr>
+          <p:cNvPr id="5122" name="Picture 2"/>
+          <p:cNvPicPr>
+            <a:picLocks noChangeAspect="1" noChangeArrowheads="1"/>
+          </p:cNvPicPr>
+          <p:nvPr/>
+        </p:nvPicPr>
+        <p:blipFill>
+          <a:blip r:embed="rId3"/>
+          <a:srcRect/>
+          <a:stretch>
+            <a:fillRect/>
+          </a:stretch>
+        </p:blipFill>
+        <p:spPr bwMode="auto">
+          <a:xfrm>
+            <a:off x="451243" y="1571612"/>
+            <a:ext cx="8297221" cy="3857652"/>
+          </a:xfrm>
+          <a:prstGeom prst="rect">
+            <a:avLst/>
+          </a:prstGeom>
+          <a:ln>
+            <a:noFill/>
+          </a:ln>
+          <a:effectLst>
+            <a:outerShdw blurRad="292100" dist="139700" dir="2700000" algn="tl" rotWithShape="0">
+              <a:srgbClr val="333333">
+                <a:alpha val="65000"/>
+              </a:srgbClr>
+            </a:outerShdw>
+          </a:effectLst>
+        </p:spPr>
+      </p:pic>
+      <p:pic>
+        <p:nvPicPr>
+          <p:cNvPr id="6" name="Picture 2"/>
+          <p:cNvPicPr>
+            <a:picLocks noChangeAspect="1" noChangeArrowheads="1"/>
+          </p:cNvPicPr>
+          <p:nvPr/>
+        </p:nvPicPr>
+        <p:blipFill>
+          <a:blip r:embed="rId4">
+            <a:extLst>
+              <a:ext uri="{28A0092B-C50C-407E-A947-70E740481C1C}">
+                <a14:useLocalDpi xmlns:a14="http://schemas.microsoft.com/office/drawing/2010/main" val="0"/>
+              </a:ext>
+            </a:extLst>
+          </a:blip>
+          <a:srcRect/>
+          <a:stretch>
+            <a:fillRect/>
+          </a:stretch>
+        </p:blipFill>
+        <p:spPr bwMode="auto">
+          <a:xfrm>
+            <a:off x="7239021" y="6165304"/>
+            <a:ext cx="1638300" cy="419100"/>
+          </a:xfrm>
+          <a:prstGeom prst="rect">
+            <a:avLst/>
+          </a:prstGeom>
+          <a:noFill/>
+          <a:ln>
+            <a:noFill/>
+          </a:ln>
+          <a:effectLst/>
+          <a:extLst>
+            <a:ext uri="{909E8E84-426E-40DD-AFC4-6F175D3DCCD1}">
+              <a14:hiddenFill xmlns:a14="http://schemas.microsoft.com/office/drawing/2010/main">
+                <a:solidFill>
+                  <a:schemeClr val="accent1"/>
+                </a:solidFill>
+              </a14:hiddenFill>
+            </a:ext>
+            <a:ext uri="{91240B29-F687-4F45-9708-019B960494DF}">
+              <a14:hiddenLine xmlns:a14="http://schemas.microsoft.com/office/drawing/2010/main" w="9525">
+                <a:solidFill>
+                  <a:schemeClr val="tx1"/>
+                </a:solidFill>
+                <a:miter lim="800000"/>
+                <a:headEnd/>
+                <a:tailEnd/>
+              </a14:hiddenLine>
+            </a:ext>
+            <a:ext uri="{AF507438-7753-43E0-B8FC-AC1667EBCBE1}">
+              <a14:hiddenEffects xmlns:a14="http://schemas.microsoft.com/office/drawing/2010/main">
+                <a:effectLst>
+                  <a:outerShdw dist="35921" dir="2700000" algn="ctr" rotWithShape="0">
+                    <a:schemeClr val="bg2"/>
+                  </a:outerShdw>
+                </a:effectLst>
+              </a14:hiddenEffects>
+            </a:ext>
+          </a:extLst>
+        </p:spPr>
+      </p:pic>
+    </p:spTree>
+  </p:cSld>
+  <p:clrMapOvr>
+    <a:masterClrMapping/>
+  </p:clrMapOvr>
+  <p:transition spd="slow" advClick="0">
+    <p:fade/>
+  </p:transition>
+  <p:timing>
+    <p:tnLst>
+      <p:par>
+        <p:cTn id="1" dur="indefinite" restart="never" nodeType="tmRoot"/>
+      </p:par>
+    </p:tnLst>
+  </p:timing>
+</p:sld>
+</file>
+
+<file path=ppt/slides/slide21.xml><?xml version="1.0" encoding="utf-8"?>
 <p:sld xmlns:a="http://schemas.openxmlformats.org/drawingml/2006/main" xmlns:r="http://schemas.openxmlformats.org/officeDocument/2006/relationships" xmlns:p="http://schemas.openxmlformats.org/presentationml/2006/main">
   <p:cSld>
     <p:spTree>
@@ -7943,6 +8416,24 @@
               <a:buNone/>
             </a:pPr>
             <a:r>
+              <a:rPr lang="es-CL" sz="4400" b="1" dirty="0">
+                <a:solidFill>
+                  <a:schemeClr val="tx2"/>
+                </a:solidFill>
+                <a:effectLst>
+                  <a:outerShdw blurRad="31750" dist="25400" dir="5400000" algn="tl" rotWithShape="0">
+                    <a:srgbClr val="000000">
+                      <a:alpha val="25000"/>
+                    </a:srgbClr>
+                  </a:outerShdw>
+                </a:effectLst>
+                <a:latin typeface="Arial Black" pitchFamily="34" charset="0"/>
+                <a:ea typeface="+mj-ea"/>
+                <a:cs typeface="+mj-cs"/>
+              </a:rPr>
+              <a:t>Seguridad &gt;</a:t>
+            </a:r>
+            <a:r>
               <a:rPr lang="es-CL" sz="4600" b="1" dirty="0">
                 <a:solidFill>
                   <a:schemeClr val="tx2"/>
@@ -7958,7 +8449,7 @@
                 <a:ea typeface="+mj-ea"/>
                 <a:cs typeface="+mj-cs"/>
               </a:rPr>
-              <a:t>Seguridad &gt;</a:t>
+              <a:t/>
             </a:r>
             <a:br>
               <a:rPr lang="es-CL" sz="4600" b="1" dirty="0">
@@ -8121,7 +8612,31 @@
             </a:pPr>
             <a:r>
               <a:rPr lang="es-CL" sz="2000" dirty="0"/>
-              <a:t>Administre usuarios, grupos y empresas.</a:t>
+              <a:t>Administre </a:t>
+            </a:r>
+            <a:r>
+              <a:rPr lang="es-CL" sz="2000" dirty="0" smtClean="0"/>
+              <a:t>sus Usuarios</a:t>
+            </a:r>
+            <a:r>
+              <a:rPr lang="es-CL" sz="2000" dirty="0"/>
+              <a:t>, </a:t>
+            </a:r>
+            <a:r>
+              <a:rPr lang="es-CL" sz="2000" dirty="0" smtClean="0"/>
+              <a:t>Grupos </a:t>
+            </a:r>
+            <a:r>
+              <a:rPr lang="es-CL" sz="2000" dirty="0"/>
+              <a:t>y </a:t>
+            </a:r>
+            <a:r>
+              <a:rPr lang="es-CL" sz="2000" dirty="0" smtClean="0"/>
+              <a:t>Empresas</a:t>
+            </a:r>
+            <a:r>
+              <a:rPr lang="es-CL" sz="2000" dirty="0"/>
+              <a:t>.</a:t>
             </a:r>
           </a:p>
           <a:p>
@@ -8161,7 +8676,7 @@
 </p:sld>
 </file>
 
-<file path=ppt/slides/slide21.xml><?xml version="1.0" encoding="utf-8"?>
+<file path=ppt/slides/slide22.xml><?xml version="1.0" encoding="utf-8"?>
 <p:sld xmlns:a="http://schemas.openxmlformats.org/drawingml/2006/main" xmlns:r="http://schemas.openxmlformats.org/officeDocument/2006/relationships" xmlns:p="http://schemas.openxmlformats.org/presentationml/2006/main">
   <p:cSld>
     <p:spTree>
@@ -8227,7 +8742,7 @@
         </p:blipFill>
         <p:spPr bwMode="auto">
           <a:xfrm>
-            <a:off x="6238937" y="3432364"/>
+            <a:off x="6227431" y="3339565"/>
             <a:ext cx="2305009" cy="1817627"/>
           </a:xfrm>
           <a:prstGeom prst="rect">
@@ -8262,7 +8777,7 @@
         </p:blipFill>
         <p:spPr bwMode="auto">
           <a:xfrm>
-            <a:off x="6119978" y="1623274"/>
+            <a:off x="5940152" y="1623274"/>
             <a:ext cx="2665436" cy="1510015"/>
           </a:xfrm>
           <a:prstGeom prst="rect">
@@ -8332,7 +8847,7 @@
         </p:blipFill>
         <p:spPr bwMode="auto">
           <a:xfrm>
-            <a:off x="573905" y="2204864"/>
+            <a:off x="788637" y="2454731"/>
             <a:ext cx="2271195" cy="1622341"/>
           </a:xfrm>
           <a:prstGeom prst="rect">
@@ -8476,17 +8991,207 @@
         </p:blipFill>
         <p:spPr bwMode="auto">
           <a:xfrm>
-            <a:off x="3669334" y="2490743"/>
+            <a:off x="3563888" y="2490743"/>
             <a:ext cx="2143125" cy="2143125"/>
           </a:xfrm>
           <a:prstGeom prst="rect">
             <a:avLst/>
           </a:prstGeom>
-          <a:noFill/>
+          <a:solidFill>
+            <a:srgbClr val="FFFFFF">
+              <a:shade val="85000"/>
+            </a:srgbClr>
+          </a:solidFill>
+          <a:ln w="190500" cap="rnd">
+            <a:solidFill>
+              <a:srgbClr val="FFFFFF"/>
+            </a:solidFill>
+          </a:ln>
+          <a:effectLst>
+            <a:outerShdw blurRad="50000" algn="tl" rotWithShape="0">
+              <a:srgbClr val="000000">
+                <a:alpha val="41000"/>
+              </a:srgbClr>
+            </a:outerShdw>
+          </a:effectLst>
+          <a:scene3d>
+            <a:camera prst="orthographicFront"/>
+            <a:lightRig rig="twoPt" dir="t">
+              <a:rot lat="0" lon="0" rev="7800000"/>
+            </a:lightRig>
+          </a:scene3d>
+          <a:sp3d contourW="6350">
+            <a:bevelT w="50800" h="16510"/>
+            <a:contourClr>
+              <a:srgbClr val="C0C0C0"/>
+            </a:contourClr>
+          </a:sp3d>
+          <a:extLst/>
+        </p:spPr>
+      </p:pic>
+      <p:sp>
+        <p:nvSpPr>
+          <p:cNvPr id="9" name="1 Marcador de contenido"/>
+          <p:cNvSpPr>
+            <a:spLocks noGrp="1"/>
+          </p:cNvSpPr>
+          <p:nvPr>
+            <p:ph idx="1"/>
+          </p:nvPr>
+        </p:nvSpPr>
+        <p:spPr>
+          <a:xfrm>
+            <a:off x="428596" y="428604"/>
+            <a:ext cx="8229600" cy="768148"/>
+          </a:xfrm>
+        </p:spPr>
+        <p:txBody>
+          <a:bodyPr>
+            <a:normAutofit fontScale="47500" lnSpcReduction="20000"/>
+          </a:bodyPr>
+          <a:lstStyle/>
+          <a:p>
+            <a:pPr marL="109728" indent="0">
+              <a:buNone/>
+            </a:pPr>
+            <a:r>
+              <a:rPr lang="es-CL" sz="4600" b="1" dirty="0" smtClean="0">
+                <a:solidFill>
+                  <a:schemeClr val="tx2"/>
+                </a:solidFill>
+                <a:effectLst>
+                  <a:outerShdw blurRad="31750" dist="25400" dir="5400000" algn="tl" rotWithShape="0">
+                    <a:srgbClr val="000000">
+                      <a:alpha val="25000"/>
+                    </a:srgbClr>
+                  </a:outerShdw>
+                </a:effectLst>
+                <a:latin typeface="Arial Black" pitchFamily="34" charset="0"/>
+                <a:ea typeface="+mj-ea"/>
+                <a:cs typeface="+mj-cs"/>
+              </a:rPr>
+              <a:t>Trabajemos juntos &gt; EXFIDA</a:t>
+            </a:r>
+            <a:r>
+              <a:rPr lang="es-CL" sz="4600" b="1" dirty="0">
+                <a:solidFill>
+                  <a:schemeClr val="tx2"/>
+                </a:solidFill>
+                <a:effectLst>
+                  <a:outerShdw blurRad="31750" dist="25400" dir="5400000" algn="tl" rotWithShape="0">
+                    <a:srgbClr val="000000">
+                      <a:alpha val="25000"/>
+                    </a:srgbClr>
+                  </a:outerShdw>
+                </a:effectLst>
+                <a:latin typeface="Arial Black" pitchFamily="34" charset="0"/>
+                <a:ea typeface="+mj-ea"/>
+                <a:cs typeface="+mj-cs"/>
+              </a:rPr>
+              <a:t/>
+            </a:r>
+            <a:br>
+              <a:rPr lang="es-CL" sz="4600" b="1" dirty="0">
+                <a:solidFill>
+                  <a:schemeClr val="tx2"/>
+                </a:solidFill>
+                <a:effectLst>
+                  <a:outerShdw blurRad="31750" dist="25400" dir="5400000" algn="tl" rotWithShape="0">
+                    <a:srgbClr val="000000">
+                      <a:alpha val="25000"/>
+                    </a:srgbClr>
+                  </a:outerShdw>
+                </a:effectLst>
+                <a:latin typeface="Arial Black" pitchFamily="34" charset="0"/>
+                <a:ea typeface="+mj-ea"/>
+                <a:cs typeface="+mj-cs"/>
+              </a:rPr>
+            </a:br>
+            <a:r>
+              <a:rPr lang="es-CL" dirty="0" smtClean="0"/>
+              <a:t/>
+            </a:r>
+            <a:br>
+              <a:rPr lang="es-CL" dirty="0" smtClean="0"/>
+            </a:br>
+            <a:endParaRPr lang="es-CL" dirty="0" smtClean="0"/>
+          </a:p>
+        </p:txBody>
+      </p:sp>
+      <p:pic>
+        <p:nvPicPr>
+          <p:cNvPr id="11" name="Picture 2"/>
+          <p:cNvPicPr>
+            <a:picLocks noChangeAspect="1" noChangeArrowheads="1"/>
+          </p:cNvPicPr>
+          <p:nvPr/>
+        </p:nvPicPr>
+        <p:blipFill>
+          <a:blip r:embed="rId9"/>
+          <a:srcRect/>
+          <a:stretch>
+            <a:fillRect/>
+          </a:stretch>
+        </p:blipFill>
+        <p:spPr bwMode="auto">
+          <a:xfrm>
+            <a:off x="3131840" y="4878646"/>
+            <a:ext cx="3218115" cy="1496208"/>
+          </a:xfrm>
+          <a:prstGeom prst="rect">
+            <a:avLst/>
+          </a:prstGeom>
           <a:ln>
             <a:noFill/>
           </a:ln>
-          <a:effectLst/>
+          <a:effectLst>
+            <a:outerShdw blurRad="292100" dist="139700" dir="2700000" algn="tl" rotWithShape="0">
+              <a:srgbClr val="333333">
+                <a:alpha val="65000"/>
+              </a:srgbClr>
+            </a:outerShdw>
+          </a:effectLst>
+        </p:spPr>
+      </p:pic>
+      <p:pic>
+        <p:nvPicPr>
+          <p:cNvPr id="1026" name="Picture 2"/>
+          <p:cNvPicPr>
+            <a:picLocks noChangeAspect="1" noChangeArrowheads="1"/>
+          </p:cNvPicPr>
+          <p:nvPr/>
+        </p:nvPicPr>
+        <p:blipFill>
+          <a:blip r:embed="rId10" cstate="print">
+            <a:extLst>
+              <a:ext uri="{28A0092B-C50C-407E-A947-70E740481C1C}">
+                <a14:useLocalDpi xmlns:a14="http://schemas.microsoft.com/office/drawing/2010/main" val="0"/>
+              </a:ext>
+            </a:extLst>
+          </a:blip>
+          <a:srcRect/>
+          <a:stretch>
+            <a:fillRect/>
+          </a:stretch>
+        </p:blipFill>
+        <p:spPr bwMode="auto">
+          <a:xfrm>
+            <a:off x="2843808" y="954103"/>
+            <a:ext cx="3059831" cy="1466785"/>
+          </a:xfrm>
+          <a:prstGeom prst="rect">
+            <a:avLst/>
+          </a:prstGeom>
+          <a:ln>
+            <a:noFill/>
+          </a:ln>
+          <a:effectLst>
+            <a:outerShdw blurRad="292100" dist="139700" dir="2700000" algn="tl" rotWithShape="0">
+              <a:srgbClr val="333333">
+                <a:alpha val="65000"/>
+              </a:srgbClr>
+            </a:outerShdw>
+          </a:effectLst>
           <a:extLst>
             <a:ext uri="{909E8E84-426E-40DD-AFC4-6F175D3DCCD1}">
               <a14:hiddenFill xmlns:a14="http://schemas.microsoft.com/office/drawing/2010/main">
@@ -8505,173 +9210,7 @@
                 <a:tailEnd/>
               </a14:hiddenLine>
             </a:ext>
-            <a:ext uri="{AF507438-7753-43E0-B8FC-AC1667EBCBE1}">
-              <a14:hiddenEffects xmlns:a14="http://schemas.microsoft.com/office/drawing/2010/main">
-                <a:effectLst>
-                  <a:outerShdw dist="35921" dir="2700000" algn="ctr" rotWithShape="0">
-                    <a:schemeClr val="bg2"/>
-                  </a:outerShdw>
-                </a:effectLst>
-              </a14:hiddenEffects>
-            </a:ext>
           </a:extLst>
-        </p:spPr>
-      </p:pic>
-      <p:sp>
-        <p:nvSpPr>
-          <p:cNvPr id="9" name="1 Marcador de contenido"/>
-          <p:cNvSpPr>
-            <a:spLocks noGrp="1"/>
-          </p:cNvSpPr>
-          <p:nvPr>
-            <p:ph idx="1"/>
-          </p:nvPr>
-        </p:nvSpPr>
-        <p:spPr>
-          <a:xfrm>
-            <a:off x="428596" y="428604"/>
-            <a:ext cx="8229600" cy="768148"/>
-          </a:xfrm>
-        </p:spPr>
-        <p:txBody>
-          <a:bodyPr>
-            <a:normAutofit fontScale="47500" lnSpcReduction="20000"/>
-          </a:bodyPr>
-          <a:lstStyle/>
-          <a:p>
-            <a:pPr marL="109728" indent="0">
-              <a:buNone/>
-            </a:pPr>
-            <a:r>
-              <a:rPr lang="es-CL" sz="4600" b="1" dirty="0" smtClean="0">
-                <a:solidFill>
-                  <a:schemeClr val="tx2"/>
-                </a:solidFill>
-                <a:effectLst>
-                  <a:outerShdw blurRad="31750" dist="25400" dir="5400000" algn="tl" rotWithShape="0">
-                    <a:srgbClr val="000000">
-                      <a:alpha val="25000"/>
-                    </a:srgbClr>
-                  </a:outerShdw>
-                </a:effectLst>
-                <a:latin typeface="Arial Black" pitchFamily="34" charset="0"/>
-                <a:ea typeface="+mj-ea"/>
-                <a:cs typeface="+mj-cs"/>
-              </a:rPr>
-              <a:t>Trabajemos juntos &gt; XFIDA</a:t>
-            </a:r>
-            <a:r>
-              <a:rPr lang="es-CL" sz="4600" b="1" dirty="0">
-                <a:solidFill>
-                  <a:schemeClr val="tx2"/>
-                </a:solidFill>
-                <a:effectLst>
-                  <a:outerShdw blurRad="31750" dist="25400" dir="5400000" algn="tl" rotWithShape="0">
-                    <a:srgbClr val="000000">
-                      <a:alpha val="25000"/>
-                    </a:srgbClr>
-                  </a:outerShdw>
-                </a:effectLst>
-                <a:latin typeface="Arial Black" pitchFamily="34" charset="0"/>
-                <a:ea typeface="+mj-ea"/>
-                <a:cs typeface="+mj-cs"/>
-              </a:rPr>
-              <a:t/>
-            </a:r>
-            <a:br>
-              <a:rPr lang="es-CL" sz="4600" b="1" dirty="0">
-                <a:solidFill>
-                  <a:schemeClr val="tx2"/>
-                </a:solidFill>
-                <a:effectLst>
-                  <a:outerShdw blurRad="31750" dist="25400" dir="5400000" algn="tl" rotWithShape="0">
-                    <a:srgbClr val="000000">
-                      <a:alpha val="25000"/>
-                    </a:srgbClr>
-                  </a:outerShdw>
-                </a:effectLst>
-                <a:latin typeface="Arial Black" pitchFamily="34" charset="0"/>
-                <a:ea typeface="+mj-ea"/>
-                <a:cs typeface="+mj-cs"/>
-              </a:rPr>
-            </a:br>
-            <a:r>
-              <a:rPr lang="es-CL" dirty="0" smtClean="0"/>
-              <a:t/>
-            </a:r>
-            <a:br>
-              <a:rPr lang="es-CL" dirty="0" smtClean="0"/>
-            </a:br>
-            <a:endParaRPr lang="es-CL" dirty="0" smtClean="0"/>
-          </a:p>
-        </p:txBody>
-      </p:sp>
-      <p:pic>
-        <p:nvPicPr>
-          <p:cNvPr id="11" name="Picture 2"/>
-          <p:cNvPicPr>
-            <a:picLocks noChangeAspect="1" noChangeArrowheads="1"/>
-          </p:cNvPicPr>
-          <p:nvPr/>
-        </p:nvPicPr>
-        <p:blipFill>
-          <a:blip r:embed="rId9"/>
-          <a:srcRect/>
-          <a:stretch>
-            <a:fillRect/>
-          </a:stretch>
-        </p:blipFill>
-        <p:spPr bwMode="auto">
-          <a:xfrm>
-            <a:off x="3131840" y="4878646"/>
-            <a:ext cx="3218115" cy="1496208"/>
-          </a:xfrm>
-          <a:prstGeom prst="rect">
-            <a:avLst/>
-          </a:prstGeom>
-          <a:ln>
-            <a:noFill/>
-          </a:ln>
-          <a:effectLst>
-            <a:outerShdw blurRad="292100" dist="139700" dir="2700000" algn="tl" rotWithShape="0">
-              <a:srgbClr val="333333">
-                <a:alpha val="65000"/>
-              </a:srgbClr>
-            </a:outerShdw>
-          </a:effectLst>
-        </p:spPr>
-      </p:pic>
-      <p:pic>
-        <p:nvPicPr>
-          <p:cNvPr id="12" name="Picture 3"/>
-          <p:cNvPicPr>
-            <a:picLocks noChangeAspect="1" noChangeArrowheads="1"/>
-          </p:cNvPicPr>
-          <p:nvPr/>
-        </p:nvPicPr>
-        <p:blipFill rotWithShape="1">
-          <a:blip r:embed="rId10"/>
-          <a:srcRect r="38424" b="7028"/>
-          <a:stretch/>
-        </p:blipFill>
-        <p:spPr bwMode="auto">
-          <a:xfrm>
-            <a:off x="2285531" y="850457"/>
-            <a:ext cx="3999958" cy="1496591"/>
-          </a:xfrm>
-          <a:prstGeom prst="rect">
-            <a:avLst/>
-          </a:prstGeom>
-          <a:ln>
-            <a:noFill/>
-          </a:ln>
-          <a:effectLst>
-            <a:outerShdw blurRad="292100" dist="139700" dir="2700000" algn="tl" rotWithShape="0">
-              <a:srgbClr val="333333">
-                <a:alpha val="65000"/>
-              </a:srgbClr>
-            </a:outerShdw>
-          </a:effectLst>
         </p:spPr>
       </p:pic>
     </p:spTree>
@@ -8813,7 +9352,19 @@
             </a:r>
             <a:r>
               <a:rPr lang="es-CL" sz="2300" dirty="0" smtClean="0"/>
-              <a:t>ganarnos su confianza, a través de soluciones tecnológicas que permitan hacer más eficiente la gestión del negocio de su Empresa y brindándole a su Compañía siempre un valor agregado.</a:t>
+              <a:t>ganar </a:t>
+            </a:r>
+            <a:r>
+              <a:rPr lang="es-CL" sz="2300" dirty="0" smtClean="0"/>
+              <a:t>su confianza, a través de soluciones tecnológicas que permitan hacer más eficiente la gestión </a:t>
+            </a:r>
+            <a:r>
+              <a:rPr lang="es-CL" sz="2300" dirty="0" smtClean="0"/>
+              <a:t>de su Negocio, brindándole </a:t>
+            </a:r>
+            <a:r>
+              <a:rPr lang="es-CL" sz="2300" dirty="0" smtClean="0"/>
+              <a:t>a su Compañía siempre un valor agregado.</a:t>
             </a:r>
             <a:r>
               <a:rPr lang="es-CL" sz="2400" dirty="0" smtClean="0"/>
@@ -8835,8 +9386,13 @@
             <a:pPr lvl="2" algn="just"/>
             <a:r>
               <a:rPr lang="es-CL" sz="2000" dirty="0" smtClean="0"/>
-              <a:t>Optimizamos la utilización de los recursos y su utilización.</a:t>
-            </a:r>
+              <a:t>Optimizamos la utilización de </a:t>
+            </a:r>
+            <a:r>
+              <a:rPr lang="es-CL" sz="2000" dirty="0" smtClean="0"/>
+              <a:t>sus recursos. </a:t>
+            </a:r>
+            <a:endParaRPr lang="es-CL" sz="2000" dirty="0" smtClean="0"/>
           </a:p>
           <a:p>
             <a:pPr lvl="2" algn="just"/>
@@ -9862,27 +10418,7 @@
             </a:pPr>
             <a:r>
               <a:rPr lang="es-CL" sz="2300" dirty="0" smtClean="0"/>
-              <a:t>	Según </a:t>
-            </a:r>
-            <a:r>
-              <a:rPr lang="es-CL" sz="2300" dirty="0" smtClean="0"/>
-              <a:t>la normativa de la </a:t>
-            </a:r>
-            <a:r>
-              <a:rPr lang="es-CL" sz="2300" dirty="0" smtClean="0"/>
-              <a:t>Superintendencia de </a:t>
-            </a:r>
-            <a:r>
-              <a:rPr lang="es-CL" sz="2300" dirty="0" smtClean="0"/>
-              <a:t>Valores y Seguros. Los estados financieros deberán prepararse de acuerdo a las </a:t>
-            </a:r>
-            <a:r>
-              <a:rPr lang="es-CL" sz="2300" dirty="0" smtClean="0"/>
-              <a:t>normas internacionales </a:t>
-            </a:r>
-            <a:r>
-              <a:rPr lang="es-CL" sz="2300" dirty="0" smtClean="0"/>
-              <a:t>de Información Financiera (IFRS) emitidas por la International Accounting Standard Board (IASB).</a:t>
+              <a:t>	Según la normativa de la Superintendencia de Valores y Seguros. Los estados financieros deberán prepararse de acuerdo a las normas internacionales de Información Financiera (IFRS) emitidas por la International Accounting Standard Board (IASB).</a:t>
             </a:r>
           </a:p>
           <a:p>
@@ -9895,27 +10431,7 @@
             </a:pPr>
             <a:r>
               <a:rPr lang="es-CL" sz="2300" dirty="0" smtClean="0"/>
-              <a:t>	Adicionalmente </a:t>
-            </a:r>
-            <a:r>
-              <a:rPr lang="es-CL" sz="2300" dirty="0" smtClean="0"/>
-              <a:t>la SVS especifica que las entidades aseguradoras deben divulgar información que no esta directamente reflejada en dichos </a:t>
-            </a:r>
-            <a:r>
-              <a:rPr lang="es-CL" sz="2300" dirty="0" smtClean="0"/>
-              <a:t>estados financieros</a:t>
-            </a:r>
-            <a:r>
-              <a:rPr lang="es-CL" sz="2300" dirty="0" smtClean="0"/>
-              <a:t>. Esta información llamada </a:t>
-            </a:r>
-            <a:r>
-              <a:rPr lang="es-CL" sz="2300" dirty="0" smtClean="0"/>
-              <a:t>revelaciones financieras (RF) </a:t>
-            </a:r>
-            <a:r>
-              <a:rPr lang="es-CL" sz="2300" dirty="0" smtClean="0"/>
-              <a:t>deberá ser presentada con carácter de obligatoria.</a:t>
+              <a:t>	Adicionalmente la SVS especifica que las entidades aseguradoras deben divulgar información que no esta directamente reflejada en dichos estados financieros. Esta información llamada revelaciones financieras (RF) deberá ser presentada con carácter de obligatoria.</a:t>
             </a:r>
           </a:p>
           <a:p>
@@ -9947,12 +10463,12 @@
           <a:lstStyle/>
           <a:p>
             <a:r>
-              <a:rPr lang="es-CL" sz="2900" dirty="0" smtClean="0">
+              <a:rPr lang="es-CL" sz="2400" dirty="0" smtClean="0">
                 <a:latin typeface="Arial Black" pitchFamily="34" charset="0"/>
               </a:rPr>
               <a:t>IFRS, XBRL. La estandarización financiera ya esta aquí &gt;</a:t>
             </a:r>
-            <a:endParaRPr lang="es-CL" sz="2900" dirty="0">
+            <a:endParaRPr lang="es-CL" sz="2400" dirty="0">
               <a:latin typeface="Arial Black" pitchFamily="34" charset="0"/>
             </a:endParaRPr>
           </a:p>
@@ -10079,45 +10595,6 @@
         <p:spPr bwMode="auto">
           <a:xfrm>
             <a:off x="460375" y="160337"/>
-            <a:ext cx="304800" cy="304801"/>
-          </a:xfrm>
-          <a:prstGeom prst="rect">
-            <a:avLst/>
-          </a:prstGeom>
-          <a:noFill/>
-          <a:extLst>
-            <a:ext uri="{909E8E84-426E-40DD-AFC4-6F175D3DCCD1}">
-              <a14:hiddenFill xmlns:a14="http://schemas.microsoft.com/office/drawing/2010/main">
-                <a:solidFill>
-                  <a:srgbClr val="FFFFFF"/>
-                </a:solidFill>
-              </a14:hiddenFill>
-            </a:ext>
-          </a:extLst>
-        </p:spPr>
-        <p:txBody>
-          <a:bodyPr vert="horz" wrap="square" lIns="91440" tIns="45720" rIns="91440" bIns="45720" numCol="1" anchor="t" anchorCtr="0" compatLnSpc="1">
-            <a:prstTxWarp prst="textNoShape">
-              <a:avLst/>
-            </a:prstTxWarp>
-          </a:bodyPr>
-          <a:lstStyle/>
-          <a:p>
-            <a:endParaRPr lang="es-CL"/>
-          </a:p>
-        </p:txBody>
-      </p:sp>
-      <p:sp>
-        <p:nvSpPr>
-          <p:cNvPr id="8" name="AutoShape 8" descr="data:image/jpeg;base64,/9j/4AAQSkZJRgABAQAAAQABAAD/2wCEAAkGBhQSEBITEhITFBQUGRwaFxcWFx0fIBwiGhgdIBwXGBohJyofIx0jIBgZHy8sKCovLSwuHB8xNjAqPSYtLCkBCQoKDgwOGA4PFjUkHiQqNTY1NSktNSk1Mis1LTUsLjAyNTU1NiwqNSs1LCwyNTU1NiotLTU1NikpKTU1LDYpKf/AABEIACYAoQMBIgACEQEDEQH/xAAcAAEAAgMAAwAAAAAAAAAAAAAABQYDBAcBAgj/xAA5EAABAwIEAgYIBQQDAAAAAAABAAIDBBEFBhIhMUEHExdUYdEiMkJRcYGRkhRyobHBIzQ1UhVDsv/EABoBAQADAAMAAAAAAAAAAAAAAAACBAUBBgf/xAAmEQACAgECBAcBAAAAAAAAAAAAAQIRAwQhIjFTkRMUFVFhcYFB/9oADAMBAAIRAxEAPwCM7T8R7yfsZ5J2n4j3k/YzyVWRQs9C8pg6a7ItPafiPeT9jPJO0/Ee8n7GeSqyJY8pg6a7ItPafiPeT9jPJZqfpDxWS+iaR9uOmJpt8bNVQXUcotnOEWwuwqet/r3LQeBtpLvRta36oVdVjwYYqXhR3dbpJL72JWAV9oWS4tHFUTM1NhdCy/A7X+X7qnVueMXh1dZJI0NNi4xNtfwOmyuVbNRjEKP8Y1xrtEYOn1A/2S/e3w4jgvNWKvqsRGK6fwukmPTY7g+jotv7vW3vbxXJlYskYtOeOLuuaS/tcO3ESmT8emmwl1RK/VKBJ6VgPVvbYC2yydHmNzVMEjpn63NdYGwHLwCi8gf4J/5Zv5Wbon/tpvz/AMKS5GNrIqOeaS2tkXh2MYlVTzRwVDB1ZPrgDbVbazSpiHC8Y1N1VMBbcX35c/8ArVZyxmaKjq6l02qziQNIB9u/MhXXCOkSmqZmQxiTU+9rtbbYE7+kfchVIjN+O1bK+Onp5QzrA0AEC13G1ybErHiFdi9IzrZHRSxt9awB2952abeI4LFmp1sapSdgDH/7W7mrP9O6nkigJlfINIs02F+ZJG/ha6As2WcfbWU7ZQNJvpc33EcR+oPzVXx7NVTPWGjobNLTZ0m3LibkEBo4cLqW6PcGfT0dpRpc9xfp5gEAAHx2v81VcappsNxB1WyPrInkm/L0vWa4+yb7g/vugJOXB8XhGtlUJrblmxv8A4b/AFCsuIV9SwNdHCJBpBc2xBub3tvbbZa+A56pqohrXGOQ+w/a/wCU8D+/grCgMdO5xY0vADiBqA5G24HzWREQBERAfKSLpHYfU94g+jvJOw+p7xB9HeShTO9+paXqHN0XSOw+p7xB9HeSdh9T3iD6O8kpj1LS9Q5uui5fliqsJFK2pjo5opdTnOdp6wG+9+PPl/qF79h9T3iD6O8l47D6jvEH0d5JTK+fWaXKkvFpp2WSpxWKKvoKd1L+Jk0MAqyBqOxGpu24HEm+260ZGto/+SfVVsdQyQPb+H1elqLjpBaeBF7bfHkpjDMv4rBCyFlVSFrBpaXRuLgOW/gqpL0KVTnFzqmEucSSSHbk8TwXJmYpYLqWRJfFu979uH8LFkD/AAT/AITfys3RP/bTfn/hSuWsqvpsONI57HOIeNTb29O9uO/NZMmZYfRRPY97Xlzr3aCOXipLkZGrmp55yi9m2Vfo8ha6tq9TQePEA+2uispGA3DGg+8NCreVsoPpaieV0jXCW9gARa7r73VpQrHNc3QtfjNM1wDmuMYIPAgu3BW1nvJrGQiopY2xui3cIxa4/wBgBzbxUvi+UHzV8NUJGhsZYS0g3Ol19jwVncwEEEXB2IKAhMnZhFXTNcT/AFGejIPH3/A8fqpvZw5EH5hVHBMkyUlY6WKZnUvveMtN7He1+FweC1Jso18Msj6SrAbI4u0u4DUb8CHN/RAaPSVlyCGNk8TRG8vAIbsDcE3A5EW5K55VrHS0UEkm7nMFz77bX/RVVuQampla+vqQ9rfZb+w2DRfwCvsMIY1rWizWgAD3AcAgPdERAEREAREQBERAEREAREQBERAEREAREQBERAEREAREQBERAf/Z"/>
-          <p:cNvSpPr>
-            <a:spLocks noChangeAspect="1" noChangeArrowheads="1"/>
-          </p:cNvSpPr>
-          <p:nvPr/>
-        </p:nvSpPr>
-        <p:spPr bwMode="auto">
-          <a:xfrm>
-            <a:off x="612775" y="312737"/>
             <a:ext cx="304800" cy="304801"/>
           </a:xfrm>
           <a:prstGeom prst="rect">
@@ -10314,11 +10791,7 @@
             </a:pPr>
             <a:r>
               <a:rPr lang="es-CL" sz="2300" dirty="0" smtClean="0"/>
-              <a:t>	Desde </a:t>
-            </a:r>
-            <a:r>
-              <a:rPr lang="es-CL" sz="2300" dirty="0" smtClean="0"/>
-              <a:t>el nacimiento de la normativa </a:t>
+              <a:t>	Desde el nacimiento de la normativa </a:t>
             </a:r>
             <a:br>
               <a:rPr lang="es-CL" sz="2300" dirty="0" smtClean="0"/>
@@ -10326,48 +10799,6 @@
             <a:r>
               <a:rPr lang="es-CL" sz="2300" dirty="0" smtClean="0"/>
               <a:t>con la circular 2022 en Mayo del 2011, existen hasta la fecha, tres modificaciones en la definición de la Normativa impactando directamente en la Estructura y Contenido de las Revelaciones. Esto implica un alto porcentaje de variabilidad de la Información que se debe preparar y presentar.</a:t>
-            </a:r>
-          </a:p>
-        </p:txBody>
-      </p:sp>
-      <p:sp>
-        <p:nvSpPr>
-          <p:cNvPr id="4" name="3 Rectángulo"/>
-          <p:cNvSpPr/>
-          <p:nvPr/>
-        </p:nvSpPr>
-        <p:spPr>
-          <a:xfrm>
-            <a:off x="755576" y="357166"/>
-            <a:ext cx="7560840" cy="984885"/>
-          </a:xfrm>
-          <a:prstGeom prst="rect">
-            <a:avLst/>
-          </a:prstGeom>
-        </p:spPr>
-        <p:txBody>
-          <a:bodyPr wrap="square">
-            <a:spAutoFit/>
-          </a:bodyPr>
-          <a:lstStyle/>
-          <a:p>
-            <a:r>
-              <a:rPr lang="es-CL" sz="2900" b="1" dirty="0">
-                <a:solidFill>
-                  <a:schemeClr val="tx2"/>
-                </a:solidFill>
-                <a:effectLst>
-                  <a:outerShdw blurRad="31750" dist="25400" dir="5400000" algn="tl" rotWithShape="0">
-                    <a:srgbClr val="000000">
-                      <a:alpha val="25000"/>
-                    </a:srgbClr>
-                  </a:outerShdw>
-                </a:effectLst>
-                <a:latin typeface="Arial Black" pitchFamily="34" charset="0"/>
-                <a:ea typeface="+mj-ea"/>
-                <a:cs typeface="+mj-cs"/>
-              </a:rPr>
-              <a:t>IFRS, XBRL. La estandarización financiera ya esta aquí &gt;</a:t>
             </a:r>
           </a:p>
         </p:txBody>
@@ -10436,6 +10867,51 @@
           </a:extLst>
         </p:spPr>
       </p:pic>
+      <p:sp>
+        <p:nvSpPr>
+          <p:cNvPr id="6" name="1 Título"/>
+          <p:cNvSpPr>
+            <a:spLocks noGrp="1"/>
+          </p:cNvSpPr>
+          <p:nvPr>
+            <p:ph type="title"/>
+          </p:nvPr>
+        </p:nvSpPr>
+        <p:spPr>
+          <a:xfrm>
+            <a:off x="457200" y="274638"/>
+            <a:ext cx="8229600" cy="850106"/>
+          </a:xfrm>
+        </p:spPr>
+        <p:txBody>
+          <a:bodyPr>
+            <a:noAutofit/>
+          </a:bodyPr>
+          <a:lstStyle/>
+          <a:p>
+            <a:r>
+              <a:rPr lang="es-CL" sz="2400" dirty="0" smtClean="0">
+                <a:latin typeface="Arial Black" pitchFamily="34" charset="0"/>
+              </a:rPr>
+              <a:t>IFRS, XBRL. La estandarización financiera  </a:t>
+            </a:r>
+            <a:br>
+              <a:rPr lang="es-CL" sz="2400" dirty="0" smtClean="0">
+                <a:latin typeface="Arial Black" pitchFamily="34" charset="0"/>
+              </a:rPr>
+            </a:br>
+            <a:r>
+              <a:rPr lang="es-CL" sz="2400" dirty="0" smtClean="0">
+                <a:latin typeface="Arial Black" pitchFamily="34" charset="0"/>
+              </a:rPr>
+              <a:t>esta aquí &gt;</a:t>
+            </a:r>
+            <a:endParaRPr lang="es-CL" sz="2400" dirty="0">
+              <a:latin typeface="Arial Black" pitchFamily="34" charset="0"/>
+            </a:endParaRPr>
+          </a:p>
+        </p:txBody>
+      </p:sp>
     </p:spTree>
   </p:cSld>
   <p:clrMapOvr>
@@ -10515,8 +10991,8 @@
         </p:nvSpPr>
         <p:spPr>
           <a:xfrm>
-            <a:off x="428596" y="500043"/>
-            <a:ext cx="8229600" cy="624702"/>
+            <a:off x="426949" y="335498"/>
+            <a:ext cx="8229600" cy="696709"/>
           </a:xfrm>
         </p:spPr>
         <p:txBody>
@@ -10554,7 +11030,7 @@
         </p:nvSpPr>
         <p:spPr>
           <a:xfrm>
-            <a:off x="457200" y="274638"/>
+            <a:off x="478603" y="129529"/>
             <a:ext cx="8229600" cy="1143000"/>
           </a:xfrm>
         </p:spPr>
@@ -10565,18 +11041,18 @@
           <a:lstStyle/>
           <a:p>
             <a:r>
-              <a:rPr lang="es-CL" sz="2900" dirty="0">
+              <a:rPr lang="es-CL" sz="2400" dirty="0">
                 <a:latin typeface="Arial Black" pitchFamily="34" charset="0"/>
               </a:rPr>
               <a:t>Nuestra </a:t>
             </a:r>
             <a:r>
-              <a:rPr lang="es-CL" sz="2900" dirty="0" smtClean="0">
+              <a:rPr lang="es-CL" sz="2400" dirty="0" smtClean="0">
                 <a:latin typeface="Arial Black" pitchFamily="34" charset="0"/>
               </a:rPr>
               <a:t>respuesta al desafío &gt;</a:t>
             </a:r>
-            <a:endParaRPr lang="es-CL" sz="2900" dirty="0">
+            <a:endParaRPr lang="es-CL" sz="2400" dirty="0">
               <a:latin typeface="Arial Black" pitchFamily="34" charset="0"/>
             </a:endParaRPr>
           </a:p>
@@ -10610,31 +11086,15 @@
             </a:r>
             <a:r>
               <a:rPr lang="es-CL" sz="2300" dirty="0"/>
-              <a:t>Tomando </a:t>
+              <a:t>Tomando en cuenta este nuevo escenario y pensando en ayudar al desarrollo de su </a:t>
+            </a:r>
+            <a:r>
+              <a:rPr lang="es-CL" sz="2300" dirty="0" smtClean="0"/>
+              <a:t>negocio, </a:t>
             </a:r>
             <a:r>
               <a:rPr lang="es-CL" sz="2300" dirty="0"/>
-              <a:t>en cuenta </a:t>
-            </a:r>
-            <a:r>
-              <a:rPr lang="es-CL" sz="2300" dirty="0"/>
-              <a:t>este nuevo escenario y pensando en ayudar al desarrollo de su negocio de vuestra empresa, </a:t>
-            </a:r>
-            <a:r>
-              <a:rPr lang="es-CL" sz="2300" dirty="0"/>
-              <a:t>hemos desarrollado un producto </a:t>
-            </a:r>
-            <a:r>
-              <a:rPr lang="es-CL" sz="2300" dirty="0"/>
-              <a:t>flexible, capaz de ajustarse a los requerimientos de información de su empresa y la Superintendencia </a:t>
-            </a:r>
-            <a:r>
-              <a:rPr lang="es-CL" sz="2300" dirty="0"/>
-              <a:t>de Valores y </a:t>
-            </a:r>
-            <a:r>
-              <a:rPr lang="es-CL" sz="2300" dirty="0"/>
-              <a:t>Seguros (SVS). </a:t>
+              <a:t>hemos desarrollado un producto flexible, capaz de ajustarse a los requerimientos de información de su empresa y la Superintendencia de Valores y Seguros (SVS). </a:t>
             </a:r>
           </a:p>
           <a:p>
@@ -10642,17 +11102,12 @@
               <a:rPr lang="es-CL" sz="2300" dirty="0"/>
               <a:t>	</a:t>
             </a:r>
-            <a:endParaRPr lang="es-CL" sz="2300" dirty="0"/>
           </a:p>
           <a:p>
             <a:pPr algn="just"/>
             <a:r>
               <a:rPr lang="es-CL" sz="2300" dirty="0"/>
-              <a:t>	</a:t>
-            </a:r>
-            <a:r>
-              <a:rPr lang="es-CL" sz="2300" dirty="0"/>
-              <a:t>Estamos hablando de </a:t>
+              <a:t>	Estamos hablando de </a:t>
             </a:r>
             <a:r>
               <a:rPr lang="es-CL" sz="2300" b="1" dirty="0"/>
@@ -10660,17 +11115,16 @@
             </a:r>
             <a:r>
               <a:rPr lang="es-CL" sz="2300" dirty="0"/>
-              <a:t> un software capaz de una adaptación </a:t>
+              <a:t> un </a:t>
+            </a:r>
+            <a:r>
+              <a:rPr lang="es-CL" sz="2300" dirty="0" smtClean="0"/>
+              <a:t>software que provee flexibilidad a </a:t>
             </a:r>
             <a:r>
               <a:rPr lang="es-CL" sz="2300" dirty="0"/>
-              <a:t>única a la hora de enfrentar los </a:t>
-            </a:r>
-            <a:r>
-              <a:rPr lang="es-CL" sz="2300" dirty="0"/>
-              <a:t>continuos cambios del mundo IFRS, estados financieros  (EEFF) y XBRL.</a:t>
-            </a:r>
-            <a:endParaRPr lang="es-CL" sz="2300" dirty="0"/>
+              <a:t>la hora de enfrentar los continuos cambios del mundo IFRS, estados financieros  (EEFF) y XBRL.</a:t>
+            </a:r>
           </a:p>
         </p:txBody>
       </p:sp>
@@ -10738,6 +11192,65 @@
           </a:extLst>
         </p:spPr>
       </p:pic>
+      <p:sp>
+        <p:nvSpPr>
+          <p:cNvPr id="7" name="1 Título"/>
+          <p:cNvSpPr txBox="1">
+            <a:spLocks/>
+          </p:cNvSpPr>
+          <p:nvPr/>
+        </p:nvSpPr>
+        <p:spPr>
+          <a:xfrm>
+            <a:off x="457200" y="274638"/>
+            <a:ext cx="8229600" cy="850106"/>
+          </a:xfrm>
+          <a:prstGeom prst="rect">
+            <a:avLst/>
+          </a:prstGeom>
+        </p:spPr>
+        <p:txBody>
+          <a:bodyPr vert="horz" rtlCol="0" anchor="ctr">
+            <a:noAutofit/>
+            <a:scene3d>
+              <a:camera prst="orthographicFront"/>
+              <a:lightRig rig="soft" dir="t"/>
+            </a:scene3d>
+            <a:sp3d prstMaterial="softEdge">
+              <a:bevelT w="25400" h="25400"/>
+            </a:sp3d>
+          </a:bodyPr>
+          <a:lstStyle>
+            <a:lvl1pPr algn="l" rtl="0" eaLnBrk="1" latinLnBrk="0" hangingPunct="1">
+              <a:spcBef>
+                <a:spcPct val="0"/>
+              </a:spcBef>
+              <a:buNone/>
+              <a:defRPr kumimoji="0" sz="4100" b="1" kern="1200">
+                <a:solidFill>
+                  <a:schemeClr val="tx2"/>
+                </a:solidFill>
+                <a:effectLst>
+                  <a:outerShdw blurRad="31750" dist="25400" dir="5400000" algn="tl" rotWithShape="0">
+                    <a:srgbClr val="000000">
+                      <a:alpha val="25000"/>
+                    </a:srgbClr>
+                  </a:outerShdw>
+                </a:effectLst>
+                <a:latin typeface="+mj-lt"/>
+                <a:ea typeface="+mj-ea"/>
+                <a:cs typeface="+mj-cs"/>
+              </a:defRPr>
+            </a:lvl1pPr>
+            <a:extLst/>
+          </a:lstStyle>
+          <a:p>
+            <a:endParaRPr lang="es-CL" sz="2400" dirty="0">
+              <a:latin typeface="Arial Black" pitchFamily="34" charset="0"/>
+            </a:endParaRPr>
+          </a:p>
+        </p:txBody>
+      </p:sp>
     </p:spTree>
   </p:cSld>
   <p:clrMapOvr>
@@ -10791,7 +11304,7 @@
         </p:spPr>
         <p:txBody>
           <a:bodyPr>
-            <a:normAutofit fontScale="92500"/>
+            <a:normAutofit fontScale="92500" lnSpcReduction="10000"/>
           </a:bodyPr>
           <a:lstStyle/>
           <a:p>
@@ -10853,7 +11366,6 @@
               <a:rPr lang="es-CL" sz="2300" dirty="0" smtClean="0"/>
               <a:t>Cumple con las especificaciones de la SVS.</a:t>
             </a:r>
-            <a:endParaRPr lang="es-CL" sz="2300" dirty="0" smtClean="0"/>
           </a:p>
           <a:p>
             <a:pPr algn="just">
@@ -10882,13 +11394,8 @@
             </a:r>
             <a:r>
               <a:rPr lang="es-CL" sz="2300" dirty="0" smtClean="0"/>
-              <a:t> a la SVS</a:t>
-            </a:r>
-            <a:r>
-              <a:rPr lang="es-CL" sz="2300" dirty="0" smtClean="0"/>
-              <a:t>.</a:t>
-            </a:r>
-            <a:endParaRPr lang="es-CL" sz="2300" dirty="0" smtClean="0"/>
+              <a:t> a la SVS.</a:t>
+            </a:r>
           </a:p>
           <a:p>
             <a:pPr algn="just">
@@ -10897,11 +11404,7 @@
             </a:pPr>
             <a:r>
               <a:rPr lang="es-CL" sz="2300" dirty="0" smtClean="0"/>
-              <a:t>Proporciona </a:t>
-            </a:r>
-            <a:r>
-              <a:rPr lang="es-CL" sz="2300" dirty="0" smtClean="0"/>
-              <a:t>herramientas de Control que permiten tener una visión amplia sobre el estado de completitud de los datos para los períodos informados.</a:t>
+              <a:t>Proporciona herramientas de Control que permiten tener una visión amplia sobre el estado de completitud de los datos para los períodos informados (Workflow de Aprobación).</a:t>
             </a:r>
           </a:p>
           <a:p>
@@ -10941,8 +11444,8 @@
         </p:nvSpPr>
         <p:spPr>
           <a:xfrm>
-            <a:off x="457200" y="274638"/>
-            <a:ext cx="8229600" cy="568303"/>
+            <a:off x="457200" y="260648"/>
+            <a:ext cx="8229600" cy="792088"/>
           </a:xfrm>
         </p:spPr>
         <p:txBody>
@@ -10952,18 +11455,18 @@
           <a:lstStyle/>
           <a:p>
             <a:r>
-              <a:rPr lang="es-CL" sz="2900" dirty="0">
+              <a:rPr lang="es-CL" sz="2400" dirty="0">
                 <a:latin typeface="Arial Black" pitchFamily="34" charset="0"/>
               </a:rPr>
               <a:t>Principales </a:t>
             </a:r>
             <a:r>
-              <a:rPr lang="es-CL" sz="2900" dirty="0" smtClean="0">
+              <a:rPr lang="es-CL" sz="2400" dirty="0" smtClean="0">
                 <a:latin typeface="Arial Black" pitchFamily="34" charset="0"/>
               </a:rPr>
               <a:t>Características &gt;</a:t>
             </a:r>
-            <a:endParaRPr lang="es-CL" sz="2900" dirty="0">
+            <a:endParaRPr lang="es-CL" sz="2400" dirty="0">
               <a:latin typeface="Arial Black" pitchFamily="34" charset="0"/>
             </a:endParaRPr>
           </a:p>

--- a/trunk/docs/comercial/brochure_2.pptx
+++ b/trunk/docs/comercial/brochure_2.pptx
@@ -754,7 +754,7 @@
             <a:fld id="{DE3A2F4D-761B-49FA-B2B4-D6F123DD324B}" type="datetimeFigureOut">
               <a:rPr lang="es-CL" smtClean="0"/>
               <a:pPr/>
-              <a:t>31-07-2012</a:t>
+              <a:t>15-08-2012</a:t>
             </a:fld>
             <a:endParaRPr lang="es-CL"/>
           </a:p>
@@ -955,7 +955,7 @@
             <a:fld id="{DE3A2F4D-761B-49FA-B2B4-D6F123DD324B}" type="datetimeFigureOut">
               <a:rPr lang="es-CL" smtClean="0"/>
               <a:pPr/>
-              <a:t>31-07-2012</a:t>
+              <a:t>15-08-2012</a:t>
             </a:fld>
             <a:endParaRPr lang="es-CL"/>
           </a:p>
@@ -1145,7 +1145,7 @@
             <a:fld id="{DE3A2F4D-761B-49FA-B2B4-D6F123DD324B}" type="datetimeFigureOut">
               <a:rPr lang="es-CL" smtClean="0"/>
               <a:pPr/>
-              <a:t>31-07-2012</a:t>
+              <a:t>15-08-2012</a:t>
             </a:fld>
             <a:endParaRPr lang="es-CL"/>
           </a:p>
@@ -1300,7 +1300,7 @@
             <a:fld id="{DE3A2F4D-761B-49FA-B2B4-D6F123DD324B}" type="datetimeFigureOut">
               <a:rPr lang="es-CL" smtClean="0"/>
               <a:pPr/>
-              <a:t>31-07-2012</a:t>
+              <a:t>15-08-2012</a:t>
             </a:fld>
             <a:endParaRPr lang="es-CL"/>
           </a:p>
@@ -1560,7 +1560,7 @@
             <a:fld id="{DE3A2F4D-761B-49FA-B2B4-D6F123DD324B}" type="datetimeFigureOut">
               <a:rPr lang="es-CL" smtClean="0"/>
               <a:pPr/>
-              <a:t>31-07-2012</a:t>
+              <a:t>15-08-2012</a:t>
             </a:fld>
             <a:endParaRPr lang="es-CL"/>
           </a:p>
@@ -1974,7 +1974,7 @@
             <a:fld id="{DE3A2F4D-761B-49FA-B2B4-D6F123DD324B}" type="datetimeFigureOut">
               <a:rPr lang="es-CL" smtClean="0"/>
               <a:pPr/>
-              <a:t>31-07-2012</a:t>
+              <a:t>15-08-2012</a:t>
             </a:fld>
             <a:endParaRPr lang="es-CL"/>
           </a:p>
@@ -2425,7 +2425,7 @@
             <a:fld id="{DE3A2F4D-761B-49FA-B2B4-D6F123DD324B}" type="datetimeFigureOut">
               <a:rPr lang="es-CL" smtClean="0"/>
               <a:pPr/>
-              <a:t>31-07-2012</a:t>
+              <a:t>15-08-2012</a:t>
             </a:fld>
             <a:endParaRPr lang="es-CL"/>
           </a:p>
@@ -2531,7 +2531,7 @@
             <a:fld id="{DE3A2F4D-761B-49FA-B2B4-D6F123DD324B}" type="datetimeFigureOut">
               <a:rPr lang="es-CL" smtClean="0"/>
               <a:pPr/>
-              <a:t>31-07-2012</a:t>
+              <a:t>15-08-2012</a:t>
             </a:fld>
             <a:endParaRPr lang="es-CL"/>
           </a:p>
@@ -2657,7 +2657,7 @@
             <a:fld id="{DE3A2F4D-761B-49FA-B2B4-D6F123DD324B}" type="datetimeFigureOut">
               <a:rPr lang="es-CL" smtClean="0"/>
               <a:pPr/>
-              <a:t>31-07-2012</a:t>
+              <a:t>15-08-2012</a:t>
             </a:fld>
             <a:endParaRPr lang="es-CL"/>
           </a:p>
@@ -2936,7 +2936,7 @@
             <a:fld id="{DE3A2F4D-761B-49FA-B2B4-D6F123DD324B}" type="datetimeFigureOut">
               <a:rPr lang="es-CL" smtClean="0"/>
               <a:pPr/>
-              <a:t>31-07-2012</a:t>
+              <a:t>15-08-2012</a:t>
             </a:fld>
             <a:endParaRPr lang="es-CL"/>
           </a:p>
@@ -3146,7 +3146,7 @@
             <a:fld id="{DE3A2F4D-761B-49FA-B2B4-D6F123DD324B}" type="datetimeFigureOut">
               <a:rPr lang="es-CL" smtClean="0"/>
               <a:pPr/>
-              <a:t>31-07-2012</a:t>
+              <a:t>15-08-2012</a:t>
             </a:fld>
             <a:endParaRPr lang="es-CL"/>
           </a:p>
@@ -4260,7 +4260,7 @@
             <a:fld id="{DE3A2F4D-761B-49FA-B2B4-D6F123DD324B}" type="datetimeFigureOut">
               <a:rPr lang="es-CL" smtClean="0"/>
               <a:pPr/>
-              <a:t>31-07-2012</a:t>
+              <a:t>15-08-2012</a:t>
             </a:fld>
             <a:endParaRPr lang="es-CL"/>
           </a:p>
@@ -4695,7 +4695,7 @@
           <a:p>
             <a:r>
               <a:rPr lang="es-CL" dirty="0" smtClean="0"/>
-              <a:t>EXFIDA </a:t>
+              <a:t> </a:t>
             </a:r>
             <a:r>
               <a:rPr lang="es-CL" sz="2000" dirty="0" smtClean="0"/>
@@ -4750,6 +4750,30 @@
           <a:xfrm>
             <a:off x="706368" y="643488"/>
             <a:ext cx="1273344" cy="1273344"/>
+          </a:xfrm>
+          <a:prstGeom prst="rect">
+            <a:avLst/>
+          </a:prstGeom>
+        </p:spPr>
+      </p:pic>
+      <p:pic>
+        <p:nvPicPr>
+          <p:cNvPr id="5" name="4 Imagen" descr="logo_exfida.png"/>
+          <p:cNvPicPr>
+            <a:picLocks noChangeAspect="1"/>
+          </p:cNvPicPr>
+          <p:nvPr/>
+        </p:nvPicPr>
+        <p:blipFill>
+          <a:blip r:embed="rId3"/>
+          <a:stretch>
+            <a:fillRect/>
+          </a:stretch>
+        </p:blipFill>
+        <p:spPr>
+          <a:xfrm>
+            <a:off x="2000232" y="3286124"/>
+            <a:ext cx="3143272" cy="792348"/>
           </a:xfrm>
           <a:prstGeom prst="rect">
             <a:avLst/>
@@ -4879,7 +4903,7 @@
           <a:blip r:embed="rId3">
             <a:extLst>
               <a:ext uri="{28A0092B-C50C-407E-A947-70E740481C1C}">
-                <a14:useLocalDpi xmlns:a14="http://schemas.microsoft.com/office/drawing/2010/main" val="0"/>
+                <a14:useLocalDpi xmlns:a14="http://schemas.microsoft.com/office/drawing/2010/main" xmlns="" val="0"/>
               </a:ext>
             </a:extLst>
           </a:blip>
@@ -4908,14 +4932,14 @@
           </a:effectLst>
           <a:extLst>
             <a:ext uri="{909E8E84-426E-40DD-AFC4-6F175D3DCCD1}">
-              <a14:hiddenFill xmlns:a14="http://schemas.microsoft.com/office/drawing/2010/main">
+              <a14:hiddenFill xmlns:a14="http://schemas.microsoft.com/office/drawing/2010/main" xmlns="">
                 <a:solidFill>
                   <a:schemeClr val="accent1"/>
                 </a:solidFill>
               </a14:hiddenFill>
             </a:ext>
             <a:ext uri="{91240B29-F687-4F45-9708-019B960494DF}">
-              <a14:hiddenLine xmlns:a14="http://schemas.microsoft.com/office/drawing/2010/main" w="9525">
+              <a14:hiddenLine xmlns:a14="http://schemas.microsoft.com/office/drawing/2010/main" xmlns="" w="9525">
                 <a:solidFill>
                   <a:schemeClr val="tx1"/>
                 </a:solidFill>
@@ -5456,66 +5480,26 @@
       </p:pic>
       <p:pic>
         <p:nvPicPr>
-          <p:cNvPr id="6" name="Picture 2"/>
+          <p:cNvPr id="7" name="6 Imagen" descr="logo_exfida.png"/>
           <p:cNvPicPr>
-            <a:picLocks noChangeAspect="1" noChangeArrowheads="1"/>
+            <a:picLocks noChangeAspect="1"/>
           </p:cNvPicPr>
           <p:nvPr/>
         </p:nvPicPr>
         <p:blipFill>
-          <a:blip r:embed="rId4">
-            <a:extLst>
-              <a:ext uri="{28A0092B-C50C-407E-A947-70E740481C1C}">
-                <a14:useLocalDpi xmlns:a14="http://schemas.microsoft.com/office/drawing/2010/main" val="0"/>
-              </a:ext>
-            </a:extLst>
-          </a:blip>
-          <a:srcRect/>
+          <a:blip r:embed="rId4"/>
           <a:stretch>
             <a:fillRect/>
           </a:stretch>
         </p:blipFill>
-        <p:spPr bwMode="auto">
-          <a:xfrm>
-            <a:off x="7239021" y="6165304"/>
-            <a:ext cx="1638300" cy="419100"/>
+        <p:spPr>
+          <a:xfrm>
+            <a:off x="6572264" y="6072206"/>
+            <a:ext cx="2286015" cy="576253"/>
           </a:xfrm>
           <a:prstGeom prst="rect">
             <a:avLst/>
           </a:prstGeom>
-          <a:noFill/>
-          <a:ln>
-            <a:noFill/>
-          </a:ln>
-          <a:effectLst/>
-          <a:extLst>
-            <a:ext uri="{909E8E84-426E-40DD-AFC4-6F175D3DCCD1}">
-              <a14:hiddenFill xmlns:a14="http://schemas.microsoft.com/office/drawing/2010/main">
-                <a:solidFill>
-                  <a:schemeClr val="accent1"/>
-                </a:solidFill>
-              </a14:hiddenFill>
-            </a:ext>
-            <a:ext uri="{91240B29-F687-4F45-9708-019B960494DF}">
-              <a14:hiddenLine xmlns:a14="http://schemas.microsoft.com/office/drawing/2010/main" w="9525">
-                <a:solidFill>
-                  <a:schemeClr val="tx1"/>
-                </a:solidFill>
-                <a:miter lim="800000"/>
-                <a:headEnd/>
-                <a:tailEnd/>
-              </a14:hiddenLine>
-            </a:ext>
-            <a:ext uri="{AF507438-7753-43E0-B8FC-AC1667EBCBE1}">
-              <a14:hiddenEffects xmlns:a14="http://schemas.microsoft.com/office/drawing/2010/main">
-                <a:effectLst>
-                  <a:outerShdw dist="35921" dir="2700000" algn="ctr" rotWithShape="0">
-                    <a:schemeClr val="bg2"/>
-                  </a:outerShdw>
-                </a:effectLst>
-              </a14:hiddenEffects>
-            </a:ext>
-          </a:extLst>
         </p:spPr>
       </p:pic>
     </p:spTree>
@@ -5724,7 +5708,7 @@
         </p:blipFill>
         <p:spPr bwMode="auto">
           <a:xfrm>
-            <a:off x="1897882" y="2708920"/>
+            <a:off x="1897882" y="2500306"/>
             <a:ext cx="5674514" cy="3214710"/>
           </a:xfrm>
           <a:prstGeom prst="rect">
@@ -5742,119 +5726,79 @@
           </a:effectLst>
         </p:spPr>
       </p:pic>
+      <p:sp>
+        <p:nvSpPr>
+          <p:cNvPr id="3" name="2 Rectángulo"/>
+          <p:cNvSpPr/>
+          <p:nvPr/>
+        </p:nvSpPr>
+        <p:spPr>
+          <a:xfrm>
+            <a:off x="611560" y="1124744"/>
+            <a:ext cx="7860378" cy="1154162"/>
+          </a:xfrm>
+          <a:prstGeom prst="rect">
+            <a:avLst/>
+          </a:prstGeom>
+        </p:spPr>
+        <p:txBody>
+          <a:bodyPr wrap="square">
+            <a:spAutoFit/>
+          </a:bodyPr>
+          <a:lstStyle/>
+          <a:p>
+            <a:pPr algn="just"/>
+            <a:r>
+              <a:rPr lang="es-CL" sz="2300" dirty="0" smtClean="0"/>
+              <a:t>	Puede </a:t>
+            </a:r>
+            <a:r>
+              <a:rPr lang="es-CL" sz="2300" dirty="0"/>
+              <a:t>dar dinamismo a sus </a:t>
+            </a:r>
+            <a:r>
+              <a:rPr lang="es-CL" sz="2300" dirty="0" smtClean="0"/>
+              <a:t>RF. Añadiendo </a:t>
+            </a:r>
+            <a:r>
+              <a:rPr lang="es-CL" sz="2300" dirty="0"/>
+              <a:t>las operatorias necesarias entre los campos de cada </a:t>
+            </a:r>
+            <a:r>
+              <a:rPr lang="es-CL" sz="2300" dirty="0" smtClean="0"/>
+              <a:t>cuadro, estableciendo </a:t>
+            </a:r>
+            <a:r>
+              <a:rPr lang="es-CL" sz="2300" dirty="0"/>
+              <a:t>sumas y restas.</a:t>
+            </a:r>
+          </a:p>
+        </p:txBody>
+      </p:sp>
       <p:pic>
         <p:nvPicPr>
-          <p:cNvPr id="6" name="Picture 2"/>
+          <p:cNvPr id="7" name="6 Imagen" descr="logo_exfida.png"/>
           <p:cNvPicPr>
-            <a:picLocks noChangeAspect="1" noChangeArrowheads="1"/>
+            <a:picLocks noChangeAspect="1"/>
           </p:cNvPicPr>
           <p:nvPr/>
         </p:nvPicPr>
         <p:blipFill>
-          <a:blip r:embed="rId4">
-            <a:extLst>
-              <a:ext uri="{28A0092B-C50C-407E-A947-70E740481C1C}">
-                <a14:useLocalDpi xmlns:a14="http://schemas.microsoft.com/office/drawing/2010/main" val="0"/>
-              </a:ext>
-            </a:extLst>
-          </a:blip>
-          <a:srcRect/>
+          <a:blip r:embed="rId4"/>
           <a:stretch>
             <a:fillRect/>
           </a:stretch>
         </p:blipFill>
-        <p:spPr bwMode="auto">
-          <a:xfrm>
-            <a:off x="7239021" y="6165304"/>
-            <a:ext cx="1638300" cy="419100"/>
+        <p:spPr>
+          <a:xfrm>
+            <a:off x="6572264" y="6072206"/>
+            <a:ext cx="2286015" cy="576253"/>
           </a:xfrm>
           <a:prstGeom prst="rect">
             <a:avLst/>
           </a:prstGeom>
-          <a:noFill/>
-          <a:ln>
-            <a:noFill/>
-          </a:ln>
-          <a:effectLst/>
-          <a:extLst>
-            <a:ext uri="{909E8E84-426E-40DD-AFC4-6F175D3DCCD1}">
-              <a14:hiddenFill xmlns:a14="http://schemas.microsoft.com/office/drawing/2010/main">
-                <a:solidFill>
-                  <a:schemeClr val="accent1"/>
-                </a:solidFill>
-              </a14:hiddenFill>
-            </a:ext>
-            <a:ext uri="{91240B29-F687-4F45-9708-019B960494DF}">
-              <a14:hiddenLine xmlns:a14="http://schemas.microsoft.com/office/drawing/2010/main" w="9525">
-                <a:solidFill>
-                  <a:schemeClr val="tx1"/>
-                </a:solidFill>
-                <a:miter lim="800000"/>
-                <a:headEnd/>
-                <a:tailEnd/>
-              </a14:hiddenLine>
-            </a:ext>
-            <a:ext uri="{AF507438-7753-43E0-B8FC-AC1667EBCBE1}">
-              <a14:hiddenEffects xmlns:a14="http://schemas.microsoft.com/office/drawing/2010/main">
-                <a:effectLst>
-                  <a:outerShdw dist="35921" dir="2700000" algn="ctr" rotWithShape="0">
-                    <a:schemeClr val="bg2"/>
-                  </a:outerShdw>
-                </a:effectLst>
-              </a14:hiddenEffects>
-            </a:ext>
-          </a:extLst>
         </p:spPr>
       </p:pic>
-      <p:sp>
-        <p:nvSpPr>
-          <p:cNvPr id="3" name="2 Rectángulo"/>
-          <p:cNvSpPr/>
-          <p:nvPr/>
-        </p:nvSpPr>
-        <p:spPr>
-          <a:xfrm>
-            <a:off x="611560" y="1124744"/>
-            <a:ext cx="7860378" cy="1154162"/>
-          </a:xfrm>
-          <a:prstGeom prst="rect">
-            <a:avLst/>
-          </a:prstGeom>
-        </p:spPr>
-        <p:txBody>
-          <a:bodyPr wrap="square">
-            <a:spAutoFit/>
-          </a:bodyPr>
-          <a:lstStyle/>
-          <a:p>
-            <a:pPr algn="just"/>
-            <a:r>
-              <a:rPr lang="es-CL" sz="2300" dirty="0" smtClean="0"/>
-              <a:t>	Puede </a:t>
-            </a:r>
-            <a:r>
-              <a:rPr lang="es-CL" sz="2300" dirty="0"/>
-              <a:t>dar dinamismo a sus </a:t>
-            </a:r>
-            <a:r>
-              <a:rPr lang="es-CL" sz="2300" dirty="0" smtClean="0"/>
-              <a:t>RF. Añadiendo </a:t>
-            </a:r>
-            <a:r>
-              <a:rPr lang="es-CL" sz="2300" dirty="0"/>
-              <a:t>las operatorias necesarias entre los campos de cada </a:t>
-            </a:r>
-            <a:r>
-              <a:rPr lang="es-CL" sz="2300" dirty="0" smtClean="0"/>
-              <a:t>cuadro, estableciendo </a:t>
-            </a:r>
-            <a:r>
-              <a:rPr lang="es-CL" sz="2300" dirty="0"/>
-              <a:t>sumas y restas.</a:t>
-            </a:r>
-          </a:p>
-        </p:txBody>
-      </p:sp>
     </p:spTree>
   </p:cSld>
   <p:clrMapOvr>
@@ -6070,8 +6014,8 @@
         </p:blipFill>
         <p:spPr bwMode="auto">
           <a:xfrm>
-            <a:off x="827584" y="2629243"/>
-            <a:ext cx="7888896" cy="3248029"/>
+            <a:off x="827584" y="2571745"/>
+            <a:ext cx="7602068" cy="3129936"/>
           </a:xfrm>
           <a:prstGeom prst="rect">
             <a:avLst/>
@@ -6088,119 +6032,79 @@
           </a:effectLst>
         </p:spPr>
       </p:pic>
+      <p:sp>
+        <p:nvSpPr>
+          <p:cNvPr id="3" name="2 Rectángulo"/>
+          <p:cNvSpPr/>
+          <p:nvPr/>
+        </p:nvSpPr>
+        <p:spPr>
+          <a:xfrm>
+            <a:off x="611560" y="978694"/>
+            <a:ext cx="8104920" cy="1508105"/>
+          </a:xfrm>
+          <a:prstGeom prst="rect">
+            <a:avLst/>
+          </a:prstGeom>
+        </p:spPr>
+        <p:txBody>
+          <a:bodyPr wrap="square">
+            <a:spAutoFit/>
+          </a:bodyPr>
+          <a:lstStyle/>
+          <a:p>
+            <a:pPr algn="just"/>
+            <a:r>
+              <a:rPr lang="es-CL" sz="2300" dirty="0" smtClean="0"/>
+              <a:t>	</a:t>
+            </a:r>
+          </a:p>
+          <a:p>
+            <a:pPr algn="just"/>
+            <a:r>
+              <a:rPr lang="es-CL" sz="2300" dirty="0" smtClean="0"/>
+              <a:t>Ingrese y almacene su información, para divulgarla de forma oportuna y fácil, </a:t>
+            </a:r>
+            <a:r>
+              <a:rPr lang="es-CL" sz="2300" dirty="0"/>
+              <a:t>validando dichos ingresos contra sus </a:t>
+            </a:r>
+            <a:r>
+              <a:rPr lang="es-CL" sz="2300" b="1" dirty="0" smtClean="0"/>
+              <a:t>EEFF</a:t>
+            </a:r>
+            <a:r>
+              <a:rPr lang="es-CL" sz="2300" dirty="0" smtClean="0"/>
+              <a:t>.</a:t>
+            </a:r>
+            <a:endParaRPr lang="es-CL" sz="2300" dirty="0"/>
+          </a:p>
+        </p:txBody>
+      </p:sp>
       <p:pic>
         <p:nvPicPr>
-          <p:cNvPr id="6" name="Picture 2"/>
+          <p:cNvPr id="7" name="6 Imagen" descr="logo_exfida.png"/>
           <p:cNvPicPr>
-            <a:picLocks noChangeAspect="1" noChangeArrowheads="1"/>
+            <a:picLocks noChangeAspect="1"/>
           </p:cNvPicPr>
           <p:nvPr/>
         </p:nvPicPr>
         <p:blipFill>
-          <a:blip r:embed="rId4">
-            <a:extLst>
-              <a:ext uri="{28A0092B-C50C-407E-A947-70E740481C1C}">
-                <a14:useLocalDpi xmlns:a14="http://schemas.microsoft.com/office/drawing/2010/main" val="0"/>
-              </a:ext>
-            </a:extLst>
-          </a:blip>
-          <a:srcRect/>
+          <a:blip r:embed="rId4"/>
           <a:stretch>
             <a:fillRect/>
           </a:stretch>
         </p:blipFill>
-        <p:spPr bwMode="auto">
-          <a:xfrm>
-            <a:off x="7239021" y="6165304"/>
-            <a:ext cx="1638300" cy="419100"/>
+        <p:spPr>
+          <a:xfrm>
+            <a:off x="6572264" y="6072206"/>
+            <a:ext cx="2286015" cy="576253"/>
           </a:xfrm>
           <a:prstGeom prst="rect">
             <a:avLst/>
           </a:prstGeom>
-          <a:noFill/>
-          <a:ln>
-            <a:noFill/>
-          </a:ln>
-          <a:effectLst/>
-          <a:extLst>
-            <a:ext uri="{909E8E84-426E-40DD-AFC4-6F175D3DCCD1}">
-              <a14:hiddenFill xmlns:a14="http://schemas.microsoft.com/office/drawing/2010/main">
-                <a:solidFill>
-                  <a:schemeClr val="accent1"/>
-                </a:solidFill>
-              </a14:hiddenFill>
-            </a:ext>
-            <a:ext uri="{91240B29-F687-4F45-9708-019B960494DF}">
-              <a14:hiddenLine xmlns:a14="http://schemas.microsoft.com/office/drawing/2010/main" w="9525">
-                <a:solidFill>
-                  <a:schemeClr val="tx1"/>
-                </a:solidFill>
-                <a:miter lim="800000"/>
-                <a:headEnd/>
-                <a:tailEnd/>
-              </a14:hiddenLine>
-            </a:ext>
-            <a:ext uri="{AF507438-7753-43E0-B8FC-AC1667EBCBE1}">
-              <a14:hiddenEffects xmlns:a14="http://schemas.microsoft.com/office/drawing/2010/main">
-                <a:effectLst>
-                  <a:outerShdw dist="35921" dir="2700000" algn="ctr" rotWithShape="0">
-                    <a:schemeClr val="bg2"/>
-                  </a:outerShdw>
-                </a:effectLst>
-              </a14:hiddenEffects>
-            </a:ext>
-          </a:extLst>
         </p:spPr>
       </p:pic>
-      <p:sp>
-        <p:nvSpPr>
-          <p:cNvPr id="3" name="2 Rectángulo"/>
-          <p:cNvSpPr/>
-          <p:nvPr/>
-        </p:nvSpPr>
-        <p:spPr>
-          <a:xfrm>
-            <a:off x="611560" y="978694"/>
-            <a:ext cx="8104920" cy="1508105"/>
-          </a:xfrm>
-          <a:prstGeom prst="rect">
-            <a:avLst/>
-          </a:prstGeom>
-        </p:spPr>
-        <p:txBody>
-          <a:bodyPr wrap="square">
-            <a:spAutoFit/>
-          </a:bodyPr>
-          <a:lstStyle/>
-          <a:p>
-            <a:pPr algn="just"/>
-            <a:r>
-              <a:rPr lang="es-CL" sz="2300" dirty="0" smtClean="0"/>
-              <a:t>	</a:t>
-            </a:r>
-          </a:p>
-          <a:p>
-            <a:pPr algn="just"/>
-            <a:r>
-              <a:rPr lang="es-CL" sz="2300" dirty="0" smtClean="0"/>
-              <a:t>Ingrese y almacene su información, para divulgarla de forma oportuna y fácil, </a:t>
-            </a:r>
-            <a:r>
-              <a:rPr lang="es-CL" sz="2300" dirty="0"/>
-              <a:t>validando dichos ingresos contra sus </a:t>
-            </a:r>
-            <a:r>
-              <a:rPr lang="es-CL" sz="2300" b="1" dirty="0" smtClean="0"/>
-              <a:t>EEFF</a:t>
-            </a:r>
-            <a:r>
-              <a:rPr lang="es-CL" sz="2300" dirty="0" smtClean="0"/>
-              <a:t>.</a:t>
-            </a:r>
-            <a:endParaRPr lang="es-CL" sz="2300" dirty="0"/>
-          </a:p>
-        </p:txBody>
-      </p:sp>
     </p:spTree>
   </p:cSld>
   <p:clrMapOvr>
@@ -6384,7 +6288,7 @@
         </p:blipFill>
         <p:spPr bwMode="auto">
           <a:xfrm>
-            <a:off x="2051720" y="2276872"/>
+            <a:off x="1428728" y="2214554"/>
             <a:ext cx="4892051" cy="3857652"/>
           </a:xfrm>
           <a:prstGeom prst="rect">
@@ -6434,107 +6338,67 @@
           </a:prstGeom>
         </p:spPr>
       </p:pic>
+      <p:sp>
+        <p:nvSpPr>
+          <p:cNvPr id="4" name="3 Rectángulo"/>
+          <p:cNvSpPr/>
+          <p:nvPr/>
+        </p:nvSpPr>
+        <p:spPr>
+          <a:xfrm>
+            <a:off x="539552" y="1116613"/>
+            <a:ext cx="8004394" cy="1154162"/>
+          </a:xfrm>
+          <a:prstGeom prst="rect">
+            <a:avLst/>
+          </a:prstGeom>
+        </p:spPr>
+        <p:txBody>
+          <a:bodyPr wrap="square">
+            <a:spAutoFit/>
+          </a:bodyPr>
+          <a:lstStyle/>
+          <a:p>
+            <a:pPr algn="just"/>
+            <a:r>
+              <a:rPr lang="es-CL" sz="2300" dirty="0" smtClean="0"/>
+              <a:t>	</a:t>
+            </a:r>
+          </a:p>
+          <a:p>
+            <a:pPr algn="just"/>
+            <a:r>
+              <a:rPr lang="es-CL" sz="2300" dirty="0" smtClean="0"/>
+              <a:t>Mantenga el control sobre el estado de los RF por periodo.</a:t>
+            </a:r>
+            <a:endParaRPr lang="es-CL" sz="2300" dirty="0"/>
+          </a:p>
+        </p:txBody>
+      </p:sp>
       <p:pic>
         <p:nvPicPr>
-          <p:cNvPr id="6" name="Picture 2"/>
+          <p:cNvPr id="7" name="6 Imagen" descr="logo_exfida.png"/>
           <p:cNvPicPr>
-            <a:picLocks noChangeAspect="1" noChangeArrowheads="1"/>
+            <a:picLocks noChangeAspect="1"/>
           </p:cNvPicPr>
           <p:nvPr/>
         </p:nvPicPr>
         <p:blipFill>
-          <a:blip r:embed="rId4">
-            <a:extLst>
-              <a:ext uri="{28A0092B-C50C-407E-A947-70E740481C1C}">
-                <a14:useLocalDpi xmlns:a14="http://schemas.microsoft.com/office/drawing/2010/main" val="0"/>
-              </a:ext>
-            </a:extLst>
-          </a:blip>
-          <a:srcRect/>
+          <a:blip r:embed="rId4"/>
           <a:stretch>
             <a:fillRect/>
           </a:stretch>
         </p:blipFill>
-        <p:spPr bwMode="auto">
-          <a:xfrm>
-            <a:off x="7239021" y="6165304"/>
-            <a:ext cx="1638300" cy="419100"/>
+        <p:spPr>
+          <a:xfrm>
+            <a:off x="6572264" y="6072206"/>
+            <a:ext cx="2286015" cy="576253"/>
           </a:xfrm>
           <a:prstGeom prst="rect">
             <a:avLst/>
           </a:prstGeom>
-          <a:noFill/>
-          <a:ln>
-            <a:noFill/>
-          </a:ln>
-          <a:effectLst/>
-          <a:extLst>
-            <a:ext uri="{909E8E84-426E-40DD-AFC4-6F175D3DCCD1}">
-              <a14:hiddenFill xmlns:a14="http://schemas.microsoft.com/office/drawing/2010/main">
-                <a:solidFill>
-                  <a:schemeClr val="accent1"/>
-                </a:solidFill>
-              </a14:hiddenFill>
-            </a:ext>
-            <a:ext uri="{91240B29-F687-4F45-9708-019B960494DF}">
-              <a14:hiddenLine xmlns:a14="http://schemas.microsoft.com/office/drawing/2010/main" w="9525">
-                <a:solidFill>
-                  <a:schemeClr val="tx1"/>
-                </a:solidFill>
-                <a:miter lim="800000"/>
-                <a:headEnd/>
-                <a:tailEnd/>
-              </a14:hiddenLine>
-            </a:ext>
-            <a:ext uri="{AF507438-7753-43E0-B8FC-AC1667EBCBE1}">
-              <a14:hiddenEffects xmlns:a14="http://schemas.microsoft.com/office/drawing/2010/main">
-                <a:effectLst>
-                  <a:outerShdw dist="35921" dir="2700000" algn="ctr" rotWithShape="0">
-                    <a:schemeClr val="bg2"/>
-                  </a:outerShdw>
-                </a:effectLst>
-              </a14:hiddenEffects>
-            </a:ext>
-          </a:extLst>
         </p:spPr>
       </p:pic>
-      <p:sp>
-        <p:nvSpPr>
-          <p:cNvPr id="4" name="3 Rectángulo"/>
-          <p:cNvSpPr/>
-          <p:nvPr/>
-        </p:nvSpPr>
-        <p:spPr>
-          <a:xfrm>
-            <a:off x="539552" y="1116613"/>
-            <a:ext cx="8004394" cy="1154162"/>
-          </a:xfrm>
-          <a:prstGeom prst="rect">
-            <a:avLst/>
-          </a:prstGeom>
-        </p:spPr>
-        <p:txBody>
-          <a:bodyPr wrap="square">
-            <a:spAutoFit/>
-          </a:bodyPr>
-          <a:lstStyle/>
-          <a:p>
-            <a:pPr algn="just"/>
-            <a:r>
-              <a:rPr lang="es-CL" sz="2300" dirty="0" smtClean="0"/>
-              <a:t>	</a:t>
-            </a:r>
-          </a:p>
-          <a:p>
-            <a:pPr algn="just"/>
-            <a:r>
-              <a:rPr lang="es-CL" sz="2300" dirty="0" smtClean="0"/>
-              <a:t>Mantenga el control sobre el estado de los RF por periodo.</a:t>
-            </a:r>
-            <a:endParaRPr lang="es-CL" sz="2300" dirty="0"/>
-          </a:p>
-        </p:txBody>
-      </p:sp>
     </p:spTree>
   </p:cSld>
   <p:clrMapOvr>
@@ -6758,70 +6622,6 @@
           </a:effectLst>
         </p:spPr>
       </p:pic>
-      <p:pic>
-        <p:nvPicPr>
-          <p:cNvPr id="5" name="Picture 2"/>
-          <p:cNvPicPr>
-            <a:picLocks noChangeAspect="1" noChangeArrowheads="1"/>
-          </p:cNvPicPr>
-          <p:nvPr/>
-        </p:nvPicPr>
-        <p:blipFill>
-          <a:blip r:embed="rId4">
-            <a:extLst>
-              <a:ext uri="{28A0092B-C50C-407E-A947-70E740481C1C}">
-                <a14:useLocalDpi xmlns:a14="http://schemas.microsoft.com/office/drawing/2010/main" val="0"/>
-              </a:ext>
-            </a:extLst>
-          </a:blip>
-          <a:srcRect/>
-          <a:stretch>
-            <a:fillRect/>
-          </a:stretch>
-        </p:blipFill>
-        <p:spPr bwMode="auto">
-          <a:xfrm>
-            <a:off x="7239021" y="6165304"/>
-            <a:ext cx="1638300" cy="419100"/>
-          </a:xfrm>
-          <a:prstGeom prst="rect">
-            <a:avLst/>
-          </a:prstGeom>
-          <a:noFill/>
-          <a:ln>
-            <a:noFill/>
-          </a:ln>
-          <a:effectLst/>
-          <a:extLst>
-            <a:ext uri="{909E8E84-426E-40DD-AFC4-6F175D3DCCD1}">
-              <a14:hiddenFill xmlns:a14="http://schemas.microsoft.com/office/drawing/2010/main">
-                <a:solidFill>
-                  <a:schemeClr val="accent1"/>
-                </a:solidFill>
-              </a14:hiddenFill>
-            </a:ext>
-            <a:ext uri="{91240B29-F687-4F45-9708-019B960494DF}">
-              <a14:hiddenLine xmlns:a14="http://schemas.microsoft.com/office/drawing/2010/main" w="9525">
-                <a:solidFill>
-                  <a:schemeClr val="tx1"/>
-                </a:solidFill>
-                <a:miter lim="800000"/>
-                <a:headEnd/>
-                <a:tailEnd/>
-              </a14:hiddenLine>
-            </a:ext>
-            <a:ext uri="{AF507438-7753-43E0-B8FC-AC1667EBCBE1}">
-              <a14:hiddenEffects xmlns:a14="http://schemas.microsoft.com/office/drawing/2010/main">
-                <a:effectLst>
-                  <a:outerShdw dist="35921" dir="2700000" algn="ctr" rotWithShape="0">
-                    <a:schemeClr val="bg2"/>
-                  </a:outerShdw>
-                </a:effectLst>
-              </a14:hiddenEffects>
-            </a:ext>
-          </a:extLst>
-        </p:spPr>
-      </p:pic>
       <p:sp>
         <p:nvSpPr>
           <p:cNvPr id="4" name="3 Rectángulo"/>
@@ -6910,6 +6710,30 @@
           </a:p>
         </p:txBody>
       </p:sp>
+      <p:pic>
+        <p:nvPicPr>
+          <p:cNvPr id="7" name="6 Imagen" descr="logo_exfida.png"/>
+          <p:cNvPicPr>
+            <a:picLocks noChangeAspect="1"/>
+          </p:cNvPicPr>
+          <p:nvPr/>
+        </p:nvPicPr>
+        <p:blipFill>
+          <a:blip r:embed="rId4"/>
+          <a:stretch>
+            <a:fillRect/>
+          </a:stretch>
+        </p:blipFill>
+        <p:spPr>
+          <a:xfrm>
+            <a:off x="6572264" y="6072206"/>
+            <a:ext cx="2286015" cy="576253"/>
+          </a:xfrm>
+          <a:prstGeom prst="rect">
+            <a:avLst/>
+          </a:prstGeom>
+        </p:spPr>
+      </p:pic>
     </p:spTree>
   </p:cSld>
   <p:clrMapOvr>
@@ -7169,109 +6993,69 @@
           </a:effectLst>
         </p:spPr>
       </p:pic>
+      <p:sp>
+        <p:nvSpPr>
+          <p:cNvPr id="4" name="3 Rectángulo"/>
+          <p:cNvSpPr/>
+          <p:nvPr/>
+        </p:nvSpPr>
+        <p:spPr>
+          <a:xfrm>
+            <a:off x="683568" y="1126485"/>
+            <a:ext cx="7992888" cy="1508105"/>
+          </a:xfrm>
+          <a:prstGeom prst="rect">
+            <a:avLst/>
+          </a:prstGeom>
+        </p:spPr>
+        <p:txBody>
+          <a:bodyPr wrap="square">
+            <a:spAutoFit/>
+          </a:bodyPr>
+          <a:lstStyle/>
+          <a:p>
+            <a:r>
+              <a:rPr lang="es-CL" sz="2300" dirty="0" smtClean="0"/>
+              <a:t>	</a:t>
+            </a:r>
+          </a:p>
+          <a:p>
+            <a:r>
+              <a:rPr lang="es-CL" sz="2300" dirty="0" smtClean="0"/>
+              <a:t>Notifique a sus áreas de negocio el cambio en sus Estados Financieros para la cuadratura de sus Revelaciones.</a:t>
+            </a:r>
+            <a:endParaRPr lang="es-CL" sz="2300" dirty="0"/>
+          </a:p>
+        </p:txBody>
+      </p:sp>
       <p:pic>
         <p:nvPicPr>
-          <p:cNvPr id="5" name="Picture 2"/>
+          <p:cNvPr id="7" name="6 Imagen" descr="logo_exfida.png"/>
           <p:cNvPicPr>
-            <a:picLocks noChangeAspect="1" noChangeArrowheads="1"/>
+            <a:picLocks noChangeAspect="1"/>
           </p:cNvPicPr>
           <p:nvPr/>
         </p:nvPicPr>
         <p:blipFill>
-          <a:blip r:embed="rId4">
-            <a:extLst>
-              <a:ext uri="{28A0092B-C50C-407E-A947-70E740481C1C}">
-                <a14:useLocalDpi xmlns:a14="http://schemas.microsoft.com/office/drawing/2010/main" val="0"/>
-              </a:ext>
-            </a:extLst>
-          </a:blip>
-          <a:srcRect/>
+          <a:blip r:embed="rId4"/>
           <a:stretch>
             <a:fillRect/>
           </a:stretch>
         </p:blipFill>
-        <p:spPr bwMode="auto">
-          <a:xfrm>
-            <a:off x="7239021" y="6165304"/>
-            <a:ext cx="1638300" cy="419100"/>
+        <p:spPr>
+          <a:xfrm>
+            <a:off x="6572264" y="6072206"/>
+            <a:ext cx="2286015" cy="576253"/>
           </a:xfrm>
           <a:prstGeom prst="rect">
             <a:avLst/>
           </a:prstGeom>
-          <a:noFill/>
-          <a:ln>
-            <a:noFill/>
-          </a:ln>
-          <a:effectLst/>
-          <a:extLst>
-            <a:ext uri="{909E8E84-426E-40DD-AFC4-6F175D3DCCD1}">
-              <a14:hiddenFill xmlns:a14="http://schemas.microsoft.com/office/drawing/2010/main">
-                <a:solidFill>
-                  <a:schemeClr val="accent1"/>
-                </a:solidFill>
-              </a14:hiddenFill>
-            </a:ext>
-            <a:ext uri="{91240B29-F687-4F45-9708-019B960494DF}">
-              <a14:hiddenLine xmlns:a14="http://schemas.microsoft.com/office/drawing/2010/main" w="9525">
-                <a:solidFill>
-                  <a:schemeClr val="tx1"/>
-                </a:solidFill>
-                <a:miter lim="800000"/>
-                <a:headEnd/>
-                <a:tailEnd/>
-              </a14:hiddenLine>
-            </a:ext>
-            <a:ext uri="{AF507438-7753-43E0-B8FC-AC1667EBCBE1}">
-              <a14:hiddenEffects xmlns:a14="http://schemas.microsoft.com/office/drawing/2010/main">
-                <a:effectLst>
-                  <a:outerShdw dist="35921" dir="2700000" algn="ctr" rotWithShape="0">
-                    <a:schemeClr val="bg2"/>
-                  </a:outerShdw>
-                </a:effectLst>
-              </a14:hiddenEffects>
-            </a:ext>
-          </a:extLst>
         </p:spPr>
       </p:pic>
-      <p:sp>
-        <p:nvSpPr>
-          <p:cNvPr id="4" name="3 Rectángulo"/>
-          <p:cNvSpPr/>
-          <p:nvPr/>
-        </p:nvSpPr>
-        <p:spPr>
-          <a:xfrm>
-            <a:off x="683568" y="1126485"/>
-            <a:ext cx="7992888" cy="1508105"/>
-          </a:xfrm>
-          <a:prstGeom prst="rect">
-            <a:avLst/>
-          </a:prstGeom>
-        </p:spPr>
-        <p:txBody>
-          <a:bodyPr wrap="square">
-            <a:spAutoFit/>
-          </a:bodyPr>
-          <a:lstStyle/>
-          <a:p>
-            <a:r>
-              <a:rPr lang="es-CL" sz="2300" dirty="0" smtClean="0"/>
-              <a:t>	</a:t>
-            </a:r>
-          </a:p>
-          <a:p>
-            <a:r>
-              <a:rPr lang="es-CL" sz="2300" dirty="0" smtClean="0"/>
-              <a:t>Notifique a sus áreas de negocio el cambio en sus Estados Financieros para la cuadratura de sus Revelaciones.</a:t>
-            </a:r>
-            <a:endParaRPr lang="es-CL" sz="2300" dirty="0"/>
-          </a:p>
-        </p:txBody>
-      </p:sp>
     </p:spTree>
     <p:extLst>
       <p:ext uri="{BB962C8B-B14F-4D97-AF65-F5344CB8AC3E}">
-        <p14:creationId xmlns:p14="http://schemas.microsoft.com/office/powerpoint/2010/main" val="2482610731"/>
+        <p14:creationId xmlns:p14="http://schemas.microsoft.com/office/powerpoint/2010/main" xmlns="" val="2482610731"/>
       </p:ext>
     </p:extLst>
   </p:cSld>
@@ -7310,6 +7094,30 @@
       </p:grpSpPr>
       <p:pic>
         <p:nvPicPr>
+          <p:cNvPr id="7" name="6 Imagen" descr="logo_exfida.png"/>
+          <p:cNvPicPr>
+            <a:picLocks noChangeAspect="1"/>
+          </p:cNvPicPr>
+          <p:nvPr/>
+        </p:nvPicPr>
+        <p:blipFill>
+          <a:blip r:embed="rId2"/>
+          <a:stretch>
+            <a:fillRect/>
+          </a:stretch>
+        </p:blipFill>
+        <p:spPr>
+          <a:xfrm>
+            <a:off x="6572264" y="6072206"/>
+            <a:ext cx="2286015" cy="576253"/>
+          </a:xfrm>
+          <a:prstGeom prst="rect">
+            <a:avLst/>
+          </a:prstGeom>
+        </p:spPr>
+      </p:pic>
+      <p:pic>
+        <p:nvPicPr>
           <p:cNvPr id="6" name="5 Imagen" descr="logo_top_byte.gif"/>
           <p:cNvPicPr>
             <a:picLocks noChangeAspect="1"/>
@@ -7317,7 +7125,7 @@
           <p:nvPr/>
         </p:nvPicPr>
         <p:blipFill>
-          <a:blip r:embed="rId2">
+          <a:blip r:embed="rId3">
             <a:duotone>
               <a:schemeClr val="bg2">
                 <a:shade val="45000"/>
@@ -7424,7 +7232,7 @@
           <p:nvPr/>
         </p:nvPicPr>
         <p:blipFill>
-          <a:blip r:embed="rId3"/>
+          <a:blip r:embed="rId4"/>
           <a:srcRect/>
           <a:stretch>
             <a:fillRect/>
@@ -7448,70 +7256,6 @@
               </a:srgbClr>
             </a:outerShdw>
           </a:effectLst>
-        </p:spPr>
-      </p:pic>
-      <p:pic>
-        <p:nvPicPr>
-          <p:cNvPr id="5" name="Picture 2"/>
-          <p:cNvPicPr>
-            <a:picLocks noChangeAspect="1" noChangeArrowheads="1"/>
-          </p:cNvPicPr>
-          <p:nvPr/>
-        </p:nvPicPr>
-        <p:blipFill>
-          <a:blip r:embed="rId4">
-            <a:extLst>
-              <a:ext uri="{28A0092B-C50C-407E-A947-70E740481C1C}">
-                <a14:useLocalDpi xmlns:a14="http://schemas.microsoft.com/office/drawing/2010/main" val="0"/>
-              </a:ext>
-            </a:extLst>
-          </a:blip>
-          <a:srcRect/>
-          <a:stretch>
-            <a:fillRect/>
-          </a:stretch>
-        </p:blipFill>
-        <p:spPr bwMode="auto">
-          <a:xfrm>
-            <a:off x="7239021" y="6165304"/>
-            <a:ext cx="1638300" cy="419100"/>
-          </a:xfrm>
-          <a:prstGeom prst="rect">
-            <a:avLst/>
-          </a:prstGeom>
-          <a:noFill/>
-          <a:ln>
-            <a:noFill/>
-          </a:ln>
-          <a:effectLst/>
-          <a:extLst>
-            <a:ext uri="{909E8E84-426E-40DD-AFC4-6F175D3DCCD1}">
-              <a14:hiddenFill xmlns:a14="http://schemas.microsoft.com/office/drawing/2010/main">
-                <a:solidFill>
-                  <a:schemeClr val="accent1"/>
-                </a:solidFill>
-              </a14:hiddenFill>
-            </a:ext>
-            <a:ext uri="{91240B29-F687-4F45-9708-019B960494DF}">
-              <a14:hiddenLine xmlns:a14="http://schemas.microsoft.com/office/drawing/2010/main" w="9525">
-                <a:solidFill>
-                  <a:schemeClr val="tx1"/>
-                </a:solidFill>
-                <a:miter lim="800000"/>
-                <a:headEnd/>
-                <a:tailEnd/>
-              </a14:hiddenLine>
-            </a:ext>
-            <a:ext uri="{AF507438-7753-43E0-B8FC-AC1667EBCBE1}">
-              <a14:hiddenEffects xmlns:a14="http://schemas.microsoft.com/office/drawing/2010/main">
-                <a:effectLst>
-                  <a:outerShdw dist="35921" dir="2700000" algn="ctr" rotWithShape="0">
-                    <a:schemeClr val="bg2"/>
-                  </a:outerShdw>
-                </a:effectLst>
-              </a14:hiddenEffects>
-            </a:ext>
-          </a:extLst>
         </p:spPr>
       </p:pic>
       <p:sp>
@@ -7786,66 +7530,26 @@
       </p:pic>
       <p:pic>
         <p:nvPicPr>
-          <p:cNvPr id="5" name="Picture 2"/>
+          <p:cNvPr id="6" name="5 Imagen" descr="logo_exfida.png"/>
           <p:cNvPicPr>
-            <a:picLocks noChangeAspect="1" noChangeArrowheads="1"/>
+            <a:picLocks noChangeAspect="1"/>
           </p:cNvPicPr>
           <p:nvPr/>
         </p:nvPicPr>
         <p:blipFill>
-          <a:blip r:embed="rId4">
-            <a:extLst>
-              <a:ext uri="{28A0092B-C50C-407E-A947-70E740481C1C}">
-                <a14:useLocalDpi xmlns:a14="http://schemas.microsoft.com/office/drawing/2010/main" val="0"/>
-              </a:ext>
-            </a:extLst>
-          </a:blip>
-          <a:srcRect/>
+          <a:blip r:embed="rId4"/>
           <a:stretch>
             <a:fillRect/>
           </a:stretch>
         </p:blipFill>
-        <p:spPr bwMode="auto">
-          <a:xfrm>
-            <a:off x="7239021" y="6165304"/>
-            <a:ext cx="1638300" cy="419100"/>
+        <p:spPr>
+          <a:xfrm>
+            <a:off x="6572264" y="6072206"/>
+            <a:ext cx="2286015" cy="576253"/>
           </a:xfrm>
           <a:prstGeom prst="rect">
             <a:avLst/>
           </a:prstGeom>
-          <a:noFill/>
-          <a:ln>
-            <a:noFill/>
-          </a:ln>
-          <a:effectLst/>
-          <a:extLst>
-            <a:ext uri="{909E8E84-426E-40DD-AFC4-6F175D3DCCD1}">
-              <a14:hiddenFill xmlns:a14="http://schemas.microsoft.com/office/drawing/2010/main">
-                <a:solidFill>
-                  <a:schemeClr val="accent1"/>
-                </a:solidFill>
-              </a14:hiddenFill>
-            </a:ext>
-            <a:ext uri="{91240B29-F687-4F45-9708-019B960494DF}">
-              <a14:hiddenLine xmlns:a14="http://schemas.microsoft.com/office/drawing/2010/main" w="9525">
-                <a:solidFill>
-                  <a:schemeClr val="tx1"/>
-                </a:solidFill>
-                <a:miter lim="800000"/>
-                <a:headEnd/>
-                <a:tailEnd/>
-              </a14:hiddenLine>
-            </a:ext>
-            <a:ext uri="{AF507438-7753-43E0-B8FC-AC1667EBCBE1}">
-              <a14:hiddenEffects xmlns:a14="http://schemas.microsoft.com/office/drawing/2010/main">
-                <a:effectLst>
-                  <a:outerShdw dist="35921" dir="2700000" algn="ctr" rotWithShape="0">
-                    <a:schemeClr val="bg2"/>
-                  </a:outerShdw>
-                </a:effectLst>
-              </a14:hiddenEffects>
-            </a:ext>
-          </a:extLst>
         </p:spPr>
       </p:pic>
     </p:spTree>
@@ -7942,15 +7646,7 @@
             </a:pPr>
             <a:r>
               <a:rPr lang="es-CL" sz="2300" dirty="0" smtClean="0"/>
-              <a:t>	Somos una empresa </a:t>
-            </a:r>
-            <a:r>
-              <a:rPr lang="es-CL" sz="2300" dirty="0" smtClean="0"/>
-              <a:t>Chilena </a:t>
-            </a:r>
-            <a:r>
-              <a:rPr lang="es-CL" sz="2300" dirty="0" smtClean="0"/>
-              <a:t>con 18 años de experiencia profesional en las áreas de desarrollo de software y consultoría.</a:t>
+              <a:t>	Somos una empresa Chilena con 18 años de experiencia profesional en las áreas de desarrollo de software y consultoría.</a:t>
             </a:r>
             <a:endParaRPr lang="es-MX" sz="2300" dirty="0" smtClean="0"/>
           </a:p>
@@ -8049,7 +7745,7 @@
           <a:blip r:embed="rId3">
             <a:extLst>
               <a:ext uri="{28A0092B-C50C-407E-A947-70E740481C1C}">
-                <a14:useLocalDpi xmlns:a14="http://schemas.microsoft.com/office/drawing/2010/main" val="0"/>
+                <a14:useLocalDpi xmlns:a14="http://schemas.microsoft.com/office/drawing/2010/main" xmlns="" val="0"/>
               </a:ext>
             </a:extLst>
           </a:blip>
@@ -8069,7 +7765,7 @@
           <a:noFill/>
           <a:extLst>
             <a:ext uri="{909E8E84-426E-40DD-AFC4-6F175D3DCCD1}">
-              <a14:hiddenFill xmlns:a14="http://schemas.microsoft.com/office/drawing/2010/main">
+              <a14:hiddenFill xmlns:a14="http://schemas.microsoft.com/office/drawing/2010/main" xmlns="">
                 <a:solidFill>
                   <a:srgbClr val="FFFFFF"/>
                 </a:solidFill>
@@ -8261,66 +7957,26 @@
       </p:pic>
       <p:pic>
         <p:nvPicPr>
-          <p:cNvPr id="6" name="Picture 2"/>
+          <p:cNvPr id="7" name="6 Imagen" descr="logo_exfida.png"/>
           <p:cNvPicPr>
-            <a:picLocks noChangeAspect="1" noChangeArrowheads="1"/>
+            <a:picLocks noChangeAspect="1"/>
           </p:cNvPicPr>
           <p:nvPr/>
         </p:nvPicPr>
         <p:blipFill>
-          <a:blip r:embed="rId4">
-            <a:extLst>
-              <a:ext uri="{28A0092B-C50C-407E-A947-70E740481C1C}">
-                <a14:useLocalDpi xmlns:a14="http://schemas.microsoft.com/office/drawing/2010/main" val="0"/>
-              </a:ext>
-            </a:extLst>
-          </a:blip>
-          <a:srcRect/>
+          <a:blip r:embed="rId4"/>
           <a:stretch>
             <a:fillRect/>
           </a:stretch>
         </p:blipFill>
-        <p:spPr bwMode="auto">
-          <a:xfrm>
-            <a:off x="7239021" y="6165304"/>
-            <a:ext cx="1638300" cy="419100"/>
+        <p:spPr>
+          <a:xfrm>
+            <a:off x="6572264" y="6072206"/>
+            <a:ext cx="2286015" cy="576253"/>
           </a:xfrm>
           <a:prstGeom prst="rect">
             <a:avLst/>
           </a:prstGeom>
-          <a:noFill/>
-          <a:ln>
-            <a:noFill/>
-          </a:ln>
-          <a:effectLst/>
-          <a:extLst>
-            <a:ext uri="{909E8E84-426E-40DD-AFC4-6F175D3DCCD1}">
-              <a14:hiddenFill xmlns:a14="http://schemas.microsoft.com/office/drawing/2010/main">
-                <a:solidFill>
-                  <a:schemeClr val="accent1"/>
-                </a:solidFill>
-              </a14:hiddenFill>
-            </a:ext>
-            <a:ext uri="{91240B29-F687-4F45-9708-019B960494DF}">
-              <a14:hiddenLine xmlns:a14="http://schemas.microsoft.com/office/drawing/2010/main" w="9525">
-                <a:solidFill>
-                  <a:schemeClr val="tx1"/>
-                </a:solidFill>
-                <a:miter lim="800000"/>
-                <a:headEnd/>
-                <a:tailEnd/>
-              </a14:hiddenLine>
-            </a:ext>
-            <a:ext uri="{AF507438-7753-43E0-B8FC-AC1667EBCBE1}">
-              <a14:hiddenEffects xmlns:a14="http://schemas.microsoft.com/office/drawing/2010/main">
-                <a:effectLst>
-                  <a:outerShdw dist="35921" dir="2700000" algn="ctr" rotWithShape="0">
-                    <a:schemeClr val="bg2"/>
-                  </a:outerShdw>
-                </a:effectLst>
-              </a14:hiddenEffects>
-            </a:ext>
-          </a:extLst>
         </p:spPr>
       </p:pic>
     </p:spTree>
@@ -8514,70 +8170,6 @@
           </a:effectLst>
         </p:spPr>
       </p:pic>
-      <p:pic>
-        <p:nvPicPr>
-          <p:cNvPr id="5" name="Picture 2"/>
-          <p:cNvPicPr>
-            <a:picLocks noChangeAspect="1" noChangeArrowheads="1"/>
-          </p:cNvPicPr>
-          <p:nvPr/>
-        </p:nvPicPr>
-        <p:blipFill>
-          <a:blip r:embed="rId4">
-            <a:extLst>
-              <a:ext uri="{28A0092B-C50C-407E-A947-70E740481C1C}">
-                <a14:useLocalDpi xmlns:a14="http://schemas.microsoft.com/office/drawing/2010/main" val="0"/>
-              </a:ext>
-            </a:extLst>
-          </a:blip>
-          <a:srcRect/>
-          <a:stretch>
-            <a:fillRect/>
-          </a:stretch>
-        </p:blipFill>
-        <p:spPr bwMode="auto">
-          <a:xfrm>
-            <a:off x="7239021" y="6165304"/>
-            <a:ext cx="1638300" cy="419100"/>
-          </a:xfrm>
-          <a:prstGeom prst="rect">
-            <a:avLst/>
-          </a:prstGeom>
-          <a:noFill/>
-          <a:ln>
-            <a:noFill/>
-          </a:ln>
-          <a:effectLst/>
-          <a:extLst>
-            <a:ext uri="{909E8E84-426E-40DD-AFC4-6F175D3DCCD1}">
-              <a14:hiddenFill xmlns:a14="http://schemas.microsoft.com/office/drawing/2010/main">
-                <a:solidFill>
-                  <a:schemeClr val="accent1"/>
-                </a:solidFill>
-              </a14:hiddenFill>
-            </a:ext>
-            <a:ext uri="{91240B29-F687-4F45-9708-019B960494DF}">
-              <a14:hiddenLine xmlns:a14="http://schemas.microsoft.com/office/drawing/2010/main" w="9525">
-                <a:solidFill>
-                  <a:schemeClr val="tx1"/>
-                </a:solidFill>
-                <a:miter lim="800000"/>
-                <a:headEnd/>
-                <a:tailEnd/>
-              </a14:hiddenLine>
-            </a:ext>
-            <a:ext uri="{AF507438-7753-43E0-B8FC-AC1667EBCBE1}">
-              <a14:hiddenEffects xmlns:a14="http://schemas.microsoft.com/office/drawing/2010/main">
-                <a:effectLst>
-                  <a:outerShdw dist="35921" dir="2700000" algn="ctr" rotWithShape="0">
-                    <a:schemeClr val="bg2"/>
-                  </a:outerShdw>
-                </a:effectLst>
-              </a14:hiddenEffects>
-            </a:ext>
-          </a:extLst>
-        </p:spPr>
-      </p:pic>
       <p:sp>
         <p:nvSpPr>
           <p:cNvPr id="3" name="2 Rectángulo"/>
@@ -8658,6 +8250,30 @@
           </a:p>
         </p:txBody>
       </p:sp>
+      <p:pic>
+        <p:nvPicPr>
+          <p:cNvPr id="7" name="6 Imagen" descr="logo_exfida.png"/>
+          <p:cNvPicPr>
+            <a:picLocks noChangeAspect="1"/>
+          </p:cNvPicPr>
+          <p:nvPr/>
+        </p:nvPicPr>
+        <p:blipFill>
+          <a:blip r:embed="rId4"/>
+          <a:stretch>
+            <a:fillRect/>
+          </a:stretch>
+        </p:blipFill>
+        <p:spPr>
+          <a:xfrm>
+            <a:off x="6572264" y="6072206"/>
+            <a:ext cx="2286015" cy="576253"/>
+          </a:xfrm>
+          <a:prstGeom prst="rect">
+            <a:avLst/>
+          </a:prstGeom>
+        </p:spPr>
+      </p:pic>
     </p:spTree>
   </p:cSld>
   <p:clrMapOvr>
@@ -8865,9 +8481,48 @@
           </a:effectLst>
         </p:spPr>
       </p:pic>
+      <p:sp>
+        <p:nvSpPr>
+          <p:cNvPr id="2" name="AutoShape 2" descr="data:image/jpeg;base64,/9j/4AAQSkZJRgABAQAAAQABAAD/2wCEAAkGBhIPEBQUEhQUFRQVFBQXFRAVFBQUFRYVFxUVFBYUFRUXHCYeGBojGRUUHy8gJCcpLCwsFR4xNTAqNSYrLCkBCQoKDgwOGg8PGikfHyQsKSkpLCwsKSwsKSwpLCwpLSkpKSkpKSkpLCkpKSkpKSwpLCkpLCkpLCksKSwpKSwsKf/AABEIAOEA4QMBIgACEQEDEQH/xAAcAAABBAMBAAAAAAAAAAAAAAAAAgMFBgEEBwj/xABIEAACAQIDBQQFCAcHAgcAAAABAgADEQQFIQYSMUFhB1FxgRMiMpGhFCNCUmJysdEIM5KyweHwFRZDc4KiwlSTFyQ0NVOD0v/EABoBAQEAAwEBAAAAAAAAAAAAAAABAgMEBQb/xAAnEQACAgEEAgEDBQAAAAAAAAAAAQIRAwQSITFBURMiYYEFIzJScf/aAAwDAQACEQMRAD8A7jCYDXmYAQhCAEIQgBOF/pA7KblSnjkGj2pVrfXAJpufFQV/0id0kJtps+MwwFfDkauh3D3VF9ZD+0B8YB5EEWsaJIJB0INiO48xFq0AeEUDGwYoQBYmTMAzMABO2fo94j5vFp3NSb3h1P4CcTnWP0fa9sViU5NRVv2agH/OAdzhCEAIQhACEIQAhCEAIQhACEIQAhCEA86bHdp+KwG6hPpaI/wXPAfYfivhqOk7XsxtvhcxUeicCpa5oPYVB36fSHUXnl1GjtLFshDKxVgbhgSCD3gjUGUp69hOJ7DdtLoVo48l0OgxNvXX/MA9odRr4ztGHxK1FDowZWAKupBBB4EEcRIQchCEAIGEIB5H7Sss+S5ti6YFh6ZnUfZqWqD96V5GnSv0hcu9HmaVOVWghv1Qsh+AWcyQwDZUxwRlY4sgHJkRAixKDM6Z2C1rZjUH1sO/wemf4TmYEvfYzUdc2o7oJBWqrWFwFNNjc92oWAekIQhACEIQAhCEAIQhACEIQAnPe0/tPXLVNCgQ2KYeK0VI0ZhzbuXzOlr7/aT2gJldAhCGxNQH0VPju8vSuPqjkOZ87easZinrOz1GLO5LM7G5LHUkmUE3/wCImZf9ZiP+4YSu2mZAbCtF3murxxWlKKIlz2D7Ta+V/Nkelw5NzSJsVJ4tTbl4HQ9OMpt4WgHqTZjbjCZkvzFT1+dF/VqD/TzHUXEsE8f4fENTYMjFWU3DKSCD3gjUGdc2M7bbAUseCQLAYlB63/2IOPivugh2SE1MszajikFShUSoh+kjA+R7j0M25Acc/SPyfew2GxAH6uo1Nj0cby/FD75wVJ7E2u2Zp5nhKmGqEqHtZwASrKQysAeOo4d155t2h7Nq2BxTUC6uF3SKgUjeDAEG19O7jylSb6JdFUSOiWvBbAki7OfIW/GTuB2Gw623lLfeJPwmxYZMweRI57RoM5sqlj3KCT7hLJlXZ7jK5F09GD9Kobf7RczqmS5dTprZEVfAAfhJhVsRN8dOvJqeZ+CoZJ2X4ahZq16z9zaIPBBx8zLxs9SShWUKqqpBWygAa8NB5RFo2XKkMOIN5v8AjW2kad7u2XmEaw1bfRW7wDHZ5h3hCEIAQhCAEISMz/aKhgKJq4hwqjgOLOeSovM/0bQDexWKSkjPUZURRdnYhVA7yToJyXa7t2VC1PAIHtp8pqA7vilPQnxa3hKFt52j4jNHKk+joA3SgDppwaofpN8BylOvKDczXNquLrNVrOXqObsx91ugA0AGk1ICEAxaEzCLA0GjivNcNFKZDI21aLBmurRxWgg5eLWN3igZSkpkudV8JUFTD1Gpv3qdCO5gdGHQz0xslmNfE4KjVxCBKrpdlFxpc7rWPs7y2a3K84X2cbLfKanpqi/N0zoDwZ+PmF0PiROyYTFPQFlN1+qeHl3TnnnjGVG6OCUo2Wic67UMsBqUao4sGQ/6bEH/AHGXLC59TfRvUPXh74ztNlVPF4Z97iqsyMDwYKbeI6ToxZI3aOfJjkuGcuy6k3A2tJWhhQeflOfLmuKvoyjruzf9NiG41n62sPwm567FH2I6HJL0X3DqoGpt5x/+1qCjV199z7hOd1MuLj1mZj1YmSWAwm4lgJzy/Uf6xOiP6b/aRb22gVvYVm6+yPjr8JpVswqNzCjuH5yNwtFxwNvKOFmHGxHTSc09Xln5r/DphosUOUr/ANOh7KZuKtIIT66AC3evI/wk9OPUcc9Jg6EhlNwZ0bZ3aVMWmtlqD2kJ+K34iZ4slqn2aM+Fxe5dE3CYvMzecoQjOJxSU13nIA6/w75X8y2kZvVo3X7Z4+Q5TOGOU+jCU1Hsa277QKOU0xvD0lZwfR0QbaD6Tn6K38zy5288bT7V4jMaxq13ueCoNERfqoOQ+J5y0dq2XPv065JNwUYnXXVlPn63unPpZx2OixluVmJiZgJrMjIELTImTKBMJmEgItXIj9OpGKlMqSCCCDYg6EHmCORgDIZG6DHVM1KdSbNNrygeBm1gcI1aoqJ7TEAefM9Oc1BL72d5LxrsPsp/yP8AD3zVmyfHFyNuLH8kqOj7P4VMPQSknBFtfmTxLHqTcyT9NIqiLCPiqZ5CnfLPV2beEbjgGNGnoQCbEWIBNiDxBiFa8yKk2KVGNWQGN2OpNql0PTUe6a6ZCKehF+stYa8RVoBpmpFSor3yRRyEzYcgJs5hljH2DY9x4Sp46riqLWam1if1gG8viSOHnMkzatrLGtQiJWrvTUwe84ux8pJUMNJJGVoZNC8ZakRJP0MS1KYsxNPDZlVpG6O6n7JNvMcDJT+/eLVbEIT9Ypr+NvhGBQCjlNWvQBOsLJKPTMHijLtEhlud1cW7ela5WxUWAABvewHlJB6NpXcJVFGsjcid1vBv52luencT3dDl34qfaPA12L48vHTKhtzlnp8FVAGoXfHinrfwI85xGekalDeBE4JtNlBwmKqUrWAYlfuNqv5eU2ahdM04X4Ii0LTJExech0GQZmYhKAtCEJAen9r+zTA5oCatMJVI0xNMBal/tG1nHRgfKcO2s7EMfgt56K/KqQ+lSB9IB9qlx/Z3p6chaAeJd0qSCCCNCDoQe4jlHUM9V7Y9nGCzRT6WmFrW9XE0wFqA8rng46NfynnvbPs5xeUv84N+iTZMSgO43cG+o3Q+RMxMiLyrCGvUVBzOp7hzM7Jl1JadNVTRVAAHhOcbL5bUp0PlJpP6MtuituncuOIDcOPPv0lwy/MrjjPK1k25V4R62jglG/LLKlaPLWkPSx4m4lW+oM4lKjtcbJKjU5R5lkcjzYp1zab1K0aXGmPbxEUte0SrAw3JkmSjPpt4x5cKCJrDDEnQx70b20MqkzOkxD5Wh4C3hEHAMvCMtmQRrMwBPAE2v4X4zaXMV75lvK4NGoWtoY4EA14x1CrNebVXAqy6aHvmXZJJIiajRmok3PkZB1ivQia2h5ILMKN0Ms2zmY/KKAufWHqt94c/MWPnI3E4XeBkNgMY2Cr71iUbR1HdyYdR+c6tHn+GfPTOXW4Pmx8drovKHXrzEovaRsv8oT0iD5xLkfaHNf65y/K61kWohBuL3HMTXr0g6z6HiSo+b5izzSyxBEvvaDsaaLGvSHqE/OKOR+t4d8ohWcMouLo64y3KzEyJi0UBMDITaEc3JmUHsWE5jiu3vBL7FLEN4img/eMg8w/SFb/BwqjrUqlv9qgfjIDtUbr0FqKVdQykWKsAykdxB0M87Yzt0zNz6rUqY7lpA/F96RGK7V80qccVUH3d1P3QI4FM9PDCIE3AqhLbvo90bu7w3d3hbpOP7b7I/wBm11q0Qfk1U23ePoqnHc+6RcjwI7pzjB9pWZUX3lxdW/MO3pFP+l7idKzLtRw+Z5UabKwxJCbygDcWojK28pJ9kgG3de00Z4RnB2dGCcoTVEOlWSGExJEh8G+8okjTE8Ro91Ml/S8xNnC4wcDxkXQqco6V5wuA/uTarfURRcrxFxIrC5gUNjwkomIVhobzanZr2tD+Eqi+h8jJCwkfTwgbWNYiu1LjqO+W2uw0pdGltds2cWqlLbyk6HS4NuHXSVw7PNTFt5wR1Il4wmZK02qlNKo9YAzammY3KPZz6gMXSPqsSPta/GSuX7TEncqXRu48D4GTlXLN06aj4j85H4vJUqDUTFqjdCafZMU7VCLHW2nWNlLGaGXYSpTsN64HAniPOSrtc3Mt2jCdXwa5p3kTmWCDSacTXqJeYNGO4iskzI4Ntx/1LHj9Rjz+6ZbKii28NQf6vK3icEGW03tmMNiQdwKWpd5+j0ueI6T1tHqq/bn+Dydbpk/3I/k3a+HV1swBB5Tlm1/ZpUpsamFUsh1NEasv3BzHTjO0pk5J5jy0knh8sROp7zPRyTg1TPLxqV8Hkl8MVJBBBHEEWI8RFJRnrHHZDhsQb1qFGoRwL00Y+8i81f7m4C9/kmHv/kp+U4zqPL3ooT1N/dbB/wDS4b/sUv8A8zEA8jGJMeZYgiQyGWiDHiIhhIBozbyzFFHFuelvwmqRBWsQe43katUZxdOzpWWvoJL0akhsjqioLjmBJSr6uh0njTVOj3IO1Zuq828PiAdDImlWvFLVF+M10Z3ZMVKE01xJpP0PETZwGLuLXm5WysVBLXoqbXZv5PmysLXkpVpLUBU8DKPicCaBuQfGSmWZ7awJv4zKL8Mk43zE080wuIwb7wVqtH6yC7p95OY6j3Tey7aBKi3VgR3g/j3Sw4XHK4kXnGxtHEE1KZNGr/8AIml/vDgZls8onyeJBhswLGxkuuGWovXvlDc4rBNatT315VU4HxHI+6TWW7WUzYb1j3NoZmnXYmt38SXqIaZsR5iZNUeMS+ZLUI1malDS4FvwtMq9GDjxyYveZCRK1LTby3AtXbT2RxbkP5yqLbo1OSirY9lOUema50UcT39BLVSohAAosBymMPQCKFXgI5PQx41Bfc8rLleR/YIQhNppCEIQAhCEA8cRthMI8WYMhoxJjhEQRIBpo2Y60aIkKXPZZjSCkn2gCB3CdFTDpVTUTmWVYsPSTkV0B8NJc9ncy1sTrPLzw5s9nBJUkJzHLzRJK3t3SIOPO8RaxH5XnQsThBWSc+2lojC1QSDZ9OF/WH8vwmEUmdEqSs28Fmu6wJlyyrNVYCxE5U+NqVNKakfabT4SRwmIena51HMafCJQoKSao62aNOupVpRdoNl8XhH9Jhz6WlzpH2h1Bm3k+0JNgTfrLhgc0VhY6iE/Zi7XRR8j2qD6G6sOKNoR+ctOHzzTjNfaTYilivnKdkqcd4c/G3GUHGV8XgX3aqEqD7Y1BHQ/nG30VST7OpJmK1NCAeh5zQzHZGnVBakAp+p9E+HdKtk20iPa7W6HQy54DOV0sRMl9yzSX8Sqpl9ai1vWA7u7zljy/NnRbOQRb+E3MRmKluXDWaWcZD6ZN9GCMNd24Ct0MqTXQnLdH6hn5dvn1eHfLfspmI3fRHQ8V6948ZyrE7R0sIt6hseG4NWJHEASs5n2lYhz8x8yBwYav7+C+Xvm/Apt2ebqZRra2enrwvPIeKz3EVm3qtarUPe9Rm/E6SY2X28xWX1VanUYpcFqLMSjjmCDwNuY1noHmHqWEjsgz2ljsOlei11ccOatzRhyYGSMhQhCEAIQhAPF94tXjV4oCQyHC0QTMhYv0BMllNdo2ZO5bspisSbUaNWp9xGI99rS7bNdhuMrVFOJAoUtC12VqhHMKqk2PU8Osg6K/sjshjMVR3qVCoyFjZ7WU20NmNgdQZLVcjxGAq2rLuNuhty4Y2N7eze3Azv1Glh8vwwUblGhRW1yQqqo5knrz5kzmfaPmWFrNTxFCvRq7wCMKdRXIIuykgG4FifdNOTFw2dWDP8AUosVkmYh1EZ2tycV6WguQQw8R/K8quVZqKdToZfcpxS1Vte84K2uj2INNWUKjhQqaDWJCDum9tdSOGr6aK43h48D+fnK82Pc+xvHwGnxlRg5VwbmJIpjeBt3d58pt5XtVY2Y2Mh6GVVa2rXHTiffJKlkIQajUytLySO6y4YHaS9rGS9PFU64s4BB4gznyZSRqGI84NtEcMwUkse4cR4zHazY5R/Ja8y2FoP6yep0BtI07JMhG5Ubw4zXXa/eHBpIZbm9RzvXAHhe0t+xHr2amYj5Mt2qtcH2dCZWs629qhNxW9ocvaI6nkPCOdoGbhKi21O6SepOgv5Cc+eqWJJ1JnRhx7ufB5+pzuP0+R2tiGdt5iSTzMFjYiwZ2o8t8ixFgxKxQmRCx7Iba4nLKm9Rb1Wtv0m1R7d45HqNZ6C2N27w+aU7odyqo9egT6w+0p+kvX32nl0TbwePq0WD0Xam6+y6kgi4sdRrqNJQevITl+wXa0tbDBcWR6akLVGFgxUf4hU8dNTbrpOnU6gYBgbggEHvB1BkAqEIQDztk3YRmFaxrGlQHc7bzfspcfES9ZL2C4OlY4ipUrn6o+aT3KSx/anT4SUWypU+yrKl4YVPN6p/5SXwWyWCofq8NQXqKSX/AGiLyWhLQswqgCw4d0JmUXtd20/s3AkU2tXr3p07cVFvXqeQ4dWEEOX9te3/AMtr/JaDXoUGO+wOlSsNCeqrqB1ue6cy/q8ISPkpuYbN6tP6Vx3Nr8eM6dsFmhdFe/EkMv1SD/XvnJgJZ9hc49BiVRiAlRgCTwDcj4cvdOfLjTVpcnZps7hOpPg6ZtvhBUNJrA23vjb8pWaBUcbCaO1e37PiCtFQadPeW7XuzAkFhbgNLCauVZnTxB9Zirk+wbWJ+yec55Y3GNs7o6mEpUi44SuqjlG8ZXD6LxmjRwoXhNpABOR5F4N1W7FejKoSTwEizlILMepPvkzV9ZbdbzWOIC6cTMVNsz4S5NUYML5TQxe0HobinqfgPPnHs5BNNrcbSrYhfUJ6H8JvjD2ack2uiIzXMGr1GZjc34zVESIoT1EqVI8WTcnbHFjgEaUx0GZIwYsTIMSIqUgsGKUxu8UDKB0mxV+aMCSOO7fW09PbH7XUcapRHDPTVSSAbFTwIPAnvA6TzFTMn9k8/wATg69JaFTdR6gG4blVYkC9r+dukA9R3hKn/fB+5Pc35wiiWWyEISFCEIQBnF4paSM7kKqglmPICeQ9pc5fG4utXckmpUZhfkt7Ko7gFCjynZe3na2pRRMGii1ZPSPV3mDDdeyqtjz3Te84UFgCQkzuRcIAkLFBYoCZgGLTI04TIEVaAWnZ3aQkinVOp0V/4N16yzNUHAanpOaU19/Kel9kdiqNGlSqON+oyIx3gN1WKgmy9Cec4MuluVxO/Dq9sal+Dl+KSqlPf3HK3tvAHdB7i3ASG9O7HnpyE9KvRVlKkAqRYqQCCO4iVDMOzSg771I+jvxTdDL5d0zWn2rgq1Sk+eDk1CsHG6ZYcs7JXxdAVVqou/veoytyJHES1YjsnQlSlYj611+K2OnhLtl2AFCklNdQotfv7z75lHFzyM2oTj9L5PJ22Gx9fK8QaNYct5HGqup5qenAjkR4SDE9bbb7HUs1wrUagAcXNKrzpvbQ9QeBHMeU8qZpltTDVqlGqu69NirL3EG3mOd+4idFUcN2a0WpiAYoQQeUzMQpiwZkQzFKJgQvKB5DNmk3cbEEEEcQQbgjwM1EMeRpQWL++GN+tS/Y/nCQXpYQQ9dwhCYlCaOc5zRwdE1q7inTWwLG51JsAANSSTwE3pybt72jprhkwgINVqiVGH1UUNYnqSRbwgHL+0Tah8xx71GG6E+aRL3sqM3Md5JMre7EAxwGUgkrElY9aYIigNgxYmCkwBIUcAi1WJWbuX4F69RKdNSzuwVVHEkmwEoLV2ZbGnMcWN4fM0rPVPIi/qp4sR7gZ6RAlf2H2UXLMItIWLn1qrj6Tka26DQDw6ywyAIQhACEIQAnIO3LYE1l+X0Fu9NQK6AatTHCr1KjQ9LHlOvxLoCCDqDoQdRaAeLLRQl77Wdgf7MxW/SH/lq5Y07f4bcWpeA4jp4GUQSFFiLWNiKUykHICJvMgygcWOiau9HkqSgehE70xAPYkJgGZMxBgm08ydrG06ZhmLNSsadJRSVx9PdLFn6gkm3QCXTtd7UxZ8Fg271r11PkaSEe5j5d84xKAilhMrBBQmZiZgARDdmbzEFFIs7d2KbFhE+XVR6zXWgDyXg1TxOoHS/fOO5Pl7YmvTpJ7VR1QeLEC89ZZdgVoUadJPZpoqL4KAB+EgNmEIQAhCEAIQhACEIQCL2l2epZhhqmHrD1XGjDijD2XXqD+XOeVNotn6uAxL0KwsyHiODLxV16Eaz1/Of9r+w/9oYT01Nfn6ALCw1enxen1P0h1uOcA83RULWmCYBgmKUxF4uAEUswIulTLsFUFmYgKo1LE8ABzMoC8J0f/wAEcZ3fEQgHoHn74xmf6ir/AJb/ALphCQHjp+JhCErIKEyIQkKKmYQlBgxQhCAWzsu/91wv+Yf3GnpsTMJAEIQgBCEIAQhCAEIQgBMGEIB44xv6xvvH8ZrtCEARHBMwgBOkdiP/AK4ef4TMJSHoKEISFP/Z"/>
+          <p:cNvSpPr>
+            <a:spLocks noChangeAspect="1" noChangeArrowheads="1"/>
+          </p:cNvSpPr>
+          <p:nvPr/>
+        </p:nvSpPr>
+        <p:spPr bwMode="auto">
+          <a:xfrm>
+            <a:off x="155575" y="-144463"/>
+            <a:ext cx="304800" cy="304801"/>
+          </a:xfrm>
+          <a:prstGeom prst="rect">
+            <a:avLst/>
+          </a:prstGeom>
+          <a:noFill/>
+          <a:extLst>
+            <a:ext uri="{909E8E84-426E-40DD-AFC4-6F175D3DCCD1}">
+              <a14:hiddenFill xmlns:a14="http://schemas.microsoft.com/office/drawing/2010/main" xmlns="">
+                <a:solidFill>
+                  <a:srgbClr val="FFFFFF"/>
+                </a:solidFill>
+              </a14:hiddenFill>
+            </a:ext>
+          </a:extLst>
+        </p:spPr>
+        <p:txBody>
+          <a:bodyPr vert="horz" wrap="square" lIns="91440" tIns="45720" rIns="91440" bIns="45720" numCol="1" anchor="t" anchorCtr="0" compatLnSpc="1">
+            <a:prstTxWarp prst="textNoShape">
+              <a:avLst/>
+            </a:prstTxWarp>
+          </a:bodyPr>
+          <a:lstStyle/>
+          <a:p>
+            <a:endParaRPr lang="es-CL"/>
+          </a:p>
+        </p:txBody>
+      </p:sp>
       <p:pic>
         <p:nvPicPr>
-          <p:cNvPr id="6" name="Picture 2"/>
+          <p:cNvPr id="7171" name="Picture 3"/>
           <p:cNvPicPr>
             <a:picLocks noChangeAspect="1" noChangeArrowheads="1"/>
           </p:cNvPicPr>
@@ -8877,110 +8532,7 @@
           <a:blip r:embed="rId7">
             <a:extLst>
               <a:ext uri="{28A0092B-C50C-407E-A947-70E740481C1C}">
-                <a14:useLocalDpi xmlns:a14="http://schemas.microsoft.com/office/drawing/2010/main" val="0"/>
-              </a:ext>
-            </a:extLst>
-          </a:blip>
-          <a:srcRect/>
-          <a:stretch>
-            <a:fillRect/>
-          </a:stretch>
-        </p:blipFill>
-        <p:spPr bwMode="auto">
-          <a:xfrm>
-            <a:off x="7239021" y="6165304"/>
-            <a:ext cx="1638300" cy="419100"/>
-          </a:xfrm>
-          <a:prstGeom prst="rect">
-            <a:avLst/>
-          </a:prstGeom>
-          <a:noFill/>
-          <a:ln>
-            <a:noFill/>
-          </a:ln>
-          <a:effectLst/>
-          <a:extLst>
-            <a:ext uri="{909E8E84-426E-40DD-AFC4-6F175D3DCCD1}">
-              <a14:hiddenFill xmlns:a14="http://schemas.microsoft.com/office/drawing/2010/main">
-                <a:solidFill>
-                  <a:schemeClr val="accent1"/>
-                </a:solidFill>
-              </a14:hiddenFill>
-            </a:ext>
-            <a:ext uri="{91240B29-F687-4F45-9708-019B960494DF}">
-              <a14:hiddenLine xmlns:a14="http://schemas.microsoft.com/office/drawing/2010/main" w="9525">
-                <a:solidFill>
-                  <a:schemeClr val="tx1"/>
-                </a:solidFill>
-                <a:miter lim="800000"/>
-                <a:headEnd/>
-                <a:tailEnd/>
-              </a14:hiddenLine>
-            </a:ext>
-            <a:ext uri="{AF507438-7753-43E0-B8FC-AC1667EBCBE1}">
-              <a14:hiddenEffects xmlns:a14="http://schemas.microsoft.com/office/drawing/2010/main">
-                <a:effectLst>
-                  <a:outerShdw dist="35921" dir="2700000" algn="ctr" rotWithShape="0">
-                    <a:schemeClr val="bg2"/>
-                  </a:outerShdw>
-                </a:effectLst>
-              </a14:hiddenEffects>
-            </a:ext>
-          </a:extLst>
-        </p:spPr>
-      </p:pic>
-      <p:sp>
-        <p:nvSpPr>
-          <p:cNvPr id="2" name="AutoShape 2" descr="data:image/jpeg;base64,/9j/4AAQSkZJRgABAQAAAQABAAD/2wCEAAkGBhIPEBQUEhQUFRQVFBQXFRAVFBQUFRYVFxUVFBYUFRUXHCYeGBojGRUUHy8gJCcpLCwsFR4xNTAqNSYrLCkBCQoKDgwOGg8PGikfHyQsKSkpLCwsKSwsKSwpLCwpLSkpKSkpKSkpLCkpKSkpKSwpLCkpLCkpLCksKSwpKSwsKf/AABEIAOEA4QMBIgACEQEDEQH/xAAcAAABBAMBAAAAAAAAAAAAAAAAAgMFBgEEBwj/xABIEAACAQIDBQQFCAcHAgcAAAABAgADEQQFIQYSMUFhB1FxgRMiMpGhFCNCUmJysdEIM5KyweHwFRZDc4KiwlSTFyQ0NVOD0v/EABoBAQEAAwEBAAAAAAAAAAAAAAABAgMEBQb/xAAnEQACAgEEAgEDBQAAAAAAAAAAAQIRAwQSITFBURMiYYEFIzJScf/aAAwDAQACEQMRAD8A7jCYDXmYAQhCAEIQgBOF/pA7KblSnjkGj2pVrfXAJpufFQV/0id0kJtps+MwwFfDkauh3D3VF9ZD+0B8YB5EEWsaJIJB0INiO48xFq0AeEUDGwYoQBYmTMAzMABO2fo94j5vFp3NSb3h1P4CcTnWP0fa9sViU5NRVv2agH/OAdzhCEAIQhACEIQAhCEAIQhACEIQAhCEA86bHdp+KwG6hPpaI/wXPAfYfivhqOk7XsxtvhcxUeicCpa5oPYVB36fSHUXnl1GjtLFshDKxVgbhgSCD3gjUGUp69hOJ7DdtLoVo48l0OgxNvXX/MA9odRr4ztGHxK1FDowZWAKupBBB4EEcRIQchCEAIGEIB5H7Sss+S5ti6YFh6ZnUfZqWqD96V5GnSv0hcu9HmaVOVWghv1Qsh+AWcyQwDZUxwRlY4sgHJkRAixKDM6Z2C1rZjUH1sO/wemf4TmYEvfYzUdc2o7oJBWqrWFwFNNjc92oWAekIQhACEIQAhCEAIQhACEIQAnPe0/tPXLVNCgQ2KYeK0VI0ZhzbuXzOlr7/aT2gJldAhCGxNQH0VPju8vSuPqjkOZ87easZinrOz1GLO5LM7G5LHUkmUE3/wCImZf9ZiP+4YSu2mZAbCtF3murxxWlKKIlz2D7Ta+V/Nkelw5NzSJsVJ4tTbl4HQ9OMpt4WgHqTZjbjCZkvzFT1+dF/VqD/TzHUXEsE8f4fENTYMjFWU3DKSCD3gjUGdc2M7bbAUseCQLAYlB63/2IOPivugh2SE1MszajikFShUSoh+kjA+R7j0M25Acc/SPyfew2GxAH6uo1Nj0cby/FD75wVJ7E2u2Zp5nhKmGqEqHtZwASrKQysAeOo4d155t2h7Nq2BxTUC6uF3SKgUjeDAEG19O7jylSb6JdFUSOiWvBbAki7OfIW/GTuB2Gw623lLfeJPwmxYZMweRI57RoM5sqlj3KCT7hLJlXZ7jK5F09GD9Kobf7RczqmS5dTprZEVfAAfhJhVsRN8dOvJqeZ+CoZJ2X4ahZq16z9zaIPBBx8zLxs9SShWUKqqpBWygAa8NB5RFo2XKkMOIN5v8AjW2kad7u2XmEaw1bfRW7wDHZ5h3hCEIAQhCAEISMz/aKhgKJq4hwqjgOLOeSovM/0bQDexWKSkjPUZURRdnYhVA7yToJyXa7t2VC1PAIHtp8pqA7vilPQnxa3hKFt52j4jNHKk+joA3SgDppwaofpN8BylOvKDczXNquLrNVrOXqObsx91ugA0AGk1ICEAxaEzCLA0GjivNcNFKZDI21aLBmurRxWgg5eLWN3igZSkpkudV8JUFTD1Gpv3qdCO5gdGHQz0xslmNfE4KjVxCBKrpdlFxpc7rWPs7y2a3K84X2cbLfKanpqi/N0zoDwZ+PmF0PiROyYTFPQFlN1+qeHl3TnnnjGVG6OCUo2Wic67UMsBqUao4sGQ/6bEH/AHGXLC59TfRvUPXh74ztNlVPF4Z97iqsyMDwYKbeI6ToxZI3aOfJjkuGcuy6k3A2tJWhhQeflOfLmuKvoyjruzf9NiG41n62sPwm567FH2I6HJL0X3DqoGpt5x/+1qCjV199z7hOd1MuLj1mZj1YmSWAwm4lgJzy/Uf6xOiP6b/aRb22gVvYVm6+yPjr8JpVswqNzCjuH5yNwtFxwNvKOFmHGxHTSc09Xln5r/DphosUOUr/ANOh7KZuKtIIT66AC3evI/wk9OPUcc9Jg6EhlNwZ0bZ3aVMWmtlqD2kJ+K34iZ4slqn2aM+Fxe5dE3CYvMzecoQjOJxSU13nIA6/w75X8y2kZvVo3X7Z4+Q5TOGOU+jCU1Hsa277QKOU0xvD0lZwfR0QbaD6Tn6K38zy5288bT7V4jMaxq13ueCoNERfqoOQ+J5y0dq2XPv065JNwUYnXXVlPn63unPpZx2OixluVmJiZgJrMjIELTImTKBMJmEgItXIj9OpGKlMqSCCCDYg6EHmCORgDIZG6DHVM1KdSbNNrygeBm1gcI1aoqJ7TEAefM9Oc1BL72d5LxrsPsp/yP8AD3zVmyfHFyNuLH8kqOj7P4VMPQSknBFtfmTxLHqTcyT9NIqiLCPiqZ5CnfLPV2beEbjgGNGnoQCbEWIBNiDxBiFa8yKk2KVGNWQGN2OpNql0PTUe6a6ZCKehF+stYa8RVoBpmpFSor3yRRyEzYcgJs5hljH2DY9x4Sp46riqLWam1if1gG8viSOHnMkzatrLGtQiJWrvTUwe84ux8pJUMNJJGVoZNC8ZakRJP0MS1KYsxNPDZlVpG6O6n7JNvMcDJT+/eLVbEIT9Ypr+NvhGBQCjlNWvQBOsLJKPTMHijLtEhlud1cW7ela5WxUWAABvewHlJB6NpXcJVFGsjcid1vBv52luencT3dDl34qfaPA12L48vHTKhtzlnp8FVAGoXfHinrfwI85xGekalDeBE4JtNlBwmKqUrWAYlfuNqv5eU2ahdM04X4Ii0LTJExech0GQZmYhKAtCEJAen9r+zTA5oCatMJVI0xNMBal/tG1nHRgfKcO2s7EMfgt56K/KqQ+lSB9IB9qlx/Z3p6chaAeJd0qSCCCNCDoQe4jlHUM9V7Y9nGCzRT6WmFrW9XE0wFqA8rng46NfynnvbPs5xeUv84N+iTZMSgO43cG+o3Q+RMxMiLyrCGvUVBzOp7hzM7Jl1JadNVTRVAAHhOcbL5bUp0PlJpP6MtuituncuOIDcOPPv0lwy/MrjjPK1k25V4R62jglG/LLKlaPLWkPSx4m4lW+oM4lKjtcbJKjU5R5lkcjzYp1zab1K0aXGmPbxEUte0SrAw3JkmSjPpt4x5cKCJrDDEnQx70b20MqkzOkxD5Wh4C3hEHAMvCMtmQRrMwBPAE2v4X4zaXMV75lvK4NGoWtoY4EA14x1CrNebVXAqy6aHvmXZJJIiajRmok3PkZB1ivQia2h5ILMKN0Ms2zmY/KKAufWHqt94c/MWPnI3E4XeBkNgMY2Cr71iUbR1HdyYdR+c6tHn+GfPTOXW4Pmx8drovKHXrzEovaRsv8oT0iD5xLkfaHNf65y/K61kWohBuL3HMTXr0g6z6HiSo+b5izzSyxBEvvaDsaaLGvSHqE/OKOR+t4d8ohWcMouLo64y3KzEyJi0UBMDITaEc3JmUHsWE5jiu3vBL7FLEN4img/eMg8w/SFb/BwqjrUqlv9qgfjIDtUbr0FqKVdQykWKsAykdxB0M87Yzt0zNz6rUqY7lpA/F96RGK7V80qccVUH3d1P3QI4FM9PDCIE3AqhLbvo90bu7w3d3hbpOP7b7I/wBm11q0Qfk1U23ePoqnHc+6RcjwI7pzjB9pWZUX3lxdW/MO3pFP+l7idKzLtRw+Z5UabKwxJCbygDcWojK28pJ9kgG3de00Z4RnB2dGCcoTVEOlWSGExJEh8G+8okjTE8Ro91Ml/S8xNnC4wcDxkXQqco6V5wuA/uTarfURRcrxFxIrC5gUNjwkomIVhobzanZr2tD+Eqi+h8jJCwkfTwgbWNYiu1LjqO+W2uw0pdGltds2cWqlLbyk6HS4NuHXSVw7PNTFt5wR1Il4wmZK02qlNKo9YAzammY3KPZz6gMXSPqsSPta/GSuX7TEncqXRu48D4GTlXLN06aj4j85H4vJUqDUTFqjdCafZMU7VCLHW2nWNlLGaGXYSpTsN64HAniPOSrtc3Mt2jCdXwa5p3kTmWCDSacTXqJeYNGO4iskzI4Ntx/1LHj9Rjz+6ZbKii28NQf6vK3icEGW03tmMNiQdwKWpd5+j0ueI6T1tHqq/bn+Dydbpk/3I/k3a+HV1swBB5Tlm1/ZpUpsamFUsh1NEasv3BzHTjO0pk5J5jy0knh8sROp7zPRyTg1TPLxqV8Hkl8MVJBBBHEEWI8RFJRnrHHZDhsQb1qFGoRwL00Y+8i81f7m4C9/kmHv/kp+U4zqPL3ooT1N/dbB/wDS4b/sUv8A8zEA8jGJMeZYgiQyGWiDHiIhhIBozbyzFFHFuelvwmqRBWsQe43katUZxdOzpWWvoJL0akhsjqioLjmBJSr6uh0njTVOj3IO1Zuq828PiAdDImlWvFLVF+M10Z3ZMVKE01xJpP0PETZwGLuLXm5WysVBLXoqbXZv5PmysLXkpVpLUBU8DKPicCaBuQfGSmWZ7awJv4zKL8Mk43zE080wuIwb7wVqtH6yC7p95OY6j3Tey7aBKi3VgR3g/j3Sw4XHK4kXnGxtHEE1KZNGr/8AIml/vDgZls8onyeJBhswLGxkuuGWovXvlDc4rBNatT315VU4HxHI+6TWW7WUzYb1j3NoZmnXYmt38SXqIaZsR5iZNUeMS+ZLUI1malDS4FvwtMq9GDjxyYveZCRK1LTby3AtXbT2RxbkP5yqLbo1OSirY9lOUema50UcT39BLVSohAAosBymMPQCKFXgI5PQx41Bfc8rLleR/YIQhNppCEIQAhCEA8cRthMI8WYMhoxJjhEQRIBpo2Y60aIkKXPZZjSCkn2gCB3CdFTDpVTUTmWVYsPSTkV0B8NJc9ncy1sTrPLzw5s9nBJUkJzHLzRJK3t3SIOPO8RaxH5XnQsThBWSc+2lojC1QSDZ9OF/WH8vwmEUmdEqSs28Fmu6wJlyyrNVYCxE5U+NqVNKakfabT4SRwmIena51HMafCJQoKSao62aNOupVpRdoNl8XhH9Jhz6WlzpH2h1Bm3k+0JNgTfrLhgc0VhY6iE/Zi7XRR8j2qD6G6sOKNoR+ctOHzzTjNfaTYilivnKdkqcd4c/G3GUHGV8XgX3aqEqD7Y1BHQ/nG30VST7OpJmK1NCAeh5zQzHZGnVBakAp+p9E+HdKtk20iPa7W6HQy54DOV0sRMl9yzSX8Sqpl9ai1vWA7u7zljy/NnRbOQRb+E3MRmKluXDWaWcZD6ZN9GCMNd24Ct0MqTXQnLdH6hn5dvn1eHfLfspmI3fRHQ8V6948ZyrE7R0sIt6hseG4NWJHEASs5n2lYhz8x8yBwYav7+C+Xvm/Apt2ebqZRra2enrwvPIeKz3EVm3qtarUPe9Rm/E6SY2X28xWX1VanUYpcFqLMSjjmCDwNuY1noHmHqWEjsgz2ljsOlei11ccOatzRhyYGSMhQhCEAIQhAPF94tXjV4oCQyHC0QTMhYv0BMllNdo2ZO5bspisSbUaNWp9xGI99rS7bNdhuMrVFOJAoUtC12VqhHMKqk2PU8Osg6K/sjshjMVR3qVCoyFjZ7WU20NmNgdQZLVcjxGAq2rLuNuhty4Y2N7eze3Azv1Glh8vwwUblGhRW1yQqqo5knrz5kzmfaPmWFrNTxFCvRq7wCMKdRXIIuykgG4FifdNOTFw2dWDP8AUosVkmYh1EZ2tycV6WguQQw8R/K8quVZqKdToZfcpxS1Vte84K2uj2INNWUKjhQqaDWJCDum9tdSOGr6aK43h48D+fnK82Pc+xvHwGnxlRg5VwbmJIpjeBt3d58pt5XtVY2Y2Mh6GVVa2rXHTiffJKlkIQajUytLySO6y4YHaS9rGS9PFU64s4BB4gznyZSRqGI84NtEcMwUkse4cR4zHazY5R/Ja8y2FoP6yep0BtI07JMhG5Ubw4zXXa/eHBpIZbm9RzvXAHhe0t+xHr2amYj5Mt2qtcH2dCZWs629qhNxW9ocvaI6nkPCOdoGbhKi21O6SepOgv5Cc+eqWJJ1JnRhx7ufB5+pzuP0+R2tiGdt5iSTzMFjYiwZ2o8t8ixFgxKxQmRCx7Iba4nLKm9Rb1Wtv0m1R7d45HqNZ6C2N27w+aU7odyqo9egT6w+0p+kvX32nl0TbwePq0WD0Xam6+y6kgi4sdRrqNJQevITl+wXa0tbDBcWR6akLVGFgxUf4hU8dNTbrpOnU6gYBgbggEHvB1BkAqEIQDztk3YRmFaxrGlQHc7bzfspcfES9ZL2C4OlY4ipUrn6o+aT3KSx/anT4SUWypU+yrKl4YVPN6p/5SXwWyWCofq8NQXqKSX/AGiLyWhLQswqgCw4d0JmUXtd20/s3AkU2tXr3p07cVFvXqeQ4dWEEOX9te3/AMtr/JaDXoUGO+wOlSsNCeqrqB1ue6cy/q8ISPkpuYbN6tP6Vx3Nr8eM6dsFmhdFe/EkMv1SD/XvnJgJZ9hc49BiVRiAlRgCTwDcj4cvdOfLjTVpcnZps7hOpPg6ZtvhBUNJrA23vjb8pWaBUcbCaO1e37PiCtFQadPeW7XuzAkFhbgNLCauVZnTxB9Zirk+wbWJ+yec55Y3GNs7o6mEpUi44SuqjlG8ZXD6LxmjRwoXhNpABOR5F4N1W7FejKoSTwEizlILMepPvkzV9ZbdbzWOIC6cTMVNsz4S5NUYML5TQxe0HobinqfgPPnHs5BNNrcbSrYhfUJ6H8JvjD2ack2uiIzXMGr1GZjc34zVESIoT1EqVI8WTcnbHFjgEaUx0GZIwYsTIMSIqUgsGKUxu8UDKB0mxV+aMCSOO7fW09PbH7XUcapRHDPTVSSAbFTwIPAnvA6TzFTMn9k8/wATg69JaFTdR6gG4blVYkC9r+dukA9R3hKn/fB+5Pc35wiiWWyEISFCEIQBnF4paSM7kKqglmPICeQ9pc5fG4utXckmpUZhfkt7Ko7gFCjynZe3na2pRRMGii1ZPSPV3mDDdeyqtjz3Te84UFgCQkzuRcIAkLFBYoCZgGLTI04TIEVaAWnZ3aQkinVOp0V/4N16yzNUHAanpOaU19/Kel9kdiqNGlSqON+oyIx3gN1WKgmy9Cec4MuluVxO/Dq9sal+Dl+KSqlPf3HK3tvAHdB7i3ASG9O7HnpyE9KvRVlKkAqRYqQCCO4iVDMOzSg771I+jvxTdDL5d0zWn2rgq1Sk+eDk1CsHG6ZYcs7JXxdAVVqou/veoytyJHES1YjsnQlSlYj611+K2OnhLtl2AFCklNdQotfv7z75lHFzyM2oTj9L5PJ22Gx9fK8QaNYct5HGqup5qenAjkR4SDE9bbb7HUs1wrUagAcXNKrzpvbQ9QeBHMeU8qZpltTDVqlGqu69NirL3EG3mOd+4idFUcN2a0WpiAYoQQeUzMQpiwZkQzFKJgQvKB5DNmk3cbEEEEcQQbgjwM1EMeRpQWL++GN+tS/Y/nCQXpYQQ9dwhCYlCaOc5zRwdE1q7inTWwLG51JsAANSSTwE3pybt72jprhkwgINVqiVGH1UUNYnqSRbwgHL+0Tah8xx71GG6E+aRL3sqM3Md5JMre7EAxwGUgkrElY9aYIigNgxYmCkwBIUcAi1WJWbuX4F69RKdNSzuwVVHEkmwEoLV2ZbGnMcWN4fM0rPVPIi/qp4sR7gZ6RAlf2H2UXLMItIWLn1qrj6Tka26DQDw6ywyAIQhACEIQAnIO3LYE1l+X0Fu9NQK6AatTHCr1KjQ9LHlOvxLoCCDqDoQdRaAeLLRQl77Wdgf7MxW/SH/lq5Y07f4bcWpeA4jp4GUQSFFiLWNiKUykHICJvMgygcWOiau9HkqSgehE70xAPYkJgGZMxBgm08ydrG06ZhmLNSsadJRSVx9PdLFn6gkm3QCXTtd7UxZ8Fg271r11PkaSEe5j5d84xKAilhMrBBQmZiZgARDdmbzEFFIs7d2KbFhE+XVR6zXWgDyXg1TxOoHS/fOO5Pl7YmvTpJ7VR1QeLEC89ZZdgVoUadJPZpoqL4KAB+EgNmEIQAhCEAIQhACEIQCL2l2epZhhqmHrD1XGjDijD2XXqD+XOeVNotn6uAxL0KwsyHiODLxV16Eaz1/Of9r+w/9oYT01Nfn6ALCw1enxen1P0h1uOcA83RULWmCYBgmKUxF4uAEUswIulTLsFUFmYgKo1LE8ABzMoC8J0f/wAEcZ3fEQgHoHn74xmf6ir/AJb/ALphCQHjp+JhCErIKEyIQkKKmYQlBgxQhCAWzsu/91wv+Yf3GnpsTMJAEIQgBCEIAQhCAEIQgBMGEIB44xv6xvvH8ZrtCEARHBMwgBOkdiP/AK4ef4TMJSHoKEISFP/Z"/>
-          <p:cNvSpPr>
-            <a:spLocks noChangeAspect="1" noChangeArrowheads="1"/>
-          </p:cNvSpPr>
-          <p:nvPr/>
-        </p:nvSpPr>
-        <p:spPr bwMode="auto">
-          <a:xfrm>
-            <a:off x="155575" y="-144463"/>
-            <a:ext cx="304800" cy="304801"/>
-          </a:xfrm>
-          <a:prstGeom prst="rect">
-            <a:avLst/>
-          </a:prstGeom>
-          <a:noFill/>
-          <a:extLst>
-            <a:ext uri="{909E8E84-426E-40DD-AFC4-6F175D3DCCD1}">
-              <a14:hiddenFill xmlns:a14="http://schemas.microsoft.com/office/drawing/2010/main">
-                <a:solidFill>
-                  <a:srgbClr val="FFFFFF"/>
-                </a:solidFill>
-              </a14:hiddenFill>
-            </a:ext>
-          </a:extLst>
-        </p:spPr>
-        <p:txBody>
-          <a:bodyPr vert="horz" wrap="square" lIns="91440" tIns="45720" rIns="91440" bIns="45720" numCol="1" anchor="t" anchorCtr="0" compatLnSpc="1">
-            <a:prstTxWarp prst="textNoShape">
-              <a:avLst/>
-            </a:prstTxWarp>
-          </a:bodyPr>
-          <a:lstStyle/>
-          <a:p>
-            <a:endParaRPr lang="es-CL"/>
-          </a:p>
-        </p:txBody>
-      </p:sp>
-      <p:pic>
-        <p:nvPicPr>
-          <p:cNvPr id="7171" name="Picture 3"/>
-          <p:cNvPicPr>
-            <a:picLocks noChangeAspect="1" noChangeArrowheads="1"/>
-          </p:cNvPicPr>
-          <p:nvPr/>
-        </p:nvPicPr>
-        <p:blipFill>
-          <a:blip r:embed="rId8">
-            <a:extLst>
-              <a:ext uri="{28A0092B-C50C-407E-A947-70E740481C1C}">
-                <a14:useLocalDpi xmlns:a14="http://schemas.microsoft.com/office/drawing/2010/main" val="0"/>
+                <a14:useLocalDpi xmlns:a14="http://schemas.microsoft.com/office/drawing/2010/main" xmlns="" val="0"/>
               </a:ext>
             </a:extLst>
           </a:blip>
@@ -9047,7 +8599,7 @@
         </p:spPr>
         <p:txBody>
           <a:bodyPr>
-            <a:normAutofit fontScale="47500" lnSpcReduction="20000"/>
+            <a:normAutofit fontScale="55000" lnSpcReduction="20000"/>
           </a:bodyPr>
           <a:lstStyle/>
           <a:p>
@@ -9127,7 +8679,7 @@
           <p:nvPr/>
         </p:nvPicPr>
         <p:blipFill>
-          <a:blip r:embed="rId9"/>
+          <a:blip r:embed="rId8"/>
           <a:srcRect/>
           <a:stretch>
             <a:fillRect/>
@@ -9162,10 +8714,10 @@
           <p:nvPr/>
         </p:nvPicPr>
         <p:blipFill>
-          <a:blip r:embed="rId10" cstate="print">
+          <a:blip r:embed="rId9" cstate="print">
             <a:extLst>
               <a:ext uri="{28A0092B-C50C-407E-A947-70E740481C1C}">
-                <a14:useLocalDpi xmlns:a14="http://schemas.microsoft.com/office/drawing/2010/main" val="0"/>
+                <a14:useLocalDpi xmlns:a14="http://schemas.microsoft.com/office/drawing/2010/main" xmlns="" val="0"/>
               </a:ext>
             </a:extLst>
           </a:blip>
@@ -9194,14 +8746,14 @@
           </a:effectLst>
           <a:extLst>
             <a:ext uri="{909E8E84-426E-40DD-AFC4-6F175D3DCCD1}">
-              <a14:hiddenFill xmlns:a14="http://schemas.microsoft.com/office/drawing/2010/main">
+              <a14:hiddenFill xmlns:a14="http://schemas.microsoft.com/office/drawing/2010/main" xmlns="">
                 <a:solidFill>
                   <a:schemeClr val="accent1"/>
                 </a:solidFill>
               </a14:hiddenFill>
             </a:ext>
             <a:ext uri="{91240B29-F687-4F45-9708-019B960494DF}">
-              <a14:hiddenLine xmlns:a14="http://schemas.microsoft.com/office/drawing/2010/main" w="9525">
+              <a14:hiddenLine xmlns:a14="http://schemas.microsoft.com/office/drawing/2010/main" xmlns="" w="9525">
                 <a:solidFill>
                   <a:schemeClr val="tx1"/>
                 </a:solidFill>
@@ -9211,6 +8763,30 @@
               </a14:hiddenLine>
             </a:ext>
           </a:extLst>
+        </p:spPr>
+      </p:pic>
+      <p:pic>
+        <p:nvPicPr>
+          <p:cNvPr id="13" name="12 Imagen" descr="logo_exfida.png"/>
+          <p:cNvPicPr>
+            <a:picLocks noChangeAspect="1"/>
+          </p:cNvPicPr>
+          <p:nvPr/>
+        </p:nvPicPr>
+        <p:blipFill>
+          <a:blip r:embed="rId10"/>
+          <a:stretch>
+            <a:fillRect/>
+          </a:stretch>
+        </p:blipFill>
+        <p:spPr>
+          <a:xfrm>
+            <a:off x="6572264" y="6072206"/>
+            <a:ext cx="2286015" cy="576253"/>
+          </a:xfrm>
+          <a:prstGeom prst="rect">
+            <a:avLst/>
+          </a:prstGeom>
         </p:spPr>
       </p:pic>
     </p:spTree>
@@ -9260,7 +8836,7 @@
           <a:blip r:embed="rId2">
             <a:extLst>
               <a:ext uri="{28A0092B-C50C-407E-A947-70E740481C1C}">
-                <a14:useLocalDpi xmlns:a14="http://schemas.microsoft.com/office/drawing/2010/main" val="0"/>
+                <a14:useLocalDpi xmlns:a14="http://schemas.microsoft.com/office/drawing/2010/main" xmlns="" val="0"/>
               </a:ext>
             </a:extLst>
           </a:blip>
@@ -9280,7 +8856,7 @@
           <a:noFill/>
           <a:extLst>
             <a:ext uri="{909E8E84-426E-40DD-AFC4-6F175D3DCCD1}">
-              <a14:hiddenFill xmlns:a14="http://schemas.microsoft.com/office/drawing/2010/main">
+              <a14:hiddenFill xmlns:a14="http://schemas.microsoft.com/office/drawing/2010/main" xmlns="">
                 <a:solidFill>
                   <a:srgbClr val="FFFFFF"/>
                 </a:solidFill>
@@ -9348,23 +8924,7 @@
             </a:pPr>
             <a:r>
               <a:rPr lang="es-CL" sz="2300" dirty="0" smtClean="0"/>
-              <a:t>	Queremos </a:t>
-            </a:r>
-            <a:r>
-              <a:rPr lang="es-CL" sz="2300" dirty="0" smtClean="0"/>
-              <a:t>ganar </a:t>
-            </a:r>
-            <a:r>
-              <a:rPr lang="es-CL" sz="2300" dirty="0" smtClean="0"/>
-              <a:t>su confianza, a través de soluciones tecnológicas que permitan hacer más eficiente la gestión </a:t>
-            </a:r>
-            <a:r>
-              <a:rPr lang="es-CL" sz="2300" dirty="0" smtClean="0"/>
-              <a:t>de su Negocio, brindándole </a:t>
-            </a:r>
-            <a:r>
-              <a:rPr lang="es-CL" sz="2300" dirty="0" smtClean="0"/>
-              <a:t>a su Compañía siempre un valor agregado.</a:t>
+              <a:t>	Queremos ganar su confianza, a través de soluciones tecnológicas que permitan hacer más eficiente la gestión de su Negocio, brindándole a su Compañía siempre un valor agregado.</a:t>
             </a:r>
             <a:r>
               <a:rPr lang="es-CL" sz="2400" dirty="0" smtClean="0"/>
@@ -9386,13 +8946,8 @@
             <a:pPr lvl="2" algn="just"/>
             <a:r>
               <a:rPr lang="es-CL" sz="2000" dirty="0" smtClean="0"/>
-              <a:t>Optimizamos la utilización de </a:t>
-            </a:r>
-            <a:r>
-              <a:rPr lang="es-CL" sz="2000" dirty="0" smtClean="0"/>
-              <a:t>sus recursos. </a:t>
-            </a:r>
-            <a:endParaRPr lang="es-CL" sz="2000" dirty="0" smtClean="0"/>
+              <a:t>Optimizamos la utilización de sus recursos. </a:t>
+            </a:r>
           </a:p>
           <a:p>
             <a:pPr lvl="2" algn="just"/>
@@ -9624,7 +9179,7 @@
           <a:blip r:embed="rId3">
             <a:extLst>
               <a:ext uri="{28A0092B-C50C-407E-A947-70E740481C1C}">
-                <a14:useLocalDpi xmlns:a14="http://schemas.microsoft.com/office/drawing/2010/main" val="0"/>
+                <a14:useLocalDpi xmlns:a14="http://schemas.microsoft.com/office/drawing/2010/main" xmlns="" val="0"/>
               </a:ext>
             </a:extLst>
           </a:blip>
@@ -9644,7 +9199,7 @@
           <a:noFill/>
           <a:extLst>
             <a:ext uri="{909E8E84-426E-40DD-AFC4-6F175D3DCCD1}">
-              <a14:hiddenFill xmlns:a14="http://schemas.microsoft.com/office/drawing/2010/main">
+              <a14:hiddenFill xmlns:a14="http://schemas.microsoft.com/office/drawing/2010/main" xmlns="">
                 <a:solidFill>
                   <a:srgbClr val="FFFFFF"/>
                 </a:solidFill>
@@ -9738,7 +9293,7 @@
           <a:blip r:embed="rId2" cstate="print">
             <a:extLst>
               <a:ext uri="{28A0092B-C50C-407E-A947-70E740481C1C}">
-                <a14:useLocalDpi xmlns:a14="http://schemas.microsoft.com/office/drawing/2010/main" val="0"/>
+                <a14:useLocalDpi xmlns:a14="http://schemas.microsoft.com/office/drawing/2010/main" xmlns="" val="0"/>
               </a:ext>
             </a:extLst>
           </a:blip>
@@ -9796,7 +9351,7 @@
           <a:blip r:embed="rId3" cstate="print">
             <a:extLst>
               <a:ext uri="{28A0092B-C50C-407E-A947-70E740481C1C}">
-                <a14:useLocalDpi xmlns:a14="http://schemas.microsoft.com/office/drawing/2010/main" val="0"/>
+                <a14:useLocalDpi xmlns:a14="http://schemas.microsoft.com/office/drawing/2010/main" xmlns="" val="0"/>
               </a:ext>
             </a:extLst>
           </a:blip>
@@ -9854,7 +9409,7 @@
           <a:blip r:embed="rId4" cstate="print">
             <a:extLst>
               <a:ext uri="{28A0092B-C50C-407E-A947-70E740481C1C}">
-                <a14:useLocalDpi xmlns:a14="http://schemas.microsoft.com/office/drawing/2010/main" val="0"/>
+                <a14:useLocalDpi xmlns:a14="http://schemas.microsoft.com/office/drawing/2010/main" xmlns="" val="0"/>
               </a:ext>
             </a:extLst>
           </a:blip>
@@ -10205,7 +9760,7 @@
           <a:blip r:embed="rId9" cstate="print">
             <a:extLst>
               <a:ext uri="{28A0092B-C50C-407E-A947-70E740481C1C}">
-                <a14:useLocalDpi xmlns:a14="http://schemas.microsoft.com/office/drawing/2010/main" val="0"/>
+                <a14:useLocalDpi xmlns:a14="http://schemas.microsoft.com/office/drawing/2010/main" xmlns="" val="0"/>
               </a:ext>
             </a:extLst>
           </a:blip>
@@ -10265,7 +9820,7 @@
           <a:blip r:embed="rId10">
             <a:extLst>
               <a:ext uri="{28A0092B-C50C-407E-A947-70E740481C1C}">
-                <a14:useLocalDpi xmlns:a14="http://schemas.microsoft.com/office/drawing/2010/main" val="0"/>
+                <a14:useLocalDpi xmlns:a14="http://schemas.microsoft.com/office/drawing/2010/main" xmlns="" val="0"/>
               </a:ext>
             </a:extLst>
           </a:blip>
@@ -10327,7 +9882,7 @@
           <a:blip r:embed="rId11">
             <a:extLst>
               <a:ext uri="{28A0092B-C50C-407E-A947-70E740481C1C}">
-                <a14:useLocalDpi xmlns:a14="http://schemas.microsoft.com/office/drawing/2010/main" val="0"/>
+                <a14:useLocalDpi xmlns:a14="http://schemas.microsoft.com/office/drawing/2010/main" xmlns="" val="0"/>
               </a:ext>
             </a:extLst>
           </a:blip>
@@ -10347,7 +9902,7 @@
           <a:noFill/>
           <a:extLst>
             <a:ext uri="{909E8E84-426E-40DD-AFC4-6F175D3DCCD1}">
-              <a14:hiddenFill xmlns:a14="http://schemas.microsoft.com/office/drawing/2010/main">
+              <a14:hiddenFill xmlns:a14="http://schemas.microsoft.com/office/drawing/2010/main" xmlns="">
                 <a:solidFill>
                   <a:srgbClr val="FFFFFF"/>
                 </a:solidFill>
@@ -10525,7 +10080,7 @@
           <a:noFill/>
           <a:extLst>
             <a:ext uri="{909E8E84-426E-40DD-AFC4-6F175D3DCCD1}">
-              <a14:hiddenFill xmlns:a14="http://schemas.microsoft.com/office/drawing/2010/main">
+              <a14:hiddenFill xmlns:a14="http://schemas.microsoft.com/office/drawing/2010/main" xmlns="">
                 <a:solidFill>
                   <a:srgbClr val="FFFFFF"/>
                 </a:solidFill>
@@ -10564,7 +10119,7 @@
           <a:noFill/>
           <a:extLst>
             <a:ext uri="{909E8E84-426E-40DD-AFC4-6F175D3DCCD1}">
-              <a14:hiddenFill xmlns:a14="http://schemas.microsoft.com/office/drawing/2010/main">
+              <a14:hiddenFill xmlns:a14="http://schemas.microsoft.com/office/drawing/2010/main" xmlns="">
                 <a:solidFill>
                   <a:srgbClr val="FFFFFF"/>
                 </a:solidFill>
@@ -10603,7 +10158,7 @@
           <a:noFill/>
           <a:extLst>
             <a:ext uri="{909E8E84-426E-40DD-AFC4-6F175D3DCCD1}">
-              <a14:hiddenFill xmlns:a14="http://schemas.microsoft.com/office/drawing/2010/main">
+              <a14:hiddenFill xmlns:a14="http://schemas.microsoft.com/office/drawing/2010/main" xmlns="">
                 <a:solidFill>
                   <a:srgbClr val="FFFFFF"/>
                 </a:solidFill>
@@ -10635,7 +10190,7 @@
           <a:blip r:embed="rId3">
             <a:extLst>
               <a:ext uri="{28A0092B-C50C-407E-A947-70E740481C1C}">
-                <a14:useLocalDpi xmlns:a14="http://schemas.microsoft.com/office/drawing/2010/main" val="0"/>
+                <a14:useLocalDpi xmlns:a14="http://schemas.microsoft.com/office/drawing/2010/main" xmlns="" val="0"/>
               </a:ext>
             </a:extLst>
           </a:blip>
@@ -10659,14 +10214,14 @@
           <a:effectLst/>
           <a:extLst>
             <a:ext uri="{909E8E84-426E-40DD-AFC4-6F175D3DCCD1}">
-              <a14:hiddenFill xmlns:a14="http://schemas.microsoft.com/office/drawing/2010/main">
+              <a14:hiddenFill xmlns:a14="http://schemas.microsoft.com/office/drawing/2010/main" xmlns="">
                 <a:solidFill>
                   <a:schemeClr val="accent1"/>
                 </a:solidFill>
               </a14:hiddenFill>
             </a:ext>
             <a:ext uri="{91240B29-F687-4F45-9708-019B960494DF}">
-              <a14:hiddenLine xmlns:a14="http://schemas.microsoft.com/office/drawing/2010/main" w="9525">
+              <a14:hiddenLine xmlns:a14="http://schemas.microsoft.com/office/drawing/2010/main" xmlns="" w="9525">
                 <a:solidFill>
                   <a:schemeClr val="tx1"/>
                 </a:solidFill>
@@ -10676,7 +10231,7 @@
               </a14:hiddenLine>
             </a:ext>
             <a:ext uri="{AF507438-7753-43E0-B8FC-AC1667EBCBE1}">
-              <a14:hiddenEffects xmlns:a14="http://schemas.microsoft.com/office/drawing/2010/main">
+              <a14:hiddenEffects xmlns:a14="http://schemas.microsoft.com/office/drawing/2010/main" xmlns="">
                 <a:effectLst>
                   <a:outerShdw dist="35921" dir="2700000" algn="ctr" rotWithShape="0">
                     <a:schemeClr val="bg2"/>
@@ -10815,7 +10370,7 @@
           <a:blip r:embed="rId3">
             <a:extLst>
               <a:ext uri="{28A0092B-C50C-407E-A947-70E740481C1C}">
-                <a14:useLocalDpi xmlns:a14="http://schemas.microsoft.com/office/drawing/2010/main" val="0"/>
+                <a14:useLocalDpi xmlns:a14="http://schemas.microsoft.com/office/drawing/2010/main" xmlns="" val="0"/>
               </a:ext>
             </a:extLst>
           </a:blip>
@@ -10839,14 +10394,14 @@
           <a:effectLst/>
           <a:extLst>
             <a:ext uri="{909E8E84-426E-40DD-AFC4-6F175D3DCCD1}">
-              <a14:hiddenFill xmlns:a14="http://schemas.microsoft.com/office/drawing/2010/main">
+              <a14:hiddenFill xmlns:a14="http://schemas.microsoft.com/office/drawing/2010/main" xmlns="">
                 <a:solidFill>
                   <a:schemeClr val="accent1"/>
                 </a:solidFill>
               </a14:hiddenFill>
             </a:ext>
             <a:ext uri="{91240B29-F687-4F45-9708-019B960494DF}">
-              <a14:hiddenLine xmlns:a14="http://schemas.microsoft.com/office/drawing/2010/main" w="9525">
+              <a14:hiddenLine xmlns:a14="http://schemas.microsoft.com/office/drawing/2010/main" xmlns="" w="9525">
                 <a:solidFill>
                   <a:schemeClr val="tx1"/>
                 </a:solidFill>
@@ -10856,7 +10411,7 @@
               </a14:hiddenLine>
             </a:ext>
             <a:ext uri="{AF507438-7753-43E0-B8FC-AC1667EBCBE1}">
-              <a14:hiddenEffects xmlns:a14="http://schemas.microsoft.com/office/drawing/2010/main">
+              <a14:hiddenEffects xmlns:a14="http://schemas.microsoft.com/office/drawing/2010/main" xmlns="">
                 <a:effectLst>
                   <a:outerShdw dist="35921" dir="2700000" algn="ctr" rotWithShape="0">
                     <a:schemeClr val="bg2"/>
@@ -11128,70 +10683,6 @@
           </a:p>
         </p:txBody>
       </p:sp>
-      <p:pic>
-        <p:nvPicPr>
-          <p:cNvPr id="6146" name="Picture 2"/>
-          <p:cNvPicPr>
-            <a:picLocks noChangeAspect="1" noChangeArrowheads="1"/>
-          </p:cNvPicPr>
-          <p:nvPr/>
-        </p:nvPicPr>
-        <p:blipFill>
-          <a:blip r:embed="rId3">
-            <a:extLst>
-              <a:ext uri="{28A0092B-C50C-407E-A947-70E740481C1C}">
-                <a14:useLocalDpi xmlns:a14="http://schemas.microsoft.com/office/drawing/2010/main" val="0"/>
-              </a:ext>
-            </a:extLst>
-          </a:blip>
-          <a:srcRect/>
-          <a:stretch>
-            <a:fillRect/>
-          </a:stretch>
-        </p:blipFill>
-        <p:spPr bwMode="auto">
-          <a:xfrm>
-            <a:off x="7239021" y="6165304"/>
-            <a:ext cx="1638300" cy="419100"/>
-          </a:xfrm>
-          <a:prstGeom prst="rect">
-            <a:avLst/>
-          </a:prstGeom>
-          <a:noFill/>
-          <a:ln>
-            <a:noFill/>
-          </a:ln>
-          <a:effectLst/>
-          <a:extLst>
-            <a:ext uri="{909E8E84-426E-40DD-AFC4-6F175D3DCCD1}">
-              <a14:hiddenFill xmlns:a14="http://schemas.microsoft.com/office/drawing/2010/main">
-                <a:solidFill>
-                  <a:schemeClr val="accent1"/>
-                </a:solidFill>
-              </a14:hiddenFill>
-            </a:ext>
-            <a:ext uri="{91240B29-F687-4F45-9708-019B960494DF}">
-              <a14:hiddenLine xmlns:a14="http://schemas.microsoft.com/office/drawing/2010/main" w="9525">
-                <a:solidFill>
-                  <a:schemeClr val="tx1"/>
-                </a:solidFill>
-                <a:miter lim="800000"/>
-                <a:headEnd/>
-                <a:tailEnd/>
-              </a14:hiddenLine>
-            </a:ext>
-            <a:ext uri="{AF507438-7753-43E0-B8FC-AC1667EBCBE1}">
-              <a14:hiddenEffects xmlns:a14="http://schemas.microsoft.com/office/drawing/2010/main">
-                <a:effectLst>
-                  <a:outerShdw dist="35921" dir="2700000" algn="ctr" rotWithShape="0">
-                    <a:schemeClr val="bg2"/>
-                  </a:outerShdw>
-                </a:effectLst>
-              </a14:hiddenEffects>
-            </a:ext>
-          </a:extLst>
-        </p:spPr>
-      </p:pic>
       <p:sp>
         <p:nvSpPr>
           <p:cNvPr id="7" name="1 Título"/>
@@ -11251,6 +10742,30 @@
           </a:p>
         </p:txBody>
       </p:sp>
+      <p:pic>
+        <p:nvPicPr>
+          <p:cNvPr id="8" name="7 Imagen" descr="logo_exfida.png"/>
+          <p:cNvPicPr>
+            <a:picLocks noChangeAspect="1"/>
+          </p:cNvPicPr>
+          <p:nvPr/>
+        </p:nvPicPr>
+        <p:blipFill>
+          <a:blip r:embed="rId3"/>
+          <a:stretch>
+            <a:fillRect/>
+          </a:stretch>
+        </p:blipFill>
+        <p:spPr>
+          <a:xfrm>
+            <a:off x="6572264" y="6072206"/>
+            <a:ext cx="2286015" cy="576253"/>
+          </a:xfrm>
+          <a:prstGeom prst="rect">
+            <a:avLst/>
+          </a:prstGeom>
+        </p:spPr>
+      </p:pic>
     </p:spTree>
   </p:cSld>
   <p:clrMapOvr>
@@ -11506,66 +11021,26 @@
       </p:pic>
       <p:pic>
         <p:nvPicPr>
-          <p:cNvPr id="5" name="Picture 2"/>
+          <p:cNvPr id="6" name="5 Imagen" descr="logo_exfida.png"/>
           <p:cNvPicPr>
-            <a:picLocks noChangeAspect="1" noChangeArrowheads="1"/>
+            <a:picLocks noChangeAspect="1"/>
           </p:cNvPicPr>
           <p:nvPr/>
         </p:nvPicPr>
         <p:blipFill>
-          <a:blip r:embed="rId3">
-            <a:extLst>
-              <a:ext uri="{28A0092B-C50C-407E-A947-70E740481C1C}">
-                <a14:useLocalDpi xmlns:a14="http://schemas.microsoft.com/office/drawing/2010/main" val="0"/>
-              </a:ext>
-            </a:extLst>
-          </a:blip>
-          <a:srcRect/>
+          <a:blip r:embed="rId3"/>
           <a:stretch>
             <a:fillRect/>
           </a:stretch>
         </p:blipFill>
-        <p:spPr bwMode="auto">
-          <a:xfrm>
-            <a:off x="7239021" y="6165304"/>
-            <a:ext cx="1638300" cy="419100"/>
+        <p:spPr>
+          <a:xfrm>
+            <a:off x="6572264" y="6072206"/>
+            <a:ext cx="2286015" cy="576253"/>
           </a:xfrm>
           <a:prstGeom prst="rect">
             <a:avLst/>
           </a:prstGeom>
-          <a:noFill/>
-          <a:ln>
-            <a:noFill/>
-          </a:ln>
-          <a:effectLst/>
-          <a:extLst>
-            <a:ext uri="{909E8E84-426E-40DD-AFC4-6F175D3DCCD1}">
-              <a14:hiddenFill xmlns:a14="http://schemas.microsoft.com/office/drawing/2010/main">
-                <a:solidFill>
-                  <a:schemeClr val="accent1"/>
-                </a:solidFill>
-              </a14:hiddenFill>
-            </a:ext>
-            <a:ext uri="{91240B29-F687-4F45-9708-019B960494DF}">
-              <a14:hiddenLine xmlns:a14="http://schemas.microsoft.com/office/drawing/2010/main" w="9525">
-                <a:solidFill>
-                  <a:schemeClr val="tx1"/>
-                </a:solidFill>
-                <a:miter lim="800000"/>
-                <a:headEnd/>
-                <a:tailEnd/>
-              </a14:hiddenLine>
-            </a:ext>
-            <a:ext uri="{AF507438-7753-43E0-B8FC-AC1667EBCBE1}">
-              <a14:hiddenEffects xmlns:a14="http://schemas.microsoft.com/office/drawing/2010/main">
-                <a:effectLst>
-                  <a:outerShdw dist="35921" dir="2700000" algn="ctr" rotWithShape="0">
-                    <a:schemeClr val="bg2"/>
-                  </a:outerShdw>
-                </a:effectLst>
-              </a14:hiddenEffects>
-            </a:ext>
-          </a:extLst>
         </p:spPr>
       </p:pic>
     </p:spTree>

--- a/trunk/docs/comercial/brochure_2.pptx
+++ b/trunk/docs/comercial/brochure_2.pptx
@@ -15,18 +15,20 @@
     <p:sldId id="279" r:id="rId9"/>
     <p:sldId id="258" r:id="rId10"/>
     <p:sldId id="277" r:id="rId11"/>
-    <p:sldId id="275" r:id="rId12"/>
-    <p:sldId id="266" r:id="rId13"/>
-    <p:sldId id="267" r:id="rId14"/>
-    <p:sldId id="270" r:id="rId15"/>
-    <p:sldId id="269" r:id="rId16"/>
-    <p:sldId id="268" r:id="rId17"/>
-    <p:sldId id="280" r:id="rId18"/>
-    <p:sldId id="272" r:id="rId19"/>
-    <p:sldId id="273" r:id="rId20"/>
-    <p:sldId id="274" r:id="rId21"/>
-    <p:sldId id="271" r:id="rId22"/>
-    <p:sldId id="260" r:id="rId23"/>
+    <p:sldId id="282" r:id="rId12"/>
+    <p:sldId id="275" r:id="rId13"/>
+    <p:sldId id="266" r:id="rId14"/>
+    <p:sldId id="267" r:id="rId15"/>
+    <p:sldId id="270" r:id="rId16"/>
+    <p:sldId id="269" r:id="rId17"/>
+    <p:sldId id="268" r:id="rId18"/>
+    <p:sldId id="280" r:id="rId19"/>
+    <p:sldId id="281" r:id="rId20"/>
+    <p:sldId id="272" r:id="rId21"/>
+    <p:sldId id="273" r:id="rId22"/>
+    <p:sldId id="274" r:id="rId23"/>
+    <p:sldId id="271" r:id="rId24"/>
+    <p:sldId id="260" r:id="rId25"/>
   </p:sldIdLst>
   <p:sldSz cx="9144000" cy="6858000" type="screen4x3"/>
   <p:notesSz cx="6858000" cy="9144000"/>
@@ -4772,8 +4774,8 @@
         </p:blipFill>
         <p:spPr>
           <a:xfrm>
-            <a:off x="2000232" y="3286124"/>
-            <a:ext cx="3143272" cy="792348"/>
+            <a:off x="2628886" y="3437945"/>
+            <a:ext cx="2571768" cy="648285"/>
           </a:xfrm>
           <a:prstGeom prst="rect">
             <a:avLst/>
@@ -4815,41 +4817,6 @@
           <a:chExt cx="0" cy="0"/>
         </a:xfrm>
       </p:grpSpPr>
-      <p:pic>
-        <p:nvPicPr>
-          <p:cNvPr id="7173" name="Picture 5"/>
-          <p:cNvPicPr>
-            <a:picLocks noChangeAspect="1" noChangeArrowheads="1"/>
-          </p:cNvPicPr>
-          <p:nvPr/>
-        </p:nvPicPr>
-        <p:blipFill>
-          <a:blip r:embed="rId2"/>
-          <a:srcRect/>
-          <a:stretch>
-            <a:fillRect/>
-          </a:stretch>
-        </p:blipFill>
-        <p:spPr bwMode="auto">
-          <a:xfrm>
-            <a:off x="467544" y="1888906"/>
-            <a:ext cx="7526217" cy="1756118"/>
-          </a:xfrm>
-          <a:prstGeom prst="rect">
-            <a:avLst/>
-          </a:prstGeom>
-          <a:ln>
-            <a:noFill/>
-          </a:ln>
-          <a:effectLst>
-            <a:outerShdw blurRad="292100" dist="139700" dir="2700000" algn="tl" rotWithShape="0">
-              <a:srgbClr val="333333">
-                <a:alpha val="65000"/>
-              </a:srgbClr>
-            </a:outerShdw>
-          </a:effectLst>
-        </p:spPr>
-      </p:pic>
       <p:sp>
         <p:nvSpPr>
           <p:cNvPr id="5" name="4 Rectángulo"/>
@@ -4891,66 +4858,6 @@
           </a:p>
         </p:txBody>
       </p:sp>
-      <p:pic>
-        <p:nvPicPr>
-          <p:cNvPr id="2051" name="Picture 3"/>
-          <p:cNvPicPr>
-            <a:picLocks noChangeAspect="1" noChangeArrowheads="1"/>
-          </p:cNvPicPr>
-          <p:nvPr/>
-        </p:nvPicPr>
-        <p:blipFill>
-          <a:blip r:embed="rId3">
-            <a:extLst>
-              <a:ext uri="{28A0092B-C50C-407E-A947-70E740481C1C}">
-                <a14:useLocalDpi xmlns:a14="http://schemas.microsoft.com/office/drawing/2010/main" xmlns="" val="0"/>
-              </a:ext>
-            </a:extLst>
-          </a:blip>
-          <a:srcRect/>
-          <a:stretch>
-            <a:fillRect/>
-          </a:stretch>
-        </p:blipFill>
-        <p:spPr bwMode="auto">
-          <a:xfrm>
-            <a:off x="3134226" y="3789040"/>
-            <a:ext cx="5614238" cy="2592288"/>
-          </a:xfrm>
-          <a:prstGeom prst="rect">
-            <a:avLst/>
-          </a:prstGeom>
-          <a:ln>
-            <a:noFill/>
-          </a:ln>
-          <a:effectLst>
-            <a:outerShdw blurRad="292100" dist="139700" dir="2700000" algn="tl" rotWithShape="0">
-              <a:srgbClr val="333333">
-                <a:alpha val="65000"/>
-              </a:srgbClr>
-            </a:outerShdw>
-          </a:effectLst>
-          <a:extLst>
-            <a:ext uri="{909E8E84-426E-40DD-AFC4-6F175D3DCCD1}">
-              <a14:hiddenFill xmlns:a14="http://schemas.microsoft.com/office/drawing/2010/main" xmlns="">
-                <a:solidFill>
-                  <a:schemeClr val="accent1"/>
-                </a:solidFill>
-              </a14:hiddenFill>
-            </a:ext>
-            <a:ext uri="{91240B29-F687-4F45-9708-019B960494DF}">
-              <a14:hiddenLine xmlns:a14="http://schemas.microsoft.com/office/drawing/2010/main" xmlns="" w="9525">
-                <a:solidFill>
-                  <a:schemeClr val="tx1"/>
-                </a:solidFill>
-                <a:miter lim="800000"/>
-                <a:headEnd/>
-                <a:tailEnd/>
-              </a14:hiddenLine>
-            </a:ext>
-          </a:extLst>
-        </p:spPr>
-      </p:pic>
       <p:pic>
         <p:nvPicPr>
           <p:cNvPr id="8" name="7 Imagen" descr="logo_top_byte.gif"/>
@@ -4960,7 +4867,7 @@
           <p:nvPr/>
         </p:nvPicPr>
         <p:blipFill>
-          <a:blip r:embed="rId4">
+          <a:blip r:embed="rId2">
             <a:duotone>
               <a:schemeClr val="bg2">
                 <a:shade val="45000"/>
@@ -5014,6 +4921,63 @@
           </a:p>
         </p:txBody>
       </p:sp>
+      <p:pic>
+        <p:nvPicPr>
+          <p:cNvPr id="9" name="8 Imagen" descr="logo_exfida.png"/>
+          <p:cNvPicPr>
+            <a:picLocks noChangeAspect="1"/>
+          </p:cNvPicPr>
+          <p:nvPr/>
+        </p:nvPicPr>
+        <p:blipFill>
+          <a:blip r:embed="rId3"/>
+          <a:stretch>
+            <a:fillRect/>
+          </a:stretch>
+        </p:blipFill>
+        <p:spPr>
+          <a:xfrm>
+            <a:off x="6572264" y="6072206"/>
+            <a:ext cx="2286015" cy="576253"/>
+          </a:xfrm>
+          <a:prstGeom prst="rect">
+            <a:avLst/>
+          </a:prstGeom>
+        </p:spPr>
+      </p:pic>
+      <p:pic>
+        <p:nvPicPr>
+          <p:cNvPr id="1027" name="Picture 3"/>
+          <p:cNvPicPr>
+            <a:picLocks noChangeAspect="1" noChangeArrowheads="1"/>
+          </p:cNvPicPr>
+          <p:nvPr/>
+        </p:nvPicPr>
+        <p:blipFill>
+          <a:blip r:embed="rId4"/>
+          <a:srcRect/>
+          <a:stretch>
+            <a:fillRect/>
+          </a:stretch>
+        </p:blipFill>
+        <p:spPr bwMode="auto">
+          <a:xfrm>
+            <a:off x="642910" y="2357430"/>
+            <a:ext cx="8052837" cy="2428892"/>
+          </a:xfrm>
+          <a:prstGeom prst="rect">
+            <a:avLst/>
+          </a:prstGeom>
+          <a:noFill/>
+          <a:ln w="9525">
+            <a:noFill/>
+            <a:miter lim="800000"/>
+            <a:headEnd/>
+            <a:tailEnd/>
+          </a:ln>
+          <a:effectLst/>
+        </p:spPr>
+      </p:pic>
     </p:spTree>
   </p:cSld>
   <p:clrMapOvr>
@@ -5051,7 +5015,7 @@
       </p:grpSpPr>
       <p:pic>
         <p:nvPicPr>
-          <p:cNvPr id="5" name="4 Imagen" descr="logo_top_byte.gif"/>
+          <p:cNvPr id="8" name="7 Imagen" descr="logo_top_byte.gif"/>
           <p:cNvPicPr>
             <a:picLocks noChangeAspect="1"/>
           </p:cNvPicPr>
@@ -5083,145 +5047,69 @@
       </p:pic>
       <p:sp>
         <p:nvSpPr>
-          <p:cNvPr id="2" name="1 Marcador de contenido"/>
+          <p:cNvPr id="10" name="2 Título"/>
           <p:cNvSpPr>
             <a:spLocks noGrp="1"/>
           </p:cNvSpPr>
           <p:nvPr>
-            <p:ph idx="1"/>
+            <p:ph type="title"/>
           </p:nvPr>
         </p:nvSpPr>
         <p:spPr>
           <a:xfrm>
-            <a:off x="428596" y="428604"/>
-            <a:ext cx="8229600" cy="414337"/>
+            <a:off x="457200" y="260648"/>
+            <a:ext cx="8229600" cy="792088"/>
           </a:xfrm>
         </p:spPr>
         <p:txBody>
           <a:bodyPr>
-            <a:noAutofit/>
+            <a:normAutofit/>
           </a:bodyPr>
           <a:lstStyle/>
           <a:p>
-            <a:pPr marL="109728" indent="0">
-              <a:buNone/>
-            </a:pPr>
-            <a:r>
-              <a:rPr lang="es-CL" sz="2200" b="1" dirty="0" smtClean="0">
-                <a:solidFill>
-                  <a:schemeClr val="tx2"/>
-                </a:solidFill>
-                <a:effectLst>
-                  <a:outerShdw blurRad="31750" dist="25400" dir="5400000" algn="tl" rotWithShape="0">
-                    <a:srgbClr val="000000">
-                      <a:alpha val="25000"/>
-                    </a:srgbClr>
-                  </a:outerShdw>
-                </a:effectLst>
+            <a:r>
+              <a:rPr lang="es-CL" sz="2400" dirty="0">
                 <a:latin typeface="Arial Black" pitchFamily="34" charset="0"/>
-                <a:ea typeface="+mj-ea"/>
-                <a:cs typeface="+mj-cs"/>
               </a:rPr>
-              <a:t>Controle su Información&gt;</a:t>
-            </a:r>
-            <a:r>
-              <a:rPr lang="es-CL" sz="2200" b="1" dirty="0">
-                <a:solidFill>
-                  <a:schemeClr val="tx2"/>
-                </a:solidFill>
-                <a:effectLst>
-                  <a:outerShdw blurRad="31750" dist="25400" dir="5400000" algn="tl" rotWithShape="0">
-                    <a:srgbClr val="000000">
-                      <a:alpha val="25000"/>
-                    </a:srgbClr>
-                  </a:outerShdw>
-                </a:effectLst>
-                <a:latin typeface="Arial Black" pitchFamily="34" charset="0"/>
-                <a:ea typeface="+mj-ea"/>
-                <a:cs typeface="+mj-cs"/>
-              </a:rPr>
-              <a:t/>
-            </a:r>
-            <a:br>
-              <a:rPr lang="es-CL" sz="2200" b="1" dirty="0">
-                <a:solidFill>
-                  <a:schemeClr val="tx2"/>
-                </a:solidFill>
-                <a:effectLst>
-                  <a:outerShdw blurRad="31750" dist="25400" dir="5400000" algn="tl" rotWithShape="0">
-                    <a:srgbClr val="000000">
-                      <a:alpha val="25000"/>
-                    </a:srgbClr>
-                  </a:outerShdw>
-                </a:effectLst>
-                <a:latin typeface="Arial Black" pitchFamily="34" charset="0"/>
-                <a:ea typeface="+mj-ea"/>
-                <a:cs typeface="+mj-cs"/>
-              </a:rPr>
-            </a:br>
-            <a:r>
-              <a:rPr lang="es-CL" sz="2200" b="1" dirty="0">
-                <a:solidFill>
-                  <a:schemeClr val="tx2"/>
-                </a:solidFill>
-                <a:effectLst>
-                  <a:outerShdw blurRad="31750" dist="25400" dir="5400000" algn="tl" rotWithShape="0">
-                    <a:srgbClr val="000000">
-                      <a:alpha val="25000"/>
-                    </a:srgbClr>
-                  </a:outerShdw>
-                </a:effectLst>
-                <a:latin typeface="Arial Black" pitchFamily="34" charset="0"/>
-                <a:ea typeface="+mj-ea"/>
-                <a:cs typeface="+mj-cs"/>
-              </a:rPr>
-              <a:t/>
-            </a:r>
-            <a:br>
-              <a:rPr lang="es-CL" sz="2200" b="1" dirty="0">
-                <a:solidFill>
-                  <a:schemeClr val="tx2"/>
-                </a:solidFill>
-                <a:effectLst>
-                  <a:outerShdw blurRad="31750" dist="25400" dir="5400000" algn="tl" rotWithShape="0">
-                    <a:srgbClr val="000000">
-                      <a:alpha val="25000"/>
-                    </a:srgbClr>
-                  </a:outerShdw>
-                </a:effectLst>
-                <a:latin typeface="Arial Black" pitchFamily="34" charset="0"/>
-                <a:ea typeface="+mj-ea"/>
-                <a:cs typeface="+mj-cs"/>
-              </a:rPr>
-            </a:br>
-            <a:endParaRPr lang="es-CL" sz="2200" b="1" dirty="0">
-              <a:solidFill>
-                <a:schemeClr val="tx2"/>
-              </a:solidFill>
-              <a:effectLst>
-                <a:outerShdw blurRad="31750" dist="25400" dir="5400000" algn="tl" rotWithShape="0">
-                  <a:srgbClr val="000000">
-                    <a:alpha val="25000"/>
-                  </a:srgbClr>
-                </a:outerShdw>
-              </a:effectLst>
-              <a:latin typeface="Arial Black" pitchFamily="34" charset="0"/>
-              <a:ea typeface="+mj-ea"/>
-              <a:cs typeface="+mj-cs"/>
-            </a:endParaRPr>
+              <a:t>EXFIDA, seguro y confiable &gt;</a:t>
+            </a:r>
           </a:p>
         </p:txBody>
       </p:sp>
       <p:pic>
         <p:nvPicPr>
-          <p:cNvPr id="6146" name="Picture 2"/>
+          <p:cNvPr id="9" name="8 Imagen" descr="logo_exfida.png"/>
+          <p:cNvPicPr>
+            <a:picLocks noChangeAspect="1"/>
+          </p:cNvPicPr>
+          <p:nvPr/>
+        </p:nvPicPr>
+        <p:blipFill>
+          <a:blip r:embed="rId3"/>
+          <a:stretch>
+            <a:fillRect/>
+          </a:stretch>
+        </p:blipFill>
+        <p:spPr>
+          <a:xfrm>
+            <a:off x="6572264" y="6072206"/>
+            <a:ext cx="2286015" cy="576253"/>
+          </a:xfrm>
+          <a:prstGeom prst="rect">
+            <a:avLst/>
+          </a:prstGeom>
+        </p:spPr>
+      </p:pic>
+      <p:pic>
+        <p:nvPicPr>
+          <p:cNvPr id="36866" name="Picture 2"/>
           <p:cNvPicPr>
             <a:picLocks noChangeAspect="1" noChangeArrowheads="1"/>
           </p:cNvPicPr>
           <p:nvPr/>
         </p:nvPicPr>
         <p:blipFill>
-          <a:blip r:embed="rId3"/>
+          <a:blip r:embed="rId4"/>
           <a:srcRect/>
           <a:stretch>
             <a:fillRect/>
@@ -5229,62 +5117,24 @@
         </p:blipFill>
         <p:spPr bwMode="auto">
           <a:xfrm>
-            <a:off x="1000100" y="2203095"/>
-            <a:ext cx="7261160" cy="3386145"/>
+            <a:off x="450648" y="1714488"/>
+            <a:ext cx="8193318" cy="3857652"/>
           </a:xfrm>
           <a:prstGeom prst="rect">
             <a:avLst/>
           </a:prstGeom>
-          <a:noFill/>
-          <a:ln w="9525">
+          <a:ln>
             <a:noFill/>
-            <a:miter lim="800000"/>
-            <a:headEnd/>
-            <a:tailEnd/>
           </a:ln>
-          <a:effectLst/>
+          <a:effectLst>
+            <a:outerShdw blurRad="292100" dist="139700" dir="2700000" algn="tl" rotWithShape="0">
+              <a:srgbClr val="333333">
+                <a:alpha val="65000"/>
+              </a:srgbClr>
+            </a:outerShdw>
+          </a:effectLst>
         </p:spPr>
       </p:pic>
-      <p:sp>
-        <p:nvSpPr>
-          <p:cNvPr id="3" name="2 Rectángulo"/>
-          <p:cNvSpPr/>
-          <p:nvPr/>
-        </p:nvSpPr>
-        <p:spPr>
-          <a:xfrm>
-            <a:off x="611560" y="1052736"/>
-            <a:ext cx="7932386" cy="1077218"/>
-          </a:xfrm>
-          <a:prstGeom prst="rect">
-            <a:avLst/>
-          </a:prstGeom>
-        </p:spPr>
-        <p:txBody>
-          <a:bodyPr wrap="square">
-            <a:spAutoFit/>
-          </a:bodyPr>
-          <a:lstStyle/>
-          <a:p>
-            <a:pPr algn="just"/>
-            <a:r>
-              <a:rPr lang="es-CL" dirty="0" smtClean="0"/>
-              <a:t>	</a:t>
-            </a:r>
-          </a:p>
-          <a:p>
-            <a:pPr algn="just"/>
-            <a:r>
-              <a:rPr lang="es-CL" sz="2300" dirty="0" smtClean="0"/>
-              <a:t>Controle las </a:t>
-            </a:r>
-            <a:r>
-              <a:rPr lang="es-CL" sz="2300" dirty="0"/>
-              <a:t>operaciones de Cierre y Apertura de período para el Ingreso de su Información.</a:t>
-            </a:r>
-          </a:p>
-        </p:txBody>
-      </p:sp>
     </p:spTree>
   </p:cSld>
   <p:clrMapOvr>
@@ -5364,47 +5214,8 @@
         </p:nvSpPr>
         <p:spPr>
           <a:xfrm>
-            <a:off x="457200" y="991269"/>
-            <a:ext cx="8229600" cy="1213595"/>
-          </a:xfrm>
-        </p:spPr>
-        <p:txBody>
-          <a:bodyPr>
-            <a:normAutofit/>
-          </a:bodyPr>
-          <a:lstStyle/>
-          <a:p>
-            <a:pPr marL="109728" indent="0" algn="just">
-              <a:buNone/>
-            </a:pPr>
-            <a:endParaRPr lang="es-CL" sz="2300" dirty="0" smtClean="0"/>
-          </a:p>
-          <a:p>
-            <a:pPr marL="109728" indent="0" algn="just">
-              <a:buNone/>
-            </a:pPr>
-            <a:r>
-              <a:rPr lang="es-CL" sz="2300" dirty="0" smtClean="0"/>
-              <a:t>Configure dinámicamente las estructuras de las Revelaciones según la normativa de la SVS.</a:t>
-            </a:r>
-            <a:endParaRPr lang="es-CL" sz="2300" dirty="0"/>
-          </a:p>
-        </p:txBody>
-      </p:sp>
-      <p:sp>
-        <p:nvSpPr>
-          <p:cNvPr id="3" name="2 Título"/>
-          <p:cNvSpPr>
-            <a:spLocks noGrp="1"/>
-          </p:cNvSpPr>
-          <p:nvPr>
-            <p:ph type="title"/>
-          </p:nvPr>
-        </p:nvSpPr>
-        <p:spPr>
-          <a:xfrm>
-            <a:off x="457200" y="274638"/>
-            <a:ext cx="8229600" cy="568303"/>
+            <a:off x="428596" y="428604"/>
+            <a:ext cx="8229600" cy="414337"/>
           </a:xfrm>
         </p:spPr>
         <p:txBody>
@@ -5413,39 +5224,118 @@
           </a:bodyPr>
           <a:lstStyle/>
           <a:p>
-            <a:r>
-              <a:rPr lang="es-CL" sz="2400" dirty="0" smtClean="0">
+            <a:pPr marL="109728" indent="0">
+              <a:buNone/>
+            </a:pPr>
+            <a:r>
+              <a:rPr lang="es-CL" sz="2200" b="1" dirty="0" smtClean="0">
+                <a:solidFill>
+                  <a:schemeClr val="tx2"/>
+                </a:solidFill>
+                <a:effectLst>
+                  <a:outerShdw blurRad="31750" dist="25400" dir="5400000" algn="tl" rotWithShape="0">
+                    <a:srgbClr val="000000">
+                      <a:alpha val="25000"/>
+                    </a:srgbClr>
+                  </a:outerShdw>
+                </a:effectLst>
                 <a:latin typeface="Arial Black" pitchFamily="34" charset="0"/>
+                <a:ea typeface="+mj-ea"/>
+                <a:cs typeface="+mj-cs"/>
               </a:rPr>
-              <a:t>Configure </a:t>
-            </a:r>
-            <a:r>
-              <a:rPr lang="es-CL" sz="2400" dirty="0">
+              <a:t>Controle su Información&gt;</a:t>
+            </a:r>
+            <a:r>
+              <a:rPr lang="es-CL" sz="2200" b="1" dirty="0">
+                <a:solidFill>
+                  <a:schemeClr val="tx2"/>
+                </a:solidFill>
+                <a:effectLst>
+                  <a:outerShdw blurRad="31750" dist="25400" dir="5400000" algn="tl" rotWithShape="0">
+                    <a:srgbClr val="000000">
+                      <a:alpha val="25000"/>
+                    </a:srgbClr>
+                  </a:outerShdw>
+                </a:effectLst>
                 <a:latin typeface="Arial Black" pitchFamily="34" charset="0"/>
+                <a:ea typeface="+mj-ea"/>
+                <a:cs typeface="+mj-cs"/>
               </a:rPr>
-              <a:t>s</a:t>
-            </a:r>
-            <a:r>
-              <a:rPr lang="es-CL" sz="2400" dirty="0" smtClean="0">
+              <a:t/>
+            </a:r>
+            <a:br>
+              <a:rPr lang="es-CL" sz="2200" b="1" dirty="0">
+                <a:solidFill>
+                  <a:schemeClr val="tx2"/>
+                </a:solidFill>
+                <a:effectLst>
+                  <a:outerShdw blurRad="31750" dist="25400" dir="5400000" algn="tl" rotWithShape="0">
+                    <a:srgbClr val="000000">
+                      <a:alpha val="25000"/>
+                    </a:srgbClr>
+                  </a:outerShdw>
+                </a:effectLst>
                 <a:latin typeface="Arial Black" pitchFamily="34" charset="0"/>
+                <a:ea typeface="+mj-ea"/>
+                <a:cs typeface="+mj-cs"/>
               </a:rPr>
-              <a:t>us Revelaciones </a:t>
-            </a:r>
-            <a:r>
-              <a:rPr lang="es-CL" sz="3200" dirty="0" smtClean="0">
+            </a:br>
+            <a:r>
+              <a:rPr lang="es-CL" sz="2200" b="1" dirty="0">
+                <a:solidFill>
+                  <a:schemeClr val="tx2"/>
+                </a:solidFill>
+                <a:effectLst>
+                  <a:outerShdw blurRad="31750" dist="25400" dir="5400000" algn="tl" rotWithShape="0">
+                    <a:srgbClr val="000000">
+                      <a:alpha val="25000"/>
+                    </a:srgbClr>
+                  </a:outerShdw>
+                </a:effectLst>
                 <a:latin typeface="Arial Black" pitchFamily="34" charset="0"/>
+                <a:ea typeface="+mj-ea"/>
+                <a:cs typeface="+mj-cs"/>
               </a:rPr>
-              <a:t>&gt;</a:t>
-            </a:r>
-            <a:endParaRPr lang="es-CL" sz="2800" dirty="0">
+              <a:t/>
+            </a:r>
+            <a:br>
+              <a:rPr lang="es-CL" sz="2200" b="1" dirty="0">
+                <a:solidFill>
+                  <a:schemeClr val="tx2"/>
+                </a:solidFill>
+                <a:effectLst>
+                  <a:outerShdw blurRad="31750" dist="25400" dir="5400000" algn="tl" rotWithShape="0">
+                    <a:srgbClr val="000000">
+                      <a:alpha val="25000"/>
+                    </a:srgbClr>
+                  </a:outerShdw>
+                </a:effectLst>
+                <a:latin typeface="Arial Black" pitchFamily="34" charset="0"/>
+                <a:ea typeface="+mj-ea"/>
+                <a:cs typeface="+mj-cs"/>
+              </a:rPr>
+            </a:br>
+            <a:endParaRPr lang="es-CL" sz="2200" b="1" dirty="0">
+              <a:solidFill>
+                <a:schemeClr val="tx2"/>
+              </a:solidFill>
+              <a:effectLst>
+                <a:outerShdw blurRad="31750" dist="25400" dir="5400000" algn="tl" rotWithShape="0">
+                  <a:srgbClr val="000000">
+                    <a:alpha val="25000"/>
+                  </a:srgbClr>
+                </a:outerShdw>
+              </a:effectLst>
               <a:latin typeface="Arial Black" pitchFamily="34" charset="0"/>
+              <a:ea typeface="+mj-ea"/>
+              <a:cs typeface="+mj-cs"/>
             </a:endParaRPr>
           </a:p>
         </p:txBody>
       </p:sp>
       <p:pic>
         <p:nvPicPr>
-          <p:cNvPr id="4" name="Picture 6"/>
+          <p:cNvPr id="6146" name="Picture 2"/>
           <p:cNvPicPr>
             <a:picLocks noChangeAspect="1" noChangeArrowheads="1"/>
           </p:cNvPicPr>
@@ -5453,15 +5343,15 @@
         </p:nvPicPr>
         <p:blipFill>
           <a:blip r:embed="rId3"/>
-          <a:srcRect l="21799" t="2035" b="14518"/>
+          <a:srcRect/>
           <a:stretch>
             <a:fillRect/>
           </a:stretch>
         </p:blipFill>
         <p:spPr bwMode="auto">
           <a:xfrm>
-            <a:off x="2627784" y="2492896"/>
-            <a:ext cx="4248472" cy="3034734"/>
+            <a:off x="1142976" y="2428868"/>
+            <a:ext cx="7000924" cy="3264788"/>
           </a:xfrm>
           <a:prstGeom prst="rect">
             <a:avLst/>
@@ -5478,9 +5368,49 @@
           </a:effectLst>
         </p:spPr>
       </p:pic>
+      <p:sp>
+        <p:nvSpPr>
+          <p:cNvPr id="3" name="2 Rectángulo"/>
+          <p:cNvSpPr/>
+          <p:nvPr/>
+        </p:nvSpPr>
+        <p:spPr>
+          <a:xfrm>
+            <a:off x="611560" y="1052736"/>
+            <a:ext cx="7932386" cy="1077218"/>
+          </a:xfrm>
+          <a:prstGeom prst="rect">
+            <a:avLst/>
+          </a:prstGeom>
+        </p:spPr>
+        <p:txBody>
+          <a:bodyPr wrap="square">
+            <a:spAutoFit/>
+          </a:bodyPr>
+          <a:lstStyle/>
+          <a:p>
+            <a:pPr algn="just"/>
+            <a:r>
+              <a:rPr lang="es-CL" dirty="0" smtClean="0"/>
+              <a:t>	</a:t>
+            </a:r>
+          </a:p>
+          <a:p>
+            <a:pPr algn="just"/>
+            <a:r>
+              <a:rPr lang="es-CL" sz="2300" dirty="0" smtClean="0"/>
+              <a:t>Controle las </a:t>
+            </a:r>
+            <a:r>
+              <a:rPr lang="es-CL" sz="2300" dirty="0"/>
+              <a:t>operaciones de Cierre y Apertura de período para el Ingreso de su Información.</a:t>
+            </a:r>
+          </a:p>
+        </p:txBody>
+      </p:sp>
       <p:pic>
         <p:nvPicPr>
-          <p:cNvPr id="7" name="6 Imagen" descr="logo_exfida.png"/>
+          <p:cNvPr id="6" name="5 Imagen" descr="logo_exfida.png"/>
           <p:cNvPicPr>
             <a:picLocks noChangeAspect="1"/>
           </p:cNvPicPr>
@@ -5581,119 +5511,88 @@
         </p:nvSpPr>
         <p:spPr>
           <a:xfrm>
-            <a:off x="428596" y="428604"/>
-            <a:ext cx="8229600" cy="552124"/>
+            <a:off x="457200" y="991269"/>
+            <a:ext cx="8229600" cy="1213595"/>
           </a:xfrm>
         </p:spPr>
         <p:txBody>
           <a:bodyPr>
-            <a:normAutofit fontScale="25000" lnSpcReduction="20000"/>
+            <a:normAutofit/>
           </a:bodyPr>
           <a:lstStyle/>
           <a:p>
-            <a:pPr marL="109728" indent="0">
+            <a:pPr marL="109728" indent="0" algn="just">
               <a:buNone/>
             </a:pPr>
-            <a:r>
-              <a:rPr lang="es-CL" sz="9600" b="1" dirty="0" smtClean="0">
-                <a:solidFill>
-                  <a:schemeClr val="tx2"/>
-                </a:solidFill>
-                <a:effectLst>
-                  <a:outerShdw blurRad="31750" dist="25400" dir="5400000" algn="tl" rotWithShape="0">
-                    <a:srgbClr val="000000">
-                      <a:alpha val="25000"/>
-                    </a:srgbClr>
-                  </a:outerShdw>
-                </a:effectLst>
+            <a:endParaRPr lang="es-CL" sz="2300" dirty="0" smtClean="0"/>
+          </a:p>
+          <a:p>
+            <a:pPr marL="109728" indent="0" algn="just">
+              <a:buNone/>
+            </a:pPr>
+            <a:r>
+              <a:rPr lang="es-CL" sz="2300" dirty="0" smtClean="0"/>
+              <a:t>Configure dinámicamente las estructuras de las Revelaciones según la normativa de la SVS.</a:t>
+            </a:r>
+            <a:endParaRPr lang="es-CL" sz="2300" dirty="0"/>
+          </a:p>
+        </p:txBody>
+      </p:sp>
+      <p:sp>
+        <p:nvSpPr>
+          <p:cNvPr id="3" name="2 Título"/>
+          <p:cNvSpPr>
+            <a:spLocks noGrp="1"/>
+          </p:cNvSpPr>
+          <p:nvPr>
+            <p:ph type="title"/>
+          </p:nvPr>
+        </p:nvSpPr>
+        <p:spPr>
+          <a:xfrm>
+            <a:off x="457200" y="274638"/>
+            <a:ext cx="8229600" cy="568303"/>
+          </a:xfrm>
+        </p:spPr>
+        <p:txBody>
+          <a:bodyPr>
+            <a:noAutofit/>
+          </a:bodyPr>
+          <a:lstStyle/>
+          <a:p>
+            <a:r>
+              <a:rPr lang="es-CL" sz="2400" dirty="0" smtClean="0">
                 <a:latin typeface="Arial Black" pitchFamily="34" charset="0"/>
-                <a:ea typeface="+mj-ea"/>
-                <a:cs typeface="+mj-cs"/>
               </a:rPr>
-              <a:t>Añada operaciones y Fórmulas </a:t>
-            </a:r>
-            <a:r>
-              <a:rPr lang="es-CL" sz="11600" b="1" dirty="0">
-                <a:solidFill>
-                  <a:schemeClr val="tx2"/>
-                </a:solidFill>
-                <a:effectLst>
-                  <a:outerShdw blurRad="31750" dist="25400" dir="5400000" algn="tl" rotWithShape="0">
-                    <a:srgbClr val="000000">
-                      <a:alpha val="25000"/>
-                    </a:srgbClr>
-                  </a:outerShdw>
-                </a:effectLst>
+              <a:t>Configure </a:t>
+            </a:r>
+            <a:r>
+              <a:rPr lang="es-CL" sz="2400" dirty="0">
+                <a:latin typeface="Arial Black" pitchFamily="34" charset="0"/>
+              </a:rPr>
+              <a:t>s</a:t>
+            </a:r>
+            <a:r>
+              <a:rPr lang="es-CL" sz="2400" dirty="0" smtClean="0">
+                <a:latin typeface="Arial Black" pitchFamily="34" charset="0"/>
+              </a:rPr>
+              <a:t>us Revelaciones </a:t>
+            </a:r>
+            <a:r>
+              <a:rPr lang="es-CL" sz="3200" dirty="0" smtClean="0">
                 <a:latin typeface="Arial Black" pitchFamily="34" charset="0"/>
               </a:rPr>
               <a:t>&gt;</a:t>
             </a:r>
-            <a:r>
-              <a:rPr lang="es-CL" sz="11600" b="1" dirty="0">
-                <a:solidFill>
-                  <a:schemeClr val="tx2"/>
-                </a:solidFill>
-                <a:effectLst>
-                  <a:outerShdw blurRad="31750" dist="25400" dir="5400000" algn="tl" rotWithShape="0">
-                    <a:srgbClr val="000000">
-                      <a:alpha val="25000"/>
-                    </a:srgbClr>
-                  </a:outerShdw>
-                </a:effectLst>
-                <a:latin typeface="Arial Black" pitchFamily="34" charset="0"/>
-                <a:ea typeface="+mj-ea"/>
-                <a:cs typeface="+mj-cs"/>
-              </a:rPr>
-              <a:t/>
-            </a:r>
-            <a:br>
-              <a:rPr lang="es-CL" sz="11600" b="1" dirty="0">
-                <a:solidFill>
-                  <a:schemeClr val="tx2"/>
-                </a:solidFill>
-                <a:effectLst>
-                  <a:outerShdw blurRad="31750" dist="25400" dir="5400000" algn="tl" rotWithShape="0">
-                    <a:srgbClr val="000000">
-                      <a:alpha val="25000"/>
-                    </a:srgbClr>
-                  </a:outerShdw>
-                </a:effectLst>
-                <a:latin typeface="Arial Black" pitchFamily="34" charset="0"/>
-                <a:ea typeface="+mj-ea"/>
-                <a:cs typeface="+mj-cs"/>
-              </a:rPr>
-            </a:br>
-            <a:endParaRPr lang="es-CL" sz="11600" b="1" dirty="0">
-              <a:solidFill>
-                <a:schemeClr val="tx2"/>
-              </a:solidFill>
-              <a:effectLst>
-                <a:outerShdw blurRad="31750" dist="25400" dir="5400000" algn="tl" rotWithShape="0">
-                  <a:srgbClr val="000000">
-                    <a:alpha val="25000"/>
-                  </a:srgbClr>
-                </a:outerShdw>
-              </a:effectLst>
+            <a:endParaRPr lang="es-CL" sz="2800" dirty="0">
               <a:latin typeface="Arial Black" pitchFamily="34" charset="0"/>
-              <a:ea typeface="+mj-ea"/>
-              <a:cs typeface="+mj-cs"/>
             </a:endParaRPr>
-          </a:p>
-          <a:p>
-            <a:pPr marL="109728" indent="0">
-              <a:buNone/>
-            </a:pPr>
-            <a:r>
-              <a:rPr lang="es-CL" sz="2300" dirty="0" smtClean="0"/>
-              <a:t>	</a:t>
-            </a:r>
-            <a:endParaRPr lang="es-CL" sz="2300" dirty="0"/>
           </a:p>
         </p:txBody>
       </p:sp>
       <p:pic>
         <p:nvPicPr>
-          <p:cNvPr id="4" name="Picture 4"/>
+          <p:cNvPr id="4" name="Picture 6"/>
           <p:cNvPicPr>
             <a:picLocks noChangeAspect="1" noChangeArrowheads="1"/>
           </p:cNvPicPr>
@@ -5701,15 +5600,15 @@
         </p:nvPicPr>
         <p:blipFill>
           <a:blip r:embed="rId3"/>
-          <a:srcRect/>
+          <a:srcRect l="21799" t="2035" b="14518"/>
           <a:stretch>
             <a:fillRect/>
           </a:stretch>
         </p:blipFill>
         <p:spPr bwMode="auto">
           <a:xfrm>
-            <a:off x="1897882" y="2500306"/>
-            <a:ext cx="5674514" cy="3214710"/>
+            <a:off x="2627784" y="2492896"/>
+            <a:ext cx="4248472" cy="3034734"/>
           </a:xfrm>
           <a:prstGeom prst="rect">
             <a:avLst/>
@@ -5726,55 +5625,6 @@
           </a:effectLst>
         </p:spPr>
       </p:pic>
-      <p:sp>
-        <p:nvSpPr>
-          <p:cNvPr id="3" name="2 Rectángulo"/>
-          <p:cNvSpPr/>
-          <p:nvPr/>
-        </p:nvSpPr>
-        <p:spPr>
-          <a:xfrm>
-            <a:off x="611560" y="1124744"/>
-            <a:ext cx="7860378" cy="1154162"/>
-          </a:xfrm>
-          <a:prstGeom prst="rect">
-            <a:avLst/>
-          </a:prstGeom>
-        </p:spPr>
-        <p:txBody>
-          <a:bodyPr wrap="square">
-            <a:spAutoFit/>
-          </a:bodyPr>
-          <a:lstStyle/>
-          <a:p>
-            <a:pPr algn="just"/>
-            <a:r>
-              <a:rPr lang="es-CL" sz="2300" dirty="0" smtClean="0"/>
-              <a:t>	Puede </a:t>
-            </a:r>
-            <a:r>
-              <a:rPr lang="es-CL" sz="2300" dirty="0"/>
-              <a:t>dar dinamismo a sus </a:t>
-            </a:r>
-            <a:r>
-              <a:rPr lang="es-CL" sz="2300" dirty="0" smtClean="0"/>
-              <a:t>RF. Añadiendo </a:t>
-            </a:r>
-            <a:r>
-              <a:rPr lang="es-CL" sz="2300" dirty="0"/>
-              <a:t>las operatorias necesarias entre los campos de cada </a:t>
-            </a:r>
-            <a:r>
-              <a:rPr lang="es-CL" sz="2300" dirty="0" smtClean="0"/>
-              <a:t>cuadro, estableciendo </a:t>
-            </a:r>
-            <a:r>
-              <a:rPr lang="es-CL" sz="2300" dirty="0"/>
-              <a:t>sumas y restas.</a:t>
-            </a:r>
-          </a:p>
-        </p:txBody>
-      </p:sp>
       <p:pic>
         <p:nvPicPr>
           <p:cNvPr id="7" name="6 Imagen" descr="logo_exfida.png"/>
@@ -5884,7 +5734,7 @@
         </p:spPr>
         <p:txBody>
           <a:bodyPr>
-            <a:noAutofit/>
+            <a:normAutofit fontScale="25000" lnSpcReduction="20000"/>
           </a:bodyPr>
           <a:lstStyle/>
           <a:p>
@@ -5892,7 +5742,7 @@
               <a:buNone/>
             </a:pPr>
             <a:r>
-              <a:rPr lang="es-CL" sz="2400" b="1" dirty="0">
+              <a:rPr lang="es-CL" sz="9600" b="1" dirty="0" smtClean="0">
                 <a:solidFill>
                   <a:schemeClr val="tx2"/>
                 </a:solidFill>
@@ -5907,10 +5757,26 @@
                 <a:ea typeface="+mj-ea"/>
                 <a:cs typeface="+mj-cs"/>
               </a:rPr>
-              <a:t>Proceso e Ingreso de Información &gt;</a:t>
-            </a:r>
-            <a:r>
-              <a:rPr lang="es-CL" sz="2900" b="1" dirty="0">
+              <a:t>Añada operaciones y Fórmulas </a:t>
+            </a:r>
+            <a:r>
+              <a:rPr lang="es-CL" sz="11600" b="1" dirty="0">
+                <a:solidFill>
+                  <a:schemeClr val="tx2"/>
+                </a:solidFill>
+                <a:effectLst>
+                  <a:outerShdw blurRad="31750" dist="25400" dir="5400000" algn="tl" rotWithShape="0">
+                    <a:srgbClr val="000000">
+                      <a:alpha val="25000"/>
+                    </a:srgbClr>
+                  </a:outerShdw>
+                </a:effectLst>
+                <a:latin typeface="Arial Black" pitchFamily="34" charset="0"/>
+              </a:rPr>
+              <a:t>&gt;</a:t>
+            </a:r>
+            <a:r>
+              <a:rPr lang="es-CL" sz="11600" b="1" dirty="0">
                 <a:solidFill>
                   <a:schemeClr val="tx2"/>
                 </a:solidFill>
@@ -5928,7 +5794,7 @@
               <a:t/>
             </a:r>
             <a:br>
-              <a:rPr lang="es-CL" sz="2900" b="1" dirty="0">
+              <a:rPr lang="es-CL" sz="11600" b="1" dirty="0">
                 <a:solidFill>
                   <a:schemeClr val="tx2"/>
                 </a:solidFill>
@@ -5944,42 +5810,7 @@
                 <a:cs typeface="+mj-cs"/>
               </a:rPr>
             </a:br>
-            <a:r>
-              <a:rPr lang="es-CL" sz="2900" b="1" dirty="0">
-                <a:solidFill>
-                  <a:schemeClr val="tx2"/>
-                </a:solidFill>
-                <a:effectLst>
-                  <a:outerShdw blurRad="31750" dist="25400" dir="5400000" algn="tl" rotWithShape="0">
-                    <a:srgbClr val="000000">
-                      <a:alpha val="25000"/>
-                    </a:srgbClr>
-                  </a:outerShdw>
-                </a:effectLst>
-                <a:latin typeface="Arial Black" pitchFamily="34" charset="0"/>
-                <a:ea typeface="+mj-ea"/>
-                <a:cs typeface="+mj-cs"/>
-              </a:rPr>
-              <a:t/>
-            </a:r>
-            <a:br>
-              <a:rPr lang="es-CL" sz="2900" b="1" dirty="0">
-                <a:solidFill>
-                  <a:schemeClr val="tx2"/>
-                </a:solidFill>
-                <a:effectLst>
-                  <a:outerShdw blurRad="31750" dist="25400" dir="5400000" algn="tl" rotWithShape="0">
-                    <a:srgbClr val="000000">
-                      <a:alpha val="25000"/>
-                    </a:srgbClr>
-                  </a:outerShdw>
-                </a:effectLst>
-                <a:latin typeface="Arial Black" pitchFamily="34" charset="0"/>
-                <a:ea typeface="+mj-ea"/>
-                <a:cs typeface="+mj-cs"/>
-              </a:rPr>
-            </a:br>
-            <a:endParaRPr lang="es-CL" sz="2900" b="1" dirty="0">
+            <a:endParaRPr lang="es-CL" sz="11600" b="1" dirty="0">
               <a:solidFill>
                 <a:schemeClr val="tx2"/>
               </a:solidFill>
@@ -5995,11 +5826,21 @@
               <a:cs typeface="+mj-cs"/>
             </a:endParaRPr>
           </a:p>
+          <a:p>
+            <a:pPr marL="109728" indent="0">
+              <a:buNone/>
+            </a:pPr>
+            <a:r>
+              <a:rPr lang="es-CL" sz="2300" dirty="0" smtClean="0"/>
+              <a:t>	</a:t>
+            </a:r>
+            <a:endParaRPr lang="es-CL" sz="2300" dirty="0"/>
+          </a:p>
         </p:txBody>
       </p:sp>
       <p:pic>
         <p:nvPicPr>
-          <p:cNvPr id="1026" name="Picture 2"/>
+          <p:cNvPr id="4" name="Picture 4"/>
           <p:cNvPicPr>
             <a:picLocks noChangeAspect="1" noChangeArrowheads="1"/>
           </p:cNvPicPr>
@@ -6014,8 +5855,8 @@
         </p:blipFill>
         <p:spPr bwMode="auto">
           <a:xfrm>
-            <a:off x="827584" y="2571745"/>
-            <a:ext cx="7602068" cy="3129936"/>
+            <a:off x="2500298" y="2571744"/>
+            <a:ext cx="5674514" cy="3214710"/>
           </a:xfrm>
           <a:prstGeom prst="rect">
             <a:avLst/>
@@ -6040,8 +5881,8 @@
         </p:nvSpPr>
         <p:spPr>
           <a:xfrm>
-            <a:off x="611560" y="978694"/>
-            <a:ext cx="8104920" cy="1508105"/>
+            <a:off x="611560" y="1124744"/>
+            <a:ext cx="7860378" cy="1508105"/>
           </a:xfrm>
           <a:prstGeom prst="rect">
             <a:avLst/>
@@ -6058,26 +5899,33 @@
               <a:rPr lang="es-CL" sz="2300" dirty="0" smtClean="0"/>
               <a:t>	</a:t>
             </a:r>
-          </a:p>
-          <a:p>
-            <a:pPr algn="just"/>
             <a:r>
               <a:rPr lang="es-CL" sz="2300" dirty="0" smtClean="0"/>
-              <a:t>Ingrese y almacene su información, para divulgarla de forma oportuna y fácil, </a:t>
+              <a:t/>
+            </a:r>
+            <a:br>
+              <a:rPr lang="es-CL" sz="2300" dirty="0" smtClean="0"/>
+            </a:br>
+            <a:r>
+              <a:rPr lang="es-CL" sz="2300" dirty="0" smtClean="0"/>
+              <a:t>Configure las </a:t>
             </a:r>
             <a:r>
               <a:rPr lang="es-CL" sz="2300" dirty="0"/>
-              <a:t>validando dichos ingresos contra sus </a:t>
-            </a:r>
-            <a:r>
-              <a:rPr lang="es-CL" sz="2300" b="1" dirty="0" smtClean="0"/>
-              <a:t>EEFF</a:t>
+              <a:t>operatorias necesarias entre los campos de cada </a:t>
             </a:r>
             <a:r>
               <a:rPr lang="es-CL" sz="2300" dirty="0" smtClean="0"/>
-              <a:t>.</a:t>
-            </a:r>
-            <a:endParaRPr lang="es-CL" sz="2300" dirty="0"/>
+              <a:t>Revelación, </a:t>
+            </a:r>
+            <a:r>
+              <a:rPr lang="es-CL" sz="2300" dirty="0" smtClean="0"/>
+              <a:t>estableciendo </a:t>
+            </a:r>
+            <a:r>
+              <a:rPr lang="es-CL" sz="2300" dirty="0"/>
+              <a:t>sumas y restas.</a:t>
+            </a:r>
           </a:p>
         </p:txBody>
       </p:sp>
@@ -6140,6 +5988,38 @@
           <a:chExt cx="0" cy="0"/>
         </a:xfrm>
       </p:grpSpPr>
+      <p:pic>
+        <p:nvPicPr>
+          <p:cNvPr id="5" name="4 Imagen" descr="logo_top_byte.gif"/>
+          <p:cNvPicPr>
+            <a:picLocks noChangeAspect="1"/>
+          </p:cNvPicPr>
+          <p:nvPr/>
+        </p:nvPicPr>
+        <p:blipFill>
+          <a:blip r:embed="rId2">
+            <a:duotone>
+              <a:schemeClr val="bg2">
+                <a:shade val="45000"/>
+                <a:satMod val="135000"/>
+              </a:schemeClr>
+              <a:prstClr val="white"/>
+            </a:duotone>
+          </a:blip>
+          <a:stretch>
+            <a:fillRect/>
+          </a:stretch>
+        </p:blipFill>
+        <p:spPr>
+          <a:xfrm>
+            <a:off x="7572396" y="357166"/>
+            <a:ext cx="971550" cy="971550"/>
+          </a:xfrm>
+          <a:prstGeom prst="rect">
+            <a:avLst/>
+          </a:prstGeom>
+        </p:spPr>
+      </p:pic>
       <p:sp>
         <p:nvSpPr>
           <p:cNvPr id="2" name="1 Marcador de contenido"/>
@@ -6165,24 +6045,6 @@
             <a:pPr marL="109728" indent="0">
               <a:buNone/>
             </a:pPr>
-            <a:r>
-              <a:rPr lang="es-CL" sz="2400" b="1" dirty="0" smtClean="0">
-                <a:solidFill>
-                  <a:schemeClr val="tx2"/>
-                </a:solidFill>
-                <a:effectLst>
-                  <a:outerShdw blurRad="31750" dist="25400" dir="5400000" algn="tl" rotWithShape="0">
-                    <a:srgbClr val="000000">
-                      <a:alpha val="25000"/>
-                    </a:srgbClr>
-                  </a:outerShdw>
-                </a:effectLst>
-                <a:latin typeface="Arial Black" pitchFamily="34" charset="0"/>
-                <a:ea typeface="+mj-ea"/>
-                <a:cs typeface="+mj-cs"/>
-              </a:rPr>
-              <a:t>Workflow de Aprobación </a:t>
-            </a:r>
             <a:r>
               <a:rPr lang="es-CL" sz="2400" b="1" dirty="0">
                 <a:solidFill>
@@ -6199,10 +6061,28 @@
                 <a:ea typeface="+mj-ea"/>
                 <a:cs typeface="+mj-cs"/>
               </a:rPr>
-              <a:t>&gt;</a:t>
+              <a:t>Proceso e Ingreso de Información &gt;</a:t>
+            </a:r>
+            <a:r>
+              <a:rPr lang="es-CL" sz="2900" b="1" dirty="0">
+                <a:solidFill>
+                  <a:schemeClr val="tx2"/>
+                </a:solidFill>
+                <a:effectLst>
+                  <a:outerShdw blurRad="31750" dist="25400" dir="5400000" algn="tl" rotWithShape="0">
+                    <a:srgbClr val="000000">
+                      <a:alpha val="25000"/>
+                    </a:srgbClr>
+                  </a:outerShdw>
+                </a:effectLst>
+                <a:latin typeface="Arial Black" pitchFamily="34" charset="0"/>
+                <a:ea typeface="+mj-ea"/>
+                <a:cs typeface="+mj-cs"/>
+              </a:rPr>
+              <a:t/>
             </a:r>
             <a:br>
-              <a:rPr lang="es-CL" sz="2400" b="1" dirty="0">
+              <a:rPr lang="es-CL" sz="2900" b="1" dirty="0">
                 <a:solidFill>
                   <a:schemeClr val="tx2"/>
                 </a:solidFill>
@@ -6271,25 +6151,98 @@
           </a:p>
         </p:txBody>
       </p:sp>
+      <p:sp>
+        <p:nvSpPr>
+          <p:cNvPr id="3" name="2 Rectángulo"/>
+          <p:cNvSpPr/>
+          <p:nvPr/>
+        </p:nvSpPr>
+        <p:spPr>
+          <a:xfrm>
+            <a:off x="611560" y="978694"/>
+            <a:ext cx="8104920" cy="1508105"/>
+          </a:xfrm>
+          <a:prstGeom prst="rect">
+            <a:avLst/>
+          </a:prstGeom>
+        </p:spPr>
+        <p:txBody>
+          <a:bodyPr wrap="square">
+            <a:spAutoFit/>
+          </a:bodyPr>
+          <a:lstStyle/>
+          <a:p>
+            <a:pPr algn="just"/>
+            <a:r>
+              <a:rPr lang="es-CL" sz="2300" dirty="0" smtClean="0"/>
+              <a:t>	</a:t>
+            </a:r>
+          </a:p>
+          <a:p>
+            <a:pPr algn="just"/>
+            <a:r>
+              <a:rPr lang="es-CL" sz="2300" dirty="0" smtClean="0"/>
+              <a:t>Ingrese y almacene su información, para divulgarla de forma oportuna y fácil, </a:t>
+            </a:r>
+            <a:r>
+              <a:rPr lang="es-CL" sz="2300" dirty="0"/>
+              <a:t>validando dichos ingresos contra sus </a:t>
+            </a:r>
+            <a:r>
+              <a:rPr lang="es-CL" sz="2300" b="1" dirty="0" smtClean="0"/>
+              <a:t>EEFF</a:t>
+            </a:r>
+            <a:r>
+              <a:rPr lang="es-CL" sz="2300" dirty="0" smtClean="0"/>
+              <a:t>.</a:t>
+            </a:r>
+            <a:endParaRPr lang="es-CL" sz="2300" dirty="0"/>
+          </a:p>
+        </p:txBody>
+      </p:sp>
       <p:pic>
         <p:nvPicPr>
-          <p:cNvPr id="3" name="Picture 3"/>
+          <p:cNvPr id="7" name="6 Imagen" descr="logo_exfida.png"/>
+          <p:cNvPicPr>
+            <a:picLocks noChangeAspect="1"/>
+          </p:cNvPicPr>
+          <p:nvPr/>
+        </p:nvPicPr>
+        <p:blipFill>
+          <a:blip r:embed="rId3"/>
+          <a:stretch>
+            <a:fillRect/>
+          </a:stretch>
+        </p:blipFill>
+        <p:spPr>
+          <a:xfrm>
+            <a:off x="6572264" y="6072206"/>
+            <a:ext cx="2286015" cy="576253"/>
+          </a:xfrm>
+          <a:prstGeom prst="rect">
+            <a:avLst/>
+          </a:prstGeom>
+        </p:spPr>
+      </p:pic>
+      <p:pic>
+        <p:nvPicPr>
+          <p:cNvPr id="2050" name="Picture 2"/>
           <p:cNvPicPr>
             <a:picLocks noChangeAspect="1" noChangeArrowheads="1"/>
           </p:cNvPicPr>
           <p:nvPr/>
         </p:nvPicPr>
         <p:blipFill>
-          <a:blip r:embed="rId2"/>
-          <a:srcRect b="6584"/>
+          <a:blip r:embed="rId4"/>
+          <a:srcRect/>
           <a:stretch>
             <a:fillRect/>
           </a:stretch>
         </p:blipFill>
         <p:spPr bwMode="auto">
           <a:xfrm>
-            <a:off x="1428728" y="2214554"/>
-            <a:ext cx="4892051" cy="3857652"/>
+            <a:off x="1285852" y="2571744"/>
+            <a:ext cx="7072362" cy="3281576"/>
           </a:xfrm>
           <a:prstGeom prst="rect">
             <a:avLst/>
@@ -6304,99 +6257,6 @@
               </a:srgbClr>
             </a:outerShdw>
           </a:effectLst>
-        </p:spPr>
-      </p:pic>
-      <p:pic>
-        <p:nvPicPr>
-          <p:cNvPr id="5" name="4 Imagen" descr="logo_top_byte.gif"/>
-          <p:cNvPicPr>
-            <a:picLocks noChangeAspect="1"/>
-          </p:cNvPicPr>
-          <p:nvPr/>
-        </p:nvPicPr>
-        <p:blipFill>
-          <a:blip r:embed="rId3">
-            <a:duotone>
-              <a:schemeClr val="bg2">
-                <a:shade val="45000"/>
-                <a:satMod val="135000"/>
-              </a:schemeClr>
-              <a:prstClr val="white"/>
-            </a:duotone>
-          </a:blip>
-          <a:stretch>
-            <a:fillRect/>
-          </a:stretch>
-        </p:blipFill>
-        <p:spPr>
-          <a:xfrm>
-            <a:off x="7572396" y="357166"/>
-            <a:ext cx="971550" cy="971550"/>
-          </a:xfrm>
-          <a:prstGeom prst="rect">
-            <a:avLst/>
-          </a:prstGeom>
-        </p:spPr>
-      </p:pic>
-      <p:sp>
-        <p:nvSpPr>
-          <p:cNvPr id="4" name="3 Rectángulo"/>
-          <p:cNvSpPr/>
-          <p:nvPr/>
-        </p:nvSpPr>
-        <p:spPr>
-          <a:xfrm>
-            <a:off x="539552" y="1116613"/>
-            <a:ext cx="8004394" cy="1154162"/>
-          </a:xfrm>
-          <a:prstGeom prst="rect">
-            <a:avLst/>
-          </a:prstGeom>
-        </p:spPr>
-        <p:txBody>
-          <a:bodyPr wrap="square">
-            <a:spAutoFit/>
-          </a:bodyPr>
-          <a:lstStyle/>
-          <a:p>
-            <a:pPr algn="just"/>
-            <a:r>
-              <a:rPr lang="es-CL" sz="2300" dirty="0" smtClean="0"/>
-              <a:t>	</a:t>
-            </a:r>
-          </a:p>
-          <a:p>
-            <a:pPr algn="just"/>
-            <a:r>
-              <a:rPr lang="es-CL" sz="2300" dirty="0" smtClean="0"/>
-              <a:t>Mantenga el control sobre el estado de los RF por periodo.</a:t>
-            </a:r>
-            <a:endParaRPr lang="es-CL" sz="2300" dirty="0"/>
-          </a:p>
-        </p:txBody>
-      </p:sp>
-      <p:pic>
-        <p:nvPicPr>
-          <p:cNvPr id="7" name="6 Imagen" descr="logo_exfida.png"/>
-          <p:cNvPicPr>
-            <a:picLocks noChangeAspect="1"/>
-          </p:cNvPicPr>
-          <p:nvPr/>
-        </p:nvPicPr>
-        <p:blipFill>
-          <a:blip r:embed="rId4"/>
-          <a:stretch>
-            <a:fillRect/>
-          </a:stretch>
-        </p:blipFill>
-        <p:spPr>
-          <a:xfrm>
-            <a:off x="6572264" y="6072206"/>
-            <a:ext cx="2286015" cy="576253"/>
-          </a:xfrm>
-          <a:prstGeom prst="rect">
-            <a:avLst/>
-          </a:prstGeom>
         </p:spPr>
       </p:pic>
     </p:spTree>
@@ -6436,30 +6296,22 @@
       </p:grpSpPr>
       <p:pic>
         <p:nvPicPr>
-          <p:cNvPr id="3" name="2 Imagen" descr="logo_top_byte.gif"/>
+          <p:cNvPr id="7" name="6 Imagen" descr="logo_exfida.png"/>
           <p:cNvPicPr>
             <a:picLocks noChangeAspect="1"/>
           </p:cNvPicPr>
           <p:nvPr/>
         </p:nvPicPr>
         <p:blipFill>
-          <a:blip r:embed="rId2">
-            <a:duotone>
-              <a:schemeClr val="bg2">
-                <a:shade val="45000"/>
-                <a:satMod val="135000"/>
-              </a:schemeClr>
-              <a:prstClr val="white"/>
-            </a:duotone>
-          </a:blip>
+          <a:blip r:embed="rId2"/>
           <a:stretch>
             <a:fillRect/>
           </a:stretch>
         </p:blipFill>
         <p:spPr>
           <a:xfrm>
-            <a:off x="7572396" y="357166"/>
-            <a:ext cx="971550" cy="971550"/>
+            <a:off x="6572264" y="6072206"/>
+            <a:ext cx="2286015" cy="576253"/>
           </a:xfrm>
           <a:prstGeom prst="rect">
             <a:avLst/>
@@ -6484,7 +6336,7 @@
         </p:spPr>
         <p:txBody>
           <a:bodyPr>
-            <a:normAutofit fontScale="25000" lnSpcReduction="20000"/>
+            <a:noAutofit/>
           </a:bodyPr>
           <a:lstStyle/>
           <a:p>
@@ -6492,7 +6344,7 @@
               <a:buNone/>
             </a:pPr>
             <a:r>
-              <a:rPr lang="es-CL" sz="9600" b="1" dirty="0" smtClean="0">
+              <a:rPr lang="es-CL" sz="2400" b="1" dirty="0" smtClean="0">
                 <a:solidFill>
                   <a:schemeClr val="tx2"/>
                 </a:solidFill>
@@ -6507,10 +6359,10 @@
                 <a:ea typeface="+mj-ea"/>
                 <a:cs typeface="+mj-cs"/>
               </a:rPr>
-              <a:t>Validación en base a sus EE.FF </a:t>
-            </a:r>
-            <a:r>
-              <a:rPr lang="es-CL" sz="9600" b="1" dirty="0">
+              <a:t>Workflow de Aprobación </a:t>
+            </a:r>
+            <a:r>
+              <a:rPr lang="es-CL" sz="2400" b="1" dirty="0">
                 <a:solidFill>
                   <a:schemeClr val="tx2"/>
                 </a:solidFill>
@@ -6528,7 +6380,7 @@
               <a:t>&gt;</a:t>
             </a:r>
             <a:br>
-              <a:rPr lang="es-CL" sz="9600" b="1" dirty="0">
+              <a:rPr lang="es-CL" sz="2400" b="1" dirty="0">
                 <a:solidFill>
                   <a:schemeClr val="tx2"/>
                 </a:solidFill>
@@ -6545,7 +6397,7 @@
               </a:rPr>
             </a:br>
             <a:r>
-              <a:rPr lang="es-CL" sz="11600" b="1" dirty="0">
+              <a:rPr lang="es-CL" sz="2900" b="1" dirty="0">
                 <a:solidFill>
                   <a:schemeClr val="tx2"/>
                 </a:solidFill>
@@ -6563,7 +6415,7 @@
               <a:t/>
             </a:r>
             <a:br>
-              <a:rPr lang="es-CL" sz="11600" b="1" dirty="0">
+              <a:rPr lang="es-CL" sz="2900" b="1" dirty="0">
                 <a:solidFill>
                   <a:schemeClr val="tx2"/>
                 </a:solidFill>
@@ -6579,17 +6431,27 @@
                 <a:cs typeface="+mj-cs"/>
               </a:rPr>
             </a:br>
-            <a:r>
-              <a:rPr lang="es-CL" dirty="0" smtClean="0"/>
-              <a:t>	</a:t>
-            </a:r>
-            <a:endParaRPr lang="es-CL" sz="2300" dirty="0"/>
+            <a:endParaRPr lang="es-CL" sz="2900" b="1" dirty="0">
+              <a:solidFill>
+                <a:schemeClr val="tx2"/>
+              </a:solidFill>
+              <a:effectLst>
+                <a:outerShdw blurRad="31750" dist="25400" dir="5400000" algn="tl" rotWithShape="0">
+                  <a:srgbClr val="000000">
+                    <a:alpha val="25000"/>
+                  </a:srgbClr>
+                </a:outerShdw>
+              </a:effectLst>
+              <a:latin typeface="Arial Black" pitchFamily="34" charset="0"/>
+              <a:ea typeface="+mj-ea"/>
+              <a:cs typeface="+mj-cs"/>
+            </a:endParaRPr>
           </a:p>
         </p:txBody>
       </p:sp>
       <p:pic>
         <p:nvPicPr>
-          <p:cNvPr id="8195" name="Picture 3"/>
+          <p:cNvPr id="3" name="Picture 3"/>
           <p:cNvPicPr>
             <a:picLocks noChangeAspect="1" noChangeArrowheads="1"/>
           </p:cNvPicPr>
@@ -6597,15 +6459,15 @@
         </p:nvPicPr>
         <p:blipFill>
           <a:blip r:embed="rId3"/>
-          <a:srcRect/>
+          <a:srcRect b="6584"/>
           <a:stretch>
             <a:fillRect/>
           </a:stretch>
         </p:blipFill>
         <p:spPr bwMode="auto">
           <a:xfrm>
-            <a:off x="1595544" y="2590830"/>
-            <a:ext cx="6000792" cy="3142426"/>
+            <a:off x="2466031" y="2071678"/>
+            <a:ext cx="4892051" cy="3857652"/>
           </a:xfrm>
           <a:prstGeom prst="rect">
             <a:avLst/>
@@ -6622,118 +6484,75 @@
           </a:effectLst>
         </p:spPr>
       </p:pic>
-      <p:sp>
-        <p:nvSpPr>
-          <p:cNvPr id="4" name="3 Rectángulo"/>
-          <p:cNvSpPr/>
-          <p:nvPr/>
-        </p:nvSpPr>
-        <p:spPr>
-          <a:xfrm>
-            <a:off x="683568" y="1126485"/>
-            <a:ext cx="7992888" cy="1169551"/>
-          </a:xfrm>
-          <a:prstGeom prst="rect">
-            <a:avLst/>
-          </a:prstGeom>
-        </p:spPr>
-        <p:txBody>
-          <a:bodyPr wrap="square">
-            <a:spAutoFit/>
-          </a:bodyPr>
-          <a:lstStyle/>
-          <a:p>
-            <a:r>
-              <a:rPr lang="es-CL" sz="2300" dirty="0" smtClean="0"/>
-              <a:t>	</a:t>
-            </a:r>
-          </a:p>
-          <a:p>
-            <a:r>
-              <a:rPr lang="es-CL" sz="2300" dirty="0" smtClean="0"/>
-              <a:t>Cargue </a:t>
-            </a:r>
-            <a:r>
-              <a:rPr lang="es-CL" sz="2300" dirty="0"/>
-              <a:t>sus </a:t>
-            </a:r>
-            <a:r>
-              <a:rPr lang="es-CL" sz="2300" dirty="0" smtClean="0"/>
-              <a:t>Estados </a:t>
-            </a:r>
-            <a:r>
-              <a:rPr lang="es-CL" sz="2300" dirty="0"/>
-              <a:t>F</a:t>
-            </a:r>
-            <a:r>
-              <a:rPr lang="es-CL" sz="2300" dirty="0" smtClean="0"/>
-              <a:t>inancieros </a:t>
-            </a:r>
-            <a:r>
-              <a:rPr lang="es-CL" sz="2300" dirty="0"/>
-              <a:t>en </a:t>
-            </a:r>
-            <a:r>
-              <a:rPr lang="es-CL" sz="2400" dirty="0">
-                <a:solidFill>
-                  <a:schemeClr val="tx2">
-                    <a:lumMod val="75000"/>
-                  </a:schemeClr>
-                </a:solidFill>
-                <a:effectLst>
-                  <a:outerShdw blurRad="38100" dist="38100" dir="2700000" algn="tl">
-                    <a:srgbClr val="000000">
-                      <a:alpha val="43137"/>
-                    </a:srgbClr>
-                  </a:outerShdw>
-                </a:effectLst>
-              </a:rPr>
-              <a:t>EXFIDA</a:t>
-            </a:r>
-            <a:r>
-              <a:rPr lang="es-CL" sz="2400" dirty="0"/>
-              <a:t> </a:t>
-            </a:r>
-            <a:r>
-              <a:rPr lang="es-CL" sz="2300" dirty="0" smtClean="0"/>
-              <a:t>y </a:t>
-            </a:r>
-            <a:r>
-              <a:rPr lang="es-CL" sz="2300" dirty="0"/>
-              <a:t>valide sus </a:t>
-            </a:r>
-            <a:r>
-              <a:rPr lang="es-CL" sz="2300" dirty="0" smtClean="0"/>
-              <a:t>Revelaciones en base a estos.</a:t>
-            </a:r>
-            <a:endParaRPr lang="es-CL" sz="2300" dirty="0"/>
-          </a:p>
-        </p:txBody>
-      </p:sp>
       <p:pic>
         <p:nvPicPr>
-          <p:cNvPr id="7" name="6 Imagen" descr="logo_exfida.png"/>
+          <p:cNvPr id="5" name="4 Imagen" descr="logo_top_byte.gif"/>
           <p:cNvPicPr>
             <a:picLocks noChangeAspect="1"/>
           </p:cNvPicPr>
           <p:nvPr/>
         </p:nvPicPr>
         <p:blipFill>
-          <a:blip r:embed="rId4"/>
+          <a:blip r:embed="rId4">
+            <a:duotone>
+              <a:schemeClr val="bg2">
+                <a:shade val="45000"/>
+                <a:satMod val="135000"/>
+              </a:schemeClr>
+              <a:prstClr val="white"/>
+            </a:duotone>
+          </a:blip>
           <a:stretch>
             <a:fillRect/>
           </a:stretch>
         </p:blipFill>
         <p:spPr>
           <a:xfrm>
-            <a:off x="6572264" y="6072206"/>
-            <a:ext cx="2286015" cy="576253"/>
+            <a:off x="7572396" y="357166"/>
+            <a:ext cx="971550" cy="971550"/>
           </a:xfrm>
           <a:prstGeom prst="rect">
             <a:avLst/>
           </a:prstGeom>
         </p:spPr>
       </p:pic>
+      <p:sp>
+        <p:nvSpPr>
+          <p:cNvPr id="4" name="3 Rectángulo"/>
+          <p:cNvSpPr/>
+          <p:nvPr/>
+        </p:nvSpPr>
+        <p:spPr>
+          <a:xfrm>
+            <a:off x="539552" y="1116613"/>
+            <a:ext cx="8004394" cy="1154162"/>
+          </a:xfrm>
+          <a:prstGeom prst="rect">
+            <a:avLst/>
+          </a:prstGeom>
+        </p:spPr>
+        <p:txBody>
+          <a:bodyPr wrap="square">
+            <a:spAutoFit/>
+          </a:bodyPr>
+          <a:lstStyle/>
+          <a:p>
+            <a:pPr algn="just"/>
+            <a:r>
+              <a:rPr lang="es-CL" sz="2300" dirty="0" smtClean="0"/>
+              <a:t>	</a:t>
+            </a:r>
+          </a:p>
+          <a:p>
+            <a:pPr algn="just"/>
+            <a:r>
+              <a:rPr lang="es-CL" sz="2300" dirty="0" smtClean="0"/>
+              <a:t>Mantenga el control sobre el estado de los RF por periodo.</a:t>
+            </a:r>
+            <a:endParaRPr lang="es-CL" sz="2300" dirty="0"/>
+          </a:p>
+        </p:txBody>
+      </p:sp>
     </p:spTree>
   </p:cSld>
   <p:clrMapOvr>
@@ -6842,43 +6661,7 @@
                 <a:ea typeface="+mj-ea"/>
                 <a:cs typeface="+mj-cs"/>
               </a:rPr>
-              <a:t>Notificador </a:t>
-            </a:r>
-            <a:r>
-              <a:rPr lang="es-CL" sz="9600" b="1" dirty="0">
-                <a:solidFill>
-                  <a:schemeClr val="tx2"/>
-                </a:solidFill>
-                <a:effectLst>
-                  <a:outerShdw blurRad="31750" dist="25400" dir="5400000" algn="tl" rotWithShape="0">
-                    <a:srgbClr val="000000">
-                      <a:alpha val="25000"/>
-                    </a:srgbClr>
-                  </a:outerShdw>
-                </a:effectLst>
-                <a:latin typeface="Arial Black" pitchFamily="34" charset="0"/>
-                <a:ea typeface="+mj-ea"/>
-                <a:cs typeface="+mj-cs"/>
-              </a:rPr>
-              <a:t>de </a:t>
-            </a:r>
-            <a:r>
-              <a:rPr lang="es-CL" sz="9600" b="1" dirty="0" smtClean="0">
-                <a:solidFill>
-                  <a:schemeClr val="tx2"/>
-                </a:solidFill>
-                <a:effectLst>
-                  <a:outerShdw blurRad="31750" dist="25400" dir="5400000" algn="tl" rotWithShape="0">
-                    <a:srgbClr val="000000">
-                      <a:alpha val="25000"/>
-                    </a:srgbClr>
-                  </a:outerShdw>
-                </a:effectLst>
-                <a:latin typeface="Arial Black" pitchFamily="34" charset="0"/>
-                <a:ea typeface="+mj-ea"/>
-                <a:cs typeface="+mj-cs"/>
-              </a:rPr>
-              <a:t>Cambios en EEFF </a:t>
+              <a:t>Validación en base a sus EE.FF </a:t>
             </a:r>
             <a:r>
               <a:rPr lang="es-CL" sz="9600" b="1" dirty="0">
@@ -6958,16 +6741,128 @@
           </a:p>
         </p:txBody>
       </p:sp>
+      <p:sp>
+        <p:nvSpPr>
+          <p:cNvPr id="4" name="3 Rectángulo"/>
+          <p:cNvSpPr/>
+          <p:nvPr/>
+        </p:nvSpPr>
+        <p:spPr>
+          <a:xfrm>
+            <a:off x="683568" y="1126485"/>
+            <a:ext cx="7992888" cy="1169551"/>
+          </a:xfrm>
+          <a:prstGeom prst="rect">
+            <a:avLst/>
+          </a:prstGeom>
+        </p:spPr>
+        <p:txBody>
+          <a:bodyPr wrap="square">
+            <a:spAutoFit/>
+          </a:bodyPr>
+          <a:lstStyle/>
+          <a:p>
+            <a:r>
+              <a:rPr lang="es-CL" sz="2300" dirty="0" smtClean="0"/>
+              <a:t>	</a:t>
+            </a:r>
+          </a:p>
+          <a:p>
+            <a:r>
+              <a:rPr lang="es-CL" sz="2300" dirty="0" smtClean="0"/>
+              <a:t>Cargue </a:t>
+            </a:r>
+            <a:r>
+              <a:rPr lang="es-CL" sz="2300" dirty="0"/>
+              <a:t>sus </a:t>
+            </a:r>
+            <a:r>
+              <a:rPr lang="es-CL" sz="2300" dirty="0" smtClean="0"/>
+              <a:t>Estados </a:t>
+            </a:r>
+            <a:r>
+              <a:rPr lang="es-CL" sz="2300" dirty="0"/>
+              <a:t>F</a:t>
+            </a:r>
+            <a:r>
+              <a:rPr lang="es-CL" sz="2300" dirty="0" smtClean="0"/>
+              <a:t>inancieros </a:t>
+            </a:r>
+            <a:r>
+              <a:rPr lang="es-CL" sz="2300" dirty="0"/>
+              <a:t>en </a:t>
+            </a:r>
+            <a:r>
+              <a:rPr lang="es-CL" sz="2400" dirty="0">
+                <a:solidFill>
+                  <a:schemeClr val="tx2">
+                    <a:lumMod val="75000"/>
+                  </a:schemeClr>
+                </a:solidFill>
+                <a:effectLst>
+                  <a:outerShdw blurRad="38100" dist="38100" dir="2700000" algn="tl">
+                    <a:srgbClr val="000000">
+                      <a:alpha val="43137"/>
+                    </a:srgbClr>
+                  </a:outerShdw>
+                </a:effectLst>
+              </a:rPr>
+              <a:t>EXFIDA</a:t>
+            </a:r>
+            <a:r>
+              <a:rPr lang="es-CL" sz="2400" dirty="0"/>
+              <a:t> </a:t>
+            </a:r>
+            <a:r>
+              <a:rPr lang="es-CL" sz="2300" dirty="0" smtClean="0"/>
+              <a:t>y </a:t>
+            </a:r>
+            <a:r>
+              <a:rPr lang="es-CL" sz="2300" dirty="0"/>
+              <a:t>valide sus </a:t>
+            </a:r>
+            <a:r>
+              <a:rPr lang="es-CL" sz="2300" dirty="0" smtClean="0"/>
+              <a:t>Revelaciones en base a estos.</a:t>
+            </a:r>
+            <a:endParaRPr lang="es-CL" sz="2300" dirty="0"/>
+          </a:p>
+        </p:txBody>
+      </p:sp>
       <p:pic>
         <p:nvPicPr>
-          <p:cNvPr id="8195" name="Picture 3"/>
+          <p:cNvPr id="7" name="6 Imagen" descr="logo_exfida.png"/>
+          <p:cNvPicPr>
+            <a:picLocks noChangeAspect="1"/>
+          </p:cNvPicPr>
+          <p:nvPr/>
+        </p:nvPicPr>
+        <p:blipFill>
+          <a:blip r:embed="rId3"/>
+          <a:stretch>
+            <a:fillRect/>
+          </a:stretch>
+        </p:blipFill>
+        <p:spPr>
+          <a:xfrm>
+            <a:off x="6572264" y="6072206"/>
+            <a:ext cx="2286015" cy="576253"/>
+          </a:xfrm>
+          <a:prstGeom prst="rect">
+            <a:avLst/>
+          </a:prstGeom>
+        </p:spPr>
+      </p:pic>
+      <p:pic>
+        <p:nvPicPr>
+          <p:cNvPr id="3074" name="Picture 2"/>
           <p:cNvPicPr>
             <a:picLocks noChangeAspect="1" noChangeArrowheads="1"/>
           </p:cNvPicPr>
           <p:nvPr/>
         </p:nvPicPr>
         <p:blipFill>
-          <a:blip r:embed="rId3"/>
+          <a:blip r:embed="rId4"/>
           <a:srcRect/>
           <a:stretch>
             <a:fillRect/>
@@ -6975,8 +6870,8 @@
         </p:blipFill>
         <p:spPr bwMode="auto">
           <a:xfrm>
-            <a:off x="1595544" y="2590830"/>
-            <a:ext cx="6000792" cy="3142426"/>
+            <a:off x="1571604" y="2428868"/>
+            <a:ext cx="6143668" cy="3196609"/>
           </a:xfrm>
           <a:prstGeom prst="rect">
             <a:avLst/>
@@ -6993,71 +6888,7 @@
           </a:effectLst>
         </p:spPr>
       </p:pic>
-      <p:sp>
-        <p:nvSpPr>
-          <p:cNvPr id="4" name="3 Rectángulo"/>
-          <p:cNvSpPr/>
-          <p:nvPr/>
-        </p:nvSpPr>
-        <p:spPr>
-          <a:xfrm>
-            <a:off x="683568" y="1126485"/>
-            <a:ext cx="7992888" cy="1508105"/>
-          </a:xfrm>
-          <a:prstGeom prst="rect">
-            <a:avLst/>
-          </a:prstGeom>
-        </p:spPr>
-        <p:txBody>
-          <a:bodyPr wrap="square">
-            <a:spAutoFit/>
-          </a:bodyPr>
-          <a:lstStyle/>
-          <a:p>
-            <a:r>
-              <a:rPr lang="es-CL" sz="2300" dirty="0" smtClean="0"/>
-              <a:t>	</a:t>
-            </a:r>
-          </a:p>
-          <a:p>
-            <a:r>
-              <a:rPr lang="es-CL" sz="2300" dirty="0" smtClean="0"/>
-              <a:t>Notifique a sus áreas de negocio el cambio en sus Estados Financieros para la cuadratura de sus Revelaciones.</a:t>
-            </a:r>
-            <a:endParaRPr lang="es-CL" sz="2300" dirty="0"/>
-          </a:p>
-        </p:txBody>
-      </p:sp>
-      <p:pic>
-        <p:nvPicPr>
-          <p:cNvPr id="7" name="6 Imagen" descr="logo_exfida.png"/>
-          <p:cNvPicPr>
-            <a:picLocks noChangeAspect="1"/>
-          </p:cNvPicPr>
-          <p:nvPr/>
-        </p:nvPicPr>
-        <p:blipFill>
-          <a:blip r:embed="rId4"/>
-          <a:stretch>
-            <a:fillRect/>
-          </a:stretch>
-        </p:blipFill>
-        <p:spPr>
-          <a:xfrm>
-            <a:off x="6572264" y="6072206"/>
-            <a:ext cx="2286015" cy="576253"/>
-          </a:xfrm>
-          <a:prstGeom prst="rect">
-            <a:avLst/>
-          </a:prstGeom>
-        </p:spPr>
-      </p:pic>
     </p:spTree>
-    <p:extLst>
-      <p:ext uri="{BB962C8B-B14F-4D97-AF65-F5344CB8AC3E}">
-        <p14:creationId xmlns:p14="http://schemas.microsoft.com/office/powerpoint/2010/main" xmlns="" val="2482610731"/>
-      </p:ext>
-    </p:extLst>
   </p:cSld>
   <p:clrMapOvr>
     <a:masterClrMapping/>
@@ -7118,7 +6949,7 @@
       </p:pic>
       <p:pic>
         <p:nvPicPr>
-          <p:cNvPr id="6" name="5 Imagen" descr="logo_top_byte.gif"/>
+          <p:cNvPr id="3" name="2 Imagen" descr="logo_top_byte.gif"/>
           <p:cNvPicPr>
             <a:picLocks noChangeAspect="1"/>
           </p:cNvPicPr>
@@ -7146,10 +6977,6 @@
           <a:prstGeom prst="rect">
             <a:avLst/>
           </a:prstGeom>
-          <a:noFill/>
-          <a:ln>
-            <a:noFill/>
-          </a:ln>
         </p:spPr>
       </p:pic>
       <p:sp>
@@ -7165,7 +6992,7 @@
         <p:spPr>
           <a:xfrm>
             <a:off x="428596" y="428604"/>
-            <a:ext cx="8229600" cy="414337"/>
+            <a:ext cx="8229600" cy="552124"/>
           </a:xfrm>
         </p:spPr>
         <p:txBody>
@@ -7177,6 +7004,24 @@
             <a:pPr marL="109728" indent="0">
               <a:buNone/>
             </a:pPr>
+            <a:r>
+              <a:rPr lang="es-CL" sz="9600" b="1" dirty="0" smtClean="0">
+                <a:solidFill>
+                  <a:schemeClr val="tx2"/>
+                </a:solidFill>
+                <a:effectLst>
+                  <a:outerShdw blurRad="31750" dist="25400" dir="5400000" algn="tl" rotWithShape="0">
+                    <a:srgbClr val="000000">
+                      <a:alpha val="25000"/>
+                    </a:srgbClr>
+                  </a:outerShdw>
+                </a:effectLst>
+                <a:latin typeface="Arial Black" pitchFamily="34" charset="0"/>
+                <a:ea typeface="+mj-ea"/>
+                <a:cs typeface="+mj-cs"/>
+              </a:rPr>
+              <a:t>Notificador </a:t>
+            </a:r>
             <a:r>
               <a:rPr lang="es-CL" sz="9600" b="1" dirty="0">
                 <a:solidFill>
@@ -7193,7 +7038,43 @@
                 <a:ea typeface="+mj-ea"/>
                 <a:cs typeface="+mj-cs"/>
               </a:rPr>
-              <a:t>Reportes &gt;</a:t>
+              <a:t>de </a:t>
+            </a:r>
+            <a:r>
+              <a:rPr lang="es-CL" sz="9600" b="1" dirty="0" smtClean="0">
+                <a:solidFill>
+                  <a:schemeClr val="tx2"/>
+                </a:solidFill>
+                <a:effectLst>
+                  <a:outerShdw blurRad="31750" dist="25400" dir="5400000" algn="tl" rotWithShape="0">
+                    <a:srgbClr val="000000">
+                      <a:alpha val="25000"/>
+                    </a:srgbClr>
+                  </a:outerShdw>
+                </a:effectLst>
+                <a:latin typeface="Arial Black" pitchFamily="34" charset="0"/>
+                <a:ea typeface="+mj-ea"/>
+                <a:cs typeface="+mj-cs"/>
+              </a:rPr>
+              <a:t>Cambios en EEFF </a:t>
+            </a:r>
+            <a:r>
+              <a:rPr lang="es-CL" sz="9600" b="1" dirty="0">
+                <a:solidFill>
+                  <a:schemeClr val="tx2"/>
+                </a:solidFill>
+                <a:effectLst>
+                  <a:outerShdw blurRad="31750" dist="25400" dir="5400000" algn="tl" rotWithShape="0">
+                    <a:srgbClr val="000000">
+                      <a:alpha val="25000"/>
+                    </a:srgbClr>
+                  </a:outerShdw>
+                </a:effectLst>
+                <a:latin typeface="Arial Black" pitchFamily="34" charset="0"/>
+                <a:ea typeface="+mj-ea"/>
+                <a:cs typeface="+mj-cs"/>
+              </a:rPr>
+              <a:t>&gt;</a:t>
             </a:r>
             <a:br>
               <a:rPr lang="es-CL" sz="9600" b="1" dirty="0">
@@ -7213,19 +7094,51 @@
               </a:rPr>
             </a:br>
             <a:r>
+              <a:rPr lang="es-CL" sz="11600" b="1" dirty="0">
+                <a:solidFill>
+                  <a:schemeClr val="tx2"/>
+                </a:solidFill>
+                <a:effectLst>
+                  <a:outerShdw blurRad="31750" dist="25400" dir="5400000" algn="tl" rotWithShape="0">
+                    <a:srgbClr val="000000">
+                      <a:alpha val="25000"/>
+                    </a:srgbClr>
+                  </a:outerShdw>
+                </a:effectLst>
+                <a:latin typeface="Arial Black" pitchFamily="34" charset="0"/>
+                <a:ea typeface="+mj-ea"/>
+                <a:cs typeface="+mj-cs"/>
+              </a:rPr>
+              <a:t/>
+            </a:r>
+            <a:br>
+              <a:rPr lang="es-CL" sz="11600" b="1" dirty="0">
+                <a:solidFill>
+                  <a:schemeClr val="tx2"/>
+                </a:solidFill>
+                <a:effectLst>
+                  <a:outerShdw blurRad="31750" dist="25400" dir="5400000" algn="tl" rotWithShape="0">
+                    <a:srgbClr val="000000">
+                      <a:alpha val="25000"/>
+                    </a:srgbClr>
+                  </a:outerShdw>
+                </a:effectLst>
+                <a:latin typeface="Arial Black" pitchFamily="34" charset="0"/>
+                <a:ea typeface="+mj-ea"/>
+                <a:cs typeface="+mj-cs"/>
+              </a:rPr>
+            </a:br>
+            <a:r>
               <a:rPr lang="es-CL" dirty="0" smtClean="0"/>
-              <a:t/>
-            </a:r>
-            <a:br>
-              <a:rPr lang="es-CL" dirty="0" smtClean="0"/>
-            </a:br>
-            <a:endParaRPr lang="es-CL" dirty="0" smtClean="0"/>
+              <a:t>	</a:t>
+            </a:r>
+            <a:endParaRPr lang="es-CL" sz="2300" dirty="0"/>
           </a:p>
         </p:txBody>
       </p:sp>
       <p:pic>
         <p:nvPicPr>
-          <p:cNvPr id="3075" name="Picture 3"/>
+          <p:cNvPr id="8195" name="Picture 3"/>
           <p:cNvPicPr>
             <a:picLocks noChangeAspect="1" noChangeArrowheads="1"/>
           </p:cNvPicPr>
@@ -7240,8 +7153,8 @@
         </p:blipFill>
         <p:spPr bwMode="auto">
           <a:xfrm>
-            <a:off x="2051720" y="3294375"/>
-            <a:ext cx="6206022" cy="2743716"/>
+            <a:off x="1571604" y="2714620"/>
+            <a:ext cx="6000792" cy="3142426"/>
           </a:xfrm>
           <a:prstGeom prst="rect">
             <a:avLst/>
@@ -7260,14 +7173,14 @@
       </p:pic>
       <p:sp>
         <p:nvSpPr>
-          <p:cNvPr id="3" name="2 Rectángulo"/>
+          <p:cNvPr id="4" name="3 Rectángulo"/>
           <p:cNvSpPr/>
           <p:nvPr/>
         </p:nvSpPr>
         <p:spPr>
           <a:xfrm>
-            <a:off x="611560" y="1052736"/>
-            <a:ext cx="7932386" cy="2241639"/>
+            <a:off x="683568" y="1126485"/>
+            <a:ext cx="7992888" cy="1508105"/>
           </a:xfrm>
           <a:prstGeom prst="rect">
             <a:avLst/>
@@ -7280,74 +7193,41 @@
           <a:lstStyle/>
           <a:p>
             <a:r>
-              <a:rPr lang="es-CL" sz="2300" b="1" dirty="0" smtClean="0"/>
+              <a:rPr lang="es-CL" sz="2300" dirty="0" smtClean="0"/>
               <a:t>	</a:t>
             </a:r>
           </a:p>
           <a:p>
             <a:r>
-              <a:rPr lang="es-CL" sz="2400" dirty="0">
-                <a:solidFill>
-                  <a:schemeClr val="tx2">
-                    <a:lumMod val="75000"/>
-                  </a:schemeClr>
-                </a:solidFill>
-                <a:effectLst>
-                  <a:outerShdw blurRad="38100" dist="38100" dir="2700000" algn="tl">
-                    <a:srgbClr val="000000">
-                      <a:alpha val="43137"/>
-                    </a:srgbClr>
-                  </a:outerShdw>
-                </a:effectLst>
-              </a:rPr>
-              <a:t>EXFIDA</a:t>
-            </a:r>
-            <a:r>
               <a:rPr lang="es-CL" sz="2300" dirty="0" smtClean="0"/>
-              <a:t> provee reportes de su información de Revelaciones para evitar impresiones innecesarias.</a:t>
-            </a:r>
-            <a:br>
+              <a:t>Notifique a sus </a:t>
+            </a:r>
+            <a:r>
               <a:rPr lang="es-CL" sz="2300" dirty="0" smtClean="0"/>
-            </a:br>
+              <a:t>Áreas </a:t>
+            </a:r>
+            <a:r>
+              <a:rPr lang="es-CL" sz="2300" dirty="0" smtClean="0"/>
+              <a:t>de </a:t>
+            </a:r>
+            <a:r>
+              <a:rPr lang="es-CL" sz="2300" dirty="0" smtClean="0"/>
+              <a:t>Negocio </a:t>
+            </a:r>
+            <a:r>
+              <a:rPr lang="es-CL" sz="2300" dirty="0" smtClean="0"/>
+              <a:t>el cambio en sus Estados Financieros para la cuadratura de sus Revelaciones.</a:t>
+            </a:r>
             <a:endParaRPr lang="es-CL" sz="2300" dirty="0"/>
           </a:p>
-          <a:p>
-            <a:pPr marL="859536" lvl="2" indent="-228600" algn="just">
-              <a:spcBef>
-                <a:spcPts val="350"/>
-              </a:spcBef>
-              <a:buClr>
-                <a:schemeClr val="accent2"/>
-              </a:buClr>
-              <a:buSzPct val="100000"/>
-              <a:buFont typeface="Wingdings 2"/>
-              <a:buChar char=""/>
-            </a:pPr>
-            <a:r>
-              <a:rPr lang="es-CL" sz="2000" dirty="0"/>
-              <a:t>Consolidado de Revelaciones en MS Word.</a:t>
-            </a:r>
-          </a:p>
-          <a:p>
-            <a:pPr marL="859536" lvl="2" indent="-228600" algn="just">
-              <a:spcBef>
-                <a:spcPts val="350"/>
-              </a:spcBef>
-              <a:buClr>
-                <a:schemeClr val="accent2"/>
-              </a:buClr>
-              <a:buSzPct val="100000"/>
-              <a:buFont typeface="Wingdings 2"/>
-              <a:buChar char=""/>
-            </a:pPr>
-            <a:r>
-              <a:rPr lang="es-CL" sz="2000" dirty="0"/>
-              <a:t>Revelaciones en Formato MS Excel.</a:t>
-            </a:r>
-          </a:p>
         </p:txBody>
       </p:sp>
     </p:spTree>
+    <p:extLst>
+      <p:ext uri="{BB962C8B-B14F-4D97-AF65-F5344CB8AC3E}">
+        <p14:creationId xmlns:p14="http://schemas.microsoft.com/office/powerpoint/2010/main" xmlns="" val="2482610731"/>
+      </p:ext>
+    </p:extLst>
   </p:cSld>
   <p:clrMapOvr>
     <a:masterClrMapping/>
@@ -7384,14 +7264,40 @@
       </p:grpSpPr>
       <p:pic>
         <p:nvPicPr>
-          <p:cNvPr id="8" name="7 Imagen" descr="logo_top_byte.gif"/>
+          <p:cNvPr id="9" name="Picture 2" descr="https://encrypted-tbn3.google.com/images?q=tbn:ANd9GcQv7o1uYuJTJ_GXWrchmYmF3--4xm-9XARhhT8NqDM6vkiRhclk"/>
+          <p:cNvPicPr>
+            <a:picLocks noChangeAspect="1" noChangeArrowheads="1"/>
+          </p:cNvPicPr>
+          <p:nvPr/>
+        </p:nvPicPr>
+        <p:blipFill>
+          <a:blip r:embed="rId2"/>
+          <a:srcRect/>
+          <a:stretch>
+            <a:fillRect/>
+          </a:stretch>
+        </p:blipFill>
+        <p:spPr bwMode="auto">
+          <a:xfrm>
+            <a:off x="6715140" y="3357562"/>
+            <a:ext cx="2214578" cy="1016967"/>
+          </a:xfrm>
+          <a:prstGeom prst="rect">
+            <a:avLst/>
+          </a:prstGeom>
+          <a:noFill/>
+        </p:spPr>
+      </p:pic>
+      <p:pic>
+        <p:nvPicPr>
+          <p:cNvPr id="3" name="2 Imagen" descr="logo_top_byte.gif"/>
           <p:cNvPicPr>
             <a:picLocks noChangeAspect="1"/>
           </p:cNvPicPr>
           <p:nvPr/>
         </p:nvPicPr>
         <p:blipFill>
-          <a:blip r:embed="rId2">
+          <a:blip r:embed="rId3">
             <a:duotone>
               <a:schemeClr val="bg2">
                 <a:shade val="45000"/>
@@ -7426,21 +7332,21 @@
         </p:nvSpPr>
         <p:spPr>
           <a:xfrm>
-            <a:off x="428596" y="500042"/>
-            <a:ext cx="8229600" cy="5286412"/>
+            <a:off x="428596" y="428604"/>
+            <a:ext cx="8229600" cy="552124"/>
           </a:xfrm>
         </p:spPr>
         <p:txBody>
           <a:bodyPr>
-            <a:normAutofit/>
+            <a:normAutofit fontScale="25000" lnSpcReduction="20000"/>
           </a:bodyPr>
           <a:lstStyle/>
           <a:p>
-            <a:pPr marL="130175" lvl="2" indent="0">
+            <a:pPr marL="109728" indent="0">
               <a:buNone/>
             </a:pPr>
             <a:r>
-              <a:rPr lang="es-CL" sz="2400" b="1" dirty="0">
+              <a:rPr lang="es-CL" sz="9600" b="1" dirty="0" smtClean="0">
                 <a:solidFill>
                   <a:schemeClr val="tx2"/>
                 </a:solidFill>
@@ -7455,10 +7361,10 @@
                 <a:ea typeface="+mj-ea"/>
                 <a:cs typeface="+mj-cs"/>
               </a:rPr>
-              <a:t>Reportes &gt; Consolidado de RF en MS </a:t>
-            </a:r>
-            <a:r>
-              <a:rPr lang="es-CL" sz="2400" b="1" dirty="0" smtClean="0">
+              <a:t>Cree </a:t>
+            </a:r>
+            <a:r>
+              <a:rPr lang="es-CL" sz="9600" b="1" dirty="0" smtClean="0">
                 <a:solidFill>
                   <a:schemeClr val="tx2"/>
                 </a:solidFill>
@@ -7473,45 +7379,180 @@
                 <a:ea typeface="+mj-ea"/>
                 <a:cs typeface="+mj-cs"/>
               </a:rPr>
-              <a:t>Word &gt;</a:t>
-            </a:r>
-            <a:endParaRPr lang="es-CL" sz="2400" b="1" dirty="0">
-              <a:solidFill>
-                <a:schemeClr val="tx2"/>
-              </a:solidFill>
-              <a:effectLst>
-                <a:outerShdw blurRad="31750" dist="25400" dir="5400000" algn="tl" rotWithShape="0">
-                  <a:srgbClr val="000000">
-                    <a:alpha val="25000"/>
-                  </a:srgbClr>
-                </a:outerShdw>
-              </a:effectLst>
-              <a:latin typeface="Arial Black" pitchFamily="34" charset="0"/>
-              <a:ea typeface="+mj-ea"/>
-              <a:cs typeface="+mj-cs"/>
-            </a:endParaRPr>
+              <a:t>sus propios Informes XBRL</a:t>
+            </a:r>
+            <a:r>
+              <a:rPr lang="es-CL" sz="9600" b="1" dirty="0">
+                <a:solidFill>
+                  <a:schemeClr val="tx2"/>
+                </a:solidFill>
+                <a:effectLst>
+                  <a:outerShdw blurRad="31750" dist="25400" dir="5400000" algn="tl" rotWithShape="0">
+                    <a:srgbClr val="000000">
+                      <a:alpha val="25000"/>
+                    </a:srgbClr>
+                  </a:outerShdw>
+                </a:effectLst>
+                <a:latin typeface="Arial Black" pitchFamily="34" charset="0"/>
+                <a:ea typeface="+mj-ea"/>
+                <a:cs typeface="+mj-cs"/>
+              </a:rPr>
+              <a:t/>
+            </a:r>
+            <a:br>
+              <a:rPr lang="es-CL" sz="9600" b="1" dirty="0">
+                <a:solidFill>
+                  <a:schemeClr val="tx2"/>
+                </a:solidFill>
+                <a:effectLst>
+                  <a:outerShdw blurRad="31750" dist="25400" dir="5400000" algn="tl" rotWithShape="0">
+                    <a:srgbClr val="000000">
+                      <a:alpha val="25000"/>
+                    </a:srgbClr>
+                  </a:outerShdw>
+                </a:effectLst>
+                <a:latin typeface="Arial Black" pitchFamily="34" charset="0"/>
+                <a:ea typeface="+mj-ea"/>
+                <a:cs typeface="+mj-cs"/>
+              </a:rPr>
+            </a:br>
+            <a:r>
+              <a:rPr lang="es-CL" sz="11600" b="1" dirty="0">
+                <a:solidFill>
+                  <a:schemeClr val="tx2"/>
+                </a:solidFill>
+                <a:effectLst>
+                  <a:outerShdw blurRad="31750" dist="25400" dir="5400000" algn="tl" rotWithShape="0">
+                    <a:srgbClr val="000000">
+                      <a:alpha val="25000"/>
+                    </a:srgbClr>
+                  </a:outerShdw>
+                </a:effectLst>
+                <a:latin typeface="Arial Black" pitchFamily="34" charset="0"/>
+                <a:ea typeface="+mj-ea"/>
+                <a:cs typeface="+mj-cs"/>
+              </a:rPr>
+              <a:t/>
+            </a:r>
+            <a:br>
+              <a:rPr lang="es-CL" sz="11600" b="1" dirty="0">
+                <a:solidFill>
+                  <a:schemeClr val="tx2"/>
+                </a:solidFill>
+                <a:effectLst>
+                  <a:outerShdw blurRad="31750" dist="25400" dir="5400000" algn="tl" rotWithShape="0">
+                    <a:srgbClr val="000000">
+                      <a:alpha val="25000"/>
+                    </a:srgbClr>
+                  </a:outerShdw>
+                </a:effectLst>
+                <a:latin typeface="Arial Black" pitchFamily="34" charset="0"/>
+                <a:ea typeface="+mj-ea"/>
+                <a:cs typeface="+mj-cs"/>
+              </a:rPr>
+            </a:br>
+            <a:r>
+              <a:rPr lang="es-CL" dirty="0" smtClean="0"/>
+              <a:t>	</a:t>
+            </a:r>
+            <a:endParaRPr lang="es-CL" sz="2300" dirty="0"/>
+          </a:p>
+        </p:txBody>
+      </p:sp>
+      <p:sp>
+        <p:nvSpPr>
+          <p:cNvPr id="4" name="3 Rectángulo"/>
+          <p:cNvSpPr/>
+          <p:nvPr/>
+        </p:nvSpPr>
+        <p:spPr>
+          <a:xfrm>
+            <a:off x="683568" y="1126485"/>
+            <a:ext cx="7992888" cy="1154162"/>
+          </a:xfrm>
+          <a:prstGeom prst="rect">
+            <a:avLst/>
+          </a:prstGeom>
+        </p:spPr>
+        <p:txBody>
+          <a:bodyPr wrap="square">
+            <a:spAutoFit/>
+          </a:bodyPr>
+          <a:lstStyle/>
+          <a:p>
+            <a:r>
+              <a:rPr lang="es-CL" sz="2300" dirty="0" smtClean="0"/>
+              <a:t>	</a:t>
+            </a:r>
+          </a:p>
+          <a:p>
+            <a:r>
+              <a:rPr lang="es-CL" sz="2300" dirty="0" smtClean="0"/>
+              <a:t>Genere y valide sus informes XBRL en base a la información consolidada en </a:t>
+            </a:r>
+            <a:r>
+              <a:rPr lang="es-CL" sz="2300" dirty="0" smtClean="0">
+                <a:effectLst>
+                  <a:outerShdw blurRad="38100" dist="38100" dir="2700000" algn="tl">
+                    <a:srgbClr val="000000">
+                      <a:alpha val="43137"/>
+                    </a:srgbClr>
+                  </a:outerShdw>
+                </a:effectLst>
+              </a:rPr>
+              <a:t>EXFIDA</a:t>
+            </a:r>
+            <a:r>
+              <a:rPr lang="es-CL" sz="2300" dirty="0" smtClean="0"/>
+              <a:t>.</a:t>
+            </a:r>
+            <a:endParaRPr lang="es-CL" sz="2300" dirty="0"/>
           </a:p>
         </p:txBody>
       </p:sp>
       <p:pic>
         <p:nvPicPr>
-          <p:cNvPr id="7" name="Picture 3"/>
+          <p:cNvPr id="7" name="6 Imagen" descr="logo_exfida.png"/>
+          <p:cNvPicPr>
+            <a:picLocks noChangeAspect="1"/>
+          </p:cNvPicPr>
+          <p:nvPr/>
+        </p:nvPicPr>
+        <p:blipFill>
+          <a:blip r:embed="rId4"/>
+          <a:stretch>
+            <a:fillRect/>
+          </a:stretch>
+        </p:blipFill>
+        <p:spPr>
+          <a:xfrm>
+            <a:off x="6572264" y="6072206"/>
+            <a:ext cx="2286015" cy="576253"/>
+          </a:xfrm>
+          <a:prstGeom prst="rect">
+            <a:avLst/>
+          </a:prstGeom>
+        </p:spPr>
+      </p:pic>
+      <p:pic>
+        <p:nvPicPr>
+          <p:cNvPr id="5122" name="Picture 2"/>
           <p:cNvPicPr>
             <a:picLocks noChangeAspect="1" noChangeArrowheads="1"/>
           </p:cNvPicPr>
           <p:nvPr/>
         </p:nvPicPr>
         <p:blipFill>
-          <a:blip r:embed="rId3"/>
-          <a:srcRect/>
+          <a:blip r:embed="rId5"/>
+          <a:srcRect r="14583" b="17781"/>
           <a:stretch>
             <a:fillRect/>
           </a:stretch>
         </p:blipFill>
         <p:spPr bwMode="auto">
           <a:xfrm>
-            <a:off x="467544" y="1732158"/>
-            <a:ext cx="8290975" cy="3929090"/>
+            <a:off x="785786" y="2357430"/>
+            <a:ext cx="5857916" cy="3384239"/>
           </a:xfrm>
           <a:prstGeom prst="rect">
             <a:avLst/>
@@ -7528,31 +7569,12 @@
           </a:effectLst>
         </p:spPr>
       </p:pic>
-      <p:pic>
-        <p:nvPicPr>
-          <p:cNvPr id="6" name="5 Imagen" descr="logo_exfida.png"/>
-          <p:cNvPicPr>
-            <a:picLocks noChangeAspect="1"/>
-          </p:cNvPicPr>
-          <p:nvPr/>
-        </p:nvPicPr>
-        <p:blipFill>
-          <a:blip r:embed="rId4"/>
-          <a:stretch>
-            <a:fillRect/>
-          </a:stretch>
-        </p:blipFill>
-        <p:spPr>
-          <a:xfrm>
-            <a:off x="6572264" y="6072206"/>
-            <a:ext cx="2286015" cy="576253"/>
-          </a:xfrm>
-          <a:prstGeom prst="rect">
-            <a:avLst/>
-          </a:prstGeom>
-        </p:spPr>
-      </p:pic>
     </p:spTree>
+    <p:extLst>
+      <p:ext uri="{BB962C8B-B14F-4D97-AF65-F5344CB8AC3E}">
+        <p14:creationId xmlns:p14="http://schemas.microsoft.com/office/powerpoint/2010/main" xmlns="" val="2482610731"/>
+      </p:ext>
+    </p:extLst>
   </p:cSld>
   <p:clrMapOvr>
     <a:masterClrMapping/>
@@ -7811,6 +7833,650 @@
       </p:grpSpPr>
       <p:pic>
         <p:nvPicPr>
+          <p:cNvPr id="7" name="6 Imagen" descr="logo_exfida.png"/>
+          <p:cNvPicPr>
+            <a:picLocks noChangeAspect="1"/>
+          </p:cNvPicPr>
+          <p:nvPr/>
+        </p:nvPicPr>
+        <p:blipFill>
+          <a:blip r:embed="rId2"/>
+          <a:stretch>
+            <a:fillRect/>
+          </a:stretch>
+        </p:blipFill>
+        <p:spPr>
+          <a:xfrm>
+            <a:off x="6572264" y="6072206"/>
+            <a:ext cx="2286015" cy="576253"/>
+          </a:xfrm>
+          <a:prstGeom prst="rect">
+            <a:avLst/>
+          </a:prstGeom>
+        </p:spPr>
+      </p:pic>
+      <p:pic>
+        <p:nvPicPr>
+          <p:cNvPr id="6" name="5 Imagen" descr="logo_top_byte.gif"/>
+          <p:cNvPicPr>
+            <a:picLocks noChangeAspect="1"/>
+          </p:cNvPicPr>
+          <p:nvPr/>
+        </p:nvPicPr>
+        <p:blipFill>
+          <a:blip r:embed="rId3">
+            <a:duotone>
+              <a:schemeClr val="bg2">
+                <a:shade val="45000"/>
+                <a:satMod val="135000"/>
+              </a:schemeClr>
+              <a:prstClr val="white"/>
+            </a:duotone>
+          </a:blip>
+          <a:stretch>
+            <a:fillRect/>
+          </a:stretch>
+        </p:blipFill>
+        <p:spPr>
+          <a:xfrm>
+            <a:off x="7572396" y="357166"/>
+            <a:ext cx="971550" cy="971550"/>
+          </a:xfrm>
+          <a:prstGeom prst="rect">
+            <a:avLst/>
+          </a:prstGeom>
+          <a:noFill/>
+          <a:ln>
+            <a:noFill/>
+          </a:ln>
+        </p:spPr>
+      </p:pic>
+      <p:sp>
+        <p:nvSpPr>
+          <p:cNvPr id="2" name="1 Marcador de contenido"/>
+          <p:cNvSpPr>
+            <a:spLocks noGrp="1"/>
+          </p:cNvSpPr>
+          <p:nvPr>
+            <p:ph idx="1"/>
+          </p:nvPr>
+        </p:nvSpPr>
+        <p:spPr>
+          <a:xfrm>
+            <a:off x="428596" y="428604"/>
+            <a:ext cx="8229600" cy="414337"/>
+          </a:xfrm>
+        </p:spPr>
+        <p:txBody>
+          <a:bodyPr>
+            <a:normAutofit fontScale="25000" lnSpcReduction="20000"/>
+          </a:bodyPr>
+          <a:lstStyle/>
+          <a:p>
+            <a:pPr marL="109728" indent="0">
+              <a:buNone/>
+            </a:pPr>
+            <a:r>
+              <a:rPr lang="es-CL" sz="9600" b="1" dirty="0">
+                <a:solidFill>
+                  <a:schemeClr val="tx2"/>
+                </a:solidFill>
+                <a:effectLst>
+                  <a:outerShdw blurRad="31750" dist="25400" dir="5400000" algn="tl" rotWithShape="0">
+                    <a:srgbClr val="000000">
+                      <a:alpha val="25000"/>
+                    </a:srgbClr>
+                  </a:outerShdw>
+                </a:effectLst>
+                <a:latin typeface="Arial Black" pitchFamily="34" charset="0"/>
+                <a:ea typeface="+mj-ea"/>
+                <a:cs typeface="+mj-cs"/>
+              </a:rPr>
+              <a:t>Reportes &gt;</a:t>
+            </a:r>
+            <a:br>
+              <a:rPr lang="es-CL" sz="9600" b="1" dirty="0">
+                <a:solidFill>
+                  <a:schemeClr val="tx2"/>
+                </a:solidFill>
+                <a:effectLst>
+                  <a:outerShdw blurRad="31750" dist="25400" dir="5400000" algn="tl" rotWithShape="0">
+                    <a:srgbClr val="000000">
+                      <a:alpha val="25000"/>
+                    </a:srgbClr>
+                  </a:outerShdw>
+                </a:effectLst>
+                <a:latin typeface="Arial Black" pitchFamily="34" charset="0"/>
+                <a:ea typeface="+mj-ea"/>
+                <a:cs typeface="+mj-cs"/>
+              </a:rPr>
+            </a:br>
+            <a:r>
+              <a:rPr lang="es-CL" dirty="0" smtClean="0"/>
+              <a:t/>
+            </a:r>
+            <a:br>
+              <a:rPr lang="es-CL" dirty="0" smtClean="0"/>
+            </a:br>
+            <a:endParaRPr lang="es-CL" dirty="0" smtClean="0"/>
+          </a:p>
+        </p:txBody>
+      </p:sp>
+      <p:pic>
+        <p:nvPicPr>
+          <p:cNvPr id="3075" name="Picture 3"/>
+          <p:cNvPicPr>
+            <a:picLocks noChangeAspect="1" noChangeArrowheads="1"/>
+          </p:cNvPicPr>
+          <p:nvPr/>
+        </p:nvPicPr>
+        <p:blipFill>
+          <a:blip r:embed="rId4"/>
+          <a:srcRect/>
+          <a:stretch>
+            <a:fillRect/>
+          </a:stretch>
+        </p:blipFill>
+        <p:spPr bwMode="auto">
+          <a:xfrm>
+            <a:off x="2071670" y="3429000"/>
+            <a:ext cx="5592114" cy="2472304"/>
+          </a:xfrm>
+          <a:prstGeom prst="rect">
+            <a:avLst/>
+          </a:prstGeom>
+          <a:ln>
+            <a:noFill/>
+          </a:ln>
+          <a:effectLst>
+            <a:outerShdw blurRad="292100" dist="139700" dir="2700000" algn="tl" rotWithShape="0">
+              <a:srgbClr val="333333">
+                <a:alpha val="65000"/>
+              </a:srgbClr>
+            </a:outerShdw>
+          </a:effectLst>
+        </p:spPr>
+      </p:pic>
+      <p:sp>
+        <p:nvSpPr>
+          <p:cNvPr id="3" name="2 Rectángulo"/>
+          <p:cNvSpPr/>
+          <p:nvPr/>
+        </p:nvSpPr>
+        <p:spPr>
+          <a:xfrm>
+            <a:off x="611560" y="1052736"/>
+            <a:ext cx="7932386" cy="2241639"/>
+          </a:xfrm>
+          <a:prstGeom prst="rect">
+            <a:avLst/>
+          </a:prstGeom>
+        </p:spPr>
+        <p:txBody>
+          <a:bodyPr wrap="square">
+            <a:spAutoFit/>
+          </a:bodyPr>
+          <a:lstStyle/>
+          <a:p>
+            <a:r>
+              <a:rPr lang="es-CL" sz="2300" b="1" dirty="0" smtClean="0"/>
+              <a:t>	</a:t>
+            </a:r>
+          </a:p>
+          <a:p>
+            <a:r>
+              <a:rPr lang="es-CL" sz="2400" dirty="0">
+                <a:solidFill>
+                  <a:schemeClr val="tx2">
+                    <a:lumMod val="75000"/>
+                  </a:schemeClr>
+                </a:solidFill>
+                <a:effectLst>
+                  <a:outerShdw blurRad="38100" dist="38100" dir="2700000" algn="tl">
+                    <a:srgbClr val="000000">
+                      <a:alpha val="43137"/>
+                    </a:srgbClr>
+                  </a:outerShdw>
+                </a:effectLst>
+              </a:rPr>
+              <a:t>EXFIDA</a:t>
+            </a:r>
+            <a:r>
+              <a:rPr lang="es-CL" sz="2300" dirty="0" smtClean="0"/>
+              <a:t> provee reportes de su información de Revelaciones para evitar impresiones innecesarias.</a:t>
+            </a:r>
+            <a:br>
+              <a:rPr lang="es-CL" sz="2300" dirty="0" smtClean="0"/>
+            </a:br>
+            <a:endParaRPr lang="es-CL" sz="2300" dirty="0"/>
+          </a:p>
+          <a:p>
+            <a:pPr marL="859536" lvl="2" indent="-228600" algn="just">
+              <a:spcBef>
+                <a:spcPts val="350"/>
+              </a:spcBef>
+              <a:buClr>
+                <a:schemeClr val="accent2"/>
+              </a:buClr>
+              <a:buSzPct val="100000"/>
+              <a:buFont typeface="Wingdings 2"/>
+              <a:buChar char=""/>
+            </a:pPr>
+            <a:r>
+              <a:rPr lang="es-CL" sz="2000" dirty="0"/>
+              <a:t>Consolidado de Revelaciones en MS Word.</a:t>
+            </a:r>
+          </a:p>
+          <a:p>
+            <a:pPr marL="859536" lvl="2" indent="-228600" algn="just">
+              <a:spcBef>
+                <a:spcPts val="350"/>
+              </a:spcBef>
+              <a:buClr>
+                <a:schemeClr val="accent2"/>
+              </a:buClr>
+              <a:buSzPct val="100000"/>
+              <a:buFont typeface="Wingdings 2"/>
+              <a:buChar char=""/>
+            </a:pPr>
+            <a:r>
+              <a:rPr lang="es-CL" sz="2000" dirty="0"/>
+              <a:t>Revelaciones en Formato MS Excel.</a:t>
+            </a:r>
+          </a:p>
+        </p:txBody>
+      </p:sp>
+    </p:spTree>
+  </p:cSld>
+  <p:clrMapOvr>
+    <a:masterClrMapping/>
+  </p:clrMapOvr>
+  <p:transition spd="slow">
+    <p:fade/>
+  </p:transition>
+  <p:timing>
+    <p:tnLst>
+      <p:par>
+        <p:cTn id="1" dur="indefinite" restart="never" nodeType="tmRoot"/>
+      </p:par>
+    </p:tnLst>
+  </p:timing>
+</p:sld>
+</file>
+
+<file path=ppt/slides/slide21.xml><?xml version="1.0" encoding="utf-8"?>
+<p:sld xmlns:a="http://schemas.openxmlformats.org/drawingml/2006/main" xmlns:r="http://schemas.openxmlformats.org/officeDocument/2006/relationships" xmlns:p="http://schemas.openxmlformats.org/presentationml/2006/main">
+  <p:cSld>
+    <p:spTree>
+      <p:nvGrpSpPr>
+        <p:cNvPr id="1" name=""/>
+        <p:cNvGrpSpPr/>
+        <p:nvPr/>
+      </p:nvGrpSpPr>
+      <p:grpSpPr>
+        <a:xfrm>
+          <a:off x="0" y="0"/>
+          <a:ext cx="0" cy="0"/>
+          <a:chOff x="0" y="0"/>
+          <a:chExt cx="0" cy="0"/>
+        </a:xfrm>
+      </p:grpSpPr>
+      <p:pic>
+        <p:nvPicPr>
+          <p:cNvPr id="8" name="7 Imagen" descr="logo_top_byte.gif"/>
+          <p:cNvPicPr>
+            <a:picLocks noChangeAspect="1"/>
+          </p:cNvPicPr>
+          <p:nvPr/>
+        </p:nvPicPr>
+        <p:blipFill>
+          <a:blip r:embed="rId2">
+            <a:duotone>
+              <a:schemeClr val="bg2">
+                <a:shade val="45000"/>
+                <a:satMod val="135000"/>
+              </a:schemeClr>
+              <a:prstClr val="white"/>
+            </a:duotone>
+          </a:blip>
+          <a:stretch>
+            <a:fillRect/>
+          </a:stretch>
+        </p:blipFill>
+        <p:spPr>
+          <a:xfrm>
+            <a:off x="7572396" y="357166"/>
+            <a:ext cx="971550" cy="971550"/>
+          </a:xfrm>
+          <a:prstGeom prst="rect">
+            <a:avLst/>
+          </a:prstGeom>
+        </p:spPr>
+      </p:pic>
+      <p:sp>
+        <p:nvSpPr>
+          <p:cNvPr id="2" name="1 Marcador de contenido"/>
+          <p:cNvSpPr>
+            <a:spLocks noGrp="1"/>
+          </p:cNvSpPr>
+          <p:nvPr>
+            <p:ph idx="1"/>
+          </p:nvPr>
+        </p:nvSpPr>
+        <p:spPr>
+          <a:xfrm>
+            <a:off x="428596" y="500042"/>
+            <a:ext cx="8229600" cy="5286412"/>
+          </a:xfrm>
+        </p:spPr>
+        <p:txBody>
+          <a:bodyPr>
+            <a:normAutofit/>
+          </a:bodyPr>
+          <a:lstStyle/>
+          <a:p>
+            <a:pPr marL="130175" lvl="2" indent="0">
+              <a:buNone/>
+            </a:pPr>
+            <a:r>
+              <a:rPr lang="es-CL" sz="2400" b="1" dirty="0">
+                <a:solidFill>
+                  <a:schemeClr val="tx2"/>
+                </a:solidFill>
+                <a:effectLst>
+                  <a:outerShdw blurRad="31750" dist="25400" dir="5400000" algn="tl" rotWithShape="0">
+                    <a:srgbClr val="000000">
+                      <a:alpha val="25000"/>
+                    </a:srgbClr>
+                  </a:outerShdw>
+                </a:effectLst>
+                <a:latin typeface="Arial Black" pitchFamily="34" charset="0"/>
+                <a:ea typeface="+mj-ea"/>
+                <a:cs typeface="+mj-cs"/>
+              </a:rPr>
+              <a:t>Reportes &gt; Consolidado de </a:t>
+            </a:r>
+            <a:r>
+              <a:rPr lang="es-CL" sz="2400" b="1" dirty="0" smtClean="0">
+                <a:solidFill>
+                  <a:schemeClr val="tx2"/>
+                </a:solidFill>
+                <a:effectLst>
+                  <a:outerShdw blurRad="31750" dist="25400" dir="5400000" algn="tl" rotWithShape="0">
+                    <a:srgbClr val="000000">
+                      <a:alpha val="25000"/>
+                    </a:srgbClr>
+                  </a:outerShdw>
+                </a:effectLst>
+                <a:latin typeface="Arial Black" pitchFamily="34" charset="0"/>
+                <a:ea typeface="+mj-ea"/>
+                <a:cs typeface="+mj-cs"/>
+              </a:rPr>
+              <a:t>Reve</a:t>
+            </a:r>
+            <a:r>
+              <a:rPr lang="es-CL" sz="2400" b="1" dirty="0" smtClean="0">
+                <a:solidFill>
+                  <a:schemeClr val="tx2"/>
+                </a:solidFill>
+                <a:effectLst>
+                  <a:outerShdw blurRad="31750" dist="25400" dir="5400000" algn="tl" rotWithShape="0">
+                    <a:srgbClr val="000000">
+                      <a:alpha val="25000"/>
+                    </a:srgbClr>
+                  </a:outerShdw>
+                </a:effectLst>
+                <a:latin typeface="Arial Black" pitchFamily="34" charset="0"/>
+                <a:ea typeface="+mj-ea"/>
+                <a:cs typeface="+mj-cs"/>
+              </a:rPr>
+              <a:t>laciones</a:t>
+            </a:r>
+            <a:r>
+              <a:rPr lang="es-CL" sz="2400" b="1" dirty="0" smtClean="0">
+                <a:solidFill>
+                  <a:schemeClr val="tx2"/>
+                </a:solidFill>
+                <a:effectLst>
+                  <a:outerShdw blurRad="31750" dist="25400" dir="5400000" algn="tl" rotWithShape="0">
+                    <a:srgbClr val="000000">
+                      <a:alpha val="25000"/>
+                    </a:srgbClr>
+                  </a:outerShdw>
+                </a:effectLst>
+                <a:latin typeface="Arial Black" pitchFamily="34" charset="0"/>
+                <a:ea typeface="+mj-ea"/>
+                <a:cs typeface="+mj-cs"/>
+              </a:rPr>
+              <a:t/>
+            </a:r>
+            <a:br>
+              <a:rPr lang="es-CL" sz="2400" b="1" dirty="0" smtClean="0">
+                <a:solidFill>
+                  <a:schemeClr val="tx2"/>
+                </a:solidFill>
+                <a:effectLst>
+                  <a:outerShdw blurRad="31750" dist="25400" dir="5400000" algn="tl" rotWithShape="0">
+                    <a:srgbClr val="000000">
+                      <a:alpha val="25000"/>
+                    </a:srgbClr>
+                  </a:outerShdw>
+                </a:effectLst>
+                <a:latin typeface="Arial Black" pitchFamily="34" charset="0"/>
+                <a:ea typeface="+mj-ea"/>
+                <a:cs typeface="+mj-cs"/>
+              </a:rPr>
+            </a:br>
+            <a:r>
+              <a:rPr lang="es-CL" sz="2400" b="1" dirty="0" smtClean="0">
+                <a:solidFill>
+                  <a:schemeClr val="tx2"/>
+                </a:solidFill>
+                <a:effectLst>
+                  <a:outerShdw blurRad="31750" dist="25400" dir="5400000" algn="tl" rotWithShape="0">
+                    <a:srgbClr val="000000">
+                      <a:alpha val="25000"/>
+                    </a:srgbClr>
+                  </a:outerShdw>
+                </a:effectLst>
+                <a:latin typeface="Arial Black" pitchFamily="34" charset="0"/>
+                <a:ea typeface="+mj-ea"/>
+                <a:cs typeface="+mj-cs"/>
+              </a:rPr>
+              <a:t>en </a:t>
+            </a:r>
+            <a:r>
+              <a:rPr lang="es-CL" sz="2400" b="1" dirty="0">
+                <a:solidFill>
+                  <a:schemeClr val="tx2"/>
+                </a:solidFill>
+                <a:effectLst>
+                  <a:outerShdw blurRad="31750" dist="25400" dir="5400000" algn="tl" rotWithShape="0">
+                    <a:srgbClr val="000000">
+                      <a:alpha val="25000"/>
+                    </a:srgbClr>
+                  </a:outerShdw>
+                </a:effectLst>
+                <a:latin typeface="Arial Black" pitchFamily="34" charset="0"/>
+                <a:ea typeface="+mj-ea"/>
+                <a:cs typeface="+mj-cs"/>
+              </a:rPr>
+              <a:t>MS </a:t>
+            </a:r>
+            <a:r>
+              <a:rPr lang="es-CL" sz="2400" b="1" dirty="0" smtClean="0">
+                <a:solidFill>
+                  <a:schemeClr val="tx2"/>
+                </a:solidFill>
+                <a:effectLst>
+                  <a:outerShdw blurRad="31750" dist="25400" dir="5400000" algn="tl" rotWithShape="0">
+                    <a:srgbClr val="000000">
+                      <a:alpha val="25000"/>
+                    </a:srgbClr>
+                  </a:outerShdw>
+                </a:effectLst>
+                <a:latin typeface="Arial Black" pitchFamily="34" charset="0"/>
+                <a:ea typeface="+mj-ea"/>
+                <a:cs typeface="+mj-cs"/>
+              </a:rPr>
+              <a:t>Word </a:t>
+            </a:r>
+            <a:r>
+              <a:rPr lang="es-CL" sz="2400" b="1" dirty="0" smtClean="0">
+                <a:solidFill>
+                  <a:schemeClr val="tx2"/>
+                </a:solidFill>
+                <a:effectLst>
+                  <a:outerShdw blurRad="31750" dist="25400" dir="5400000" algn="tl" rotWithShape="0">
+                    <a:srgbClr val="000000">
+                      <a:alpha val="25000"/>
+                    </a:srgbClr>
+                  </a:outerShdw>
+                </a:effectLst>
+                <a:latin typeface="Arial Black" pitchFamily="34" charset="0"/>
+                <a:ea typeface="+mj-ea"/>
+                <a:cs typeface="+mj-cs"/>
+              </a:rPr>
+              <a:t>para impresión de FECU.&gt;</a:t>
+            </a:r>
+            <a:endParaRPr lang="es-CL" sz="2400" b="1" dirty="0">
+              <a:solidFill>
+                <a:schemeClr val="tx2"/>
+              </a:solidFill>
+              <a:effectLst>
+                <a:outerShdw blurRad="31750" dist="25400" dir="5400000" algn="tl" rotWithShape="0">
+                  <a:srgbClr val="000000">
+                    <a:alpha val="25000"/>
+                  </a:srgbClr>
+                </a:outerShdw>
+              </a:effectLst>
+              <a:latin typeface="Arial Black" pitchFamily="34" charset="0"/>
+              <a:ea typeface="+mj-ea"/>
+              <a:cs typeface="+mj-cs"/>
+            </a:endParaRPr>
+          </a:p>
+        </p:txBody>
+      </p:sp>
+      <p:pic>
+        <p:nvPicPr>
+          <p:cNvPr id="7" name="Picture 3"/>
+          <p:cNvPicPr>
+            <a:picLocks noChangeAspect="1" noChangeArrowheads="1"/>
+          </p:cNvPicPr>
+          <p:nvPr/>
+        </p:nvPicPr>
+        <p:blipFill>
+          <a:blip r:embed="rId3"/>
+          <a:srcRect/>
+          <a:stretch>
+            <a:fillRect/>
+          </a:stretch>
+        </p:blipFill>
+        <p:spPr bwMode="auto">
+          <a:xfrm>
+            <a:off x="467544" y="1732158"/>
+            <a:ext cx="8290975" cy="3929090"/>
+          </a:xfrm>
+          <a:prstGeom prst="rect">
+            <a:avLst/>
+          </a:prstGeom>
+          <a:ln>
+            <a:noFill/>
+          </a:ln>
+          <a:effectLst>
+            <a:outerShdw blurRad="292100" dist="139700" dir="2700000" algn="tl" rotWithShape="0">
+              <a:srgbClr val="333333">
+                <a:alpha val="65000"/>
+              </a:srgbClr>
+            </a:outerShdw>
+          </a:effectLst>
+        </p:spPr>
+      </p:pic>
+      <p:pic>
+        <p:nvPicPr>
+          <p:cNvPr id="6" name="5 Imagen" descr="logo_exfida.png"/>
+          <p:cNvPicPr>
+            <a:picLocks noChangeAspect="1"/>
+          </p:cNvPicPr>
+          <p:nvPr/>
+        </p:nvPicPr>
+        <p:blipFill>
+          <a:blip r:embed="rId4"/>
+          <a:stretch>
+            <a:fillRect/>
+          </a:stretch>
+        </p:blipFill>
+        <p:spPr>
+          <a:xfrm>
+            <a:off x="6572264" y="6072206"/>
+            <a:ext cx="2286015" cy="576253"/>
+          </a:xfrm>
+          <a:prstGeom prst="rect">
+            <a:avLst/>
+          </a:prstGeom>
+        </p:spPr>
+      </p:pic>
+      <p:pic>
+        <p:nvPicPr>
+          <p:cNvPr id="9" name="8 Imagen" descr="logo_exfida.png"/>
+          <p:cNvPicPr>
+            <a:picLocks noChangeAspect="1"/>
+          </p:cNvPicPr>
+          <p:nvPr/>
+        </p:nvPicPr>
+        <p:blipFill>
+          <a:blip r:embed="rId4"/>
+          <a:stretch>
+            <a:fillRect/>
+          </a:stretch>
+        </p:blipFill>
+        <p:spPr>
+          <a:xfrm>
+            <a:off x="928662" y="3143248"/>
+            <a:ext cx="1214445" cy="306134"/>
+          </a:xfrm>
+          <a:prstGeom prst="rect">
+            <a:avLst/>
+          </a:prstGeom>
+        </p:spPr>
+      </p:pic>
+    </p:spTree>
+  </p:cSld>
+  <p:clrMapOvr>
+    <a:masterClrMapping/>
+  </p:clrMapOvr>
+  <p:transition spd="slow">
+    <p:fade/>
+  </p:transition>
+  <p:timing>
+    <p:tnLst>
+      <p:par>
+        <p:cTn id="1" dur="indefinite" restart="never" nodeType="tmRoot"/>
+      </p:par>
+    </p:tnLst>
+  </p:timing>
+</p:sld>
+</file>
+
+<file path=ppt/slides/slide22.xml><?xml version="1.0" encoding="utf-8"?>
+<p:sld xmlns:a="http://schemas.openxmlformats.org/drawingml/2006/main" xmlns:r="http://schemas.openxmlformats.org/officeDocument/2006/relationships" xmlns:p="http://schemas.openxmlformats.org/presentationml/2006/main">
+  <p:cSld>
+    <p:spTree>
+      <p:nvGrpSpPr>
+        <p:cNvPr id="1" name=""/>
+        <p:cNvGrpSpPr/>
+        <p:nvPr/>
+      </p:nvGrpSpPr>
+      <p:grpSpPr>
+        <a:xfrm>
+          <a:off x="0" y="0"/>
+          <a:ext cx="0" cy="0"/>
+          <a:chOff x="0" y="0"/>
+          <a:chExt cx="0" cy="0"/>
+        </a:xfrm>
+      </p:grpSpPr>
+      <p:pic>
+        <p:nvPicPr>
           <p:cNvPr id="5" name="4 Imagen" descr="logo_top_byte.gif"/>
           <p:cNvPicPr>
             <a:picLocks noChangeAspect="1"/>
@@ -7882,41 +8548,8 @@
                 <a:ea typeface="+mj-ea"/>
                 <a:cs typeface="+mj-cs"/>
               </a:rPr>
-              <a:t>Reportes</a:t>
-            </a:r>
-            <a:r>
-              <a:rPr lang="es-CL" sz="2800" b="1" dirty="0">
-                <a:solidFill>
-                  <a:schemeClr val="tx2"/>
-                </a:solidFill>
-                <a:effectLst>
-                  <a:outerShdw blurRad="31750" dist="25400" dir="5400000" algn="tl" rotWithShape="0">
-                    <a:srgbClr val="000000">
-                      <a:alpha val="25000"/>
-                    </a:srgbClr>
-                  </a:outerShdw>
-                </a:effectLst>
-                <a:latin typeface="Arial Black" pitchFamily="34" charset="0"/>
-                <a:ea typeface="+mj-ea"/>
-                <a:cs typeface="+mj-cs"/>
-              </a:rPr>
-              <a:t> &gt; RF en Formato MS Excel &gt;</a:t>
-            </a:r>
-            <a:endParaRPr lang="es-CL" sz="2900" b="1" dirty="0">
-              <a:solidFill>
-                <a:schemeClr val="tx2"/>
-              </a:solidFill>
-              <a:effectLst>
-                <a:outerShdw blurRad="31750" dist="25400" dir="5400000" algn="tl" rotWithShape="0">
-                  <a:srgbClr val="000000">
-                    <a:alpha val="25000"/>
-                  </a:srgbClr>
-                </a:outerShdw>
-              </a:effectLst>
-              <a:latin typeface="Arial Black" pitchFamily="34" charset="0"/>
-              <a:ea typeface="+mj-ea"/>
-              <a:cs typeface="+mj-cs"/>
-            </a:endParaRPr>
+              <a:t>Reportes &gt; RF en Formato MS Excel &gt;</a:t>
+            </a:r>
           </a:p>
         </p:txBody>
       </p:sp>
@@ -7997,7 +8630,7 @@
 </p:sld>
 </file>
 
-<file path=ppt/slides/slide21.xml><?xml version="1.0" encoding="utf-8"?>
+<file path=ppt/slides/slide23.xml><?xml version="1.0" encoding="utf-8"?>
 <p:sld xmlns:a="http://schemas.openxmlformats.org/drawingml/2006/main" xmlns:r="http://schemas.openxmlformats.org/officeDocument/2006/relationships" xmlns:p="http://schemas.openxmlformats.org/presentationml/2006/main">
   <p:cSld>
     <p:spTree>
@@ -8135,16 +8768,120 @@
           </a:p>
         </p:txBody>
       </p:sp>
+      <p:sp>
+        <p:nvSpPr>
+          <p:cNvPr id="3" name="2 Rectángulo"/>
+          <p:cNvSpPr/>
+          <p:nvPr/>
+        </p:nvSpPr>
+        <p:spPr>
+          <a:xfrm>
+            <a:off x="-36512" y="1052736"/>
+            <a:ext cx="7992888" cy="759182"/>
+          </a:xfrm>
+          <a:prstGeom prst="rect">
+            <a:avLst/>
+          </a:prstGeom>
+        </p:spPr>
+        <p:txBody>
+          <a:bodyPr wrap="square">
+            <a:spAutoFit/>
+          </a:bodyPr>
+          <a:lstStyle/>
+          <a:p>
+            <a:pPr marL="859536" lvl="2" indent="-228600" algn="just">
+              <a:spcBef>
+                <a:spcPts val="350"/>
+              </a:spcBef>
+              <a:buClr>
+                <a:schemeClr val="accent2"/>
+              </a:buClr>
+              <a:buSzPct val="100000"/>
+              <a:buFont typeface="Wingdings 2"/>
+              <a:buChar char=""/>
+            </a:pPr>
+            <a:r>
+              <a:rPr lang="es-CL" sz="2000" dirty="0"/>
+              <a:t>Administre </a:t>
+            </a:r>
+            <a:r>
+              <a:rPr lang="es-CL" sz="2000" dirty="0" smtClean="0"/>
+              <a:t>sus Usuarios</a:t>
+            </a:r>
+            <a:r>
+              <a:rPr lang="es-CL" sz="2000" dirty="0"/>
+              <a:t>, </a:t>
+            </a:r>
+            <a:r>
+              <a:rPr lang="es-CL" sz="2000" dirty="0" smtClean="0"/>
+              <a:t>Grupos </a:t>
+            </a:r>
+            <a:r>
+              <a:rPr lang="es-CL" sz="2000" dirty="0"/>
+              <a:t>y </a:t>
+            </a:r>
+            <a:r>
+              <a:rPr lang="es-CL" sz="2000" dirty="0" smtClean="0"/>
+              <a:t>Empresas</a:t>
+            </a:r>
+            <a:r>
+              <a:rPr lang="es-CL" sz="2000" dirty="0"/>
+              <a:t>.</a:t>
+            </a:r>
+          </a:p>
+          <a:p>
+            <a:pPr marL="859536" lvl="2" indent="-228600" algn="just">
+              <a:spcBef>
+                <a:spcPts val="350"/>
+              </a:spcBef>
+              <a:buClr>
+                <a:schemeClr val="accent2"/>
+              </a:buClr>
+              <a:buSzPct val="100000"/>
+              <a:buFont typeface="Wingdings 2"/>
+              <a:buChar char=""/>
+            </a:pPr>
+            <a:r>
+              <a:rPr lang="es-CL" sz="2000" dirty="0"/>
+              <a:t>Permita accesos y bloqueo de sistema.</a:t>
+            </a:r>
+          </a:p>
+        </p:txBody>
+      </p:sp>
       <p:pic>
         <p:nvPicPr>
-          <p:cNvPr id="2051" name="Picture 3"/>
+          <p:cNvPr id="7" name="6 Imagen" descr="logo_exfida.png"/>
+          <p:cNvPicPr>
+            <a:picLocks noChangeAspect="1"/>
+          </p:cNvPicPr>
+          <p:nvPr/>
+        </p:nvPicPr>
+        <p:blipFill>
+          <a:blip r:embed="rId3"/>
+          <a:stretch>
+            <a:fillRect/>
+          </a:stretch>
+        </p:blipFill>
+        <p:spPr>
+          <a:xfrm>
+            <a:off x="6572264" y="6072206"/>
+            <a:ext cx="2286015" cy="576253"/>
+          </a:xfrm>
+          <a:prstGeom prst="rect">
+            <a:avLst/>
+          </a:prstGeom>
+        </p:spPr>
+      </p:pic>
+      <p:pic>
+        <p:nvPicPr>
+          <p:cNvPr id="4098" name="Picture 2"/>
           <p:cNvPicPr>
             <a:picLocks noChangeAspect="1" noChangeArrowheads="1"/>
           </p:cNvPicPr>
           <p:nvPr/>
         </p:nvPicPr>
         <p:blipFill>
-          <a:blip r:embed="rId3"/>
+          <a:blip r:embed="rId4"/>
           <a:srcRect/>
           <a:stretch>
             <a:fillRect/>
@@ -8152,8 +8889,8 @@
         </p:blipFill>
         <p:spPr bwMode="auto">
           <a:xfrm>
-            <a:off x="1792908" y="2132856"/>
-            <a:ext cx="5475333" cy="2896589"/>
+            <a:off x="1285852" y="1999628"/>
+            <a:ext cx="6572296" cy="3715388"/>
           </a:xfrm>
           <a:prstGeom prst="rect">
             <a:avLst/>
@@ -8168,110 +8905,6 @@
               </a:srgbClr>
             </a:outerShdw>
           </a:effectLst>
-        </p:spPr>
-      </p:pic>
-      <p:sp>
-        <p:nvSpPr>
-          <p:cNvPr id="3" name="2 Rectángulo"/>
-          <p:cNvSpPr/>
-          <p:nvPr/>
-        </p:nvSpPr>
-        <p:spPr>
-          <a:xfrm>
-            <a:off x="-36512" y="1052736"/>
-            <a:ext cx="7992888" cy="759182"/>
-          </a:xfrm>
-          <a:prstGeom prst="rect">
-            <a:avLst/>
-          </a:prstGeom>
-        </p:spPr>
-        <p:txBody>
-          <a:bodyPr wrap="square">
-            <a:spAutoFit/>
-          </a:bodyPr>
-          <a:lstStyle/>
-          <a:p>
-            <a:pPr marL="859536" lvl="2" indent="-228600" algn="just">
-              <a:spcBef>
-                <a:spcPts val="350"/>
-              </a:spcBef>
-              <a:buClr>
-                <a:schemeClr val="accent2"/>
-              </a:buClr>
-              <a:buSzPct val="100000"/>
-              <a:buFont typeface="Wingdings 2"/>
-              <a:buChar char=""/>
-            </a:pPr>
-            <a:r>
-              <a:rPr lang="es-CL" sz="2000" dirty="0"/>
-              <a:t>Administre </a:t>
-            </a:r>
-            <a:r>
-              <a:rPr lang="es-CL" sz="2000" dirty="0" smtClean="0"/>
-              <a:t>sus Usuarios</a:t>
-            </a:r>
-            <a:r>
-              <a:rPr lang="es-CL" sz="2000" dirty="0"/>
-              <a:t>, </a:t>
-            </a:r>
-            <a:r>
-              <a:rPr lang="es-CL" sz="2000" dirty="0" smtClean="0"/>
-              <a:t>Grupos </a:t>
-            </a:r>
-            <a:r>
-              <a:rPr lang="es-CL" sz="2000" dirty="0"/>
-              <a:t>y </a:t>
-            </a:r>
-            <a:r>
-              <a:rPr lang="es-CL" sz="2000" dirty="0" smtClean="0"/>
-              <a:t>Empresas</a:t>
-            </a:r>
-            <a:r>
-              <a:rPr lang="es-CL" sz="2000" dirty="0"/>
-              <a:t>.</a:t>
-            </a:r>
-          </a:p>
-          <a:p>
-            <a:pPr marL="859536" lvl="2" indent="-228600" algn="just">
-              <a:spcBef>
-                <a:spcPts val="350"/>
-              </a:spcBef>
-              <a:buClr>
-                <a:schemeClr val="accent2"/>
-              </a:buClr>
-              <a:buSzPct val="100000"/>
-              <a:buFont typeface="Wingdings 2"/>
-              <a:buChar char=""/>
-            </a:pPr>
-            <a:r>
-              <a:rPr lang="es-CL" sz="2000" dirty="0"/>
-              <a:t>Permita accesos y bloqueo de sistema.</a:t>
-            </a:r>
-          </a:p>
-        </p:txBody>
-      </p:sp>
-      <p:pic>
-        <p:nvPicPr>
-          <p:cNvPr id="7" name="6 Imagen" descr="logo_exfida.png"/>
-          <p:cNvPicPr>
-            <a:picLocks noChangeAspect="1"/>
-          </p:cNvPicPr>
-          <p:nvPr/>
-        </p:nvPicPr>
-        <p:blipFill>
-          <a:blip r:embed="rId4"/>
-          <a:stretch>
-            <a:fillRect/>
-          </a:stretch>
-        </p:blipFill>
-        <p:spPr>
-          <a:xfrm>
-            <a:off x="6572264" y="6072206"/>
-            <a:ext cx="2286015" cy="576253"/>
-          </a:xfrm>
-          <a:prstGeom prst="rect">
-            <a:avLst/>
-          </a:prstGeom>
         </p:spPr>
       </p:pic>
     </p:spTree>
@@ -8292,7 +8925,7 @@
 </p:sld>
 </file>
 
-<file path=ppt/slides/slide22.xml><?xml version="1.0" encoding="utf-8"?>
+<file path=ppt/slides/slide24.xml><?xml version="1.0" encoding="utf-8"?>
 <p:sld xmlns:a="http://schemas.openxmlformats.org/drawingml/2006/main" xmlns:r="http://schemas.openxmlformats.org/officeDocument/2006/relationships" xmlns:p="http://schemas.openxmlformats.org/presentationml/2006/main">
   <p:cSld>
     <p:spTree>
@@ -8311,6 +8944,30 @@
       </p:grpSpPr>
       <p:pic>
         <p:nvPicPr>
+          <p:cNvPr id="13" name="12 Imagen" descr="logo_exfida.png"/>
+          <p:cNvPicPr>
+            <a:picLocks noChangeAspect="1"/>
+          </p:cNvPicPr>
+          <p:nvPr/>
+        </p:nvPicPr>
+        <p:blipFill>
+          <a:blip r:embed="rId2"/>
+          <a:stretch>
+            <a:fillRect/>
+          </a:stretch>
+        </p:blipFill>
+        <p:spPr>
+          <a:xfrm>
+            <a:off x="6572264" y="6072206"/>
+            <a:ext cx="2286015" cy="576253"/>
+          </a:xfrm>
+          <a:prstGeom prst="rect">
+            <a:avLst/>
+          </a:prstGeom>
+        </p:spPr>
+      </p:pic>
+      <p:pic>
+        <p:nvPicPr>
           <p:cNvPr id="10" name="9 Imagen" descr="logo_top_byte.gif"/>
           <p:cNvPicPr>
             <a:picLocks noChangeAspect="1"/>
@@ -8318,7 +8975,7 @@
           <p:nvPr/>
         </p:nvPicPr>
         <p:blipFill>
-          <a:blip r:embed="rId2">
+          <a:blip r:embed="rId3">
             <a:duotone>
               <a:schemeClr val="bg2">
                 <a:shade val="45000"/>
@@ -8350,7 +9007,7 @@
           <p:nvPr/>
         </p:nvPicPr>
         <p:blipFill>
-          <a:blip r:embed="rId3"/>
+          <a:blip r:embed="rId4"/>
           <a:srcRect b="6584"/>
           <a:stretch>
             <a:fillRect/>
@@ -8385,7 +9042,7 @@
           <p:nvPr/>
         </p:nvPicPr>
         <p:blipFill>
-          <a:blip r:embed="rId4"/>
+          <a:blip r:embed="rId5"/>
           <a:srcRect/>
           <a:stretch>
             <a:fillRect/>
@@ -8420,7 +9077,7 @@
           <p:nvPr/>
         </p:nvPicPr>
         <p:blipFill>
-          <a:blip r:embed="rId5"/>
+          <a:blip r:embed="rId6"/>
           <a:srcRect r="6000"/>
           <a:stretch>
             <a:fillRect/>
@@ -8455,7 +9112,7 @@
           <p:nvPr/>
         </p:nvPicPr>
         <p:blipFill>
-          <a:blip r:embed="rId6"/>
+          <a:blip r:embed="rId7"/>
           <a:srcRect l="21799" t="2035" b="14518"/>
           <a:stretch>
             <a:fillRect/>
@@ -8529,7 +9186,7 @@
           <p:nvPr/>
         </p:nvPicPr>
         <p:blipFill>
-          <a:blip r:embed="rId7">
+          <a:blip r:embed="rId8">
             <a:extLst>
               <a:ext uri="{28A0092B-C50C-407E-A947-70E740481C1C}">
                 <a14:useLocalDpi xmlns:a14="http://schemas.microsoft.com/office/drawing/2010/main" xmlns="" val="0"/>
@@ -8679,7 +9336,7 @@
           <p:nvPr/>
         </p:nvPicPr>
         <p:blipFill>
-          <a:blip r:embed="rId8"/>
+          <a:blip r:embed="rId9"/>
           <a:srcRect/>
           <a:stretch>
             <a:fillRect/>
@@ -8714,7 +9371,7 @@
           <p:nvPr/>
         </p:nvPicPr>
         <p:blipFill>
-          <a:blip r:embed="rId9" cstate="print">
+          <a:blip r:embed="rId10" cstate="print">
             <a:extLst>
               <a:ext uri="{28A0092B-C50C-407E-A947-70E740481C1C}">
                 <a14:useLocalDpi xmlns:a14="http://schemas.microsoft.com/office/drawing/2010/main" xmlns="" val="0"/>
@@ -8767,26 +9424,28 @@
       </p:pic>
       <p:pic>
         <p:nvPicPr>
-          <p:cNvPr id="13" name="12 Imagen" descr="logo_exfida.png"/>
+          <p:cNvPr id="6146" name="Picture 2" descr="https://encrypted-tbn3.google.com/images?q=tbn:ANd9GcQv7o1uYuJTJ_GXWrchmYmF3--4xm-9XARhhT8NqDM6vkiRhclk"/>
           <p:cNvPicPr>
-            <a:picLocks noChangeAspect="1"/>
+            <a:picLocks noChangeAspect="1" noChangeArrowheads="1"/>
           </p:cNvPicPr>
           <p:nvPr/>
         </p:nvPicPr>
         <p:blipFill>
-          <a:blip r:embed="rId10"/>
+          <a:blip r:embed="rId11"/>
+          <a:srcRect/>
           <a:stretch>
             <a:fillRect/>
           </a:stretch>
         </p:blipFill>
-        <p:spPr>
-          <a:xfrm>
-            <a:off x="6572264" y="6072206"/>
-            <a:ext cx="2286015" cy="576253"/>
+        <p:spPr bwMode="auto">
+          <a:xfrm>
+            <a:off x="357158" y="1071546"/>
+            <a:ext cx="2214578" cy="1016967"/>
           </a:xfrm>
           <a:prstGeom prst="rect">
             <a:avLst/>
           </a:prstGeom>
+          <a:noFill/>
         </p:spPr>
       </p:pic>
     </p:spTree>
@@ -8924,7 +9583,15 @@
             </a:pPr>
             <a:r>
               <a:rPr lang="es-CL" sz="2300" dirty="0" smtClean="0"/>
-              <a:t>	Queremos ganar su confianza, a través de soluciones tecnológicas que permitan hacer más eficiente la gestión de su Negocio, brindándole a su Compañía siempre un valor agregado.</a:t>
+              <a:t>	Queremos </a:t>
+            </a:r>
+            <a:r>
+              <a:rPr lang="es-CL" sz="2300" dirty="0" smtClean="0"/>
+              <a:t>obtener </a:t>
+            </a:r>
+            <a:r>
+              <a:rPr lang="es-CL" sz="2300" dirty="0" smtClean="0"/>
+              <a:t>su confianza, a través de soluciones tecnológicas que permitan hacer más eficiente la gestión de su Negocio, brindándole a su Compañía siempre un valor agregado.</a:t>
             </a:r>
             <a:r>
               <a:rPr lang="es-CL" sz="2400" dirty="0" smtClean="0"/>
@@ -9362,7 +10029,7 @@
         </p:blipFill>
         <p:spPr bwMode="auto">
           <a:xfrm>
-            <a:off x="5508104" y="1052736"/>
+            <a:off x="5357818" y="1000108"/>
             <a:ext cx="1512916" cy="814648"/>
           </a:xfrm>
           <a:prstGeom prst="rect">
@@ -9420,7 +10087,7 @@
         </p:blipFill>
         <p:spPr bwMode="auto">
           <a:xfrm>
-            <a:off x="5508104" y="2276872"/>
+            <a:off x="5357818" y="2276872"/>
             <a:ext cx="1512168" cy="781200"/>
           </a:xfrm>
           <a:prstGeom prst="rect">
@@ -9872,43 +10539,56 @@
       </p:pic>
       <p:pic>
         <p:nvPicPr>
-          <p:cNvPr id="4098" name="Picture 2" descr="https://encrypted-tbn1.google.com/images?q=tbn:ANd9GcT4KPJ5Cn-ensbPsXTtPh06cJmJHxElFkp70THc8Y-bceScycLsZw"/>
+          <p:cNvPr id="19458" name="Picture 2" descr="https://encrypted-tbn0.google.com/images?q=tbn:ANd9GcRZNR7Wvrf0zWeVgnKyc6ZBivuUDNKktr52JKZh29Im8G2JdFrBFg"/>
           <p:cNvPicPr>
             <a:picLocks noChangeAspect="1" noChangeArrowheads="1"/>
           </p:cNvPicPr>
           <p:nvPr/>
         </p:nvPicPr>
         <p:blipFill>
-          <a:blip r:embed="rId11">
-            <a:extLst>
-              <a:ext uri="{28A0092B-C50C-407E-A947-70E740481C1C}">
-                <a14:useLocalDpi xmlns:a14="http://schemas.microsoft.com/office/drawing/2010/main" xmlns="" val="0"/>
-              </a:ext>
-            </a:extLst>
-          </a:blip>
-          <a:srcRect/>
+          <a:blip r:embed="rId11"/>
+          <a:srcRect l="16667" t="20000" r="16666" b="19999"/>
           <a:stretch>
             <a:fillRect/>
           </a:stretch>
         </p:blipFill>
         <p:spPr bwMode="auto">
           <a:xfrm>
-            <a:off x="3017295" y="2060848"/>
-            <a:ext cx="1463906" cy="1457400"/>
+            <a:off x="3071801" y="2064533"/>
+            <a:ext cx="1357323" cy="1221591"/>
           </a:xfrm>
           <a:prstGeom prst="rect">
             <a:avLst/>
           </a:prstGeom>
-          <a:noFill/>
-          <a:extLst>
-            <a:ext uri="{909E8E84-426E-40DD-AFC4-6F175D3DCCD1}">
-              <a14:hiddenFill xmlns:a14="http://schemas.microsoft.com/office/drawing/2010/main" xmlns="">
-                <a:solidFill>
-                  <a:srgbClr val="FFFFFF"/>
-                </a:solidFill>
-              </a14:hiddenFill>
-            </a:ext>
-          </a:extLst>
+          <a:solidFill>
+            <a:srgbClr val="FFFFFF">
+              <a:shade val="85000"/>
+            </a:srgbClr>
+          </a:solidFill>
+          <a:ln w="190500" cap="rnd">
+            <a:solidFill>
+              <a:srgbClr val="FFFFFF"/>
+            </a:solidFill>
+          </a:ln>
+          <a:effectLst>
+            <a:outerShdw blurRad="50000" algn="tl" rotWithShape="0">
+              <a:srgbClr val="000000">
+                <a:alpha val="41000"/>
+              </a:srgbClr>
+            </a:outerShdw>
+          </a:effectLst>
+          <a:scene3d>
+            <a:camera prst="orthographicFront"/>
+            <a:lightRig rig="twoPt" dir="t">
+              <a:rot lat="0" lon="0" rev="7800000"/>
+            </a:lightRig>
+          </a:scene3d>
+          <a:sp3d contourW="6350">
+            <a:bevelT w="50800" h="16510"/>
+            <a:contourClr>
+              <a:srgbClr val="C0C0C0"/>
+            </a:contourClr>
+          </a:sp3d>
         </p:spPr>
       </p:pic>
     </p:spTree>
@@ -10859,8 +11539,9 @@
             </a:pPr>
             <a:r>
               <a:rPr lang="es-CL" sz="2300" dirty="0" smtClean="0"/>
-              <a:t>Pantallas amigables.</a:t>
-            </a:r>
+              <a:t>Interfaces usables.</a:t>
+            </a:r>
+            <a:endParaRPr lang="es-CL" sz="2300" dirty="0" smtClean="0"/>
           </a:p>
           <a:p>
             <a:pPr algn="just">
@@ -10869,8 +11550,25 @@
             </a:pPr>
             <a:r>
               <a:rPr lang="es-CL" sz="2300" dirty="0" smtClean="0"/>
-              <a:t>Pantallas de ingreso de información configurables.</a:t>
-            </a:r>
+              <a:t>Revelaciones </a:t>
+            </a:r>
+            <a:r>
+              <a:rPr lang="es-CL" sz="2300" dirty="0" smtClean="0">
+                <a:effectLst>
+                  <a:outerShdw blurRad="38100" dist="38100" dir="2700000" algn="tl">
+                    <a:srgbClr val="000000">
+                      <a:alpha val="43137"/>
+                    </a:srgbClr>
+                  </a:outerShdw>
+                </a:effectLst>
+              </a:rPr>
+              <a:t>100%  configurables</a:t>
+            </a:r>
+            <a:r>
+              <a:rPr lang="es-CL" sz="2300" dirty="0" smtClean="0"/>
+              <a:t> según las normativas.</a:t>
+            </a:r>
+            <a:endParaRPr lang="es-CL" sz="2300" dirty="0" smtClean="0"/>
           </a:p>
           <a:p>
             <a:pPr algn="just">
@@ -10892,24 +11590,36 @@
               <a:t>Generación de archivos </a:t>
             </a:r>
             <a:r>
-              <a:rPr lang="es-CL" sz="2300" b="1" dirty="0"/>
-              <a:t>XBRL</a:t>
-            </a:r>
-            <a:r>
-              <a:rPr lang="es-CL" sz="2300" dirty="0"/>
-              <a:t> </a:t>
+              <a:rPr lang="es-CL" sz="2300" dirty="0">
+                <a:effectLst>
+                  <a:outerShdw blurRad="38100" dist="38100" dir="2700000" algn="tl">
+                    <a:srgbClr val="000000">
+                      <a:alpha val="43137"/>
+                    </a:srgbClr>
+                  </a:outerShdw>
+                </a:effectLst>
+              </a:rPr>
+              <a:t>XBRL </a:t>
             </a:r>
             <a:r>
               <a:rPr lang="es-CL" sz="2300" dirty="0" smtClean="0"/>
               <a:t>el cual independiza a su Empresa de los proveedores externos al momento de generar el envió de </a:t>
             </a:r>
             <a:r>
-              <a:rPr lang="es-CL" sz="2300" b="1" dirty="0" smtClean="0"/>
-              <a:t>XBRL</a:t>
+              <a:rPr lang="es-CL" sz="2300" dirty="0" smtClean="0">
+                <a:effectLst>
+                  <a:outerShdw blurRad="38100" dist="38100" dir="2700000" algn="tl">
+                    <a:srgbClr val="000000">
+                      <a:alpha val="43137"/>
+                    </a:srgbClr>
+                  </a:outerShdw>
+                </a:effectLst>
+              </a:rPr>
+              <a:t>XBRL </a:t>
             </a:r>
             <a:r>
               <a:rPr lang="es-CL" sz="2300" dirty="0" smtClean="0"/>
-              <a:t> a la SVS.</a:t>
+              <a:t>a la SVS.</a:t>
             </a:r>
           </a:p>
           <a:p>

--- a/trunk/docs/comercial/brochure_2.pptx
+++ b/trunk/docs/comercial/brochure_2.pptx
@@ -4858,38 +4858,6 @@
           </a:p>
         </p:txBody>
       </p:sp>
-      <p:pic>
-        <p:nvPicPr>
-          <p:cNvPr id="8" name="7 Imagen" descr="logo_top_byte.gif"/>
-          <p:cNvPicPr>
-            <a:picLocks noChangeAspect="1"/>
-          </p:cNvPicPr>
-          <p:nvPr/>
-        </p:nvPicPr>
-        <p:blipFill>
-          <a:blip r:embed="rId2">
-            <a:duotone>
-              <a:schemeClr val="bg2">
-                <a:shade val="45000"/>
-                <a:satMod val="135000"/>
-              </a:schemeClr>
-              <a:prstClr val="white"/>
-            </a:duotone>
-          </a:blip>
-          <a:stretch>
-            <a:fillRect/>
-          </a:stretch>
-        </p:blipFill>
-        <p:spPr>
-          <a:xfrm>
-            <a:off x="7572396" y="357166"/>
-            <a:ext cx="971550" cy="971550"/>
-          </a:xfrm>
-          <a:prstGeom prst="rect">
-            <a:avLst/>
-          </a:prstGeom>
-        </p:spPr>
-      </p:pic>
       <p:sp>
         <p:nvSpPr>
           <p:cNvPr id="10" name="2 Título"/>
@@ -4930,7 +4898,7 @@
           <p:nvPr/>
         </p:nvPicPr>
         <p:blipFill>
-          <a:blip r:embed="rId3"/>
+          <a:blip r:embed="rId2"/>
           <a:stretch>
             <a:fillRect/>
           </a:stretch>
@@ -4954,7 +4922,7 @@
           <p:nvPr/>
         </p:nvPicPr>
         <p:blipFill>
-          <a:blip r:embed="rId4"/>
+          <a:blip r:embed="rId3"/>
           <a:srcRect/>
           <a:stretch>
             <a:fillRect/>
@@ -4976,6 +4944,34 @@
             <a:tailEnd/>
           </a:ln>
           <a:effectLst/>
+        </p:spPr>
+      </p:pic>
+      <p:pic>
+        <p:nvPicPr>
+          <p:cNvPr id="7" name="6 Imagen" descr="logo_top_byte.gif"/>
+          <p:cNvPicPr>
+            <a:picLocks noChangeAspect="1"/>
+          </p:cNvPicPr>
+          <p:nvPr/>
+        </p:nvPicPr>
+        <p:blipFill>
+          <a:blip r:embed="rId4"/>
+          <a:stretch>
+            <a:fillRect/>
+          </a:stretch>
+        </p:blipFill>
+        <p:spPr>
+          <a:xfrm>
+            <a:off x="8029606" y="142852"/>
+            <a:ext cx="971550" cy="971550"/>
+          </a:xfrm>
+          <a:prstGeom prst="rect">
+            <a:avLst/>
+          </a:prstGeom>
+          <a:noFill/>
+          <a:ln>
+            <a:noFill/>
+          </a:ln>
         </p:spPr>
       </p:pic>
     </p:spTree>
@@ -5013,38 +5009,6 @@
           <a:chExt cx="0" cy="0"/>
         </a:xfrm>
       </p:grpSpPr>
-      <p:pic>
-        <p:nvPicPr>
-          <p:cNvPr id="8" name="7 Imagen" descr="logo_top_byte.gif"/>
-          <p:cNvPicPr>
-            <a:picLocks noChangeAspect="1"/>
-          </p:cNvPicPr>
-          <p:nvPr/>
-        </p:nvPicPr>
-        <p:blipFill>
-          <a:blip r:embed="rId2">
-            <a:duotone>
-              <a:schemeClr val="bg2">
-                <a:shade val="45000"/>
-                <a:satMod val="135000"/>
-              </a:schemeClr>
-              <a:prstClr val="white"/>
-            </a:duotone>
-          </a:blip>
-          <a:stretch>
-            <a:fillRect/>
-          </a:stretch>
-        </p:blipFill>
-        <p:spPr>
-          <a:xfrm>
-            <a:off x="7572396" y="357166"/>
-            <a:ext cx="971550" cy="971550"/>
-          </a:xfrm>
-          <a:prstGeom prst="rect">
-            <a:avLst/>
-          </a:prstGeom>
-        </p:spPr>
-      </p:pic>
       <p:sp>
         <p:nvSpPr>
           <p:cNvPr id="10" name="2 Título"/>
@@ -5085,7 +5049,7 @@
           <p:nvPr/>
         </p:nvPicPr>
         <p:blipFill>
-          <a:blip r:embed="rId3"/>
+          <a:blip r:embed="rId2"/>
           <a:stretch>
             <a:fillRect/>
           </a:stretch>
@@ -5109,7 +5073,7 @@
           <p:nvPr/>
         </p:nvPicPr>
         <p:blipFill>
-          <a:blip r:embed="rId4"/>
+          <a:blip r:embed="rId3"/>
           <a:srcRect/>
           <a:stretch>
             <a:fillRect/>
@@ -5133,6 +5097,34 @@
               </a:srgbClr>
             </a:outerShdw>
           </a:effectLst>
+        </p:spPr>
+      </p:pic>
+      <p:pic>
+        <p:nvPicPr>
+          <p:cNvPr id="6" name="5 Imagen" descr="logo_top_byte.gif"/>
+          <p:cNvPicPr>
+            <a:picLocks noChangeAspect="1"/>
+          </p:cNvPicPr>
+          <p:nvPr/>
+        </p:nvPicPr>
+        <p:blipFill>
+          <a:blip r:embed="rId4"/>
+          <a:stretch>
+            <a:fillRect/>
+          </a:stretch>
+        </p:blipFill>
+        <p:spPr>
+          <a:xfrm>
+            <a:off x="8029606" y="142852"/>
+            <a:ext cx="971550" cy="971550"/>
+          </a:xfrm>
+          <a:prstGeom prst="rect">
+            <a:avLst/>
+          </a:prstGeom>
+          <a:noFill/>
+          <a:ln>
+            <a:noFill/>
+          </a:ln>
         </p:spPr>
       </p:pic>
     </p:spTree>
@@ -5170,38 +5162,6 @@
           <a:chExt cx="0" cy="0"/>
         </a:xfrm>
       </p:grpSpPr>
-      <p:pic>
-        <p:nvPicPr>
-          <p:cNvPr id="5" name="4 Imagen" descr="logo_top_byte.gif"/>
-          <p:cNvPicPr>
-            <a:picLocks noChangeAspect="1"/>
-          </p:cNvPicPr>
-          <p:nvPr/>
-        </p:nvPicPr>
-        <p:blipFill>
-          <a:blip r:embed="rId2">
-            <a:duotone>
-              <a:schemeClr val="bg2">
-                <a:shade val="45000"/>
-                <a:satMod val="135000"/>
-              </a:schemeClr>
-              <a:prstClr val="white"/>
-            </a:duotone>
-          </a:blip>
-          <a:stretch>
-            <a:fillRect/>
-          </a:stretch>
-        </p:blipFill>
-        <p:spPr>
-          <a:xfrm>
-            <a:off x="7572396" y="357166"/>
-            <a:ext cx="971550" cy="971550"/>
-          </a:xfrm>
-          <a:prstGeom prst="rect">
-            <a:avLst/>
-          </a:prstGeom>
-        </p:spPr>
-      </p:pic>
       <p:sp>
         <p:nvSpPr>
           <p:cNvPr id="2" name="1 Marcador de contenido"/>
@@ -5342,7 +5302,7 @@
           <p:nvPr/>
         </p:nvPicPr>
         <p:blipFill>
-          <a:blip r:embed="rId3"/>
+          <a:blip r:embed="rId2"/>
           <a:srcRect/>
           <a:stretch>
             <a:fillRect/>
@@ -5417,6 +5377,30 @@
           <p:nvPr/>
         </p:nvPicPr>
         <p:blipFill>
+          <a:blip r:embed="rId3"/>
+          <a:stretch>
+            <a:fillRect/>
+          </a:stretch>
+        </p:blipFill>
+        <p:spPr>
+          <a:xfrm>
+            <a:off x="6572264" y="6072206"/>
+            <a:ext cx="2286015" cy="576253"/>
+          </a:xfrm>
+          <a:prstGeom prst="rect">
+            <a:avLst/>
+          </a:prstGeom>
+        </p:spPr>
+      </p:pic>
+      <p:pic>
+        <p:nvPicPr>
+          <p:cNvPr id="7" name="6 Imagen" descr="logo_top_byte.gif"/>
+          <p:cNvPicPr>
+            <a:picLocks noChangeAspect="1"/>
+          </p:cNvPicPr>
+          <p:nvPr/>
+        </p:nvPicPr>
+        <p:blipFill>
           <a:blip r:embed="rId4"/>
           <a:stretch>
             <a:fillRect/>
@@ -5424,12 +5408,16 @@
         </p:blipFill>
         <p:spPr>
           <a:xfrm>
-            <a:off x="6572264" y="6072206"/>
-            <a:ext cx="2286015" cy="576253"/>
+            <a:off x="8029606" y="142852"/>
+            <a:ext cx="971550" cy="971550"/>
           </a:xfrm>
           <a:prstGeom prst="rect">
             <a:avLst/>
           </a:prstGeom>
+          <a:noFill/>
+          <a:ln>
+            <a:noFill/>
+          </a:ln>
         </p:spPr>
       </p:pic>
     </p:spTree>
@@ -5467,38 +5455,6 @@
           <a:chExt cx="0" cy="0"/>
         </a:xfrm>
       </p:grpSpPr>
-      <p:pic>
-        <p:nvPicPr>
-          <p:cNvPr id="5" name="4 Imagen" descr="logo_top_byte.gif"/>
-          <p:cNvPicPr>
-            <a:picLocks noChangeAspect="1"/>
-          </p:cNvPicPr>
-          <p:nvPr/>
-        </p:nvPicPr>
-        <p:blipFill>
-          <a:blip r:embed="rId2">
-            <a:duotone>
-              <a:schemeClr val="bg2">
-                <a:shade val="45000"/>
-                <a:satMod val="135000"/>
-              </a:schemeClr>
-              <a:prstClr val="white"/>
-            </a:duotone>
-          </a:blip>
-          <a:stretch>
-            <a:fillRect/>
-          </a:stretch>
-        </p:blipFill>
-        <p:spPr>
-          <a:xfrm>
-            <a:off x="7572396" y="357166"/>
-            <a:ext cx="971550" cy="971550"/>
-          </a:xfrm>
-          <a:prstGeom prst="rect">
-            <a:avLst/>
-          </a:prstGeom>
-        </p:spPr>
-      </p:pic>
       <p:sp>
         <p:nvSpPr>
           <p:cNvPr id="2" name="1 Marcador de contenido"/>
@@ -5599,7 +5555,7 @@
           <p:nvPr/>
         </p:nvPicPr>
         <p:blipFill>
-          <a:blip r:embed="rId3"/>
+          <a:blip r:embed="rId2"/>
           <a:srcRect l="21799" t="2035" b="14518"/>
           <a:stretch>
             <a:fillRect/>
@@ -5634,6 +5590,30 @@
           <p:nvPr/>
         </p:nvPicPr>
         <p:blipFill>
+          <a:blip r:embed="rId3"/>
+          <a:stretch>
+            <a:fillRect/>
+          </a:stretch>
+        </p:blipFill>
+        <p:spPr>
+          <a:xfrm>
+            <a:off x="6572264" y="6072206"/>
+            <a:ext cx="2286015" cy="576253"/>
+          </a:xfrm>
+          <a:prstGeom prst="rect">
+            <a:avLst/>
+          </a:prstGeom>
+        </p:spPr>
+      </p:pic>
+      <p:pic>
+        <p:nvPicPr>
+          <p:cNvPr id="8" name="7 Imagen" descr="logo_top_byte.gif"/>
+          <p:cNvPicPr>
+            <a:picLocks noChangeAspect="1"/>
+          </p:cNvPicPr>
+          <p:nvPr/>
+        </p:nvPicPr>
+        <p:blipFill>
           <a:blip r:embed="rId4"/>
           <a:stretch>
             <a:fillRect/>
@@ -5641,12 +5621,16 @@
         </p:blipFill>
         <p:spPr>
           <a:xfrm>
-            <a:off x="6572264" y="6072206"/>
-            <a:ext cx="2286015" cy="576253"/>
+            <a:off x="8029606" y="142852"/>
+            <a:ext cx="971550" cy="971550"/>
           </a:xfrm>
           <a:prstGeom prst="rect">
             <a:avLst/>
           </a:prstGeom>
+          <a:noFill/>
+          <a:ln>
+            <a:noFill/>
+          </a:ln>
         </p:spPr>
       </p:pic>
     </p:spTree>
@@ -5684,38 +5668,6 @@
           <a:chExt cx="0" cy="0"/>
         </a:xfrm>
       </p:grpSpPr>
-      <p:pic>
-        <p:nvPicPr>
-          <p:cNvPr id="5" name="4 Imagen" descr="logo_top_byte.gif"/>
-          <p:cNvPicPr>
-            <a:picLocks noChangeAspect="1"/>
-          </p:cNvPicPr>
-          <p:nvPr/>
-        </p:nvPicPr>
-        <p:blipFill>
-          <a:blip r:embed="rId2">
-            <a:duotone>
-              <a:schemeClr val="bg2">
-                <a:shade val="45000"/>
-                <a:satMod val="135000"/>
-              </a:schemeClr>
-              <a:prstClr val="white"/>
-            </a:duotone>
-          </a:blip>
-          <a:stretch>
-            <a:fillRect/>
-          </a:stretch>
-        </p:blipFill>
-        <p:spPr>
-          <a:xfrm>
-            <a:off x="7572396" y="357166"/>
-            <a:ext cx="971550" cy="971550"/>
-          </a:xfrm>
-          <a:prstGeom prst="rect">
-            <a:avLst/>
-          </a:prstGeom>
-        </p:spPr>
-      </p:pic>
       <p:sp>
         <p:nvSpPr>
           <p:cNvPr id="2" name="1 Marcador de contenido"/>
@@ -5847,7 +5799,7 @@
           <p:nvPr/>
         </p:nvPicPr>
         <p:blipFill>
-          <a:blip r:embed="rId3"/>
+          <a:blip r:embed="rId2"/>
           <a:srcRect/>
           <a:stretch>
             <a:fillRect/>
@@ -5899,10 +5851,6 @@
               <a:rPr lang="es-CL" sz="2300" dirty="0" smtClean="0"/>
               <a:t>	</a:t>
             </a:r>
-            <a:r>
-              <a:rPr lang="es-CL" sz="2300" dirty="0" smtClean="0"/>
-              <a:t/>
-            </a:r>
             <a:br>
               <a:rPr lang="es-CL" sz="2300" dirty="0" smtClean="0"/>
             </a:br>
@@ -5916,11 +5864,7 @@
             </a:r>
             <a:r>
               <a:rPr lang="es-CL" sz="2300" dirty="0" smtClean="0"/>
-              <a:t>Revelación, </a:t>
-            </a:r>
-            <a:r>
-              <a:rPr lang="es-CL" sz="2300" dirty="0" smtClean="0"/>
-              <a:t>estableciendo </a:t>
+              <a:t>Revelación, estableciendo </a:t>
             </a:r>
             <a:r>
               <a:rPr lang="es-CL" sz="2300" dirty="0"/>
@@ -5932,6 +5876,30 @@
       <p:pic>
         <p:nvPicPr>
           <p:cNvPr id="7" name="6 Imagen" descr="logo_exfida.png"/>
+          <p:cNvPicPr>
+            <a:picLocks noChangeAspect="1"/>
+          </p:cNvPicPr>
+          <p:nvPr/>
+        </p:nvPicPr>
+        <p:blipFill>
+          <a:blip r:embed="rId3"/>
+          <a:stretch>
+            <a:fillRect/>
+          </a:stretch>
+        </p:blipFill>
+        <p:spPr>
+          <a:xfrm>
+            <a:off x="6572264" y="6072206"/>
+            <a:ext cx="2286015" cy="576253"/>
+          </a:xfrm>
+          <a:prstGeom prst="rect">
+            <a:avLst/>
+          </a:prstGeom>
+        </p:spPr>
+      </p:pic>
+      <p:pic>
+        <p:nvPicPr>
+          <p:cNvPr id="8" name="7 Imagen" descr="logo_top_byte.gif"/>
           <p:cNvPicPr>
             <a:picLocks noChangeAspect="1"/>
           </p:cNvPicPr>
@@ -5945,12 +5913,16 @@
         </p:blipFill>
         <p:spPr>
           <a:xfrm>
-            <a:off x="6572264" y="6072206"/>
-            <a:ext cx="2286015" cy="576253"/>
+            <a:off x="8029606" y="142852"/>
+            <a:ext cx="971550" cy="971550"/>
           </a:xfrm>
           <a:prstGeom prst="rect">
             <a:avLst/>
           </a:prstGeom>
+          <a:noFill/>
+          <a:ln>
+            <a:noFill/>
+          </a:ln>
         </p:spPr>
       </p:pic>
     </p:spTree>
@@ -5988,38 +5960,6 @@
           <a:chExt cx="0" cy="0"/>
         </a:xfrm>
       </p:grpSpPr>
-      <p:pic>
-        <p:nvPicPr>
-          <p:cNvPr id="5" name="4 Imagen" descr="logo_top_byte.gif"/>
-          <p:cNvPicPr>
-            <a:picLocks noChangeAspect="1"/>
-          </p:cNvPicPr>
-          <p:nvPr/>
-        </p:nvPicPr>
-        <p:blipFill>
-          <a:blip r:embed="rId2">
-            <a:duotone>
-              <a:schemeClr val="bg2">
-                <a:shade val="45000"/>
-                <a:satMod val="135000"/>
-              </a:schemeClr>
-              <a:prstClr val="white"/>
-            </a:duotone>
-          </a:blip>
-          <a:stretch>
-            <a:fillRect/>
-          </a:stretch>
-        </p:blipFill>
-        <p:spPr>
-          <a:xfrm>
-            <a:off x="7572396" y="357166"/>
-            <a:ext cx="971550" cy="971550"/>
-          </a:xfrm>
-          <a:prstGeom prst="rect">
-            <a:avLst/>
-          </a:prstGeom>
-        </p:spPr>
-      </p:pic>
       <p:sp>
         <p:nvSpPr>
           <p:cNvPr id="2" name="1 Marcador de contenido"/>
@@ -6209,7 +6149,7 @@
           <p:nvPr/>
         </p:nvPicPr>
         <p:blipFill>
-          <a:blip r:embed="rId3"/>
+          <a:blip r:embed="rId2"/>
           <a:stretch>
             <a:fillRect/>
           </a:stretch>
@@ -6233,7 +6173,7 @@
           <p:nvPr/>
         </p:nvPicPr>
         <p:blipFill>
-          <a:blip r:embed="rId4"/>
+          <a:blip r:embed="rId3"/>
           <a:srcRect/>
           <a:stretch>
             <a:fillRect/>
@@ -6257,6 +6197,34 @@
               </a:srgbClr>
             </a:outerShdw>
           </a:effectLst>
+        </p:spPr>
+      </p:pic>
+      <p:pic>
+        <p:nvPicPr>
+          <p:cNvPr id="8" name="7 Imagen" descr="logo_top_byte.gif"/>
+          <p:cNvPicPr>
+            <a:picLocks noChangeAspect="1"/>
+          </p:cNvPicPr>
+          <p:nvPr/>
+        </p:nvPicPr>
+        <p:blipFill>
+          <a:blip r:embed="rId4"/>
+          <a:stretch>
+            <a:fillRect/>
+          </a:stretch>
+        </p:blipFill>
+        <p:spPr>
+          <a:xfrm>
+            <a:off x="8029606" y="142852"/>
+            <a:ext cx="971550" cy="971550"/>
+          </a:xfrm>
+          <a:prstGeom prst="rect">
+            <a:avLst/>
+          </a:prstGeom>
+          <a:noFill/>
+          <a:ln>
+            <a:noFill/>
+          </a:ln>
         </p:spPr>
       </p:pic>
     </p:spTree>
@@ -6484,75 +6452,71 @@
           </a:effectLst>
         </p:spPr>
       </p:pic>
+      <p:sp>
+        <p:nvSpPr>
+          <p:cNvPr id="4" name="3 Rectángulo"/>
+          <p:cNvSpPr/>
+          <p:nvPr/>
+        </p:nvSpPr>
+        <p:spPr>
+          <a:xfrm>
+            <a:off x="539552" y="1116613"/>
+            <a:ext cx="8004394" cy="1154162"/>
+          </a:xfrm>
+          <a:prstGeom prst="rect">
+            <a:avLst/>
+          </a:prstGeom>
+        </p:spPr>
+        <p:txBody>
+          <a:bodyPr wrap="square">
+            <a:spAutoFit/>
+          </a:bodyPr>
+          <a:lstStyle/>
+          <a:p>
+            <a:pPr algn="just"/>
+            <a:r>
+              <a:rPr lang="es-CL" sz="2300" dirty="0" smtClean="0"/>
+              <a:t>	</a:t>
+            </a:r>
+          </a:p>
+          <a:p>
+            <a:pPr algn="just"/>
+            <a:r>
+              <a:rPr lang="es-CL" sz="2300" dirty="0" smtClean="0"/>
+              <a:t>Mantenga el control sobre el estado de los RF por periodo.</a:t>
+            </a:r>
+            <a:endParaRPr lang="es-CL" sz="2300" dirty="0"/>
+          </a:p>
+        </p:txBody>
+      </p:sp>
       <p:pic>
         <p:nvPicPr>
-          <p:cNvPr id="5" name="4 Imagen" descr="logo_top_byte.gif"/>
+          <p:cNvPr id="8" name="7 Imagen" descr="logo_top_byte.gif"/>
           <p:cNvPicPr>
             <a:picLocks noChangeAspect="1"/>
           </p:cNvPicPr>
           <p:nvPr/>
         </p:nvPicPr>
         <p:blipFill>
-          <a:blip r:embed="rId4">
-            <a:duotone>
-              <a:schemeClr val="bg2">
-                <a:shade val="45000"/>
-                <a:satMod val="135000"/>
-              </a:schemeClr>
-              <a:prstClr val="white"/>
-            </a:duotone>
-          </a:blip>
+          <a:blip r:embed="rId4"/>
           <a:stretch>
             <a:fillRect/>
           </a:stretch>
         </p:blipFill>
         <p:spPr>
           <a:xfrm>
-            <a:off x="7572396" y="357166"/>
+            <a:off x="8029606" y="142852"/>
             <a:ext cx="971550" cy="971550"/>
           </a:xfrm>
           <a:prstGeom prst="rect">
             <a:avLst/>
           </a:prstGeom>
+          <a:noFill/>
+          <a:ln>
+            <a:noFill/>
+          </a:ln>
         </p:spPr>
       </p:pic>
-      <p:sp>
-        <p:nvSpPr>
-          <p:cNvPr id="4" name="3 Rectángulo"/>
-          <p:cNvSpPr/>
-          <p:nvPr/>
-        </p:nvSpPr>
-        <p:spPr>
-          <a:xfrm>
-            <a:off x="539552" y="1116613"/>
-            <a:ext cx="8004394" cy="1154162"/>
-          </a:xfrm>
-          <a:prstGeom prst="rect">
-            <a:avLst/>
-          </a:prstGeom>
-        </p:spPr>
-        <p:txBody>
-          <a:bodyPr wrap="square">
-            <a:spAutoFit/>
-          </a:bodyPr>
-          <a:lstStyle/>
-          <a:p>
-            <a:pPr algn="just"/>
-            <a:r>
-              <a:rPr lang="es-CL" sz="2300" dirty="0" smtClean="0"/>
-              <a:t>	</a:t>
-            </a:r>
-          </a:p>
-          <a:p>
-            <a:pPr algn="just"/>
-            <a:r>
-              <a:rPr lang="es-CL" sz="2300" dirty="0" smtClean="0"/>
-              <a:t>Mantenga el control sobre el estado de los RF por periodo.</a:t>
-            </a:r>
-            <a:endParaRPr lang="es-CL" sz="2300" dirty="0"/>
-          </a:p>
-        </p:txBody>
-      </p:sp>
     </p:spTree>
   </p:cSld>
   <p:clrMapOvr>
@@ -6588,38 +6552,6 @@
           <a:chExt cx="0" cy="0"/>
         </a:xfrm>
       </p:grpSpPr>
-      <p:pic>
-        <p:nvPicPr>
-          <p:cNvPr id="3" name="2 Imagen" descr="logo_top_byte.gif"/>
-          <p:cNvPicPr>
-            <a:picLocks noChangeAspect="1"/>
-          </p:cNvPicPr>
-          <p:nvPr/>
-        </p:nvPicPr>
-        <p:blipFill>
-          <a:blip r:embed="rId2">
-            <a:duotone>
-              <a:schemeClr val="bg2">
-                <a:shade val="45000"/>
-                <a:satMod val="135000"/>
-              </a:schemeClr>
-              <a:prstClr val="white"/>
-            </a:duotone>
-          </a:blip>
-          <a:stretch>
-            <a:fillRect/>
-          </a:stretch>
-        </p:blipFill>
-        <p:spPr>
-          <a:xfrm>
-            <a:off x="7572396" y="357166"/>
-            <a:ext cx="971550" cy="971550"/>
-          </a:xfrm>
-          <a:prstGeom prst="rect">
-            <a:avLst/>
-          </a:prstGeom>
-        </p:spPr>
-      </p:pic>
       <p:sp>
         <p:nvSpPr>
           <p:cNvPr id="2" name="1 Marcador de contenido"/>
@@ -6838,7 +6770,7 @@
           <p:nvPr/>
         </p:nvPicPr>
         <p:blipFill>
-          <a:blip r:embed="rId3"/>
+          <a:blip r:embed="rId2"/>
           <a:stretch>
             <a:fillRect/>
           </a:stretch>
@@ -6862,7 +6794,7 @@
           <p:nvPr/>
         </p:nvPicPr>
         <p:blipFill>
-          <a:blip r:embed="rId4"/>
+          <a:blip r:embed="rId3"/>
           <a:srcRect/>
           <a:stretch>
             <a:fillRect/>
@@ -6886,6 +6818,34 @@
               </a:srgbClr>
             </a:outerShdw>
           </a:effectLst>
+        </p:spPr>
+      </p:pic>
+      <p:pic>
+        <p:nvPicPr>
+          <p:cNvPr id="8" name="7 Imagen" descr="logo_top_byte.gif"/>
+          <p:cNvPicPr>
+            <a:picLocks noChangeAspect="1"/>
+          </p:cNvPicPr>
+          <p:nvPr/>
+        </p:nvPicPr>
+        <p:blipFill>
+          <a:blip r:embed="rId4"/>
+          <a:stretch>
+            <a:fillRect/>
+          </a:stretch>
+        </p:blipFill>
+        <p:spPr>
+          <a:xfrm>
+            <a:off x="8029606" y="142852"/>
+            <a:ext cx="971550" cy="971550"/>
+          </a:xfrm>
+          <a:prstGeom prst="rect">
+            <a:avLst/>
+          </a:prstGeom>
+          <a:noFill/>
+          <a:ln>
+            <a:noFill/>
+          </a:ln>
         </p:spPr>
       </p:pic>
     </p:spTree>
@@ -6947,38 +6907,6 @@
           </a:prstGeom>
         </p:spPr>
       </p:pic>
-      <p:pic>
-        <p:nvPicPr>
-          <p:cNvPr id="3" name="2 Imagen" descr="logo_top_byte.gif"/>
-          <p:cNvPicPr>
-            <a:picLocks noChangeAspect="1"/>
-          </p:cNvPicPr>
-          <p:nvPr/>
-        </p:nvPicPr>
-        <p:blipFill>
-          <a:blip r:embed="rId3">
-            <a:duotone>
-              <a:schemeClr val="bg2">
-                <a:shade val="45000"/>
-                <a:satMod val="135000"/>
-              </a:schemeClr>
-              <a:prstClr val="white"/>
-            </a:duotone>
-          </a:blip>
-          <a:stretch>
-            <a:fillRect/>
-          </a:stretch>
-        </p:blipFill>
-        <p:spPr>
-          <a:xfrm>
-            <a:off x="7572396" y="357166"/>
-            <a:ext cx="971550" cy="971550"/>
-          </a:xfrm>
-          <a:prstGeom prst="rect">
-            <a:avLst/>
-          </a:prstGeom>
-        </p:spPr>
-      </p:pic>
       <p:sp>
         <p:nvSpPr>
           <p:cNvPr id="2" name="1 Marcador de contenido"/>
@@ -7145,7 +7073,7 @@
           <p:nvPr/>
         </p:nvPicPr>
         <p:blipFill>
-          <a:blip r:embed="rId4"/>
+          <a:blip r:embed="rId3"/>
           <a:srcRect/>
           <a:stretch>
             <a:fillRect/>
@@ -7200,32 +7128,44 @@
           <a:p>
             <a:r>
               <a:rPr lang="es-CL" sz="2300" dirty="0" smtClean="0"/>
-              <a:t>Notifique a sus </a:t>
-            </a:r>
-            <a:r>
-              <a:rPr lang="es-CL" sz="2300" dirty="0" smtClean="0"/>
-              <a:t>Áreas </a:t>
-            </a:r>
-            <a:r>
-              <a:rPr lang="es-CL" sz="2300" dirty="0" smtClean="0"/>
-              <a:t>de </a:t>
-            </a:r>
-            <a:r>
-              <a:rPr lang="es-CL" sz="2300" dirty="0" smtClean="0"/>
-              <a:t>Negocio </a:t>
-            </a:r>
-            <a:r>
-              <a:rPr lang="es-CL" sz="2300" dirty="0" smtClean="0"/>
-              <a:t>el cambio en sus Estados Financieros para la cuadratura de sus Revelaciones.</a:t>
+              <a:t>Notifique a sus Áreas de Negocio el cambio en sus Estados Financieros para la cuadratura de sus Revelaciones.</a:t>
             </a:r>
             <a:endParaRPr lang="es-CL" sz="2300" dirty="0"/>
           </a:p>
         </p:txBody>
       </p:sp>
+      <p:pic>
+        <p:nvPicPr>
+          <p:cNvPr id="8" name="7 Imagen" descr="logo_top_byte.gif"/>
+          <p:cNvPicPr>
+            <a:picLocks noChangeAspect="1"/>
+          </p:cNvPicPr>
+          <p:nvPr/>
+        </p:nvPicPr>
+        <p:blipFill>
+          <a:blip r:embed="rId4"/>
+          <a:stretch>
+            <a:fillRect/>
+          </a:stretch>
+        </p:blipFill>
+        <p:spPr>
+          <a:xfrm>
+            <a:off x="8029606" y="142852"/>
+            <a:ext cx="971550" cy="971550"/>
+          </a:xfrm>
+          <a:prstGeom prst="rect">
+            <a:avLst/>
+          </a:prstGeom>
+          <a:noFill/>
+          <a:ln>
+            <a:noFill/>
+          </a:ln>
+        </p:spPr>
+      </p:pic>
     </p:spTree>
     <p:extLst>
       <p:ext uri="{BB962C8B-B14F-4D97-AF65-F5344CB8AC3E}">
-        <p14:creationId xmlns:p14="http://schemas.microsoft.com/office/powerpoint/2010/main" xmlns="" val="2482610731"/>
+        <p14:creationId xmlns="" xmlns:p14="http://schemas.microsoft.com/office/powerpoint/2010/main" val="2482610731"/>
       </p:ext>
     </p:extLst>
   </p:cSld>
@@ -7288,38 +7228,6 @@
           <a:noFill/>
         </p:spPr>
       </p:pic>
-      <p:pic>
-        <p:nvPicPr>
-          <p:cNvPr id="3" name="2 Imagen" descr="logo_top_byte.gif"/>
-          <p:cNvPicPr>
-            <a:picLocks noChangeAspect="1"/>
-          </p:cNvPicPr>
-          <p:nvPr/>
-        </p:nvPicPr>
-        <p:blipFill>
-          <a:blip r:embed="rId3">
-            <a:duotone>
-              <a:schemeClr val="bg2">
-                <a:shade val="45000"/>
-                <a:satMod val="135000"/>
-              </a:schemeClr>
-              <a:prstClr val="white"/>
-            </a:duotone>
-          </a:blip>
-          <a:stretch>
-            <a:fillRect/>
-          </a:stretch>
-        </p:blipFill>
-        <p:spPr>
-          <a:xfrm>
-            <a:off x="7572396" y="357166"/>
-            <a:ext cx="971550" cy="971550"/>
-          </a:xfrm>
-          <a:prstGeom prst="rect">
-            <a:avLst/>
-          </a:prstGeom>
-        </p:spPr>
-      </p:pic>
       <p:sp>
         <p:nvSpPr>
           <p:cNvPr id="2" name="1 Marcador de contenido"/>
@@ -7361,25 +7269,7 @@
                 <a:ea typeface="+mj-ea"/>
                 <a:cs typeface="+mj-cs"/>
               </a:rPr>
-              <a:t>Cree </a:t>
-            </a:r>
-            <a:r>
-              <a:rPr lang="es-CL" sz="9600" b="1" dirty="0" smtClean="0">
-                <a:solidFill>
-                  <a:schemeClr val="tx2"/>
-                </a:solidFill>
-                <a:effectLst>
-                  <a:outerShdw blurRad="31750" dist="25400" dir="5400000" algn="tl" rotWithShape="0">
-                    <a:srgbClr val="000000">
-                      <a:alpha val="25000"/>
-                    </a:srgbClr>
-                  </a:outerShdw>
-                </a:effectLst>
-                <a:latin typeface="Arial Black" pitchFamily="34" charset="0"/>
-                <a:ea typeface="+mj-ea"/>
-                <a:cs typeface="+mj-cs"/>
-              </a:rPr>
-              <a:t>sus propios Informes XBRL</a:t>
+              <a:t>Cree sus propios Informes XBRL</a:t>
             </a:r>
             <a:r>
               <a:rPr lang="es-CL" sz="9600" b="1" dirty="0">
@@ -7519,7 +7409,7 @@
           <p:nvPr/>
         </p:nvPicPr>
         <p:blipFill>
-          <a:blip r:embed="rId4"/>
+          <a:blip r:embed="rId3"/>
           <a:stretch>
             <a:fillRect/>
           </a:stretch>
@@ -7543,7 +7433,7 @@
           <p:nvPr/>
         </p:nvPicPr>
         <p:blipFill>
-          <a:blip r:embed="rId5"/>
+          <a:blip r:embed="rId4"/>
           <a:srcRect r="14583" b="17781"/>
           <a:stretch>
             <a:fillRect/>
@@ -7569,10 +7459,38 @@
           </a:effectLst>
         </p:spPr>
       </p:pic>
+      <p:pic>
+        <p:nvPicPr>
+          <p:cNvPr id="8" name="7 Imagen" descr="logo_top_byte.gif"/>
+          <p:cNvPicPr>
+            <a:picLocks noChangeAspect="1"/>
+          </p:cNvPicPr>
+          <p:nvPr/>
+        </p:nvPicPr>
+        <p:blipFill>
+          <a:blip r:embed="rId5"/>
+          <a:stretch>
+            <a:fillRect/>
+          </a:stretch>
+        </p:blipFill>
+        <p:spPr>
+          <a:xfrm>
+            <a:off x="8029606" y="142852"/>
+            <a:ext cx="971550" cy="971550"/>
+          </a:xfrm>
+          <a:prstGeom prst="rect">
+            <a:avLst/>
+          </a:prstGeom>
+          <a:noFill/>
+          <a:ln>
+            <a:noFill/>
+          </a:ln>
+        </p:spPr>
+      </p:pic>
     </p:spTree>
     <p:extLst>
       <p:ext uri="{BB962C8B-B14F-4D97-AF65-F5344CB8AC3E}">
-        <p14:creationId xmlns:p14="http://schemas.microsoft.com/office/powerpoint/2010/main" xmlns="" val="2482610731"/>
+        <p14:creationId xmlns="" xmlns:p14="http://schemas.microsoft.com/office/powerpoint/2010/main" val="2482610731"/>
       </p:ext>
     </p:extLst>
   </p:cSld>
@@ -7609,38 +7527,6 @@
           <a:chExt cx="0" cy="0"/>
         </a:xfrm>
       </p:grpSpPr>
-      <p:pic>
-        <p:nvPicPr>
-          <p:cNvPr id="4" name="3 Imagen" descr="logo_top_byte.gif"/>
-          <p:cNvPicPr>
-            <a:picLocks noChangeAspect="1"/>
-          </p:cNvPicPr>
-          <p:nvPr/>
-        </p:nvPicPr>
-        <p:blipFill>
-          <a:blip r:embed="rId2">
-            <a:duotone>
-              <a:schemeClr val="bg2">
-                <a:shade val="45000"/>
-                <a:satMod val="135000"/>
-              </a:schemeClr>
-              <a:prstClr val="white"/>
-            </a:duotone>
-          </a:blip>
-          <a:stretch>
-            <a:fillRect/>
-          </a:stretch>
-        </p:blipFill>
-        <p:spPr>
-          <a:xfrm>
-            <a:off x="7572396" y="357166"/>
-            <a:ext cx="971550" cy="971550"/>
-          </a:xfrm>
-          <a:prstGeom prst="rect">
-            <a:avLst/>
-          </a:prstGeom>
-        </p:spPr>
-      </p:pic>
       <p:sp>
         <p:nvSpPr>
           <p:cNvPr id="2" name="1 Marcador de contenido"/>
@@ -7764,10 +7650,10 @@
           <p:nvPr/>
         </p:nvPicPr>
         <p:blipFill>
-          <a:blip r:embed="rId3">
+          <a:blip r:embed="rId2">
             <a:extLst>
               <a:ext uri="{28A0092B-C50C-407E-A947-70E740481C1C}">
-                <a14:useLocalDpi xmlns:a14="http://schemas.microsoft.com/office/drawing/2010/main" xmlns="" val="0"/>
+                <a14:useLocalDpi xmlns="" xmlns:a14="http://schemas.microsoft.com/office/drawing/2010/main" val="0"/>
               </a:ext>
             </a:extLst>
           </a:blip>
@@ -7787,13 +7673,41 @@
           <a:noFill/>
           <a:extLst>
             <a:ext uri="{909E8E84-426E-40DD-AFC4-6F175D3DCCD1}">
-              <a14:hiddenFill xmlns:a14="http://schemas.microsoft.com/office/drawing/2010/main" xmlns="">
+              <a14:hiddenFill xmlns="" xmlns:a14="http://schemas.microsoft.com/office/drawing/2010/main">
                 <a:solidFill>
                   <a:srgbClr val="FFFFFF"/>
                 </a:solidFill>
               </a14:hiddenFill>
             </a:ext>
           </a:extLst>
+        </p:spPr>
+      </p:pic>
+      <p:pic>
+        <p:nvPicPr>
+          <p:cNvPr id="6" name="5 Imagen" descr="logo_top_byte.gif"/>
+          <p:cNvPicPr>
+            <a:picLocks noChangeAspect="1"/>
+          </p:cNvPicPr>
+          <p:nvPr/>
+        </p:nvPicPr>
+        <p:blipFill>
+          <a:blip r:embed="rId3"/>
+          <a:stretch>
+            <a:fillRect/>
+          </a:stretch>
+        </p:blipFill>
+        <p:spPr>
+          <a:xfrm>
+            <a:off x="8029606" y="142852"/>
+            <a:ext cx="971550" cy="971550"/>
+          </a:xfrm>
+          <a:prstGeom prst="rect">
+            <a:avLst/>
+          </a:prstGeom>
+          <a:noFill/>
+          <a:ln>
+            <a:noFill/>
+          </a:ln>
         </p:spPr>
       </p:pic>
     </p:spTree>
@@ -7855,42 +7769,6 @@
           </a:prstGeom>
         </p:spPr>
       </p:pic>
-      <p:pic>
-        <p:nvPicPr>
-          <p:cNvPr id="6" name="5 Imagen" descr="logo_top_byte.gif"/>
-          <p:cNvPicPr>
-            <a:picLocks noChangeAspect="1"/>
-          </p:cNvPicPr>
-          <p:nvPr/>
-        </p:nvPicPr>
-        <p:blipFill>
-          <a:blip r:embed="rId3">
-            <a:duotone>
-              <a:schemeClr val="bg2">
-                <a:shade val="45000"/>
-                <a:satMod val="135000"/>
-              </a:schemeClr>
-              <a:prstClr val="white"/>
-            </a:duotone>
-          </a:blip>
-          <a:stretch>
-            <a:fillRect/>
-          </a:stretch>
-        </p:blipFill>
-        <p:spPr>
-          <a:xfrm>
-            <a:off x="7572396" y="357166"/>
-            <a:ext cx="971550" cy="971550"/>
-          </a:xfrm>
-          <a:prstGeom prst="rect">
-            <a:avLst/>
-          </a:prstGeom>
-          <a:noFill/>
-          <a:ln>
-            <a:noFill/>
-          </a:ln>
-        </p:spPr>
-      </p:pic>
       <p:sp>
         <p:nvSpPr>
           <p:cNvPr id="2" name="1 Marcador de contenido"/>
@@ -7971,7 +7849,7 @@
           <p:nvPr/>
         </p:nvPicPr>
         <p:blipFill>
-          <a:blip r:embed="rId4"/>
+          <a:blip r:embed="rId3"/>
           <a:srcRect/>
           <a:stretch>
             <a:fillRect/>
@@ -8086,6 +7964,34 @@
           </a:p>
         </p:txBody>
       </p:sp>
+      <p:pic>
+        <p:nvPicPr>
+          <p:cNvPr id="8" name="7 Imagen" descr="logo_top_byte.gif"/>
+          <p:cNvPicPr>
+            <a:picLocks noChangeAspect="1"/>
+          </p:cNvPicPr>
+          <p:nvPr/>
+        </p:nvPicPr>
+        <p:blipFill>
+          <a:blip r:embed="rId4"/>
+          <a:stretch>
+            <a:fillRect/>
+          </a:stretch>
+        </p:blipFill>
+        <p:spPr>
+          <a:xfrm>
+            <a:off x="8029606" y="142852"/>
+            <a:ext cx="971550" cy="971550"/>
+          </a:xfrm>
+          <a:prstGeom prst="rect">
+            <a:avLst/>
+          </a:prstGeom>
+          <a:noFill/>
+          <a:ln>
+            <a:noFill/>
+          </a:ln>
+        </p:spPr>
+      </p:pic>
     </p:spTree>
   </p:cSld>
   <p:clrMapOvr>
@@ -8121,38 +8027,6 @@
           <a:chExt cx="0" cy="0"/>
         </a:xfrm>
       </p:grpSpPr>
-      <p:pic>
-        <p:nvPicPr>
-          <p:cNvPr id="8" name="7 Imagen" descr="logo_top_byte.gif"/>
-          <p:cNvPicPr>
-            <a:picLocks noChangeAspect="1"/>
-          </p:cNvPicPr>
-          <p:nvPr/>
-        </p:nvPicPr>
-        <p:blipFill>
-          <a:blip r:embed="rId2">
-            <a:duotone>
-              <a:schemeClr val="bg2">
-                <a:shade val="45000"/>
-                <a:satMod val="135000"/>
-              </a:schemeClr>
-              <a:prstClr val="white"/>
-            </a:duotone>
-          </a:blip>
-          <a:stretch>
-            <a:fillRect/>
-          </a:stretch>
-        </p:blipFill>
-        <p:spPr>
-          <a:xfrm>
-            <a:off x="7572396" y="357166"/>
-            <a:ext cx="971550" cy="971550"/>
-          </a:xfrm>
-          <a:prstGeom prst="rect">
-            <a:avLst/>
-          </a:prstGeom>
-        </p:spPr>
-      </p:pic>
       <p:sp>
         <p:nvSpPr>
           <p:cNvPr id="2" name="1 Marcador de contenido"/>
@@ -8212,43 +8086,7 @@
                 <a:ea typeface="+mj-ea"/>
                 <a:cs typeface="+mj-cs"/>
               </a:rPr>
-              <a:t>Reve</a:t>
-            </a:r>
-            <a:r>
-              <a:rPr lang="es-CL" sz="2400" b="1" dirty="0" smtClean="0">
-                <a:solidFill>
-                  <a:schemeClr val="tx2"/>
-                </a:solidFill>
-                <a:effectLst>
-                  <a:outerShdw blurRad="31750" dist="25400" dir="5400000" algn="tl" rotWithShape="0">
-                    <a:srgbClr val="000000">
-                      <a:alpha val="25000"/>
-                    </a:srgbClr>
-                  </a:outerShdw>
-                </a:effectLst>
-                <a:latin typeface="Arial Black" pitchFamily="34" charset="0"/>
-                <a:ea typeface="+mj-ea"/>
-                <a:cs typeface="+mj-cs"/>
-              </a:rPr>
-              <a:t>laciones</a:t>
-            </a:r>
-            <a:r>
-              <a:rPr lang="es-CL" sz="2400" b="1" dirty="0" smtClean="0">
-                <a:solidFill>
-                  <a:schemeClr val="tx2"/>
-                </a:solidFill>
-                <a:effectLst>
-                  <a:outerShdw blurRad="31750" dist="25400" dir="5400000" algn="tl" rotWithShape="0">
-                    <a:srgbClr val="000000">
-                      <a:alpha val="25000"/>
-                    </a:srgbClr>
-                  </a:outerShdw>
-                </a:effectLst>
-                <a:latin typeface="Arial Black" pitchFamily="34" charset="0"/>
-                <a:ea typeface="+mj-ea"/>
-                <a:cs typeface="+mj-cs"/>
-              </a:rPr>
-              <a:t/>
+              <a:t>Revelaciones</a:t>
             </a:r>
             <a:br>
               <a:rPr lang="es-CL" sz="2400" b="1" dirty="0" smtClean="0">
@@ -8319,25 +8157,7 @@
                 <a:ea typeface="+mj-ea"/>
                 <a:cs typeface="+mj-cs"/>
               </a:rPr>
-              <a:t>Word </a:t>
-            </a:r>
-            <a:r>
-              <a:rPr lang="es-CL" sz="2400" b="1" dirty="0" smtClean="0">
-                <a:solidFill>
-                  <a:schemeClr val="tx2"/>
-                </a:solidFill>
-                <a:effectLst>
-                  <a:outerShdw blurRad="31750" dist="25400" dir="5400000" algn="tl" rotWithShape="0">
-                    <a:srgbClr val="000000">
-                      <a:alpha val="25000"/>
-                    </a:srgbClr>
-                  </a:outerShdw>
-                </a:effectLst>
-                <a:latin typeface="Arial Black" pitchFamily="34" charset="0"/>
-                <a:ea typeface="+mj-ea"/>
-                <a:cs typeface="+mj-cs"/>
-              </a:rPr>
-              <a:t>para impresión de FECU.&gt;</a:t>
+              <a:t>Word para impresión de FECU.&gt;</a:t>
             </a:r>
             <a:endParaRPr lang="es-CL" sz="2400" b="1" dirty="0">
               <a:solidFill>
@@ -8366,7 +8186,7 @@
           <p:nvPr/>
         </p:nvPicPr>
         <p:blipFill>
-          <a:blip r:embed="rId3"/>
+          <a:blip r:embed="rId2"/>
           <a:srcRect/>
           <a:stretch>
             <a:fillRect/>
@@ -8401,7 +8221,7 @@
           <p:nvPr/>
         </p:nvPicPr>
         <p:blipFill>
-          <a:blip r:embed="rId4"/>
+          <a:blip r:embed="rId3"/>
           <a:stretch>
             <a:fillRect/>
           </a:stretch>
@@ -8419,6 +8239,30 @@
       <p:pic>
         <p:nvPicPr>
           <p:cNvPr id="9" name="8 Imagen" descr="logo_exfida.png"/>
+          <p:cNvPicPr>
+            <a:picLocks noChangeAspect="1"/>
+          </p:cNvPicPr>
+          <p:nvPr/>
+        </p:nvPicPr>
+        <p:blipFill>
+          <a:blip r:embed="rId3"/>
+          <a:stretch>
+            <a:fillRect/>
+          </a:stretch>
+        </p:blipFill>
+        <p:spPr>
+          <a:xfrm>
+            <a:off x="928662" y="3143248"/>
+            <a:ext cx="1214445" cy="306134"/>
+          </a:xfrm>
+          <a:prstGeom prst="rect">
+            <a:avLst/>
+          </a:prstGeom>
+        </p:spPr>
+      </p:pic>
+      <p:pic>
+        <p:nvPicPr>
+          <p:cNvPr id="10" name="9 Imagen" descr="logo_top_byte.gif"/>
           <p:cNvPicPr>
             <a:picLocks noChangeAspect="1"/>
           </p:cNvPicPr>
@@ -8432,12 +8276,16 @@
         </p:blipFill>
         <p:spPr>
           <a:xfrm>
-            <a:off x="928662" y="3143248"/>
-            <a:ext cx="1214445" cy="306134"/>
+            <a:off x="8029606" y="142852"/>
+            <a:ext cx="971550" cy="971550"/>
           </a:xfrm>
           <a:prstGeom prst="rect">
             <a:avLst/>
           </a:prstGeom>
+          <a:noFill/>
+          <a:ln>
+            <a:noFill/>
+          </a:ln>
         </p:spPr>
       </p:pic>
     </p:spTree>
@@ -8475,38 +8323,6 @@
           <a:chExt cx="0" cy="0"/>
         </a:xfrm>
       </p:grpSpPr>
-      <p:pic>
-        <p:nvPicPr>
-          <p:cNvPr id="5" name="4 Imagen" descr="logo_top_byte.gif"/>
-          <p:cNvPicPr>
-            <a:picLocks noChangeAspect="1"/>
-          </p:cNvPicPr>
-          <p:nvPr/>
-        </p:nvPicPr>
-        <p:blipFill>
-          <a:blip r:embed="rId2">
-            <a:duotone>
-              <a:schemeClr val="bg2">
-                <a:shade val="45000"/>
-                <a:satMod val="135000"/>
-              </a:schemeClr>
-              <a:prstClr val="white"/>
-            </a:duotone>
-          </a:blip>
-          <a:stretch>
-            <a:fillRect/>
-          </a:stretch>
-        </p:blipFill>
-        <p:spPr>
-          <a:xfrm>
-            <a:off x="7572396" y="357166"/>
-            <a:ext cx="971550" cy="971550"/>
-          </a:xfrm>
-          <a:prstGeom prst="rect">
-            <a:avLst/>
-          </a:prstGeom>
-        </p:spPr>
-      </p:pic>
       <p:sp>
         <p:nvSpPr>
           <p:cNvPr id="2" name="1 Marcador de contenido"/>
@@ -8562,7 +8378,7 @@
           <p:nvPr/>
         </p:nvPicPr>
         <p:blipFill>
-          <a:blip r:embed="rId3"/>
+          <a:blip r:embed="rId2"/>
           <a:srcRect/>
           <a:stretch>
             <a:fillRect/>
@@ -8597,6 +8413,30 @@
           <p:nvPr/>
         </p:nvPicPr>
         <p:blipFill>
+          <a:blip r:embed="rId3"/>
+          <a:stretch>
+            <a:fillRect/>
+          </a:stretch>
+        </p:blipFill>
+        <p:spPr>
+          <a:xfrm>
+            <a:off x="6572264" y="6072206"/>
+            <a:ext cx="2286015" cy="576253"/>
+          </a:xfrm>
+          <a:prstGeom prst="rect">
+            <a:avLst/>
+          </a:prstGeom>
+        </p:spPr>
+      </p:pic>
+      <p:pic>
+        <p:nvPicPr>
+          <p:cNvPr id="6" name="5 Imagen" descr="logo_top_byte.gif"/>
+          <p:cNvPicPr>
+            <a:picLocks noChangeAspect="1"/>
+          </p:cNvPicPr>
+          <p:nvPr/>
+        </p:nvPicPr>
+        <p:blipFill>
           <a:blip r:embed="rId4"/>
           <a:stretch>
             <a:fillRect/>
@@ -8604,12 +8444,16 @@
         </p:blipFill>
         <p:spPr>
           <a:xfrm>
-            <a:off x="6572264" y="6072206"/>
-            <a:ext cx="2286015" cy="576253"/>
+            <a:off x="8029606" y="142852"/>
+            <a:ext cx="971550" cy="971550"/>
           </a:xfrm>
           <a:prstGeom prst="rect">
             <a:avLst/>
           </a:prstGeom>
+          <a:noFill/>
+          <a:ln>
+            <a:noFill/>
+          </a:ln>
         </p:spPr>
       </p:pic>
     </p:spTree>
@@ -8647,38 +8491,6 @@
           <a:chExt cx="0" cy="0"/>
         </a:xfrm>
       </p:grpSpPr>
-      <p:pic>
-        <p:nvPicPr>
-          <p:cNvPr id="6" name="5 Imagen" descr="logo_top_byte.gif"/>
-          <p:cNvPicPr>
-            <a:picLocks noChangeAspect="1"/>
-          </p:cNvPicPr>
-          <p:nvPr/>
-        </p:nvPicPr>
-        <p:blipFill>
-          <a:blip r:embed="rId2">
-            <a:duotone>
-              <a:schemeClr val="bg2">
-                <a:shade val="45000"/>
-                <a:satMod val="135000"/>
-              </a:schemeClr>
-              <a:prstClr val="white"/>
-            </a:duotone>
-          </a:blip>
-          <a:stretch>
-            <a:fillRect/>
-          </a:stretch>
-        </p:blipFill>
-        <p:spPr>
-          <a:xfrm>
-            <a:off x="7572396" y="357166"/>
-            <a:ext cx="971550" cy="971550"/>
-          </a:xfrm>
-          <a:prstGeom prst="rect">
-            <a:avLst/>
-          </a:prstGeom>
-        </p:spPr>
-      </p:pic>
       <p:sp>
         <p:nvSpPr>
           <p:cNvPr id="2" name="1 Marcador de contenido"/>
@@ -8857,7 +8669,7 @@
           <p:nvPr/>
         </p:nvPicPr>
         <p:blipFill>
-          <a:blip r:embed="rId3"/>
+          <a:blip r:embed="rId2"/>
           <a:stretch>
             <a:fillRect/>
           </a:stretch>
@@ -8881,7 +8693,7 @@
           <p:nvPr/>
         </p:nvPicPr>
         <p:blipFill>
-          <a:blip r:embed="rId4"/>
+          <a:blip r:embed="rId3"/>
           <a:srcRect/>
           <a:stretch>
             <a:fillRect/>
@@ -8905,6 +8717,34 @@
               </a:srgbClr>
             </a:outerShdw>
           </a:effectLst>
+        </p:spPr>
+      </p:pic>
+      <p:pic>
+        <p:nvPicPr>
+          <p:cNvPr id="8" name="7 Imagen" descr="logo_top_byte.gif"/>
+          <p:cNvPicPr>
+            <a:picLocks noChangeAspect="1"/>
+          </p:cNvPicPr>
+          <p:nvPr/>
+        </p:nvPicPr>
+        <p:blipFill>
+          <a:blip r:embed="rId4"/>
+          <a:stretch>
+            <a:fillRect/>
+          </a:stretch>
+        </p:blipFill>
+        <p:spPr>
+          <a:xfrm>
+            <a:off x="8029606" y="142852"/>
+            <a:ext cx="971550" cy="971550"/>
+          </a:xfrm>
+          <a:prstGeom prst="rect">
+            <a:avLst/>
+          </a:prstGeom>
+          <a:noFill/>
+          <a:ln>
+            <a:noFill/>
+          </a:ln>
         </p:spPr>
       </p:pic>
     </p:spTree>
@@ -8968,38 +8808,6 @@
       </p:pic>
       <p:pic>
         <p:nvPicPr>
-          <p:cNvPr id="10" name="9 Imagen" descr="logo_top_byte.gif"/>
-          <p:cNvPicPr>
-            <a:picLocks noChangeAspect="1"/>
-          </p:cNvPicPr>
-          <p:nvPr/>
-        </p:nvPicPr>
-        <p:blipFill>
-          <a:blip r:embed="rId3">
-            <a:duotone>
-              <a:schemeClr val="bg2">
-                <a:shade val="45000"/>
-                <a:satMod val="135000"/>
-              </a:schemeClr>
-              <a:prstClr val="white"/>
-            </a:duotone>
-          </a:blip>
-          <a:stretch>
-            <a:fillRect/>
-          </a:stretch>
-        </p:blipFill>
-        <p:spPr>
-          <a:xfrm>
-            <a:off x="7572396" y="357166"/>
-            <a:ext cx="971550" cy="971550"/>
-          </a:xfrm>
-          <a:prstGeom prst="rect">
-            <a:avLst/>
-          </a:prstGeom>
-        </p:spPr>
-      </p:pic>
-      <p:pic>
-        <p:nvPicPr>
           <p:cNvPr id="1027" name="Picture 3"/>
           <p:cNvPicPr>
             <a:picLocks noChangeAspect="1" noChangeArrowheads="1"/>
@@ -9007,7 +8815,7 @@
           <p:nvPr/>
         </p:nvPicPr>
         <p:blipFill>
-          <a:blip r:embed="rId4"/>
+          <a:blip r:embed="rId3"/>
           <a:srcRect b="6584"/>
           <a:stretch>
             <a:fillRect/>
@@ -9042,7 +8850,7 @@
           <p:nvPr/>
         </p:nvPicPr>
         <p:blipFill>
-          <a:blip r:embed="rId5"/>
+          <a:blip r:embed="rId4"/>
           <a:srcRect/>
           <a:stretch>
             <a:fillRect/>
@@ -9077,7 +8885,7 @@
           <p:nvPr/>
         </p:nvPicPr>
         <p:blipFill>
-          <a:blip r:embed="rId6"/>
+          <a:blip r:embed="rId5"/>
           <a:srcRect r="6000"/>
           <a:stretch>
             <a:fillRect/>
@@ -9112,7 +8920,7 @@
           <p:nvPr/>
         </p:nvPicPr>
         <p:blipFill>
-          <a:blip r:embed="rId7"/>
+          <a:blip r:embed="rId6"/>
           <a:srcRect l="21799" t="2035" b="14518"/>
           <a:stretch>
             <a:fillRect/>
@@ -9157,7 +8965,7 @@
           <a:noFill/>
           <a:extLst>
             <a:ext uri="{909E8E84-426E-40DD-AFC4-6F175D3DCCD1}">
-              <a14:hiddenFill xmlns:a14="http://schemas.microsoft.com/office/drawing/2010/main" xmlns="">
+              <a14:hiddenFill xmlns="" xmlns:a14="http://schemas.microsoft.com/office/drawing/2010/main">
                 <a:solidFill>
                   <a:srgbClr val="FFFFFF"/>
                 </a:solidFill>
@@ -9186,10 +8994,10 @@
           <p:nvPr/>
         </p:nvPicPr>
         <p:blipFill>
-          <a:blip r:embed="rId8">
+          <a:blip r:embed="rId7">
             <a:extLst>
               <a:ext uri="{28A0092B-C50C-407E-A947-70E740481C1C}">
-                <a14:useLocalDpi xmlns:a14="http://schemas.microsoft.com/office/drawing/2010/main" xmlns="" val="0"/>
+                <a14:useLocalDpi xmlns="" xmlns:a14="http://schemas.microsoft.com/office/drawing/2010/main" val="0"/>
               </a:ext>
             </a:extLst>
           </a:blip>
@@ -9336,7 +9144,7 @@
           <p:nvPr/>
         </p:nvPicPr>
         <p:blipFill>
-          <a:blip r:embed="rId9"/>
+          <a:blip r:embed="rId8"/>
           <a:srcRect/>
           <a:stretch>
             <a:fillRect/>
@@ -9371,10 +9179,10 @@
           <p:nvPr/>
         </p:nvPicPr>
         <p:blipFill>
-          <a:blip r:embed="rId10" cstate="print">
+          <a:blip r:embed="rId9" cstate="print">
             <a:extLst>
               <a:ext uri="{28A0092B-C50C-407E-A947-70E740481C1C}">
-                <a14:useLocalDpi xmlns:a14="http://schemas.microsoft.com/office/drawing/2010/main" xmlns="" val="0"/>
+                <a14:useLocalDpi xmlns="" xmlns:a14="http://schemas.microsoft.com/office/drawing/2010/main" val="0"/>
               </a:ext>
             </a:extLst>
           </a:blip>
@@ -9403,14 +9211,14 @@
           </a:effectLst>
           <a:extLst>
             <a:ext uri="{909E8E84-426E-40DD-AFC4-6F175D3DCCD1}">
-              <a14:hiddenFill xmlns:a14="http://schemas.microsoft.com/office/drawing/2010/main" xmlns="">
+              <a14:hiddenFill xmlns="" xmlns:a14="http://schemas.microsoft.com/office/drawing/2010/main">
                 <a:solidFill>
                   <a:schemeClr val="accent1"/>
                 </a:solidFill>
               </a14:hiddenFill>
             </a:ext>
             <a:ext uri="{91240B29-F687-4F45-9708-019B960494DF}">
-              <a14:hiddenLine xmlns:a14="http://schemas.microsoft.com/office/drawing/2010/main" xmlns="" w="9525">
+              <a14:hiddenLine xmlns="" xmlns:a14="http://schemas.microsoft.com/office/drawing/2010/main" w="9525">
                 <a:solidFill>
                   <a:schemeClr val="tx1"/>
                 </a:solidFill>
@@ -9431,7 +9239,7 @@
           <p:nvPr/>
         </p:nvPicPr>
         <p:blipFill>
-          <a:blip r:embed="rId11"/>
+          <a:blip r:embed="rId10"/>
           <a:srcRect/>
           <a:stretch>
             <a:fillRect/>
@@ -9446,6 +9254,34 @@
             <a:avLst/>
           </a:prstGeom>
           <a:noFill/>
+        </p:spPr>
+      </p:pic>
+      <p:pic>
+        <p:nvPicPr>
+          <p:cNvPr id="14" name="13 Imagen" descr="logo_top_byte.gif"/>
+          <p:cNvPicPr>
+            <a:picLocks noChangeAspect="1"/>
+          </p:cNvPicPr>
+          <p:nvPr/>
+        </p:nvPicPr>
+        <p:blipFill>
+          <a:blip r:embed="rId11"/>
+          <a:stretch>
+            <a:fillRect/>
+          </a:stretch>
+        </p:blipFill>
+        <p:spPr>
+          <a:xfrm>
+            <a:off x="8029606" y="142852"/>
+            <a:ext cx="971550" cy="971550"/>
+          </a:xfrm>
+          <a:prstGeom prst="rect">
+            <a:avLst/>
+          </a:prstGeom>
+          <a:noFill/>
+          <a:ln>
+            <a:noFill/>
+          </a:ln>
         </p:spPr>
       </p:pic>
     </p:spTree>
@@ -9495,7 +9331,7 @@
           <a:blip r:embed="rId2">
             <a:extLst>
               <a:ext uri="{28A0092B-C50C-407E-A947-70E740481C1C}">
-                <a14:useLocalDpi xmlns:a14="http://schemas.microsoft.com/office/drawing/2010/main" xmlns="" val="0"/>
+                <a14:useLocalDpi xmlns="" xmlns:a14="http://schemas.microsoft.com/office/drawing/2010/main" val="0"/>
               </a:ext>
             </a:extLst>
           </a:blip>
@@ -9515,7 +9351,7 @@
           <a:noFill/>
           <a:extLst>
             <a:ext uri="{909E8E84-426E-40DD-AFC4-6F175D3DCCD1}">
-              <a14:hiddenFill xmlns:a14="http://schemas.microsoft.com/office/drawing/2010/main" xmlns="">
+              <a14:hiddenFill xmlns="" xmlns:a14="http://schemas.microsoft.com/office/drawing/2010/main">
                 <a:solidFill>
                   <a:srgbClr val="FFFFFF"/>
                 </a:solidFill>
@@ -9533,27 +9369,23 @@
           <p:nvPr/>
         </p:nvPicPr>
         <p:blipFill>
-          <a:blip r:embed="rId3">
-            <a:duotone>
-              <a:schemeClr val="bg2">
-                <a:shade val="45000"/>
-                <a:satMod val="135000"/>
-              </a:schemeClr>
-              <a:prstClr val="white"/>
-            </a:duotone>
-          </a:blip>
+          <a:blip r:embed="rId3"/>
           <a:stretch>
             <a:fillRect/>
           </a:stretch>
         </p:blipFill>
         <p:spPr>
           <a:xfrm>
-            <a:off x="7572396" y="357166"/>
+            <a:off x="8029606" y="142852"/>
             <a:ext cx="971550" cy="971550"/>
           </a:xfrm>
           <a:prstGeom prst="rect">
             <a:avLst/>
           </a:prstGeom>
+          <a:noFill/>
+          <a:ln>
+            <a:noFill/>
+          </a:ln>
         </p:spPr>
       </p:pic>
       <p:sp>
@@ -9583,15 +9415,7 @@
             </a:pPr>
             <a:r>
               <a:rPr lang="es-CL" sz="2300" dirty="0" smtClean="0"/>
-              <a:t>	Queremos </a:t>
-            </a:r>
-            <a:r>
-              <a:rPr lang="es-CL" sz="2300" dirty="0" smtClean="0"/>
-              <a:t>obtener </a:t>
-            </a:r>
-            <a:r>
-              <a:rPr lang="es-CL" sz="2300" dirty="0" smtClean="0"/>
-              <a:t>su confianza, a través de soluciones tecnológicas que permitan hacer más eficiente la gestión de su Negocio, brindándole a su Compañía siempre un valor agregado.</a:t>
+              <a:t>	Queremos obtener su confianza, a través de soluciones tecnológicas que permitan hacer más eficiente la gestión de su Negocio, brindándole a su Compañía siempre un valor agregado.</a:t>
             </a:r>
             <a:r>
               <a:rPr lang="es-CL" sz="2400" dirty="0" smtClean="0"/>
@@ -9804,38 +9628,6 @@
       </p:sp>
       <p:pic>
         <p:nvPicPr>
-          <p:cNvPr id="5" name="4 Imagen" descr="logo_top_byte.gif"/>
-          <p:cNvPicPr>
-            <a:picLocks noChangeAspect="1"/>
-          </p:cNvPicPr>
-          <p:nvPr/>
-        </p:nvPicPr>
-        <p:blipFill>
-          <a:blip r:embed="rId2">
-            <a:duotone>
-              <a:schemeClr val="bg2">
-                <a:shade val="45000"/>
-                <a:satMod val="135000"/>
-              </a:schemeClr>
-              <a:prstClr val="white"/>
-            </a:duotone>
-          </a:blip>
-          <a:stretch>
-            <a:fillRect/>
-          </a:stretch>
-        </p:blipFill>
-        <p:spPr>
-          <a:xfrm>
-            <a:off x="7572396" y="357166"/>
-            <a:ext cx="971550" cy="971550"/>
-          </a:xfrm>
-          <a:prstGeom prst="rect">
-            <a:avLst/>
-          </a:prstGeom>
-        </p:spPr>
-      </p:pic>
-      <p:pic>
-        <p:nvPicPr>
           <p:cNvPr id="3076" name="Picture 4" descr="https://encrypted-tbn0.google.com/images?q=tbn:ANd9GcQEWkCOtRM5wFv4LwAHw-SPWe1kSav0aPBONQ-CMgEgu7T9EXqLaw"/>
           <p:cNvPicPr>
             <a:picLocks noChangeAspect="1" noChangeArrowheads="1"/>
@@ -9843,10 +9635,10 @@
           <p:nvPr/>
         </p:nvPicPr>
         <p:blipFill>
-          <a:blip r:embed="rId3">
+          <a:blip r:embed="rId2">
             <a:extLst>
               <a:ext uri="{28A0092B-C50C-407E-A947-70E740481C1C}">
-                <a14:useLocalDpi xmlns:a14="http://schemas.microsoft.com/office/drawing/2010/main" xmlns="" val="0"/>
+                <a14:useLocalDpi xmlns="" xmlns:a14="http://schemas.microsoft.com/office/drawing/2010/main" val="0"/>
               </a:ext>
             </a:extLst>
           </a:blip>
@@ -9866,13 +9658,41 @@
           <a:noFill/>
           <a:extLst>
             <a:ext uri="{909E8E84-426E-40DD-AFC4-6F175D3DCCD1}">
-              <a14:hiddenFill xmlns:a14="http://schemas.microsoft.com/office/drawing/2010/main" xmlns="">
+              <a14:hiddenFill xmlns="" xmlns:a14="http://schemas.microsoft.com/office/drawing/2010/main">
                 <a:solidFill>
                   <a:srgbClr val="FFFFFF"/>
                 </a:solidFill>
               </a14:hiddenFill>
             </a:ext>
           </a:extLst>
+        </p:spPr>
+      </p:pic>
+      <p:pic>
+        <p:nvPicPr>
+          <p:cNvPr id="6" name="5 Imagen" descr="logo_top_byte.gif"/>
+          <p:cNvPicPr>
+            <a:picLocks noChangeAspect="1"/>
+          </p:cNvPicPr>
+          <p:nvPr/>
+        </p:nvPicPr>
+        <p:blipFill>
+          <a:blip r:embed="rId3"/>
+          <a:stretch>
+            <a:fillRect/>
+          </a:stretch>
+        </p:blipFill>
+        <p:spPr>
+          <a:xfrm>
+            <a:off x="8029606" y="142852"/>
+            <a:ext cx="971550" cy="971550"/>
+          </a:xfrm>
+          <a:prstGeom prst="rect">
+            <a:avLst/>
+          </a:prstGeom>
+          <a:noFill/>
+          <a:ln>
+            <a:noFill/>
+          </a:ln>
         </p:spPr>
       </p:pic>
     </p:spTree>
@@ -9960,7 +9780,7 @@
           <a:blip r:embed="rId2" cstate="print">
             <a:extLst>
               <a:ext uri="{28A0092B-C50C-407E-A947-70E740481C1C}">
-                <a14:useLocalDpi xmlns:a14="http://schemas.microsoft.com/office/drawing/2010/main" xmlns="" val="0"/>
+                <a14:useLocalDpi xmlns="" xmlns:a14="http://schemas.microsoft.com/office/drawing/2010/main" val="0"/>
               </a:ext>
             </a:extLst>
           </a:blip>
@@ -10018,7 +9838,7 @@
           <a:blip r:embed="rId3" cstate="print">
             <a:extLst>
               <a:ext uri="{28A0092B-C50C-407E-A947-70E740481C1C}">
-                <a14:useLocalDpi xmlns:a14="http://schemas.microsoft.com/office/drawing/2010/main" xmlns="" val="0"/>
+                <a14:useLocalDpi xmlns="" xmlns:a14="http://schemas.microsoft.com/office/drawing/2010/main" val="0"/>
               </a:ext>
             </a:extLst>
           </a:blip>
@@ -10076,7 +9896,7 @@
           <a:blip r:embed="rId4" cstate="print">
             <a:extLst>
               <a:ext uri="{28A0092B-C50C-407E-A947-70E740481C1C}">
-                <a14:useLocalDpi xmlns:a14="http://schemas.microsoft.com/office/drawing/2010/main" xmlns="" val="0"/>
+                <a14:useLocalDpi xmlns="" xmlns:a14="http://schemas.microsoft.com/office/drawing/2010/main" val="0"/>
               </a:ext>
             </a:extLst>
           </a:blip>
@@ -10387,47 +10207,15 @@
       </p:pic>
       <p:pic>
         <p:nvPicPr>
-          <p:cNvPr id="21" name="20 Imagen" descr="logo_top_byte.gif"/>
-          <p:cNvPicPr>
-            <a:picLocks noChangeAspect="1"/>
-          </p:cNvPicPr>
-          <p:nvPr/>
-        </p:nvPicPr>
-        <p:blipFill>
-          <a:blip r:embed="rId8">
-            <a:duotone>
-              <a:schemeClr val="bg2">
-                <a:shade val="45000"/>
-                <a:satMod val="135000"/>
-              </a:schemeClr>
-              <a:prstClr val="white"/>
-            </a:duotone>
-          </a:blip>
-          <a:stretch>
-            <a:fillRect/>
-          </a:stretch>
-        </p:blipFill>
-        <p:spPr>
-          <a:xfrm>
-            <a:off x="7572396" y="357166"/>
-            <a:ext cx="971550" cy="971550"/>
-          </a:xfrm>
-          <a:prstGeom prst="rect">
-            <a:avLst/>
-          </a:prstGeom>
-        </p:spPr>
-      </p:pic>
-      <p:pic>
-        <p:nvPicPr>
           <p:cNvPr id="13" name="12 Imagen" descr="Ministerio de Educación"/>
           <p:cNvPicPr/>
           <p:nvPr/>
         </p:nvPicPr>
         <p:blipFill>
-          <a:blip r:embed="rId9" cstate="print">
+          <a:blip r:embed="rId8" cstate="print">
             <a:extLst>
               <a:ext uri="{28A0092B-C50C-407E-A947-70E740481C1C}">
-                <a14:useLocalDpi xmlns:a14="http://schemas.microsoft.com/office/drawing/2010/main" xmlns="" val="0"/>
+                <a14:useLocalDpi xmlns="" xmlns:a14="http://schemas.microsoft.com/office/drawing/2010/main" val="0"/>
               </a:ext>
             </a:extLst>
           </a:blip>
@@ -10484,10 +10272,10 @@
           <p:nvPr/>
         </p:nvPicPr>
         <p:blipFill>
-          <a:blip r:embed="rId10">
+          <a:blip r:embed="rId9">
             <a:extLst>
               <a:ext uri="{28A0092B-C50C-407E-A947-70E740481C1C}">
-                <a14:useLocalDpi xmlns:a14="http://schemas.microsoft.com/office/drawing/2010/main" xmlns="" val="0"/>
+                <a14:useLocalDpi xmlns="" xmlns:a14="http://schemas.microsoft.com/office/drawing/2010/main" val="0"/>
               </a:ext>
             </a:extLst>
           </a:blip>
@@ -10546,7 +10334,7 @@
           <p:nvPr/>
         </p:nvPicPr>
         <p:blipFill>
-          <a:blip r:embed="rId11"/>
+          <a:blip r:embed="rId10"/>
           <a:srcRect l="16667" t="20000" r="16666" b="19999"/>
           <a:stretch>
             <a:fillRect/>
@@ -10589,6 +10377,34 @@
               <a:srgbClr val="C0C0C0"/>
             </a:contourClr>
           </a:sp3d>
+        </p:spPr>
+      </p:pic>
+      <p:pic>
+        <p:nvPicPr>
+          <p:cNvPr id="14" name="13 Imagen" descr="logo_top_byte.gif"/>
+          <p:cNvPicPr>
+            <a:picLocks noChangeAspect="1"/>
+          </p:cNvPicPr>
+          <p:nvPr/>
+        </p:nvPicPr>
+        <p:blipFill>
+          <a:blip r:embed="rId11"/>
+          <a:stretch>
+            <a:fillRect/>
+          </a:stretch>
+        </p:blipFill>
+        <p:spPr>
+          <a:xfrm>
+            <a:off x="8029606" y="142852"/>
+            <a:ext cx="971550" cy="971550"/>
+          </a:xfrm>
+          <a:prstGeom prst="rect">
+            <a:avLst/>
+          </a:prstGeom>
+          <a:noFill/>
+          <a:ln>
+            <a:noFill/>
+          </a:ln>
         </p:spPr>
       </p:pic>
     </p:spTree>
@@ -10701,7 +10517,30 @@
               <a:rPr lang="es-CL" sz="2400" dirty="0" smtClean="0">
                 <a:latin typeface="Arial Black" pitchFamily="34" charset="0"/>
               </a:rPr>
-              <a:t>IFRS, XBRL. La estandarización financiera ya esta aquí &gt;</a:t>
+              <a:t>IFRS, XBRL. La estandarización financiera </a:t>
+            </a:r>
+            <a:r>
+              <a:rPr lang="es-CL" sz="2400" dirty="0" smtClean="0">
+                <a:latin typeface="Arial Black" pitchFamily="34" charset="0"/>
+              </a:rPr>
+              <a:t/>
+            </a:r>
+            <a:br>
+              <a:rPr lang="es-CL" sz="2400" dirty="0" smtClean="0">
+                <a:latin typeface="Arial Black" pitchFamily="34" charset="0"/>
+              </a:rPr>
+            </a:br>
+            <a:r>
+              <a:rPr lang="es-CL" sz="2400" dirty="0" smtClean="0">
+                <a:latin typeface="Arial Black" pitchFamily="34" charset="0"/>
+              </a:rPr>
+              <a:t>esta </a:t>
+            </a:r>
+            <a:r>
+              <a:rPr lang="es-CL" sz="2400" dirty="0" smtClean="0">
+                <a:latin typeface="Arial Black" pitchFamily="34" charset="0"/>
+              </a:rPr>
+              <a:t>aquí &gt;</a:t>
             </a:r>
             <a:endParaRPr lang="es-CL" sz="2400" dirty="0">
               <a:latin typeface="Arial Black" pitchFamily="34" charset="0"/>
@@ -10709,38 +10548,6 @@
           </a:p>
         </p:txBody>
       </p:sp>
-      <p:pic>
-        <p:nvPicPr>
-          <p:cNvPr id="4" name="3 Imagen" descr="logo_top_byte.gif"/>
-          <p:cNvPicPr>
-            <a:picLocks noChangeAspect="1"/>
-          </p:cNvPicPr>
-          <p:nvPr/>
-        </p:nvPicPr>
-        <p:blipFill>
-          <a:blip r:embed="rId2">
-            <a:duotone>
-              <a:schemeClr val="bg2">
-                <a:shade val="45000"/>
-                <a:satMod val="135000"/>
-              </a:schemeClr>
-              <a:prstClr val="white"/>
-            </a:duotone>
-          </a:blip>
-          <a:stretch>
-            <a:fillRect/>
-          </a:stretch>
-        </p:blipFill>
-        <p:spPr>
-          <a:xfrm>
-            <a:off x="7572396" y="357166"/>
-            <a:ext cx="971550" cy="971550"/>
-          </a:xfrm>
-          <a:prstGeom prst="rect">
-            <a:avLst/>
-          </a:prstGeom>
-        </p:spPr>
-      </p:pic>
       <p:sp>
         <p:nvSpPr>
           <p:cNvPr id="5" name="AutoShape 2" descr="data:image/jpeg;base64,/9j/4AAQSkZJRgABAQAAAQABAAD/2wCEAAkGBhQSEBITEhITFBQUGRwaFxcWFx0fIBwiGhgdIBwXGBohJyofIx0jIBgZHy8sKCovLSwuHB8xNjAqPSYtLCkBCQoKDgwOGA4PFjUkHiQqNTY1NSktNSk1Mis1LTUsLjAyNTU1NiwqNSs1LCwyNTU1NiotLTU1NikpKTU1LDYpKf/AABEIACYAoQMBIgACEQEDEQH/xAAcAAEAAgMAAwAAAAAAAAAAAAAABQYDBAcBAgj/xAA5EAABAwIEAgYIBQQDAAAAAAABAAIDBBEFBhIhMUEHExdUYdEiMkJRcYGRkhRyobHBIzQ1UhVDsv/EABoBAQADAAMAAAAAAAAAAAAAAAACBAUBBgf/xAAmEQACAgECBAcBAAAAAAAAAAAAAQIRAwQhIjFTkRMUFVFhcYFB/9oADAMBAAIRAxEAPwCM7T8R7yfsZ5J2n4j3k/YzyVWRQs9C8pg6a7ItPafiPeT9jPJO0/Ee8n7GeSqyJY8pg6a7ItPafiPeT9jPJZqfpDxWS+iaR9uOmJpt8bNVQXUcotnOEWwuwqet/r3LQeBtpLvRta36oVdVjwYYqXhR3dbpJL72JWAV9oWS4tHFUTM1NhdCy/A7X+X7qnVueMXh1dZJI0NNi4xNtfwOmyuVbNRjEKP8Y1xrtEYOn1A/2S/e3w4jgvNWKvqsRGK6fwukmPTY7g+jotv7vW3vbxXJlYskYtOeOLuuaS/tcO3ESmT8emmwl1RK/VKBJ6VgPVvbYC2yydHmNzVMEjpn63NdYGwHLwCi8gf4J/5Zv5Wbon/tpvz/AMKS5GNrIqOeaS2tkXh2MYlVTzRwVDB1ZPrgDbVbazSpiHC8Y1N1VMBbcX35c/8ArVZyxmaKjq6l02qziQNIB9u/MhXXCOkSmqZmQxiTU+9rtbbYE7+kfchVIjN+O1bK+Onp5QzrA0AEC13G1ybErHiFdi9IzrZHRSxt9awB2952abeI4LFmp1sapSdgDH/7W7mrP9O6nkigJlfINIs02F+ZJG/ha6As2WcfbWU7ZQNJvpc33EcR+oPzVXx7NVTPWGjobNLTZ0m3LibkEBo4cLqW6PcGfT0dpRpc9xfp5gEAAHx2v81VcappsNxB1WyPrInkm/L0vWa4+yb7g/vugJOXB8XhGtlUJrblmxv8A4b/AFCsuIV9SwNdHCJBpBc2xBub3tvbbZa+A56pqohrXGOQ+w/a/wCU8D+/grCgMdO5xY0vADiBqA5G24HzWREQBERAfKSLpHYfU94g+jvJOw+p7xB9HeShTO9+paXqHN0XSOw+p7xB9HeSdh9T3iD6O8kpj1LS9Q5uui5fliqsJFK2pjo5opdTnOdp6wG+9+PPl/qF79h9T3iD6O8l47D6jvEH0d5JTK+fWaXKkvFpp2WSpxWKKvoKd1L+Jk0MAqyBqOxGpu24HEm+260ZGto/+SfVVsdQyQPb+H1elqLjpBaeBF7bfHkpjDMv4rBCyFlVSFrBpaXRuLgOW/gqpL0KVTnFzqmEucSSSHbk8TwXJmYpYLqWRJfFu979uH8LFkD/AAT/AITfys3RP/bTfn/hSuWsqvpsONI57HOIeNTb29O9uO/NZMmZYfRRPY97Xlzr3aCOXipLkZGrmp55yi9m2Vfo8ha6tq9TQePEA+2uispGA3DGg+8NCreVsoPpaieV0jXCW9gARa7r73VpQrHNc3QtfjNM1wDmuMYIPAgu3BW1nvJrGQiopY2xui3cIxa4/wBgBzbxUvi+UHzV8NUJGhsZYS0g3Ol19jwVncwEEEXB2IKAhMnZhFXTNcT/AFGejIPH3/A8fqpvZw5EH5hVHBMkyUlY6WKZnUvveMtN7He1+FweC1Jso18Msj6SrAbI4u0u4DUb8CHN/RAaPSVlyCGNk8TRG8vAIbsDcE3A5EW5K55VrHS0UEkm7nMFz77bX/RVVuQampla+vqQ9rfZb+w2DRfwCvsMIY1rWizWgAD3AcAgPdERAEREAREQBERAEREAREQBERAEREAREQBERAEREAREQBERAf/Z"/>
@@ -10760,7 +10567,7 @@
           <a:noFill/>
           <a:extLst>
             <a:ext uri="{909E8E84-426E-40DD-AFC4-6F175D3DCCD1}">
-              <a14:hiddenFill xmlns:a14="http://schemas.microsoft.com/office/drawing/2010/main" xmlns="">
+              <a14:hiddenFill xmlns="" xmlns:a14="http://schemas.microsoft.com/office/drawing/2010/main">
                 <a:solidFill>
                   <a:srgbClr val="FFFFFF"/>
                 </a:solidFill>
@@ -10799,7 +10606,7 @@
           <a:noFill/>
           <a:extLst>
             <a:ext uri="{909E8E84-426E-40DD-AFC4-6F175D3DCCD1}">
-              <a14:hiddenFill xmlns:a14="http://schemas.microsoft.com/office/drawing/2010/main" xmlns="">
+              <a14:hiddenFill xmlns="" xmlns:a14="http://schemas.microsoft.com/office/drawing/2010/main">
                 <a:solidFill>
                   <a:srgbClr val="FFFFFF"/>
                 </a:solidFill>
@@ -10838,7 +10645,7 @@
           <a:noFill/>
           <a:extLst>
             <a:ext uri="{909E8E84-426E-40DD-AFC4-6F175D3DCCD1}">
-              <a14:hiddenFill xmlns:a14="http://schemas.microsoft.com/office/drawing/2010/main" xmlns="">
+              <a14:hiddenFill xmlns="" xmlns:a14="http://schemas.microsoft.com/office/drawing/2010/main">
                 <a:solidFill>
                   <a:srgbClr val="FFFFFF"/>
                 </a:solidFill>
@@ -10867,10 +10674,10 @@
           <p:nvPr/>
         </p:nvPicPr>
         <p:blipFill>
-          <a:blip r:embed="rId3">
+          <a:blip r:embed="rId2">
             <a:extLst>
               <a:ext uri="{28A0092B-C50C-407E-A947-70E740481C1C}">
-                <a14:useLocalDpi xmlns:a14="http://schemas.microsoft.com/office/drawing/2010/main" xmlns="" val="0"/>
+                <a14:useLocalDpi xmlns="" xmlns:a14="http://schemas.microsoft.com/office/drawing/2010/main" val="0"/>
               </a:ext>
             </a:extLst>
           </a:blip>
@@ -10894,14 +10701,14 @@
           <a:effectLst/>
           <a:extLst>
             <a:ext uri="{909E8E84-426E-40DD-AFC4-6F175D3DCCD1}">
-              <a14:hiddenFill xmlns:a14="http://schemas.microsoft.com/office/drawing/2010/main" xmlns="">
+              <a14:hiddenFill xmlns="" xmlns:a14="http://schemas.microsoft.com/office/drawing/2010/main">
                 <a:solidFill>
                   <a:schemeClr val="accent1"/>
                 </a:solidFill>
               </a14:hiddenFill>
             </a:ext>
             <a:ext uri="{91240B29-F687-4F45-9708-019B960494DF}">
-              <a14:hiddenLine xmlns:a14="http://schemas.microsoft.com/office/drawing/2010/main" xmlns="" w="9525">
+              <a14:hiddenLine xmlns="" xmlns:a14="http://schemas.microsoft.com/office/drawing/2010/main" w="9525">
                 <a:solidFill>
                   <a:schemeClr val="tx1"/>
                 </a:solidFill>
@@ -10911,7 +10718,7 @@
               </a14:hiddenLine>
             </a:ext>
             <a:ext uri="{AF507438-7753-43E0-B8FC-AC1667EBCBE1}">
-              <a14:hiddenEffects xmlns:a14="http://schemas.microsoft.com/office/drawing/2010/main" xmlns="">
+              <a14:hiddenEffects xmlns="" xmlns:a14="http://schemas.microsoft.com/office/drawing/2010/main">
                 <a:effectLst>
                   <a:outerShdw dist="35921" dir="2700000" algn="ctr" rotWithShape="0">
                     <a:schemeClr val="bg2"/>
@@ -10920,6 +10727,34 @@
               </a14:hiddenEffects>
             </a:ext>
           </a:extLst>
+        </p:spPr>
+      </p:pic>
+      <p:pic>
+        <p:nvPicPr>
+          <p:cNvPr id="9" name="8 Imagen" descr="logo_top_byte.gif"/>
+          <p:cNvPicPr>
+            <a:picLocks noChangeAspect="1"/>
+          </p:cNvPicPr>
+          <p:nvPr/>
+        </p:nvPicPr>
+        <p:blipFill>
+          <a:blip r:embed="rId3"/>
+          <a:stretch>
+            <a:fillRect/>
+          </a:stretch>
+        </p:blipFill>
+        <p:spPr>
+          <a:xfrm>
+            <a:off x="8029606" y="142852"/>
+            <a:ext cx="971550" cy="971550"/>
+          </a:xfrm>
+          <a:prstGeom prst="rect">
+            <a:avLst/>
+          </a:prstGeom>
+          <a:noFill/>
+          <a:ln>
+            <a:noFill/>
+          </a:ln>
         </p:spPr>
       </p:pic>
     </p:spTree>
@@ -10957,38 +10792,6 @@
           <a:chExt cx="0" cy="0"/>
         </a:xfrm>
       </p:grpSpPr>
-      <p:pic>
-        <p:nvPicPr>
-          <p:cNvPr id="3" name="2 Imagen" descr="logo_top_byte.gif"/>
-          <p:cNvPicPr>
-            <a:picLocks noChangeAspect="1"/>
-          </p:cNvPicPr>
-          <p:nvPr/>
-        </p:nvPicPr>
-        <p:blipFill>
-          <a:blip r:embed="rId2">
-            <a:duotone>
-              <a:schemeClr val="bg2">
-                <a:shade val="45000"/>
-                <a:satMod val="135000"/>
-              </a:schemeClr>
-              <a:prstClr val="white"/>
-            </a:duotone>
-          </a:blip>
-          <a:stretch>
-            <a:fillRect/>
-          </a:stretch>
-        </p:blipFill>
-        <p:spPr>
-          <a:xfrm>
-            <a:off x="7572396" y="357166"/>
-            <a:ext cx="971550" cy="971550"/>
-          </a:xfrm>
-          <a:prstGeom prst="rect">
-            <a:avLst/>
-          </a:prstGeom>
-        </p:spPr>
-      </p:pic>
       <p:sp>
         <p:nvSpPr>
           <p:cNvPr id="2" name="1 Marcador de contenido"/>
@@ -11047,10 +10850,10 @@
           <p:nvPr/>
         </p:nvPicPr>
         <p:blipFill>
-          <a:blip r:embed="rId3">
+          <a:blip r:embed="rId2">
             <a:extLst>
               <a:ext uri="{28A0092B-C50C-407E-A947-70E740481C1C}">
-                <a14:useLocalDpi xmlns:a14="http://schemas.microsoft.com/office/drawing/2010/main" xmlns="" val="0"/>
+                <a14:useLocalDpi xmlns="" xmlns:a14="http://schemas.microsoft.com/office/drawing/2010/main" val="0"/>
               </a:ext>
             </a:extLst>
           </a:blip>
@@ -11074,14 +10877,14 @@
           <a:effectLst/>
           <a:extLst>
             <a:ext uri="{909E8E84-426E-40DD-AFC4-6F175D3DCCD1}">
-              <a14:hiddenFill xmlns:a14="http://schemas.microsoft.com/office/drawing/2010/main" xmlns="">
+              <a14:hiddenFill xmlns="" xmlns:a14="http://schemas.microsoft.com/office/drawing/2010/main">
                 <a:solidFill>
                   <a:schemeClr val="accent1"/>
                 </a:solidFill>
               </a14:hiddenFill>
             </a:ext>
             <a:ext uri="{91240B29-F687-4F45-9708-019B960494DF}">
-              <a14:hiddenLine xmlns:a14="http://schemas.microsoft.com/office/drawing/2010/main" xmlns="" w="9525">
+              <a14:hiddenLine xmlns="" xmlns:a14="http://schemas.microsoft.com/office/drawing/2010/main" w="9525">
                 <a:solidFill>
                   <a:schemeClr val="tx1"/>
                 </a:solidFill>
@@ -11091,7 +10894,7 @@
               </a14:hiddenLine>
             </a:ext>
             <a:ext uri="{AF507438-7753-43E0-B8FC-AC1667EBCBE1}">
-              <a14:hiddenEffects xmlns:a14="http://schemas.microsoft.com/office/drawing/2010/main" xmlns="">
+              <a14:hiddenEffects xmlns="" xmlns:a14="http://schemas.microsoft.com/office/drawing/2010/main">
                 <a:effectLst>
                   <a:outerShdw dist="35921" dir="2700000" algn="ctr" rotWithShape="0">
                     <a:schemeClr val="bg2"/>
@@ -11147,6 +10950,34 @@
           </a:p>
         </p:txBody>
       </p:sp>
+      <p:pic>
+        <p:nvPicPr>
+          <p:cNvPr id="7" name="6 Imagen" descr="logo_top_byte.gif"/>
+          <p:cNvPicPr>
+            <a:picLocks noChangeAspect="1"/>
+          </p:cNvPicPr>
+          <p:nvPr/>
+        </p:nvPicPr>
+        <p:blipFill>
+          <a:blip r:embed="rId3"/>
+          <a:stretch>
+            <a:fillRect/>
+          </a:stretch>
+        </p:blipFill>
+        <p:spPr>
+          <a:xfrm>
+            <a:off x="8029606" y="142852"/>
+            <a:ext cx="971550" cy="971550"/>
+          </a:xfrm>
+          <a:prstGeom prst="rect">
+            <a:avLst/>
+          </a:prstGeom>
+          <a:noFill/>
+          <a:ln>
+            <a:noFill/>
+          </a:ln>
+        </p:spPr>
+      </p:pic>
     </p:spTree>
   </p:cSld>
   <p:clrMapOvr>
@@ -11182,38 +11013,6 @@
           <a:chExt cx="0" cy="0"/>
         </a:xfrm>
       </p:grpSpPr>
-      <p:pic>
-        <p:nvPicPr>
-          <p:cNvPr id="3" name="2 Imagen" descr="logo_top_byte.gif"/>
-          <p:cNvPicPr>
-            <a:picLocks noChangeAspect="1"/>
-          </p:cNvPicPr>
-          <p:nvPr/>
-        </p:nvPicPr>
-        <p:blipFill>
-          <a:blip r:embed="rId2">
-            <a:duotone>
-              <a:schemeClr val="bg2">
-                <a:shade val="45000"/>
-                <a:satMod val="135000"/>
-              </a:schemeClr>
-              <a:prstClr val="white"/>
-            </a:duotone>
-          </a:blip>
-          <a:stretch>
-            <a:fillRect/>
-          </a:stretch>
-        </p:blipFill>
-        <p:spPr>
-          <a:xfrm>
-            <a:off x="7572396" y="357166"/>
-            <a:ext cx="971550" cy="971550"/>
-          </a:xfrm>
-          <a:prstGeom prst="rect">
-            <a:avLst/>
-          </a:prstGeom>
-        </p:spPr>
-      </p:pic>
       <p:sp>
         <p:nvSpPr>
           <p:cNvPr id="2" name="1 Marcador de contenido"/>
@@ -11431,6 +11230,30 @@
           <p:nvPr/>
         </p:nvPicPr>
         <p:blipFill>
+          <a:blip r:embed="rId2"/>
+          <a:stretch>
+            <a:fillRect/>
+          </a:stretch>
+        </p:blipFill>
+        <p:spPr>
+          <a:xfrm>
+            <a:off x="6572264" y="6072206"/>
+            <a:ext cx="2286015" cy="576253"/>
+          </a:xfrm>
+          <a:prstGeom prst="rect">
+            <a:avLst/>
+          </a:prstGeom>
+        </p:spPr>
+      </p:pic>
+      <p:pic>
+        <p:nvPicPr>
+          <p:cNvPr id="9" name="8 Imagen" descr="logo_top_byte.gif"/>
+          <p:cNvPicPr>
+            <a:picLocks noChangeAspect="1"/>
+          </p:cNvPicPr>
+          <p:nvPr/>
+        </p:nvPicPr>
+        <p:blipFill>
           <a:blip r:embed="rId3"/>
           <a:stretch>
             <a:fillRect/>
@@ -11438,12 +11261,16 @@
         </p:blipFill>
         <p:spPr>
           <a:xfrm>
-            <a:off x="6572264" y="6072206"/>
-            <a:ext cx="2286015" cy="576253"/>
+            <a:off x="8029606" y="142852"/>
+            <a:ext cx="971550" cy="971550"/>
           </a:xfrm>
           <a:prstGeom prst="rect">
             <a:avLst/>
           </a:prstGeom>
+          <a:noFill/>
+          <a:ln>
+            <a:noFill/>
+          </a:ln>
         </p:spPr>
       </p:pic>
     </p:spTree>
@@ -11541,7 +11368,6 @@
               <a:rPr lang="es-CL" sz="2300" dirty="0" smtClean="0"/>
               <a:t>Interfaces usables.</a:t>
             </a:r>
-            <a:endParaRPr lang="es-CL" sz="2300" dirty="0" smtClean="0"/>
           </a:p>
           <a:p>
             <a:pPr algn="just">
@@ -11568,7 +11394,6 @@
               <a:rPr lang="es-CL" sz="2300" dirty="0" smtClean="0"/>
               <a:t> según las normativas.</a:t>
             </a:r>
-            <a:endParaRPr lang="es-CL" sz="2300" dirty="0" smtClean="0"/>
           </a:p>
           <a:p>
             <a:pPr algn="just">
@@ -11699,30 +11524,22 @@
       </p:sp>
       <p:pic>
         <p:nvPicPr>
-          <p:cNvPr id="4" name="3 Imagen" descr="logo_top_byte.gif"/>
+          <p:cNvPr id="6" name="5 Imagen" descr="logo_exfida.png"/>
           <p:cNvPicPr>
             <a:picLocks noChangeAspect="1"/>
           </p:cNvPicPr>
           <p:nvPr/>
         </p:nvPicPr>
         <p:blipFill>
-          <a:blip r:embed="rId2">
-            <a:duotone>
-              <a:schemeClr val="bg2">
-                <a:shade val="45000"/>
-                <a:satMod val="135000"/>
-              </a:schemeClr>
-              <a:prstClr val="white"/>
-            </a:duotone>
-          </a:blip>
+          <a:blip r:embed="rId2"/>
           <a:stretch>
             <a:fillRect/>
           </a:stretch>
         </p:blipFill>
         <p:spPr>
           <a:xfrm>
-            <a:off x="7572396" y="357166"/>
-            <a:ext cx="971550" cy="971550"/>
+            <a:off x="6572264" y="6072206"/>
+            <a:ext cx="2286015" cy="576253"/>
           </a:xfrm>
           <a:prstGeom prst="rect">
             <a:avLst/>
@@ -11731,7 +11548,7 @@
       </p:pic>
       <p:pic>
         <p:nvPicPr>
-          <p:cNvPr id="6" name="5 Imagen" descr="logo_exfida.png"/>
+          <p:cNvPr id="7" name="6 Imagen" descr="logo_top_byte.gif"/>
           <p:cNvPicPr>
             <a:picLocks noChangeAspect="1"/>
           </p:cNvPicPr>
@@ -11745,12 +11562,16 @@
         </p:blipFill>
         <p:spPr>
           <a:xfrm>
-            <a:off x="6572264" y="6072206"/>
-            <a:ext cx="2286015" cy="576253"/>
+            <a:off x="8029606" y="142852"/>
+            <a:ext cx="971550" cy="971550"/>
           </a:xfrm>
           <a:prstGeom prst="rect">
             <a:avLst/>
           </a:prstGeom>
+          <a:noFill/>
+          <a:ln>
+            <a:noFill/>
+          </a:ln>
         </p:spPr>
       </p:pic>
     </p:spTree>

--- a/trunk/docs/comercial/brochure_2.pptx
+++ b/trunk/docs/comercial/brochure_2.pptx
@@ -756,7 +756,7 @@
             <a:fld id="{DE3A2F4D-761B-49FA-B2B4-D6F123DD324B}" type="datetimeFigureOut">
               <a:rPr lang="es-CL" smtClean="0"/>
               <a:pPr/>
-              <a:t>15-08-2012</a:t>
+              <a:t>24-08-2012</a:t>
             </a:fld>
             <a:endParaRPr lang="es-CL"/>
           </a:p>
@@ -957,7 +957,7 @@
             <a:fld id="{DE3A2F4D-761B-49FA-B2B4-D6F123DD324B}" type="datetimeFigureOut">
               <a:rPr lang="es-CL" smtClean="0"/>
               <a:pPr/>
-              <a:t>15-08-2012</a:t>
+              <a:t>24-08-2012</a:t>
             </a:fld>
             <a:endParaRPr lang="es-CL"/>
           </a:p>
@@ -1147,7 +1147,7 @@
             <a:fld id="{DE3A2F4D-761B-49FA-B2B4-D6F123DD324B}" type="datetimeFigureOut">
               <a:rPr lang="es-CL" smtClean="0"/>
               <a:pPr/>
-              <a:t>15-08-2012</a:t>
+              <a:t>24-08-2012</a:t>
             </a:fld>
             <a:endParaRPr lang="es-CL"/>
           </a:p>
@@ -1302,7 +1302,7 @@
             <a:fld id="{DE3A2F4D-761B-49FA-B2B4-D6F123DD324B}" type="datetimeFigureOut">
               <a:rPr lang="es-CL" smtClean="0"/>
               <a:pPr/>
-              <a:t>15-08-2012</a:t>
+              <a:t>24-08-2012</a:t>
             </a:fld>
             <a:endParaRPr lang="es-CL"/>
           </a:p>
@@ -1562,7 +1562,7 @@
             <a:fld id="{DE3A2F4D-761B-49FA-B2B4-D6F123DD324B}" type="datetimeFigureOut">
               <a:rPr lang="es-CL" smtClean="0"/>
               <a:pPr/>
-              <a:t>15-08-2012</a:t>
+              <a:t>24-08-2012</a:t>
             </a:fld>
             <a:endParaRPr lang="es-CL"/>
           </a:p>
@@ -1976,7 +1976,7 @@
             <a:fld id="{DE3A2F4D-761B-49FA-B2B4-D6F123DD324B}" type="datetimeFigureOut">
               <a:rPr lang="es-CL" smtClean="0"/>
               <a:pPr/>
-              <a:t>15-08-2012</a:t>
+              <a:t>24-08-2012</a:t>
             </a:fld>
             <a:endParaRPr lang="es-CL"/>
           </a:p>
@@ -2427,7 +2427,7 @@
             <a:fld id="{DE3A2F4D-761B-49FA-B2B4-D6F123DD324B}" type="datetimeFigureOut">
               <a:rPr lang="es-CL" smtClean="0"/>
               <a:pPr/>
-              <a:t>15-08-2012</a:t>
+              <a:t>24-08-2012</a:t>
             </a:fld>
             <a:endParaRPr lang="es-CL"/>
           </a:p>
@@ -2533,7 +2533,7 @@
             <a:fld id="{DE3A2F4D-761B-49FA-B2B4-D6F123DD324B}" type="datetimeFigureOut">
               <a:rPr lang="es-CL" smtClean="0"/>
               <a:pPr/>
-              <a:t>15-08-2012</a:t>
+              <a:t>24-08-2012</a:t>
             </a:fld>
             <a:endParaRPr lang="es-CL"/>
           </a:p>
@@ -2659,7 +2659,7 @@
             <a:fld id="{DE3A2F4D-761B-49FA-B2B4-D6F123DD324B}" type="datetimeFigureOut">
               <a:rPr lang="es-CL" smtClean="0"/>
               <a:pPr/>
-              <a:t>15-08-2012</a:t>
+              <a:t>24-08-2012</a:t>
             </a:fld>
             <a:endParaRPr lang="es-CL"/>
           </a:p>
@@ -2938,7 +2938,7 @@
             <a:fld id="{DE3A2F4D-761B-49FA-B2B4-D6F123DD324B}" type="datetimeFigureOut">
               <a:rPr lang="es-CL" smtClean="0"/>
               <a:pPr/>
-              <a:t>15-08-2012</a:t>
+              <a:t>24-08-2012</a:t>
             </a:fld>
             <a:endParaRPr lang="es-CL"/>
           </a:p>
@@ -3148,7 +3148,7 @@
             <a:fld id="{DE3A2F4D-761B-49FA-B2B4-D6F123DD324B}" type="datetimeFigureOut">
               <a:rPr lang="es-CL" smtClean="0"/>
               <a:pPr/>
-              <a:t>15-08-2012</a:t>
+              <a:t>24-08-2012</a:t>
             </a:fld>
             <a:endParaRPr lang="es-CL"/>
           </a:p>
@@ -4262,7 +4262,7 @@
             <a:fld id="{DE3A2F4D-761B-49FA-B2B4-D6F123DD324B}" type="datetimeFigureOut">
               <a:rPr lang="es-CL" smtClean="0"/>
               <a:pPr/>
-              <a:t>15-08-2012</a:t>
+              <a:t>24-08-2012</a:t>
             </a:fld>
             <a:endParaRPr lang="es-CL"/>
           </a:p>
@@ -4685,39 +4685,19 @@
         </p:nvSpPr>
         <p:spPr>
           <a:xfrm>
-            <a:off x="714348" y="1714488"/>
-            <a:ext cx="7772400" cy="3286148"/>
+            <a:off x="1336104" y="4005064"/>
+            <a:ext cx="7772400" cy="923564"/>
           </a:xfrm>
         </p:spPr>
         <p:txBody>
           <a:bodyPr>
-            <a:normAutofit/>
+            <a:normAutofit fontScale="90000"/>
           </a:bodyPr>
           <a:lstStyle/>
           <a:p>
             <a:r>
               <a:rPr lang="es-CL" dirty="0" smtClean="0"/>
               <a:t> </a:t>
-            </a:r>
-            <a:r>
-              <a:rPr lang="es-CL" sz="2000" dirty="0" smtClean="0"/>
-              <a:t>(</a:t>
-            </a:r>
-            <a:r>
-              <a:rPr lang="es-CL" sz="2000" dirty="0" err="1" smtClean="0"/>
-              <a:t>Exposure</a:t>
-            </a:r>
-            <a:r>
-              <a:rPr lang="es-CL" sz="2000" dirty="0" smtClean="0"/>
-              <a:t> </a:t>
-            </a:r>
-            <a:r>
-              <a:rPr lang="es-CL" sz="2000" dirty="0" err="1" smtClean="0"/>
-              <a:t>Finantial</a:t>
-            </a:r>
-            <a:r>
-              <a:rPr lang="es-CL" sz="2000" dirty="0" smtClean="0"/>
-              <a:t> Data)</a:t>
             </a:r>
             <a:r>
               <a:rPr lang="es-CL" sz="5400" dirty="0" smtClean="0"/>
@@ -4774,7 +4754,7 @@
         </p:blipFill>
         <p:spPr>
           <a:xfrm>
-            <a:off x="2628886" y="3437945"/>
+            <a:off x="3275856" y="2132856"/>
             <a:ext cx="2571768" cy="648285"/>
           </a:xfrm>
           <a:prstGeom prst="rect">
@@ -4782,6 +4762,41 @@
           </a:prstGeom>
         </p:spPr>
       </p:pic>
+      <p:sp>
+        <p:nvSpPr>
+          <p:cNvPr id="3" name="2 CuadroTexto"/>
+          <p:cNvSpPr txBox="1"/>
+          <p:nvPr/>
+        </p:nvSpPr>
+        <p:spPr>
+          <a:xfrm>
+            <a:off x="3563888" y="2781141"/>
+            <a:ext cx="2016224" cy="276999"/>
+          </a:xfrm>
+          <a:prstGeom prst="rect">
+            <a:avLst/>
+          </a:prstGeom>
+          <a:noFill/>
+        </p:spPr>
+        <p:txBody>
+          <a:bodyPr wrap="square" rtlCol="0">
+            <a:spAutoFit/>
+          </a:bodyPr>
+          <a:lstStyle/>
+          <a:p>
+            <a:r>
+              <a:rPr lang="es-CL" sz="1200" b="1" dirty="0">
+                <a:solidFill>
+                  <a:schemeClr val="bg1">
+                    <a:lumMod val="65000"/>
+                  </a:schemeClr>
+                </a:solidFill>
+              </a:rPr>
+              <a:t>Exposure Finantial Data</a:t>
+            </a:r>
+          </a:p>
+        </p:txBody>
+      </p:sp>
     </p:spTree>
   </p:cSld>
   <p:clrMapOvr>
@@ -4819,14 +4834,82 @@
       </p:grpSpPr>
       <p:sp>
         <p:nvSpPr>
+          <p:cNvPr id="11" name="10 Rectángulo redondeado"/>
+          <p:cNvSpPr/>
+          <p:nvPr/>
+        </p:nvSpPr>
+        <p:spPr>
+          <a:xfrm>
+            <a:off x="251519" y="260648"/>
+            <a:ext cx="8606759" cy="5256584"/>
+          </a:xfrm>
+          <a:prstGeom prst="roundRect">
+            <a:avLst/>
+          </a:prstGeom>
+          <a:gradFill flip="none" rotWithShape="1">
+            <a:gsLst>
+              <a:gs pos="33000">
+                <a:schemeClr val="accent1">
+                  <a:tint val="66000"/>
+                  <a:satMod val="160000"/>
+                </a:schemeClr>
+              </a:gs>
+              <a:gs pos="51000">
+                <a:schemeClr val="accent1">
+                  <a:tint val="44500"/>
+                  <a:satMod val="160000"/>
+                  <a:alpha val="0"/>
+                </a:schemeClr>
+              </a:gs>
+              <a:gs pos="100000">
+                <a:schemeClr val="accent1">
+                  <a:tint val="23500"/>
+                  <a:satMod val="160000"/>
+                </a:schemeClr>
+              </a:gs>
+            </a:gsLst>
+            <a:lin ang="16200000" scaled="1"/>
+            <a:tileRect/>
+          </a:gradFill>
+          <a:ln>
+            <a:noFill/>
+          </a:ln>
+        </p:spPr>
+        <p:style>
+          <a:lnRef idx="2">
+            <a:schemeClr val="accent1">
+              <a:shade val="50000"/>
+            </a:schemeClr>
+          </a:lnRef>
+          <a:fillRef idx="1">
+            <a:schemeClr val="accent1"/>
+          </a:fillRef>
+          <a:effectRef idx="0">
+            <a:schemeClr val="accent1"/>
+          </a:effectRef>
+          <a:fontRef idx="minor">
+            <a:schemeClr val="lt1"/>
+          </a:fontRef>
+        </p:style>
+        <p:txBody>
+          <a:bodyPr rtlCol="0" anchor="ctr"/>
+          <a:lstStyle/>
+          <a:p>
+            <a:pPr algn="ctr"/>
+            <a:endParaRPr lang="es-CL"/>
+          </a:p>
+        </p:txBody>
+      </p:sp>
+      <p:sp>
+        <p:nvSpPr>
           <p:cNvPr id="5" name="4 Rectángulo"/>
           <p:cNvSpPr/>
           <p:nvPr/>
         </p:nvSpPr>
         <p:spPr>
           <a:xfrm>
-            <a:off x="528046" y="756573"/>
-            <a:ext cx="7932386" cy="1154162"/>
+            <a:off x="539552" y="762670"/>
+            <a:ext cx="7848872" cy="1154162"/>
           </a:xfrm>
           <a:prstGeom prst="rect">
             <a:avLst/>
@@ -4844,17 +4927,62 @@
           <a:p>
             <a:pPr algn="just"/>
             <a:r>
-              <a:rPr lang="es-CL" sz="2300" dirty="0" smtClean="0"/>
-              <a:t>Acceda a su información de acuerdo a su </a:t>
-            </a:r>
-          </a:p>
-          <a:p>
-            <a:pPr algn="just"/>
-            <a:r>
-              <a:rPr lang="es-CL" sz="2300" dirty="0" smtClean="0"/>
-              <a:t>perfil, de manera fácil y oportuna.</a:t>
-            </a:r>
-            <a:endParaRPr lang="es-CL" sz="2300" dirty="0"/>
+              <a:rPr lang="es-CL" sz="2300" dirty="0" smtClean="0">
+                <a:solidFill>
+                  <a:schemeClr val="accent4">
+                    <a:lumMod val="75000"/>
+                  </a:schemeClr>
+                </a:solidFill>
+                <a:latin typeface="Times New Roman" pitchFamily="18" charset="0"/>
+                <a:cs typeface="Times New Roman" pitchFamily="18" charset="0"/>
+              </a:rPr>
+              <a:t>	Acceda </a:t>
+            </a:r>
+            <a:r>
+              <a:rPr lang="es-CL" sz="2300" dirty="0">
+                <a:solidFill>
+                  <a:schemeClr val="accent4">
+                    <a:lumMod val="75000"/>
+                  </a:schemeClr>
+                </a:solidFill>
+                <a:latin typeface="Times New Roman" pitchFamily="18" charset="0"/>
+                <a:cs typeface="Times New Roman" pitchFamily="18" charset="0"/>
+              </a:rPr>
+              <a:t>a su información de acuerdo a su </a:t>
+            </a:r>
+            <a:r>
+              <a:rPr lang="es-CL" sz="2300" dirty="0" smtClean="0">
+                <a:solidFill>
+                  <a:schemeClr val="accent4">
+                    <a:lumMod val="75000"/>
+                  </a:schemeClr>
+                </a:solidFill>
+                <a:latin typeface="Times New Roman" pitchFamily="18" charset="0"/>
+                <a:cs typeface="Times New Roman" pitchFamily="18" charset="0"/>
+              </a:rPr>
+              <a:t>perfil</a:t>
+            </a:r>
+            <a:r>
+              <a:rPr lang="es-CL" sz="2300" dirty="0">
+                <a:solidFill>
+                  <a:schemeClr val="accent4">
+                    <a:lumMod val="75000"/>
+                  </a:schemeClr>
+                </a:solidFill>
+                <a:latin typeface="Times New Roman" pitchFamily="18" charset="0"/>
+                <a:cs typeface="Times New Roman" pitchFamily="18" charset="0"/>
+              </a:rPr>
+              <a:t>, de manera fácil y oportuna.</a:t>
+            </a:r>
+            <a:endParaRPr lang="es-CL" sz="2300" dirty="0">
+              <a:solidFill>
+                <a:schemeClr val="accent4">
+                  <a:lumMod val="75000"/>
+                </a:schemeClr>
+              </a:solidFill>
+              <a:latin typeface="Times New Roman" pitchFamily="18" charset="0"/>
+              <a:cs typeface="Times New Roman" pitchFamily="18" charset="0"/>
+            </a:endParaRPr>
           </a:p>
         </p:txBody>
       </p:sp>
@@ -4881,8 +5009,14 @@
           <a:lstStyle/>
           <a:p>
             <a:r>
-              <a:rPr lang="es-CL" sz="2400" dirty="0">
-                <a:latin typeface="Arial Black" pitchFamily="34" charset="0"/>
+              <a:rPr lang="es-CL" sz="3200" dirty="0">
+                <a:solidFill>
+                  <a:schemeClr val="bg2">
+                    <a:lumMod val="50000"/>
+                  </a:schemeClr>
+                </a:solidFill>
+                <a:latin typeface="Andalus" pitchFamily="18" charset="-78"/>
+                <a:cs typeface="Andalus" pitchFamily="18" charset="-78"/>
               </a:rPr>
               <a:t>EXFIDA, seguro y confiable &gt;</a:t>
             </a:r>
@@ -4930,20 +5064,36 @@
         </p:blipFill>
         <p:spPr bwMode="auto">
           <a:xfrm>
-            <a:off x="642910" y="2357430"/>
+            <a:off x="251520" y="2440268"/>
             <a:ext cx="8052837" cy="2428892"/>
           </a:xfrm>
-          <a:prstGeom prst="rect">
-            <a:avLst/>
+          <a:prstGeom prst="roundRect">
+            <a:avLst>
+              <a:gd name="adj" fmla="val 16667"/>
+            </a:avLst>
           </a:prstGeom>
-          <a:noFill/>
-          <a:ln w="9525">
+          <a:ln>
             <a:noFill/>
-            <a:miter lim="800000"/>
-            <a:headEnd/>
-            <a:tailEnd/>
           </a:ln>
-          <a:effectLst/>
+          <a:effectLst>
+            <a:outerShdw blurRad="152400" dist="12000" dir="900000" sy="98000" kx="110000" ky="200000" algn="tl" rotWithShape="0">
+              <a:srgbClr val="000000">
+                <a:alpha val="30000"/>
+              </a:srgbClr>
+            </a:outerShdw>
+          </a:effectLst>
+          <a:scene3d>
+            <a:camera prst="perspectiveRelaxed">
+              <a:rot lat="19800000" lon="1200000" rev="20820000"/>
+            </a:camera>
+            <a:lightRig rig="threePt" dir="t"/>
+          </a:scene3d>
+          <a:sp3d contourW="6350" prstMaterial="matte">
+            <a:bevelT w="101600" h="101600"/>
+            <a:contourClr>
+              <a:srgbClr val="969696"/>
+            </a:contourClr>
+          </a:sp3d>
         </p:spPr>
       </p:pic>
       <p:pic>
@@ -5011,6 +5161,74 @@
       </p:grpSpPr>
       <p:sp>
         <p:nvSpPr>
+          <p:cNvPr id="8" name="7 Rectángulo redondeado"/>
+          <p:cNvSpPr/>
+          <p:nvPr/>
+        </p:nvSpPr>
+        <p:spPr>
+          <a:xfrm>
+            <a:off x="251519" y="260648"/>
+            <a:ext cx="8606759" cy="5256584"/>
+          </a:xfrm>
+          <a:prstGeom prst="roundRect">
+            <a:avLst/>
+          </a:prstGeom>
+          <a:gradFill flip="none" rotWithShape="1">
+            <a:gsLst>
+              <a:gs pos="33000">
+                <a:schemeClr val="accent1">
+                  <a:tint val="66000"/>
+                  <a:satMod val="160000"/>
+                </a:schemeClr>
+              </a:gs>
+              <a:gs pos="51000">
+                <a:schemeClr val="accent1">
+                  <a:tint val="44500"/>
+                  <a:satMod val="160000"/>
+                  <a:alpha val="0"/>
+                </a:schemeClr>
+              </a:gs>
+              <a:gs pos="100000">
+                <a:schemeClr val="accent1">
+                  <a:tint val="23500"/>
+                  <a:satMod val="160000"/>
+                </a:schemeClr>
+              </a:gs>
+            </a:gsLst>
+            <a:lin ang="16200000" scaled="1"/>
+            <a:tileRect/>
+          </a:gradFill>
+          <a:ln>
+            <a:noFill/>
+          </a:ln>
+        </p:spPr>
+        <p:style>
+          <a:lnRef idx="2">
+            <a:schemeClr val="accent1">
+              <a:shade val="50000"/>
+            </a:schemeClr>
+          </a:lnRef>
+          <a:fillRef idx="1">
+            <a:schemeClr val="accent1"/>
+          </a:fillRef>
+          <a:effectRef idx="0">
+            <a:schemeClr val="accent1"/>
+          </a:effectRef>
+          <a:fontRef idx="minor">
+            <a:schemeClr val="lt1"/>
+          </a:fontRef>
+        </p:style>
+        <p:txBody>
+          <a:bodyPr rtlCol="0" anchor="ctr"/>
+          <a:lstStyle/>
+          <a:p>
+            <a:pPr algn="ctr"/>
+            <a:endParaRPr lang="es-CL"/>
+          </a:p>
+        </p:txBody>
+      </p:sp>
+      <p:sp>
+        <p:nvSpPr>
           <p:cNvPr id="10" name="2 Título"/>
           <p:cNvSpPr>
             <a:spLocks noGrp="1"/>
@@ -5032,8 +5250,14 @@
           <a:lstStyle/>
           <a:p>
             <a:r>
-              <a:rPr lang="es-CL" sz="2400" dirty="0">
-                <a:latin typeface="Arial Black" pitchFamily="34" charset="0"/>
+              <a:rPr lang="es-CL" sz="3200" dirty="0">
+                <a:solidFill>
+                  <a:schemeClr val="bg2">
+                    <a:lumMod val="50000"/>
+                  </a:schemeClr>
+                </a:solidFill>
+                <a:latin typeface="Andalus" pitchFamily="18" charset="-78"/>
+                <a:cs typeface="Andalus" pitchFamily="18" charset="-78"/>
               </a:rPr>
               <a:t>EXFIDA, seguro y confiable &gt;</a:t>
             </a:r>
@@ -5081,22 +5305,36 @@
         </p:blipFill>
         <p:spPr bwMode="auto">
           <a:xfrm>
-            <a:off x="450648" y="1714488"/>
-            <a:ext cx="8193318" cy="3857652"/>
-          </a:xfrm>
-          <a:prstGeom prst="rect">
-            <a:avLst/>
+            <a:off x="323528" y="1412776"/>
+            <a:ext cx="7793760" cy="3669528"/>
+          </a:xfrm>
+          <a:prstGeom prst="roundRect">
+            <a:avLst>
+              <a:gd name="adj" fmla="val 16667"/>
+            </a:avLst>
           </a:prstGeom>
           <a:ln>
             <a:noFill/>
           </a:ln>
           <a:effectLst>
-            <a:outerShdw blurRad="292100" dist="139700" dir="2700000" algn="tl" rotWithShape="0">
-              <a:srgbClr val="333333">
-                <a:alpha val="65000"/>
+            <a:outerShdw blurRad="152400" dist="12000" dir="900000" sy="98000" kx="110000" ky="200000" algn="tl" rotWithShape="0">
+              <a:srgbClr val="000000">
+                <a:alpha val="30000"/>
               </a:srgbClr>
             </a:outerShdw>
           </a:effectLst>
+          <a:scene3d>
+            <a:camera prst="perspectiveRelaxed">
+              <a:rot lat="19800000" lon="1200000" rev="20820000"/>
+            </a:camera>
+            <a:lightRig rig="threePt" dir="t"/>
+          </a:scene3d>
+          <a:sp3d contourW="6350" prstMaterial="matte">
+            <a:bevelT w="101600" h="101600"/>
+            <a:contourClr>
+              <a:srgbClr val="969696"/>
+            </a:contourClr>
+          </a:sp3d>
         </p:spPr>
       </p:pic>
       <p:pic>
@@ -5164,6 +5402,74 @@
       </p:grpSpPr>
       <p:sp>
         <p:nvSpPr>
+          <p:cNvPr id="9" name="8 Rectángulo redondeado"/>
+          <p:cNvSpPr/>
+          <p:nvPr/>
+        </p:nvSpPr>
+        <p:spPr>
+          <a:xfrm>
+            <a:off x="251519" y="260648"/>
+            <a:ext cx="8606759" cy="5256584"/>
+          </a:xfrm>
+          <a:prstGeom prst="roundRect">
+            <a:avLst/>
+          </a:prstGeom>
+          <a:gradFill flip="none" rotWithShape="1">
+            <a:gsLst>
+              <a:gs pos="33000">
+                <a:schemeClr val="accent1">
+                  <a:tint val="66000"/>
+                  <a:satMod val="160000"/>
+                </a:schemeClr>
+              </a:gs>
+              <a:gs pos="51000">
+                <a:schemeClr val="accent1">
+                  <a:tint val="44500"/>
+                  <a:satMod val="160000"/>
+                  <a:alpha val="0"/>
+                </a:schemeClr>
+              </a:gs>
+              <a:gs pos="100000">
+                <a:schemeClr val="accent1">
+                  <a:tint val="23500"/>
+                  <a:satMod val="160000"/>
+                </a:schemeClr>
+              </a:gs>
+            </a:gsLst>
+            <a:lin ang="16200000" scaled="1"/>
+            <a:tileRect/>
+          </a:gradFill>
+          <a:ln>
+            <a:noFill/>
+          </a:ln>
+        </p:spPr>
+        <p:style>
+          <a:lnRef idx="2">
+            <a:schemeClr val="accent1">
+              <a:shade val="50000"/>
+            </a:schemeClr>
+          </a:lnRef>
+          <a:fillRef idx="1">
+            <a:schemeClr val="accent1"/>
+          </a:fillRef>
+          <a:effectRef idx="0">
+            <a:schemeClr val="accent1"/>
+          </a:effectRef>
+          <a:fontRef idx="minor">
+            <a:schemeClr val="lt1"/>
+          </a:fontRef>
+        </p:style>
+        <p:txBody>
+          <a:bodyPr rtlCol="0" anchor="ctr"/>
+          <a:lstStyle/>
+          <a:p>
+            <a:pPr algn="ctr"/>
+            <a:endParaRPr lang="es-CL"/>
+          </a:p>
+        </p:txBody>
+      </p:sp>
+      <p:sp>
+        <p:nvSpPr>
           <p:cNvPr id="2" name="1 Marcador de contenido"/>
           <p:cNvSpPr>
             <a:spLocks noGrp="1"/>
@@ -5185,12 +5491,17 @@
           <a:lstStyle/>
           <a:p>
             <a:pPr marL="109728" indent="0">
+              <a:spcBef>
+                <a:spcPct val="0"/>
+              </a:spcBef>
               <a:buNone/>
             </a:pPr>
             <a:r>
-              <a:rPr lang="es-CL" sz="2200" b="1" dirty="0" smtClean="0">
-                <a:solidFill>
-                  <a:schemeClr val="tx2"/>
+              <a:rPr lang="es-CL" sz="3200" b="1" dirty="0">
+                <a:solidFill>
+                  <a:schemeClr val="bg2">
+                    <a:lumMod val="50000"/>
+                  </a:schemeClr>
                 </a:solidFill>
                 <a:effectLst>
                   <a:outerShdw blurRad="31750" dist="25400" dir="5400000" algn="tl" rotWithShape="0">
@@ -5199,16 +5510,18 @@
                     </a:srgbClr>
                   </a:outerShdw>
                 </a:effectLst>
-                <a:latin typeface="Arial Black" pitchFamily="34" charset="0"/>
+                <a:latin typeface="Andalus" pitchFamily="18" charset="-78"/>
                 <a:ea typeface="+mj-ea"/>
-                <a:cs typeface="+mj-cs"/>
+                <a:cs typeface="Andalus" pitchFamily="18" charset="-78"/>
               </a:rPr>
               <a:t>Controle su Información&gt;</a:t>
             </a:r>
             <a:r>
-              <a:rPr lang="es-CL" sz="2200" b="1" dirty="0">
-                <a:solidFill>
-                  <a:schemeClr val="tx2"/>
+              <a:rPr lang="es-CL" sz="3200" b="1" dirty="0">
+                <a:solidFill>
+                  <a:schemeClr val="bg2">
+                    <a:lumMod val="50000"/>
+                  </a:schemeClr>
                 </a:solidFill>
                 <a:effectLst>
                   <a:outerShdw blurRad="31750" dist="25400" dir="5400000" algn="tl" rotWithShape="0">
@@ -5217,16 +5530,18 @@
                     </a:srgbClr>
                   </a:outerShdw>
                 </a:effectLst>
-                <a:latin typeface="Arial Black" pitchFamily="34" charset="0"/>
+                <a:latin typeface="Andalus" pitchFamily="18" charset="-78"/>
                 <a:ea typeface="+mj-ea"/>
-                <a:cs typeface="+mj-cs"/>
+                <a:cs typeface="Andalus" pitchFamily="18" charset="-78"/>
               </a:rPr>
               <a:t/>
             </a:r>
             <a:br>
-              <a:rPr lang="es-CL" sz="2200" b="1" dirty="0">
-                <a:solidFill>
-                  <a:schemeClr val="tx2"/>
+              <a:rPr lang="es-CL" sz="3200" b="1" dirty="0">
+                <a:solidFill>
+                  <a:schemeClr val="bg2">
+                    <a:lumMod val="50000"/>
+                  </a:schemeClr>
                 </a:solidFill>
                 <a:effectLst>
                   <a:outerShdw blurRad="31750" dist="25400" dir="5400000" algn="tl" rotWithShape="0">
@@ -5235,15 +5550,17 @@
                     </a:srgbClr>
                   </a:outerShdw>
                 </a:effectLst>
-                <a:latin typeface="Arial Black" pitchFamily="34" charset="0"/>
+                <a:latin typeface="Andalus" pitchFamily="18" charset="-78"/>
                 <a:ea typeface="+mj-ea"/>
-                <a:cs typeface="+mj-cs"/>
+                <a:cs typeface="Andalus" pitchFamily="18" charset="-78"/>
               </a:rPr>
             </a:br>
             <a:r>
-              <a:rPr lang="es-CL" sz="2200" b="1" dirty="0">
-                <a:solidFill>
-                  <a:schemeClr val="tx2"/>
+              <a:rPr lang="es-CL" sz="3200" b="1" dirty="0">
+                <a:solidFill>
+                  <a:schemeClr val="bg2">
+                    <a:lumMod val="50000"/>
+                  </a:schemeClr>
                 </a:solidFill>
                 <a:effectLst>
                   <a:outerShdw blurRad="31750" dist="25400" dir="5400000" algn="tl" rotWithShape="0">
@@ -5252,16 +5569,18 @@
                     </a:srgbClr>
                   </a:outerShdw>
                 </a:effectLst>
-                <a:latin typeface="Arial Black" pitchFamily="34" charset="0"/>
+                <a:latin typeface="Andalus" pitchFamily="18" charset="-78"/>
                 <a:ea typeface="+mj-ea"/>
-                <a:cs typeface="+mj-cs"/>
+                <a:cs typeface="Andalus" pitchFamily="18" charset="-78"/>
               </a:rPr>
               <a:t/>
             </a:r>
             <a:br>
-              <a:rPr lang="es-CL" sz="2200" b="1" dirty="0">
-                <a:solidFill>
-                  <a:schemeClr val="tx2"/>
+              <a:rPr lang="es-CL" sz="3200" b="1" dirty="0">
+                <a:solidFill>
+                  <a:schemeClr val="bg2">
+                    <a:lumMod val="50000"/>
+                  </a:schemeClr>
                 </a:solidFill>
                 <a:effectLst>
                   <a:outerShdw blurRad="31750" dist="25400" dir="5400000" algn="tl" rotWithShape="0">
@@ -5270,14 +5589,16 @@
                     </a:srgbClr>
                   </a:outerShdw>
                 </a:effectLst>
-                <a:latin typeface="Arial Black" pitchFamily="34" charset="0"/>
+                <a:latin typeface="Andalus" pitchFamily="18" charset="-78"/>
                 <a:ea typeface="+mj-ea"/>
-                <a:cs typeface="+mj-cs"/>
+                <a:cs typeface="Andalus" pitchFamily="18" charset="-78"/>
               </a:rPr>
             </a:br>
-            <a:endParaRPr lang="es-CL" sz="2200" b="1" dirty="0">
+            <a:endParaRPr lang="es-CL" sz="3200" b="1" dirty="0">
               <a:solidFill>
-                <a:schemeClr val="tx2"/>
+                <a:schemeClr val="bg2">
+                  <a:lumMod val="50000"/>
+                </a:schemeClr>
               </a:solidFill>
               <a:effectLst>
                 <a:outerShdw blurRad="31750" dist="25400" dir="5400000" algn="tl" rotWithShape="0">
@@ -5286,9 +5607,9 @@
                   </a:srgbClr>
                 </a:outerShdw>
               </a:effectLst>
-              <a:latin typeface="Arial Black" pitchFamily="34" charset="0"/>
+              <a:latin typeface="Andalus" pitchFamily="18" charset="-78"/>
               <a:ea typeface="+mj-ea"/>
-              <a:cs typeface="+mj-cs"/>
+              <a:cs typeface="Andalus" pitchFamily="18" charset="-78"/>
             </a:endParaRPr>
           </a:p>
         </p:txBody>
@@ -5310,22 +5631,36 @@
         </p:blipFill>
         <p:spPr bwMode="auto">
           <a:xfrm>
-            <a:off x="1142976" y="2428868"/>
-            <a:ext cx="7000924" cy="3264788"/>
-          </a:xfrm>
-          <a:prstGeom prst="rect">
-            <a:avLst/>
+            <a:off x="107504" y="1772816"/>
+            <a:ext cx="7922102" cy="3694367"/>
+          </a:xfrm>
+          <a:prstGeom prst="roundRect">
+            <a:avLst>
+              <a:gd name="adj" fmla="val 16667"/>
+            </a:avLst>
           </a:prstGeom>
           <a:ln>
             <a:noFill/>
           </a:ln>
           <a:effectLst>
-            <a:outerShdw blurRad="292100" dist="139700" dir="2700000" algn="tl" rotWithShape="0">
-              <a:srgbClr val="333333">
-                <a:alpha val="65000"/>
+            <a:outerShdw blurRad="152400" dist="12000" dir="900000" sy="98000" kx="110000" ky="200000" algn="tl" rotWithShape="0">
+              <a:srgbClr val="000000">
+                <a:alpha val="30000"/>
               </a:srgbClr>
             </a:outerShdw>
           </a:effectLst>
+          <a:scene3d>
+            <a:camera prst="perspectiveRelaxed">
+              <a:rot lat="19800000" lon="1200000" rev="20820000"/>
+            </a:camera>
+            <a:lightRig rig="threePt" dir="t"/>
+          </a:scene3d>
+          <a:sp3d contourW="6350" prstMaterial="matte">
+            <a:bevelT w="101600" h="101600"/>
+            <a:contourClr>
+              <a:srgbClr val="969696"/>
+            </a:contourClr>
+          </a:sp3d>
         </p:spPr>
       </p:pic>
       <p:sp>
@@ -5336,7 +5671,7 @@
         </p:nvSpPr>
         <p:spPr>
           <a:xfrm>
-            <a:off x="611560" y="1052736"/>
+            <a:off x="539552" y="836712"/>
             <a:ext cx="7932386" cy="1077218"/>
           </a:xfrm>
           <a:prstGeom prst="rect">
@@ -5358,11 +5693,51 @@
           <a:p>
             <a:pPr algn="just"/>
             <a:r>
-              <a:rPr lang="es-CL" sz="2300" dirty="0" smtClean="0"/>
-              <a:t>Controle las </a:t>
-            </a:r>
-            <a:r>
-              <a:rPr lang="es-CL" sz="2300" dirty="0"/>
+              <a:rPr lang="es-CL" sz="2300" dirty="0" smtClean="0">
+                <a:solidFill>
+                  <a:schemeClr val="accent4">
+                    <a:lumMod val="75000"/>
+                  </a:schemeClr>
+                </a:solidFill>
+                <a:latin typeface="Times New Roman" pitchFamily="18" charset="0"/>
+                <a:cs typeface="Times New Roman" pitchFamily="18" charset="0"/>
+              </a:rPr>
+              <a:t>	Controle </a:t>
+            </a:r>
+            <a:r>
+              <a:rPr lang="es-CL" sz="2300" dirty="0">
+                <a:solidFill>
+                  <a:schemeClr val="accent4">
+                    <a:lumMod val="75000"/>
+                  </a:schemeClr>
+                </a:solidFill>
+                <a:latin typeface="Times New Roman" pitchFamily="18" charset="0"/>
+                <a:cs typeface="Times New Roman" pitchFamily="18" charset="0"/>
+              </a:rPr>
+              <a:t>las</a:t>
+            </a:r>
+            <a:r>
+              <a:rPr lang="es-CL" sz="2300" dirty="0">
+                <a:solidFill>
+                  <a:schemeClr val="accent4">
+                    <a:lumMod val="75000"/>
+                  </a:schemeClr>
+                </a:solidFill>
+                <a:latin typeface="Times New Roman" pitchFamily="18" charset="0"/>
+                <a:cs typeface="Times New Roman" pitchFamily="18" charset="0"/>
+              </a:rPr>
+              <a:t> </a:t>
+            </a:r>
+            <a:r>
+              <a:rPr lang="es-CL" sz="2300" dirty="0">
+                <a:solidFill>
+                  <a:schemeClr val="accent4">
+                    <a:lumMod val="75000"/>
+                  </a:schemeClr>
+                </a:solidFill>
+                <a:latin typeface="Times New Roman" pitchFamily="18" charset="0"/>
+                <a:cs typeface="Times New Roman" pitchFamily="18" charset="0"/>
+              </a:rPr>
               <a:t>operaciones de Cierre y Apertura de período para el Ingreso de su Información.</a:t>
             </a:r>
           </a:p>
@@ -5457,6 +5832,74 @@
       </p:grpSpPr>
       <p:sp>
         <p:nvSpPr>
+          <p:cNvPr id="11" name="10 Rectángulo redondeado"/>
+          <p:cNvSpPr/>
+          <p:nvPr/>
+        </p:nvSpPr>
+        <p:spPr>
+          <a:xfrm>
+            <a:off x="251519" y="260648"/>
+            <a:ext cx="8606759" cy="5256584"/>
+          </a:xfrm>
+          <a:prstGeom prst="roundRect">
+            <a:avLst/>
+          </a:prstGeom>
+          <a:gradFill flip="none" rotWithShape="1">
+            <a:gsLst>
+              <a:gs pos="33000">
+                <a:schemeClr val="accent1">
+                  <a:tint val="66000"/>
+                  <a:satMod val="160000"/>
+                </a:schemeClr>
+              </a:gs>
+              <a:gs pos="51000">
+                <a:schemeClr val="accent1">
+                  <a:tint val="44500"/>
+                  <a:satMod val="160000"/>
+                  <a:alpha val="0"/>
+                </a:schemeClr>
+              </a:gs>
+              <a:gs pos="100000">
+                <a:schemeClr val="accent1">
+                  <a:tint val="23500"/>
+                  <a:satMod val="160000"/>
+                </a:schemeClr>
+              </a:gs>
+            </a:gsLst>
+            <a:lin ang="16200000" scaled="1"/>
+            <a:tileRect/>
+          </a:gradFill>
+          <a:ln>
+            <a:noFill/>
+          </a:ln>
+        </p:spPr>
+        <p:style>
+          <a:lnRef idx="2">
+            <a:schemeClr val="accent1">
+              <a:shade val="50000"/>
+            </a:schemeClr>
+          </a:lnRef>
+          <a:fillRef idx="1">
+            <a:schemeClr val="accent1"/>
+          </a:fillRef>
+          <a:effectRef idx="0">
+            <a:schemeClr val="accent1"/>
+          </a:effectRef>
+          <a:fontRef idx="minor">
+            <a:schemeClr val="lt1"/>
+          </a:fontRef>
+        </p:style>
+        <p:txBody>
+          <a:bodyPr rtlCol="0" anchor="ctr"/>
+          <a:lstStyle/>
+          <a:p>
+            <a:pPr algn="ctr"/>
+            <a:endParaRPr lang="es-CL"/>
+          </a:p>
+        </p:txBody>
+      </p:sp>
+      <p:sp>
+        <p:nvSpPr>
           <p:cNvPr id="2" name="1 Marcador de contenido"/>
           <p:cNvSpPr>
             <a:spLocks noGrp="1"/>
@@ -5467,30 +5910,52 @@
         </p:nvSpPr>
         <p:spPr>
           <a:xfrm>
-            <a:off x="457200" y="991269"/>
-            <a:ext cx="8229600" cy="1213595"/>
+            <a:off x="395536" y="1052736"/>
+            <a:ext cx="7931224" cy="792088"/>
           </a:xfrm>
         </p:spPr>
         <p:txBody>
           <a:bodyPr>
-            <a:normAutofit/>
+            <a:noAutofit/>
           </a:bodyPr>
           <a:lstStyle/>
           <a:p>
             <a:pPr marL="109728" indent="0" algn="just">
               <a:buNone/>
             </a:pPr>
-            <a:endParaRPr lang="es-CL" sz="2300" dirty="0" smtClean="0"/>
-          </a:p>
-          <a:p>
-            <a:pPr marL="109728" indent="0" algn="just">
-              <a:buNone/>
-            </a:pPr>
-            <a:r>
-              <a:rPr lang="es-CL" sz="2300" dirty="0" smtClean="0"/>
-              <a:t>Configure dinámicamente las estructuras de las Revelaciones según la normativa de la SVS.</a:t>
-            </a:r>
-            <a:endParaRPr lang="es-CL" sz="2300" dirty="0"/>
+            <a:r>
+              <a:rPr lang="es-CL" sz="2300" dirty="0" smtClean="0">
+                <a:solidFill>
+                  <a:schemeClr val="accent4">
+                    <a:lumMod val="75000"/>
+                  </a:schemeClr>
+                </a:solidFill>
+                <a:latin typeface="Times New Roman" pitchFamily="18" charset="0"/>
+                <a:cs typeface="Times New Roman" pitchFamily="18" charset="0"/>
+              </a:rPr>
+              <a:t>	Configure </a:t>
+            </a:r>
+            <a:r>
+              <a:rPr lang="es-CL" sz="2300" dirty="0">
+                <a:solidFill>
+                  <a:schemeClr val="accent4">
+                    <a:lumMod val="75000"/>
+                  </a:schemeClr>
+                </a:solidFill>
+                <a:latin typeface="Times New Roman" pitchFamily="18" charset="0"/>
+                <a:cs typeface="Times New Roman" pitchFamily="18" charset="0"/>
+              </a:rPr>
+              <a:t>dinámicamente las estructuras de las Revelaciones según la normativa de la SVS.</a:t>
+            </a:r>
+            <a:endParaRPr lang="es-CL" sz="2300" dirty="0">
+              <a:solidFill>
+                <a:schemeClr val="accent4">
+                  <a:lumMod val="75000"/>
+                </a:schemeClr>
+              </a:solidFill>
+              <a:latin typeface="Times New Roman" pitchFamily="18" charset="0"/>
+              <a:cs typeface="Times New Roman" pitchFamily="18" charset="0"/>
+            </a:endParaRPr>
           </a:p>
         </p:txBody>
       </p:sp>
@@ -5517,31 +5982,49 @@
           <a:lstStyle/>
           <a:p>
             <a:r>
-              <a:rPr lang="es-CL" sz="2400" dirty="0" smtClean="0">
-                <a:latin typeface="Arial Black" pitchFamily="34" charset="0"/>
+              <a:rPr lang="es-CL" sz="3200" dirty="0">
+                <a:solidFill>
+                  <a:schemeClr val="bg2">
+                    <a:lumMod val="50000"/>
+                  </a:schemeClr>
+                </a:solidFill>
+                <a:latin typeface="Andalus" pitchFamily="18" charset="-78"/>
+                <a:cs typeface="Andalus" pitchFamily="18" charset="-78"/>
               </a:rPr>
               <a:t>Configure </a:t>
             </a:r>
             <a:r>
-              <a:rPr lang="es-CL" sz="2400" dirty="0">
-                <a:latin typeface="Arial Black" pitchFamily="34" charset="0"/>
+              <a:rPr lang="es-CL" sz="3200" dirty="0">
+                <a:solidFill>
+                  <a:schemeClr val="bg2">
+                    <a:lumMod val="50000"/>
+                  </a:schemeClr>
+                </a:solidFill>
+                <a:latin typeface="Andalus" pitchFamily="18" charset="-78"/>
+                <a:cs typeface="Andalus" pitchFamily="18" charset="-78"/>
               </a:rPr>
               <a:t>s</a:t>
             </a:r>
             <a:r>
-              <a:rPr lang="es-CL" sz="2400" dirty="0" smtClean="0">
-                <a:latin typeface="Arial Black" pitchFamily="34" charset="0"/>
-              </a:rPr>
-              <a:t>us Revelaciones </a:t>
-            </a:r>
-            <a:r>
-              <a:rPr lang="es-CL" sz="3200" dirty="0" smtClean="0">
-                <a:latin typeface="Arial Black" pitchFamily="34" charset="0"/>
-              </a:rPr>
-              <a:t>&gt;</a:t>
-            </a:r>
-            <a:endParaRPr lang="es-CL" sz="2800" dirty="0">
-              <a:latin typeface="Arial Black" pitchFamily="34" charset="0"/>
+              <a:rPr lang="es-CL" sz="3200" dirty="0">
+                <a:solidFill>
+                  <a:schemeClr val="bg2">
+                    <a:lumMod val="50000"/>
+                  </a:schemeClr>
+                </a:solidFill>
+                <a:latin typeface="Andalus" pitchFamily="18" charset="-78"/>
+                <a:cs typeface="Andalus" pitchFamily="18" charset="-78"/>
+              </a:rPr>
+              <a:t>us Revelaciones &gt;</a:t>
+            </a:r>
+            <a:endParaRPr lang="es-CL" sz="3200" dirty="0">
+              <a:solidFill>
+                <a:schemeClr val="bg2">
+                  <a:lumMod val="50000"/>
+                </a:schemeClr>
+              </a:solidFill>
+              <a:latin typeface="Andalus" pitchFamily="18" charset="-78"/>
+              <a:cs typeface="Andalus" pitchFamily="18" charset="-78"/>
             </a:endParaRPr>
           </a:p>
         </p:txBody>
@@ -5563,22 +6046,36 @@
         </p:blipFill>
         <p:spPr bwMode="auto">
           <a:xfrm>
-            <a:off x="2627784" y="2492896"/>
-            <a:ext cx="4248472" cy="3034734"/>
-          </a:xfrm>
-          <a:prstGeom prst="rect">
-            <a:avLst/>
+            <a:off x="1561414" y="1556792"/>
+            <a:ext cx="5818898" cy="4156508"/>
+          </a:xfrm>
+          <a:prstGeom prst="roundRect">
+            <a:avLst>
+              <a:gd name="adj" fmla="val 16667"/>
+            </a:avLst>
           </a:prstGeom>
           <a:ln>
             <a:noFill/>
           </a:ln>
           <a:effectLst>
-            <a:outerShdw blurRad="292100" dist="139700" dir="2700000" algn="tl" rotWithShape="0">
-              <a:srgbClr val="333333">
-                <a:alpha val="65000"/>
+            <a:outerShdw blurRad="152400" dist="12000" dir="900000" sy="98000" kx="110000" ky="200000" algn="tl" rotWithShape="0">
+              <a:srgbClr val="000000">
+                <a:alpha val="30000"/>
               </a:srgbClr>
             </a:outerShdw>
           </a:effectLst>
+          <a:scene3d>
+            <a:camera prst="perspectiveRelaxed">
+              <a:rot lat="19800000" lon="1200000" rev="20820000"/>
+            </a:camera>
+            <a:lightRig rig="threePt" dir="t"/>
+          </a:scene3d>
+          <a:sp3d contourW="6350" prstMaterial="matte">
+            <a:bevelT w="101600" h="101600"/>
+            <a:contourClr>
+              <a:srgbClr val="969696"/>
+            </a:contourClr>
+          </a:sp3d>
         </p:spPr>
       </p:pic>
       <p:pic>
@@ -5670,6 +6167,74 @@
       </p:grpSpPr>
       <p:sp>
         <p:nvSpPr>
+          <p:cNvPr id="10" name="9 Rectángulo redondeado"/>
+          <p:cNvSpPr/>
+          <p:nvPr/>
+        </p:nvSpPr>
+        <p:spPr>
+          <a:xfrm>
+            <a:off x="251519" y="260648"/>
+            <a:ext cx="8606759" cy="5256584"/>
+          </a:xfrm>
+          <a:prstGeom prst="roundRect">
+            <a:avLst/>
+          </a:prstGeom>
+          <a:gradFill flip="none" rotWithShape="1">
+            <a:gsLst>
+              <a:gs pos="33000">
+                <a:schemeClr val="accent1">
+                  <a:tint val="66000"/>
+                  <a:satMod val="160000"/>
+                </a:schemeClr>
+              </a:gs>
+              <a:gs pos="51000">
+                <a:schemeClr val="accent1">
+                  <a:tint val="44500"/>
+                  <a:satMod val="160000"/>
+                  <a:alpha val="0"/>
+                </a:schemeClr>
+              </a:gs>
+              <a:gs pos="100000">
+                <a:schemeClr val="accent1">
+                  <a:tint val="23500"/>
+                  <a:satMod val="160000"/>
+                </a:schemeClr>
+              </a:gs>
+            </a:gsLst>
+            <a:lin ang="16200000" scaled="1"/>
+            <a:tileRect/>
+          </a:gradFill>
+          <a:ln>
+            <a:noFill/>
+          </a:ln>
+        </p:spPr>
+        <p:style>
+          <a:lnRef idx="2">
+            <a:schemeClr val="accent1">
+              <a:shade val="50000"/>
+            </a:schemeClr>
+          </a:lnRef>
+          <a:fillRef idx="1">
+            <a:schemeClr val="accent1"/>
+          </a:fillRef>
+          <a:effectRef idx="0">
+            <a:schemeClr val="accent1"/>
+          </a:effectRef>
+          <a:fontRef idx="minor">
+            <a:schemeClr val="lt1"/>
+          </a:fontRef>
+        </p:style>
+        <p:txBody>
+          <a:bodyPr rtlCol="0" anchor="ctr"/>
+          <a:lstStyle/>
+          <a:p>
+            <a:pPr algn="ctr"/>
+            <a:endParaRPr lang="es-CL"/>
+          </a:p>
+        </p:txBody>
+      </p:sp>
+      <p:sp>
+        <p:nvSpPr>
           <p:cNvPr id="2" name="1 Marcador de contenido"/>
           <p:cNvSpPr>
             <a:spLocks noGrp="1"/>
@@ -5691,12 +6256,17 @@
           <a:lstStyle/>
           <a:p>
             <a:pPr marL="109728" indent="0">
+              <a:spcBef>
+                <a:spcPct val="0"/>
+              </a:spcBef>
               <a:buNone/>
             </a:pPr>
             <a:r>
-              <a:rPr lang="es-CL" sz="9600" b="1" dirty="0" smtClean="0">
-                <a:solidFill>
-                  <a:schemeClr val="tx2"/>
+              <a:rPr lang="es-CL" sz="12800" b="1" dirty="0">
+                <a:solidFill>
+                  <a:schemeClr val="bg2">
+                    <a:lumMod val="50000"/>
+                  </a:schemeClr>
                 </a:solidFill>
                 <a:effectLst>
                   <a:outerShdw blurRad="31750" dist="25400" dir="5400000" algn="tl" rotWithShape="0">
@@ -5705,16 +6275,18 @@
                     </a:srgbClr>
                   </a:outerShdw>
                 </a:effectLst>
-                <a:latin typeface="Arial Black" pitchFamily="34" charset="0"/>
+                <a:latin typeface="Andalus" pitchFamily="18" charset="-78"/>
                 <a:ea typeface="+mj-ea"/>
-                <a:cs typeface="+mj-cs"/>
+                <a:cs typeface="Andalus" pitchFamily="18" charset="-78"/>
               </a:rPr>
               <a:t>Añada operaciones y Fórmulas </a:t>
             </a:r>
             <a:r>
-              <a:rPr lang="es-CL" sz="11600" b="1" dirty="0">
-                <a:solidFill>
-                  <a:schemeClr val="tx2"/>
+              <a:rPr lang="es-CL" sz="12800" b="1" dirty="0">
+                <a:solidFill>
+                  <a:schemeClr val="bg2">
+                    <a:lumMod val="50000"/>
+                  </a:schemeClr>
                 </a:solidFill>
                 <a:effectLst>
                   <a:outerShdw blurRad="31750" dist="25400" dir="5400000" algn="tl" rotWithShape="0">
@@ -5723,14 +6295,18 @@
                     </a:srgbClr>
                   </a:outerShdw>
                 </a:effectLst>
-                <a:latin typeface="Arial Black" pitchFamily="34" charset="0"/>
+                <a:latin typeface="Andalus" pitchFamily="18" charset="-78"/>
+                <a:ea typeface="+mj-ea"/>
+                <a:cs typeface="Andalus" pitchFamily="18" charset="-78"/>
               </a:rPr>
               <a:t>&gt;</a:t>
             </a:r>
-            <a:r>
-              <a:rPr lang="es-CL" sz="11600" b="1" dirty="0">
-                <a:solidFill>
-                  <a:schemeClr val="tx2"/>
+            <a:br>
+              <a:rPr lang="es-CL" sz="12800" b="1" dirty="0">
+                <a:solidFill>
+                  <a:schemeClr val="bg2">
+                    <a:lumMod val="50000"/>
+                  </a:schemeClr>
                 </a:solidFill>
                 <a:effectLst>
                   <a:outerShdw blurRad="31750" dist="25400" dir="5400000" algn="tl" rotWithShape="0">
@@ -5739,32 +6315,16 @@
                     </a:srgbClr>
                   </a:outerShdw>
                 </a:effectLst>
-                <a:latin typeface="Arial Black" pitchFamily="34" charset="0"/>
+                <a:latin typeface="Andalus" pitchFamily="18" charset="-78"/>
                 <a:ea typeface="+mj-ea"/>
-                <a:cs typeface="+mj-cs"/>
-              </a:rPr>
-              <a:t/>
-            </a:r>
-            <a:br>
-              <a:rPr lang="es-CL" sz="11600" b="1" dirty="0">
-                <a:solidFill>
-                  <a:schemeClr val="tx2"/>
-                </a:solidFill>
-                <a:effectLst>
-                  <a:outerShdw blurRad="31750" dist="25400" dir="5400000" algn="tl" rotWithShape="0">
-                    <a:srgbClr val="000000">
-                      <a:alpha val="25000"/>
-                    </a:srgbClr>
-                  </a:outerShdw>
-                </a:effectLst>
-                <a:latin typeface="Arial Black" pitchFamily="34" charset="0"/>
-                <a:ea typeface="+mj-ea"/>
-                <a:cs typeface="+mj-cs"/>
+                <a:cs typeface="Andalus" pitchFamily="18" charset="-78"/>
               </a:rPr>
             </a:br>
-            <a:endParaRPr lang="es-CL" sz="11600" b="1" dirty="0">
+            <a:endParaRPr lang="es-CL" sz="12800" b="1" dirty="0">
               <a:solidFill>
-                <a:schemeClr val="tx2"/>
+                <a:schemeClr val="bg2">
+                  <a:lumMod val="50000"/>
+                </a:schemeClr>
               </a:solidFill>
               <a:effectLst>
                 <a:outerShdw blurRad="31750" dist="25400" dir="5400000" algn="tl" rotWithShape="0">
@@ -5773,9 +6333,9 @@
                   </a:srgbClr>
                 </a:outerShdw>
               </a:effectLst>
-              <a:latin typeface="Arial Black" pitchFamily="34" charset="0"/>
+              <a:latin typeface="Andalus" pitchFamily="18" charset="-78"/>
               <a:ea typeface="+mj-ea"/>
-              <a:cs typeface="+mj-cs"/>
+              <a:cs typeface="Andalus" pitchFamily="18" charset="-78"/>
             </a:endParaRPr>
           </a:p>
           <a:p>
@@ -5807,22 +6367,36 @@
         </p:blipFill>
         <p:spPr bwMode="auto">
           <a:xfrm>
-            <a:off x="2500298" y="2571744"/>
-            <a:ext cx="5674514" cy="3214710"/>
-          </a:xfrm>
-          <a:prstGeom prst="rect">
-            <a:avLst/>
+            <a:off x="1187624" y="2204864"/>
+            <a:ext cx="6101110" cy="3456384"/>
+          </a:xfrm>
+          <a:prstGeom prst="roundRect">
+            <a:avLst>
+              <a:gd name="adj" fmla="val 16667"/>
+            </a:avLst>
           </a:prstGeom>
           <a:ln>
             <a:noFill/>
           </a:ln>
           <a:effectLst>
-            <a:outerShdw blurRad="292100" dist="139700" dir="2700000" algn="tl" rotWithShape="0">
-              <a:srgbClr val="333333">
-                <a:alpha val="65000"/>
+            <a:outerShdw blurRad="152400" dist="12000" dir="900000" sy="98000" kx="110000" ky="200000" algn="tl" rotWithShape="0">
+              <a:srgbClr val="000000">
+                <a:alpha val="30000"/>
               </a:srgbClr>
             </a:outerShdw>
           </a:effectLst>
+          <a:scene3d>
+            <a:camera prst="perspectiveRelaxed">
+              <a:rot lat="19800000" lon="1200000" rev="20820000"/>
+            </a:camera>
+            <a:lightRig rig="threePt" dir="t"/>
+          </a:scene3d>
+          <a:sp3d contourW="6350" prstMaterial="matte">
+            <a:bevelT w="101600" h="101600"/>
+            <a:contourClr>
+              <a:srgbClr val="969696"/>
+            </a:contourClr>
+          </a:sp3d>
         </p:spPr>
       </p:pic>
       <p:sp>
@@ -5833,8 +6407,8 @@
         </p:nvSpPr>
         <p:spPr>
           <a:xfrm>
-            <a:off x="611560" y="1124744"/>
-            <a:ext cx="7860378" cy="1508105"/>
+            <a:off x="611560" y="980728"/>
+            <a:ext cx="7860378" cy="1154162"/>
           </a:xfrm>
           <a:prstGeom prst="rect">
             <a:avLst/>
@@ -5856,18 +6430,66 @@
             </a:br>
             <a:r>
               <a:rPr lang="es-CL" sz="2300" dirty="0" smtClean="0"/>
-              <a:t>Configure las </a:t>
-            </a:r>
-            <a:r>
-              <a:rPr lang="es-CL" sz="2300" dirty="0"/>
+              <a:t>	</a:t>
+            </a:r>
+            <a:r>
+              <a:rPr lang="es-CL" sz="2300" dirty="0" smtClean="0">
+                <a:solidFill>
+                  <a:schemeClr val="accent4">
+                    <a:lumMod val="75000"/>
+                  </a:schemeClr>
+                </a:solidFill>
+                <a:latin typeface="Times New Roman" pitchFamily="18" charset="0"/>
+                <a:cs typeface="Times New Roman" pitchFamily="18" charset="0"/>
+              </a:rPr>
+              <a:t>Configure </a:t>
+            </a:r>
+            <a:r>
+              <a:rPr lang="es-CL" sz="2300" dirty="0">
+                <a:solidFill>
+                  <a:schemeClr val="accent4">
+                    <a:lumMod val="75000"/>
+                  </a:schemeClr>
+                </a:solidFill>
+                <a:latin typeface="Times New Roman" pitchFamily="18" charset="0"/>
+                <a:cs typeface="Times New Roman" pitchFamily="18" charset="0"/>
+              </a:rPr>
+              <a:t>las </a:t>
+            </a:r>
+            <a:r>
+              <a:rPr lang="es-CL" sz="2300" dirty="0">
+                <a:solidFill>
+                  <a:schemeClr val="accent4">
+                    <a:lumMod val="75000"/>
+                  </a:schemeClr>
+                </a:solidFill>
+                <a:latin typeface="Times New Roman" pitchFamily="18" charset="0"/>
+                <a:cs typeface="Times New Roman" pitchFamily="18" charset="0"/>
+              </a:rPr>
               <a:t>operatorias necesarias entre los campos de cada </a:t>
             </a:r>
             <a:r>
-              <a:rPr lang="es-CL" sz="2300" dirty="0" smtClean="0"/>
+              <a:rPr lang="es-CL" sz="2300" dirty="0">
+                <a:solidFill>
+                  <a:schemeClr val="accent4">
+                    <a:lumMod val="75000"/>
+                  </a:schemeClr>
+                </a:solidFill>
+                <a:latin typeface="Times New Roman" pitchFamily="18" charset="0"/>
+                <a:cs typeface="Times New Roman" pitchFamily="18" charset="0"/>
+              </a:rPr>
               <a:t>Revelación, estableciendo </a:t>
             </a:r>
             <a:r>
-              <a:rPr lang="es-CL" sz="2300" dirty="0"/>
+              <a:rPr lang="es-CL" sz="2300" dirty="0">
+                <a:solidFill>
+                  <a:schemeClr val="accent4">
+                    <a:lumMod val="75000"/>
+                  </a:schemeClr>
+                </a:solidFill>
+                <a:latin typeface="Times New Roman" pitchFamily="18" charset="0"/>
+                <a:cs typeface="Times New Roman" pitchFamily="18" charset="0"/>
+              </a:rPr>
               <a:t>sumas y restas.</a:t>
             </a:r>
           </a:p>
@@ -5962,6 +6584,74 @@
       </p:grpSpPr>
       <p:sp>
         <p:nvSpPr>
+          <p:cNvPr id="10" name="9 Rectángulo redondeado"/>
+          <p:cNvSpPr/>
+          <p:nvPr/>
+        </p:nvSpPr>
+        <p:spPr>
+          <a:xfrm>
+            <a:off x="251519" y="260648"/>
+            <a:ext cx="8606759" cy="5256584"/>
+          </a:xfrm>
+          <a:prstGeom prst="roundRect">
+            <a:avLst/>
+          </a:prstGeom>
+          <a:gradFill flip="none" rotWithShape="1">
+            <a:gsLst>
+              <a:gs pos="33000">
+                <a:schemeClr val="accent1">
+                  <a:tint val="66000"/>
+                  <a:satMod val="160000"/>
+                </a:schemeClr>
+              </a:gs>
+              <a:gs pos="51000">
+                <a:schemeClr val="accent1">
+                  <a:tint val="44500"/>
+                  <a:satMod val="160000"/>
+                  <a:alpha val="0"/>
+                </a:schemeClr>
+              </a:gs>
+              <a:gs pos="100000">
+                <a:schemeClr val="accent1">
+                  <a:tint val="23500"/>
+                  <a:satMod val="160000"/>
+                </a:schemeClr>
+              </a:gs>
+            </a:gsLst>
+            <a:lin ang="16200000" scaled="1"/>
+            <a:tileRect/>
+          </a:gradFill>
+          <a:ln>
+            <a:noFill/>
+          </a:ln>
+        </p:spPr>
+        <p:style>
+          <a:lnRef idx="2">
+            <a:schemeClr val="accent1">
+              <a:shade val="50000"/>
+            </a:schemeClr>
+          </a:lnRef>
+          <a:fillRef idx="1">
+            <a:schemeClr val="accent1"/>
+          </a:fillRef>
+          <a:effectRef idx="0">
+            <a:schemeClr val="accent1"/>
+          </a:effectRef>
+          <a:fontRef idx="minor">
+            <a:schemeClr val="lt1"/>
+          </a:fontRef>
+        </p:style>
+        <p:txBody>
+          <a:bodyPr rtlCol="0" anchor="ctr"/>
+          <a:lstStyle/>
+          <a:p>
+            <a:pPr algn="ctr"/>
+            <a:endParaRPr lang="es-CL"/>
+          </a:p>
+        </p:txBody>
+      </p:sp>
+      <p:sp>
+        <p:nvSpPr>
           <p:cNvPr id="2" name="1 Marcador de contenido"/>
           <p:cNvSpPr>
             <a:spLocks noGrp="1"/>
@@ -5983,12 +6673,17 @@
           <a:lstStyle/>
           <a:p>
             <a:pPr marL="109728" indent="0">
+              <a:spcBef>
+                <a:spcPct val="0"/>
+              </a:spcBef>
               <a:buNone/>
             </a:pPr>
             <a:r>
-              <a:rPr lang="es-CL" sz="2400" b="1" dirty="0">
-                <a:solidFill>
-                  <a:schemeClr val="tx2"/>
+              <a:rPr lang="es-CL" sz="3200" b="1" dirty="0">
+                <a:solidFill>
+                  <a:schemeClr val="bg2">
+                    <a:lumMod val="50000"/>
+                  </a:schemeClr>
                 </a:solidFill>
                 <a:effectLst>
                   <a:outerShdw blurRad="31750" dist="25400" dir="5400000" algn="tl" rotWithShape="0">
@@ -5997,16 +6692,18 @@
                     </a:srgbClr>
                   </a:outerShdw>
                 </a:effectLst>
-                <a:latin typeface="Arial Black" pitchFamily="34" charset="0"/>
+                <a:latin typeface="Andalus" pitchFamily="18" charset="-78"/>
                 <a:ea typeface="+mj-ea"/>
-                <a:cs typeface="+mj-cs"/>
+                <a:cs typeface="Andalus" pitchFamily="18" charset="-78"/>
               </a:rPr>
               <a:t>Proceso e Ingreso de Información &gt;</a:t>
             </a:r>
-            <a:r>
-              <a:rPr lang="es-CL" sz="2900" b="1" dirty="0">
-                <a:solidFill>
-                  <a:schemeClr val="tx2"/>
+            <a:br>
+              <a:rPr lang="es-CL" sz="3200" b="1" dirty="0">
+                <a:solidFill>
+                  <a:schemeClr val="bg2">
+                    <a:lumMod val="50000"/>
+                  </a:schemeClr>
                 </a:solidFill>
                 <a:effectLst>
                   <a:outerShdw blurRad="31750" dist="25400" dir="5400000" algn="tl" rotWithShape="0">
@@ -6015,16 +6712,17 @@
                     </a:srgbClr>
                   </a:outerShdw>
                 </a:effectLst>
-                <a:latin typeface="Arial Black" pitchFamily="34" charset="0"/>
+                <a:latin typeface="Andalus" pitchFamily="18" charset="-78"/>
                 <a:ea typeface="+mj-ea"/>
-                <a:cs typeface="+mj-cs"/>
-              </a:rPr>
-              <a:t/>
-            </a:r>
-            <a:br>
-              <a:rPr lang="es-CL" sz="2900" b="1" dirty="0">
-                <a:solidFill>
-                  <a:schemeClr val="tx2"/>
+                <a:cs typeface="Andalus" pitchFamily="18" charset="-78"/>
+              </a:rPr>
+            </a:br>
+            <a:r>
+              <a:rPr lang="es-CL" sz="3200" b="1" dirty="0">
+                <a:solidFill>
+                  <a:schemeClr val="bg2">
+                    <a:lumMod val="50000"/>
+                  </a:schemeClr>
                 </a:solidFill>
                 <a:effectLst>
                   <a:outerShdw blurRad="31750" dist="25400" dir="5400000" algn="tl" rotWithShape="0">
@@ -6033,15 +6731,18 @@
                     </a:srgbClr>
                   </a:outerShdw>
                 </a:effectLst>
-                <a:latin typeface="Arial Black" pitchFamily="34" charset="0"/>
+                <a:latin typeface="Andalus" pitchFamily="18" charset="-78"/>
                 <a:ea typeface="+mj-ea"/>
-                <a:cs typeface="+mj-cs"/>
-              </a:rPr>
-            </a:br>
-            <a:r>
-              <a:rPr lang="es-CL" sz="2900" b="1" dirty="0">
-                <a:solidFill>
-                  <a:schemeClr val="tx2"/>
+                <a:cs typeface="Andalus" pitchFamily="18" charset="-78"/>
+              </a:rPr>
+              <a:t/>
+            </a:r>
+            <a:br>
+              <a:rPr lang="es-CL" sz="3200" b="1" dirty="0">
+                <a:solidFill>
+                  <a:schemeClr val="bg2">
+                    <a:lumMod val="50000"/>
+                  </a:schemeClr>
                 </a:solidFill>
                 <a:effectLst>
                   <a:outerShdw blurRad="31750" dist="25400" dir="5400000" algn="tl" rotWithShape="0">
@@ -6050,32 +6751,16 @@
                     </a:srgbClr>
                   </a:outerShdw>
                 </a:effectLst>
-                <a:latin typeface="Arial Black" pitchFamily="34" charset="0"/>
+                <a:latin typeface="Andalus" pitchFamily="18" charset="-78"/>
                 <a:ea typeface="+mj-ea"/>
-                <a:cs typeface="+mj-cs"/>
-              </a:rPr>
-              <a:t/>
-            </a:r>
-            <a:br>
-              <a:rPr lang="es-CL" sz="2900" b="1" dirty="0">
-                <a:solidFill>
-                  <a:schemeClr val="tx2"/>
-                </a:solidFill>
-                <a:effectLst>
-                  <a:outerShdw blurRad="31750" dist="25400" dir="5400000" algn="tl" rotWithShape="0">
-                    <a:srgbClr val="000000">
-                      <a:alpha val="25000"/>
-                    </a:srgbClr>
-                  </a:outerShdw>
-                </a:effectLst>
-                <a:latin typeface="Arial Black" pitchFamily="34" charset="0"/>
-                <a:ea typeface="+mj-ea"/>
-                <a:cs typeface="+mj-cs"/>
+                <a:cs typeface="Andalus" pitchFamily="18" charset="-78"/>
               </a:rPr>
             </a:br>
-            <a:endParaRPr lang="es-CL" sz="2900" b="1" dirty="0">
+            <a:endParaRPr lang="es-CL" sz="3200" b="1" dirty="0">
               <a:solidFill>
-                <a:schemeClr val="tx2"/>
+                <a:schemeClr val="bg2">
+                  <a:lumMod val="50000"/>
+                </a:schemeClr>
               </a:solidFill>
               <a:effectLst>
                 <a:outerShdw blurRad="31750" dist="25400" dir="5400000" algn="tl" rotWithShape="0">
@@ -6084,9 +6769,9 @@
                   </a:srgbClr>
                 </a:outerShdw>
               </a:effectLst>
-              <a:latin typeface="Arial Black" pitchFamily="34" charset="0"/>
+              <a:latin typeface="Andalus" pitchFamily="18" charset="-78"/>
               <a:ea typeface="+mj-ea"/>
-              <a:cs typeface="+mj-cs"/>
+              <a:cs typeface="Andalus" pitchFamily="18" charset="-78"/>
             </a:endParaRPr>
           </a:p>
         </p:txBody>
@@ -6099,8 +6784,8 @@
         </p:nvSpPr>
         <p:spPr>
           <a:xfrm>
-            <a:off x="611560" y="978694"/>
-            <a:ext cx="8104920" cy="1508105"/>
+            <a:off x="755576" y="980728"/>
+            <a:ext cx="7632848" cy="1508105"/>
           </a:xfrm>
           <a:prstGeom prst="rect">
             <a:avLst/>
@@ -6122,21 +6807,53 @@
             <a:pPr algn="just"/>
             <a:r>
               <a:rPr lang="es-CL" sz="2300" dirty="0" smtClean="0"/>
+              <a:t>	</a:t>
+            </a:r>
+            <a:r>
+              <a:rPr lang="es-CL" sz="2300" dirty="0">
+                <a:solidFill>
+                  <a:schemeClr val="accent4">
+                    <a:lumMod val="75000"/>
+                  </a:schemeClr>
+                </a:solidFill>
+                <a:latin typeface="Times New Roman" pitchFamily="18" charset="0"/>
+                <a:cs typeface="Times New Roman" pitchFamily="18" charset="0"/>
+              </a:rPr>
               <a:t>Ingrese y almacene su información, para divulgarla de forma oportuna y fácil, </a:t>
             </a:r>
             <a:r>
-              <a:rPr lang="es-CL" sz="2300" dirty="0"/>
+              <a:rPr lang="es-CL" sz="2300" dirty="0">
+                <a:solidFill>
+                  <a:schemeClr val="accent4">
+                    <a:lumMod val="75000"/>
+                  </a:schemeClr>
+                </a:solidFill>
+                <a:latin typeface="Times New Roman" pitchFamily="18" charset="0"/>
+                <a:cs typeface="Times New Roman" pitchFamily="18" charset="0"/>
+              </a:rPr>
               <a:t>validando dichos ingresos contra sus </a:t>
             </a:r>
             <a:r>
-              <a:rPr lang="es-CL" sz="2300" b="1" dirty="0" smtClean="0"/>
-              <a:t>EEFF</a:t>
-            </a:r>
-            <a:r>
-              <a:rPr lang="es-CL" sz="2300" dirty="0" smtClean="0"/>
-              <a:t>.</a:t>
-            </a:r>
-            <a:endParaRPr lang="es-CL" sz="2300" dirty="0"/>
+              <a:rPr lang="es-CL" sz="2300" dirty="0">
+                <a:solidFill>
+                  <a:schemeClr val="accent4">
+                    <a:lumMod val="75000"/>
+                  </a:schemeClr>
+                </a:solidFill>
+                <a:latin typeface="Times New Roman" pitchFamily="18" charset="0"/>
+                <a:cs typeface="Times New Roman" pitchFamily="18" charset="0"/>
+              </a:rPr>
+              <a:t>EEFF.</a:t>
+            </a:r>
+            <a:endParaRPr lang="es-CL" sz="2300" dirty="0">
+              <a:solidFill>
+                <a:schemeClr val="accent4">
+                  <a:lumMod val="75000"/>
+                </a:schemeClr>
+              </a:solidFill>
+              <a:latin typeface="Times New Roman" pitchFamily="18" charset="0"/>
+              <a:cs typeface="Times New Roman" pitchFamily="18" charset="0"/>
+            </a:endParaRPr>
           </a:p>
         </p:txBody>
       </p:sp>
@@ -6181,22 +6898,36 @@
         </p:blipFill>
         <p:spPr bwMode="auto">
           <a:xfrm>
-            <a:off x="1285852" y="2571744"/>
+            <a:off x="899592" y="2204864"/>
             <a:ext cx="7072362" cy="3281576"/>
           </a:xfrm>
-          <a:prstGeom prst="rect">
-            <a:avLst/>
+          <a:prstGeom prst="roundRect">
+            <a:avLst>
+              <a:gd name="adj" fmla="val 16667"/>
+            </a:avLst>
           </a:prstGeom>
           <a:ln>
             <a:noFill/>
           </a:ln>
           <a:effectLst>
-            <a:outerShdw blurRad="292100" dist="139700" dir="2700000" algn="tl" rotWithShape="0">
-              <a:srgbClr val="333333">
-                <a:alpha val="65000"/>
+            <a:outerShdw blurRad="152400" dist="12000" dir="900000" sy="98000" kx="110000" ky="200000" algn="tl" rotWithShape="0">
+              <a:srgbClr val="000000">
+                <a:alpha val="30000"/>
               </a:srgbClr>
             </a:outerShdw>
           </a:effectLst>
+          <a:scene3d>
+            <a:camera prst="perspectiveRelaxed">
+              <a:rot lat="19800000" lon="1200000" rev="20820000"/>
+            </a:camera>
+            <a:lightRig rig="threePt" dir="t"/>
+          </a:scene3d>
+          <a:sp3d contourW="6350" prstMaterial="matte">
+            <a:bevelT w="101600" h="101600"/>
+            <a:contourClr>
+              <a:srgbClr val="969696"/>
+            </a:contourClr>
+          </a:sp3d>
         </p:spPr>
       </p:pic>
       <p:pic>
@@ -6262,6 +6993,74 @@
           <a:chExt cx="0" cy="0"/>
         </a:xfrm>
       </p:grpSpPr>
+      <p:sp>
+        <p:nvSpPr>
+          <p:cNvPr id="10" name="9 Rectángulo redondeado"/>
+          <p:cNvSpPr/>
+          <p:nvPr/>
+        </p:nvSpPr>
+        <p:spPr>
+          <a:xfrm>
+            <a:off x="251519" y="260648"/>
+            <a:ext cx="8606759" cy="5256584"/>
+          </a:xfrm>
+          <a:prstGeom prst="roundRect">
+            <a:avLst/>
+          </a:prstGeom>
+          <a:gradFill flip="none" rotWithShape="1">
+            <a:gsLst>
+              <a:gs pos="33000">
+                <a:schemeClr val="accent1">
+                  <a:tint val="66000"/>
+                  <a:satMod val="160000"/>
+                </a:schemeClr>
+              </a:gs>
+              <a:gs pos="51000">
+                <a:schemeClr val="accent1">
+                  <a:tint val="44500"/>
+                  <a:satMod val="160000"/>
+                  <a:alpha val="0"/>
+                </a:schemeClr>
+              </a:gs>
+              <a:gs pos="100000">
+                <a:schemeClr val="accent1">
+                  <a:tint val="23500"/>
+                  <a:satMod val="160000"/>
+                </a:schemeClr>
+              </a:gs>
+            </a:gsLst>
+            <a:lin ang="16200000" scaled="1"/>
+            <a:tileRect/>
+          </a:gradFill>
+          <a:ln>
+            <a:noFill/>
+          </a:ln>
+        </p:spPr>
+        <p:style>
+          <a:lnRef idx="2">
+            <a:schemeClr val="accent1">
+              <a:shade val="50000"/>
+            </a:schemeClr>
+          </a:lnRef>
+          <a:fillRef idx="1">
+            <a:schemeClr val="accent1"/>
+          </a:fillRef>
+          <a:effectRef idx="0">
+            <a:schemeClr val="accent1"/>
+          </a:effectRef>
+          <a:fontRef idx="minor">
+            <a:schemeClr val="lt1"/>
+          </a:fontRef>
+        </p:style>
+        <p:txBody>
+          <a:bodyPr rtlCol="0" anchor="ctr"/>
+          <a:lstStyle/>
+          <a:p>
+            <a:pPr algn="ctr"/>
+            <a:endParaRPr lang="es-CL"/>
+          </a:p>
+        </p:txBody>
+      </p:sp>
       <p:pic>
         <p:nvPicPr>
           <p:cNvPr id="7" name="6 Imagen" descr="logo_exfida.png"/>
@@ -6309,12 +7108,17 @@
           <a:lstStyle/>
           <a:p>
             <a:pPr marL="109728" indent="0">
+              <a:spcBef>
+                <a:spcPct val="0"/>
+              </a:spcBef>
               <a:buNone/>
             </a:pPr>
             <a:r>
-              <a:rPr lang="es-CL" sz="2400" b="1" dirty="0" smtClean="0">
-                <a:solidFill>
-                  <a:schemeClr val="tx2"/>
+              <a:rPr lang="es-CL" sz="3200" b="1" dirty="0">
+                <a:solidFill>
+                  <a:schemeClr val="bg2">
+                    <a:lumMod val="50000"/>
+                  </a:schemeClr>
                 </a:solidFill>
                 <a:effectLst>
                   <a:outerShdw blurRad="31750" dist="25400" dir="5400000" algn="tl" rotWithShape="0">
@@ -6323,16 +7127,18 @@
                     </a:srgbClr>
                   </a:outerShdw>
                 </a:effectLst>
-                <a:latin typeface="Arial Black" pitchFamily="34" charset="0"/>
+                <a:latin typeface="Andalus" pitchFamily="18" charset="-78"/>
                 <a:ea typeface="+mj-ea"/>
-                <a:cs typeface="+mj-cs"/>
+                <a:cs typeface="Andalus" pitchFamily="18" charset="-78"/>
               </a:rPr>
               <a:t>Workflow de Aprobación </a:t>
             </a:r>
             <a:r>
-              <a:rPr lang="es-CL" sz="2400" b="1" dirty="0">
-                <a:solidFill>
-                  <a:schemeClr val="tx2"/>
+              <a:rPr lang="es-CL" sz="3200" b="1" dirty="0">
+                <a:solidFill>
+                  <a:schemeClr val="bg2">
+                    <a:lumMod val="50000"/>
+                  </a:schemeClr>
                 </a:solidFill>
                 <a:effectLst>
                   <a:outerShdw blurRad="31750" dist="25400" dir="5400000" algn="tl" rotWithShape="0">
@@ -6341,16 +7147,18 @@
                     </a:srgbClr>
                   </a:outerShdw>
                 </a:effectLst>
-                <a:latin typeface="Arial Black" pitchFamily="34" charset="0"/>
+                <a:latin typeface="Andalus" pitchFamily="18" charset="-78"/>
                 <a:ea typeface="+mj-ea"/>
-                <a:cs typeface="+mj-cs"/>
+                <a:cs typeface="Andalus" pitchFamily="18" charset="-78"/>
               </a:rPr>
               <a:t>&gt;</a:t>
             </a:r>
             <a:br>
-              <a:rPr lang="es-CL" sz="2400" b="1" dirty="0">
-                <a:solidFill>
-                  <a:schemeClr val="tx2"/>
+              <a:rPr lang="es-CL" sz="3200" b="1" dirty="0">
+                <a:solidFill>
+                  <a:schemeClr val="bg2">
+                    <a:lumMod val="50000"/>
+                  </a:schemeClr>
                 </a:solidFill>
                 <a:effectLst>
                   <a:outerShdw blurRad="31750" dist="25400" dir="5400000" algn="tl" rotWithShape="0">
@@ -6359,15 +7167,17 @@
                     </a:srgbClr>
                   </a:outerShdw>
                 </a:effectLst>
-                <a:latin typeface="Arial Black" pitchFamily="34" charset="0"/>
+                <a:latin typeface="Andalus" pitchFamily="18" charset="-78"/>
                 <a:ea typeface="+mj-ea"/>
-                <a:cs typeface="+mj-cs"/>
+                <a:cs typeface="Andalus" pitchFamily="18" charset="-78"/>
               </a:rPr>
             </a:br>
             <a:r>
-              <a:rPr lang="es-CL" sz="2900" b="1" dirty="0">
-                <a:solidFill>
-                  <a:schemeClr val="tx2"/>
+              <a:rPr lang="es-CL" sz="3200" b="1" dirty="0">
+                <a:solidFill>
+                  <a:schemeClr val="bg2">
+                    <a:lumMod val="50000"/>
+                  </a:schemeClr>
                 </a:solidFill>
                 <a:effectLst>
                   <a:outerShdw blurRad="31750" dist="25400" dir="5400000" algn="tl" rotWithShape="0">
@@ -6376,16 +7186,18 @@
                     </a:srgbClr>
                   </a:outerShdw>
                 </a:effectLst>
-                <a:latin typeface="Arial Black" pitchFamily="34" charset="0"/>
+                <a:latin typeface="Andalus" pitchFamily="18" charset="-78"/>
                 <a:ea typeface="+mj-ea"/>
-                <a:cs typeface="+mj-cs"/>
+                <a:cs typeface="Andalus" pitchFamily="18" charset="-78"/>
               </a:rPr>
               <a:t/>
             </a:r>
             <a:br>
-              <a:rPr lang="es-CL" sz="2900" b="1" dirty="0">
-                <a:solidFill>
-                  <a:schemeClr val="tx2"/>
+              <a:rPr lang="es-CL" sz="3200" b="1" dirty="0">
+                <a:solidFill>
+                  <a:schemeClr val="bg2">
+                    <a:lumMod val="50000"/>
+                  </a:schemeClr>
                 </a:solidFill>
                 <a:effectLst>
                   <a:outerShdw blurRad="31750" dist="25400" dir="5400000" algn="tl" rotWithShape="0">
@@ -6394,14 +7206,16 @@
                     </a:srgbClr>
                   </a:outerShdw>
                 </a:effectLst>
-                <a:latin typeface="Arial Black" pitchFamily="34" charset="0"/>
+                <a:latin typeface="Andalus" pitchFamily="18" charset="-78"/>
                 <a:ea typeface="+mj-ea"/>
-                <a:cs typeface="+mj-cs"/>
+                <a:cs typeface="Andalus" pitchFamily="18" charset="-78"/>
               </a:rPr>
             </a:br>
-            <a:endParaRPr lang="es-CL" sz="2900" b="1" dirty="0">
+            <a:endParaRPr lang="es-CL" sz="3200" b="1" dirty="0">
               <a:solidFill>
-                <a:schemeClr val="tx2"/>
+                <a:schemeClr val="bg2">
+                  <a:lumMod val="50000"/>
+                </a:schemeClr>
               </a:solidFill>
               <a:effectLst>
                 <a:outerShdw blurRad="31750" dist="25400" dir="5400000" algn="tl" rotWithShape="0">
@@ -6410,9 +7224,9 @@
                   </a:srgbClr>
                 </a:outerShdw>
               </a:effectLst>
-              <a:latin typeface="Arial Black" pitchFamily="34" charset="0"/>
+              <a:latin typeface="Andalus" pitchFamily="18" charset="-78"/>
               <a:ea typeface="+mj-ea"/>
-              <a:cs typeface="+mj-cs"/>
+              <a:cs typeface="Andalus" pitchFamily="18" charset="-78"/>
             </a:endParaRPr>
           </a:p>
         </p:txBody>
@@ -6434,22 +7248,36 @@
         </p:blipFill>
         <p:spPr bwMode="auto">
           <a:xfrm>
-            <a:off x="2466031" y="2071678"/>
-            <a:ext cx="4892051" cy="3857652"/>
-          </a:xfrm>
-          <a:prstGeom prst="rect">
-            <a:avLst/>
+            <a:off x="1187624" y="1127626"/>
+            <a:ext cx="5976664" cy="4712930"/>
+          </a:xfrm>
+          <a:prstGeom prst="roundRect">
+            <a:avLst>
+              <a:gd name="adj" fmla="val 16667"/>
+            </a:avLst>
           </a:prstGeom>
           <a:ln>
             <a:noFill/>
           </a:ln>
           <a:effectLst>
-            <a:outerShdw blurRad="292100" dist="139700" dir="2700000" algn="tl" rotWithShape="0">
-              <a:srgbClr val="333333">
-                <a:alpha val="65000"/>
+            <a:outerShdw blurRad="152400" dist="12000" dir="900000" sy="98000" kx="110000" ky="200000" algn="tl" rotWithShape="0">
+              <a:srgbClr val="000000">
+                <a:alpha val="30000"/>
               </a:srgbClr>
             </a:outerShdw>
           </a:effectLst>
+          <a:scene3d>
+            <a:camera prst="perspectiveRelaxed">
+              <a:rot lat="19800000" lon="1200000" rev="20820000"/>
+            </a:camera>
+            <a:lightRig rig="threePt" dir="t"/>
+          </a:scene3d>
+          <a:sp3d contourW="6350" prstMaterial="matte">
+            <a:bevelT w="101600" h="101600"/>
+            <a:contourClr>
+              <a:srgbClr val="969696"/>
+            </a:contourClr>
+          </a:sp3d>
         </p:spPr>
       </p:pic>
       <p:sp>
@@ -6460,8 +7288,8 @@
         </p:nvSpPr>
         <p:spPr>
           <a:xfrm>
-            <a:off x="539552" y="1116613"/>
-            <a:ext cx="8004394" cy="1154162"/>
+            <a:off x="958872" y="764704"/>
+            <a:ext cx="7357544" cy="800219"/>
           </a:xfrm>
           <a:prstGeom prst="rect">
             <a:avLst/>
@@ -6482,10 +7310,17 @@
           <a:p>
             <a:pPr algn="just"/>
             <a:r>
-              <a:rPr lang="es-CL" sz="2300" dirty="0" smtClean="0"/>
+              <a:rPr lang="es-CL" sz="2300" dirty="0">
+                <a:solidFill>
+                  <a:schemeClr val="accent4">
+                    <a:lumMod val="75000"/>
+                  </a:schemeClr>
+                </a:solidFill>
+                <a:latin typeface="Times New Roman" pitchFamily="18" charset="0"/>
+                <a:cs typeface="Times New Roman" pitchFamily="18" charset="0"/>
+              </a:rPr>
               <a:t>Mantenga el control sobre el estado de los RF por periodo.</a:t>
             </a:r>
-            <a:endParaRPr lang="es-CL" sz="2300" dirty="0"/>
           </a:p>
         </p:txBody>
       </p:sp>
@@ -6554,6 +7389,74 @@
       </p:grpSpPr>
       <p:sp>
         <p:nvSpPr>
+          <p:cNvPr id="10" name="9 Rectángulo redondeado"/>
+          <p:cNvSpPr/>
+          <p:nvPr/>
+        </p:nvSpPr>
+        <p:spPr>
+          <a:xfrm>
+            <a:off x="251519" y="260648"/>
+            <a:ext cx="8606759" cy="5256584"/>
+          </a:xfrm>
+          <a:prstGeom prst="roundRect">
+            <a:avLst/>
+          </a:prstGeom>
+          <a:gradFill flip="none" rotWithShape="1">
+            <a:gsLst>
+              <a:gs pos="33000">
+                <a:schemeClr val="accent1">
+                  <a:tint val="66000"/>
+                  <a:satMod val="160000"/>
+                </a:schemeClr>
+              </a:gs>
+              <a:gs pos="51000">
+                <a:schemeClr val="accent1">
+                  <a:tint val="44500"/>
+                  <a:satMod val="160000"/>
+                  <a:alpha val="0"/>
+                </a:schemeClr>
+              </a:gs>
+              <a:gs pos="100000">
+                <a:schemeClr val="accent1">
+                  <a:tint val="23500"/>
+                  <a:satMod val="160000"/>
+                </a:schemeClr>
+              </a:gs>
+            </a:gsLst>
+            <a:lin ang="16200000" scaled="1"/>
+            <a:tileRect/>
+          </a:gradFill>
+          <a:ln>
+            <a:noFill/>
+          </a:ln>
+        </p:spPr>
+        <p:style>
+          <a:lnRef idx="2">
+            <a:schemeClr val="accent1">
+              <a:shade val="50000"/>
+            </a:schemeClr>
+          </a:lnRef>
+          <a:fillRef idx="1">
+            <a:schemeClr val="accent1"/>
+          </a:fillRef>
+          <a:effectRef idx="0">
+            <a:schemeClr val="accent1"/>
+          </a:effectRef>
+          <a:fontRef idx="minor">
+            <a:schemeClr val="lt1"/>
+          </a:fontRef>
+        </p:style>
+        <p:txBody>
+          <a:bodyPr rtlCol="0" anchor="ctr"/>
+          <a:lstStyle/>
+          <a:p>
+            <a:pPr algn="ctr"/>
+            <a:endParaRPr lang="es-CL"/>
+          </a:p>
+        </p:txBody>
+      </p:sp>
+      <p:sp>
+        <p:nvSpPr>
           <p:cNvPr id="2" name="1 Marcador de contenido"/>
           <p:cNvSpPr>
             <a:spLocks noGrp="1"/>
@@ -6578,7 +7481,66 @@
               <a:buNone/>
             </a:pPr>
             <a:r>
-              <a:rPr lang="es-CL" sz="9600" b="1" dirty="0" smtClean="0">
+              <a:rPr lang="es-CL" sz="12800" b="1" dirty="0">
+                <a:solidFill>
+                  <a:schemeClr val="bg2">
+                    <a:lumMod val="50000"/>
+                  </a:schemeClr>
+                </a:solidFill>
+                <a:effectLst>
+                  <a:outerShdw blurRad="31750" dist="25400" dir="5400000" algn="tl" rotWithShape="0">
+                    <a:srgbClr val="000000">
+                      <a:alpha val="25000"/>
+                    </a:srgbClr>
+                  </a:outerShdw>
+                </a:effectLst>
+                <a:latin typeface="Andalus" pitchFamily="18" charset="-78"/>
+                <a:ea typeface="+mj-ea"/>
+                <a:cs typeface="Andalus" pitchFamily="18" charset="-78"/>
+              </a:rPr>
+              <a:t>Validación en base a sus EE.FF </a:t>
+            </a:r>
+            <a:r>
+              <a:rPr lang="es-CL" sz="12800" b="1" dirty="0">
+                <a:solidFill>
+                  <a:schemeClr val="bg2">
+                    <a:lumMod val="50000"/>
+                  </a:schemeClr>
+                </a:solidFill>
+                <a:effectLst>
+                  <a:outerShdw blurRad="31750" dist="25400" dir="5400000" algn="tl" rotWithShape="0">
+                    <a:srgbClr val="000000">
+                      <a:alpha val="25000"/>
+                    </a:srgbClr>
+                  </a:outerShdw>
+                </a:effectLst>
+                <a:latin typeface="Andalus" pitchFamily="18" charset="-78"/>
+                <a:ea typeface="+mj-ea"/>
+                <a:cs typeface="Andalus" pitchFamily="18" charset="-78"/>
+              </a:rPr>
+              <a:t>&gt;</a:t>
+            </a:r>
+            <a:br>
+              <a:rPr lang="es-CL" sz="12800" b="1" dirty="0">
+                <a:solidFill>
+                  <a:schemeClr val="bg2">
+                    <a:lumMod val="50000"/>
+                  </a:schemeClr>
+                </a:solidFill>
+                <a:effectLst>
+                  <a:outerShdw blurRad="31750" dist="25400" dir="5400000" algn="tl" rotWithShape="0">
+                    <a:srgbClr val="000000">
+                      <a:alpha val="25000"/>
+                    </a:srgbClr>
+                  </a:outerShdw>
+                </a:effectLst>
+                <a:latin typeface="Andalus" pitchFamily="18" charset="-78"/>
+                <a:ea typeface="+mj-ea"/>
+                <a:cs typeface="Andalus" pitchFamily="18" charset="-78"/>
+              </a:rPr>
+            </a:br>
+            <a:r>
+              <a:rPr lang="es-CL" sz="11600" b="1" dirty="0">
                 <a:solidFill>
                   <a:schemeClr val="tx2"/>
                 </a:solidFill>
@@ -6593,10 +7555,10 @@
                 <a:ea typeface="+mj-ea"/>
                 <a:cs typeface="+mj-cs"/>
               </a:rPr>
-              <a:t>Validación en base a sus EE.FF </a:t>
-            </a:r>
-            <a:r>
-              <a:rPr lang="es-CL" sz="9600" b="1" dirty="0">
+              <a:t/>
+            </a:r>
+            <a:br>
+              <a:rPr lang="es-CL" sz="11600" b="1" dirty="0">
                 <a:solidFill>
                   <a:schemeClr val="tx2"/>
                 </a:solidFill>
@@ -6611,59 +7573,6 @@
                 <a:ea typeface="+mj-ea"/>
                 <a:cs typeface="+mj-cs"/>
               </a:rPr>
-              <a:t>&gt;</a:t>
-            </a:r>
-            <a:br>
-              <a:rPr lang="es-CL" sz="9600" b="1" dirty="0">
-                <a:solidFill>
-                  <a:schemeClr val="tx2"/>
-                </a:solidFill>
-                <a:effectLst>
-                  <a:outerShdw blurRad="31750" dist="25400" dir="5400000" algn="tl" rotWithShape="0">
-                    <a:srgbClr val="000000">
-                      <a:alpha val="25000"/>
-                    </a:srgbClr>
-                  </a:outerShdw>
-                </a:effectLst>
-                <a:latin typeface="Arial Black" pitchFamily="34" charset="0"/>
-                <a:ea typeface="+mj-ea"/>
-                <a:cs typeface="+mj-cs"/>
-              </a:rPr>
-            </a:br>
-            <a:r>
-              <a:rPr lang="es-CL" sz="11600" b="1" dirty="0">
-                <a:solidFill>
-                  <a:schemeClr val="tx2"/>
-                </a:solidFill>
-                <a:effectLst>
-                  <a:outerShdw blurRad="31750" dist="25400" dir="5400000" algn="tl" rotWithShape="0">
-                    <a:srgbClr val="000000">
-                      <a:alpha val="25000"/>
-                    </a:srgbClr>
-                  </a:outerShdw>
-                </a:effectLst>
-                <a:latin typeface="Arial Black" pitchFamily="34" charset="0"/>
-                <a:ea typeface="+mj-ea"/>
-                <a:cs typeface="+mj-cs"/>
-              </a:rPr>
-              <a:t/>
-            </a:r>
-            <a:br>
-              <a:rPr lang="es-CL" sz="11600" b="1" dirty="0">
-                <a:solidFill>
-                  <a:schemeClr val="tx2"/>
-                </a:solidFill>
-                <a:effectLst>
-                  <a:outerShdw blurRad="31750" dist="25400" dir="5400000" algn="tl" rotWithShape="0">
-                    <a:srgbClr val="000000">
-                      <a:alpha val="25000"/>
-                    </a:srgbClr>
-                  </a:outerShdw>
-                </a:effectLst>
-                <a:latin typeface="Arial Black" pitchFamily="34" charset="0"/>
-                <a:ea typeface="+mj-ea"/>
-                <a:cs typeface="+mj-cs"/>
-              </a:rPr>
             </a:br>
             <a:r>
               <a:rPr lang="es-CL" dirty="0" smtClean="0"/>
@@ -6681,7 +7590,7 @@
         </p:nvSpPr>
         <p:spPr>
           <a:xfrm>
-            <a:off x="683568" y="1126485"/>
+            <a:off x="827584" y="692696"/>
             <a:ext cx="7992888" cy="1169551"/>
           </a:xfrm>
           <a:prstGeom prst="rect">
@@ -6701,63 +7610,122 @@
           </a:p>
           <a:p>
             <a:r>
-              <a:rPr lang="es-CL" sz="2300" dirty="0" smtClean="0"/>
+              <a:rPr lang="es-CL" sz="2300" dirty="0">
+                <a:solidFill>
+                  <a:schemeClr val="accent4">
+                    <a:lumMod val="75000"/>
+                  </a:schemeClr>
+                </a:solidFill>
+                <a:latin typeface="Times New Roman" pitchFamily="18" charset="0"/>
+                <a:cs typeface="Times New Roman" pitchFamily="18" charset="0"/>
+              </a:rPr>
               <a:t>Cargue </a:t>
             </a:r>
             <a:r>
-              <a:rPr lang="es-CL" sz="2300" dirty="0"/>
+              <a:rPr lang="es-CL" sz="2300" dirty="0">
+                <a:solidFill>
+                  <a:schemeClr val="accent4">
+                    <a:lumMod val="75000"/>
+                  </a:schemeClr>
+                </a:solidFill>
+                <a:latin typeface="Times New Roman" pitchFamily="18" charset="0"/>
+                <a:cs typeface="Times New Roman" pitchFamily="18" charset="0"/>
+              </a:rPr>
               <a:t>sus </a:t>
             </a:r>
             <a:r>
-              <a:rPr lang="es-CL" sz="2300" dirty="0" smtClean="0"/>
+              <a:rPr lang="es-CL" sz="2300" dirty="0">
+                <a:solidFill>
+                  <a:schemeClr val="accent4">
+                    <a:lumMod val="75000"/>
+                  </a:schemeClr>
+                </a:solidFill>
+                <a:latin typeface="Times New Roman" pitchFamily="18" charset="0"/>
+                <a:cs typeface="Times New Roman" pitchFamily="18" charset="0"/>
+              </a:rPr>
               <a:t>Estados </a:t>
             </a:r>
             <a:r>
-              <a:rPr lang="es-CL" sz="2300" dirty="0"/>
+              <a:rPr lang="es-CL" sz="2300" dirty="0">
+                <a:solidFill>
+                  <a:schemeClr val="accent4">
+                    <a:lumMod val="75000"/>
+                  </a:schemeClr>
+                </a:solidFill>
+                <a:latin typeface="Times New Roman" pitchFamily="18" charset="0"/>
+                <a:cs typeface="Times New Roman" pitchFamily="18" charset="0"/>
+              </a:rPr>
               <a:t>F</a:t>
             </a:r>
             <a:r>
-              <a:rPr lang="es-CL" sz="2300" dirty="0" smtClean="0"/>
+              <a:rPr lang="es-CL" sz="2300" dirty="0">
+                <a:solidFill>
+                  <a:schemeClr val="accent4">
+                    <a:lumMod val="75000"/>
+                  </a:schemeClr>
+                </a:solidFill>
+                <a:latin typeface="Times New Roman" pitchFamily="18" charset="0"/>
+                <a:cs typeface="Times New Roman" pitchFamily="18" charset="0"/>
+              </a:rPr>
               <a:t>inancieros </a:t>
             </a:r>
             <a:r>
-              <a:rPr lang="es-CL" sz="2300" dirty="0"/>
-              <a:t>en </a:t>
-            </a:r>
-            <a:r>
-              <a:rPr lang="es-CL" sz="2400" dirty="0">
-                <a:solidFill>
-                  <a:schemeClr val="tx2">
+              <a:rPr lang="es-CL" sz="2300" dirty="0">
+                <a:solidFill>
+                  <a:schemeClr val="accent4">
                     <a:lumMod val="75000"/>
                   </a:schemeClr>
                 </a:solidFill>
-                <a:effectLst>
-                  <a:outerShdw blurRad="38100" dist="38100" dir="2700000" algn="tl">
-                    <a:srgbClr val="000000">
-                      <a:alpha val="43137"/>
-                    </a:srgbClr>
-                  </a:outerShdw>
-                </a:effectLst>
-              </a:rPr>
-              <a:t>EXFIDA</a:t>
-            </a:r>
-            <a:r>
-              <a:rPr lang="es-CL" sz="2400" dirty="0"/>
-              <a:t> </a:t>
-            </a:r>
-            <a:r>
-              <a:rPr lang="es-CL" sz="2300" dirty="0" smtClean="0"/>
+                <a:latin typeface="Times New Roman" pitchFamily="18" charset="0"/>
+                <a:cs typeface="Times New Roman" pitchFamily="18" charset="0"/>
+              </a:rPr>
+              <a:t>en EXFIDA </a:t>
+            </a:r>
+            <a:r>
+              <a:rPr lang="es-CL" sz="2300" dirty="0">
+                <a:solidFill>
+                  <a:schemeClr val="accent4">
+                    <a:lumMod val="75000"/>
+                  </a:schemeClr>
+                </a:solidFill>
+                <a:latin typeface="Times New Roman" pitchFamily="18" charset="0"/>
+                <a:cs typeface="Times New Roman" pitchFamily="18" charset="0"/>
+              </a:rPr>
               <a:t>y </a:t>
             </a:r>
             <a:r>
-              <a:rPr lang="es-CL" sz="2300" dirty="0"/>
+              <a:rPr lang="es-CL" sz="2300" dirty="0">
+                <a:solidFill>
+                  <a:schemeClr val="accent4">
+                    <a:lumMod val="75000"/>
+                  </a:schemeClr>
+                </a:solidFill>
+                <a:latin typeface="Times New Roman" pitchFamily="18" charset="0"/>
+                <a:cs typeface="Times New Roman" pitchFamily="18" charset="0"/>
+              </a:rPr>
               <a:t>valide sus </a:t>
             </a:r>
             <a:r>
-              <a:rPr lang="es-CL" sz="2300" dirty="0" smtClean="0"/>
+              <a:rPr lang="es-CL" sz="2300" dirty="0">
+                <a:solidFill>
+                  <a:schemeClr val="accent4">
+                    <a:lumMod val="75000"/>
+                  </a:schemeClr>
+                </a:solidFill>
+                <a:latin typeface="Times New Roman" pitchFamily="18" charset="0"/>
+                <a:cs typeface="Times New Roman" pitchFamily="18" charset="0"/>
+              </a:rPr>
               <a:t>Revelaciones en base a estos.</a:t>
             </a:r>
-            <a:endParaRPr lang="es-CL" sz="2300" dirty="0"/>
+            <a:endParaRPr lang="es-CL" sz="2300" dirty="0">
+              <a:solidFill>
+                <a:schemeClr val="accent4">
+                  <a:lumMod val="75000"/>
+                </a:schemeClr>
+              </a:solidFill>
+              <a:latin typeface="Times New Roman" pitchFamily="18" charset="0"/>
+              <a:cs typeface="Times New Roman" pitchFamily="18" charset="0"/>
+            </a:endParaRPr>
           </a:p>
         </p:txBody>
       </p:sp>
@@ -6802,22 +7770,36 @@
         </p:blipFill>
         <p:spPr bwMode="auto">
           <a:xfrm>
-            <a:off x="1571604" y="2428868"/>
-            <a:ext cx="6143668" cy="3196609"/>
-          </a:xfrm>
-          <a:prstGeom prst="rect">
-            <a:avLst/>
+            <a:off x="1187624" y="1988840"/>
+            <a:ext cx="6552728" cy="3409447"/>
+          </a:xfrm>
+          <a:prstGeom prst="roundRect">
+            <a:avLst>
+              <a:gd name="adj" fmla="val 16667"/>
+            </a:avLst>
           </a:prstGeom>
           <a:ln>
             <a:noFill/>
           </a:ln>
           <a:effectLst>
-            <a:outerShdw blurRad="292100" dist="139700" dir="2700000" algn="tl" rotWithShape="0">
-              <a:srgbClr val="333333">
-                <a:alpha val="65000"/>
+            <a:outerShdw blurRad="152400" dist="12000" dir="900000" sy="98000" kx="110000" ky="200000" algn="tl" rotWithShape="0">
+              <a:srgbClr val="000000">
+                <a:alpha val="30000"/>
               </a:srgbClr>
             </a:outerShdw>
           </a:effectLst>
+          <a:scene3d>
+            <a:camera prst="perspectiveRelaxed">
+              <a:rot lat="19800000" lon="1200000" rev="20820000"/>
+            </a:camera>
+            <a:lightRig rig="threePt" dir="t"/>
+          </a:scene3d>
+          <a:sp3d contourW="6350" prstMaterial="matte">
+            <a:bevelT w="101600" h="101600"/>
+            <a:contourClr>
+              <a:srgbClr val="969696"/>
+            </a:contourClr>
+          </a:sp3d>
         </p:spPr>
       </p:pic>
       <p:pic>
@@ -6883,6 +7865,74 @@
           <a:chExt cx="0" cy="0"/>
         </a:xfrm>
       </p:grpSpPr>
+      <p:sp>
+        <p:nvSpPr>
+          <p:cNvPr id="10" name="9 Rectángulo redondeado"/>
+          <p:cNvSpPr/>
+          <p:nvPr/>
+        </p:nvSpPr>
+        <p:spPr>
+          <a:xfrm>
+            <a:off x="251519" y="260648"/>
+            <a:ext cx="8606759" cy="5256584"/>
+          </a:xfrm>
+          <a:prstGeom prst="roundRect">
+            <a:avLst/>
+          </a:prstGeom>
+          <a:gradFill flip="none" rotWithShape="1">
+            <a:gsLst>
+              <a:gs pos="33000">
+                <a:schemeClr val="accent1">
+                  <a:tint val="66000"/>
+                  <a:satMod val="160000"/>
+                </a:schemeClr>
+              </a:gs>
+              <a:gs pos="51000">
+                <a:schemeClr val="accent1">
+                  <a:tint val="44500"/>
+                  <a:satMod val="160000"/>
+                  <a:alpha val="0"/>
+                </a:schemeClr>
+              </a:gs>
+              <a:gs pos="100000">
+                <a:schemeClr val="accent1">
+                  <a:tint val="23500"/>
+                  <a:satMod val="160000"/>
+                </a:schemeClr>
+              </a:gs>
+            </a:gsLst>
+            <a:lin ang="16200000" scaled="1"/>
+            <a:tileRect/>
+          </a:gradFill>
+          <a:ln>
+            <a:noFill/>
+          </a:ln>
+        </p:spPr>
+        <p:style>
+          <a:lnRef idx="2">
+            <a:schemeClr val="accent1">
+              <a:shade val="50000"/>
+            </a:schemeClr>
+          </a:lnRef>
+          <a:fillRef idx="1">
+            <a:schemeClr val="accent1"/>
+          </a:fillRef>
+          <a:effectRef idx="0">
+            <a:schemeClr val="accent1"/>
+          </a:effectRef>
+          <a:fontRef idx="minor">
+            <a:schemeClr val="lt1"/>
+          </a:fontRef>
+        </p:style>
+        <p:txBody>
+          <a:bodyPr rtlCol="0" anchor="ctr"/>
+          <a:lstStyle/>
+          <a:p>
+            <a:pPr algn="ctr"/>
+            <a:endParaRPr lang="es-CL"/>
+          </a:p>
+        </p:txBody>
+      </p:sp>
       <p:pic>
         <p:nvPicPr>
           <p:cNvPr id="7" name="6 Imagen" descr="logo_exfida.png"/>
@@ -6933,9 +7983,11 @@
               <a:buNone/>
             </a:pPr>
             <a:r>
-              <a:rPr lang="es-CL" sz="9600" b="1" dirty="0" smtClean="0">
-                <a:solidFill>
-                  <a:schemeClr val="tx2"/>
+              <a:rPr lang="es-CL" sz="12800" b="1" dirty="0">
+                <a:solidFill>
+                  <a:schemeClr val="bg2">
+                    <a:lumMod val="50000"/>
+                  </a:schemeClr>
                 </a:solidFill>
                 <a:effectLst>
                   <a:outerShdw blurRad="31750" dist="25400" dir="5400000" algn="tl" rotWithShape="0">
@@ -6944,16 +7996,18 @@
                     </a:srgbClr>
                   </a:outerShdw>
                 </a:effectLst>
-                <a:latin typeface="Arial Black" pitchFamily="34" charset="0"/>
+                <a:latin typeface="Andalus" pitchFamily="18" charset="-78"/>
                 <a:ea typeface="+mj-ea"/>
-                <a:cs typeface="+mj-cs"/>
+                <a:cs typeface="Andalus" pitchFamily="18" charset="-78"/>
               </a:rPr>
               <a:t>Notificador </a:t>
             </a:r>
             <a:r>
-              <a:rPr lang="es-CL" sz="9600" b="1" dirty="0">
-                <a:solidFill>
-                  <a:schemeClr val="tx2"/>
+              <a:rPr lang="es-CL" sz="12800" b="1" dirty="0">
+                <a:solidFill>
+                  <a:schemeClr val="bg2">
+                    <a:lumMod val="50000"/>
+                  </a:schemeClr>
                 </a:solidFill>
                 <a:effectLst>
                   <a:outerShdw blurRad="31750" dist="25400" dir="5400000" algn="tl" rotWithShape="0">
@@ -6962,16 +8016,18 @@
                     </a:srgbClr>
                   </a:outerShdw>
                 </a:effectLst>
-                <a:latin typeface="Arial Black" pitchFamily="34" charset="0"/>
+                <a:latin typeface="Andalus" pitchFamily="18" charset="-78"/>
                 <a:ea typeface="+mj-ea"/>
-                <a:cs typeface="+mj-cs"/>
+                <a:cs typeface="Andalus" pitchFamily="18" charset="-78"/>
               </a:rPr>
               <a:t>de </a:t>
             </a:r>
             <a:r>
-              <a:rPr lang="es-CL" sz="9600" b="1" dirty="0" smtClean="0">
-                <a:solidFill>
-                  <a:schemeClr val="tx2"/>
+              <a:rPr lang="es-CL" sz="12800" b="1" dirty="0">
+                <a:solidFill>
+                  <a:schemeClr val="bg2">
+                    <a:lumMod val="50000"/>
+                  </a:schemeClr>
                 </a:solidFill>
                 <a:effectLst>
                   <a:outerShdw blurRad="31750" dist="25400" dir="5400000" algn="tl" rotWithShape="0">
@@ -6980,16 +8036,18 @@
                     </a:srgbClr>
                   </a:outerShdw>
                 </a:effectLst>
-                <a:latin typeface="Arial Black" pitchFamily="34" charset="0"/>
+                <a:latin typeface="Andalus" pitchFamily="18" charset="-78"/>
                 <a:ea typeface="+mj-ea"/>
-                <a:cs typeface="+mj-cs"/>
+                <a:cs typeface="Andalus" pitchFamily="18" charset="-78"/>
               </a:rPr>
               <a:t>Cambios en EEFF </a:t>
             </a:r>
             <a:r>
-              <a:rPr lang="es-CL" sz="9600" b="1" dirty="0">
-                <a:solidFill>
-                  <a:schemeClr val="tx2"/>
+              <a:rPr lang="es-CL" sz="12800" b="1" dirty="0">
+                <a:solidFill>
+                  <a:schemeClr val="bg2">
+                    <a:lumMod val="50000"/>
+                  </a:schemeClr>
                 </a:solidFill>
                 <a:effectLst>
                   <a:outerShdw blurRad="31750" dist="25400" dir="5400000" algn="tl" rotWithShape="0">
@@ -6998,16 +8056,18 @@
                     </a:srgbClr>
                   </a:outerShdw>
                 </a:effectLst>
-                <a:latin typeface="Arial Black" pitchFamily="34" charset="0"/>
+                <a:latin typeface="Andalus" pitchFamily="18" charset="-78"/>
                 <a:ea typeface="+mj-ea"/>
-                <a:cs typeface="+mj-cs"/>
+                <a:cs typeface="Andalus" pitchFamily="18" charset="-78"/>
               </a:rPr>
               <a:t>&gt;</a:t>
             </a:r>
             <a:br>
-              <a:rPr lang="es-CL" sz="9600" b="1" dirty="0">
-                <a:solidFill>
-                  <a:schemeClr val="tx2"/>
+              <a:rPr lang="es-CL" sz="12800" b="1" dirty="0">
+                <a:solidFill>
+                  <a:schemeClr val="bg2">
+                    <a:lumMod val="50000"/>
+                  </a:schemeClr>
                 </a:solidFill>
                 <a:effectLst>
                   <a:outerShdw blurRad="31750" dist="25400" dir="5400000" algn="tl" rotWithShape="0">
@@ -7016,15 +8076,17 @@
                     </a:srgbClr>
                   </a:outerShdw>
                 </a:effectLst>
-                <a:latin typeface="Arial Black" pitchFamily="34" charset="0"/>
+                <a:latin typeface="Andalus" pitchFamily="18" charset="-78"/>
                 <a:ea typeface="+mj-ea"/>
-                <a:cs typeface="+mj-cs"/>
+                <a:cs typeface="Andalus" pitchFamily="18" charset="-78"/>
               </a:rPr>
             </a:br>
             <a:r>
-              <a:rPr lang="es-CL" sz="11600" b="1" dirty="0">
-                <a:solidFill>
-                  <a:schemeClr val="tx2"/>
+              <a:rPr lang="es-CL" sz="12800" b="1" dirty="0">
+                <a:solidFill>
+                  <a:schemeClr val="bg2">
+                    <a:lumMod val="50000"/>
+                  </a:schemeClr>
                 </a:solidFill>
                 <a:effectLst>
                   <a:outerShdw blurRad="31750" dist="25400" dir="5400000" algn="tl" rotWithShape="0">
@@ -7033,16 +8095,18 @@
                     </a:srgbClr>
                   </a:outerShdw>
                 </a:effectLst>
-                <a:latin typeface="Arial Black" pitchFamily="34" charset="0"/>
+                <a:latin typeface="Andalus" pitchFamily="18" charset="-78"/>
                 <a:ea typeface="+mj-ea"/>
-                <a:cs typeface="+mj-cs"/>
+                <a:cs typeface="Andalus" pitchFamily="18" charset="-78"/>
               </a:rPr>
               <a:t/>
             </a:r>
             <a:br>
-              <a:rPr lang="es-CL" sz="11600" b="1" dirty="0">
-                <a:solidFill>
-                  <a:schemeClr val="tx2"/>
+              <a:rPr lang="es-CL" sz="12800" b="1" dirty="0">
+                <a:solidFill>
+                  <a:schemeClr val="bg2">
+                    <a:lumMod val="50000"/>
+                  </a:schemeClr>
                 </a:solidFill>
                 <a:effectLst>
                   <a:outerShdw blurRad="31750" dist="25400" dir="5400000" algn="tl" rotWithShape="0">
@@ -7051,9 +8115,9 @@
                     </a:srgbClr>
                   </a:outerShdw>
                 </a:effectLst>
-                <a:latin typeface="Arial Black" pitchFamily="34" charset="0"/>
+                <a:latin typeface="Andalus" pitchFamily="18" charset="-78"/>
                 <a:ea typeface="+mj-ea"/>
-                <a:cs typeface="+mj-cs"/>
+                <a:cs typeface="Andalus" pitchFamily="18" charset="-78"/>
               </a:rPr>
             </a:br>
             <a:r>
@@ -7081,22 +8145,36 @@
         </p:blipFill>
         <p:spPr bwMode="auto">
           <a:xfrm>
-            <a:off x="1571604" y="2714620"/>
+            <a:off x="1403648" y="2132856"/>
             <a:ext cx="6000792" cy="3142426"/>
           </a:xfrm>
-          <a:prstGeom prst="rect">
-            <a:avLst/>
+          <a:prstGeom prst="roundRect">
+            <a:avLst>
+              <a:gd name="adj" fmla="val 16667"/>
+            </a:avLst>
           </a:prstGeom>
           <a:ln>
             <a:noFill/>
           </a:ln>
           <a:effectLst>
-            <a:outerShdw blurRad="292100" dist="139700" dir="2700000" algn="tl" rotWithShape="0">
-              <a:srgbClr val="333333">
-                <a:alpha val="65000"/>
+            <a:outerShdw blurRad="152400" dist="12000" dir="900000" sy="98000" kx="110000" ky="200000" algn="tl" rotWithShape="0">
+              <a:srgbClr val="000000">
+                <a:alpha val="30000"/>
               </a:srgbClr>
             </a:outerShdw>
           </a:effectLst>
+          <a:scene3d>
+            <a:camera prst="perspectiveRelaxed">
+              <a:rot lat="19800000" lon="1200000" rev="20820000"/>
+            </a:camera>
+            <a:lightRig rig="threePt" dir="t"/>
+          </a:scene3d>
+          <a:sp3d contourW="6350" prstMaterial="matte">
+            <a:bevelT w="101600" h="101600"/>
+            <a:contourClr>
+              <a:srgbClr val="969696"/>
+            </a:contourClr>
+          </a:sp3d>
         </p:spPr>
       </p:pic>
       <p:sp>
@@ -7107,8 +8185,8 @@
         </p:nvSpPr>
         <p:spPr>
           <a:xfrm>
-            <a:off x="683568" y="1126485"/>
-            <a:ext cx="7992888" cy="1508105"/>
+            <a:off x="683568" y="764704"/>
+            <a:ext cx="7992888" cy="1154162"/>
           </a:xfrm>
           <a:prstGeom prst="rect">
             <a:avLst/>
@@ -7127,10 +8205,38 @@
           </a:p>
           <a:p>
             <a:r>
-              <a:rPr lang="es-CL" sz="2300" dirty="0" smtClean="0"/>
-              <a:t>Notifique a sus Áreas de Negocio el cambio en sus Estados Financieros para la cuadratura de sus Revelaciones.</a:t>
-            </a:r>
-            <a:endParaRPr lang="es-CL" sz="2300" dirty="0"/>
+              <a:rPr lang="es-CL" sz="2300" dirty="0" smtClean="0">
+                <a:solidFill>
+                  <a:schemeClr val="accent4">
+                    <a:lumMod val="75000"/>
+                  </a:schemeClr>
+                </a:solidFill>
+                <a:latin typeface="Times New Roman" pitchFamily="18" charset="0"/>
+                <a:cs typeface="Times New Roman" pitchFamily="18" charset="0"/>
+              </a:rPr>
+              <a:t>	Notifique </a:t>
+            </a:r>
+            <a:r>
+              <a:rPr lang="es-CL" sz="2300" dirty="0">
+                <a:solidFill>
+                  <a:schemeClr val="accent4">
+                    <a:lumMod val="75000"/>
+                  </a:schemeClr>
+                </a:solidFill>
+                <a:latin typeface="Times New Roman" pitchFamily="18" charset="0"/>
+                <a:cs typeface="Times New Roman" pitchFamily="18" charset="0"/>
+              </a:rPr>
+              <a:t>a sus Áreas de Negocio el cambio en sus Estados Financieros para la cuadratura de sus Revelaciones.</a:t>
+            </a:r>
+            <a:endParaRPr lang="es-CL" sz="2300" dirty="0">
+              <a:solidFill>
+                <a:schemeClr val="accent4">
+                  <a:lumMod val="75000"/>
+                </a:schemeClr>
+              </a:solidFill>
+              <a:latin typeface="Times New Roman" pitchFamily="18" charset="0"/>
+              <a:cs typeface="Times New Roman" pitchFamily="18" charset="0"/>
+            </a:endParaRPr>
           </a:p>
         </p:txBody>
       </p:sp>
@@ -7165,7 +8271,7 @@
     </p:spTree>
     <p:extLst>
       <p:ext uri="{BB962C8B-B14F-4D97-AF65-F5344CB8AC3E}">
-        <p14:creationId xmlns="" xmlns:p14="http://schemas.microsoft.com/office/powerpoint/2010/main" val="2482610731"/>
+        <p14:creationId xmlns:p14="http://schemas.microsoft.com/office/powerpoint/2010/main" val="2482610731"/>
       </p:ext>
     </p:extLst>
   </p:cSld>
@@ -7202,6 +8308,74 @@
           <a:chExt cx="0" cy="0"/>
         </a:xfrm>
       </p:grpSpPr>
+      <p:sp>
+        <p:nvSpPr>
+          <p:cNvPr id="11" name="10 Rectángulo redondeado"/>
+          <p:cNvSpPr/>
+          <p:nvPr/>
+        </p:nvSpPr>
+        <p:spPr>
+          <a:xfrm>
+            <a:off x="251519" y="260648"/>
+            <a:ext cx="8606759" cy="5256584"/>
+          </a:xfrm>
+          <a:prstGeom prst="roundRect">
+            <a:avLst/>
+          </a:prstGeom>
+          <a:gradFill flip="none" rotWithShape="1">
+            <a:gsLst>
+              <a:gs pos="33000">
+                <a:schemeClr val="accent1">
+                  <a:tint val="66000"/>
+                  <a:satMod val="160000"/>
+                </a:schemeClr>
+              </a:gs>
+              <a:gs pos="51000">
+                <a:schemeClr val="accent1">
+                  <a:tint val="44500"/>
+                  <a:satMod val="160000"/>
+                  <a:alpha val="0"/>
+                </a:schemeClr>
+              </a:gs>
+              <a:gs pos="100000">
+                <a:schemeClr val="accent1">
+                  <a:tint val="23500"/>
+                  <a:satMod val="160000"/>
+                </a:schemeClr>
+              </a:gs>
+            </a:gsLst>
+            <a:lin ang="16200000" scaled="1"/>
+            <a:tileRect/>
+          </a:gradFill>
+          <a:ln>
+            <a:noFill/>
+          </a:ln>
+        </p:spPr>
+        <p:style>
+          <a:lnRef idx="2">
+            <a:schemeClr val="accent1">
+              <a:shade val="50000"/>
+            </a:schemeClr>
+          </a:lnRef>
+          <a:fillRef idx="1">
+            <a:schemeClr val="accent1"/>
+          </a:fillRef>
+          <a:effectRef idx="0">
+            <a:schemeClr val="accent1"/>
+          </a:effectRef>
+          <a:fontRef idx="minor">
+            <a:schemeClr val="lt1"/>
+          </a:fontRef>
+        </p:style>
+        <p:txBody>
+          <a:bodyPr rtlCol="0" anchor="ctr"/>
+          <a:lstStyle/>
+          <a:p>
+            <a:pPr algn="ctr"/>
+            <a:endParaRPr lang="es-CL"/>
+          </a:p>
+        </p:txBody>
+      </p:sp>
       <p:pic>
         <p:nvPicPr>
           <p:cNvPr id="9" name="Picture 2" descr="https://encrypted-tbn3.google.com/images?q=tbn:ANd9GcQv7o1uYuJTJ_GXWrchmYmF3--4xm-9XARhhT8NqDM6vkiRhclk"/>
@@ -7219,8 +8393,8 @@
         </p:blipFill>
         <p:spPr bwMode="auto">
           <a:xfrm>
-            <a:off x="6715140" y="3357562"/>
-            <a:ext cx="2214578" cy="1016967"/>
+            <a:off x="3654777" y="5658857"/>
+            <a:ext cx="1800241" cy="826697"/>
           </a:xfrm>
           <a:prstGeom prst="rect">
             <a:avLst/>
@@ -7254,9 +8428,11 @@
               <a:buNone/>
             </a:pPr>
             <a:r>
-              <a:rPr lang="es-CL" sz="9600" b="1" dirty="0" smtClean="0">
-                <a:solidFill>
-                  <a:schemeClr val="tx2"/>
+              <a:rPr lang="es-CL" sz="12800" b="1" dirty="0">
+                <a:solidFill>
+                  <a:schemeClr val="bg2">
+                    <a:lumMod val="50000"/>
+                  </a:schemeClr>
                 </a:solidFill>
                 <a:effectLst>
                   <a:outerShdw blurRad="31750" dist="25400" dir="5400000" algn="tl" rotWithShape="0">
@@ -7265,16 +8441,18 @@
                     </a:srgbClr>
                   </a:outerShdw>
                 </a:effectLst>
-                <a:latin typeface="Arial Black" pitchFamily="34" charset="0"/>
+                <a:latin typeface="Andalus" pitchFamily="18" charset="-78"/>
                 <a:ea typeface="+mj-ea"/>
-                <a:cs typeface="+mj-cs"/>
+                <a:cs typeface="Andalus" pitchFamily="18" charset="-78"/>
               </a:rPr>
               <a:t>Cree sus propios Informes XBRL</a:t>
             </a:r>
             <a:r>
-              <a:rPr lang="es-CL" sz="9600" b="1" dirty="0">
-                <a:solidFill>
-                  <a:schemeClr val="tx2"/>
+              <a:rPr lang="es-CL" sz="12800" b="1" dirty="0">
+                <a:solidFill>
+                  <a:schemeClr val="bg2">
+                    <a:lumMod val="50000"/>
+                  </a:schemeClr>
                 </a:solidFill>
                 <a:effectLst>
                   <a:outerShdw blurRad="31750" dist="25400" dir="5400000" algn="tl" rotWithShape="0">
@@ -7283,16 +8461,18 @@
                     </a:srgbClr>
                   </a:outerShdw>
                 </a:effectLst>
-                <a:latin typeface="Arial Black" pitchFamily="34" charset="0"/>
+                <a:latin typeface="Andalus" pitchFamily="18" charset="-78"/>
                 <a:ea typeface="+mj-ea"/>
-                <a:cs typeface="+mj-cs"/>
+                <a:cs typeface="Andalus" pitchFamily="18" charset="-78"/>
               </a:rPr>
               <a:t/>
             </a:r>
             <a:br>
-              <a:rPr lang="es-CL" sz="9600" b="1" dirty="0">
-                <a:solidFill>
-                  <a:schemeClr val="tx2"/>
+              <a:rPr lang="es-CL" sz="12800" b="1" dirty="0">
+                <a:solidFill>
+                  <a:schemeClr val="bg2">
+                    <a:lumMod val="50000"/>
+                  </a:schemeClr>
                 </a:solidFill>
                 <a:effectLst>
                   <a:outerShdw blurRad="31750" dist="25400" dir="5400000" algn="tl" rotWithShape="0">
@@ -7301,15 +8481,17 @@
                     </a:srgbClr>
                   </a:outerShdw>
                 </a:effectLst>
-                <a:latin typeface="Arial Black" pitchFamily="34" charset="0"/>
+                <a:latin typeface="Andalus" pitchFamily="18" charset="-78"/>
                 <a:ea typeface="+mj-ea"/>
-                <a:cs typeface="+mj-cs"/>
+                <a:cs typeface="Andalus" pitchFamily="18" charset="-78"/>
               </a:rPr>
             </a:br>
             <a:r>
-              <a:rPr lang="es-CL" sz="11600" b="1" dirty="0">
-                <a:solidFill>
-                  <a:schemeClr val="tx2"/>
+              <a:rPr lang="es-CL" sz="12800" b="1" dirty="0">
+                <a:solidFill>
+                  <a:schemeClr val="bg2">
+                    <a:lumMod val="50000"/>
+                  </a:schemeClr>
                 </a:solidFill>
                 <a:effectLst>
                   <a:outerShdw blurRad="31750" dist="25400" dir="5400000" algn="tl" rotWithShape="0">
@@ -7318,16 +8500,18 @@
                     </a:srgbClr>
                   </a:outerShdw>
                 </a:effectLst>
-                <a:latin typeface="Arial Black" pitchFamily="34" charset="0"/>
+                <a:latin typeface="Andalus" pitchFamily="18" charset="-78"/>
                 <a:ea typeface="+mj-ea"/>
-                <a:cs typeface="+mj-cs"/>
+                <a:cs typeface="Andalus" pitchFamily="18" charset="-78"/>
               </a:rPr>
               <a:t/>
             </a:r>
             <a:br>
-              <a:rPr lang="es-CL" sz="11600" b="1" dirty="0">
-                <a:solidFill>
-                  <a:schemeClr val="tx2"/>
+              <a:rPr lang="es-CL" sz="12800" b="1" dirty="0">
+                <a:solidFill>
+                  <a:schemeClr val="bg2">
+                    <a:lumMod val="50000"/>
+                  </a:schemeClr>
                 </a:solidFill>
                 <a:effectLst>
                   <a:outerShdw blurRad="31750" dist="25400" dir="5400000" algn="tl" rotWithShape="0">
@@ -7336,9 +8520,9 @@
                     </a:srgbClr>
                   </a:outerShdw>
                 </a:effectLst>
-                <a:latin typeface="Arial Black" pitchFamily="34" charset="0"/>
+                <a:latin typeface="Andalus" pitchFamily="18" charset="-78"/>
                 <a:ea typeface="+mj-ea"/>
-                <a:cs typeface="+mj-cs"/>
+                <a:cs typeface="Andalus" pitchFamily="18" charset="-78"/>
               </a:rPr>
             </a:br>
             <a:r>
@@ -7357,7 +8541,7 @@
         </p:nvSpPr>
         <p:spPr>
           <a:xfrm>
-            <a:off x="683568" y="1126485"/>
+            <a:off x="683568" y="620688"/>
             <a:ext cx="7992888" cy="1154162"/>
           </a:xfrm>
           <a:prstGeom prst="rect">
@@ -7377,26 +8561,38 @@
           </a:p>
           <a:p>
             <a:r>
-              <a:rPr lang="es-CL" sz="2300" dirty="0" smtClean="0"/>
-              <a:t>Genere y valide sus informes XBRL en base a la información consolidada en </a:t>
-            </a:r>
-            <a:r>
               <a:rPr lang="es-CL" sz="2300" dirty="0" smtClean="0">
-                <a:effectLst>
-                  <a:outerShdw blurRad="38100" dist="38100" dir="2700000" algn="tl">
-                    <a:srgbClr val="000000">
-                      <a:alpha val="43137"/>
-                    </a:srgbClr>
-                  </a:outerShdw>
-                </a:effectLst>
-              </a:rPr>
-              <a:t>EXFIDA</a:t>
-            </a:r>
-            <a:r>
-              <a:rPr lang="es-CL" sz="2300" dirty="0" smtClean="0"/>
-              <a:t>.</a:t>
-            </a:r>
-            <a:endParaRPr lang="es-CL" sz="2300" dirty="0"/>
+                <a:solidFill>
+                  <a:schemeClr val="accent4">
+                    <a:lumMod val="75000"/>
+                  </a:schemeClr>
+                </a:solidFill>
+                <a:latin typeface="Times New Roman" pitchFamily="18" charset="0"/>
+                <a:cs typeface="Times New Roman" pitchFamily="18" charset="0"/>
+              </a:rPr>
+              <a:t>	Genere </a:t>
+            </a:r>
+            <a:r>
+              <a:rPr lang="es-CL" sz="2300" dirty="0">
+                <a:solidFill>
+                  <a:schemeClr val="accent4">
+                    <a:lumMod val="75000"/>
+                  </a:schemeClr>
+                </a:solidFill>
+                <a:latin typeface="Times New Roman" pitchFamily="18" charset="0"/>
+                <a:cs typeface="Times New Roman" pitchFamily="18" charset="0"/>
+              </a:rPr>
+              <a:t>y valide sus informes XBRL en base a la información consolidada en EXFIDA.</a:t>
+            </a:r>
+            <a:endParaRPr lang="es-CL" sz="2300" dirty="0">
+              <a:solidFill>
+                <a:schemeClr val="accent4">
+                  <a:lumMod val="75000"/>
+                </a:schemeClr>
+              </a:solidFill>
+              <a:latin typeface="Times New Roman" pitchFamily="18" charset="0"/>
+              <a:cs typeface="Times New Roman" pitchFamily="18" charset="0"/>
+            </a:endParaRPr>
           </a:p>
         </p:txBody>
       </p:sp>
@@ -7441,22 +8637,36 @@
         </p:blipFill>
         <p:spPr bwMode="auto">
           <a:xfrm>
-            <a:off x="785786" y="2357430"/>
-            <a:ext cx="5857916" cy="3384239"/>
-          </a:xfrm>
-          <a:prstGeom prst="rect">
-            <a:avLst/>
+            <a:off x="785786" y="1772816"/>
+            <a:ext cx="6232078" cy="3600400"/>
+          </a:xfrm>
+          <a:prstGeom prst="roundRect">
+            <a:avLst>
+              <a:gd name="adj" fmla="val 16667"/>
+            </a:avLst>
           </a:prstGeom>
           <a:ln>
             <a:noFill/>
           </a:ln>
           <a:effectLst>
-            <a:outerShdw blurRad="292100" dist="139700" dir="2700000" algn="tl" rotWithShape="0">
-              <a:srgbClr val="333333">
-                <a:alpha val="65000"/>
+            <a:outerShdw blurRad="152400" dist="12000" dir="900000" sy="98000" kx="110000" ky="200000" algn="tl" rotWithShape="0">
+              <a:srgbClr val="000000">
+                <a:alpha val="30000"/>
               </a:srgbClr>
             </a:outerShdw>
           </a:effectLst>
+          <a:scene3d>
+            <a:camera prst="perspectiveRelaxed">
+              <a:rot lat="19800000" lon="1200000" rev="20820000"/>
+            </a:camera>
+            <a:lightRig rig="threePt" dir="t"/>
+          </a:scene3d>
+          <a:sp3d contourW="6350" prstMaterial="matte">
+            <a:bevelT w="101600" h="101600"/>
+            <a:contourClr>
+              <a:srgbClr val="969696"/>
+            </a:contourClr>
+          </a:sp3d>
         </p:spPr>
       </p:pic>
       <p:pic>
@@ -7490,7 +8700,7 @@
     </p:spTree>
     <p:extLst>
       <p:ext uri="{BB962C8B-B14F-4D97-AF65-F5344CB8AC3E}">
-        <p14:creationId xmlns="" xmlns:p14="http://schemas.microsoft.com/office/powerpoint/2010/main" val="2482610731"/>
+        <p14:creationId xmlns:p14="http://schemas.microsoft.com/office/powerpoint/2010/main" val="2482610731"/>
       </p:ext>
     </p:extLst>
   </p:cSld>
@@ -7527,6 +8737,115 @@
           <a:chExt cx="0" cy="0"/>
         </a:xfrm>
       </p:grpSpPr>
+      <p:pic>
+        <p:nvPicPr>
+          <p:cNvPr id="1026" name="Picture 2" descr="https://encrypted-tbn2.google.com/images?q=tbn:ANd9GcT9AkrKxbEeJynvQaRHRnCY-SPbxVhyc9F15zloLOQrvily27W8"/>
+          <p:cNvPicPr>
+            <a:picLocks noChangeAspect="1" noChangeArrowheads="1"/>
+          </p:cNvPicPr>
+          <p:nvPr/>
+        </p:nvPicPr>
+        <p:blipFill>
+          <a:blip r:embed="rId2">
+            <a:extLst>
+              <a:ext uri="{28A0092B-C50C-407E-A947-70E740481C1C}">
+                <a14:useLocalDpi xmlns:a14="http://schemas.microsoft.com/office/drawing/2010/main" val="0"/>
+              </a:ext>
+            </a:extLst>
+          </a:blip>
+          <a:srcRect/>
+          <a:stretch>
+            <a:fillRect/>
+          </a:stretch>
+        </p:blipFill>
+        <p:spPr bwMode="auto">
+          <a:xfrm>
+            <a:off x="7380312" y="5400565"/>
+            <a:ext cx="1763688" cy="1321064"/>
+          </a:xfrm>
+          <a:prstGeom prst="rect">
+            <a:avLst/>
+          </a:prstGeom>
+          <a:noFill/>
+          <a:extLst>
+            <a:ext uri="{909E8E84-426E-40DD-AFC4-6F175D3DCCD1}">
+              <a14:hiddenFill xmlns:a14="http://schemas.microsoft.com/office/drawing/2010/main">
+                <a:solidFill>
+                  <a:srgbClr val="FFFFFF"/>
+                </a:solidFill>
+              </a14:hiddenFill>
+            </a:ext>
+          </a:extLst>
+        </p:spPr>
+      </p:pic>
+      <p:sp>
+        <p:nvSpPr>
+          <p:cNvPr id="8" name="7 Rectángulo redondeado"/>
+          <p:cNvSpPr/>
+          <p:nvPr/>
+        </p:nvSpPr>
+        <p:spPr>
+          <a:xfrm>
+            <a:off x="251519" y="260648"/>
+            <a:ext cx="8606759" cy="5256584"/>
+          </a:xfrm>
+          <a:prstGeom prst="roundRect">
+            <a:avLst/>
+          </a:prstGeom>
+          <a:gradFill flip="none" rotWithShape="1">
+            <a:gsLst>
+              <a:gs pos="33000">
+                <a:schemeClr val="accent1">
+                  <a:tint val="66000"/>
+                  <a:satMod val="160000"/>
+                </a:schemeClr>
+              </a:gs>
+              <a:gs pos="51000">
+                <a:schemeClr val="accent1">
+                  <a:tint val="44500"/>
+                  <a:satMod val="160000"/>
+                  <a:alpha val="0"/>
+                </a:schemeClr>
+              </a:gs>
+              <a:gs pos="100000">
+                <a:schemeClr val="accent1">
+                  <a:tint val="23500"/>
+                  <a:satMod val="160000"/>
+                </a:schemeClr>
+              </a:gs>
+            </a:gsLst>
+            <a:lin ang="16200000" scaled="1"/>
+            <a:tileRect/>
+          </a:gradFill>
+          <a:ln>
+            <a:noFill/>
+          </a:ln>
+        </p:spPr>
+        <p:style>
+          <a:lnRef idx="2">
+            <a:schemeClr val="accent1">
+              <a:shade val="50000"/>
+            </a:schemeClr>
+          </a:lnRef>
+          <a:fillRef idx="1">
+            <a:schemeClr val="accent1"/>
+          </a:fillRef>
+          <a:effectRef idx="0">
+            <a:schemeClr val="accent1"/>
+          </a:effectRef>
+          <a:fontRef idx="minor">
+            <a:schemeClr val="lt1"/>
+          </a:fontRef>
+        </p:style>
+        <p:txBody>
+          <a:bodyPr rtlCol="0" anchor="ctr"/>
+          <a:lstStyle/>
+          <a:p>
+            <a:pPr algn="ctr"/>
+            <a:endParaRPr lang="es-CL"/>
+          </a:p>
+        </p:txBody>
+      </p:sp>
       <p:sp>
         <p:nvSpPr>
           <p:cNvPr id="2" name="1 Marcador de contenido"/>
@@ -7540,12 +8859,12 @@
         <p:spPr>
           <a:xfrm>
             <a:off x="539552" y="1268760"/>
-            <a:ext cx="8229600" cy="3960440"/>
+            <a:ext cx="7848872" cy="3528392"/>
           </a:xfrm>
         </p:spPr>
         <p:txBody>
           <a:bodyPr>
-            <a:normAutofit lnSpcReduction="10000"/>
+            <a:normAutofit/>
           </a:bodyPr>
           <a:lstStyle/>
           <a:p>
@@ -7554,9 +8873,29 @@
             </a:pPr>
             <a:r>
               <a:rPr lang="es-CL" sz="2300" dirty="0" smtClean="0"/>
-              <a:t>	Somos una empresa Chilena con 18 años de experiencia profesional en las áreas de desarrollo de software y consultoría.</a:t>
-            </a:r>
-            <a:endParaRPr lang="es-MX" sz="2300" dirty="0" smtClean="0"/>
+              <a:t>	</a:t>
+            </a:r>
+            <a:r>
+              <a:rPr lang="es-CL" sz="2300" dirty="0" smtClean="0">
+                <a:solidFill>
+                  <a:schemeClr val="accent4">
+                    <a:lumMod val="75000"/>
+                  </a:schemeClr>
+                </a:solidFill>
+                <a:latin typeface="Times New Roman" pitchFamily="18" charset="0"/>
+                <a:cs typeface="Times New Roman" pitchFamily="18" charset="0"/>
+              </a:rPr>
+              <a:t>Somos una empresa Chilena con 18 años de experiencia profesional en las áreas de desarrollo de software y consultoría.</a:t>
+            </a:r>
+            <a:endParaRPr lang="es-MX" sz="2300" dirty="0" smtClean="0">
+              <a:solidFill>
+                <a:schemeClr val="accent4">
+                  <a:lumMod val="75000"/>
+                </a:schemeClr>
+              </a:solidFill>
+              <a:latin typeface="Times New Roman" pitchFamily="18" charset="0"/>
+              <a:cs typeface="Times New Roman" pitchFamily="18" charset="0"/>
+            </a:endParaRPr>
           </a:p>
           <a:p>
             <a:pPr marL="109728" indent="0" algn="just">
@@ -7582,25 +8921,77 @@
             </a:pPr>
             <a:r>
               <a:rPr lang="es-MX" sz="2300" dirty="0" smtClean="0"/>
-              <a:t>	Actualmente, en nuestra línea de productos ofrecemos, desarrollo de Proyectos de Software específicamente en Arquitecturas JEE (Java Enterprise Edition), Consultoría Tecnológica y Funcional en Módulos SAP R3, Desarrollo de Productos de Software y venta e implementación de Infraestructura, a objeto de </a:t>
-            </a:r>
-            <a:r>
-              <a:rPr lang="es-ES" sz="2300" dirty="0" smtClean="0"/>
+              <a:t>	</a:t>
+            </a:r>
+            <a:r>
+              <a:rPr lang="es-MX" sz="2300" dirty="0">
+                <a:solidFill>
+                  <a:schemeClr val="accent4">
+                    <a:lumMod val="75000"/>
+                  </a:schemeClr>
+                </a:solidFill>
+                <a:latin typeface="Times New Roman" pitchFamily="18" charset="0"/>
+                <a:cs typeface="Times New Roman" pitchFamily="18" charset="0"/>
+              </a:rPr>
+              <a:t>Actualmente, en nuestra línea de productos ofrecemos, desarrollo de Proyectos de Software específicamente en Arquitecturas JEE (Java Enterprise Edition), Consultoría Tecnológica y Funcional en Módulos SAP R3, Desarrollo de Productos de Software y venta e implementación de Infraestructura, a objeto de </a:t>
+            </a:r>
+            <a:r>
+              <a:rPr lang="es-ES" sz="2300" dirty="0">
+                <a:solidFill>
+                  <a:schemeClr val="accent4">
+                    <a:lumMod val="75000"/>
+                  </a:schemeClr>
+                </a:solidFill>
+                <a:latin typeface="Times New Roman" pitchFamily="18" charset="0"/>
+                <a:cs typeface="Times New Roman" pitchFamily="18" charset="0"/>
+              </a:rPr>
               <a:t>proveer</a:t>
             </a:r>
             <a:r>
-              <a:rPr lang="es-MX" sz="2300" dirty="0" smtClean="0"/>
+              <a:rPr lang="es-MX" sz="2300" dirty="0">
+                <a:solidFill>
+                  <a:schemeClr val="accent4">
+                    <a:lumMod val="75000"/>
+                  </a:schemeClr>
+                </a:solidFill>
+                <a:latin typeface="Times New Roman" pitchFamily="18" charset="0"/>
+                <a:cs typeface="Times New Roman" pitchFamily="18" charset="0"/>
+              </a:rPr>
               <a:t> </a:t>
             </a:r>
             <a:r>
-              <a:rPr lang="es-ES" sz="2300" dirty="0" smtClean="0"/>
+              <a:rPr lang="es-ES" sz="2300" dirty="0">
+                <a:solidFill>
+                  <a:schemeClr val="accent4">
+                    <a:lumMod val="75000"/>
+                  </a:schemeClr>
+                </a:solidFill>
+                <a:latin typeface="Times New Roman" pitchFamily="18" charset="0"/>
+                <a:cs typeface="Times New Roman" pitchFamily="18" charset="0"/>
+              </a:rPr>
               <a:t> soluciones integrales de </a:t>
             </a:r>
             <a:r>
-              <a:rPr lang="es-MX" sz="2300" dirty="0" smtClean="0"/>
+              <a:rPr lang="es-MX" sz="2300" dirty="0">
+                <a:solidFill>
+                  <a:schemeClr val="accent4">
+                    <a:lumMod val="75000"/>
+                  </a:schemeClr>
+                </a:solidFill>
+                <a:latin typeface="Times New Roman" pitchFamily="18" charset="0"/>
+                <a:cs typeface="Times New Roman" pitchFamily="18" charset="0"/>
+              </a:rPr>
               <a:t>tecnología de la Información (TI).</a:t>
             </a:r>
-            <a:endParaRPr lang="es-ES" sz="2300" dirty="0" smtClean="0"/>
+            <a:endParaRPr lang="es-ES" sz="2300" dirty="0">
+              <a:solidFill>
+                <a:schemeClr val="accent4">
+                  <a:lumMod val="75000"/>
+                </a:schemeClr>
+              </a:solidFill>
+              <a:latin typeface="Times New Roman" pitchFamily="18" charset="0"/>
+              <a:cs typeface="Times New Roman" pitchFamily="18" charset="0"/>
+            </a:endParaRPr>
           </a:p>
           <a:p>
             <a:endParaRPr lang="es-CL" dirty="0"/>
@@ -7620,68 +9011,39 @@
         <p:spPr>
           <a:xfrm>
             <a:off x="457200" y="274638"/>
-            <a:ext cx="8229600" cy="568303"/>
+            <a:ext cx="4618856" cy="706090"/>
           </a:xfrm>
         </p:spPr>
         <p:txBody>
           <a:bodyPr>
-            <a:normAutofit fontScale="90000"/>
+            <a:normAutofit/>
           </a:bodyPr>
           <a:lstStyle/>
           <a:p>
             <a:r>
               <a:rPr lang="es-CL" sz="3200" dirty="0" smtClean="0">
-                <a:latin typeface="Arial Black" pitchFamily="34" charset="0"/>
+                <a:solidFill>
+                  <a:schemeClr val="bg2">
+                    <a:lumMod val="50000"/>
+                  </a:schemeClr>
+                </a:solidFill>
+                <a:latin typeface="Andalus" pitchFamily="18" charset="-78"/>
+                <a:cs typeface="Andalus" pitchFamily="18" charset="-78"/>
               </a:rPr>
               <a:t>Nuestra empresa &gt;</a:t>
             </a:r>
             <a:endParaRPr lang="es-CL" sz="3200" dirty="0">
-              <a:latin typeface="Arial Black" pitchFamily="34" charset="0"/>
+              <a:solidFill>
+                <a:schemeClr val="bg2">
+                  <a:lumMod val="50000"/>
+                </a:schemeClr>
+              </a:solidFill>
+              <a:latin typeface="Andalus" pitchFamily="18" charset="-78"/>
+              <a:cs typeface="Andalus" pitchFamily="18" charset="-78"/>
             </a:endParaRPr>
           </a:p>
         </p:txBody>
       </p:sp>
-      <p:pic>
-        <p:nvPicPr>
-          <p:cNvPr id="1026" name="Picture 2" descr="https://encrypted-tbn2.google.com/images?q=tbn:ANd9GcT9AkrKxbEeJynvQaRHRnCY-SPbxVhyc9F15zloLOQrvily27W8"/>
-          <p:cNvPicPr>
-            <a:picLocks noChangeAspect="1" noChangeArrowheads="1"/>
-          </p:cNvPicPr>
-          <p:nvPr/>
-        </p:nvPicPr>
-        <p:blipFill>
-          <a:blip r:embed="rId2">
-            <a:extLst>
-              <a:ext uri="{28A0092B-C50C-407E-A947-70E740481C1C}">
-                <a14:useLocalDpi xmlns="" xmlns:a14="http://schemas.microsoft.com/office/drawing/2010/main" val="0"/>
-              </a:ext>
-            </a:extLst>
-          </a:blip>
-          <a:srcRect/>
-          <a:stretch>
-            <a:fillRect/>
-          </a:stretch>
-        </p:blipFill>
-        <p:spPr bwMode="auto">
-          <a:xfrm>
-            <a:off x="5796136" y="4725144"/>
-            <a:ext cx="2466975" cy="1847851"/>
-          </a:xfrm>
-          <a:prstGeom prst="rect">
-            <a:avLst/>
-          </a:prstGeom>
-          <a:noFill/>
-          <a:extLst>
-            <a:ext uri="{909E8E84-426E-40DD-AFC4-6F175D3DCCD1}">
-              <a14:hiddenFill xmlns="" xmlns:a14="http://schemas.microsoft.com/office/drawing/2010/main">
-                <a:solidFill>
-                  <a:srgbClr val="FFFFFF"/>
-                </a:solidFill>
-              </a14:hiddenFill>
-            </a:ext>
-          </a:extLst>
-        </p:spPr>
-      </p:pic>
       <p:pic>
         <p:nvPicPr>
           <p:cNvPr id="6" name="5 Imagen" descr="logo_top_byte.gif"/>
@@ -7745,6 +9107,74 @@
           <a:chExt cx="0" cy="0"/>
         </a:xfrm>
       </p:grpSpPr>
+      <p:sp>
+        <p:nvSpPr>
+          <p:cNvPr id="10" name="9 Rectángulo redondeado"/>
+          <p:cNvSpPr/>
+          <p:nvPr/>
+        </p:nvSpPr>
+        <p:spPr>
+          <a:xfrm>
+            <a:off x="251519" y="260648"/>
+            <a:ext cx="8606759" cy="5256584"/>
+          </a:xfrm>
+          <a:prstGeom prst="roundRect">
+            <a:avLst/>
+          </a:prstGeom>
+          <a:gradFill flip="none" rotWithShape="1">
+            <a:gsLst>
+              <a:gs pos="33000">
+                <a:schemeClr val="accent1">
+                  <a:tint val="66000"/>
+                  <a:satMod val="160000"/>
+                </a:schemeClr>
+              </a:gs>
+              <a:gs pos="51000">
+                <a:schemeClr val="accent1">
+                  <a:tint val="44500"/>
+                  <a:satMod val="160000"/>
+                  <a:alpha val="0"/>
+                </a:schemeClr>
+              </a:gs>
+              <a:gs pos="100000">
+                <a:schemeClr val="accent1">
+                  <a:tint val="23500"/>
+                  <a:satMod val="160000"/>
+                </a:schemeClr>
+              </a:gs>
+            </a:gsLst>
+            <a:lin ang="16200000" scaled="1"/>
+            <a:tileRect/>
+          </a:gradFill>
+          <a:ln>
+            <a:noFill/>
+          </a:ln>
+        </p:spPr>
+        <p:style>
+          <a:lnRef idx="2">
+            <a:schemeClr val="accent1">
+              <a:shade val="50000"/>
+            </a:schemeClr>
+          </a:lnRef>
+          <a:fillRef idx="1">
+            <a:schemeClr val="accent1"/>
+          </a:fillRef>
+          <a:effectRef idx="0">
+            <a:schemeClr val="accent1"/>
+          </a:effectRef>
+          <a:fontRef idx="minor">
+            <a:schemeClr val="lt1"/>
+          </a:fontRef>
+        </p:style>
+        <p:txBody>
+          <a:bodyPr rtlCol="0" anchor="ctr"/>
+          <a:lstStyle/>
+          <a:p>
+            <a:pPr algn="ctr"/>
+            <a:endParaRPr lang="es-CL"/>
+          </a:p>
+        </p:txBody>
+      </p:sp>
       <p:pic>
         <p:nvPicPr>
           <p:cNvPr id="7" name="6 Imagen" descr="logo_exfida.png"/>
@@ -7795,9 +9225,11 @@
               <a:buNone/>
             </a:pPr>
             <a:r>
-              <a:rPr lang="es-CL" sz="9600" b="1" dirty="0">
-                <a:solidFill>
-                  <a:schemeClr val="tx2"/>
+              <a:rPr lang="es-CL" sz="12800" b="1" dirty="0">
+                <a:solidFill>
+                  <a:schemeClr val="bg2">
+                    <a:lumMod val="50000"/>
+                  </a:schemeClr>
                 </a:solidFill>
                 <a:effectLst>
                   <a:outerShdw blurRad="31750" dist="25400" dir="5400000" algn="tl" rotWithShape="0">
@@ -7806,16 +9238,18 @@
                     </a:srgbClr>
                   </a:outerShdw>
                 </a:effectLst>
-                <a:latin typeface="Arial Black" pitchFamily="34" charset="0"/>
+                <a:latin typeface="Andalus" pitchFamily="18" charset="-78"/>
                 <a:ea typeface="+mj-ea"/>
-                <a:cs typeface="+mj-cs"/>
+                <a:cs typeface="Andalus" pitchFamily="18" charset="-78"/>
               </a:rPr>
               <a:t>Reportes &gt;</a:t>
             </a:r>
             <a:br>
-              <a:rPr lang="es-CL" sz="9600" b="1" dirty="0">
-                <a:solidFill>
-                  <a:schemeClr val="tx2"/>
+              <a:rPr lang="es-CL" sz="12800" b="1" dirty="0">
+                <a:solidFill>
+                  <a:schemeClr val="bg2">
+                    <a:lumMod val="50000"/>
+                  </a:schemeClr>
                 </a:solidFill>
                 <a:effectLst>
                   <a:outerShdw blurRad="31750" dist="25400" dir="5400000" algn="tl" rotWithShape="0">
@@ -7824,9 +9258,9 @@
                     </a:srgbClr>
                   </a:outerShdw>
                 </a:effectLst>
-                <a:latin typeface="Arial Black" pitchFamily="34" charset="0"/>
+                <a:latin typeface="Andalus" pitchFamily="18" charset="-78"/>
                 <a:ea typeface="+mj-ea"/>
-                <a:cs typeface="+mj-cs"/>
+                <a:cs typeface="Andalus" pitchFamily="18" charset="-78"/>
               </a:rPr>
             </a:br>
             <a:r>
@@ -7857,22 +9291,36 @@
         </p:blipFill>
         <p:spPr bwMode="auto">
           <a:xfrm>
-            <a:off x="2071670" y="3429000"/>
+            <a:off x="1763688" y="3212976"/>
             <a:ext cx="5592114" cy="2472304"/>
           </a:xfrm>
-          <a:prstGeom prst="rect">
-            <a:avLst/>
+          <a:prstGeom prst="roundRect">
+            <a:avLst>
+              <a:gd name="adj" fmla="val 16667"/>
+            </a:avLst>
           </a:prstGeom>
           <a:ln>
             <a:noFill/>
           </a:ln>
           <a:effectLst>
-            <a:outerShdw blurRad="292100" dist="139700" dir="2700000" algn="tl" rotWithShape="0">
-              <a:srgbClr val="333333">
-                <a:alpha val="65000"/>
+            <a:outerShdw blurRad="152400" dist="12000" dir="900000" sy="98000" kx="110000" ky="200000" algn="tl" rotWithShape="0">
+              <a:srgbClr val="000000">
+                <a:alpha val="30000"/>
               </a:srgbClr>
             </a:outerShdw>
           </a:effectLst>
+          <a:scene3d>
+            <a:camera prst="perspectiveRelaxed">
+              <a:rot lat="19800000" lon="1200000" rev="20820000"/>
+            </a:camera>
+            <a:lightRig rig="threePt" dir="t"/>
+          </a:scene3d>
+          <a:sp3d contourW="6350" prstMaterial="matte">
+            <a:bevelT w="101600" h="101600"/>
+            <a:contourClr>
+              <a:srgbClr val="969696"/>
+            </a:contourClr>
+          </a:sp3d>
         </p:spPr>
       </p:pic>
       <p:sp>
@@ -7883,8 +9331,8 @@
         </p:nvSpPr>
         <p:spPr>
           <a:xfrm>
-            <a:off x="611560" y="1052736"/>
-            <a:ext cx="7932386" cy="2241639"/>
+            <a:off x="384030" y="734988"/>
+            <a:ext cx="8364434" cy="2333972"/>
           </a:xfrm>
           <a:prstGeom prst="rect">
             <a:avLst/>
@@ -7903,7 +9351,7 @@
           </a:p>
           <a:p>
             <a:r>
-              <a:rPr lang="es-CL" sz="2400" dirty="0">
+              <a:rPr lang="es-CL" sz="2400" dirty="0" smtClean="0">
                 <a:solidFill>
                   <a:schemeClr val="tx2">
                     <a:lumMod val="75000"/>
@@ -7917,16 +9365,64 @@
                   </a:outerShdw>
                 </a:effectLst>
               </a:rPr>
-              <a:t>EXFIDA</a:t>
-            </a:r>
-            <a:r>
-              <a:rPr lang="es-CL" sz="2300" dirty="0" smtClean="0"/>
-              <a:t> provee reportes de su información de Revelaciones para evitar impresiones innecesarias.</a:t>
+              <a:t>	</a:t>
+            </a:r>
+            <a:r>
+              <a:rPr lang="es-CL" sz="2300" dirty="0">
+                <a:solidFill>
+                  <a:schemeClr val="accent4">
+                    <a:lumMod val="75000"/>
+                  </a:schemeClr>
+                </a:solidFill>
+                <a:latin typeface="Times New Roman" pitchFamily="18" charset="0"/>
+                <a:cs typeface="Times New Roman" pitchFamily="18" charset="0"/>
+              </a:rPr>
+              <a:t>EXFIDA provee reportes de su información de </a:t>
+            </a:r>
+            <a:r>
+              <a:rPr lang="es-CL" sz="2300" dirty="0" smtClean="0">
+                <a:solidFill>
+                  <a:schemeClr val="accent4">
+                    <a:lumMod val="75000"/>
+                  </a:schemeClr>
+                </a:solidFill>
+                <a:latin typeface="Times New Roman" pitchFamily="18" charset="0"/>
+                <a:cs typeface="Times New Roman" pitchFamily="18" charset="0"/>
+              </a:rPr>
+              <a:t>Revelaciones </a:t>
+            </a:r>
+            <a:r>
+              <a:rPr lang="es-CL" sz="2300" dirty="0">
+                <a:solidFill>
+                  <a:schemeClr val="accent4">
+                    <a:lumMod val="75000"/>
+                  </a:schemeClr>
+                </a:solidFill>
+                <a:latin typeface="Times New Roman" pitchFamily="18" charset="0"/>
+                <a:cs typeface="Times New Roman" pitchFamily="18" charset="0"/>
+              </a:rPr>
+              <a:t>para evitar impresiones innecesarias.</a:t>
             </a:r>
             <a:br>
-              <a:rPr lang="es-CL" sz="2300" dirty="0" smtClean="0"/>
+              <a:rPr lang="es-CL" sz="2300" dirty="0">
+                <a:solidFill>
+                  <a:schemeClr val="accent4">
+                    <a:lumMod val="75000"/>
+                  </a:schemeClr>
+                </a:solidFill>
+                <a:latin typeface="Times New Roman" pitchFamily="18" charset="0"/>
+                <a:cs typeface="Times New Roman" pitchFamily="18" charset="0"/>
+              </a:rPr>
             </a:br>
-            <a:endParaRPr lang="es-CL" sz="2300" dirty="0"/>
+            <a:endParaRPr lang="es-CL" sz="2300" dirty="0">
+              <a:solidFill>
+                <a:schemeClr val="accent4">
+                  <a:lumMod val="75000"/>
+                </a:schemeClr>
+              </a:solidFill>
+              <a:latin typeface="Times New Roman" pitchFamily="18" charset="0"/>
+              <a:cs typeface="Times New Roman" pitchFamily="18" charset="0"/>
+            </a:endParaRPr>
           </a:p>
           <a:p>
             <a:pPr marL="859536" lvl="2" indent="-228600" algn="just">
@@ -7941,7 +9437,15 @@
               <a:buChar char=""/>
             </a:pPr>
             <a:r>
-              <a:rPr lang="es-CL" sz="2000" dirty="0"/>
+              <a:rPr lang="es-CL" sz="2300" dirty="0">
+                <a:solidFill>
+                  <a:schemeClr val="accent4">
+                    <a:lumMod val="75000"/>
+                  </a:schemeClr>
+                </a:solidFill>
+                <a:latin typeface="Times New Roman" pitchFamily="18" charset="0"/>
+                <a:cs typeface="Times New Roman" pitchFamily="18" charset="0"/>
+              </a:rPr>
               <a:t>Consolidado de Revelaciones en MS Word.</a:t>
             </a:r>
           </a:p>
@@ -7958,7 +9462,15 @@
               <a:buChar char=""/>
             </a:pPr>
             <a:r>
-              <a:rPr lang="es-CL" sz="2000" dirty="0"/>
+              <a:rPr lang="es-CL" sz="2300" dirty="0">
+                <a:solidFill>
+                  <a:schemeClr val="accent4">
+                    <a:lumMod val="75000"/>
+                  </a:schemeClr>
+                </a:solidFill>
+                <a:latin typeface="Times New Roman" pitchFamily="18" charset="0"/>
+                <a:cs typeface="Times New Roman" pitchFamily="18" charset="0"/>
+              </a:rPr>
               <a:t>Revelaciones en Formato MS Excel.</a:t>
             </a:r>
           </a:p>
@@ -8029,6 +9541,74 @@
       </p:grpSpPr>
       <p:sp>
         <p:nvSpPr>
+          <p:cNvPr id="8" name="7 Rectángulo redondeado"/>
+          <p:cNvSpPr/>
+          <p:nvPr/>
+        </p:nvSpPr>
+        <p:spPr>
+          <a:xfrm>
+            <a:off x="251519" y="332656"/>
+            <a:ext cx="8606759" cy="5400600"/>
+          </a:xfrm>
+          <a:prstGeom prst="roundRect">
+            <a:avLst/>
+          </a:prstGeom>
+          <a:gradFill flip="none" rotWithShape="1">
+            <a:gsLst>
+              <a:gs pos="33000">
+                <a:schemeClr val="accent1">
+                  <a:tint val="66000"/>
+                  <a:satMod val="160000"/>
+                </a:schemeClr>
+              </a:gs>
+              <a:gs pos="51000">
+                <a:schemeClr val="accent1">
+                  <a:tint val="44500"/>
+                  <a:satMod val="160000"/>
+                  <a:alpha val="0"/>
+                </a:schemeClr>
+              </a:gs>
+              <a:gs pos="100000">
+                <a:schemeClr val="accent1">
+                  <a:tint val="23500"/>
+                  <a:satMod val="160000"/>
+                </a:schemeClr>
+              </a:gs>
+            </a:gsLst>
+            <a:lin ang="16200000" scaled="1"/>
+            <a:tileRect/>
+          </a:gradFill>
+          <a:ln>
+            <a:noFill/>
+          </a:ln>
+        </p:spPr>
+        <p:style>
+          <a:lnRef idx="2">
+            <a:schemeClr val="accent1">
+              <a:shade val="50000"/>
+            </a:schemeClr>
+          </a:lnRef>
+          <a:fillRef idx="1">
+            <a:schemeClr val="accent1"/>
+          </a:fillRef>
+          <a:effectRef idx="0">
+            <a:schemeClr val="accent1"/>
+          </a:effectRef>
+          <a:fontRef idx="minor">
+            <a:schemeClr val="lt1"/>
+          </a:fontRef>
+        </p:style>
+        <p:txBody>
+          <a:bodyPr rtlCol="0" anchor="ctr"/>
+          <a:lstStyle/>
+          <a:p>
+            <a:pPr algn="ctr"/>
+            <a:endParaRPr lang="es-CL"/>
+          </a:p>
+        </p:txBody>
+      </p:sp>
+      <p:sp>
+        <p:nvSpPr>
           <p:cNvPr id="2" name="1 Marcador de contenido"/>
           <p:cNvSpPr>
             <a:spLocks noGrp="1"/>
@@ -8050,12 +9630,17 @@
           <a:lstStyle/>
           <a:p>
             <a:pPr marL="130175" lvl="2" indent="0">
+              <a:spcBef>
+                <a:spcPct val="0"/>
+              </a:spcBef>
               <a:buNone/>
             </a:pPr>
             <a:r>
-              <a:rPr lang="es-CL" sz="2400" b="1" dirty="0">
-                <a:solidFill>
-                  <a:schemeClr val="tx2"/>
+              <a:rPr lang="es-CL" sz="3200" b="1" dirty="0">
+                <a:solidFill>
+                  <a:schemeClr val="bg2">
+                    <a:lumMod val="50000"/>
+                  </a:schemeClr>
                 </a:solidFill>
                 <a:effectLst>
                   <a:outerShdw blurRad="31750" dist="25400" dir="5400000" algn="tl" rotWithShape="0">
@@ -8064,16 +9649,18 @@
                     </a:srgbClr>
                   </a:outerShdw>
                 </a:effectLst>
-                <a:latin typeface="Arial Black" pitchFamily="34" charset="0"/>
+                <a:latin typeface="Andalus" pitchFamily="18" charset="-78"/>
                 <a:ea typeface="+mj-ea"/>
-                <a:cs typeface="+mj-cs"/>
+                <a:cs typeface="Andalus" pitchFamily="18" charset="-78"/>
               </a:rPr>
               <a:t>Reportes &gt; Consolidado de </a:t>
             </a:r>
             <a:r>
-              <a:rPr lang="es-CL" sz="2400" b="1" dirty="0" smtClean="0">
-                <a:solidFill>
-                  <a:schemeClr val="tx2"/>
+              <a:rPr lang="es-CL" sz="3200" b="1" dirty="0">
+                <a:solidFill>
+                  <a:schemeClr val="bg2">
+                    <a:lumMod val="50000"/>
+                  </a:schemeClr>
                 </a:solidFill>
                 <a:effectLst>
                   <a:outerShdw blurRad="31750" dist="25400" dir="5400000" algn="tl" rotWithShape="0">
@@ -8082,16 +9669,18 @@
                     </a:srgbClr>
                   </a:outerShdw>
                 </a:effectLst>
-                <a:latin typeface="Arial Black" pitchFamily="34" charset="0"/>
+                <a:latin typeface="Andalus" pitchFamily="18" charset="-78"/>
                 <a:ea typeface="+mj-ea"/>
-                <a:cs typeface="+mj-cs"/>
+                <a:cs typeface="Andalus" pitchFamily="18" charset="-78"/>
               </a:rPr>
               <a:t>Revelaciones</a:t>
             </a:r>
             <a:br>
-              <a:rPr lang="es-CL" sz="2400" b="1" dirty="0" smtClean="0">
-                <a:solidFill>
-                  <a:schemeClr val="tx2"/>
+              <a:rPr lang="es-CL" sz="3200" b="1" dirty="0">
+                <a:solidFill>
+                  <a:schemeClr val="bg2">
+                    <a:lumMod val="50000"/>
+                  </a:schemeClr>
                 </a:solidFill>
                 <a:effectLst>
                   <a:outerShdw blurRad="31750" dist="25400" dir="5400000" algn="tl" rotWithShape="0">
@@ -8100,15 +9689,17 @@
                     </a:srgbClr>
                   </a:outerShdw>
                 </a:effectLst>
-                <a:latin typeface="Arial Black" pitchFamily="34" charset="0"/>
+                <a:latin typeface="Andalus" pitchFamily="18" charset="-78"/>
                 <a:ea typeface="+mj-ea"/>
-                <a:cs typeface="+mj-cs"/>
+                <a:cs typeface="Andalus" pitchFamily="18" charset="-78"/>
               </a:rPr>
             </a:br>
             <a:r>
-              <a:rPr lang="es-CL" sz="2400" b="1" dirty="0" smtClean="0">
-                <a:solidFill>
-                  <a:schemeClr val="tx2"/>
+              <a:rPr lang="es-CL" sz="3200" b="1" dirty="0">
+                <a:solidFill>
+                  <a:schemeClr val="bg2">
+                    <a:lumMod val="50000"/>
+                  </a:schemeClr>
                 </a:solidFill>
                 <a:effectLst>
                   <a:outerShdw blurRad="31750" dist="25400" dir="5400000" algn="tl" rotWithShape="0">
@@ -8117,16 +9708,18 @@
                     </a:srgbClr>
                   </a:outerShdw>
                 </a:effectLst>
-                <a:latin typeface="Arial Black" pitchFamily="34" charset="0"/>
+                <a:latin typeface="Andalus" pitchFamily="18" charset="-78"/>
                 <a:ea typeface="+mj-ea"/>
-                <a:cs typeface="+mj-cs"/>
+                <a:cs typeface="Andalus" pitchFamily="18" charset="-78"/>
               </a:rPr>
               <a:t>en </a:t>
             </a:r>
             <a:r>
-              <a:rPr lang="es-CL" sz="2400" b="1" dirty="0">
-                <a:solidFill>
-                  <a:schemeClr val="tx2"/>
+              <a:rPr lang="es-CL" sz="3200" b="1" dirty="0">
+                <a:solidFill>
+                  <a:schemeClr val="bg2">
+                    <a:lumMod val="50000"/>
+                  </a:schemeClr>
                 </a:solidFill>
                 <a:effectLst>
                   <a:outerShdw blurRad="31750" dist="25400" dir="5400000" algn="tl" rotWithShape="0">
@@ -8135,16 +9728,18 @@
                     </a:srgbClr>
                   </a:outerShdw>
                 </a:effectLst>
-                <a:latin typeface="Arial Black" pitchFamily="34" charset="0"/>
+                <a:latin typeface="Andalus" pitchFamily="18" charset="-78"/>
                 <a:ea typeface="+mj-ea"/>
-                <a:cs typeface="+mj-cs"/>
+                <a:cs typeface="Andalus" pitchFamily="18" charset="-78"/>
               </a:rPr>
               <a:t>MS </a:t>
             </a:r>
             <a:r>
-              <a:rPr lang="es-CL" sz="2400" b="1" dirty="0" smtClean="0">
-                <a:solidFill>
-                  <a:schemeClr val="tx2"/>
+              <a:rPr lang="es-CL" sz="3200" b="1" dirty="0">
+                <a:solidFill>
+                  <a:schemeClr val="bg2">
+                    <a:lumMod val="50000"/>
+                  </a:schemeClr>
                 </a:solidFill>
                 <a:effectLst>
                   <a:outerShdw blurRad="31750" dist="25400" dir="5400000" algn="tl" rotWithShape="0">
@@ -8153,15 +9748,17 @@
                     </a:srgbClr>
                   </a:outerShdw>
                 </a:effectLst>
-                <a:latin typeface="Arial Black" pitchFamily="34" charset="0"/>
+                <a:latin typeface="Andalus" pitchFamily="18" charset="-78"/>
                 <a:ea typeface="+mj-ea"/>
-                <a:cs typeface="+mj-cs"/>
+                <a:cs typeface="Andalus" pitchFamily="18" charset="-78"/>
               </a:rPr>
               <a:t>Word para impresión de FECU.&gt;</a:t>
             </a:r>
-            <a:endParaRPr lang="es-CL" sz="2400" b="1" dirty="0">
+            <a:endParaRPr lang="es-CL" sz="3200" b="1" dirty="0">
               <a:solidFill>
-                <a:schemeClr val="tx2"/>
+                <a:schemeClr val="bg2">
+                  <a:lumMod val="50000"/>
+                </a:schemeClr>
               </a:solidFill>
               <a:effectLst>
                 <a:outerShdw blurRad="31750" dist="25400" dir="5400000" algn="tl" rotWithShape="0">
@@ -8170,9 +9767,9 @@
                   </a:srgbClr>
                 </a:outerShdw>
               </a:effectLst>
-              <a:latin typeface="Arial Black" pitchFamily="34" charset="0"/>
+              <a:latin typeface="Andalus" pitchFamily="18" charset="-78"/>
               <a:ea typeface="+mj-ea"/>
-              <a:cs typeface="+mj-cs"/>
+              <a:cs typeface="Andalus" pitchFamily="18" charset="-78"/>
             </a:endParaRPr>
           </a:p>
         </p:txBody>
@@ -8194,22 +9791,36 @@
         </p:blipFill>
         <p:spPr bwMode="auto">
           <a:xfrm>
-            <a:off x="467544" y="1732158"/>
+            <a:off x="97449" y="1484784"/>
             <a:ext cx="8290975" cy="3929090"/>
           </a:xfrm>
-          <a:prstGeom prst="rect">
-            <a:avLst/>
+          <a:prstGeom prst="roundRect">
+            <a:avLst>
+              <a:gd name="adj" fmla="val 16667"/>
+            </a:avLst>
           </a:prstGeom>
           <a:ln>
             <a:noFill/>
           </a:ln>
           <a:effectLst>
-            <a:outerShdw blurRad="292100" dist="139700" dir="2700000" algn="tl" rotWithShape="0">
-              <a:srgbClr val="333333">
-                <a:alpha val="65000"/>
+            <a:outerShdw blurRad="152400" dist="12000" dir="900000" sy="98000" kx="110000" ky="200000" algn="tl" rotWithShape="0">
+              <a:srgbClr val="000000">
+                <a:alpha val="30000"/>
               </a:srgbClr>
             </a:outerShdw>
           </a:effectLst>
+          <a:scene3d>
+            <a:camera prst="perspectiveRelaxed">
+              <a:rot lat="19800000" lon="1200000" rev="20820000"/>
+            </a:camera>
+            <a:lightRig rig="threePt" dir="t"/>
+          </a:scene3d>
+          <a:sp3d contourW="6350" prstMaterial="matte">
+            <a:bevelT w="101600" h="101600"/>
+            <a:contourClr>
+              <a:srgbClr val="969696"/>
+            </a:contourClr>
+          </a:sp3d>
         </p:spPr>
       </p:pic>
       <p:pic>
@@ -8230,30 +9841,6 @@
           <a:xfrm>
             <a:off x="6572264" y="6072206"/>
             <a:ext cx="2286015" cy="576253"/>
-          </a:xfrm>
-          <a:prstGeom prst="rect">
-            <a:avLst/>
-          </a:prstGeom>
-        </p:spPr>
-      </p:pic>
-      <p:pic>
-        <p:nvPicPr>
-          <p:cNvPr id="9" name="8 Imagen" descr="logo_exfida.png"/>
-          <p:cNvPicPr>
-            <a:picLocks noChangeAspect="1"/>
-          </p:cNvPicPr>
-          <p:nvPr/>
-        </p:nvPicPr>
-        <p:blipFill>
-          <a:blip r:embed="rId3"/>
-          <a:stretch>
-            <a:fillRect/>
-          </a:stretch>
-        </p:blipFill>
-        <p:spPr>
-          <a:xfrm>
-            <a:off x="928662" y="3143248"/>
-            <a:ext cx="1214445" cy="306134"/>
           </a:xfrm>
           <a:prstGeom prst="rect">
             <a:avLst/>
@@ -8325,6 +9912,74 @@
       </p:grpSpPr>
       <p:sp>
         <p:nvSpPr>
+          <p:cNvPr id="8" name="7 Rectángulo redondeado"/>
+          <p:cNvSpPr/>
+          <p:nvPr/>
+        </p:nvSpPr>
+        <p:spPr>
+          <a:xfrm>
+            <a:off x="323527" y="332656"/>
+            <a:ext cx="8534751" cy="5400600"/>
+          </a:xfrm>
+          <a:prstGeom prst="roundRect">
+            <a:avLst/>
+          </a:prstGeom>
+          <a:gradFill flip="none" rotWithShape="1">
+            <a:gsLst>
+              <a:gs pos="33000">
+                <a:schemeClr val="accent1">
+                  <a:tint val="66000"/>
+                  <a:satMod val="160000"/>
+                </a:schemeClr>
+              </a:gs>
+              <a:gs pos="51000">
+                <a:schemeClr val="accent1">
+                  <a:tint val="44500"/>
+                  <a:satMod val="160000"/>
+                  <a:alpha val="0"/>
+                </a:schemeClr>
+              </a:gs>
+              <a:gs pos="100000">
+                <a:schemeClr val="accent1">
+                  <a:tint val="23500"/>
+                  <a:satMod val="160000"/>
+                </a:schemeClr>
+              </a:gs>
+            </a:gsLst>
+            <a:lin ang="16200000" scaled="1"/>
+            <a:tileRect/>
+          </a:gradFill>
+          <a:ln>
+            <a:noFill/>
+          </a:ln>
+        </p:spPr>
+        <p:style>
+          <a:lnRef idx="2">
+            <a:schemeClr val="accent1">
+              <a:shade val="50000"/>
+            </a:schemeClr>
+          </a:lnRef>
+          <a:fillRef idx="1">
+            <a:schemeClr val="accent1"/>
+          </a:fillRef>
+          <a:effectRef idx="0">
+            <a:schemeClr val="accent1"/>
+          </a:effectRef>
+          <a:fontRef idx="minor">
+            <a:schemeClr val="lt1"/>
+          </a:fontRef>
+        </p:style>
+        <p:txBody>
+          <a:bodyPr rtlCol="0" anchor="ctr"/>
+          <a:lstStyle/>
+          <a:p>
+            <a:pPr algn="ctr"/>
+            <a:endParaRPr lang="es-CL"/>
+          </a:p>
+        </p:txBody>
+      </p:sp>
+      <p:sp>
+        <p:nvSpPr>
           <p:cNvPr id="2" name="1 Marcador de contenido"/>
           <p:cNvSpPr>
             <a:spLocks noGrp="1"/>
@@ -8345,13 +10000,18 @@
           </a:bodyPr>
           <a:lstStyle/>
           <a:p>
-            <a:pPr marL="85725" lvl="2" indent="0" algn="just">
+            <a:pPr marL="85725" lvl="2" indent="0">
+              <a:spcBef>
+                <a:spcPct val="0"/>
+              </a:spcBef>
               <a:buNone/>
             </a:pPr>
             <a:r>
-              <a:rPr lang="es-CL" sz="2400" b="1" dirty="0">
-                <a:solidFill>
-                  <a:schemeClr val="tx2"/>
+              <a:rPr lang="es-CL" sz="3200" b="1" dirty="0">
+                <a:solidFill>
+                  <a:schemeClr val="bg2">
+                    <a:lumMod val="50000"/>
+                  </a:schemeClr>
                 </a:solidFill>
                 <a:effectLst>
                   <a:outerShdw blurRad="31750" dist="25400" dir="5400000" algn="tl" rotWithShape="0">
@@ -8360,9 +10020,9 @@
                     </a:srgbClr>
                   </a:outerShdw>
                 </a:effectLst>
-                <a:latin typeface="Arial Black" pitchFamily="34" charset="0"/>
+                <a:latin typeface="Andalus" pitchFamily="18" charset="-78"/>
                 <a:ea typeface="+mj-ea"/>
-                <a:cs typeface="+mj-cs"/>
+                <a:cs typeface="Andalus" pitchFamily="18" charset="-78"/>
               </a:rPr>
               <a:t>Reportes &gt; RF en Formato MS Excel &gt;</a:t>
             </a:r>
@@ -8386,22 +10046,36 @@
         </p:blipFill>
         <p:spPr bwMode="auto">
           <a:xfrm>
-            <a:off x="451243" y="1571612"/>
+            <a:off x="-36512" y="1412776"/>
             <a:ext cx="8297221" cy="3857652"/>
           </a:xfrm>
-          <a:prstGeom prst="rect">
-            <a:avLst/>
+          <a:prstGeom prst="roundRect">
+            <a:avLst>
+              <a:gd name="adj" fmla="val 16667"/>
+            </a:avLst>
           </a:prstGeom>
           <a:ln>
             <a:noFill/>
           </a:ln>
           <a:effectLst>
-            <a:outerShdw blurRad="292100" dist="139700" dir="2700000" algn="tl" rotWithShape="0">
-              <a:srgbClr val="333333">
-                <a:alpha val="65000"/>
+            <a:outerShdw blurRad="152400" dist="12000" dir="900000" sy="98000" kx="110000" ky="200000" algn="tl" rotWithShape="0">
+              <a:srgbClr val="000000">
+                <a:alpha val="30000"/>
               </a:srgbClr>
             </a:outerShdw>
           </a:effectLst>
+          <a:scene3d>
+            <a:camera prst="perspectiveRelaxed">
+              <a:rot lat="19800000" lon="1200000" rev="20820000"/>
+            </a:camera>
+            <a:lightRig rig="threePt" dir="t"/>
+          </a:scene3d>
+          <a:sp3d contourW="6350" prstMaterial="matte">
+            <a:bevelT w="101600" h="101600"/>
+            <a:contourClr>
+              <a:srgbClr val="969696"/>
+            </a:contourClr>
+          </a:sp3d>
         </p:spPr>
       </p:pic>
       <p:pic>
@@ -8493,6 +10167,74 @@
       </p:grpSpPr>
       <p:sp>
         <p:nvSpPr>
+          <p:cNvPr id="9" name="8 Rectángulo redondeado"/>
+          <p:cNvSpPr/>
+          <p:nvPr/>
+        </p:nvSpPr>
+        <p:spPr>
+          <a:xfrm>
+            <a:off x="251519" y="260648"/>
+            <a:ext cx="8606759" cy="5256584"/>
+          </a:xfrm>
+          <a:prstGeom prst="roundRect">
+            <a:avLst/>
+          </a:prstGeom>
+          <a:gradFill flip="none" rotWithShape="1">
+            <a:gsLst>
+              <a:gs pos="33000">
+                <a:schemeClr val="accent1">
+                  <a:tint val="66000"/>
+                  <a:satMod val="160000"/>
+                </a:schemeClr>
+              </a:gs>
+              <a:gs pos="51000">
+                <a:schemeClr val="accent1">
+                  <a:tint val="44500"/>
+                  <a:satMod val="160000"/>
+                  <a:alpha val="0"/>
+                </a:schemeClr>
+              </a:gs>
+              <a:gs pos="100000">
+                <a:schemeClr val="accent1">
+                  <a:tint val="23500"/>
+                  <a:satMod val="160000"/>
+                </a:schemeClr>
+              </a:gs>
+            </a:gsLst>
+            <a:lin ang="16200000" scaled="1"/>
+            <a:tileRect/>
+          </a:gradFill>
+          <a:ln>
+            <a:noFill/>
+          </a:ln>
+        </p:spPr>
+        <p:style>
+          <a:lnRef idx="2">
+            <a:schemeClr val="accent1">
+              <a:shade val="50000"/>
+            </a:schemeClr>
+          </a:lnRef>
+          <a:fillRef idx="1">
+            <a:schemeClr val="accent1"/>
+          </a:fillRef>
+          <a:effectRef idx="0">
+            <a:schemeClr val="accent1"/>
+          </a:effectRef>
+          <a:fontRef idx="minor">
+            <a:schemeClr val="lt1"/>
+          </a:fontRef>
+        </p:style>
+        <p:txBody>
+          <a:bodyPr rtlCol="0" anchor="ctr"/>
+          <a:lstStyle/>
+          <a:p>
+            <a:pPr algn="ctr"/>
+            <a:endParaRPr lang="es-CL"/>
+          </a:p>
+        </p:txBody>
+      </p:sp>
+      <p:sp>
+        <p:nvSpPr>
           <p:cNvPr id="2" name="1 Marcador de contenido"/>
           <p:cNvSpPr>
             <a:spLocks noGrp="1"/>
@@ -8509,7 +10251,7 @@
         </p:spPr>
         <p:txBody>
           <a:bodyPr>
-            <a:normAutofit fontScale="55000" lnSpcReduction="20000"/>
+            <a:normAutofit fontScale="47500" lnSpcReduction="20000"/>
           </a:bodyPr>
           <a:lstStyle/>
           <a:p>
@@ -8517,9 +10259,11 @@
               <a:buNone/>
             </a:pPr>
             <a:r>
-              <a:rPr lang="es-CL" sz="4400" b="1" dirty="0">
-                <a:solidFill>
-                  <a:schemeClr val="tx2"/>
+              <a:rPr lang="es-CL" sz="5800" b="1" dirty="0">
+                <a:solidFill>
+                  <a:schemeClr val="bg2">
+                    <a:lumMod val="50000"/>
+                  </a:schemeClr>
                 </a:solidFill>
                 <a:effectLst>
                   <a:outerShdw blurRad="31750" dist="25400" dir="5400000" algn="tl" rotWithShape="0">
@@ -8528,16 +10272,18 @@
                     </a:srgbClr>
                   </a:outerShdw>
                 </a:effectLst>
-                <a:latin typeface="Arial Black" pitchFamily="34" charset="0"/>
+                <a:latin typeface="Andalus" pitchFamily="18" charset="-78"/>
                 <a:ea typeface="+mj-ea"/>
-                <a:cs typeface="+mj-cs"/>
+                <a:cs typeface="Andalus" pitchFamily="18" charset="-78"/>
               </a:rPr>
               <a:t>Seguridad &gt;</a:t>
             </a:r>
-            <a:r>
-              <a:rPr lang="es-CL" sz="4600" b="1" dirty="0">
-                <a:solidFill>
-                  <a:schemeClr val="tx2"/>
+            <a:br>
+              <a:rPr lang="es-CL" sz="5800" b="1" dirty="0">
+                <a:solidFill>
+                  <a:schemeClr val="bg2">
+                    <a:lumMod val="50000"/>
+                  </a:schemeClr>
                 </a:solidFill>
                 <a:effectLst>
                   <a:outerShdw blurRad="31750" dist="25400" dir="5400000" algn="tl" rotWithShape="0">
@@ -8546,27 +10292,9 @@
                     </a:srgbClr>
                   </a:outerShdw>
                 </a:effectLst>
-                <a:latin typeface="Arial Black" pitchFamily="34" charset="0"/>
+                <a:latin typeface="Andalus" pitchFamily="18" charset="-78"/>
                 <a:ea typeface="+mj-ea"/>
-                <a:cs typeface="+mj-cs"/>
-              </a:rPr>
-              <a:t/>
-            </a:r>
-            <a:br>
-              <a:rPr lang="es-CL" sz="4600" b="1" dirty="0">
-                <a:solidFill>
-                  <a:schemeClr val="tx2"/>
-                </a:solidFill>
-                <a:effectLst>
-                  <a:outerShdw blurRad="31750" dist="25400" dir="5400000" algn="tl" rotWithShape="0">
-                    <a:srgbClr val="000000">
-                      <a:alpha val="25000"/>
-                    </a:srgbClr>
-                  </a:outerShdw>
-                </a:effectLst>
-                <a:latin typeface="Arial Black" pitchFamily="34" charset="0"/>
-                <a:ea typeface="+mj-ea"/>
-                <a:cs typeface="+mj-cs"/>
+                <a:cs typeface="Andalus" pitchFamily="18" charset="-78"/>
               </a:rPr>
             </a:br>
             <a:r>
@@ -8589,7 +10317,7 @@
         <p:spPr>
           <a:xfrm>
             <a:off x="-36512" y="1052736"/>
-            <a:ext cx="7992888" cy="759182"/>
+            <a:ext cx="7992888" cy="851515"/>
           </a:xfrm>
           <a:prstGeom prst="rect">
             <a:avLst/>
@@ -8613,31 +10341,87 @@
               <a:buChar char=""/>
             </a:pPr>
             <a:r>
-              <a:rPr lang="es-CL" sz="2000" dirty="0"/>
+              <a:rPr lang="es-CL" sz="2300" dirty="0">
+                <a:solidFill>
+                  <a:schemeClr val="accent4">
+                    <a:lumMod val="75000"/>
+                  </a:schemeClr>
+                </a:solidFill>
+                <a:latin typeface="Times New Roman" pitchFamily="18" charset="0"/>
+                <a:cs typeface="Times New Roman" pitchFamily="18" charset="0"/>
+              </a:rPr>
               <a:t>Administre </a:t>
             </a:r>
             <a:r>
-              <a:rPr lang="es-CL" sz="2000" dirty="0" smtClean="0"/>
+              <a:rPr lang="es-CL" sz="2300" dirty="0">
+                <a:solidFill>
+                  <a:schemeClr val="accent4">
+                    <a:lumMod val="75000"/>
+                  </a:schemeClr>
+                </a:solidFill>
+                <a:latin typeface="Times New Roman" pitchFamily="18" charset="0"/>
+                <a:cs typeface="Times New Roman" pitchFamily="18" charset="0"/>
+              </a:rPr>
               <a:t>sus Usuarios</a:t>
             </a:r>
             <a:r>
-              <a:rPr lang="es-CL" sz="2000" dirty="0"/>
+              <a:rPr lang="es-CL" sz="2300" dirty="0">
+                <a:solidFill>
+                  <a:schemeClr val="accent4">
+                    <a:lumMod val="75000"/>
+                  </a:schemeClr>
+                </a:solidFill>
+                <a:latin typeface="Times New Roman" pitchFamily="18" charset="0"/>
+                <a:cs typeface="Times New Roman" pitchFamily="18" charset="0"/>
+              </a:rPr>
               <a:t>, </a:t>
             </a:r>
             <a:r>
-              <a:rPr lang="es-CL" sz="2000" dirty="0" smtClean="0"/>
+              <a:rPr lang="es-CL" sz="2300" dirty="0">
+                <a:solidFill>
+                  <a:schemeClr val="accent4">
+                    <a:lumMod val="75000"/>
+                  </a:schemeClr>
+                </a:solidFill>
+                <a:latin typeface="Times New Roman" pitchFamily="18" charset="0"/>
+                <a:cs typeface="Times New Roman" pitchFamily="18" charset="0"/>
+              </a:rPr>
               <a:t>Grupos </a:t>
             </a:r>
             <a:r>
-              <a:rPr lang="es-CL" sz="2000" dirty="0"/>
+              <a:rPr lang="es-CL" sz="2300" dirty="0">
+                <a:solidFill>
+                  <a:schemeClr val="accent4">
+                    <a:lumMod val="75000"/>
+                  </a:schemeClr>
+                </a:solidFill>
+                <a:latin typeface="Times New Roman" pitchFamily="18" charset="0"/>
+                <a:cs typeface="Times New Roman" pitchFamily="18" charset="0"/>
+              </a:rPr>
               <a:t>y </a:t>
             </a:r>
             <a:r>
-              <a:rPr lang="es-CL" sz="2000" dirty="0" smtClean="0"/>
+              <a:rPr lang="es-CL" sz="2300" dirty="0">
+                <a:solidFill>
+                  <a:schemeClr val="accent4">
+                    <a:lumMod val="75000"/>
+                  </a:schemeClr>
+                </a:solidFill>
+                <a:latin typeface="Times New Roman" pitchFamily="18" charset="0"/>
+                <a:cs typeface="Times New Roman" pitchFamily="18" charset="0"/>
+              </a:rPr>
               <a:t>Empresas</a:t>
             </a:r>
             <a:r>
-              <a:rPr lang="es-CL" sz="2000" dirty="0"/>
+              <a:rPr lang="es-CL" sz="2300" dirty="0">
+                <a:solidFill>
+                  <a:schemeClr val="accent4">
+                    <a:lumMod val="75000"/>
+                  </a:schemeClr>
+                </a:solidFill>
+                <a:latin typeface="Times New Roman" pitchFamily="18" charset="0"/>
+                <a:cs typeface="Times New Roman" pitchFamily="18" charset="0"/>
+              </a:rPr>
               <a:t>.</a:t>
             </a:r>
           </a:p>
@@ -8654,7 +10438,15 @@
               <a:buChar char=""/>
             </a:pPr>
             <a:r>
-              <a:rPr lang="es-CL" sz="2000" dirty="0"/>
+              <a:rPr lang="es-CL" sz="2300" dirty="0">
+                <a:solidFill>
+                  <a:schemeClr val="accent4">
+                    <a:lumMod val="75000"/>
+                  </a:schemeClr>
+                </a:solidFill>
+                <a:latin typeface="Times New Roman" pitchFamily="18" charset="0"/>
+                <a:cs typeface="Times New Roman" pitchFamily="18" charset="0"/>
+              </a:rPr>
               <a:t>Permita accesos y bloqueo de sistema.</a:t>
             </a:r>
           </a:p>
@@ -8704,19 +10496,33 @@
             <a:off x="1285852" y="1999628"/>
             <a:ext cx="6572296" cy="3715388"/>
           </a:xfrm>
-          <a:prstGeom prst="rect">
-            <a:avLst/>
+          <a:prstGeom prst="roundRect">
+            <a:avLst>
+              <a:gd name="adj" fmla="val 16667"/>
+            </a:avLst>
           </a:prstGeom>
           <a:ln>
             <a:noFill/>
           </a:ln>
           <a:effectLst>
-            <a:outerShdw blurRad="292100" dist="139700" dir="2700000" algn="tl" rotWithShape="0">
-              <a:srgbClr val="333333">
-                <a:alpha val="65000"/>
+            <a:outerShdw blurRad="152400" dist="12000" dir="900000" sy="98000" kx="110000" ky="200000" algn="tl" rotWithShape="0">
+              <a:srgbClr val="000000">
+                <a:alpha val="30000"/>
               </a:srgbClr>
             </a:outerShdw>
           </a:effectLst>
+          <a:scene3d>
+            <a:camera prst="perspectiveRelaxed">
+              <a:rot lat="19800000" lon="1200000" rev="20820000"/>
+            </a:camera>
+            <a:lightRig rig="threePt" dir="t"/>
+          </a:scene3d>
+          <a:sp3d contourW="6350" prstMaterial="matte">
+            <a:bevelT w="101600" h="101600"/>
+            <a:contourClr>
+              <a:srgbClr val="969696"/>
+            </a:contourClr>
+          </a:sp3d>
         </p:spPr>
       </p:pic>
       <p:pic>
@@ -8782,6 +10588,74 @@
           <a:chExt cx="0" cy="0"/>
         </a:xfrm>
       </p:grpSpPr>
+      <p:sp>
+        <p:nvSpPr>
+          <p:cNvPr id="16" name="15 Rectángulo redondeado"/>
+          <p:cNvSpPr/>
+          <p:nvPr/>
+        </p:nvSpPr>
+        <p:spPr>
+          <a:xfrm>
+            <a:off x="251519" y="260648"/>
+            <a:ext cx="8606759" cy="5256584"/>
+          </a:xfrm>
+          <a:prstGeom prst="roundRect">
+            <a:avLst/>
+          </a:prstGeom>
+          <a:gradFill flip="none" rotWithShape="1">
+            <a:gsLst>
+              <a:gs pos="33000">
+                <a:schemeClr val="accent1">
+                  <a:tint val="66000"/>
+                  <a:satMod val="160000"/>
+                </a:schemeClr>
+              </a:gs>
+              <a:gs pos="51000">
+                <a:schemeClr val="accent1">
+                  <a:tint val="44500"/>
+                  <a:satMod val="160000"/>
+                  <a:alpha val="0"/>
+                </a:schemeClr>
+              </a:gs>
+              <a:gs pos="100000">
+                <a:schemeClr val="accent1">
+                  <a:tint val="23500"/>
+                  <a:satMod val="160000"/>
+                </a:schemeClr>
+              </a:gs>
+            </a:gsLst>
+            <a:lin ang="16200000" scaled="1"/>
+            <a:tileRect/>
+          </a:gradFill>
+          <a:ln>
+            <a:noFill/>
+          </a:ln>
+        </p:spPr>
+        <p:style>
+          <a:lnRef idx="2">
+            <a:schemeClr val="accent1">
+              <a:shade val="50000"/>
+            </a:schemeClr>
+          </a:lnRef>
+          <a:fillRef idx="1">
+            <a:schemeClr val="accent1"/>
+          </a:fillRef>
+          <a:effectRef idx="0">
+            <a:schemeClr val="accent1"/>
+          </a:effectRef>
+          <a:fontRef idx="minor">
+            <a:schemeClr val="lt1"/>
+          </a:fontRef>
+        </p:style>
+        <p:txBody>
+          <a:bodyPr rtlCol="0" anchor="ctr"/>
+          <a:lstStyle/>
+          <a:p>
+            <a:pPr algn="ctr"/>
+            <a:endParaRPr lang="es-CL"/>
+          </a:p>
+        </p:txBody>
+      </p:sp>
       <p:pic>
         <p:nvPicPr>
           <p:cNvPr id="13" name="12 Imagen" descr="logo_exfida.png"/>
@@ -8826,19 +10700,33 @@
             <a:off x="6227431" y="3339565"/>
             <a:ext cx="2305009" cy="1817627"/>
           </a:xfrm>
-          <a:prstGeom prst="rect">
-            <a:avLst/>
+          <a:prstGeom prst="roundRect">
+            <a:avLst>
+              <a:gd name="adj" fmla="val 16667"/>
+            </a:avLst>
           </a:prstGeom>
           <a:ln>
             <a:noFill/>
           </a:ln>
           <a:effectLst>
-            <a:outerShdw blurRad="292100" dist="139700" dir="2700000" algn="tl" rotWithShape="0">
-              <a:srgbClr val="333333">
-                <a:alpha val="65000"/>
+            <a:outerShdw blurRad="152400" dist="12000" dir="900000" sy="98000" kx="110000" ky="200000" algn="tl" rotWithShape="0">
+              <a:srgbClr val="000000">
+                <a:alpha val="30000"/>
               </a:srgbClr>
             </a:outerShdw>
           </a:effectLst>
+          <a:scene3d>
+            <a:camera prst="perspectiveRelaxed">
+              <a:rot lat="19800000" lon="1200000" rev="20820000"/>
+            </a:camera>
+            <a:lightRig rig="threePt" dir="t"/>
+          </a:scene3d>
+          <a:sp3d contourW="6350" prstMaterial="matte">
+            <a:bevelT w="101600" h="101600"/>
+            <a:contourClr>
+              <a:srgbClr val="969696"/>
+            </a:contourClr>
+          </a:sp3d>
         </p:spPr>
       </p:pic>
       <p:pic>
@@ -8861,19 +10749,33 @@
             <a:off x="5940152" y="1623274"/>
             <a:ext cx="2665436" cy="1510015"/>
           </a:xfrm>
-          <a:prstGeom prst="rect">
-            <a:avLst/>
+          <a:prstGeom prst="roundRect">
+            <a:avLst>
+              <a:gd name="adj" fmla="val 16667"/>
+            </a:avLst>
           </a:prstGeom>
           <a:ln>
             <a:noFill/>
           </a:ln>
           <a:effectLst>
-            <a:outerShdw blurRad="292100" dist="139700" dir="2700000" algn="tl" rotWithShape="0">
-              <a:srgbClr val="333333">
-                <a:alpha val="65000"/>
+            <a:outerShdw blurRad="152400" dist="12000" dir="900000" sy="98000" kx="110000" ky="200000" algn="tl" rotWithShape="0">
+              <a:srgbClr val="000000">
+                <a:alpha val="30000"/>
               </a:srgbClr>
             </a:outerShdw>
           </a:effectLst>
+          <a:scene3d>
+            <a:camera prst="perspectiveRelaxed">
+              <a:rot lat="19800000" lon="1200000" rev="20820000"/>
+            </a:camera>
+            <a:lightRig rig="threePt" dir="t"/>
+          </a:scene3d>
+          <a:sp3d contourW="6350" prstMaterial="matte">
+            <a:bevelT w="101600" h="101600"/>
+            <a:contourClr>
+              <a:srgbClr val="969696"/>
+            </a:contourClr>
+          </a:sp3d>
         </p:spPr>
       </p:pic>
       <p:pic>
@@ -8896,19 +10798,33 @@
             <a:off x="573905" y="4341178"/>
             <a:ext cx="2814391" cy="1202843"/>
           </a:xfrm>
-          <a:prstGeom prst="rect">
-            <a:avLst/>
+          <a:prstGeom prst="roundRect">
+            <a:avLst>
+              <a:gd name="adj" fmla="val 16667"/>
+            </a:avLst>
           </a:prstGeom>
           <a:ln>
             <a:noFill/>
           </a:ln>
           <a:effectLst>
-            <a:outerShdw blurRad="292100" dist="139700" dir="2700000" algn="tl" rotWithShape="0">
-              <a:srgbClr val="333333">
-                <a:alpha val="65000"/>
+            <a:outerShdw blurRad="152400" dist="12000" dir="900000" sy="98000" kx="110000" ky="200000" algn="tl" rotWithShape="0">
+              <a:srgbClr val="000000">
+                <a:alpha val="30000"/>
               </a:srgbClr>
             </a:outerShdw>
           </a:effectLst>
+          <a:scene3d>
+            <a:camera prst="perspectiveRelaxed">
+              <a:rot lat="19800000" lon="1200000" rev="20820000"/>
+            </a:camera>
+            <a:lightRig rig="threePt" dir="t"/>
+          </a:scene3d>
+          <a:sp3d contourW="6350" prstMaterial="matte">
+            <a:bevelT w="101600" h="101600"/>
+            <a:contourClr>
+              <a:srgbClr val="969696"/>
+            </a:contourClr>
+          </a:sp3d>
         </p:spPr>
       </p:pic>
       <p:pic>
@@ -8931,19 +10847,33 @@
             <a:off x="788637" y="2454731"/>
             <a:ext cx="2271195" cy="1622341"/>
           </a:xfrm>
-          <a:prstGeom prst="rect">
-            <a:avLst/>
+          <a:prstGeom prst="roundRect">
+            <a:avLst>
+              <a:gd name="adj" fmla="val 16667"/>
+            </a:avLst>
           </a:prstGeom>
           <a:ln>
             <a:noFill/>
           </a:ln>
           <a:effectLst>
-            <a:outerShdw blurRad="292100" dist="139700" dir="2700000" algn="tl" rotWithShape="0">
-              <a:srgbClr val="333333">
-                <a:alpha val="65000"/>
+            <a:outerShdw blurRad="152400" dist="12000" dir="900000" sy="98000" kx="110000" ky="200000" algn="tl" rotWithShape="0">
+              <a:srgbClr val="000000">
+                <a:alpha val="30000"/>
               </a:srgbClr>
             </a:outerShdw>
           </a:effectLst>
+          <a:scene3d>
+            <a:camera prst="perspectiveRelaxed">
+              <a:rot lat="19800000" lon="1200000" rev="20820000"/>
+            </a:camera>
+            <a:lightRig rig="threePt" dir="t"/>
+          </a:scene3d>
+          <a:sp3d contourW="6350" prstMaterial="matte">
+            <a:bevelT w="101600" h="101600"/>
+            <a:contourClr>
+              <a:srgbClr val="969696"/>
+            </a:contourClr>
+          </a:sp3d>
         </p:spPr>
       </p:pic>
       <p:sp>
@@ -8965,7 +10895,7 @@
           <a:noFill/>
           <a:extLst>
             <a:ext uri="{909E8E84-426E-40DD-AFC4-6F175D3DCCD1}">
-              <a14:hiddenFill xmlns="" xmlns:a14="http://schemas.microsoft.com/office/drawing/2010/main">
+              <a14:hiddenFill xmlns:a14="http://schemas.microsoft.com/office/drawing/2010/main">
                 <a:solidFill>
                   <a:srgbClr val="FFFFFF"/>
                 </a:solidFill>
@@ -8997,7 +10927,7 @@
           <a:blip r:embed="rId7">
             <a:extLst>
               <a:ext uri="{28A0092B-C50C-407E-A947-70E740481C1C}">
-                <a14:useLocalDpi xmlns="" xmlns:a14="http://schemas.microsoft.com/office/drawing/2010/main" val="0"/>
+                <a14:useLocalDpi xmlns:a14="http://schemas.microsoft.com/office/drawing/2010/main" val="0"/>
               </a:ext>
             </a:extLst>
           </a:blip>
@@ -9008,8 +10938,8 @@
         </p:blipFill>
         <p:spPr bwMode="auto">
           <a:xfrm>
-            <a:off x="3563888" y="2490743"/>
-            <a:ext cx="2143125" cy="2143125"/>
+            <a:off x="3635896" y="2852936"/>
+            <a:ext cx="1656184" cy="1656184"/>
           </a:xfrm>
           <a:prstGeom prst="rect">
             <a:avLst/>
@@ -9031,18 +10961,6 @@
               </a:srgbClr>
             </a:outerShdw>
           </a:effectLst>
-          <a:scene3d>
-            <a:camera prst="orthographicFront"/>
-            <a:lightRig rig="twoPt" dir="t">
-              <a:rot lat="0" lon="0" rev="7800000"/>
-            </a:lightRig>
-          </a:scene3d>
-          <a:sp3d contourW="6350">
-            <a:bevelT w="50800" h="16510"/>
-            <a:contourClr>
-              <a:srgbClr val="C0C0C0"/>
-            </a:contourClr>
-          </a:sp3d>
           <a:extLst/>
         </p:spPr>
       </p:pic>
@@ -9064,7 +10982,7 @@
         </p:spPr>
         <p:txBody>
           <a:bodyPr>
-            <a:normAutofit fontScale="55000" lnSpcReduction="20000"/>
+            <a:normAutofit fontScale="47500" lnSpcReduction="20000"/>
           </a:bodyPr>
           <a:lstStyle/>
           <a:p>
@@ -9072,9 +10990,11 @@
               <a:buNone/>
             </a:pPr>
             <a:r>
-              <a:rPr lang="es-CL" sz="4600" b="1" dirty="0" smtClean="0">
-                <a:solidFill>
-                  <a:schemeClr val="tx2"/>
+              <a:rPr lang="es-CL" sz="5800" b="1" dirty="0">
+                <a:solidFill>
+                  <a:schemeClr val="bg2">
+                    <a:lumMod val="50000"/>
+                  </a:schemeClr>
                 </a:solidFill>
                 <a:effectLst>
                   <a:outerShdw blurRad="31750" dist="25400" dir="5400000" algn="tl" rotWithShape="0">
@@ -9083,16 +11003,18 @@
                     </a:srgbClr>
                   </a:outerShdw>
                 </a:effectLst>
-                <a:latin typeface="Arial Black" pitchFamily="34" charset="0"/>
+                <a:latin typeface="Andalus" pitchFamily="18" charset="-78"/>
                 <a:ea typeface="+mj-ea"/>
-                <a:cs typeface="+mj-cs"/>
+                <a:cs typeface="Andalus" pitchFamily="18" charset="-78"/>
               </a:rPr>
               <a:t>Trabajemos juntos &gt; EXFIDA</a:t>
             </a:r>
             <a:r>
-              <a:rPr lang="es-CL" sz="4600" b="1" dirty="0">
-                <a:solidFill>
-                  <a:schemeClr val="tx2"/>
+              <a:rPr lang="es-CL" sz="5800" b="1" dirty="0">
+                <a:solidFill>
+                  <a:schemeClr val="bg2">
+                    <a:lumMod val="50000"/>
+                  </a:schemeClr>
                 </a:solidFill>
                 <a:effectLst>
                   <a:outerShdw blurRad="31750" dist="25400" dir="5400000" algn="tl" rotWithShape="0">
@@ -9101,16 +11023,18 @@
                     </a:srgbClr>
                   </a:outerShdw>
                 </a:effectLst>
-                <a:latin typeface="Arial Black" pitchFamily="34" charset="0"/>
+                <a:latin typeface="Andalus" pitchFamily="18" charset="-78"/>
                 <a:ea typeface="+mj-ea"/>
-                <a:cs typeface="+mj-cs"/>
+                <a:cs typeface="Andalus" pitchFamily="18" charset="-78"/>
               </a:rPr>
               <a:t/>
             </a:r>
             <a:br>
-              <a:rPr lang="es-CL" sz="4600" b="1" dirty="0">
-                <a:solidFill>
-                  <a:schemeClr val="tx2"/>
+              <a:rPr lang="es-CL" sz="5800" b="1" dirty="0">
+                <a:solidFill>
+                  <a:schemeClr val="bg2">
+                    <a:lumMod val="50000"/>
+                  </a:schemeClr>
                 </a:solidFill>
                 <a:effectLst>
                   <a:outerShdw blurRad="31750" dist="25400" dir="5400000" algn="tl" rotWithShape="0">
@@ -9119,9 +11043,9 @@
                     </a:srgbClr>
                   </a:outerShdw>
                 </a:effectLst>
-                <a:latin typeface="Arial Black" pitchFamily="34" charset="0"/>
+                <a:latin typeface="Andalus" pitchFamily="18" charset="-78"/>
                 <a:ea typeface="+mj-ea"/>
-                <a:cs typeface="+mj-cs"/>
+                <a:cs typeface="Andalus" pitchFamily="18" charset="-78"/>
               </a:rPr>
             </a:br>
             <a:r>
@@ -9155,19 +11079,33 @@
             <a:off x="3131840" y="4878646"/>
             <a:ext cx="3218115" cy="1496208"/>
           </a:xfrm>
-          <a:prstGeom prst="rect">
-            <a:avLst/>
+          <a:prstGeom prst="roundRect">
+            <a:avLst>
+              <a:gd name="adj" fmla="val 16667"/>
+            </a:avLst>
           </a:prstGeom>
           <a:ln>
             <a:noFill/>
           </a:ln>
           <a:effectLst>
-            <a:outerShdw blurRad="292100" dist="139700" dir="2700000" algn="tl" rotWithShape="0">
-              <a:srgbClr val="333333">
-                <a:alpha val="65000"/>
+            <a:outerShdw blurRad="152400" dist="12000" dir="900000" sy="98000" kx="110000" ky="200000" algn="tl" rotWithShape="0">
+              <a:srgbClr val="000000">
+                <a:alpha val="30000"/>
               </a:srgbClr>
             </a:outerShdw>
           </a:effectLst>
+          <a:scene3d>
+            <a:camera prst="perspectiveRelaxed">
+              <a:rot lat="19800000" lon="1200000" rev="20820000"/>
+            </a:camera>
+            <a:lightRig rig="threePt" dir="t"/>
+          </a:scene3d>
+          <a:sp3d contourW="6350" prstMaterial="matte">
+            <a:bevelT w="101600" h="101600"/>
+            <a:contourClr>
+              <a:srgbClr val="969696"/>
+            </a:contourClr>
+          </a:sp3d>
         </p:spPr>
       </p:pic>
       <p:pic>
@@ -9182,7 +11120,7 @@
           <a:blip r:embed="rId9" cstate="print">
             <a:extLst>
               <a:ext uri="{28A0092B-C50C-407E-A947-70E740481C1C}">
-                <a14:useLocalDpi xmlns="" xmlns:a14="http://schemas.microsoft.com/office/drawing/2010/main" val="0"/>
+                <a14:useLocalDpi xmlns:a14="http://schemas.microsoft.com/office/drawing/2010/main" val="0"/>
               </a:ext>
             </a:extLst>
           </a:blip>
@@ -9196,29 +11134,43 @@
             <a:off x="2843808" y="954103"/>
             <a:ext cx="3059831" cy="1466785"/>
           </a:xfrm>
-          <a:prstGeom prst="rect">
-            <a:avLst/>
+          <a:prstGeom prst="roundRect">
+            <a:avLst>
+              <a:gd name="adj" fmla="val 16667"/>
+            </a:avLst>
           </a:prstGeom>
           <a:ln>
             <a:noFill/>
           </a:ln>
           <a:effectLst>
-            <a:outerShdw blurRad="292100" dist="139700" dir="2700000" algn="tl" rotWithShape="0">
-              <a:srgbClr val="333333">
-                <a:alpha val="65000"/>
+            <a:outerShdw blurRad="152400" dist="12000" dir="900000" sy="98000" kx="110000" ky="200000" algn="tl" rotWithShape="0">
+              <a:srgbClr val="000000">
+                <a:alpha val="30000"/>
               </a:srgbClr>
             </a:outerShdw>
           </a:effectLst>
+          <a:scene3d>
+            <a:camera prst="perspectiveRelaxed">
+              <a:rot lat="19800000" lon="1200000" rev="20820000"/>
+            </a:camera>
+            <a:lightRig rig="threePt" dir="t"/>
+          </a:scene3d>
+          <a:sp3d contourW="6350" prstMaterial="matte">
+            <a:bevelT w="101600" h="101600"/>
+            <a:contourClr>
+              <a:srgbClr val="969696"/>
+            </a:contourClr>
+          </a:sp3d>
           <a:extLst>
             <a:ext uri="{909E8E84-426E-40DD-AFC4-6F175D3DCCD1}">
-              <a14:hiddenFill xmlns="" xmlns:a14="http://schemas.microsoft.com/office/drawing/2010/main">
+              <a14:hiddenFill xmlns:a14="http://schemas.microsoft.com/office/drawing/2010/main">
                 <a:solidFill>
                   <a:schemeClr val="accent1"/>
                 </a:solidFill>
               </a14:hiddenFill>
             </a:ext>
             <a:ext uri="{91240B29-F687-4F45-9708-019B960494DF}">
-              <a14:hiddenLine xmlns="" xmlns:a14="http://schemas.microsoft.com/office/drawing/2010/main" w="9525">
+              <a14:hiddenLine xmlns:a14="http://schemas.microsoft.com/office/drawing/2010/main" w="9525">
                 <a:solidFill>
                   <a:schemeClr val="tx1"/>
                 </a:solidFill>
@@ -9305,6 +11257,11 @@
 <file path=ppt/slides/slide3.xml><?xml version="1.0" encoding="utf-8"?>
 <p:sld xmlns:a="http://schemas.openxmlformats.org/drawingml/2006/main" xmlns:r="http://schemas.openxmlformats.org/officeDocument/2006/relationships" xmlns:p="http://schemas.openxmlformats.org/presentationml/2006/main">
   <p:cSld>
+    <p:bg>
+      <p:bgRef idx="1001">
+        <a:schemeClr val="bg1"/>
+      </p:bgRef>
+    </p:bg>
     <p:spTree>
       <p:nvGrpSpPr>
         <p:cNvPr id="1" name=""/>
@@ -9328,10 +11285,10 @@
           <p:nvPr/>
         </p:nvPicPr>
         <p:blipFill>
-          <a:blip r:embed="rId2">
+          <a:blip r:embed="rId3">
             <a:extLst>
               <a:ext uri="{28A0092B-C50C-407E-A947-70E740481C1C}">
-                <a14:useLocalDpi xmlns="" xmlns:a14="http://schemas.microsoft.com/office/drawing/2010/main" val="0"/>
+                <a14:useLocalDpi xmlns:a14="http://schemas.microsoft.com/office/drawing/2010/main" val="0"/>
               </a:ext>
             </a:extLst>
           </a:blip>
@@ -9342,8 +11299,8 @@
         </p:blipFill>
         <p:spPr bwMode="auto">
           <a:xfrm>
-            <a:off x="5873130" y="4941168"/>
-            <a:ext cx="1817255" cy="1916832"/>
+            <a:off x="7698048" y="5445224"/>
+            <a:ext cx="1339384" cy="1412776"/>
           </a:xfrm>
           <a:prstGeom prst="rect">
             <a:avLst/>
@@ -9351,7 +11308,7 @@
           <a:noFill/>
           <a:extLst>
             <a:ext uri="{909E8E84-426E-40DD-AFC4-6F175D3DCCD1}">
-              <a14:hiddenFill xmlns="" xmlns:a14="http://schemas.microsoft.com/office/drawing/2010/main">
+              <a14:hiddenFill xmlns:a14="http://schemas.microsoft.com/office/drawing/2010/main">
                 <a:solidFill>
                   <a:srgbClr val="FFFFFF"/>
                 </a:solidFill>
@@ -9360,6 +11317,74 @@
           </a:extLst>
         </p:spPr>
       </p:pic>
+      <p:sp>
+        <p:nvSpPr>
+          <p:cNvPr id="8" name="7 Rectángulo redondeado"/>
+          <p:cNvSpPr/>
+          <p:nvPr/>
+        </p:nvSpPr>
+        <p:spPr>
+          <a:xfrm>
+            <a:off x="251519" y="260648"/>
+            <a:ext cx="8606759" cy="5256584"/>
+          </a:xfrm>
+          <a:prstGeom prst="roundRect">
+            <a:avLst/>
+          </a:prstGeom>
+          <a:gradFill flip="none" rotWithShape="1">
+            <a:gsLst>
+              <a:gs pos="33000">
+                <a:schemeClr val="accent1">
+                  <a:tint val="66000"/>
+                  <a:satMod val="160000"/>
+                </a:schemeClr>
+              </a:gs>
+              <a:gs pos="51000">
+                <a:schemeClr val="accent1">
+                  <a:tint val="44500"/>
+                  <a:satMod val="160000"/>
+                  <a:alpha val="0"/>
+                </a:schemeClr>
+              </a:gs>
+              <a:gs pos="100000">
+                <a:schemeClr val="accent1">
+                  <a:tint val="23500"/>
+                  <a:satMod val="160000"/>
+                </a:schemeClr>
+              </a:gs>
+            </a:gsLst>
+            <a:lin ang="16200000" scaled="1"/>
+            <a:tileRect/>
+          </a:gradFill>
+          <a:ln>
+            <a:noFill/>
+          </a:ln>
+        </p:spPr>
+        <p:style>
+          <a:lnRef idx="2">
+            <a:schemeClr val="accent1">
+              <a:shade val="50000"/>
+            </a:schemeClr>
+          </a:lnRef>
+          <a:fillRef idx="1">
+            <a:schemeClr val="accent1"/>
+          </a:fillRef>
+          <a:effectRef idx="0">
+            <a:schemeClr val="accent1"/>
+          </a:effectRef>
+          <a:fontRef idx="minor">
+            <a:schemeClr val="lt1"/>
+          </a:fontRef>
+        </p:style>
+        <p:txBody>
+          <a:bodyPr rtlCol="0" anchor="ctr"/>
+          <a:lstStyle/>
+          <a:p>
+            <a:pPr algn="ctr"/>
+            <a:endParaRPr lang="es-CL"/>
+          </a:p>
+        </p:txBody>
+      </p:sp>
       <p:pic>
         <p:nvPicPr>
           <p:cNvPr id="6" name="5 Imagen" descr="logo_top_byte.gif"/>
@@ -9369,7 +11394,7 @@
           <p:nvPr/>
         </p:nvPicPr>
         <p:blipFill>
-          <a:blip r:embed="rId3"/>
+          <a:blip r:embed="rId4"/>
           <a:stretch>
             <a:fillRect/>
           </a:stretch>
@@ -9415,42 +11440,98 @@
             </a:pPr>
             <a:r>
               <a:rPr lang="es-CL" sz="2300" dirty="0" smtClean="0"/>
-              <a:t>	Queremos obtener su confianza, a través de soluciones tecnológicas que permitan hacer más eficiente la gestión de su Negocio, brindándole a su Compañía siempre un valor agregado.</a:t>
-            </a:r>
-            <a:r>
-              <a:rPr lang="es-CL" sz="2400" dirty="0" smtClean="0"/>
-              <a:t/>
+              <a:t>	</a:t>
+            </a:r>
+            <a:r>
+              <a:rPr lang="es-CL" sz="2300" dirty="0">
+                <a:solidFill>
+                  <a:schemeClr val="accent4">
+                    <a:lumMod val="75000"/>
+                  </a:schemeClr>
+                </a:solidFill>
+                <a:latin typeface="Times New Roman" pitchFamily="18" charset="0"/>
+                <a:cs typeface="Times New Roman" pitchFamily="18" charset="0"/>
+              </a:rPr>
+              <a:t>Queremos obtener su confianza, a través de soluciones tecnológicas que permitan hacer más eficiente la gestión de su Negocio, brindándole a su Compañía siempre un valor agregado.</a:t>
             </a:r>
             <a:br>
-              <a:rPr lang="es-CL" sz="2400" dirty="0" smtClean="0"/>
+              <a:rPr lang="es-CL" sz="2300" dirty="0">
+                <a:solidFill>
+                  <a:schemeClr val="accent4">
+                    <a:lumMod val="75000"/>
+                  </a:schemeClr>
+                </a:solidFill>
+                <a:latin typeface="Times New Roman" pitchFamily="18" charset="0"/>
+                <a:cs typeface="Times New Roman" pitchFamily="18" charset="0"/>
+              </a:rPr>
             </a:br>
-            <a:endParaRPr lang="es-CL" sz="2400" dirty="0" smtClean="0"/>
+            <a:endParaRPr lang="es-CL" sz="2300" dirty="0">
+              <a:solidFill>
+                <a:schemeClr val="accent4">
+                  <a:lumMod val="75000"/>
+                </a:schemeClr>
+              </a:solidFill>
+              <a:latin typeface="Times New Roman" pitchFamily="18" charset="0"/>
+              <a:cs typeface="Times New Roman" pitchFamily="18" charset="0"/>
+            </a:endParaRPr>
           </a:p>
           <a:p>
             <a:pPr lvl="2" algn="just"/>
             <a:r>
-              <a:rPr lang="es-CL" sz="2000" dirty="0" smtClean="0"/>
+              <a:rPr lang="es-CL" sz="2300" dirty="0">
+                <a:solidFill>
+                  <a:schemeClr val="accent4">
+                    <a:lumMod val="75000"/>
+                  </a:schemeClr>
+                </a:solidFill>
+                <a:latin typeface="Times New Roman" pitchFamily="18" charset="0"/>
+                <a:cs typeface="Times New Roman" pitchFamily="18" charset="0"/>
+              </a:rPr>
               <a:t>Adecuamos lo mejor posible la relación Costo/Beneficio.</a:t>
             </a:r>
           </a:p>
           <a:p>
             <a:pPr lvl="2" algn="just"/>
             <a:r>
-              <a:rPr lang="es-CL" sz="2000" dirty="0" smtClean="0"/>
+              <a:rPr lang="es-CL" sz="2300" dirty="0">
+                <a:solidFill>
+                  <a:schemeClr val="accent4">
+                    <a:lumMod val="75000"/>
+                  </a:schemeClr>
+                </a:solidFill>
+                <a:latin typeface="Times New Roman" pitchFamily="18" charset="0"/>
+                <a:cs typeface="Times New Roman" pitchFamily="18" charset="0"/>
+              </a:rPr>
               <a:t>Optimizamos la utilización de sus recursos. </a:t>
             </a:r>
           </a:p>
           <a:p>
             <a:pPr lvl="2" algn="just"/>
             <a:r>
-              <a:rPr lang="es-CL" sz="2000" dirty="0" smtClean="0"/>
+              <a:rPr lang="es-CL" sz="2300" dirty="0">
+                <a:solidFill>
+                  <a:schemeClr val="accent4">
+                    <a:lumMod val="75000"/>
+                  </a:schemeClr>
+                </a:solidFill>
+                <a:latin typeface="Times New Roman" pitchFamily="18" charset="0"/>
+                <a:cs typeface="Times New Roman" pitchFamily="18" charset="0"/>
+              </a:rPr>
               <a:t>Aumentamos la productividad derivado del incremento de niveles de servicio.</a:t>
             </a:r>
           </a:p>
           <a:p>
             <a:pPr lvl="2" algn="just"/>
             <a:r>
-              <a:rPr lang="es-CL" sz="2000" dirty="0" smtClean="0"/>
+              <a:rPr lang="es-CL" sz="2300" dirty="0">
+                <a:solidFill>
+                  <a:schemeClr val="accent4">
+                    <a:lumMod val="75000"/>
+                  </a:schemeClr>
+                </a:solidFill>
+                <a:latin typeface="Times New Roman" pitchFamily="18" charset="0"/>
+                <a:cs typeface="Times New Roman" pitchFamily="18" charset="0"/>
+              </a:rPr>
               <a:t>Buscamos la innovación en la adopción de nuevas tecnologías.</a:t>
             </a:r>
           </a:p>
@@ -9482,19 +11563,37 @@
           <a:lstStyle/>
           <a:p>
             <a:r>
-              <a:rPr lang="es-CL" sz="2900" dirty="0">
-                <a:latin typeface="Arial Black" pitchFamily="34" charset="0"/>
+              <a:rPr lang="es-CL" sz="3200" dirty="0">
+                <a:solidFill>
+                  <a:schemeClr val="bg2">
+                    <a:lumMod val="50000"/>
+                  </a:schemeClr>
+                </a:solidFill>
+                <a:latin typeface="Andalus" pitchFamily="18" charset="-78"/>
+                <a:cs typeface="Andalus" pitchFamily="18" charset="-78"/>
               </a:rPr>
               <a:t>Nuestro </a:t>
             </a:r>
             <a:r>
-              <a:rPr lang="es-CL" sz="2900" dirty="0" smtClean="0">
-                <a:latin typeface="Arial Black" pitchFamily="34" charset="0"/>
+              <a:rPr lang="es-CL" sz="3200" dirty="0">
+                <a:solidFill>
+                  <a:schemeClr val="bg2">
+                    <a:lumMod val="50000"/>
+                  </a:schemeClr>
+                </a:solidFill>
+                <a:latin typeface="Andalus" pitchFamily="18" charset="-78"/>
+                <a:cs typeface="Andalus" pitchFamily="18" charset="-78"/>
               </a:rPr>
               <a:t>Enfoque &gt;</a:t>
             </a:r>
-            <a:endParaRPr lang="es-CL" sz="2900" dirty="0">
-              <a:latin typeface="Arial Black" pitchFamily="34" charset="0"/>
+            <a:endParaRPr lang="es-CL" sz="3200" dirty="0">
+              <a:solidFill>
+                <a:schemeClr val="bg2">
+                  <a:lumMod val="50000"/>
+                </a:schemeClr>
+              </a:solidFill>
+              <a:latin typeface="Andalus" pitchFamily="18" charset="-78"/>
+              <a:cs typeface="Andalus" pitchFamily="18" charset="-78"/>
             </a:endParaRPr>
           </a:p>
         </p:txBody>
@@ -9502,7 +11601,7 @@
     </p:spTree>
   </p:cSld>
   <p:clrMapOvr>
-    <a:masterClrMapping/>
+    <a:overrideClrMapping bg1="lt1" tx1="dk1" bg2="lt2" tx2="dk2" accent1="accent1" accent2="accent2" accent3="accent3" accent4="accent4" accent5="accent5" accent6="accent6" hlink="hlink" folHlink="folHlink"/>
   </p:clrMapOvr>
   <p:transition spd="slow">
     <p:fade/>
@@ -9534,6 +11633,115 @@
           <a:chExt cx="0" cy="0"/>
         </a:xfrm>
       </p:grpSpPr>
+      <p:pic>
+        <p:nvPicPr>
+          <p:cNvPr id="3076" name="Picture 4" descr="https://encrypted-tbn0.google.com/images?q=tbn:ANd9GcQEWkCOtRM5wFv4LwAHw-SPWe1kSav0aPBONQ-CMgEgu7T9EXqLaw"/>
+          <p:cNvPicPr>
+            <a:picLocks noChangeAspect="1" noChangeArrowheads="1"/>
+          </p:cNvPicPr>
+          <p:nvPr/>
+        </p:nvPicPr>
+        <p:blipFill>
+          <a:blip r:embed="rId2">
+            <a:extLst>
+              <a:ext uri="{28A0092B-C50C-407E-A947-70E740481C1C}">
+                <a14:useLocalDpi xmlns:a14="http://schemas.microsoft.com/office/drawing/2010/main" val="0"/>
+              </a:ext>
+            </a:extLst>
+          </a:blip>
+          <a:srcRect/>
+          <a:stretch>
+            <a:fillRect/>
+          </a:stretch>
+        </p:blipFill>
+        <p:spPr bwMode="auto">
+          <a:xfrm>
+            <a:off x="7236296" y="5440879"/>
+            <a:ext cx="1891928" cy="1417120"/>
+          </a:xfrm>
+          <a:prstGeom prst="rect">
+            <a:avLst/>
+          </a:prstGeom>
+          <a:noFill/>
+          <a:extLst>
+            <a:ext uri="{909E8E84-426E-40DD-AFC4-6F175D3DCCD1}">
+              <a14:hiddenFill xmlns:a14="http://schemas.microsoft.com/office/drawing/2010/main">
+                <a:solidFill>
+                  <a:srgbClr val="FFFFFF"/>
+                </a:solidFill>
+              </a14:hiddenFill>
+            </a:ext>
+          </a:extLst>
+        </p:spPr>
+      </p:pic>
+      <p:sp>
+        <p:nvSpPr>
+          <p:cNvPr id="8" name="7 Rectángulo redondeado"/>
+          <p:cNvSpPr/>
+          <p:nvPr/>
+        </p:nvSpPr>
+        <p:spPr>
+          <a:xfrm>
+            <a:off x="251519" y="260648"/>
+            <a:ext cx="8606759" cy="5256584"/>
+          </a:xfrm>
+          <a:prstGeom prst="roundRect">
+            <a:avLst/>
+          </a:prstGeom>
+          <a:gradFill flip="none" rotWithShape="1">
+            <a:gsLst>
+              <a:gs pos="33000">
+                <a:schemeClr val="accent1">
+                  <a:tint val="66000"/>
+                  <a:satMod val="160000"/>
+                </a:schemeClr>
+              </a:gs>
+              <a:gs pos="51000">
+                <a:schemeClr val="accent1">
+                  <a:tint val="44500"/>
+                  <a:satMod val="160000"/>
+                  <a:alpha val="0"/>
+                </a:schemeClr>
+              </a:gs>
+              <a:gs pos="100000">
+                <a:schemeClr val="accent1">
+                  <a:tint val="23500"/>
+                  <a:satMod val="160000"/>
+                </a:schemeClr>
+              </a:gs>
+            </a:gsLst>
+            <a:lin ang="16200000" scaled="1"/>
+            <a:tileRect/>
+          </a:gradFill>
+          <a:ln>
+            <a:noFill/>
+          </a:ln>
+        </p:spPr>
+        <p:style>
+          <a:lnRef idx="2">
+            <a:schemeClr val="accent1">
+              <a:shade val="50000"/>
+            </a:schemeClr>
+          </a:lnRef>
+          <a:fillRef idx="1">
+            <a:schemeClr val="accent1"/>
+          </a:fillRef>
+          <a:effectRef idx="0">
+            <a:schemeClr val="accent1"/>
+          </a:effectRef>
+          <a:fontRef idx="minor">
+            <a:schemeClr val="lt1"/>
+          </a:fontRef>
+        </p:style>
+        <p:txBody>
+          <a:bodyPr rtlCol="0" anchor="ctr"/>
+          <a:lstStyle/>
+          <a:p>
+            <a:pPr algn="ctr"/>
+            <a:endParaRPr lang="es-CL"/>
+          </a:p>
+        </p:txBody>
+      </p:sp>
       <p:sp>
         <p:nvSpPr>
           <p:cNvPr id="2" name="1 Marcador de contenido"/>
@@ -9544,37 +11752,110 @@
             <p:ph idx="1"/>
           </p:nvPr>
         </p:nvSpPr>
-        <p:spPr/>
+        <p:spPr>
+          <a:xfrm>
+            <a:off x="457200" y="1124744"/>
+            <a:ext cx="8229600" cy="4525963"/>
+          </a:xfrm>
+        </p:spPr>
         <p:txBody>
           <a:bodyPr>
             <a:normAutofit/>
           </a:bodyPr>
           <a:lstStyle/>
           <a:p>
-            <a:pPr lvl="0"/>
-            <a:r>
-              <a:rPr lang="es-CL" sz="2400" dirty="0" smtClean="0"/>
-              <a:t>Profesionales con excelente calidad técnica y humana.</a:t>
-            </a:r>
-          </a:p>
-          <a:p>
-            <a:pPr lvl="0"/>
-            <a:r>
-              <a:rPr lang="es-CL" sz="2400" dirty="0" smtClean="0"/>
+            <a:pPr lvl="0">
+              <a:buClr>
+                <a:schemeClr val="accent2"/>
+              </a:buClr>
+              <a:buFont typeface="Arial" pitchFamily="34" charset="0"/>
+              <a:buChar char="•"/>
+            </a:pPr>
+            <a:r>
+              <a:rPr lang="es-CL" sz="2300" dirty="0">
+                <a:solidFill>
+                  <a:schemeClr val="accent4">
+                    <a:lumMod val="75000"/>
+                  </a:schemeClr>
+                </a:solidFill>
+                <a:latin typeface="Times New Roman" pitchFamily="18" charset="0"/>
+                <a:cs typeface="Times New Roman" pitchFamily="18" charset="0"/>
+              </a:rPr>
+              <a:t>Profesionales con excelente calidad técnica y humana</a:t>
+            </a:r>
+            <a:r>
+              <a:rPr lang="es-CL" sz="2300" dirty="0" smtClean="0">
+                <a:solidFill>
+                  <a:schemeClr val="accent4">
+                    <a:lumMod val="75000"/>
+                  </a:schemeClr>
+                </a:solidFill>
+                <a:latin typeface="Times New Roman" pitchFamily="18" charset="0"/>
+                <a:cs typeface="Times New Roman" pitchFamily="18" charset="0"/>
+              </a:rPr>
+              <a:t>.</a:t>
+            </a:r>
+          </a:p>
+          <a:p>
+            <a:pPr lvl="0">
+              <a:buClr>
+                <a:schemeClr val="accent2"/>
+              </a:buClr>
+              <a:buFont typeface="Arial" pitchFamily="34" charset="0"/>
+              <a:buChar char="•"/>
+            </a:pPr>
+            <a:r>
+              <a:rPr lang="es-CL" sz="2300" dirty="0" smtClean="0">
+                <a:solidFill>
+                  <a:schemeClr val="accent4">
+                    <a:lumMod val="75000"/>
+                  </a:schemeClr>
+                </a:solidFill>
+                <a:latin typeface="Times New Roman" pitchFamily="18" charset="0"/>
+                <a:cs typeface="Times New Roman" pitchFamily="18" charset="0"/>
+              </a:rPr>
               <a:t>Nuestra vocación es el servicio.</a:t>
             </a:r>
           </a:p>
           <a:p>
-            <a:pPr lvl="0"/>
-            <a:r>
-              <a:rPr lang="es-CL" sz="2400" dirty="0" smtClean="0"/>
+            <a:pPr>
+              <a:buClr>
+                <a:schemeClr val="accent2"/>
+              </a:buClr>
+              <a:buFont typeface="Arial" pitchFamily="34" charset="0"/>
+              <a:buChar char="•"/>
+            </a:pPr>
+            <a:r>
+              <a:rPr lang="es-CL" sz="2300" dirty="0">
+                <a:solidFill>
+                  <a:schemeClr val="accent4">
+                    <a:lumMod val="75000"/>
+                  </a:schemeClr>
+                </a:solidFill>
+                <a:latin typeface="Times New Roman" pitchFamily="18" charset="0"/>
+                <a:cs typeface="Times New Roman" pitchFamily="18" charset="0"/>
+              </a:rPr>
               <a:t>En nuestros procesos productivos aplicamos las mejores prácticas de la industria.</a:t>
             </a:r>
           </a:p>
           <a:p>
-            <a:pPr lvl="0"/>
-            <a:r>
-              <a:rPr lang="es-CL" sz="2400" dirty="0" smtClean="0"/>
+            <a:pPr>
+              <a:buClr>
+                <a:schemeClr val="accent2"/>
+              </a:buClr>
+              <a:buFont typeface="Arial" pitchFamily="34" charset="0"/>
+              <a:buChar char="•"/>
+            </a:pPr>
+            <a:r>
+              <a:rPr lang="es-CL" sz="2300" dirty="0">
+                <a:solidFill>
+                  <a:schemeClr val="accent4">
+                    <a:lumMod val="75000"/>
+                  </a:schemeClr>
+                </a:solidFill>
+                <a:latin typeface="Times New Roman" pitchFamily="18" charset="0"/>
+                <a:cs typeface="Times New Roman" pitchFamily="18" charset="0"/>
+              </a:rPr>
               <a:t>Queremos que nuestra relación con nuestros clientes sea duradera.</a:t>
             </a:r>
           </a:p>
@@ -9609,64 +11890,41 @@
           <a:lstStyle/>
           <a:p>
             <a:r>
-              <a:rPr lang="es-CL" sz="2900" dirty="0">
-                <a:latin typeface="Arial Black" pitchFamily="34" charset="0"/>
+              <a:rPr lang="es-CL" sz="3200" dirty="0">
+                <a:solidFill>
+                  <a:schemeClr val="bg2">
+                    <a:lumMod val="50000"/>
+                  </a:schemeClr>
+                </a:solidFill>
+                <a:latin typeface="Andalus" pitchFamily="18" charset="-78"/>
+                <a:cs typeface="Andalus" pitchFamily="18" charset="-78"/>
               </a:rPr>
               <a:t>Nuestra </a:t>
             </a:r>
             <a:r>
-              <a:rPr lang="es-CL" sz="2900" dirty="0" smtClean="0">
-                <a:latin typeface="Arial Black" pitchFamily="34" charset="0"/>
+              <a:rPr lang="es-CL" sz="3200" dirty="0">
+                <a:solidFill>
+                  <a:schemeClr val="bg2">
+                    <a:lumMod val="50000"/>
+                  </a:schemeClr>
+                </a:solidFill>
+                <a:latin typeface="Andalus" pitchFamily="18" charset="-78"/>
+                <a:cs typeface="Andalus" pitchFamily="18" charset="-78"/>
               </a:rPr>
               <a:t>Fuerza &gt;</a:t>
             </a:r>
-            <a:endParaRPr lang="es-CL" sz="2900" dirty="0">
-              <a:latin typeface="Arial Black" pitchFamily="34" charset="0"/>
+            <a:endParaRPr lang="es-CL" sz="3200" dirty="0">
+              <a:solidFill>
+                <a:schemeClr val="bg2">
+                  <a:lumMod val="50000"/>
+                </a:schemeClr>
+              </a:solidFill>
+              <a:latin typeface="Andalus" pitchFamily="18" charset="-78"/>
+              <a:cs typeface="Andalus" pitchFamily="18" charset="-78"/>
             </a:endParaRPr>
           </a:p>
         </p:txBody>
       </p:sp>
-      <p:pic>
-        <p:nvPicPr>
-          <p:cNvPr id="3076" name="Picture 4" descr="https://encrypted-tbn0.google.com/images?q=tbn:ANd9GcQEWkCOtRM5wFv4LwAHw-SPWe1kSav0aPBONQ-CMgEgu7T9EXqLaw"/>
-          <p:cNvPicPr>
-            <a:picLocks noChangeAspect="1" noChangeArrowheads="1"/>
-          </p:cNvPicPr>
-          <p:nvPr/>
-        </p:nvPicPr>
-        <p:blipFill>
-          <a:blip r:embed="rId2">
-            <a:extLst>
-              <a:ext uri="{28A0092B-C50C-407E-A947-70E740481C1C}">
-                <a14:useLocalDpi xmlns="" xmlns:a14="http://schemas.microsoft.com/office/drawing/2010/main" val="0"/>
-              </a:ext>
-            </a:extLst>
-          </a:blip>
-          <a:srcRect/>
-          <a:stretch>
-            <a:fillRect/>
-          </a:stretch>
-        </p:blipFill>
-        <p:spPr bwMode="auto">
-          <a:xfrm>
-            <a:off x="5527824" y="4161174"/>
-            <a:ext cx="3600400" cy="2696826"/>
-          </a:xfrm>
-          <a:prstGeom prst="rect">
-            <a:avLst/>
-          </a:prstGeom>
-          <a:noFill/>
-          <a:extLst>
-            <a:ext uri="{909E8E84-426E-40DD-AFC4-6F175D3DCCD1}">
-              <a14:hiddenFill xmlns="" xmlns:a14="http://schemas.microsoft.com/office/drawing/2010/main">
-                <a:solidFill>
-                  <a:srgbClr val="FFFFFF"/>
-                </a:solidFill>
-              </a14:hiddenFill>
-            </a:ext>
-          </a:extLst>
-        </p:spPr>
-      </p:pic>
       <p:pic>
         <p:nvPicPr>
           <p:cNvPr id="6" name="5 Imagen" descr="logo_top_byte.gif"/>
@@ -9732,6 +11990,74 @@
       </p:grpSpPr>
       <p:sp>
         <p:nvSpPr>
+          <p:cNvPr id="21" name="20 Rectángulo redondeado"/>
+          <p:cNvSpPr/>
+          <p:nvPr/>
+        </p:nvSpPr>
+        <p:spPr>
+          <a:xfrm>
+            <a:off x="251519" y="260648"/>
+            <a:ext cx="8606759" cy="5256584"/>
+          </a:xfrm>
+          <a:prstGeom prst="roundRect">
+            <a:avLst/>
+          </a:prstGeom>
+          <a:gradFill flip="none" rotWithShape="1">
+            <a:gsLst>
+              <a:gs pos="33000">
+                <a:schemeClr val="accent1">
+                  <a:tint val="66000"/>
+                  <a:satMod val="160000"/>
+                </a:schemeClr>
+              </a:gs>
+              <a:gs pos="51000">
+                <a:schemeClr val="accent1">
+                  <a:tint val="44500"/>
+                  <a:satMod val="160000"/>
+                  <a:alpha val="0"/>
+                </a:schemeClr>
+              </a:gs>
+              <a:gs pos="100000">
+                <a:schemeClr val="accent1">
+                  <a:tint val="23500"/>
+                  <a:satMod val="160000"/>
+                </a:schemeClr>
+              </a:gs>
+            </a:gsLst>
+            <a:lin ang="16200000" scaled="1"/>
+            <a:tileRect/>
+          </a:gradFill>
+          <a:ln>
+            <a:noFill/>
+          </a:ln>
+        </p:spPr>
+        <p:style>
+          <a:lnRef idx="2">
+            <a:schemeClr val="accent1">
+              <a:shade val="50000"/>
+            </a:schemeClr>
+          </a:lnRef>
+          <a:fillRef idx="1">
+            <a:schemeClr val="accent1"/>
+          </a:fillRef>
+          <a:effectRef idx="0">
+            <a:schemeClr val="accent1"/>
+          </a:effectRef>
+          <a:fontRef idx="minor">
+            <a:schemeClr val="lt1"/>
+          </a:fontRef>
+        </p:style>
+        <p:txBody>
+          <a:bodyPr rtlCol="0" anchor="ctr"/>
+          <a:lstStyle/>
+          <a:p>
+            <a:pPr algn="ctr"/>
+            <a:endParaRPr lang="es-CL"/>
+          </a:p>
+        </p:txBody>
+      </p:sp>
+      <p:sp>
+        <p:nvSpPr>
           <p:cNvPr id="3" name="2 Título"/>
           <p:cNvSpPr>
             <a:spLocks noGrp="1"/>
@@ -9753,19 +12079,37 @@
           <a:lstStyle/>
           <a:p>
             <a:r>
-              <a:rPr lang="es-CL" sz="2900" dirty="0">
-                <a:latin typeface="Arial Black" pitchFamily="34" charset="0"/>
+              <a:rPr lang="es-CL" sz="3200" dirty="0">
+                <a:solidFill>
+                  <a:schemeClr val="bg2">
+                    <a:lumMod val="50000"/>
+                  </a:schemeClr>
+                </a:solidFill>
+                <a:latin typeface="Andalus" pitchFamily="18" charset="-78"/>
+                <a:cs typeface="Andalus" pitchFamily="18" charset="-78"/>
               </a:rPr>
               <a:t>Nuestras </a:t>
             </a:r>
             <a:r>
-              <a:rPr lang="es-CL" sz="2900" dirty="0" smtClean="0">
-                <a:latin typeface="Arial Black" pitchFamily="34" charset="0"/>
+              <a:rPr lang="es-CL" sz="3200" dirty="0">
+                <a:solidFill>
+                  <a:schemeClr val="bg2">
+                    <a:lumMod val="50000"/>
+                  </a:schemeClr>
+                </a:solidFill>
+                <a:latin typeface="Andalus" pitchFamily="18" charset="-78"/>
+                <a:cs typeface="Andalus" pitchFamily="18" charset="-78"/>
               </a:rPr>
               <a:t>Alianzas &gt;</a:t>
             </a:r>
-            <a:endParaRPr lang="es-CL" sz="2900" dirty="0">
-              <a:latin typeface="Arial Black" pitchFamily="34" charset="0"/>
+            <a:endParaRPr lang="es-CL" sz="3200" dirty="0">
+              <a:solidFill>
+                <a:schemeClr val="bg2">
+                  <a:lumMod val="50000"/>
+                </a:schemeClr>
+              </a:solidFill>
+              <a:latin typeface="Andalus" pitchFamily="18" charset="-78"/>
+              <a:cs typeface="Andalus" pitchFamily="18" charset="-78"/>
             </a:endParaRPr>
           </a:p>
         </p:txBody>
@@ -9780,7 +12124,7 @@
           <a:blip r:embed="rId2" cstate="print">
             <a:extLst>
               <a:ext uri="{28A0092B-C50C-407E-A947-70E740481C1C}">
-                <a14:useLocalDpi xmlns="" xmlns:a14="http://schemas.microsoft.com/office/drawing/2010/main" val="0"/>
+                <a14:useLocalDpi xmlns:a14="http://schemas.microsoft.com/office/drawing/2010/main" val="0"/>
               </a:ext>
             </a:extLst>
           </a:blip>
@@ -9791,39 +12135,34 @@
         </p:blipFill>
         <p:spPr bwMode="auto">
           <a:xfrm>
-            <a:off x="577800" y="1052736"/>
+            <a:off x="1546243" y="1092330"/>
             <a:ext cx="1529542" cy="781396"/>
           </a:xfrm>
-          <a:prstGeom prst="rect">
-            <a:avLst/>
+          <a:prstGeom prst="roundRect">
+            <a:avLst>
+              <a:gd name="adj" fmla="val 16667"/>
+            </a:avLst>
           </a:prstGeom>
-          <a:solidFill>
-            <a:srgbClr val="FFFFFF">
-              <a:shade val="85000"/>
-            </a:srgbClr>
-          </a:solidFill>
-          <a:ln w="190500" cap="rnd">
-            <a:solidFill>
-              <a:srgbClr val="FFFFFF"/>
-            </a:solidFill>
+          <a:ln>
+            <a:noFill/>
           </a:ln>
           <a:effectLst>
-            <a:outerShdw blurRad="50000" algn="tl" rotWithShape="0">
+            <a:outerShdw blurRad="152400" dist="12000" dir="900000" sy="98000" kx="110000" ky="200000" algn="tl" rotWithShape="0">
               <a:srgbClr val="000000">
-                <a:alpha val="41000"/>
+                <a:alpha val="30000"/>
               </a:srgbClr>
             </a:outerShdw>
           </a:effectLst>
           <a:scene3d>
-            <a:camera prst="orthographicFront"/>
-            <a:lightRig rig="twoPt" dir="t">
-              <a:rot lat="0" lon="0" rev="7800000"/>
-            </a:lightRig>
+            <a:camera prst="perspectiveRelaxed">
+              <a:rot lat="19800000" lon="1200000" rev="20820000"/>
+            </a:camera>
+            <a:lightRig rig="threePt" dir="t"/>
           </a:scene3d>
-          <a:sp3d contourW="6350">
-            <a:bevelT w="50800" h="16510"/>
+          <a:sp3d contourW="6350" prstMaterial="matte">
+            <a:bevelT w="101600" h="101600"/>
             <a:contourClr>
-              <a:srgbClr val="C0C0C0"/>
+              <a:srgbClr val="969696"/>
             </a:contourClr>
           </a:sp3d>
         </p:spPr>
@@ -9838,7 +12177,7 @@
           <a:blip r:embed="rId3" cstate="print">
             <a:extLst>
               <a:ext uri="{28A0092B-C50C-407E-A947-70E740481C1C}">
-                <a14:useLocalDpi xmlns="" xmlns:a14="http://schemas.microsoft.com/office/drawing/2010/main" val="0"/>
+                <a14:useLocalDpi xmlns:a14="http://schemas.microsoft.com/office/drawing/2010/main" val="0"/>
               </a:ext>
             </a:extLst>
           </a:blip>
@@ -9849,39 +12188,34 @@
         </p:blipFill>
         <p:spPr bwMode="auto">
           <a:xfrm>
-            <a:off x="5357818" y="1000108"/>
+            <a:off x="6156176" y="1114402"/>
             <a:ext cx="1512916" cy="814648"/>
           </a:xfrm>
-          <a:prstGeom prst="rect">
-            <a:avLst/>
+          <a:prstGeom prst="roundRect">
+            <a:avLst>
+              <a:gd name="adj" fmla="val 16667"/>
+            </a:avLst>
           </a:prstGeom>
-          <a:solidFill>
-            <a:srgbClr val="FFFFFF">
-              <a:shade val="85000"/>
-            </a:srgbClr>
-          </a:solidFill>
-          <a:ln w="190500" cap="rnd">
-            <a:solidFill>
-              <a:srgbClr val="FFFFFF"/>
-            </a:solidFill>
+          <a:ln>
+            <a:noFill/>
           </a:ln>
           <a:effectLst>
-            <a:outerShdw blurRad="50000" algn="tl" rotWithShape="0">
+            <a:outerShdw blurRad="152400" dist="12000" dir="900000" sy="98000" kx="110000" ky="200000" algn="tl" rotWithShape="0">
               <a:srgbClr val="000000">
-                <a:alpha val="41000"/>
+                <a:alpha val="30000"/>
               </a:srgbClr>
             </a:outerShdw>
           </a:effectLst>
           <a:scene3d>
-            <a:camera prst="orthographicFront"/>
-            <a:lightRig rig="twoPt" dir="t">
-              <a:rot lat="0" lon="0" rev="7800000"/>
-            </a:lightRig>
+            <a:camera prst="perspectiveRelaxed">
+              <a:rot lat="19800000" lon="1200000" rev="20820000"/>
+            </a:camera>
+            <a:lightRig rig="threePt" dir="t"/>
           </a:scene3d>
-          <a:sp3d contourW="6350">
-            <a:bevelT w="50800" h="16510"/>
+          <a:sp3d contourW="6350" prstMaterial="matte">
+            <a:bevelT w="101600" h="101600"/>
             <a:contourClr>
-              <a:srgbClr val="C0C0C0"/>
+              <a:srgbClr val="969696"/>
             </a:contourClr>
           </a:sp3d>
         </p:spPr>
@@ -9896,7 +12230,7 @@
           <a:blip r:embed="rId4" cstate="print">
             <a:extLst>
               <a:ext uri="{28A0092B-C50C-407E-A947-70E740481C1C}">
-                <a14:useLocalDpi xmlns="" xmlns:a14="http://schemas.microsoft.com/office/drawing/2010/main" val="0"/>
+                <a14:useLocalDpi xmlns:a14="http://schemas.microsoft.com/office/drawing/2010/main" val="0"/>
               </a:ext>
             </a:extLst>
           </a:blip>
@@ -9907,39 +12241,34 @@
         </p:blipFill>
         <p:spPr bwMode="auto">
           <a:xfrm>
-            <a:off x="5357818" y="2276872"/>
+            <a:off x="6084168" y="2260568"/>
             <a:ext cx="1512168" cy="781200"/>
           </a:xfrm>
-          <a:prstGeom prst="rect">
-            <a:avLst/>
+          <a:prstGeom prst="roundRect">
+            <a:avLst>
+              <a:gd name="adj" fmla="val 16667"/>
+            </a:avLst>
           </a:prstGeom>
-          <a:solidFill>
-            <a:srgbClr val="FFFFFF">
-              <a:shade val="85000"/>
-            </a:srgbClr>
-          </a:solidFill>
-          <a:ln w="190500" cap="rnd">
-            <a:solidFill>
-              <a:srgbClr val="FFFFFF"/>
-            </a:solidFill>
+          <a:ln>
+            <a:noFill/>
           </a:ln>
           <a:effectLst>
-            <a:outerShdw blurRad="50000" algn="tl" rotWithShape="0">
+            <a:outerShdw blurRad="152400" dist="12000" dir="900000" sy="98000" kx="110000" ky="200000" algn="tl" rotWithShape="0">
               <a:srgbClr val="000000">
-                <a:alpha val="41000"/>
+                <a:alpha val="30000"/>
               </a:srgbClr>
             </a:outerShdw>
           </a:effectLst>
           <a:scene3d>
-            <a:camera prst="orthographicFront"/>
-            <a:lightRig rig="twoPt" dir="t">
-              <a:rot lat="0" lon="0" rev="7800000"/>
-            </a:lightRig>
+            <a:camera prst="perspectiveRelaxed">
+              <a:rot lat="19800000" lon="1200000" rev="20820000"/>
+            </a:camera>
+            <a:lightRig rig="threePt" dir="t"/>
           </a:scene3d>
-          <a:sp3d contourW="6350">
-            <a:bevelT w="50800" h="16510"/>
+          <a:sp3d contourW="6350" prstMaterial="matte">
+            <a:bevelT w="101600" h="101600"/>
             <a:contourClr>
-              <a:srgbClr val="C0C0C0"/>
+              <a:srgbClr val="969696"/>
             </a:contourClr>
           </a:sp3d>
         </p:spPr>
@@ -9992,9 +12321,11 @@
               <a:defRPr/>
             </a:pPr>
             <a:r>
-              <a:rPr lang="es-CL" sz="2900" b="1" dirty="0">
-                <a:solidFill>
-                  <a:schemeClr val="tx2"/>
+              <a:rPr lang="es-CL" sz="3200" b="1" dirty="0">
+                <a:solidFill>
+                  <a:schemeClr val="bg2">
+                    <a:lumMod val="50000"/>
+                  </a:schemeClr>
                 </a:solidFill>
                 <a:effectLst>
                   <a:outerShdw blurRad="31750" dist="25400" dir="5400000" algn="tl" rotWithShape="0">
@@ -10003,16 +12334,18 @@
                     </a:srgbClr>
                   </a:outerShdw>
                 </a:effectLst>
-                <a:latin typeface="Arial Black" pitchFamily="34" charset="0"/>
+                <a:latin typeface="Andalus" pitchFamily="18" charset="-78"/>
                 <a:ea typeface="+mj-ea"/>
-                <a:cs typeface="+mj-cs"/>
+                <a:cs typeface="Andalus" pitchFamily="18" charset="-78"/>
               </a:rPr>
               <a:t>Nuestras </a:t>
             </a:r>
             <a:r>
-              <a:rPr lang="es-CL" sz="2900" b="1" dirty="0" smtClean="0">
-                <a:solidFill>
-                  <a:schemeClr val="tx2"/>
+              <a:rPr lang="es-CL" sz="3200" b="1" dirty="0">
+                <a:solidFill>
+                  <a:schemeClr val="bg2">
+                    <a:lumMod val="50000"/>
+                  </a:schemeClr>
                 </a:solidFill>
                 <a:effectLst>
                   <a:outerShdw blurRad="31750" dist="25400" dir="5400000" algn="tl" rotWithShape="0">
@@ -10021,15 +12354,17 @@
                     </a:srgbClr>
                   </a:outerShdw>
                 </a:effectLst>
-                <a:latin typeface="Arial Black" pitchFamily="34" charset="0"/>
+                <a:latin typeface="Andalus" pitchFamily="18" charset="-78"/>
                 <a:ea typeface="+mj-ea"/>
-                <a:cs typeface="+mj-cs"/>
+                <a:cs typeface="Andalus" pitchFamily="18" charset="-78"/>
               </a:rPr>
               <a:t>Referencias &gt;</a:t>
             </a:r>
-            <a:endParaRPr lang="es-CL" sz="2900" b="1" dirty="0">
+            <a:endParaRPr lang="es-CL" sz="3200" b="1" dirty="0">
               <a:solidFill>
-                <a:schemeClr val="tx2"/>
+                <a:schemeClr val="bg2">
+                  <a:lumMod val="50000"/>
+                </a:schemeClr>
               </a:solidFill>
               <a:effectLst>
                 <a:outerShdw blurRad="31750" dist="25400" dir="5400000" algn="tl" rotWithShape="0">
@@ -10038,9 +12373,9 @@
                   </a:srgbClr>
                 </a:outerShdw>
               </a:effectLst>
-              <a:latin typeface="Arial Black" pitchFamily="34" charset="0"/>
+              <a:latin typeface="Andalus" pitchFamily="18" charset="-78"/>
               <a:ea typeface="+mj-ea"/>
-              <a:cs typeface="+mj-cs"/>
+              <a:cs typeface="Andalus" pitchFamily="18" charset="-78"/>
             </a:endParaRPr>
           </a:p>
         </p:txBody>
@@ -10062,39 +12397,34 @@
         </p:blipFill>
         <p:spPr>
           <a:xfrm>
-            <a:off x="509139" y="4642425"/>
+            <a:off x="1392968" y="4437112"/>
             <a:ext cx="1666864" cy="785818"/>
           </a:xfrm>
-          <a:prstGeom prst="rect">
-            <a:avLst/>
+          <a:prstGeom prst="roundRect">
+            <a:avLst>
+              <a:gd name="adj" fmla="val 16667"/>
+            </a:avLst>
           </a:prstGeom>
-          <a:solidFill>
-            <a:srgbClr val="FFFFFF">
-              <a:shade val="85000"/>
-            </a:srgbClr>
-          </a:solidFill>
-          <a:ln w="190500" cap="rnd">
-            <a:solidFill>
-              <a:srgbClr val="FFFFFF"/>
-            </a:solidFill>
+          <a:ln>
+            <a:noFill/>
           </a:ln>
           <a:effectLst>
-            <a:outerShdw blurRad="50000" algn="tl" rotWithShape="0">
+            <a:outerShdw blurRad="152400" dist="12000" dir="900000" sy="98000" kx="110000" ky="200000" algn="tl" rotWithShape="0">
               <a:srgbClr val="000000">
-                <a:alpha val="41000"/>
+                <a:alpha val="30000"/>
               </a:srgbClr>
             </a:outerShdw>
           </a:effectLst>
           <a:scene3d>
-            <a:camera prst="orthographicFront"/>
-            <a:lightRig rig="twoPt" dir="t">
-              <a:rot lat="0" lon="0" rev="7800000"/>
-            </a:lightRig>
+            <a:camera prst="perspectiveRelaxed">
+              <a:rot lat="19800000" lon="1200000" rev="20820000"/>
+            </a:camera>
+            <a:lightRig rig="threePt" dir="t"/>
           </a:scene3d>
-          <a:sp3d contourW="6350">
-            <a:bevelT w="50800" h="16510"/>
+          <a:sp3d contourW="6350" prstMaterial="matte">
+            <a:bevelT w="101600" h="101600"/>
             <a:contourClr>
-              <a:srgbClr val="C0C0C0"/>
+              <a:srgbClr val="969696"/>
             </a:contourClr>
           </a:sp3d>
         </p:spPr>
@@ -10116,39 +12446,34 @@
         </p:blipFill>
         <p:spPr>
           <a:xfrm>
-            <a:off x="2915816" y="4642425"/>
+            <a:off x="3841240" y="4365104"/>
             <a:ext cx="1666864" cy="785818"/>
           </a:xfrm>
-          <a:prstGeom prst="rect">
-            <a:avLst/>
+          <a:prstGeom prst="roundRect">
+            <a:avLst>
+              <a:gd name="adj" fmla="val 16667"/>
+            </a:avLst>
           </a:prstGeom>
-          <a:solidFill>
-            <a:srgbClr val="FFFFFF">
-              <a:shade val="85000"/>
-            </a:srgbClr>
-          </a:solidFill>
-          <a:ln w="190500" cap="rnd">
-            <a:solidFill>
-              <a:srgbClr val="FFFFFF"/>
-            </a:solidFill>
+          <a:ln>
+            <a:noFill/>
           </a:ln>
           <a:effectLst>
-            <a:outerShdw blurRad="50000" algn="tl" rotWithShape="0">
+            <a:outerShdw blurRad="152400" dist="12000" dir="900000" sy="98000" kx="110000" ky="200000" algn="tl" rotWithShape="0">
               <a:srgbClr val="000000">
-                <a:alpha val="41000"/>
+                <a:alpha val="30000"/>
               </a:srgbClr>
             </a:outerShdw>
           </a:effectLst>
           <a:scene3d>
-            <a:camera prst="orthographicFront"/>
-            <a:lightRig rig="twoPt" dir="t">
-              <a:rot lat="0" lon="0" rev="7800000"/>
-            </a:lightRig>
+            <a:camera prst="perspectiveRelaxed">
+              <a:rot lat="19800000" lon="1200000" rev="20820000"/>
+            </a:camera>
+            <a:lightRig rig="threePt" dir="t"/>
           </a:scene3d>
-          <a:sp3d contourW="6350">
-            <a:bevelT w="50800" h="16510"/>
+          <a:sp3d contourW="6350" prstMaterial="matte">
+            <a:bevelT w="101600" h="101600"/>
             <a:contourClr>
-              <a:srgbClr val="C0C0C0"/>
+              <a:srgbClr val="969696"/>
             </a:contourClr>
           </a:sp3d>
         </p:spPr>
@@ -10168,39 +12493,34 @@
         </p:blipFill>
         <p:spPr>
           <a:xfrm>
-            <a:off x="5430756" y="4642425"/>
+            <a:off x="6084168" y="4437112"/>
             <a:ext cx="1666864" cy="785818"/>
           </a:xfrm>
-          <a:prstGeom prst="rect">
-            <a:avLst/>
+          <a:prstGeom prst="roundRect">
+            <a:avLst>
+              <a:gd name="adj" fmla="val 16667"/>
+            </a:avLst>
           </a:prstGeom>
-          <a:solidFill>
-            <a:srgbClr val="FFFFFF">
-              <a:shade val="85000"/>
-            </a:srgbClr>
-          </a:solidFill>
-          <a:ln w="190500" cap="rnd">
-            <a:solidFill>
-              <a:srgbClr val="FFFFFF"/>
-            </a:solidFill>
+          <a:ln>
+            <a:noFill/>
           </a:ln>
           <a:effectLst>
-            <a:outerShdw blurRad="50000" algn="tl" rotWithShape="0">
+            <a:outerShdw blurRad="152400" dist="12000" dir="900000" sy="98000" kx="110000" ky="200000" algn="tl" rotWithShape="0">
               <a:srgbClr val="000000">
-                <a:alpha val="41000"/>
+                <a:alpha val="30000"/>
               </a:srgbClr>
             </a:outerShdw>
           </a:effectLst>
           <a:scene3d>
-            <a:camera prst="orthographicFront"/>
-            <a:lightRig rig="twoPt" dir="t">
-              <a:rot lat="0" lon="0" rev="7800000"/>
-            </a:lightRig>
+            <a:camera prst="perspectiveRelaxed">
+              <a:rot lat="19800000" lon="1200000" rev="20820000"/>
+            </a:camera>
+            <a:lightRig rig="threePt" dir="t"/>
           </a:scene3d>
-          <a:sp3d contourW="6350">
-            <a:bevelT w="50800" h="16510"/>
+          <a:sp3d contourW="6350" prstMaterial="matte">
+            <a:bevelT w="101600" h="101600"/>
             <a:contourClr>
-              <a:srgbClr val="C0C0C0"/>
+              <a:srgbClr val="969696"/>
             </a:contourClr>
           </a:sp3d>
         </p:spPr>
@@ -10215,7 +12535,7 @@
           <a:blip r:embed="rId8" cstate="print">
             <a:extLst>
               <a:ext uri="{28A0092B-C50C-407E-A947-70E740481C1C}">
-                <a14:useLocalDpi xmlns="" xmlns:a14="http://schemas.microsoft.com/office/drawing/2010/main" val="0"/>
+                <a14:useLocalDpi xmlns:a14="http://schemas.microsoft.com/office/drawing/2010/main" val="0"/>
               </a:ext>
             </a:extLst>
           </a:blip>
@@ -10226,39 +12546,34 @@
         </p:blipFill>
         <p:spPr bwMode="auto">
           <a:xfrm>
-            <a:off x="577800" y="2276872"/>
+            <a:off x="1475656" y="2300472"/>
             <a:ext cx="1530000" cy="781200"/>
           </a:xfrm>
-          <a:prstGeom prst="rect">
-            <a:avLst/>
+          <a:prstGeom prst="roundRect">
+            <a:avLst>
+              <a:gd name="adj" fmla="val 16667"/>
+            </a:avLst>
           </a:prstGeom>
-          <a:solidFill>
-            <a:srgbClr val="FFFFFF">
-              <a:shade val="85000"/>
-            </a:srgbClr>
-          </a:solidFill>
-          <a:ln w="190500" cap="rnd">
-            <a:solidFill>
-              <a:srgbClr val="FFFFFF"/>
-            </a:solidFill>
+          <a:ln>
+            <a:noFill/>
           </a:ln>
           <a:effectLst>
-            <a:outerShdw blurRad="50000" algn="tl" rotWithShape="0">
+            <a:outerShdw blurRad="152400" dist="12000" dir="900000" sy="98000" kx="110000" ky="200000" algn="tl" rotWithShape="0">
               <a:srgbClr val="000000">
-                <a:alpha val="41000"/>
+                <a:alpha val="30000"/>
               </a:srgbClr>
             </a:outerShdw>
           </a:effectLst>
           <a:scene3d>
-            <a:camera prst="orthographicFront"/>
-            <a:lightRig rig="twoPt" dir="t">
-              <a:rot lat="0" lon="0" rev="7800000"/>
-            </a:lightRig>
+            <a:camera prst="perspectiveRelaxed">
+              <a:rot lat="19800000" lon="1200000" rev="20820000"/>
+            </a:camera>
+            <a:lightRig rig="threePt" dir="t"/>
           </a:scene3d>
-          <a:sp3d contourW="6350">
-            <a:bevelT w="50800" h="16510"/>
+          <a:sp3d contourW="6350" prstMaterial="matte">
+            <a:bevelT w="101600" h="101600"/>
             <a:contourClr>
-              <a:srgbClr val="C0C0C0"/>
+              <a:srgbClr val="969696"/>
             </a:contourClr>
           </a:sp3d>
         </p:spPr>
@@ -10275,7 +12590,7 @@
           <a:blip r:embed="rId9">
             <a:extLst>
               <a:ext uri="{28A0092B-C50C-407E-A947-70E740481C1C}">
-                <a14:useLocalDpi xmlns="" xmlns:a14="http://schemas.microsoft.com/office/drawing/2010/main" val="0"/>
+                <a14:useLocalDpi xmlns:a14="http://schemas.microsoft.com/office/drawing/2010/main" val="0"/>
               </a:ext>
             </a:extLst>
           </a:blip>
@@ -10286,40 +12601,34 @@
         </p:blipFill>
         <p:spPr bwMode="auto">
           <a:xfrm>
-            <a:off x="2915816" y="1035559"/>
+            <a:off x="3718201" y="930293"/>
             <a:ext cx="1666528" cy="676451"/>
           </a:xfrm>
-          <a:prstGeom prst="rect">
-            <a:avLst/>
+          <a:prstGeom prst="roundRect">
+            <a:avLst>
+              <a:gd name="adj" fmla="val 16667"/>
+            </a:avLst>
           </a:prstGeom>
-          <a:solidFill>
-            <a:srgbClr val="FFFFFF">
-              <a:shade val="85000"/>
-            </a:srgbClr>
-          </a:solidFill>
-          <a:ln w="88900" cap="sq">
-            <a:solidFill>
-              <a:srgbClr val="FFFFFF"/>
-            </a:solidFill>
-            <a:miter lim="800000"/>
+          <a:ln>
+            <a:noFill/>
           </a:ln>
           <a:effectLst>
-            <a:outerShdw blurRad="55000" dist="18000" dir="5400000" algn="tl" rotWithShape="0">
+            <a:outerShdw blurRad="152400" dist="12000" dir="900000" sy="98000" kx="110000" ky="200000" algn="tl" rotWithShape="0">
               <a:srgbClr val="000000">
-                <a:alpha val="40000"/>
+                <a:alpha val="30000"/>
               </a:srgbClr>
             </a:outerShdw>
           </a:effectLst>
           <a:scene3d>
-            <a:camera prst="orthographicFront"/>
-            <a:lightRig rig="twoPt" dir="t">
-              <a:rot lat="0" lon="0" rev="7200000"/>
-            </a:lightRig>
+            <a:camera prst="perspectiveRelaxed">
+              <a:rot lat="19800000" lon="1200000" rev="20820000"/>
+            </a:camera>
+            <a:lightRig rig="threePt" dir="t"/>
           </a:scene3d>
-          <a:sp3d>
-            <a:bevelT w="25400" h="19050"/>
+          <a:sp3d contourW="6350" prstMaterial="matte">
+            <a:bevelT w="101600" h="101600"/>
             <a:contourClr>
-              <a:srgbClr val="FFFFFF"/>
+              <a:srgbClr val="969696"/>
             </a:contourClr>
           </a:sp3d>
           <a:extLst/>
@@ -10342,39 +12651,34 @@
         </p:blipFill>
         <p:spPr bwMode="auto">
           <a:xfrm>
-            <a:off x="3071801" y="2064533"/>
+            <a:off x="3779912" y="1981240"/>
             <a:ext cx="1357323" cy="1221591"/>
           </a:xfrm>
-          <a:prstGeom prst="rect">
-            <a:avLst/>
+          <a:prstGeom prst="roundRect">
+            <a:avLst>
+              <a:gd name="adj" fmla="val 16667"/>
+            </a:avLst>
           </a:prstGeom>
-          <a:solidFill>
-            <a:srgbClr val="FFFFFF">
-              <a:shade val="85000"/>
-            </a:srgbClr>
-          </a:solidFill>
-          <a:ln w="190500" cap="rnd">
-            <a:solidFill>
-              <a:srgbClr val="FFFFFF"/>
-            </a:solidFill>
+          <a:ln>
+            <a:noFill/>
           </a:ln>
           <a:effectLst>
-            <a:outerShdw blurRad="50000" algn="tl" rotWithShape="0">
+            <a:outerShdw blurRad="152400" dist="12000" dir="900000" sy="98000" kx="110000" ky="200000" algn="tl" rotWithShape="0">
               <a:srgbClr val="000000">
-                <a:alpha val="41000"/>
+                <a:alpha val="30000"/>
               </a:srgbClr>
             </a:outerShdw>
           </a:effectLst>
           <a:scene3d>
-            <a:camera prst="orthographicFront"/>
-            <a:lightRig rig="twoPt" dir="t">
-              <a:rot lat="0" lon="0" rev="7800000"/>
-            </a:lightRig>
+            <a:camera prst="perspectiveRelaxed">
+              <a:rot lat="19800000" lon="1200000" rev="20820000"/>
+            </a:camera>
+            <a:lightRig rig="threePt" dir="t"/>
           </a:scene3d>
-          <a:sp3d contourW="6350">
-            <a:bevelT w="50800" h="16510"/>
+          <a:sp3d contourW="6350" prstMaterial="matte">
+            <a:bevelT w="101600" h="101600"/>
             <a:contourClr>
-              <a:srgbClr val="C0C0C0"/>
+              <a:srgbClr val="969696"/>
             </a:contourClr>
           </a:sp3d>
         </p:spPr>
@@ -10444,6 +12748,74 @@
       </p:grpSpPr>
       <p:sp>
         <p:nvSpPr>
+          <p:cNvPr id="11" name="10 Rectángulo redondeado"/>
+          <p:cNvSpPr/>
+          <p:nvPr/>
+        </p:nvSpPr>
+        <p:spPr>
+          <a:xfrm>
+            <a:off x="251519" y="260648"/>
+            <a:ext cx="8606759" cy="5256584"/>
+          </a:xfrm>
+          <a:prstGeom prst="roundRect">
+            <a:avLst/>
+          </a:prstGeom>
+          <a:gradFill flip="none" rotWithShape="1">
+            <a:gsLst>
+              <a:gs pos="33000">
+                <a:schemeClr val="accent1">
+                  <a:tint val="66000"/>
+                  <a:satMod val="160000"/>
+                </a:schemeClr>
+              </a:gs>
+              <a:gs pos="51000">
+                <a:schemeClr val="accent1">
+                  <a:tint val="44500"/>
+                  <a:satMod val="160000"/>
+                  <a:alpha val="0"/>
+                </a:schemeClr>
+              </a:gs>
+              <a:gs pos="100000">
+                <a:schemeClr val="accent1">
+                  <a:tint val="23500"/>
+                  <a:satMod val="160000"/>
+                </a:schemeClr>
+              </a:gs>
+            </a:gsLst>
+            <a:lin ang="16200000" scaled="1"/>
+            <a:tileRect/>
+          </a:gradFill>
+          <a:ln>
+            <a:noFill/>
+          </a:ln>
+        </p:spPr>
+        <p:style>
+          <a:lnRef idx="2">
+            <a:schemeClr val="accent1">
+              <a:shade val="50000"/>
+            </a:schemeClr>
+          </a:lnRef>
+          <a:fillRef idx="1">
+            <a:schemeClr val="accent1"/>
+          </a:fillRef>
+          <a:effectRef idx="0">
+            <a:schemeClr val="accent1"/>
+          </a:effectRef>
+          <a:fontRef idx="minor">
+            <a:schemeClr val="lt1"/>
+          </a:fontRef>
+        </p:style>
+        <p:txBody>
+          <a:bodyPr rtlCol="0" anchor="ctr"/>
+          <a:lstStyle/>
+          <a:p>
+            <a:pPr algn="ctr"/>
+            <a:endParaRPr lang="es-CL"/>
+          </a:p>
+        </p:txBody>
+      </p:sp>
+      <p:sp>
+        <p:nvSpPr>
           <p:cNvPr id="3" name="2 Marcador de contenido"/>
           <p:cNvSpPr>
             <a:spLocks noGrp="1"/>
@@ -10454,7 +12826,7 @@
         </p:nvSpPr>
         <p:spPr>
           <a:xfrm>
-            <a:off x="323528" y="1351309"/>
+            <a:off x="395536" y="1279301"/>
             <a:ext cx="8229600" cy="4525963"/>
           </a:xfrm>
         </p:spPr>
@@ -10469,19 +12841,47 @@
             </a:pPr>
             <a:r>
               <a:rPr lang="es-CL" sz="2300" dirty="0" smtClean="0"/>
-              <a:t>	Según la normativa de la Superintendencia de Valores y Seguros. Los estados financieros deberán prepararse de acuerdo a las normas internacionales de Información Financiera (IFRS) emitidas por la International Accounting Standard Board (IASB).</a:t>
+              <a:t>	</a:t>
+            </a:r>
+            <a:r>
+              <a:rPr lang="es-CL" sz="2300" dirty="0">
+                <a:solidFill>
+                  <a:schemeClr val="accent4">
+                    <a:lumMod val="75000"/>
+                  </a:schemeClr>
+                </a:solidFill>
+                <a:latin typeface="Times New Roman" pitchFamily="18" charset="0"/>
+                <a:cs typeface="Times New Roman" pitchFamily="18" charset="0"/>
+              </a:rPr>
+              <a:t>Según la normativa de la Superintendencia de Valores y Seguros. Los estados financieros deberán prepararse de acuerdo a las normas internacionales de Información Financiera (IFRS) emitidas por la International Accounting Standard Board (IASB).</a:t>
             </a:r>
           </a:p>
           <a:p>
             <a:pPr algn="just"/>
-            <a:endParaRPr lang="es-CL" sz="2300" dirty="0" smtClean="0"/>
+            <a:endParaRPr lang="es-CL" sz="2300" dirty="0">
+              <a:solidFill>
+                <a:schemeClr val="accent4">
+                  <a:lumMod val="75000"/>
+                </a:schemeClr>
+              </a:solidFill>
+              <a:latin typeface="Times New Roman" pitchFamily="18" charset="0"/>
+              <a:cs typeface="Times New Roman" pitchFamily="18" charset="0"/>
+            </a:endParaRPr>
           </a:p>
           <a:p>
             <a:pPr marL="109728" indent="0" algn="just">
               <a:buNone/>
             </a:pPr>
             <a:r>
-              <a:rPr lang="es-CL" sz="2300" dirty="0" smtClean="0"/>
+              <a:rPr lang="es-CL" sz="2300" dirty="0">
+                <a:solidFill>
+                  <a:schemeClr val="accent4">
+                    <a:lumMod val="75000"/>
+                  </a:schemeClr>
+                </a:solidFill>
+                <a:latin typeface="Times New Roman" pitchFamily="18" charset="0"/>
+                <a:cs typeface="Times New Roman" pitchFamily="18" charset="0"/>
+              </a:rPr>
               <a:t>	Adicionalmente la SVS especifica que las entidades aseguradoras deben divulgar información que no esta directamente reflejada en dichos estados financieros. Esta información llamada revelaciones financieras (RF) deberá ser presentada con carácter de obligatoria.</a:t>
             </a:r>
           </a:p>
@@ -10514,36 +12914,49 @@
           <a:lstStyle/>
           <a:p>
             <a:r>
-              <a:rPr lang="es-CL" sz="2400" dirty="0" smtClean="0">
-                <a:latin typeface="Arial Black" pitchFamily="34" charset="0"/>
-              </a:rPr>
-              <a:t>IFRS, XBRL. La estandarización financiera </a:t>
-            </a:r>
-            <a:r>
-              <a:rPr lang="es-CL" sz="2400" dirty="0" smtClean="0">
-                <a:latin typeface="Arial Black" pitchFamily="34" charset="0"/>
-              </a:rPr>
-              <a:t/>
-            </a:r>
-            <a:br>
-              <a:rPr lang="es-CL" sz="2400" dirty="0" smtClean="0">
-                <a:latin typeface="Arial Black" pitchFamily="34" charset="0"/>
-              </a:rPr>
-            </a:br>
-            <a:r>
-              <a:rPr lang="es-CL" sz="2400" dirty="0" smtClean="0">
-                <a:latin typeface="Arial Black" pitchFamily="34" charset="0"/>
-              </a:rPr>
-              <a:t>esta </a:t>
-            </a:r>
-            <a:r>
-              <a:rPr lang="es-CL" sz="2400" dirty="0" smtClean="0">
-                <a:latin typeface="Arial Black" pitchFamily="34" charset="0"/>
-              </a:rPr>
-              <a:t>aquí &gt;</a:t>
-            </a:r>
-            <a:endParaRPr lang="es-CL" sz="2400" dirty="0">
-              <a:latin typeface="Arial Black" pitchFamily="34" charset="0"/>
+              <a:rPr lang="es-CL" sz="3200" dirty="0">
+                <a:solidFill>
+                  <a:schemeClr val="bg2">
+                    <a:lumMod val="50000"/>
+                  </a:schemeClr>
+                </a:solidFill>
+                <a:latin typeface="Andalus" pitchFamily="18" charset="-78"/>
+                <a:cs typeface="Andalus" pitchFamily="18" charset="-78"/>
+              </a:rPr>
+              <a:t>IFRS, XBRL. </a:t>
+            </a:r>
+            <a:r>
+              <a:rPr lang="es-CL" sz="3200" dirty="0" smtClean="0">
+                <a:solidFill>
+                  <a:schemeClr val="bg2">
+                    <a:lumMod val="50000"/>
+                  </a:schemeClr>
+                </a:solidFill>
+                <a:latin typeface="Andalus" pitchFamily="18" charset="-78"/>
+                <a:cs typeface="Andalus" pitchFamily="18" charset="-78"/>
+              </a:rPr>
+              <a:t>Ya están aquí </a:t>
+            </a:r>
+            <a:r>
+              <a:rPr lang="es-CL" sz="3200" dirty="0">
+                <a:solidFill>
+                  <a:schemeClr val="bg2">
+                    <a:lumMod val="50000"/>
+                  </a:schemeClr>
+                </a:solidFill>
+                <a:latin typeface="Andalus" pitchFamily="18" charset="-78"/>
+                <a:cs typeface="Andalus" pitchFamily="18" charset="-78"/>
+              </a:rPr>
+              <a:t>&gt;</a:t>
+            </a:r>
+            <a:endParaRPr lang="es-CL" sz="3200" dirty="0">
+              <a:solidFill>
+                <a:schemeClr val="bg2">
+                  <a:lumMod val="50000"/>
+                </a:schemeClr>
+              </a:solidFill>
+              <a:latin typeface="Andalus" pitchFamily="18" charset="-78"/>
+              <a:cs typeface="Andalus" pitchFamily="18" charset="-78"/>
             </a:endParaRPr>
           </a:p>
         </p:txBody>
@@ -10567,7 +12980,7 @@
           <a:noFill/>
           <a:extLst>
             <a:ext uri="{909E8E84-426E-40DD-AFC4-6F175D3DCCD1}">
-              <a14:hiddenFill xmlns="" xmlns:a14="http://schemas.microsoft.com/office/drawing/2010/main">
+              <a14:hiddenFill xmlns:a14="http://schemas.microsoft.com/office/drawing/2010/main">
                 <a:solidFill>
                   <a:srgbClr val="FFFFFF"/>
                 </a:solidFill>
@@ -10606,7 +13019,7 @@
           <a:noFill/>
           <a:extLst>
             <a:ext uri="{909E8E84-426E-40DD-AFC4-6F175D3DCCD1}">
-              <a14:hiddenFill xmlns="" xmlns:a14="http://schemas.microsoft.com/office/drawing/2010/main">
+              <a14:hiddenFill xmlns:a14="http://schemas.microsoft.com/office/drawing/2010/main">
                 <a:solidFill>
                   <a:srgbClr val="FFFFFF"/>
                 </a:solidFill>
@@ -10645,7 +13058,7 @@
           <a:noFill/>
           <a:extLst>
             <a:ext uri="{909E8E84-426E-40DD-AFC4-6F175D3DCCD1}">
-              <a14:hiddenFill xmlns="" xmlns:a14="http://schemas.microsoft.com/office/drawing/2010/main">
+              <a14:hiddenFill xmlns:a14="http://schemas.microsoft.com/office/drawing/2010/main">
                 <a:solidFill>
                   <a:srgbClr val="FFFFFF"/>
                 </a:solidFill>
@@ -10677,7 +13090,7 @@
           <a:blip r:embed="rId2">
             <a:extLst>
               <a:ext uri="{28A0092B-C50C-407E-A947-70E740481C1C}">
-                <a14:useLocalDpi xmlns="" xmlns:a14="http://schemas.microsoft.com/office/drawing/2010/main" val="0"/>
+                <a14:useLocalDpi xmlns:a14="http://schemas.microsoft.com/office/drawing/2010/main" val="0"/>
               </a:ext>
             </a:extLst>
           </a:blip>
@@ -10688,7 +13101,7 @@
         </p:blipFill>
         <p:spPr bwMode="auto">
           <a:xfrm>
-            <a:off x="6146703" y="6021288"/>
+            <a:off x="6434735" y="6237312"/>
             <a:ext cx="2745777" cy="648072"/>
           </a:xfrm>
           <a:prstGeom prst="rect">
@@ -10701,14 +13114,14 @@
           <a:effectLst/>
           <a:extLst>
             <a:ext uri="{909E8E84-426E-40DD-AFC4-6F175D3DCCD1}">
-              <a14:hiddenFill xmlns="" xmlns:a14="http://schemas.microsoft.com/office/drawing/2010/main">
+              <a14:hiddenFill xmlns:a14="http://schemas.microsoft.com/office/drawing/2010/main">
                 <a:solidFill>
                   <a:schemeClr val="accent1"/>
                 </a:solidFill>
               </a14:hiddenFill>
             </a:ext>
             <a:ext uri="{91240B29-F687-4F45-9708-019B960494DF}">
-              <a14:hiddenLine xmlns="" xmlns:a14="http://schemas.microsoft.com/office/drawing/2010/main" w="9525">
+              <a14:hiddenLine xmlns:a14="http://schemas.microsoft.com/office/drawing/2010/main" w="9525">
                 <a:solidFill>
                   <a:schemeClr val="tx1"/>
                 </a:solidFill>
@@ -10718,7 +13131,7 @@
               </a14:hiddenLine>
             </a:ext>
             <a:ext uri="{AF507438-7753-43E0-B8FC-AC1667EBCBE1}">
-              <a14:hiddenEffects xmlns="" xmlns:a14="http://schemas.microsoft.com/office/drawing/2010/main">
+              <a14:hiddenEffects xmlns:a14="http://schemas.microsoft.com/office/drawing/2010/main">
                 <a:effectLst>
                   <a:outerShdw dist="35921" dir="2700000" algn="ctr" rotWithShape="0">
                     <a:schemeClr val="bg2"/>
@@ -10794,6 +13207,74 @@
       </p:grpSpPr>
       <p:sp>
         <p:nvSpPr>
+          <p:cNvPr id="9" name="8 Rectángulo redondeado"/>
+          <p:cNvSpPr/>
+          <p:nvPr/>
+        </p:nvSpPr>
+        <p:spPr>
+          <a:xfrm>
+            <a:off x="251519" y="260648"/>
+            <a:ext cx="8606759" cy="5256584"/>
+          </a:xfrm>
+          <a:prstGeom prst="roundRect">
+            <a:avLst/>
+          </a:prstGeom>
+          <a:gradFill flip="none" rotWithShape="1">
+            <a:gsLst>
+              <a:gs pos="33000">
+                <a:schemeClr val="accent1">
+                  <a:tint val="66000"/>
+                  <a:satMod val="160000"/>
+                </a:schemeClr>
+              </a:gs>
+              <a:gs pos="51000">
+                <a:schemeClr val="accent1">
+                  <a:tint val="44500"/>
+                  <a:satMod val="160000"/>
+                  <a:alpha val="0"/>
+                </a:schemeClr>
+              </a:gs>
+              <a:gs pos="100000">
+                <a:schemeClr val="accent1">
+                  <a:tint val="23500"/>
+                  <a:satMod val="160000"/>
+                </a:schemeClr>
+              </a:gs>
+            </a:gsLst>
+            <a:lin ang="16200000" scaled="1"/>
+            <a:tileRect/>
+          </a:gradFill>
+          <a:ln>
+            <a:noFill/>
+          </a:ln>
+        </p:spPr>
+        <p:style>
+          <a:lnRef idx="2">
+            <a:schemeClr val="accent1">
+              <a:shade val="50000"/>
+            </a:schemeClr>
+          </a:lnRef>
+          <a:fillRef idx="1">
+            <a:schemeClr val="accent1"/>
+          </a:fillRef>
+          <a:effectRef idx="0">
+            <a:schemeClr val="accent1"/>
+          </a:effectRef>
+          <a:fontRef idx="minor">
+            <a:schemeClr val="lt1"/>
+          </a:fontRef>
+        </p:style>
+        <p:txBody>
+          <a:bodyPr rtlCol="0" anchor="ctr"/>
+          <a:lstStyle/>
+          <a:p>
+            <a:pPr algn="ctr"/>
+            <a:endParaRPr lang="es-CL"/>
+          </a:p>
+        </p:txBody>
+      </p:sp>
+      <p:sp>
+        <p:nvSpPr>
           <p:cNvPr id="2" name="1 Marcador de contenido"/>
           <p:cNvSpPr>
             <a:spLocks noGrp="1"/>
@@ -10804,8 +13285,8 @@
         </p:nvSpPr>
         <p:spPr>
           <a:xfrm>
-            <a:off x="428596" y="500042"/>
-            <a:ext cx="8229600" cy="5386603"/>
+            <a:off x="446856" y="1268760"/>
+            <a:ext cx="8229600" cy="2753237"/>
           </a:xfrm>
         </p:spPr>
         <p:txBody>
@@ -10814,28 +13295,46 @@
           </a:bodyPr>
           <a:lstStyle/>
           <a:p>
-            <a:endParaRPr lang="es-CL" sz="2200" dirty="0" smtClean="0"/>
-          </a:p>
-          <a:p>
-            <a:endParaRPr lang="es-CL" sz="2200" dirty="0" smtClean="0"/>
-          </a:p>
-          <a:p>
-            <a:pPr algn="just"/>
-            <a:endParaRPr lang="es-CL" sz="2200" dirty="0" smtClean="0"/>
-          </a:p>
-          <a:p>
             <a:pPr marL="109728" indent="0" algn="just">
               <a:buNone/>
             </a:pPr>
             <a:r>
               <a:rPr lang="es-CL" sz="2300" dirty="0" smtClean="0"/>
-              <a:t>	Desde el nacimiento de la normativa </a:t>
+              <a:t>	</a:t>
+            </a:r>
+            <a:r>
+              <a:rPr lang="es-CL" sz="2300" dirty="0">
+                <a:solidFill>
+                  <a:schemeClr val="accent4">
+                    <a:lumMod val="75000"/>
+                  </a:schemeClr>
+                </a:solidFill>
+                <a:latin typeface="Times New Roman" pitchFamily="18" charset="0"/>
+                <a:cs typeface="Times New Roman" pitchFamily="18" charset="0"/>
+              </a:rPr>
+              <a:t>Desde el nacimiento de la normativa </a:t>
             </a:r>
             <a:br>
-              <a:rPr lang="es-CL" sz="2300" dirty="0" smtClean="0"/>
+              <a:rPr lang="es-CL" sz="2300" dirty="0">
+                <a:solidFill>
+                  <a:schemeClr val="accent4">
+                    <a:lumMod val="75000"/>
+                  </a:schemeClr>
+                </a:solidFill>
+                <a:latin typeface="Times New Roman" pitchFamily="18" charset="0"/>
+                <a:cs typeface="Times New Roman" pitchFamily="18" charset="0"/>
+              </a:rPr>
             </a:br>
             <a:r>
-              <a:rPr lang="es-CL" sz="2300" dirty="0" smtClean="0"/>
+              <a:rPr lang="es-CL" sz="2300" dirty="0">
+                <a:solidFill>
+                  <a:schemeClr val="accent4">
+                    <a:lumMod val="75000"/>
+                  </a:schemeClr>
+                </a:solidFill>
+                <a:latin typeface="Times New Roman" pitchFamily="18" charset="0"/>
+                <a:cs typeface="Times New Roman" pitchFamily="18" charset="0"/>
+              </a:rPr>
               <a:t>con la circular 2022 en Mayo del 2011, existen hasta la fecha, tres modificaciones en la definición de la Normativa impactando directamente en la Estructura y Contenido de las Revelaciones. Esto implica un alto porcentaje de variabilidad de la Información que se debe preparar y presentar.</a:t>
             </a:r>
           </a:p>
@@ -10853,7 +13352,7 @@
           <a:blip r:embed="rId2">
             <a:extLst>
               <a:ext uri="{28A0092B-C50C-407E-A947-70E740481C1C}">
-                <a14:useLocalDpi xmlns="" xmlns:a14="http://schemas.microsoft.com/office/drawing/2010/main" val="0"/>
+                <a14:useLocalDpi xmlns:a14="http://schemas.microsoft.com/office/drawing/2010/main" val="0"/>
               </a:ext>
             </a:extLst>
           </a:blip>
@@ -10864,8 +13363,8 @@
         </p:blipFill>
         <p:spPr bwMode="auto">
           <a:xfrm>
-            <a:off x="6146703" y="6021288"/>
-            <a:ext cx="2745777" cy="648072"/>
+            <a:off x="5231445" y="5805264"/>
+            <a:ext cx="3661036" cy="864096"/>
           </a:xfrm>
           <a:prstGeom prst="rect">
             <a:avLst/>
@@ -10877,14 +13376,14 @@
           <a:effectLst/>
           <a:extLst>
             <a:ext uri="{909E8E84-426E-40DD-AFC4-6F175D3DCCD1}">
-              <a14:hiddenFill xmlns="" xmlns:a14="http://schemas.microsoft.com/office/drawing/2010/main">
+              <a14:hiddenFill xmlns:a14="http://schemas.microsoft.com/office/drawing/2010/main">
                 <a:solidFill>
                   <a:schemeClr val="accent1"/>
                 </a:solidFill>
               </a14:hiddenFill>
             </a:ext>
             <a:ext uri="{91240B29-F687-4F45-9708-019B960494DF}">
-              <a14:hiddenLine xmlns="" xmlns:a14="http://schemas.microsoft.com/office/drawing/2010/main" w="9525">
+              <a14:hiddenLine xmlns:a14="http://schemas.microsoft.com/office/drawing/2010/main" w="9525">
                 <a:solidFill>
                   <a:schemeClr val="tx1"/>
                 </a:solidFill>
@@ -10894,7 +13393,7 @@
               </a14:hiddenLine>
             </a:ext>
             <a:ext uri="{AF507438-7753-43E0-B8FC-AC1667EBCBE1}">
-              <a14:hiddenEffects xmlns="" xmlns:a14="http://schemas.microsoft.com/office/drawing/2010/main">
+              <a14:hiddenEffects xmlns:a14="http://schemas.microsoft.com/office/drawing/2010/main">
                 <a:effectLst>
                   <a:outerShdw dist="35921" dir="2700000" algn="ctr" rotWithShape="0">
                     <a:schemeClr val="bg2"/>
@@ -10918,7 +13417,7 @@
         <p:spPr>
           <a:xfrm>
             <a:off x="457200" y="274638"/>
-            <a:ext cx="8229600" cy="850106"/>
+            <a:ext cx="6923112" cy="562074"/>
           </a:xfrm>
         </p:spPr>
         <p:txBody>
@@ -10928,24 +13427,61 @@
           <a:lstStyle/>
           <a:p>
             <a:r>
+              <a:rPr lang="es-CL" sz="2400" dirty="0">
+                <a:solidFill>
+                  <a:schemeClr val="bg2">
+                    <a:lumMod val="50000"/>
+                  </a:schemeClr>
+                </a:solidFill>
+                <a:latin typeface="Andalus" pitchFamily="18" charset="-78"/>
+                <a:cs typeface="Andalus" pitchFamily="18" charset="-78"/>
+              </a:rPr>
+              <a:t>IFRS, XBRL. </a:t>
+            </a:r>
+            <a:r>
+              <a:rPr lang="es-CL" sz="2400" dirty="0">
+                <a:solidFill>
+                  <a:schemeClr val="bg2">
+                    <a:lumMod val="50000"/>
+                  </a:schemeClr>
+                </a:solidFill>
+                <a:latin typeface="Andalus" pitchFamily="18" charset="-78"/>
+                <a:cs typeface="Andalus" pitchFamily="18" charset="-78"/>
+              </a:rPr>
+              <a:t>La estandarización financiera </a:t>
+            </a:r>
+            <a:r>
               <a:rPr lang="es-CL" sz="2400" dirty="0" smtClean="0">
-                <a:latin typeface="Arial Black" pitchFamily="34" charset="0"/>
-              </a:rPr>
-              <a:t>IFRS, XBRL. La estandarización financiera  </a:t>
-            </a:r>
-            <a:br>
-              <a:rPr lang="es-CL" sz="2400" dirty="0" smtClean="0">
-                <a:latin typeface="Arial Black" pitchFamily="34" charset="0"/>
-              </a:rPr>
-            </a:br>
-            <a:r>
-              <a:rPr lang="es-CL" sz="2400" dirty="0" smtClean="0">
-                <a:latin typeface="Arial Black" pitchFamily="34" charset="0"/>
-              </a:rPr>
-              <a:t>esta aquí &gt;</a:t>
+                <a:solidFill>
+                  <a:schemeClr val="bg2">
+                    <a:lumMod val="50000"/>
+                  </a:schemeClr>
+                </a:solidFill>
+                <a:latin typeface="Andalus" pitchFamily="18" charset="-78"/>
+                <a:cs typeface="Andalus" pitchFamily="18" charset="-78"/>
+              </a:rPr>
+              <a:t>esta </a:t>
+            </a:r>
+            <a:r>
+              <a:rPr lang="es-CL" sz="2400" dirty="0">
+                <a:solidFill>
+                  <a:schemeClr val="bg2">
+                    <a:lumMod val="50000"/>
+                  </a:schemeClr>
+                </a:solidFill>
+                <a:latin typeface="Andalus" pitchFamily="18" charset="-78"/>
+                <a:cs typeface="Andalus" pitchFamily="18" charset="-78"/>
+              </a:rPr>
+              <a:t>aquí &gt;</a:t>
             </a:r>
             <a:endParaRPr lang="es-CL" sz="2400" dirty="0">
-              <a:latin typeface="Arial Black" pitchFamily="34" charset="0"/>
+              <a:solidFill>
+                <a:schemeClr val="bg2">
+                  <a:lumMod val="50000"/>
+                </a:schemeClr>
+              </a:solidFill>
+              <a:latin typeface="Andalus" pitchFamily="18" charset="-78"/>
+              <a:cs typeface="Andalus" pitchFamily="18" charset="-78"/>
             </a:endParaRPr>
           </a:p>
         </p:txBody>
@@ -11015,6 +13551,74 @@
       </p:grpSpPr>
       <p:sp>
         <p:nvSpPr>
+          <p:cNvPr id="11" name="10 Rectángulo redondeado"/>
+          <p:cNvSpPr/>
+          <p:nvPr/>
+        </p:nvSpPr>
+        <p:spPr>
+          <a:xfrm>
+            <a:off x="251519" y="260648"/>
+            <a:ext cx="8606759" cy="5256584"/>
+          </a:xfrm>
+          <a:prstGeom prst="roundRect">
+            <a:avLst/>
+          </a:prstGeom>
+          <a:gradFill flip="none" rotWithShape="1">
+            <a:gsLst>
+              <a:gs pos="33000">
+                <a:schemeClr val="accent1">
+                  <a:tint val="66000"/>
+                  <a:satMod val="160000"/>
+                </a:schemeClr>
+              </a:gs>
+              <a:gs pos="51000">
+                <a:schemeClr val="accent1">
+                  <a:tint val="44500"/>
+                  <a:satMod val="160000"/>
+                  <a:alpha val="0"/>
+                </a:schemeClr>
+              </a:gs>
+              <a:gs pos="100000">
+                <a:schemeClr val="accent1">
+                  <a:tint val="23500"/>
+                  <a:satMod val="160000"/>
+                </a:schemeClr>
+              </a:gs>
+            </a:gsLst>
+            <a:lin ang="16200000" scaled="1"/>
+            <a:tileRect/>
+          </a:gradFill>
+          <a:ln>
+            <a:noFill/>
+          </a:ln>
+        </p:spPr>
+        <p:style>
+          <a:lnRef idx="2">
+            <a:schemeClr val="accent1">
+              <a:shade val="50000"/>
+            </a:schemeClr>
+          </a:lnRef>
+          <a:fillRef idx="1">
+            <a:schemeClr val="accent1"/>
+          </a:fillRef>
+          <a:effectRef idx="0">
+            <a:schemeClr val="accent1"/>
+          </a:effectRef>
+          <a:fontRef idx="minor">
+            <a:schemeClr val="lt1"/>
+          </a:fontRef>
+        </p:style>
+        <p:txBody>
+          <a:bodyPr rtlCol="0" anchor="ctr"/>
+          <a:lstStyle/>
+          <a:p>
+            <a:pPr algn="ctr"/>
+            <a:endParaRPr lang="es-CL"/>
+          </a:p>
+        </p:txBody>
+      </p:sp>
+      <p:sp>
+        <p:nvSpPr>
           <p:cNvPr id="2" name="1 Marcador de contenido"/>
           <p:cNvSpPr>
             <a:spLocks noGrp="1"/>
@@ -11075,19 +13679,37 @@
           <a:lstStyle/>
           <a:p>
             <a:r>
-              <a:rPr lang="es-CL" sz="2400" dirty="0">
-                <a:latin typeface="Arial Black" pitchFamily="34" charset="0"/>
+              <a:rPr lang="es-CL" sz="3200" dirty="0">
+                <a:solidFill>
+                  <a:schemeClr val="bg2">
+                    <a:lumMod val="50000"/>
+                  </a:schemeClr>
+                </a:solidFill>
+                <a:latin typeface="Andalus" pitchFamily="18" charset="-78"/>
+                <a:cs typeface="Andalus" pitchFamily="18" charset="-78"/>
               </a:rPr>
               <a:t>Nuestra </a:t>
             </a:r>
             <a:r>
-              <a:rPr lang="es-CL" sz="2400" dirty="0" smtClean="0">
-                <a:latin typeface="Arial Black" pitchFamily="34" charset="0"/>
+              <a:rPr lang="es-CL" sz="3200" dirty="0">
+                <a:solidFill>
+                  <a:schemeClr val="bg2">
+                    <a:lumMod val="50000"/>
+                  </a:schemeClr>
+                </a:solidFill>
+                <a:latin typeface="Andalus" pitchFamily="18" charset="-78"/>
+                <a:cs typeface="Andalus" pitchFamily="18" charset="-78"/>
               </a:rPr>
               <a:t>respuesta al desafío &gt;</a:t>
             </a:r>
-            <a:endParaRPr lang="es-CL" sz="2400" dirty="0">
-              <a:latin typeface="Arial Black" pitchFamily="34" charset="0"/>
+            <a:endParaRPr lang="es-CL" sz="3200" dirty="0">
+              <a:solidFill>
+                <a:schemeClr val="bg2">
+                  <a:lumMod val="50000"/>
+                </a:schemeClr>
+              </a:solidFill>
+              <a:latin typeface="Andalus" pitchFamily="18" charset="-78"/>
+              <a:cs typeface="Andalus" pitchFamily="18" charset="-78"/>
             </a:endParaRPr>
           </a:p>
         </p:txBody>
@@ -11100,8 +13722,8 @@
         </p:nvSpPr>
         <p:spPr>
           <a:xfrm>
-            <a:off x="539552" y="1340768"/>
-            <a:ext cx="8004394" cy="3985706"/>
+            <a:off x="683568" y="1375316"/>
+            <a:ext cx="7848872" cy="3277820"/>
           </a:xfrm>
           <a:prstGeom prst="rect">
             <a:avLst/>
@@ -11119,44 +13741,92 @@
               <a:t>	</a:t>
             </a:r>
             <a:r>
-              <a:rPr lang="es-CL" sz="2300" dirty="0"/>
+              <a:rPr lang="es-CL" sz="2300" dirty="0">
+                <a:solidFill>
+                  <a:schemeClr val="accent4">
+                    <a:lumMod val="75000"/>
+                  </a:schemeClr>
+                </a:solidFill>
+                <a:latin typeface="Times New Roman" pitchFamily="18" charset="0"/>
+                <a:cs typeface="Times New Roman" pitchFamily="18" charset="0"/>
+              </a:rPr>
               <a:t>Tomando en cuenta este nuevo escenario y pensando en ayudar al desarrollo de su </a:t>
             </a:r>
             <a:r>
-              <a:rPr lang="es-CL" sz="2300" dirty="0" smtClean="0"/>
+              <a:rPr lang="es-CL" sz="2300" dirty="0">
+                <a:solidFill>
+                  <a:schemeClr val="accent4">
+                    <a:lumMod val="75000"/>
+                  </a:schemeClr>
+                </a:solidFill>
+                <a:latin typeface="Times New Roman" pitchFamily="18" charset="0"/>
+                <a:cs typeface="Times New Roman" pitchFamily="18" charset="0"/>
+              </a:rPr>
               <a:t>negocio, </a:t>
             </a:r>
             <a:r>
-              <a:rPr lang="es-CL" sz="2300" dirty="0"/>
+              <a:rPr lang="es-CL" sz="2300" dirty="0">
+                <a:solidFill>
+                  <a:schemeClr val="accent4">
+                    <a:lumMod val="75000"/>
+                  </a:schemeClr>
+                </a:solidFill>
+                <a:latin typeface="Times New Roman" pitchFamily="18" charset="0"/>
+                <a:cs typeface="Times New Roman" pitchFamily="18" charset="0"/>
+              </a:rPr>
               <a:t>hemos desarrollado un producto flexible, capaz de ajustarse a los requerimientos de información de su empresa y la Superintendencia de Valores y Seguros (SVS). </a:t>
             </a:r>
           </a:p>
           <a:p>
             <a:r>
-              <a:rPr lang="es-CL" sz="2300" dirty="0"/>
+              <a:rPr lang="es-CL" sz="2300" dirty="0">
+                <a:solidFill>
+                  <a:schemeClr val="accent4">
+                    <a:lumMod val="75000"/>
+                  </a:schemeClr>
+                </a:solidFill>
+                <a:latin typeface="Times New Roman" pitchFamily="18" charset="0"/>
+                <a:cs typeface="Times New Roman" pitchFamily="18" charset="0"/>
+              </a:rPr>
               <a:t>	</a:t>
             </a:r>
           </a:p>
           <a:p>
             <a:pPr algn="just"/>
             <a:r>
-              <a:rPr lang="es-CL" sz="2300" dirty="0"/>
-              <a:t>	Estamos hablando de </a:t>
-            </a:r>
-            <a:r>
-              <a:rPr lang="es-CL" sz="2300" b="1" dirty="0"/>
-              <a:t>EXFIDA</a:t>
-            </a:r>
-            <a:r>
-              <a:rPr lang="es-CL" sz="2300" dirty="0"/>
-              <a:t> un </a:t>
-            </a:r>
-            <a:r>
-              <a:rPr lang="es-CL" sz="2300" dirty="0" smtClean="0"/>
+              <a:rPr lang="es-CL" sz="2300" dirty="0">
+                <a:solidFill>
+                  <a:schemeClr val="accent4">
+                    <a:lumMod val="75000"/>
+                  </a:schemeClr>
+                </a:solidFill>
+                <a:latin typeface="Times New Roman" pitchFamily="18" charset="0"/>
+                <a:cs typeface="Times New Roman" pitchFamily="18" charset="0"/>
+              </a:rPr>
+              <a:t>	Estamos hablando de EXFIDA un </a:t>
+            </a:r>
+            <a:r>
+              <a:rPr lang="es-CL" sz="2300" dirty="0">
+                <a:solidFill>
+                  <a:schemeClr val="accent4">
+                    <a:lumMod val="75000"/>
+                  </a:schemeClr>
+                </a:solidFill>
+                <a:latin typeface="Times New Roman" pitchFamily="18" charset="0"/>
+                <a:cs typeface="Times New Roman" pitchFamily="18" charset="0"/>
+              </a:rPr>
               <a:t>software que provee flexibilidad a </a:t>
             </a:r>
             <a:r>
-              <a:rPr lang="es-CL" sz="2300" dirty="0"/>
+              <a:rPr lang="es-CL" sz="2300" dirty="0">
+                <a:solidFill>
+                  <a:schemeClr val="accent4">
+                    <a:lumMod val="75000"/>
+                  </a:schemeClr>
+                </a:solidFill>
+                <a:latin typeface="Times New Roman" pitchFamily="18" charset="0"/>
+                <a:cs typeface="Times New Roman" pitchFamily="18" charset="0"/>
+              </a:rPr>
               <a:t>la hora de enfrentar los continuos cambios del mundo IFRS, estados financieros  (EEFF) y XBRL.</a:t>
             </a:r>
           </a:p>
@@ -11310,6 +13980,74 @@
       </p:grpSpPr>
       <p:sp>
         <p:nvSpPr>
+          <p:cNvPr id="9" name="8 Rectángulo redondeado"/>
+          <p:cNvSpPr/>
+          <p:nvPr/>
+        </p:nvSpPr>
+        <p:spPr>
+          <a:xfrm>
+            <a:off x="251519" y="260648"/>
+            <a:ext cx="8606759" cy="5256584"/>
+          </a:xfrm>
+          <a:prstGeom prst="roundRect">
+            <a:avLst/>
+          </a:prstGeom>
+          <a:gradFill flip="none" rotWithShape="1">
+            <a:gsLst>
+              <a:gs pos="33000">
+                <a:schemeClr val="accent1">
+                  <a:tint val="66000"/>
+                  <a:satMod val="160000"/>
+                </a:schemeClr>
+              </a:gs>
+              <a:gs pos="51000">
+                <a:schemeClr val="accent1">
+                  <a:tint val="44500"/>
+                  <a:satMod val="160000"/>
+                  <a:alpha val="0"/>
+                </a:schemeClr>
+              </a:gs>
+              <a:gs pos="100000">
+                <a:schemeClr val="accent1">
+                  <a:tint val="23500"/>
+                  <a:satMod val="160000"/>
+                </a:schemeClr>
+              </a:gs>
+            </a:gsLst>
+            <a:lin ang="16200000" scaled="1"/>
+            <a:tileRect/>
+          </a:gradFill>
+          <a:ln>
+            <a:noFill/>
+          </a:ln>
+        </p:spPr>
+        <p:style>
+          <a:lnRef idx="2">
+            <a:schemeClr val="accent1">
+              <a:shade val="50000"/>
+            </a:schemeClr>
+          </a:lnRef>
+          <a:fillRef idx="1">
+            <a:schemeClr val="accent1"/>
+          </a:fillRef>
+          <a:effectRef idx="0">
+            <a:schemeClr val="accent1"/>
+          </a:effectRef>
+          <a:fontRef idx="minor">
+            <a:schemeClr val="lt1"/>
+          </a:fontRef>
+        </p:style>
+        <p:txBody>
+          <a:bodyPr rtlCol="0" anchor="ctr"/>
+          <a:lstStyle/>
+          <a:p>
+            <a:pPr algn="ctr"/>
+            <a:endParaRPr lang="es-CL"/>
+          </a:p>
+        </p:txBody>
+      </p:sp>
+      <p:sp>
+        <p:nvSpPr>
           <p:cNvPr id="2" name="1 Marcador de contenido"/>
           <p:cNvSpPr>
             <a:spLocks noGrp="1"/>
@@ -11331,129 +14069,169 @@
           <a:lstStyle/>
           <a:p>
             <a:pPr algn="just">
-              <a:buFont typeface="Wingdings" pitchFamily="2" charset="2"/>
-              <a:buChar char="§"/>
+              <a:buClr>
+                <a:schemeClr val="accent2"/>
+              </a:buClr>
+              <a:buFont typeface="Arial" pitchFamily="34" charset="0"/>
+              <a:buChar char="•"/>
             </a:pPr>
             <a:r>
-              <a:rPr lang="es-CL" sz="2300" dirty="0" smtClean="0"/>
+              <a:rPr lang="es-CL" sz="2500" dirty="0">
+                <a:solidFill>
+                  <a:schemeClr val="accent4">
+                    <a:lumMod val="75000"/>
+                  </a:schemeClr>
+                </a:solidFill>
+                <a:latin typeface="Times New Roman" pitchFamily="18" charset="0"/>
+                <a:cs typeface="Times New Roman" pitchFamily="18" charset="0"/>
+              </a:rPr>
               <a:t>Aplicación 100% web.</a:t>
             </a:r>
           </a:p>
           <a:p>
             <a:pPr algn="just">
-              <a:buFont typeface="Wingdings" pitchFamily="2" charset="2"/>
-              <a:buChar char="§"/>
+              <a:buClr>
+                <a:schemeClr val="accent2"/>
+              </a:buClr>
+              <a:buFont typeface="Arial" pitchFamily="34" charset="0"/>
+              <a:buChar char="•"/>
             </a:pPr>
             <a:r>
-              <a:rPr lang="es-CL" sz="2300" dirty="0" smtClean="0"/>
+              <a:rPr lang="es-CL" sz="2500" dirty="0">
+                <a:solidFill>
+                  <a:schemeClr val="accent4">
+                    <a:lumMod val="75000"/>
+                  </a:schemeClr>
+                </a:solidFill>
+                <a:latin typeface="Times New Roman" pitchFamily="18" charset="0"/>
+                <a:cs typeface="Times New Roman" pitchFamily="18" charset="0"/>
+              </a:rPr>
               <a:t>Multiusuarios</a:t>
             </a:r>
           </a:p>
           <a:p>
             <a:pPr algn="just">
-              <a:buFont typeface="Wingdings" pitchFamily="2" charset="2"/>
-              <a:buChar char="§"/>
+              <a:buClr>
+                <a:schemeClr val="accent2"/>
+              </a:buClr>
+              <a:buFont typeface="Arial" pitchFamily="34" charset="0"/>
+              <a:buChar char="•"/>
             </a:pPr>
             <a:r>
-              <a:rPr lang="es-CL" sz="2300" dirty="0" smtClean="0"/>
+              <a:rPr lang="es-CL" sz="2500" dirty="0">
+                <a:solidFill>
+                  <a:schemeClr val="accent4">
+                    <a:lumMod val="75000"/>
+                  </a:schemeClr>
+                </a:solidFill>
+                <a:latin typeface="Times New Roman" pitchFamily="18" charset="0"/>
+                <a:cs typeface="Times New Roman" pitchFamily="18" charset="0"/>
+              </a:rPr>
               <a:t>Multiempresas</a:t>
             </a:r>
           </a:p>
           <a:p>
             <a:pPr algn="just">
-              <a:buFont typeface="Wingdings" pitchFamily="2" charset="2"/>
-              <a:buChar char="§"/>
+              <a:buClr>
+                <a:schemeClr val="accent2"/>
+              </a:buClr>
+              <a:buFont typeface="Arial" pitchFamily="34" charset="0"/>
+              <a:buChar char="•"/>
             </a:pPr>
             <a:r>
-              <a:rPr lang="es-CL" sz="2300" dirty="0" smtClean="0"/>
+              <a:rPr lang="es-CL" sz="2500" dirty="0">
+                <a:solidFill>
+                  <a:schemeClr val="accent4">
+                    <a:lumMod val="75000"/>
+                  </a:schemeClr>
+                </a:solidFill>
+                <a:latin typeface="Times New Roman" pitchFamily="18" charset="0"/>
+                <a:cs typeface="Times New Roman" pitchFamily="18" charset="0"/>
+              </a:rPr>
               <a:t>Interfaces usables.</a:t>
             </a:r>
           </a:p>
           <a:p>
             <a:pPr algn="just">
-              <a:buFont typeface="Wingdings" pitchFamily="2" charset="2"/>
-              <a:buChar char="§"/>
+              <a:buClr>
+                <a:schemeClr val="accent2"/>
+              </a:buClr>
+              <a:buFont typeface="Arial" pitchFamily="34" charset="0"/>
+              <a:buChar char="•"/>
             </a:pPr>
             <a:r>
-              <a:rPr lang="es-CL" sz="2300" dirty="0" smtClean="0"/>
-              <a:t>Revelaciones </a:t>
-            </a:r>
-            <a:r>
-              <a:rPr lang="es-CL" sz="2300" dirty="0" smtClean="0">
-                <a:effectLst>
-                  <a:outerShdw blurRad="38100" dist="38100" dir="2700000" algn="tl">
-                    <a:srgbClr val="000000">
-                      <a:alpha val="43137"/>
-                    </a:srgbClr>
-                  </a:outerShdw>
-                </a:effectLst>
-              </a:rPr>
-              <a:t>100%  configurables</a:t>
-            </a:r>
-            <a:r>
-              <a:rPr lang="es-CL" sz="2300" dirty="0" smtClean="0"/>
-              <a:t> según las normativas.</a:t>
+              <a:rPr lang="es-CL" sz="2500" dirty="0">
+                <a:solidFill>
+                  <a:schemeClr val="accent4">
+                    <a:lumMod val="75000"/>
+                  </a:schemeClr>
+                </a:solidFill>
+                <a:latin typeface="Times New Roman" pitchFamily="18" charset="0"/>
+                <a:cs typeface="Times New Roman" pitchFamily="18" charset="0"/>
+              </a:rPr>
+              <a:t>Revelaciones 100%  configurables según las normativas.</a:t>
             </a:r>
           </a:p>
           <a:p>
             <a:pPr algn="just">
-              <a:buFont typeface="Wingdings" pitchFamily="2" charset="2"/>
-              <a:buChar char="§"/>
+              <a:buClr>
+                <a:schemeClr val="accent2"/>
+              </a:buClr>
+              <a:buFont typeface="Arial" pitchFamily="34" charset="0"/>
+              <a:buChar char="•"/>
             </a:pPr>
             <a:r>
-              <a:rPr lang="es-CL" sz="2300" dirty="0" smtClean="0"/>
+              <a:rPr lang="es-CL" sz="2500" dirty="0">
+                <a:solidFill>
+                  <a:schemeClr val="accent4">
+                    <a:lumMod val="75000"/>
+                  </a:schemeClr>
+                </a:solidFill>
+                <a:latin typeface="Times New Roman" pitchFamily="18" charset="0"/>
+                <a:cs typeface="Times New Roman" pitchFamily="18" charset="0"/>
+              </a:rPr>
               <a:t>Cumple con las especificaciones de la SVS.</a:t>
             </a:r>
           </a:p>
           <a:p>
             <a:pPr algn="just">
-              <a:buFont typeface="Wingdings" pitchFamily="2" charset="2"/>
-              <a:buChar char="§"/>
+              <a:buClr>
+                <a:schemeClr val="accent2"/>
+              </a:buClr>
+              <a:buFont typeface="Arial" pitchFamily="34" charset="0"/>
+              <a:buChar char="•"/>
             </a:pPr>
             <a:r>
-              <a:rPr lang="es-CL" sz="2300" dirty="0"/>
-              <a:t>Generación de archivos </a:t>
-            </a:r>
-            <a:r>
-              <a:rPr lang="es-CL" sz="2300" dirty="0">
-                <a:effectLst>
-                  <a:outerShdw blurRad="38100" dist="38100" dir="2700000" algn="tl">
-                    <a:srgbClr val="000000">
-                      <a:alpha val="43137"/>
-                    </a:srgbClr>
-                  </a:outerShdw>
-                </a:effectLst>
-              </a:rPr>
-              <a:t>XBRL </a:t>
-            </a:r>
-            <a:r>
-              <a:rPr lang="es-CL" sz="2300" dirty="0" smtClean="0"/>
-              <a:t>el cual independiza a su Empresa de los proveedores externos al momento de generar el envió de </a:t>
-            </a:r>
-            <a:r>
-              <a:rPr lang="es-CL" sz="2300" dirty="0" smtClean="0">
-                <a:effectLst>
-                  <a:outerShdw blurRad="38100" dist="38100" dir="2700000" algn="tl">
-                    <a:srgbClr val="000000">
-                      <a:alpha val="43137"/>
-                    </a:srgbClr>
-                  </a:outerShdw>
-                </a:effectLst>
-              </a:rPr>
-              <a:t>XBRL </a:t>
-            </a:r>
-            <a:r>
-              <a:rPr lang="es-CL" sz="2300" dirty="0" smtClean="0"/>
-              <a:t>a la SVS.</a:t>
+              <a:rPr lang="es-CL" sz="2500" dirty="0">
+                <a:solidFill>
+                  <a:schemeClr val="accent4">
+                    <a:lumMod val="75000"/>
+                  </a:schemeClr>
+                </a:solidFill>
+                <a:latin typeface="Times New Roman" pitchFamily="18" charset="0"/>
+                <a:cs typeface="Times New Roman" pitchFamily="18" charset="0"/>
+              </a:rPr>
+              <a:t>Generación de archivos XBRL el cual independiza a su Empresa de los proveedores externos al momento de generar el envió de XBRL a la SVS.</a:t>
             </a:r>
           </a:p>
           <a:p>
             <a:pPr algn="just">
-              <a:buFont typeface="Wingdings" pitchFamily="2" charset="2"/>
-              <a:buChar char="§"/>
+              <a:buClr>
+                <a:schemeClr val="accent2"/>
+              </a:buClr>
+              <a:buFont typeface="Arial" pitchFamily="34" charset="0"/>
+              <a:buChar char="•"/>
             </a:pPr>
             <a:r>
-              <a:rPr lang="es-CL" sz="2300" dirty="0" smtClean="0"/>
+              <a:rPr lang="es-CL" sz="2500" dirty="0">
+                <a:solidFill>
+                  <a:schemeClr val="accent4">
+                    <a:lumMod val="75000"/>
+                  </a:schemeClr>
+                </a:solidFill>
+                <a:latin typeface="Times New Roman" pitchFamily="18" charset="0"/>
+                <a:cs typeface="Times New Roman" pitchFamily="18" charset="0"/>
+              </a:rPr>
               <a:t>Proporciona herramientas de Control que permiten tener una visión amplia sobre el estado de completitud de los datos para los períodos informados (Workflow de Aprobación).</a:t>
             </a:r>
           </a:p>
@@ -11505,19 +14283,37 @@
           <a:lstStyle/>
           <a:p>
             <a:r>
-              <a:rPr lang="es-CL" sz="2400" dirty="0">
-                <a:latin typeface="Arial Black" pitchFamily="34" charset="0"/>
+              <a:rPr lang="es-CL" sz="3200" dirty="0">
+                <a:solidFill>
+                  <a:schemeClr val="bg2">
+                    <a:lumMod val="50000"/>
+                  </a:schemeClr>
+                </a:solidFill>
+                <a:latin typeface="Andalus" pitchFamily="18" charset="-78"/>
+                <a:cs typeface="Andalus" pitchFamily="18" charset="-78"/>
               </a:rPr>
               <a:t>Principales </a:t>
             </a:r>
             <a:r>
-              <a:rPr lang="es-CL" sz="2400" dirty="0" smtClean="0">
-                <a:latin typeface="Arial Black" pitchFamily="34" charset="0"/>
+              <a:rPr lang="es-CL" sz="3200" dirty="0">
+                <a:solidFill>
+                  <a:schemeClr val="bg2">
+                    <a:lumMod val="50000"/>
+                  </a:schemeClr>
+                </a:solidFill>
+                <a:latin typeface="Andalus" pitchFamily="18" charset="-78"/>
+                <a:cs typeface="Andalus" pitchFamily="18" charset="-78"/>
               </a:rPr>
               <a:t>Características &gt;</a:t>
             </a:r>
-            <a:endParaRPr lang="es-CL" sz="2400" dirty="0">
-              <a:latin typeface="Arial Black" pitchFamily="34" charset="0"/>
+            <a:endParaRPr lang="es-CL" sz="3200" dirty="0">
+              <a:solidFill>
+                <a:schemeClr val="bg2">
+                  <a:lumMod val="50000"/>
+                </a:schemeClr>
+              </a:solidFill>
+              <a:latin typeface="Andalus" pitchFamily="18" charset="-78"/>
+              <a:cs typeface="Andalus" pitchFamily="18" charset="-78"/>
             </a:endParaRPr>
           </a:p>
         </p:txBody>
@@ -11875,4 +14671,47 @@
   <a:objectDefaults/>
   <a:extraClrSchemeLst/>
 </a:theme>
+</file>
+
+<file path=ppt/theme/themeOverride1.xml><?xml version="1.0" encoding="utf-8"?>
+<a:themeOverride xmlns:a="http://schemas.openxmlformats.org/drawingml/2006/main">
+  <a:clrScheme name="Concurrencia">
+    <a:dk1>
+      <a:sysClr val="windowText" lastClr="000000"/>
+    </a:dk1>
+    <a:lt1>
+      <a:sysClr val="window" lastClr="FFFFFF"/>
+    </a:lt1>
+    <a:dk2>
+      <a:srgbClr val="464646"/>
+    </a:dk2>
+    <a:lt2>
+      <a:srgbClr val="DEF5FA"/>
+    </a:lt2>
+    <a:accent1>
+      <a:srgbClr val="2DA2BF"/>
+    </a:accent1>
+    <a:accent2>
+      <a:srgbClr val="DA1F28"/>
+    </a:accent2>
+    <a:accent3>
+      <a:srgbClr val="EB641B"/>
+    </a:accent3>
+    <a:accent4>
+      <a:srgbClr val="39639D"/>
+    </a:accent4>
+    <a:accent5>
+      <a:srgbClr val="474B78"/>
+    </a:accent5>
+    <a:accent6>
+      <a:srgbClr val="7D3C4A"/>
+    </a:accent6>
+    <a:hlink>
+      <a:srgbClr val="FF8119"/>
+    </a:hlink>
+    <a:folHlink>
+      <a:srgbClr val="44B9E8"/>
+    </a:folHlink>
+  </a:clrScheme>
+</a:themeOverride>
 </file>
--- a/trunk/docs/comercial/brochure_2.pptx
+++ b/trunk/docs/comercial/brochure_2.pptx
@@ -4754,7 +4754,7 @@
         </p:blipFill>
         <p:spPr>
           <a:xfrm>
-            <a:off x="3275856" y="2132856"/>
+            <a:off x="3944448" y="3345578"/>
             <a:ext cx="2571768" cy="648285"/>
           </a:xfrm>
           <a:prstGeom prst="rect">
@@ -4770,7 +4770,7 @@
         </p:nvSpPr>
         <p:spPr>
           <a:xfrm>
-            <a:off x="3563888" y="2781141"/>
+            <a:off x="6516216" y="3716864"/>
             <a:ext cx="2016224" cy="276999"/>
           </a:xfrm>
           <a:prstGeom prst="rect">
@@ -4908,8 +4908,8 @@
         </p:nvSpPr>
         <p:spPr>
           <a:xfrm>
-            <a:off x="539552" y="762670"/>
-            <a:ext cx="7848872" cy="1154162"/>
+            <a:off x="395536" y="1122710"/>
+            <a:ext cx="8352928" cy="800219"/>
           </a:xfrm>
           <a:prstGeom prst="rect">
             <a:avLst/>
@@ -4922,10 +4922,6 @@
           <a:lstStyle/>
           <a:p>
             <a:pPr algn="just"/>
-            <a:endParaRPr lang="es-CL" sz="2300" dirty="0" smtClean="0"/>
-          </a:p>
-          <a:p>
-            <a:pPr algn="just"/>
             <a:r>
               <a:rPr lang="es-CL" sz="2300" dirty="0" smtClean="0">
                 <a:solidFill>
@@ -4936,7 +4932,7 @@
                 <a:latin typeface="Times New Roman" pitchFamily="18" charset="0"/>
                 <a:cs typeface="Times New Roman" pitchFamily="18" charset="0"/>
               </a:rPr>
-              <a:t>	Acceda </a:t>
+              <a:t>	</a:t>
             </a:r>
             <a:r>
               <a:rPr lang="es-CL" sz="2300" dirty="0">
@@ -4948,10 +4944,10 @@
                 <a:latin typeface="Times New Roman" pitchFamily="18" charset="0"/>
                 <a:cs typeface="Times New Roman" pitchFamily="18" charset="0"/>
               </a:rPr>
-              <a:t>a su información de acuerdo a su </a:t>
-            </a:r>
-            <a:r>
-              <a:rPr lang="es-CL" sz="2300" dirty="0" smtClean="0">
+              <a:t>Acceda </a:t>
+            </a:r>
+            <a:r>
+              <a:rPr lang="es-CL" sz="2300" dirty="0">
                 <a:solidFill>
                   <a:schemeClr val="accent4">
                     <a:lumMod val="75000"/>
@@ -4960,7 +4956,7 @@
                 <a:latin typeface="Times New Roman" pitchFamily="18" charset="0"/>
                 <a:cs typeface="Times New Roman" pitchFamily="18" charset="0"/>
               </a:rPr>
-              <a:t>perfil</a:t>
+              <a:t>a su información de acuerdo a su </a:t>
             </a:r>
             <a:r>
               <a:rPr lang="es-CL" sz="2300" dirty="0">
@@ -4972,17 +4968,20 @@
                 <a:latin typeface="Times New Roman" pitchFamily="18" charset="0"/>
                 <a:cs typeface="Times New Roman" pitchFamily="18" charset="0"/>
               </a:rPr>
+              <a:t>perfil</a:t>
+            </a:r>
+            <a:r>
+              <a:rPr lang="es-CL" sz="2300" dirty="0">
+                <a:solidFill>
+                  <a:schemeClr val="accent4">
+                    <a:lumMod val="75000"/>
+                  </a:schemeClr>
+                </a:solidFill>
+                <a:latin typeface="Times New Roman" pitchFamily="18" charset="0"/>
+                <a:cs typeface="Times New Roman" pitchFamily="18" charset="0"/>
+              </a:rPr>
               <a:t>, de manera fácil y oportuna.</a:t>
             </a:r>
-            <a:endParaRPr lang="es-CL" sz="2300" dirty="0">
-              <a:solidFill>
-                <a:schemeClr val="accent4">
-                  <a:lumMod val="75000"/>
-                </a:schemeClr>
-              </a:solidFill>
-              <a:latin typeface="Times New Roman" pitchFamily="18" charset="0"/>
-              <a:cs typeface="Times New Roman" pitchFamily="18" charset="0"/>
-            </a:endParaRPr>
           </a:p>
         </p:txBody>
       </p:sp>
@@ -4998,8 +4997,8 @@
         </p:nvSpPr>
         <p:spPr>
           <a:xfrm>
-            <a:off x="457200" y="260648"/>
-            <a:ext cx="8229600" cy="792088"/>
+            <a:off x="-6752" y="13560"/>
+            <a:ext cx="5802888" cy="637200"/>
           </a:xfrm>
         </p:spPr>
         <p:txBody>
@@ -5009,16 +5008,28 @@
           <a:lstStyle/>
           <a:p>
             <a:r>
-              <a:rPr lang="es-CL" sz="3200" dirty="0">
+              <a:rPr lang="es-CL" sz="2800" dirty="0">
                 <a:solidFill>
                   <a:schemeClr val="bg2">
                     <a:lumMod val="50000"/>
                   </a:schemeClr>
                 </a:solidFill>
-                <a:latin typeface="Andalus" pitchFamily="18" charset="-78"/>
-                <a:cs typeface="Andalus" pitchFamily="18" charset="-78"/>
-              </a:rPr>
-              <a:t>EXFIDA, seguro y confiable &gt;</a:t>
+                <a:latin typeface="Aharoni" pitchFamily="2" charset="-79"/>
+                <a:cs typeface="Aharoni" pitchFamily="2" charset="-79"/>
+              </a:rPr>
+              <a:t>EXFIDA, seguro y confiable </a:t>
+            </a:r>
+            <a:r>
+              <a:rPr lang="es-CL" sz="2800" dirty="0">
+                <a:solidFill>
+                  <a:schemeClr val="bg2">
+                    <a:lumMod val="25000"/>
+                  </a:schemeClr>
+                </a:solidFill>
+                <a:latin typeface="Aharoni" pitchFamily="2" charset="-79"/>
+                <a:cs typeface="Aharoni" pitchFamily="2" charset="-79"/>
+              </a:rPr>
+              <a:t>&gt;</a:t>
             </a:r>
           </a:p>
         </p:txBody>
@@ -5239,8 +5250,8 @@
         </p:nvSpPr>
         <p:spPr>
           <a:xfrm>
-            <a:off x="457200" y="260648"/>
-            <a:ext cx="8229600" cy="792088"/>
+            <a:off x="-5448" y="17328"/>
+            <a:ext cx="8229600" cy="637200"/>
           </a:xfrm>
         </p:spPr>
         <p:txBody>
@@ -5250,16 +5261,28 @@
           <a:lstStyle/>
           <a:p>
             <a:r>
-              <a:rPr lang="es-CL" sz="3200" dirty="0">
+              <a:rPr lang="es-CL" sz="2800" dirty="0">
                 <a:solidFill>
                   <a:schemeClr val="bg2">
                     <a:lumMod val="50000"/>
                   </a:schemeClr>
                 </a:solidFill>
-                <a:latin typeface="Andalus" pitchFamily="18" charset="-78"/>
-                <a:cs typeface="Andalus" pitchFamily="18" charset="-78"/>
-              </a:rPr>
-              <a:t>EXFIDA, seguro y confiable &gt;</a:t>
+                <a:latin typeface="Aharoni" pitchFamily="2" charset="-79"/>
+                <a:cs typeface="Aharoni" pitchFamily="2" charset="-79"/>
+              </a:rPr>
+              <a:t>EXFIDA, seguro y confiable </a:t>
+            </a:r>
+            <a:r>
+              <a:rPr lang="es-CL" sz="2800" dirty="0">
+                <a:solidFill>
+                  <a:schemeClr val="bg2">
+                    <a:lumMod val="25000"/>
+                  </a:schemeClr>
+                </a:solidFill>
+                <a:latin typeface="Aharoni" pitchFamily="2" charset="-79"/>
+                <a:cs typeface="Aharoni" pitchFamily="2" charset="-79"/>
+              </a:rPr>
+              <a:t>&gt;</a:t>
             </a:r>
           </a:p>
         </p:txBody>
@@ -5480,8 +5503,8 @@
         </p:nvSpPr>
         <p:spPr>
           <a:xfrm>
-            <a:off x="428596" y="428604"/>
-            <a:ext cx="8229600" cy="414337"/>
+            <a:off x="-5448" y="14552"/>
+            <a:ext cx="5367540" cy="637200"/>
           </a:xfrm>
         </p:spPr>
         <p:txBody>
@@ -5497,7 +5520,7 @@
               <a:buNone/>
             </a:pPr>
             <a:r>
-              <a:rPr lang="es-CL" sz="3200" b="1" dirty="0">
+              <a:rPr lang="es-CL" sz="2800" b="1" dirty="0">
                 <a:solidFill>
                   <a:schemeClr val="bg2">
                     <a:lumMod val="50000"/>
@@ -5510,14 +5533,14 @@
                     </a:srgbClr>
                   </a:outerShdw>
                 </a:effectLst>
-                <a:latin typeface="Andalus" pitchFamily="18" charset="-78"/>
+                <a:latin typeface="Aharoni" pitchFamily="2" charset="-79"/>
                 <a:ea typeface="+mj-ea"/>
-                <a:cs typeface="Andalus" pitchFamily="18" charset="-78"/>
-              </a:rPr>
-              <a:t>Controle su Información&gt;</a:t>
-            </a:r>
-            <a:r>
-              <a:rPr lang="es-CL" sz="3200" b="1" dirty="0">
+                <a:cs typeface="Aharoni" pitchFamily="2" charset="-79"/>
+              </a:rPr>
+              <a:t>Controle su </a:t>
+            </a:r>
+            <a:r>
+              <a:rPr lang="es-CL" sz="2800" b="1" dirty="0" smtClean="0">
                 <a:solidFill>
                   <a:schemeClr val="bg2">
                     <a:lumMod val="50000"/>
@@ -5530,17 +5553,17 @@
                     </a:srgbClr>
                   </a:outerShdw>
                 </a:effectLst>
-                <a:latin typeface="Andalus" pitchFamily="18" charset="-78"/>
+                <a:latin typeface="Aharoni" pitchFamily="2" charset="-79"/>
                 <a:ea typeface="+mj-ea"/>
-                <a:cs typeface="Andalus" pitchFamily="18" charset="-78"/>
-              </a:rPr>
-              <a:t/>
-            </a:r>
-            <a:br>
-              <a:rPr lang="es-CL" sz="3200" b="1" dirty="0">
+                <a:cs typeface="Aharoni" pitchFamily="2" charset="-79"/>
+              </a:rPr>
+              <a:t>Información </a:t>
+            </a:r>
+            <a:r>
+              <a:rPr lang="es-CL" sz="2800" b="1" dirty="0" smtClean="0">
                 <a:solidFill>
                   <a:schemeClr val="bg2">
-                    <a:lumMod val="50000"/>
+                    <a:lumMod val="25000"/>
                   </a:schemeClr>
                 </a:solidFill>
                 <a:effectLst>
@@ -5550,13 +5573,14 @@
                     </a:srgbClr>
                   </a:outerShdw>
                 </a:effectLst>
-                <a:latin typeface="Andalus" pitchFamily="18" charset="-78"/>
+                <a:latin typeface="Aharoni" pitchFamily="2" charset="-79"/>
                 <a:ea typeface="+mj-ea"/>
-                <a:cs typeface="Andalus" pitchFamily="18" charset="-78"/>
-              </a:rPr>
-            </a:br>
-            <a:r>
-              <a:rPr lang="es-CL" sz="3200" b="1" dirty="0">
+                <a:cs typeface="Aharoni" pitchFamily="2" charset="-79"/>
+              </a:rPr>
+              <a:t>&gt;</a:t>
+            </a:r>
+            <a:r>
+              <a:rPr lang="es-CL" sz="2800" b="1" dirty="0">
                 <a:solidFill>
                   <a:schemeClr val="bg2">
                     <a:lumMod val="50000"/>
@@ -5569,14 +5593,14 @@
                     </a:srgbClr>
                   </a:outerShdw>
                 </a:effectLst>
-                <a:latin typeface="Andalus" pitchFamily="18" charset="-78"/>
+                <a:latin typeface="Aharoni" pitchFamily="2" charset="-79"/>
                 <a:ea typeface="+mj-ea"/>
-                <a:cs typeface="Andalus" pitchFamily="18" charset="-78"/>
+                <a:cs typeface="Aharoni" pitchFamily="2" charset="-79"/>
               </a:rPr>
               <a:t/>
             </a:r>
             <a:br>
-              <a:rPr lang="es-CL" sz="3200" b="1" dirty="0">
+              <a:rPr lang="es-CL" sz="2800" b="1" dirty="0">
                 <a:solidFill>
                   <a:schemeClr val="bg2">
                     <a:lumMod val="50000"/>
@@ -5589,12 +5613,51 @@
                     </a:srgbClr>
                   </a:outerShdw>
                 </a:effectLst>
-                <a:latin typeface="Andalus" pitchFamily="18" charset="-78"/>
+                <a:latin typeface="Aharoni" pitchFamily="2" charset="-79"/>
                 <a:ea typeface="+mj-ea"/>
-                <a:cs typeface="Andalus" pitchFamily="18" charset="-78"/>
+                <a:cs typeface="Aharoni" pitchFamily="2" charset="-79"/>
               </a:rPr>
             </a:br>
-            <a:endParaRPr lang="es-CL" sz="3200" b="1" dirty="0">
+            <a:r>
+              <a:rPr lang="es-CL" sz="2800" b="1" dirty="0">
+                <a:solidFill>
+                  <a:schemeClr val="bg2">
+                    <a:lumMod val="50000"/>
+                  </a:schemeClr>
+                </a:solidFill>
+                <a:effectLst>
+                  <a:outerShdw blurRad="31750" dist="25400" dir="5400000" algn="tl" rotWithShape="0">
+                    <a:srgbClr val="000000">
+                      <a:alpha val="25000"/>
+                    </a:srgbClr>
+                  </a:outerShdw>
+                </a:effectLst>
+                <a:latin typeface="Aharoni" pitchFamily="2" charset="-79"/>
+                <a:ea typeface="+mj-ea"/>
+                <a:cs typeface="Aharoni" pitchFamily="2" charset="-79"/>
+              </a:rPr>
+              <a:t/>
+            </a:r>
+            <a:br>
+              <a:rPr lang="es-CL" sz="2800" b="1" dirty="0">
+                <a:solidFill>
+                  <a:schemeClr val="bg2">
+                    <a:lumMod val="50000"/>
+                  </a:schemeClr>
+                </a:solidFill>
+                <a:effectLst>
+                  <a:outerShdw blurRad="31750" dist="25400" dir="5400000" algn="tl" rotWithShape="0">
+                    <a:srgbClr val="000000">
+                      <a:alpha val="25000"/>
+                    </a:srgbClr>
+                  </a:outerShdw>
+                </a:effectLst>
+                <a:latin typeface="Aharoni" pitchFamily="2" charset="-79"/>
+                <a:ea typeface="+mj-ea"/>
+                <a:cs typeface="Aharoni" pitchFamily="2" charset="-79"/>
+              </a:rPr>
+            </a:br>
+            <a:endParaRPr lang="es-CL" sz="2800" b="1" dirty="0">
               <a:solidFill>
                 <a:schemeClr val="bg2">
                   <a:lumMod val="50000"/>
@@ -5607,9 +5670,9 @@
                   </a:srgbClr>
                 </a:outerShdw>
               </a:effectLst>
-              <a:latin typeface="Andalus" pitchFamily="18" charset="-78"/>
+              <a:latin typeface="Aharoni" pitchFamily="2" charset="-79"/>
               <a:ea typeface="+mj-ea"/>
-              <a:cs typeface="Andalus" pitchFamily="18" charset="-78"/>
+              <a:cs typeface="Aharoni" pitchFamily="2" charset="-79"/>
             </a:endParaRPr>
           </a:p>
         </p:txBody>
@@ -5671,8 +5734,8 @@
         </p:nvSpPr>
         <p:spPr>
           <a:xfrm>
-            <a:off x="539552" y="836712"/>
-            <a:ext cx="7932386" cy="1077218"/>
+            <a:off x="539552" y="1116613"/>
+            <a:ext cx="7932386" cy="800219"/>
           </a:xfrm>
           <a:prstGeom prst="rect">
             <a:avLst/>
@@ -5689,9 +5752,6 @@
               <a:rPr lang="es-CL" dirty="0" smtClean="0"/>
               <a:t>	</a:t>
             </a:r>
-          </a:p>
-          <a:p>
-            <a:pPr algn="just"/>
             <a:r>
               <a:rPr lang="es-CL" sz="2300" dirty="0" smtClean="0">
                 <a:solidFill>
@@ -5714,31 +5774,7 @@
                 <a:latin typeface="Times New Roman" pitchFamily="18" charset="0"/>
                 <a:cs typeface="Times New Roman" pitchFamily="18" charset="0"/>
               </a:rPr>
-              <a:t>las</a:t>
-            </a:r>
-            <a:r>
-              <a:rPr lang="es-CL" sz="2300" dirty="0">
-                <a:solidFill>
-                  <a:schemeClr val="accent4">
-                    <a:lumMod val="75000"/>
-                  </a:schemeClr>
-                </a:solidFill>
-                <a:latin typeface="Times New Roman" pitchFamily="18" charset="0"/>
-                <a:cs typeface="Times New Roman" pitchFamily="18" charset="0"/>
-              </a:rPr>
-              <a:t> </a:t>
-            </a:r>
-            <a:r>
-              <a:rPr lang="es-CL" sz="2300" dirty="0">
-                <a:solidFill>
-                  <a:schemeClr val="accent4">
-                    <a:lumMod val="75000"/>
-                  </a:schemeClr>
-                </a:solidFill>
-                <a:latin typeface="Times New Roman" pitchFamily="18" charset="0"/>
-                <a:cs typeface="Times New Roman" pitchFamily="18" charset="0"/>
-              </a:rPr>
-              <a:t>operaciones de Cierre y Apertura de período para el Ingreso de su Información.</a:t>
+              <a:t>las operaciones de Cierre y Apertura de período para el Ingreso de su Información.</a:t>
             </a:r>
           </a:p>
         </p:txBody>
@@ -5910,8 +5946,8 @@
         </p:nvSpPr>
         <p:spPr>
           <a:xfrm>
-            <a:off x="395536" y="1052736"/>
-            <a:ext cx="7931224" cy="792088"/>
+            <a:off x="395536" y="1124744"/>
+            <a:ext cx="8280920" cy="792088"/>
           </a:xfrm>
         </p:spPr>
         <p:txBody>
@@ -5924,7 +5960,7 @@
               <a:buNone/>
             </a:pPr>
             <a:r>
-              <a:rPr lang="es-CL" sz="2300" dirty="0" smtClean="0">
+              <a:rPr lang="es-CL" sz="2300" dirty="0">
                 <a:solidFill>
                   <a:schemeClr val="accent4">
                     <a:lumMod val="75000"/>
@@ -5933,7 +5969,7 @@
                 <a:latin typeface="Times New Roman" pitchFamily="18" charset="0"/>
                 <a:cs typeface="Times New Roman" pitchFamily="18" charset="0"/>
               </a:rPr>
-              <a:t>	Configure </a:t>
+              <a:t>	</a:t>
             </a:r>
             <a:r>
               <a:rPr lang="es-CL" sz="2300" dirty="0">
@@ -5945,17 +5981,8 @@
                 <a:latin typeface="Times New Roman" pitchFamily="18" charset="0"/>
                 <a:cs typeface="Times New Roman" pitchFamily="18" charset="0"/>
               </a:rPr>
-              <a:t>dinámicamente las estructuras de las Revelaciones según la normativa de la SVS.</a:t>
-            </a:r>
-            <a:endParaRPr lang="es-CL" sz="2300" dirty="0">
-              <a:solidFill>
-                <a:schemeClr val="accent4">
-                  <a:lumMod val="75000"/>
-                </a:schemeClr>
-              </a:solidFill>
-              <a:latin typeface="Times New Roman" pitchFamily="18" charset="0"/>
-              <a:cs typeface="Times New Roman" pitchFamily="18" charset="0"/>
-            </a:endParaRPr>
+              <a:t>Configure dinámicamente las estructuras de las Revelaciones según la normativa de la SVS.</a:t>
+            </a:r>
           </a:p>
         </p:txBody>
       </p:sp>
@@ -5971,8 +5998,8 @@
         </p:nvSpPr>
         <p:spPr>
           <a:xfrm>
-            <a:off x="457200" y="274638"/>
-            <a:ext cx="8229600" cy="568303"/>
+            <a:off x="1160" y="14552"/>
+            <a:ext cx="5290920" cy="637200"/>
           </a:xfrm>
         </p:spPr>
         <p:txBody>
@@ -5982,50 +6009,29 @@
           <a:lstStyle/>
           <a:p>
             <a:r>
-              <a:rPr lang="es-CL" sz="3200" dirty="0">
+              <a:rPr lang="es-CL" sz="2800" dirty="0">
                 <a:solidFill>
                   <a:schemeClr val="bg2">
                     <a:lumMod val="50000"/>
                   </a:schemeClr>
                 </a:solidFill>
-                <a:latin typeface="Andalus" pitchFamily="18" charset="-78"/>
-                <a:cs typeface="Andalus" pitchFamily="18" charset="-78"/>
-              </a:rPr>
-              <a:t>Configure </a:t>
-            </a:r>
-            <a:r>
-              <a:rPr lang="es-CL" sz="3200" dirty="0">
+                <a:latin typeface="Aharoni" pitchFamily="2" charset="-79"/>
+                <a:cs typeface="Aharoni" pitchFamily="2" charset="-79"/>
+              </a:rPr>
+              <a:t>Configure sus Revelaciones </a:t>
+            </a:r>
+            <a:r>
+              <a:rPr lang="es-CL" sz="2800" dirty="0">
                 <a:solidFill>
                   <a:schemeClr val="bg2">
-                    <a:lumMod val="50000"/>
-                  </a:schemeClr>
-                </a:solidFill>
-                <a:latin typeface="Andalus" pitchFamily="18" charset="-78"/>
-                <a:cs typeface="Andalus" pitchFamily="18" charset="-78"/>
-              </a:rPr>
-              <a:t>s</a:t>
-            </a:r>
-            <a:r>
-              <a:rPr lang="es-CL" sz="3200" dirty="0">
-                <a:solidFill>
-                  <a:schemeClr val="bg2">
-                    <a:lumMod val="50000"/>
-                  </a:schemeClr>
-                </a:solidFill>
-                <a:latin typeface="Andalus" pitchFamily="18" charset="-78"/>
-                <a:cs typeface="Andalus" pitchFamily="18" charset="-78"/>
-              </a:rPr>
-              <a:t>us Revelaciones &gt;</a:t>
-            </a:r>
-            <a:endParaRPr lang="es-CL" sz="3200" dirty="0">
-              <a:solidFill>
-                <a:schemeClr val="bg2">
-                  <a:lumMod val="50000"/>
-                </a:schemeClr>
-              </a:solidFill>
-              <a:latin typeface="Andalus" pitchFamily="18" charset="-78"/>
-              <a:cs typeface="Andalus" pitchFamily="18" charset="-78"/>
-            </a:endParaRPr>
+                    <a:lumMod val="25000"/>
+                  </a:schemeClr>
+                </a:solidFill>
+                <a:latin typeface="Aharoni" pitchFamily="2" charset="-79"/>
+                <a:cs typeface="Aharoni" pitchFamily="2" charset="-79"/>
+              </a:rPr>
+              <a:t>&gt;</a:t>
+            </a:r>
           </a:p>
         </p:txBody>
       </p:sp>
@@ -6233,123 +6239,6 @@
           </a:p>
         </p:txBody>
       </p:sp>
-      <p:sp>
-        <p:nvSpPr>
-          <p:cNvPr id="2" name="1 Marcador de contenido"/>
-          <p:cNvSpPr>
-            <a:spLocks noGrp="1"/>
-          </p:cNvSpPr>
-          <p:nvPr>
-            <p:ph idx="1"/>
-          </p:nvPr>
-        </p:nvSpPr>
-        <p:spPr>
-          <a:xfrm>
-            <a:off x="428596" y="428604"/>
-            <a:ext cx="8229600" cy="552124"/>
-          </a:xfrm>
-        </p:spPr>
-        <p:txBody>
-          <a:bodyPr>
-            <a:normAutofit fontScale="25000" lnSpcReduction="20000"/>
-          </a:bodyPr>
-          <a:lstStyle/>
-          <a:p>
-            <a:pPr marL="109728" indent="0">
-              <a:spcBef>
-                <a:spcPct val="0"/>
-              </a:spcBef>
-              <a:buNone/>
-            </a:pPr>
-            <a:r>
-              <a:rPr lang="es-CL" sz="12800" b="1" dirty="0">
-                <a:solidFill>
-                  <a:schemeClr val="bg2">
-                    <a:lumMod val="50000"/>
-                  </a:schemeClr>
-                </a:solidFill>
-                <a:effectLst>
-                  <a:outerShdw blurRad="31750" dist="25400" dir="5400000" algn="tl" rotWithShape="0">
-                    <a:srgbClr val="000000">
-                      <a:alpha val="25000"/>
-                    </a:srgbClr>
-                  </a:outerShdw>
-                </a:effectLst>
-                <a:latin typeface="Andalus" pitchFamily="18" charset="-78"/>
-                <a:ea typeface="+mj-ea"/>
-                <a:cs typeface="Andalus" pitchFamily="18" charset="-78"/>
-              </a:rPr>
-              <a:t>Añada operaciones y Fórmulas </a:t>
-            </a:r>
-            <a:r>
-              <a:rPr lang="es-CL" sz="12800" b="1" dirty="0">
-                <a:solidFill>
-                  <a:schemeClr val="bg2">
-                    <a:lumMod val="50000"/>
-                  </a:schemeClr>
-                </a:solidFill>
-                <a:effectLst>
-                  <a:outerShdw blurRad="31750" dist="25400" dir="5400000" algn="tl" rotWithShape="0">
-                    <a:srgbClr val="000000">
-                      <a:alpha val="25000"/>
-                    </a:srgbClr>
-                  </a:outerShdw>
-                </a:effectLst>
-                <a:latin typeface="Andalus" pitchFamily="18" charset="-78"/>
-                <a:ea typeface="+mj-ea"/>
-                <a:cs typeface="Andalus" pitchFamily="18" charset="-78"/>
-              </a:rPr>
-              <a:t>&gt;</a:t>
-            </a:r>
-            <a:br>
-              <a:rPr lang="es-CL" sz="12800" b="1" dirty="0">
-                <a:solidFill>
-                  <a:schemeClr val="bg2">
-                    <a:lumMod val="50000"/>
-                  </a:schemeClr>
-                </a:solidFill>
-                <a:effectLst>
-                  <a:outerShdw blurRad="31750" dist="25400" dir="5400000" algn="tl" rotWithShape="0">
-                    <a:srgbClr val="000000">
-                      <a:alpha val="25000"/>
-                    </a:srgbClr>
-                  </a:outerShdw>
-                </a:effectLst>
-                <a:latin typeface="Andalus" pitchFamily="18" charset="-78"/>
-                <a:ea typeface="+mj-ea"/>
-                <a:cs typeface="Andalus" pitchFamily="18" charset="-78"/>
-              </a:rPr>
-            </a:br>
-            <a:endParaRPr lang="es-CL" sz="12800" b="1" dirty="0">
-              <a:solidFill>
-                <a:schemeClr val="bg2">
-                  <a:lumMod val="50000"/>
-                </a:schemeClr>
-              </a:solidFill>
-              <a:effectLst>
-                <a:outerShdw blurRad="31750" dist="25400" dir="5400000" algn="tl" rotWithShape="0">
-                  <a:srgbClr val="000000">
-                    <a:alpha val="25000"/>
-                  </a:srgbClr>
-                </a:outerShdw>
-              </a:effectLst>
-              <a:latin typeface="Andalus" pitchFamily="18" charset="-78"/>
-              <a:ea typeface="+mj-ea"/>
-              <a:cs typeface="Andalus" pitchFamily="18" charset="-78"/>
-            </a:endParaRPr>
-          </a:p>
-          <a:p>
-            <a:pPr marL="109728" indent="0">
-              <a:buNone/>
-            </a:pPr>
-            <a:r>
-              <a:rPr lang="es-CL" sz="2300" dirty="0" smtClean="0"/>
-              <a:t>	</a:t>
-            </a:r>
-            <a:endParaRPr lang="es-CL" sz="2300" dirty="0"/>
-          </a:p>
-        </p:txBody>
-      </p:sp>
       <p:pic>
         <p:nvPicPr>
           <p:cNvPr id="4" name="Picture 4"/>
@@ -6407,8 +6296,8 @@
         </p:nvSpPr>
         <p:spPr>
           <a:xfrm>
-            <a:off x="611560" y="980728"/>
-            <a:ext cx="7860378" cy="1154162"/>
+            <a:off x="611560" y="1116613"/>
+            <a:ext cx="8136904" cy="800219"/>
           </a:xfrm>
           <a:prstGeom prst="rect">
             <a:avLst/>
@@ -6422,18 +6311,7 @@
           <a:p>
             <a:pPr algn="just"/>
             <a:r>
-              <a:rPr lang="es-CL" sz="2300" dirty="0" smtClean="0"/>
-              <a:t>	</a:t>
-            </a:r>
-            <a:br>
-              <a:rPr lang="es-CL" sz="2300" dirty="0" smtClean="0"/>
-            </a:br>
-            <a:r>
-              <a:rPr lang="es-CL" sz="2300" dirty="0" smtClean="0"/>
-              <a:t>	</a:t>
-            </a:r>
-            <a:r>
-              <a:rPr lang="es-CL" sz="2300" dirty="0" smtClean="0">
+              <a:rPr lang="es-CL" sz="2300" dirty="0">
                 <a:solidFill>
                   <a:schemeClr val="accent4">
                     <a:lumMod val="75000"/>
@@ -6442,7 +6320,7 @@
                 <a:latin typeface="Times New Roman" pitchFamily="18" charset="0"/>
                 <a:cs typeface="Times New Roman" pitchFamily="18" charset="0"/>
               </a:rPr>
-              <a:t>Configure </a:t>
+              <a:t>	Configure</a:t>
             </a:r>
             <a:r>
               <a:rPr lang="es-CL" sz="2300" dirty="0">
@@ -6454,7 +6332,7 @@
                 <a:latin typeface="Times New Roman" pitchFamily="18" charset="0"/>
                 <a:cs typeface="Times New Roman" pitchFamily="18" charset="0"/>
               </a:rPr>
-              <a:t>las </a:t>
+              <a:t> </a:t>
             </a:r>
             <a:r>
               <a:rPr lang="es-CL" sz="2300" dirty="0">
@@ -6466,31 +6344,7 @@
                 <a:latin typeface="Times New Roman" pitchFamily="18" charset="0"/>
                 <a:cs typeface="Times New Roman" pitchFamily="18" charset="0"/>
               </a:rPr>
-              <a:t>operatorias necesarias entre los campos de cada </a:t>
-            </a:r>
-            <a:r>
-              <a:rPr lang="es-CL" sz="2300" dirty="0">
-                <a:solidFill>
-                  <a:schemeClr val="accent4">
-                    <a:lumMod val="75000"/>
-                  </a:schemeClr>
-                </a:solidFill>
-                <a:latin typeface="Times New Roman" pitchFamily="18" charset="0"/>
-                <a:cs typeface="Times New Roman" pitchFamily="18" charset="0"/>
-              </a:rPr>
-              <a:t>Revelación, estableciendo </a:t>
-            </a:r>
-            <a:r>
-              <a:rPr lang="es-CL" sz="2300" dirty="0">
-                <a:solidFill>
-                  <a:schemeClr val="accent4">
-                    <a:lumMod val="75000"/>
-                  </a:schemeClr>
-                </a:solidFill>
-                <a:latin typeface="Times New Roman" pitchFamily="18" charset="0"/>
-                <a:cs typeface="Times New Roman" pitchFamily="18" charset="0"/>
-              </a:rPr>
-              <a:t>sumas y restas.</a:t>
+              <a:t>las operatorias necesarias entre los campos de cada Revelación, estableciendo sumas y restas.</a:t>
             </a:r>
           </a:p>
         </p:txBody>
@@ -6547,6 +6401,55 @@
           </a:ln>
         </p:spPr>
       </p:pic>
+      <p:sp>
+        <p:nvSpPr>
+          <p:cNvPr id="9" name="2 Título"/>
+          <p:cNvSpPr>
+            <a:spLocks noGrp="1"/>
+          </p:cNvSpPr>
+          <p:nvPr>
+            <p:ph type="title"/>
+          </p:nvPr>
+        </p:nvSpPr>
+        <p:spPr>
+          <a:xfrm>
+            <a:off x="1160" y="14552"/>
+            <a:ext cx="6299032" cy="637200"/>
+          </a:xfrm>
+        </p:spPr>
+        <p:txBody>
+          <a:bodyPr>
+            <a:noAutofit/>
+          </a:bodyPr>
+          <a:lstStyle/>
+          <a:p>
+            <a:r>
+              <a:rPr lang="es-CL" sz="2800" dirty="0" smtClean="0">
+                <a:solidFill>
+                  <a:schemeClr val="bg2">
+                    <a:lumMod val="50000"/>
+                  </a:schemeClr>
+                </a:solidFill>
+                <a:latin typeface="Aharoni" pitchFamily="2" charset="-79"/>
+                <a:cs typeface="Aharoni" pitchFamily="2" charset="-79"/>
+              </a:rPr>
+              <a:t>Añada operaciones y formulas </a:t>
+            </a:r>
+            <a:r>
+              <a:rPr lang="es-CL" sz="2800" dirty="0">
+                <a:solidFill>
+                  <a:schemeClr val="bg2">
+                    <a:lumMod val="25000"/>
+                  </a:schemeClr>
+                </a:solidFill>
+                <a:latin typeface="Aharoni" pitchFamily="2" charset="-79"/>
+                <a:cs typeface="Aharoni" pitchFamily="2" charset="-79"/>
+              </a:rPr>
+              <a:t>&gt;</a:t>
+            </a:r>
+          </a:p>
+        </p:txBody>
+      </p:sp>
     </p:spTree>
   </p:cSld>
   <p:clrMapOvr>
@@ -6662,8 +6565,8 @@
         </p:nvSpPr>
         <p:spPr>
           <a:xfrm>
-            <a:off x="428596" y="428604"/>
-            <a:ext cx="8229600" cy="552124"/>
+            <a:off x="-5448" y="3680"/>
+            <a:ext cx="7286675" cy="637200"/>
           </a:xfrm>
         </p:spPr>
         <p:txBody>
@@ -6679,7 +6582,7 @@
               <a:buNone/>
             </a:pPr>
             <a:r>
-              <a:rPr lang="es-CL" sz="3200" b="1" dirty="0">
+              <a:rPr lang="es-CL" sz="2800" b="1" dirty="0">
                 <a:solidFill>
                   <a:schemeClr val="bg2">
                     <a:lumMod val="50000"/>
@@ -6692,14 +6595,14 @@
                     </a:srgbClr>
                   </a:outerShdw>
                 </a:effectLst>
-                <a:latin typeface="Andalus" pitchFamily="18" charset="-78"/>
+                <a:latin typeface="Aharoni" pitchFamily="2" charset="-79"/>
                 <a:ea typeface="+mj-ea"/>
-                <a:cs typeface="Andalus" pitchFamily="18" charset="-78"/>
+                <a:cs typeface="Aharoni" pitchFamily="2" charset="-79"/>
               </a:rPr>
               <a:t>Proceso e Ingreso de Información &gt;</a:t>
             </a:r>
             <a:br>
-              <a:rPr lang="es-CL" sz="3200" b="1" dirty="0">
+              <a:rPr lang="es-CL" sz="2800" b="1" dirty="0">
                 <a:solidFill>
                   <a:schemeClr val="bg2">
                     <a:lumMod val="50000"/>
@@ -6712,13 +6615,13 @@
                     </a:srgbClr>
                   </a:outerShdw>
                 </a:effectLst>
-                <a:latin typeface="Andalus" pitchFamily="18" charset="-78"/>
+                <a:latin typeface="Aharoni" pitchFamily="2" charset="-79"/>
                 <a:ea typeface="+mj-ea"/>
-                <a:cs typeface="Andalus" pitchFamily="18" charset="-78"/>
+                <a:cs typeface="Aharoni" pitchFamily="2" charset="-79"/>
               </a:rPr>
             </a:br>
             <a:r>
-              <a:rPr lang="es-CL" sz="3200" b="1" dirty="0">
+              <a:rPr lang="es-CL" sz="2800" b="1" dirty="0">
                 <a:solidFill>
                   <a:schemeClr val="bg2">
                     <a:lumMod val="50000"/>
@@ -6731,14 +6634,14 @@
                     </a:srgbClr>
                   </a:outerShdw>
                 </a:effectLst>
-                <a:latin typeface="Andalus" pitchFamily="18" charset="-78"/>
+                <a:latin typeface="Aharoni" pitchFamily="2" charset="-79"/>
                 <a:ea typeface="+mj-ea"/>
-                <a:cs typeface="Andalus" pitchFamily="18" charset="-78"/>
+                <a:cs typeface="Aharoni" pitchFamily="2" charset="-79"/>
               </a:rPr>
               <a:t/>
             </a:r>
             <a:br>
-              <a:rPr lang="es-CL" sz="3200" b="1" dirty="0">
+              <a:rPr lang="es-CL" sz="2800" b="1" dirty="0">
                 <a:solidFill>
                   <a:schemeClr val="bg2">
                     <a:lumMod val="50000"/>
@@ -6751,12 +6654,12 @@
                     </a:srgbClr>
                   </a:outerShdw>
                 </a:effectLst>
-                <a:latin typeface="Andalus" pitchFamily="18" charset="-78"/>
+                <a:latin typeface="Aharoni" pitchFamily="2" charset="-79"/>
                 <a:ea typeface="+mj-ea"/>
-                <a:cs typeface="Andalus" pitchFamily="18" charset="-78"/>
+                <a:cs typeface="Aharoni" pitchFamily="2" charset="-79"/>
               </a:rPr>
             </a:br>
-            <a:endParaRPr lang="es-CL" sz="3200" b="1" dirty="0">
+            <a:endParaRPr lang="es-CL" sz="2800" b="1" dirty="0">
               <a:solidFill>
                 <a:schemeClr val="bg2">
                   <a:lumMod val="50000"/>
@@ -6769,9 +6672,9 @@
                   </a:srgbClr>
                 </a:outerShdw>
               </a:effectLst>
-              <a:latin typeface="Andalus" pitchFamily="18" charset="-78"/>
+              <a:latin typeface="Aharoni" pitchFamily="2" charset="-79"/>
               <a:ea typeface="+mj-ea"/>
-              <a:cs typeface="Andalus" pitchFamily="18" charset="-78"/>
+              <a:cs typeface="Aharoni" pitchFamily="2" charset="-79"/>
             </a:endParaRPr>
           </a:p>
         </p:txBody>
@@ -6784,8 +6687,8 @@
         </p:nvSpPr>
         <p:spPr>
           <a:xfrm>
-            <a:off x="755576" y="980728"/>
-            <a:ext cx="7632848" cy="1508105"/>
+            <a:off x="755576" y="1122710"/>
+            <a:ext cx="7920880" cy="1154162"/>
           </a:xfrm>
           <a:prstGeom prst="rect">
             <a:avLst/>
@@ -6799,17 +6702,6 @@
           <a:p>
             <a:pPr algn="just"/>
             <a:r>
-              <a:rPr lang="es-CL" sz="2300" dirty="0" smtClean="0"/>
-              <a:t>	</a:t>
-            </a:r>
-          </a:p>
-          <a:p>
-            <a:pPr algn="just"/>
-            <a:r>
-              <a:rPr lang="es-CL" sz="2300" dirty="0" smtClean="0"/>
-              <a:t>	</a:t>
-            </a:r>
-            <a:r>
               <a:rPr lang="es-CL" sz="2300" dirty="0">
                 <a:solidFill>
                   <a:schemeClr val="accent4">
@@ -6819,7 +6711,7 @@
                 <a:latin typeface="Times New Roman" pitchFamily="18" charset="0"/>
                 <a:cs typeface="Times New Roman" pitchFamily="18" charset="0"/>
               </a:rPr>
-              <a:t>Ingrese y almacene su información, para divulgarla de forma oportuna y fácil, </a:t>
+              <a:t>	</a:t>
             </a:r>
             <a:r>
               <a:rPr lang="es-CL" sz="2300" dirty="0">
@@ -6831,7 +6723,7 @@
                 <a:latin typeface="Times New Roman" pitchFamily="18" charset="0"/>
                 <a:cs typeface="Times New Roman" pitchFamily="18" charset="0"/>
               </a:rPr>
-              <a:t>validando dichos ingresos contra sus </a:t>
+              <a:t>Ingrese</a:t>
             </a:r>
             <a:r>
               <a:rPr lang="es-CL" sz="2300" dirty="0">
@@ -6843,17 +6735,20 @@
                 <a:latin typeface="Times New Roman" pitchFamily="18" charset="0"/>
                 <a:cs typeface="Times New Roman" pitchFamily="18" charset="0"/>
               </a:rPr>
-              <a:t>EEFF.</a:t>
-            </a:r>
-            <a:endParaRPr lang="es-CL" sz="2300" dirty="0">
-              <a:solidFill>
-                <a:schemeClr val="accent4">
-                  <a:lumMod val="75000"/>
-                </a:schemeClr>
-              </a:solidFill>
-              <a:latin typeface="Times New Roman" pitchFamily="18" charset="0"/>
-              <a:cs typeface="Times New Roman" pitchFamily="18" charset="0"/>
-            </a:endParaRPr>
+              <a:t> </a:t>
+            </a:r>
+            <a:r>
+              <a:rPr lang="es-CL" sz="2300" dirty="0">
+                <a:solidFill>
+                  <a:schemeClr val="accent4">
+                    <a:lumMod val="75000"/>
+                  </a:schemeClr>
+                </a:solidFill>
+                <a:latin typeface="Times New Roman" pitchFamily="18" charset="0"/>
+                <a:cs typeface="Times New Roman" pitchFamily="18" charset="0"/>
+              </a:rPr>
+              <a:t>y almacene su información, para divulgarla de forma oportuna y fácil, validando dichos ingresos contra sus EEFF.</a:t>
+            </a:r>
           </a:p>
         </p:txBody>
       </p:sp>
@@ -7097,8 +6992,8 @@
         </p:nvSpPr>
         <p:spPr>
           <a:xfrm>
-            <a:off x="428596" y="428604"/>
-            <a:ext cx="8229600" cy="552124"/>
+            <a:off x="0" y="0"/>
+            <a:ext cx="5727580" cy="637200"/>
           </a:xfrm>
         </p:spPr>
         <p:txBody>
@@ -7114,7 +7009,7 @@
               <a:buNone/>
             </a:pPr>
             <a:r>
-              <a:rPr lang="es-CL" sz="3200" b="1" dirty="0">
+              <a:rPr lang="es-CL" sz="2800" b="1" dirty="0">
                 <a:solidFill>
                   <a:schemeClr val="bg2">
                     <a:lumMod val="50000"/>
@@ -7127,17 +7022,17 @@
                     </a:srgbClr>
                   </a:outerShdw>
                 </a:effectLst>
-                <a:latin typeface="Andalus" pitchFamily="18" charset="-78"/>
+                <a:latin typeface="Aharoni" pitchFamily="2" charset="-79"/>
                 <a:ea typeface="+mj-ea"/>
-                <a:cs typeface="Andalus" pitchFamily="18" charset="-78"/>
+                <a:cs typeface="Aharoni" pitchFamily="2" charset="-79"/>
               </a:rPr>
               <a:t>Workflow de Aprobación </a:t>
             </a:r>
             <a:r>
-              <a:rPr lang="es-CL" sz="3200" b="1" dirty="0">
+              <a:rPr lang="es-CL" sz="2800" b="1" dirty="0">
                 <a:solidFill>
                   <a:schemeClr val="bg2">
-                    <a:lumMod val="50000"/>
+                    <a:lumMod val="25000"/>
                   </a:schemeClr>
                 </a:solidFill>
                 <a:effectLst>
@@ -7147,14 +7042,14 @@
                     </a:srgbClr>
                   </a:outerShdw>
                 </a:effectLst>
-                <a:latin typeface="Andalus" pitchFamily="18" charset="-78"/>
+                <a:latin typeface="Aharoni" pitchFamily="2" charset="-79"/>
                 <a:ea typeface="+mj-ea"/>
-                <a:cs typeface="Andalus" pitchFamily="18" charset="-78"/>
+                <a:cs typeface="Aharoni" pitchFamily="2" charset="-79"/>
               </a:rPr>
               <a:t>&gt;</a:t>
             </a:r>
-            <a:br>
-              <a:rPr lang="es-CL" sz="3200" b="1" dirty="0">
+            <a:r>
+              <a:rPr lang="es-CL" sz="2800" b="1" dirty="0">
                 <a:solidFill>
                   <a:schemeClr val="bg2">
                     <a:lumMod val="50000"/>
@@ -7167,13 +7062,14 @@
                     </a:srgbClr>
                   </a:outerShdw>
                 </a:effectLst>
-                <a:latin typeface="Andalus" pitchFamily="18" charset="-78"/>
+                <a:latin typeface="Aharoni" pitchFamily="2" charset="-79"/>
                 <a:ea typeface="+mj-ea"/>
-                <a:cs typeface="Andalus" pitchFamily="18" charset="-78"/>
-              </a:rPr>
-            </a:br>
-            <a:r>
-              <a:rPr lang="es-CL" sz="3200" b="1" dirty="0">
+                <a:cs typeface="Aharoni" pitchFamily="2" charset="-79"/>
+              </a:rPr>
+              <a:t/>
+            </a:r>
+            <a:br>
+              <a:rPr lang="es-CL" sz="2800" b="1" dirty="0">
                 <a:solidFill>
                   <a:schemeClr val="bg2">
                     <a:lumMod val="50000"/>
@@ -7186,14 +7082,13 @@
                     </a:srgbClr>
                   </a:outerShdw>
                 </a:effectLst>
-                <a:latin typeface="Andalus" pitchFamily="18" charset="-78"/>
+                <a:latin typeface="Aharoni" pitchFamily="2" charset="-79"/>
                 <a:ea typeface="+mj-ea"/>
-                <a:cs typeface="Andalus" pitchFamily="18" charset="-78"/>
-              </a:rPr>
-              <a:t/>
-            </a:r>
-            <a:br>
-              <a:rPr lang="es-CL" sz="3200" b="1" dirty="0">
+                <a:cs typeface="Aharoni" pitchFamily="2" charset="-79"/>
+              </a:rPr>
+            </a:br>
+            <a:r>
+              <a:rPr lang="es-CL" sz="2800" b="1" dirty="0">
                 <a:solidFill>
                   <a:schemeClr val="bg2">
                     <a:lumMod val="50000"/>
@@ -7206,12 +7101,32 @@
                     </a:srgbClr>
                   </a:outerShdw>
                 </a:effectLst>
-                <a:latin typeface="Andalus" pitchFamily="18" charset="-78"/>
+                <a:latin typeface="Aharoni" pitchFamily="2" charset="-79"/>
                 <a:ea typeface="+mj-ea"/>
-                <a:cs typeface="Andalus" pitchFamily="18" charset="-78"/>
+                <a:cs typeface="Aharoni" pitchFamily="2" charset="-79"/>
+              </a:rPr>
+              <a:t/>
+            </a:r>
+            <a:br>
+              <a:rPr lang="es-CL" sz="2800" b="1" dirty="0">
+                <a:solidFill>
+                  <a:schemeClr val="bg2">
+                    <a:lumMod val="50000"/>
+                  </a:schemeClr>
+                </a:solidFill>
+                <a:effectLst>
+                  <a:outerShdw blurRad="31750" dist="25400" dir="5400000" algn="tl" rotWithShape="0">
+                    <a:srgbClr val="000000">
+                      <a:alpha val="25000"/>
+                    </a:srgbClr>
+                  </a:outerShdw>
+                </a:effectLst>
+                <a:latin typeface="Aharoni" pitchFamily="2" charset="-79"/>
+                <a:ea typeface="+mj-ea"/>
+                <a:cs typeface="Aharoni" pitchFamily="2" charset="-79"/>
               </a:rPr>
             </a:br>
-            <a:endParaRPr lang="es-CL" sz="3200" b="1" dirty="0">
+            <a:endParaRPr lang="es-CL" sz="2800" b="1" dirty="0">
               <a:solidFill>
                 <a:schemeClr val="bg2">
                   <a:lumMod val="50000"/>
@@ -7224,9 +7139,9 @@
                   </a:srgbClr>
                 </a:outerShdw>
               </a:effectLst>
-              <a:latin typeface="Andalus" pitchFamily="18" charset="-78"/>
+              <a:latin typeface="Aharoni" pitchFamily="2" charset="-79"/>
               <a:ea typeface="+mj-ea"/>
-              <a:cs typeface="Andalus" pitchFamily="18" charset="-78"/>
+              <a:cs typeface="Aharoni" pitchFamily="2" charset="-79"/>
             </a:endParaRPr>
           </a:p>
         </p:txBody>
@@ -7288,8 +7203,8 @@
         </p:nvSpPr>
         <p:spPr>
           <a:xfrm>
-            <a:off x="958872" y="764704"/>
-            <a:ext cx="7357544" cy="800219"/>
+            <a:off x="958872" y="1110516"/>
+            <a:ext cx="7357544" cy="446276"/>
           </a:xfrm>
           <a:prstGeom prst="rect">
             <a:avLst/>
@@ -7303,13 +7218,6 @@
           <a:p>
             <a:pPr algn="just"/>
             <a:r>
-              <a:rPr lang="es-CL" sz="2300" dirty="0" smtClean="0"/>
-              <a:t>	</a:t>
-            </a:r>
-          </a:p>
-          <a:p>
-            <a:pPr algn="just"/>
-            <a:r>
               <a:rPr lang="es-CL" sz="2300" dirty="0">
                 <a:solidFill>
                   <a:schemeClr val="accent4">
@@ -7319,7 +7227,19 @@
                 <a:latin typeface="Times New Roman" pitchFamily="18" charset="0"/>
                 <a:cs typeface="Times New Roman" pitchFamily="18" charset="0"/>
               </a:rPr>
-              <a:t>Mantenga el control sobre el estado de los RF por periodo.</a:t>
+              <a:t>Mantenga </a:t>
+            </a:r>
+            <a:r>
+              <a:rPr lang="es-CL" sz="2300" dirty="0">
+                <a:solidFill>
+                  <a:schemeClr val="accent4">
+                    <a:lumMod val="75000"/>
+                  </a:schemeClr>
+                </a:solidFill>
+                <a:latin typeface="Times New Roman" pitchFamily="18" charset="0"/>
+                <a:cs typeface="Times New Roman" pitchFamily="18" charset="0"/>
+              </a:rPr>
+              <a:t>el control sobre el estado de los RF por periodo.</a:t>
             </a:r>
           </a:p>
         </p:txBody>
@@ -7467,13 +7387,13 @@
         </p:nvSpPr>
         <p:spPr>
           <a:xfrm>
-            <a:off x="428596" y="428604"/>
-            <a:ext cx="8229600" cy="552124"/>
+            <a:off x="-14290" y="8879"/>
+            <a:ext cx="6600202" cy="637200"/>
           </a:xfrm>
         </p:spPr>
         <p:txBody>
           <a:bodyPr>
-            <a:normAutofit fontScale="25000" lnSpcReduction="20000"/>
+            <a:noAutofit/>
           </a:bodyPr>
           <a:lstStyle/>
           <a:p>
@@ -7481,7 +7401,7 @@
               <a:buNone/>
             </a:pPr>
             <a:r>
-              <a:rPr lang="es-CL" sz="12800" b="1" dirty="0">
+              <a:rPr lang="es-CL" sz="3200" b="1" dirty="0">
                 <a:solidFill>
                   <a:schemeClr val="bg2">
                     <a:lumMod val="50000"/>
@@ -7494,17 +7414,17 @@
                     </a:srgbClr>
                   </a:outerShdw>
                 </a:effectLst>
-                <a:latin typeface="Andalus" pitchFamily="18" charset="-78"/>
+                <a:latin typeface="Aharoni" pitchFamily="2" charset="-79"/>
                 <a:ea typeface="+mj-ea"/>
-                <a:cs typeface="Andalus" pitchFamily="18" charset="-78"/>
+                <a:cs typeface="Aharoni" pitchFamily="2" charset="-79"/>
               </a:rPr>
               <a:t>Validación en base a sus EE.FF </a:t>
             </a:r>
             <a:r>
-              <a:rPr lang="es-CL" sz="12800" b="1" dirty="0">
+              <a:rPr lang="es-CL" sz="3200" b="1" dirty="0">
                 <a:solidFill>
                   <a:schemeClr val="bg2">
-                    <a:lumMod val="50000"/>
+                    <a:lumMod val="25000"/>
                   </a:schemeClr>
                 </a:solidFill>
                 <a:effectLst>
@@ -7514,17 +7434,17 @@
                     </a:srgbClr>
                   </a:outerShdw>
                 </a:effectLst>
-                <a:latin typeface="Andalus" pitchFamily="18" charset="-78"/>
+                <a:latin typeface="Aharoni" pitchFamily="2" charset="-79"/>
                 <a:ea typeface="+mj-ea"/>
-                <a:cs typeface="Andalus" pitchFamily="18" charset="-78"/>
+                <a:cs typeface="Aharoni" pitchFamily="2" charset="-79"/>
               </a:rPr>
               <a:t>&gt;</a:t>
             </a:r>
             <a:br>
-              <a:rPr lang="es-CL" sz="12800" b="1" dirty="0">
+              <a:rPr lang="es-CL" sz="3200" b="1" dirty="0">
                 <a:solidFill>
                   <a:schemeClr val="bg2">
-                    <a:lumMod val="50000"/>
+                    <a:lumMod val="25000"/>
                   </a:schemeClr>
                 </a:solidFill>
                 <a:effectLst>
@@ -7534,15 +7454,17 @@
                     </a:srgbClr>
                   </a:outerShdw>
                 </a:effectLst>
-                <a:latin typeface="Andalus" pitchFamily="18" charset="-78"/>
+                <a:latin typeface="Aharoni" pitchFamily="2" charset="-79"/>
                 <a:ea typeface="+mj-ea"/>
-                <a:cs typeface="Andalus" pitchFamily="18" charset="-78"/>
+                <a:cs typeface="Aharoni" pitchFamily="2" charset="-79"/>
               </a:rPr>
             </a:br>
             <a:r>
-              <a:rPr lang="es-CL" sz="11600" b="1" dirty="0">
-                <a:solidFill>
-                  <a:schemeClr val="tx2"/>
+              <a:rPr lang="es-CL" sz="3200" b="1" dirty="0">
+                <a:solidFill>
+                  <a:schemeClr val="bg2">
+                    <a:lumMod val="50000"/>
+                  </a:schemeClr>
                 </a:solidFill>
                 <a:effectLst>
                   <a:outerShdw blurRad="31750" dist="25400" dir="5400000" algn="tl" rotWithShape="0">
@@ -7551,16 +7473,18 @@
                     </a:srgbClr>
                   </a:outerShdw>
                 </a:effectLst>
-                <a:latin typeface="Arial Black" pitchFamily="34" charset="0"/>
+                <a:latin typeface="Aharoni" pitchFamily="2" charset="-79"/>
                 <a:ea typeface="+mj-ea"/>
-                <a:cs typeface="+mj-cs"/>
+                <a:cs typeface="Aharoni" pitchFamily="2" charset="-79"/>
               </a:rPr>
               <a:t/>
             </a:r>
             <a:br>
-              <a:rPr lang="es-CL" sz="11600" b="1" dirty="0">
-                <a:solidFill>
-                  <a:schemeClr val="tx2"/>
+              <a:rPr lang="es-CL" sz="3200" b="1" dirty="0">
+                <a:solidFill>
+                  <a:schemeClr val="bg2">
+                    <a:lumMod val="50000"/>
+                  </a:schemeClr>
                 </a:solidFill>
                 <a:effectLst>
                   <a:outerShdw blurRad="31750" dist="25400" dir="5400000" algn="tl" rotWithShape="0">
@@ -7569,16 +7493,48 @@
                     </a:srgbClr>
                   </a:outerShdw>
                 </a:effectLst>
-                <a:latin typeface="Arial Black" pitchFamily="34" charset="0"/>
+                <a:latin typeface="Aharoni" pitchFamily="2" charset="-79"/>
                 <a:ea typeface="+mj-ea"/>
-                <a:cs typeface="+mj-cs"/>
+                <a:cs typeface="Aharoni" pitchFamily="2" charset="-79"/>
               </a:rPr>
             </a:br>
             <a:r>
-              <a:rPr lang="es-CL" dirty="0" smtClean="0"/>
+              <a:rPr lang="es-CL" sz="3200" b="1" dirty="0">
+                <a:solidFill>
+                  <a:schemeClr val="bg2">
+                    <a:lumMod val="50000"/>
+                  </a:schemeClr>
+                </a:solidFill>
+                <a:effectLst>
+                  <a:outerShdw blurRad="31750" dist="25400" dir="5400000" algn="tl" rotWithShape="0">
+                    <a:srgbClr val="000000">
+                      <a:alpha val="25000"/>
+                    </a:srgbClr>
+                  </a:outerShdw>
+                </a:effectLst>
+                <a:latin typeface="Aharoni" pitchFamily="2" charset="-79"/>
+                <a:ea typeface="+mj-ea"/>
+                <a:cs typeface="Aharoni" pitchFamily="2" charset="-79"/>
+              </a:rPr>
               <a:t>	</a:t>
             </a:r>
-            <a:endParaRPr lang="es-CL" sz="2300" dirty="0"/>
+            <a:endParaRPr lang="es-CL" sz="3200" b="1" dirty="0">
+              <a:solidFill>
+                <a:schemeClr val="bg2">
+                  <a:lumMod val="50000"/>
+                </a:schemeClr>
+              </a:solidFill>
+              <a:effectLst>
+                <a:outerShdw blurRad="31750" dist="25400" dir="5400000" algn="tl" rotWithShape="0">
+                  <a:srgbClr val="000000">
+                    <a:alpha val="25000"/>
+                  </a:srgbClr>
+                </a:outerShdw>
+              </a:effectLst>
+              <a:latin typeface="Aharoni" pitchFamily="2" charset="-79"/>
+              <a:ea typeface="+mj-ea"/>
+              <a:cs typeface="Aharoni" pitchFamily="2" charset="-79"/>
+            </a:endParaRPr>
           </a:p>
         </p:txBody>
       </p:sp>
@@ -7590,8 +7546,8 @@
         </p:nvSpPr>
         <p:spPr>
           <a:xfrm>
-            <a:off x="827584" y="692696"/>
-            <a:ext cx="7992888" cy="1169551"/>
+            <a:off x="827584" y="1116613"/>
+            <a:ext cx="7992888" cy="800219"/>
           </a:xfrm>
           <a:prstGeom prst="rect">
             <a:avLst/>
@@ -7604,13 +7560,7 @@
           <a:lstStyle/>
           <a:p>
             <a:r>
-              <a:rPr lang="es-CL" sz="2300" dirty="0" smtClean="0"/>
-              <a:t>	</a:t>
-            </a:r>
-          </a:p>
-          <a:p>
-            <a:r>
-              <a:rPr lang="es-CL" sz="2300" dirty="0">
+              <a:rPr lang="es-CL" sz="2300" dirty="0" smtClean="0">
                 <a:solidFill>
                   <a:schemeClr val="accent4">
                     <a:lumMod val="75000"/>
@@ -7619,7 +7569,7 @@
                 <a:latin typeface="Times New Roman" pitchFamily="18" charset="0"/>
                 <a:cs typeface="Times New Roman" pitchFamily="18" charset="0"/>
               </a:rPr>
-              <a:t>Cargue </a:t>
+              <a:t>	</a:t>
             </a:r>
             <a:r>
               <a:rPr lang="es-CL" sz="2300" dirty="0">
@@ -7631,7 +7581,7 @@
                 <a:latin typeface="Times New Roman" pitchFamily="18" charset="0"/>
                 <a:cs typeface="Times New Roman" pitchFamily="18" charset="0"/>
               </a:rPr>
-              <a:t>sus </a:t>
+              <a:t>Cargue </a:t>
             </a:r>
             <a:r>
               <a:rPr lang="es-CL" sz="2300" dirty="0">
@@ -7643,89 +7593,8 @@
                 <a:latin typeface="Times New Roman" pitchFamily="18" charset="0"/>
                 <a:cs typeface="Times New Roman" pitchFamily="18" charset="0"/>
               </a:rPr>
-              <a:t>Estados </a:t>
-            </a:r>
-            <a:r>
-              <a:rPr lang="es-CL" sz="2300" dirty="0">
-                <a:solidFill>
-                  <a:schemeClr val="accent4">
-                    <a:lumMod val="75000"/>
-                  </a:schemeClr>
-                </a:solidFill>
-                <a:latin typeface="Times New Roman" pitchFamily="18" charset="0"/>
-                <a:cs typeface="Times New Roman" pitchFamily="18" charset="0"/>
-              </a:rPr>
-              <a:t>F</a:t>
-            </a:r>
-            <a:r>
-              <a:rPr lang="es-CL" sz="2300" dirty="0">
-                <a:solidFill>
-                  <a:schemeClr val="accent4">
-                    <a:lumMod val="75000"/>
-                  </a:schemeClr>
-                </a:solidFill>
-                <a:latin typeface="Times New Roman" pitchFamily="18" charset="0"/>
-                <a:cs typeface="Times New Roman" pitchFamily="18" charset="0"/>
-              </a:rPr>
-              <a:t>inancieros </a:t>
-            </a:r>
-            <a:r>
-              <a:rPr lang="es-CL" sz="2300" dirty="0">
-                <a:solidFill>
-                  <a:schemeClr val="accent4">
-                    <a:lumMod val="75000"/>
-                  </a:schemeClr>
-                </a:solidFill>
-                <a:latin typeface="Times New Roman" pitchFamily="18" charset="0"/>
-                <a:cs typeface="Times New Roman" pitchFamily="18" charset="0"/>
-              </a:rPr>
-              <a:t>en EXFIDA </a:t>
-            </a:r>
-            <a:r>
-              <a:rPr lang="es-CL" sz="2300" dirty="0">
-                <a:solidFill>
-                  <a:schemeClr val="accent4">
-                    <a:lumMod val="75000"/>
-                  </a:schemeClr>
-                </a:solidFill>
-                <a:latin typeface="Times New Roman" pitchFamily="18" charset="0"/>
-                <a:cs typeface="Times New Roman" pitchFamily="18" charset="0"/>
-              </a:rPr>
-              <a:t>y </a:t>
-            </a:r>
-            <a:r>
-              <a:rPr lang="es-CL" sz="2300" dirty="0">
-                <a:solidFill>
-                  <a:schemeClr val="accent4">
-                    <a:lumMod val="75000"/>
-                  </a:schemeClr>
-                </a:solidFill>
-                <a:latin typeface="Times New Roman" pitchFamily="18" charset="0"/>
-                <a:cs typeface="Times New Roman" pitchFamily="18" charset="0"/>
-              </a:rPr>
-              <a:t>valide sus </a:t>
-            </a:r>
-            <a:r>
-              <a:rPr lang="es-CL" sz="2300" dirty="0">
-                <a:solidFill>
-                  <a:schemeClr val="accent4">
-                    <a:lumMod val="75000"/>
-                  </a:schemeClr>
-                </a:solidFill>
-                <a:latin typeface="Times New Roman" pitchFamily="18" charset="0"/>
-                <a:cs typeface="Times New Roman" pitchFamily="18" charset="0"/>
-              </a:rPr>
-              <a:t>Revelaciones en base a estos.</a:t>
-            </a:r>
-            <a:endParaRPr lang="es-CL" sz="2300" dirty="0">
-              <a:solidFill>
-                <a:schemeClr val="accent4">
-                  <a:lumMod val="75000"/>
-                </a:schemeClr>
-              </a:solidFill>
-              <a:latin typeface="Times New Roman" pitchFamily="18" charset="0"/>
-              <a:cs typeface="Times New Roman" pitchFamily="18" charset="0"/>
-            </a:endParaRPr>
+              <a:t>sus Estados Financieros en EXFIDA y valide sus Revelaciones en base a estos.</a:t>
+            </a:r>
           </a:p>
         </p:txBody>
       </p:sp>
@@ -7969,13 +7838,13 @@
         </p:nvSpPr>
         <p:spPr>
           <a:xfrm>
-            <a:off x="428596" y="428604"/>
-            <a:ext cx="8229600" cy="552124"/>
+            <a:off x="4928" y="3680"/>
+            <a:ext cx="6007232" cy="637200"/>
           </a:xfrm>
         </p:spPr>
         <p:txBody>
           <a:bodyPr>
-            <a:normAutofit fontScale="25000" lnSpcReduction="20000"/>
+            <a:noAutofit/>
           </a:bodyPr>
           <a:lstStyle/>
           <a:p>
@@ -7983,7 +7852,7 @@
               <a:buNone/>
             </a:pPr>
             <a:r>
-              <a:rPr lang="es-CL" sz="12800" b="1" dirty="0">
+              <a:rPr lang="es-CL" sz="2800" b="1" dirty="0">
                 <a:solidFill>
                   <a:schemeClr val="bg2">
                     <a:lumMod val="50000"/>
@@ -7996,17 +7865,17 @@
                     </a:srgbClr>
                   </a:outerShdw>
                 </a:effectLst>
-                <a:latin typeface="Andalus" pitchFamily="18" charset="-78"/>
+                <a:latin typeface="Aharoni" pitchFamily="2" charset="-79"/>
                 <a:ea typeface="+mj-ea"/>
-                <a:cs typeface="Andalus" pitchFamily="18" charset="-78"/>
-              </a:rPr>
-              <a:t>Notificador </a:t>
-            </a:r>
-            <a:r>
-              <a:rPr lang="es-CL" sz="12800" b="1" dirty="0">
+                <a:cs typeface="Aharoni" pitchFamily="2" charset="-79"/>
+              </a:rPr>
+              <a:t>Notificador de Cambios en EEFF </a:t>
+            </a:r>
+            <a:r>
+              <a:rPr lang="es-CL" sz="2800" b="1" dirty="0">
                 <a:solidFill>
                   <a:schemeClr val="bg2">
-                    <a:lumMod val="50000"/>
+                    <a:lumMod val="25000"/>
                   </a:schemeClr>
                 </a:solidFill>
                 <a:effectLst>
@@ -8016,14 +7885,14 @@
                     </a:srgbClr>
                   </a:outerShdw>
                 </a:effectLst>
-                <a:latin typeface="Andalus" pitchFamily="18" charset="-78"/>
+                <a:latin typeface="Aharoni" pitchFamily="2" charset="-79"/>
                 <a:ea typeface="+mj-ea"/>
-                <a:cs typeface="Andalus" pitchFamily="18" charset="-78"/>
-              </a:rPr>
-              <a:t>de </a:t>
-            </a:r>
-            <a:r>
-              <a:rPr lang="es-CL" sz="12800" b="1" dirty="0">
+                <a:cs typeface="Aharoni" pitchFamily="2" charset="-79"/>
+              </a:rPr>
+              <a:t>&gt;</a:t>
+            </a:r>
+            <a:r>
+              <a:rPr lang="es-CL" sz="2800" b="1" dirty="0">
                 <a:solidFill>
                   <a:schemeClr val="bg2">
                     <a:lumMod val="50000"/>
@@ -8036,14 +7905,14 @@
                     </a:srgbClr>
                   </a:outerShdw>
                 </a:effectLst>
-                <a:latin typeface="Andalus" pitchFamily="18" charset="-78"/>
+                <a:latin typeface="Aharoni" pitchFamily="2" charset="-79"/>
                 <a:ea typeface="+mj-ea"/>
-                <a:cs typeface="Andalus" pitchFamily="18" charset="-78"/>
-              </a:rPr>
-              <a:t>Cambios en EEFF </a:t>
-            </a:r>
-            <a:r>
-              <a:rPr lang="es-CL" sz="12800" b="1" dirty="0">
+                <a:cs typeface="Aharoni" pitchFamily="2" charset="-79"/>
+              </a:rPr>
+              <a:t/>
+            </a:r>
+            <a:br>
+              <a:rPr lang="es-CL" sz="2800" b="1" dirty="0">
                 <a:solidFill>
                   <a:schemeClr val="bg2">
                     <a:lumMod val="50000"/>
@@ -8056,14 +7925,13 @@
                     </a:srgbClr>
                   </a:outerShdw>
                 </a:effectLst>
-                <a:latin typeface="Andalus" pitchFamily="18" charset="-78"/>
+                <a:latin typeface="Aharoni" pitchFamily="2" charset="-79"/>
                 <a:ea typeface="+mj-ea"/>
-                <a:cs typeface="Andalus" pitchFamily="18" charset="-78"/>
-              </a:rPr>
-              <a:t>&gt;</a:t>
-            </a:r>
-            <a:br>
-              <a:rPr lang="es-CL" sz="12800" b="1" dirty="0">
+                <a:cs typeface="Aharoni" pitchFamily="2" charset="-79"/>
+              </a:rPr>
+            </a:br>
+            <a:r>
+              <a:rPr lang="es-CL" sz="2800" b="1" dirty="0">
                 <a:solidFill>
                   <a:schemeClr val="bg2">
                     <a:lumMod val="50000"/>
@@ -8076,13 +7944,14 @@
                     </a:srgbClr>
                   </a:outerShdw>
                 </a:effectLst>
-                <a:latin typeface="Andalus" pitchFamily="18" charset="-78"/>
+                <a:latin typeface="Aharoni" pitchFamily="2" charset="-79"/>
                 <a:ea typeface="+mj-ea"/>
-                <a:cs typeface="Andalus" pitchFamily="18" charset="-78"/>
-              </a:rPr>
-            </a:br>
-            <a:r>
-              <a:rPr lang="es-CL" sz="12800" b="1" dirty="0">
+                <a:cs typeface="Aharoni" pitchFamily="2" charset="-79"/>
+              </a:rPr>
+              <a:t/>
+            </a:r>
+            <a:br>
+              <a:rPr lang="es-CL" sz="2800" b="1" dirty="0">
                 <a:solidFill>
                   <a:schemeClr val="bg2">
                     <a:lumMod val="50000"/>
@@ -8095,14 +7964,13 @@
                     </a:srgbClr>
                   </a:outerShdw>
                 </a:effectLst>
-                <a:latin typeface="Andalus" pitchFamily="18" charset="-78"/>
+                <a:latin typeface="Aharoni" pitchFamily="2" charset="-79"/>
                 <a:ea typeface="+mj-ea"/>
-                <a:cs typeface="Andalus" pitchFamily="18" charset="-78"/>
-              </a:rPr>
-              <a:t/>
-            </a:r>
-            <a:br>
-              <a:rPr lang="es-CL" sz="12800" b="1" dirty="0">
+                <a:cs typeface="Aharoni" pitchFamily="2" charset="-79"/>
+              </a:rPr>
+            </a:br>
+            <a:r>
+              <a:rPr lang="es-CL" sz="2800" b="1" dirty="0">
                 <a:solidFill>
                   <a:schemeClr val="bg2">
                     <a:lumMod val="50000"/>
@@ -8115,16 +7983,29 @@
                     </a:srgbClr>
                   </a:outerShdw>
                 </a:effectLst>
-                <a:latin typeface="Andalus" pitchFamily="18" charset="-78"/>
+                <a:latin typeface="Aharoni" pitchFamily="2" charset="-79"/>
                 <a:ea typeface="+mj-ea"/>
-                <a:cs typeface="Andalus" pitchFamily="18" charset="-78"/>
-              </a:rPr>
-            </a:br>
-            <a:r>
-              <a:rPr lang="es-CL" dirty="0" smtClean="0"/>
+                <a:cs typeface="Aharoni" pitchFamily="2" charset="-79"/>
+              </a:rPr>
               <a:t>	</a:t>
             </a:r>
-            <a:endParaRPr lang="es-CL" sz="2300" dirty="0"/>
+            <a:endParaRPr lang="es-CL" sz="2800" b="1" dirty="0">
+              <a:solidFill>
+                <a:schemeClr val="bg2">
+                  <a:lumMod val="50000"/>
+                </a:schemeClr>
+              </a:solidFill>
+              <a:effectLst>
+                <a:outerShdw blurRad="31750" dist="25400" dir="5400000" algn="tl" rotWithShape="0">
+                  <a:srgbClr val="000000">
+                    <a:alpha val="25000"/>
+                  </a:srgbClr>
+                </a:outerShdw>
+              </a:effectLst>
+              <a:latin typeface="Aharoni" pitchFamily="2" charset="-79"/>
+              <a:ea typeface="+mj-ea"/>
+              <a:cs typeface="Aharoni" pitchFamily="2" charset="-79"/>
+            </a:endParaRPr>
           </a:p>
         </p:txBody>
       </p:sp>
@@ -8185,8 +8066,8 @@
         </p:nvSpPr>
         <p:spPr>
           <a:xfrm>
-            <a:off x="683568" y="764704"/>
-            <a:ext cx="7992888" cy="1154162"/>
+            <a:off x="683568" y="1116613"/>
+            <a:ext cx="7992888" cy="800219"/>
           </a:xfrm>
           <a:prstGeom prst="rect">
             <a:avLst/>
@@ -8199,13 +8080,11 @@
           <a:lstStyle/>
           <a:p>
             <a:r>
-              <a:rPr lang="es-CL" sz="2300" dirty="0" smtClean="0"/>
+              <a:rPr lang="es-CL" sz="2300" dirty="0"/>
               <a:t>	</a:t>
             </a:r>
-          </a:p>
-          <a:p>
-            <a:r>
-              <a:rPr lang="es-CL" sz="2300" dirty="0" smtClean="0">
+            <a:r>
+              <a:rPr lang="es-CL" sz="2300" dirty="0">
                 <a:solidFill>
                   <a:schemeClr val="accent4">
                     <a:lumMod val="75000"/>
@@ -8214,7 +8093,7 @@
                 <a:latin typeface="Times New Roman" pitchFamily="18" charset="0"/>
                 <a:cs typeface="Times New Roman" pitchFamily="18" charset="0"/>
               </a:rPr>
-              <a:t>	Notifique </a:t>
+              <a:t>Notifique </a:t>
             </a:r>
             <a:r>
               <a:rPr lang="es-CL" sz="2300" dirty="0">
@@ -8226,17 +8105,56 @@
                 <a:latin typeface="Times New Roman" pitchFamily="18" charset="0"/>
                 <a:cs typeface="Times New Roman" pitchFamily="18" charset="0"/>
               </a:rPr>
-              <a:t>a sus Áreas de Negocio el cambio en sus Estados Financieros para la cuadratura de sus Revelaciones.</a:t>
-            </a:r>
-            <a:endParaRPr lang="es-CL" sz="2300" dirty="0">
-              <a:solidFill>
-                <a:schemeClr val="accent4">
-                  <a:lumMod val="75000"/>
-                </a:schemeClr>
-              </a:solidFill>
-              <a:latin typeface="Times New Roman" pitchFamily="18" charset="0"/>
-              <a:cs typeface="Times New Roman" pitchFamily="18" charset="0"/>
-            </a:endParaRPr>
+              <a:t>a sus Áreas de Negocio el cambio en sus </a:t>
+            </a:r>
+            <a:r>
+              <a:rPr lang="es-CL" sz="2300" dirty="0">
+                <a:solidFill>
+                  <a:schemeClr val="accent4">
+                    <a:lumMod val="75000"/>
+                  </a:schemeClr>
+                </a:solidFill>
+                <a:latin typeface="Times New Roman" pitchFamily="18" charset="0"/>
+                <a:cs typeface="Times New Roman" pitchFamily="18" charset="0"/>
+              </a:rPr>
+              <a:t>estados financieros </a:t>
+            </a:r>
+            <a:r>
+              <a:rPr lang="es-CL" sz="2300" dirty="0">
+                <a:solidFill>
+                  <a:schemeClr val="accent4">
+                    <a:lumMod val="75000"/>
+                  </a:schemeClr>
+                </a:solidFill>
+                <a:latin typeface="Times New Roman" pitchFamily="18" charset="0"/>
+                <a:cs typeface="Times New Roman" pitchFamily="18" charset="0"/>
+              </a:rPr>
+              <a:t>para la cuadratura de sus </a:t>
+            </a:r>
+            <a:r>
+              <a:rPr lang="es-CL" sz="2300" dirty="0">
+                <a:solidFill>
+                  <a:schemeClr val="accent4">
+                    <a:lumMod val="75000"/>
+                  </a:schemeClr>
+                </a:solidFill>
+                <a:latin typeface="Times New Roman" pitchFamily="18" charset="0"/>
+                <a:cs typeface="Times New Roman" pitchFamily="18" charset="0"/>
+              </a:rPr>
+              <a:t>revelaciones</a:t>
+            </a:r>
+            <a:r>
+              <a:rPr lang="es-CL" sz="2300" dirty="0">
+                <a:solidFill>
+                  <a:schemeClr val="accent4">
+                    <a:lumMod val="75000"/>
+                  </a:schemeClr>
+                </a:solidFill>
+                <a:latin typeface="Times New Roman" pitchFamily="18" charset="0"/>
+                <a:cs typeface="Times New Roman" pitchFamily="18" charset="0"/>
+              </a:rPr>
+              <a:t>.</a:t>
+            </a:r>
           </a:p>
         </p:txBody>
       </p:sp>
@@ -8414,13 +8332,13 @@
         </p:nvSpPr>
         <p:spPr>
           <a:xfrm>
-            <a:off x="428596" y="428604"/>
-            <a:ext cx="8229600" cy="552124"/>
+            <a:off x="0" y="-4769"/>
+            <a:ext cx="7023724" cy="637200"/>
           </a:xfrm>
         </p:spPr>
         <p:txBody>
           <a:bodyPr>
-            <a:normAutofit fontScale="25000" lnSpcReduction="20000"/>
+            <a:noAutofit/>
           </a:bodyPr>
           <a:lstStyle/>
           <a:p>
@@ -8428,7 +8346,7 @@
               <a:buNone/>
             </a:pPr>
             <a:r>
-              <a:rPr lang="es-CL" sz="12800" b="1" dirty="0">
+              <a:rPr lang="es-CL" sz="2800" b="1" dirty="0">
                 <a:solidFill>
                   <a:schemeClr val="bg2">
                     <a:lumMod val="50000"/>
@@ -8441,14 +8359,14 @@
                     </a:srgbClr>
                   </a:outerShdw>
                 </a:effectLst>
-                <a:latin typeface="Andalus" pitchFamily="18" charset="-78"/>
+                <a:latin typeface="Aharoni" pitchFamily="2" charset="-79"/>
                 <a:ea typeface="+mj-ea"/>
-                <a:cs typeface="Andalus" pitchFamily="18" charset="-78"/>
-              </a:rPr>
-              <a:t>Cree sus propios Informes XBRL</a:t>
-            </a:r>
-            <a:r>
-              <a:rPr lang="es-CL" sz="12800" b="1" dirty="0">
+                <a:cs typeface="Aharoni" pitchFamily="2" charset="-79"/>
+              </a:rPr>
+              <a:t>Cree sus propios Informes </a:t>
+            </a:r>
+            <a:r>
+              <a:rPr lang="es-CL" sz="2800" b="1" dirty="0" smtClean="0">
                 <a:solidFill>
                   <a:schemeClr val="bg2">
                     <a:lumMod val="50000"/>
@@ -8461,17 +8379,17 @@
                     </a:srgbClr>
                   </a:outerShdw>
                 </a:effectLst>
-                <a:latin typeface="Andalus" pitchFamily="18" charset="-78"/>
+                <a:latin typeface="Aharoni" pitchFamily="2" charset="-79"/>
                 <a:ea typeface="+mj-ea"/>
-                <a:cs typeface="Andalus" pitchFamily="18" charset="-78"/>
-              </a:rPr>
-              <a:t/>
-            </a:r>
-            <a:br>
-              <a:rPr lang="es-CL" sz="12800" b="1" dirty="0">
+                <a:cs typeface="Aharoni" pitchFamily="2" charset="-79"/>
+              </a:rPr>
+              <a:t>XBRL </a:t>
+            </a:r>
+            <a:r>
+              <a:rPr lang="es-CL" sz="2800" b="1" dirty="0" smtClean="0">
                 <a:solidFill>
                   <a:schemeClr val="bg2">
-                    <a:lumMod val="50000"/>
+                    <a:lumMod val="25000"/>
                   </a:schemeClr>
                 </a:solidFill>
                 <a:effectLst>
@@ -8481,13 +8399,14 @@
                     </a:srgbClr>
                   </a:outerShdw>
                 </a:effectLst>
-                <a:latin typeface="Andalus" pitchFamily="18" charset="-78"/>
+                <a:latin typeface="Aharoni" pitchFamily="2" charset="-79"/>
                 <a:ea typeface="+mj-ea"/>
-                <a:cs typeface="Andalus" pitchFamily="18" charset="-78"/>
-              </a:rPr>
-            </a:br>
-            <a:r>
-              <a:rPr lang="es-CL" sz="12800" b="1" dirty="0">
+                <a:cs typeface="Aharoni" pitchFamily="2" charset="-79"/>
+              </a:rPr>
+              <a:t>&gt;</a:t>
+            </a:r>
+            <a:r>
+              <a:rPr lang="es-CL" sz="2800" b="1" dirty="0">
                 <a:solidFill>
                   <a:schemeClr val="bg2">
                     <a:lumMod val="50000"/>
@@ -8500,14 +8419,14 @@
                     </a:srgbClr>
                   </a:outerShdw>
                 </a:effectLst>
-                <a:latin typeface="Andalus" pitchFamily="18" charset="-78"/>
+                <a:latin typeface="Aharoni" pitchFamily="2" charset="-79"/>
                 <a:ea typeface="+mj-ea"/>
-                <a:cs typeface="Andalus" pitchFamily="18" charset="-78"/>
+                <a:cs typeface="Aharoni" pitchFamily="2" charset="-79"/>
               </a:rPr>
               <a:t/>
             </a:r>
             <a:br>
-              <a:rPr lang="es-CL" sz="12800" b="1" dirty="0">
+              <a:rPr lang="es-CL" sz="2800" b="1" dirty="0">
                 <a:solidFill>
                   <a:schemeClr val="bg2">
                     <a:lumMod val="50000"/>
@@ -8520,16 +8439,87 @@
                     </a:srgbClr>
                   </a:outerShdw>
                 </a:effectLst>
-                <a:latin typeface="Andalus" pitchFamily="18" charset="-78"/>
+                <a:latin typeface="Aharoni" pitchFamily="2" charset="-79"/>
                 <a:ea typeface="+mj-ea"/>
-                <a:cs typeface="Andalus" pitchFamily="18" charset="-78"/>
+                <a:cs typeface="Aharoni" pitchFamily="2" charset="-79"/>
               </a:rPr>
             </a:br>
             <a:r>
-              <a:rPr lang="es-CL" dirty="0" smtClean="0"/>
+              <a:rPr lang="es-CL" sz="2800" b="1" dirty="0">
+                <a:solidFill>
+                  <a:schemeClr val="bg2">
+                    <a:lumMod val="50000"/>
+                  </a:schemeClr>
+                </a:solidFill>
+                <a:effectLst>
+                  <a:outerShdw blurRad="31750" dist="25400" dir="5400000" algn="tl" rotWithShape="0">
+                    <a:srgbClr val="000000">
+                      <a:alpha val="25000"/>
+                    </a:srgbClr>
+                  </a:outerShdw>
+                </a:effectLst>
+                <a:latin typeface="Aharoni" pitchFamily="2" charset="-79"/>
+                <a:ea typeface="+mj-ea"/>
+                <a:cs typeface="Aharoni" pitchFamily="2" charset="-79"/>
+              </a:rPr>
+              <a:t/>
+            </a:r>
+            <a:br>
+              <a:rPr lang="es-CL" sz="2800" b="1" dirty="0">
+                <a:solidFill>
+                  <a:schemeClr val="bg2">
+                    <a:lumMod val="50000"/>
+                  </a:schemeClr>
+                </a:solidFill>
+                <a:effectLst>
+                  <a:outerShdw blurRad="31750" dist="25400" dir="5400000" algn="tl" rotWithShape="0">
+                    <a:srgbClr val="000000">
+                      <a:alpha val="25000"/>
+                    </a:srgbClr>
+                  </a:outerShdw>
+                </a:effectLst>
+                <a:latin typeface="Aharoni" pitchFamily="2" charset="-79"/>
+                <a:ea typeface="+mj-ea"/>
+                <a:cs typeface="Aharoni" pitchFamily="2" charset="-79"/>
+              </a:rPr>
+            </a:br>
+            <a:r>
+              <a:rPr lang="es-CL" sz="2800" b="1" dirty="0">
+                <a:solidFill>
+                  <a:schemeClr val="bg2">
+                    <a:lumMod val="50000"/>
+                  </a:schemeClr>
+                </a:solidFill>
+                <a:effectLst>
+                  <a:outerShdw blurRad="31750" dist="25400" dir="5400000" algn="tl" rotWithShape="0">
+                    <a:srgbClr val="000000">
+                      <a:alpha val="25000"/>
+                    </a:srgbClr>
+                  </a:outerShdw>
+                </a:effectLst>
+                <a:latin typeface="Aharoni" pitchFamily="2" charset="-79"/>
+                <a:ea typeface="+mj-ea"/>
+                <a:cs typeface="Aharoni" pitchFamily="2" charset="-79"/>
+              </a:rPr>
               <a:t>	</a:t>
             </a:r>
-            <a:endParaRPr lang="es-CL" sz="2300" dirty="0"/>
+            <a:endParaRPr lang="es-CL" sz="2800" b="1" dirty="0">
+              <a:solidFill>
+                <a:schemeClr val="bg2">
+                  <a:lumMod val="50000"/>
+                </a:schemeClr>
+              </a:solidFill>
+              <a:effectLst>
+                <a:outerShdw blurRad="31750" dist="25400" dir="5400000" algn="tl" rotWithShape="0">
+                  <a:srgbClr val="000000">
+                    <a:alpha val="25000"/>
+                  </a:srgbClr>
+                </a:outerShdw>
+              </a:effectLst>
+              <a:latin typeface="Aharoni" pitchFamily="2" charset="-79"/>
+              <a:ea typeface="+mj-ea"/>
+              <a:cs typeface="Aharoni" pitchFamily="2" charset="-79"/>
+            </a:endParaRPr>
           </a:p>
         </p:txBody>
       </p:sp>
@@ -8541,8 +8531,8 @@
         </p:nvSpPr>
         <p:spPr>
           <a:xfrm>
-            <a:off x="683568" y="620688"/>
-            <a:ext cx="7992888" cy="1154162"/>
+            <a:off x="683568" y="1116613"/>
+            <a:ext cx="7992888" cy="800219"/>
           </a:xfrm>
           <a:prstGeom prst="rect">
             <a:avLst/>
@@ -8555,12 +8545,6 @@
           <a:lstStyle/>
           <a:p>
             <a:r>
-              <a:rPr lang="es-CL" sz="2300" dirty="0" smtClean="0"/>
-              <a:t>	</a:t>
-            </a:r>
-          </a:p>
-          <a:p>
-            <a:r>
               <a:rPr lang="es-CL" sz="2300" dirty="0" smtClean="0">
                 <a:solidFill>
                   <a:schemeClr val="accent4">
@@ -8570,7 +8554,7 @@
                 <a:latin typeface="Times New Roman" pitchFamily="18" charset="0"/>
                 <a:cs typeface="Times New Roman" pitchFamily="18" charset="0"/>
               </a:rPr>
-              <a:t>	Genere </a:t>
+              <a:t>	</a:t>
             </a:r>
             <a:r>
               <a:rPr lang="es-CL" sz="2300" dirty="0">
@@ -8582,17 +8566,20 @@
                 <a:latin typeface="Times New Roman" pitchFamily="18" charset="0"/>
                 <a:cs typeface="Times New Roman" pitchFamily="18" charset="0"/>
               </a:rPr>
+              <a:t>Genere </a:t>
+            </a:r>
+            <a:r>
+              <a:rPr lang="es-CL" sz="2300" dirty="0">
+                <a:solidFill>
+                  <a:schemeClr val="accent4">
+                    <a:lumMod val="75000"/>
+                  </a:schemeClr>
+                </a:solidFill>
+                <a:latin typeface="Times New Roman" pitchFamily="18" charset="0"/>
+                <a:cs typeface="Times New Roman" pitchFamily="18" charset="0"/>
+              </a:rPr>
               <a:t>y valide sus informes XBRL en base a la información consolidada en EXFIDA.</a:t>
             </a:r>
-            <a:endParaRPr lang="es-CL" sz="2300" dirty="0">
-              <a:solidFill>
-                <a:schemeClr val="accent4">
-                  <a:lumMod val="75000"/>
-                </a:schemeClr>
-              </a:solidFill>
-              <a:latin typeface="Times New Roman" pitchFamily="18" charset="0"/>
-              <a:cs typeface="Times New Roman" pitchFamily="18" charset="0"/>
-            </a:endParaRPr>
           </a:p>
         </p:txBody>
       </p:sp>
@@ -8858,7 +8845,7 @@
         </p:nvSpPr>
         <p:spPr>
           <a:xfrm>
-            <a:off x="539552" y="1268760"/>
+            <a:off x="630462" y="1124744"/>
             <a:ext cx="7848872" cy="3528392"/>
           </a:xfrm>
         </p:spPr>
@@ -8872,10 +8859,6 @@
               <a:buNone/>
             </a:pPr>
             <a:r>
-              <a:rPr lang="es-CL" sz="2300" dirty="0" smtClean="0"/>
-              <a:t>	</a:t>
-            </a:r>
-            <a:r>
               <a:rPr lang="es-CL" sz="2300" dirty="0" smtClean="0">
                 <a:solidFill>
                   <a:schemeClr val="accent4">
@@ -8885,7 +8868,43 @@
                 <a:latin typeface="Times New Roman" pitchFamily="18" charset="0"/>
                 <a:cs typeface="Times New Roman" pitchFamily="18" charset="0"/>
               </a:rPr>
-              <a:t>Somos una empresa Chilena con 18 años de experiencia profesional en las áreas de desarrollo de software y consultoría.</a:t>
+              <a:t>	</a:t>
+            </a:r>
+            <a:r>
+              <a:rPr lang="es-CL" sz="2300" dirty="0">
+                <a:solidFill>
+                  <a:schemeClr val="accent4">
+                    <a:lumMod val="75000"/>
+                  </a:schemeClr>
+                </a:solidFill>
+                <a:latin typeface="Times New Roman" pitchFamily="18" charset="0"/>
+                <a:cs typeface="Times New Roman" pitchFamily="18" charset="0"/>
+              </a:rPr>
+              <a:t>Somos</a:t>
+            </a:r>
+            <a:r>
+              <a:rPr lang="es-CL" sz="2300" dirty="0" smtClean="0">
+                <a:solidFill>
+                  <a:schemeClr val="accent4">
+                    <a:lumMod val="75000"/>
+                  </a:schemeClr>
+                </a:solidFill>
+                <a:latin typeface="Times New Roman" pitchFamily="18" charset="0"/>
+                <a:cs typeface="Times New Roman" pitchFamily="18" charset="0"/>
+              </a:rPr>
+              <a:t> </a:t>
+            </a:r>
+            <a:r>
+              <a:rPr lang="es-CL" sz="2300" dirty="0" smtClean="0">
+                <a:solidFill>
+                  <a:schemeClr val="accent4">
+                    <a:lumMod val="75000"/>
+                  </a:schemeClr>
+                </a:solidFill>
+                <a:latin typeface="Times New Roman" pitchFamily="18" charset="0"/>
+                <a:cs typeface="Times New Roman" pitchFamily="18" charset="0"/>
+              </a:rPr>
+              <a:t>una empresa Chilena con 18 años de experiencia profesional en las áreas de desarrollo de software y consultoría.</a:t>
             </a:r>
             <a:endParaRPr lang="es-MX" sz="2300" dirty="0" smtClean="0">
               <a:solidFill>
@@ -8920,11 +8939,7 @@
               <a:buNone/>
             </a:pPr>
             <a:r>
-              <a:rPr lang="es-MX" sz="2300" dirty="0" smtClean="0"/>
-              <a:t>	</a:t>
-            </a:r>
-            <a:r>
-              <a:rPr lang="es-MX" sz="2300" dirty="0">
+              <a:rPr lang="es-MX" sz="2300" dirty="0" smtClean="0">
                 <a:solidFill>
                   <a:schemeClr val="accent4">
                     <a:lumMod val="75000"/>
@@ -8933,7 +8948,19 @@
                 <a:latin typeface="Times New Roman" pitchFamily="18" charset="0"/>
                 <a:cs typeface="Times New Roman" pitchFamily="18" charset="0"/>
               </a:rPr>
-              <a:t>Actualmente, en nuestra línea de productos ofrecemos, desarrollo de Proyectos de Software específicamente en Arquitecturas JEE (Java Enterprise Edition), Consultoría Tecnológica y Funcional en Módulos SAP R3, Desarrollo de Productos de Software y venta e implementación de Infraestructura, a objeto de </a:t>
+              <a:t>	Actualmente</a:t>
+            </a:r>
+            <a:r>
+              <a:rPr lang="es-MX" sz="2300" dirty="0">
+                <a:solidFill>
+                  <a:schemeClr val="accent4">
+                    <a:lumMod val="75000"/>
+                  </a:schemeClr>
+                </a:solidFill>
+                <a:latin typeface="Times New Roman" pitchFamily="18" charset="0"/>
+                <a:cs typeface="Times New Roman" pitchFamily="18" charset="0"/>
+              </a:rPr>
+              <a:t>, en nuestra línea de productos ofrecemos, desarrollo de Proyectos de Software específicamente en Arquitecturas JEE (Java Enterprise Edition), Consultoría Tecnológica y Funcional en Módulos SAP R3, Desarrollo de Productos de Software y venta e implementación de Infraestructura, a objeto de </a:t>
             </a:r>
             <a:r>
               <a:rPr lang="es-ES" sz="2300" dirty="0">
@@ -9010,7 +9037,7 @@
         </p:nvSpPr>
         <p:spPr>
           <a:xfrm>
-            <a:off x="457200" y="274638"/>
+            <a:off x="-2144" y="13560"/>
             <a:ext cx="4618856" cy="706090"/>
           </a:xfrm>
         </p:spPr>
@@ -9021,25 +9048,37 @@
           <a:lstStyle/>
           <a:p>
             <a:r>
-              <a:rPr lang="es-CL" sz="3200" dirty="0" smtClean="0">
+              <a:rPr lang="es-CL" sz="2800" dirty="0" smtClean="0">
                 <a:solidFill>
                   <a:schemeClr val="bg2">
                     <a:lumMod val="50000"/>
                   </a:schemeClr>
                 </a:solidFill>
-                <a:latin typeface="Andalus" pitchFamily="18" charset="-78"/>
-                <a:cs typeface="Andalus" pitchFamily="18" charset="-78"/>
-              </a:rPr>
-              <a:t>Nuestra empresa &gt;</a:t>
-            </a:r>
-            <a:endParaRPr lang="es-CL" sz="3200" dirty="0">
+                <a:latin typeface="Aharoni" pitchFamily="2" charset="-79"/>
+                <a:cs typeface="Aharoni" pitchFamily="2" charset="-79"/>
+              </a:rPr>
+              <a:t>Nuestra empresa </a:t>
+            </a:r>
+            <a:r>
+              <a:rPr lang="es-CL" sz="2800" dirty="0" smtClean="0">
+                <a:solidFill>
+                  <a:schemeClr val="bg2">
+                    <a:lumMod val="25000"/>
+                  </a:schemeClr>
+                </a:solidFill>
+                <a:latin typeface="Aharoni" pitchFamily="2" charset="-79"/>
+                <a:cs typeface="Aharoni" pitchFamily="2" charset="-79"/>
+              </a:rPr>
+              <a:t>&gt;</a:t>
+            </a:r>
+            <a:endParaRPr lang="es-CL" sz="2800" dirty="0">
               <a:solidFill>
                 <a:schemeClr val="bg2">
-                  <a:lumMod val="50000"/>
+                  <a:lumMod val="25000"/>
                 </a:schemeClr>
               </a:solidFill>
-              <a:latin typeface="Andalus" pitchFamily="18" charset="-78"/>
-              <a:cs typeface="Andalus" pitchFamily="18" charset="-78"/>
+              <a:latin typeface="Aharoni" pitchFamily="2" charset="-79"/>
+              <a:cs typeface="Aharoni" pitchFamily="2" charset="-79"/>
             </a:endParaRPr>
           </a:p>
         </p:txBody>
@@ -9211,13 +9250,13 @@
         </p:nvSpPr>
         <p:spPr>
           <a:xfrm>
-            <a:off x="428596" y="428604"/>
-            <a:ext cx="8229600" cy="414337"/>
+            <a:off x="269" y="0"/>
+            <a:ext cx="2703244" cy="637200"/>
           </a:xfrm>
         </p:spPr>
         <p:txBody>
           <a:bodyPr>
-            <a:normAutofit fontScale="25000" lnSpcReduction="20000"/>
+            <a:noAutofit/>
           </a:bodyPr>
           <a:lstStyle/>
           <a:p>
@@ -9225,7 +9264,7 @@
               <a:buNone/>
             </a:pPr>
             <a:r>
-              <a:rPr lang="es-CL" sz="12800" b="1" dirty="0">
+              <a:rPr lang="es-CL" sz="2800" b="1" dirty="0">
                 <a:solidFill>
                   <a:schemeClr val="bg2">
                     <a:lumMod val="50000"/>
@@ -9238,17 +9277,17 @@
                     </a:srgbClr>
                   </a:outerShdw>
                 </a:effectLst>
-                <a:latin typeface="Andalus" pitchFamily="18" charset="-78"/>
+                <a:latin typeface="Aharoni" pitchFamily="2" charset="-79"/>
                 <a:ea typeface="+mj-ea"/>
-                <a:cs typeface="Andalus" pitchFamily="18" charset="-78"/>
-              </a:rPr>
-              <a:t>Reportes &gt;</a:t>
-            </a:r>
-            <a:br>
-              <a:rPr lang="es-CL" sz="12800" b="1" dirty="0">
+                <a:cs typeface="Aharoni" pitchFamily="2" charset="-79"/>
+              </a:rPr>
+              <a:t>Reportes </a:t>
+            </a:r>
+            <a:r>
+              <a:rPr lang="es-CL" sz="2800" b="1" dirty="0">
                 <a:solidFill>
                   <a:schemeClr val="bg2">
-                    <a:lumMod val="50000"/>
+                    <a:lumMod val="25000"/>
                   </a:schemeClr>
                 </a:solidFill>
                 <a:effectLst>
@@ -9258,19 +9297,107 @@
                     </a:srgbClr>
                   </a:outerShdw>
                 </a:effectLst>
-                <a:latin typeface="Andalus" pitchFamily="18" charset="-78"/>
+                <a:latin typeface="Aharoni" pitchFamily="2" charset="-79"/>
                 <a:ea typeface="+mj-ea"/>
-                <a:cs typeface="Andalus" pitchFamily="18" charset="-78"/>
+                <a:cs typeface="Aharoni" pitchFamily="2" charset="-79"/>
+              </a:rPr>
+              <a:t>&gt;</a:t>
+            </a:r>
+            <a:r>
+              <a:rPr lang="es-CL" sz="2800" b="1" dirty="0">
+                <a:solidFill>
+                  <a:schemeClr val="bg2">
+                    <a:lumMod val="50000"/>
+                  </a:schemeClr>
+                </a:solidFill>
+                <a:effectLst>
+                  <a:outerShdw blurRad="31750" dist="25400" dir="5400000" algn="tl" rotWithShape="0">
+                    <a:srgbClr val="000000">
+                      <a:alpha val="25000"/>
+                    </a:srgbClr>
+                  </a:outerShdw>
+                </a:effectLst>
+                <a:latin typeface="Aharoni" pitchFamily="2" charset="-79"/>
+                <a:ea typeface="+mj-ea"/>
+                <a:cs typeface="Aharoni" pitchFamily="2" charset="-79"/>
+              </a:rPr>
+              <a:t/>
+            </a:r>
+            <a:br>
+              <a:rPr lang="es-CL" sz="2800" b="1" dirty="0">
+                <a:solidFill>
+                  <a:schemeClr val="bg2">
+                    <a:lumMod val="50000"/>
+                  </a:schemeClr>
+                </a:solidFill>
+                <a:effectLst>
+                  <a:outerShdw blurRad="31750" dist="25400" dir="5400000" algn="tl" rotWithShape="0">
+                    <a:srgbClr val="000000">
+                      <a:alpha val="25000"/>
+                    </a:srgbClr>
+                  </a:outerShdw>
+                </a:effectLst>
+                <a:latin typeface="Aharoni" pitchFamily="2" charset="-79"/>
+                <a:ea typeface="+mj-ea"/>
+                <a:cs typeface="Aharoni" pitchFamily="2" charset="-79"/>
               </a:rPr>
             </a:br>
             <a:r>
-              <a:rPr lang="es-CL" dirty="0" smtClean="0"/>
+              <a:rPr lang="es-CL" sz="2800" b="1" dirty="0">
+                <a:solidFill>
+                  <a:schemeClr val="bg2">
+                    <a:lumMod val="50000"/>
+                  </a:schemeClr>
+                </a:solidFill>
+                <a:effectLst>
+                  <a:outerShdw blurRad="31750" dist="25400" dir="5400000" algn="tl" rotWithShape="0">
+                    <a:srgbClr val="000000">
+                      <a:alpha val="25000"/>
+                    </a:srgbClr>
+                  </a:outerShdw>
+                </a:effectLst>
+                <a:latin typeface="Aharoni" pitchFamily="2" charset="-79"/>
+                <a:ea typeface="+mj-ea"/>
+                <a:cs typeface="Aharoni" pitchFamily="2" charset="-79"/>
+              </a:rPr>
               <a:t/>
             </a:r>
             <a:br>
-              <a:rPr lang="es-CL" dirty="0" smtClean="0"/>
+              <a:rPr lang="es-CL" sz="2800" b="1" dirty="0">
+                <a:solidFill>
+                  <a:schemeClr val="bg2">
+                    <a:lumMod val="50000"/>
+                  </a:schemeClr>
+                </a:solidFill>
+                <a:effectLst>
+                  <a:outerShdw blurRad="31750" dist="25400" dir="5400000" algn="tl" rotWithShape="0">
+                    <a:srgbClr val="000000">
+                      <a:alpha val="25000"/>
+                    </a:srgbClr>
+                  </a:outerShdw>
+                </a:effectLst>
+                <a:latin typeface="Aharoni" pitchFamily="2" charset="-79"/>
+                <a:ea typeface="+mj-ea"/>
+                <a:cs typeface="Aharoni" pitchFamily="2" charset="-79"/>
+              </a:rPr>
             </a:br>
-            <a:endParaRPr lang="es-CL" dirty="0" smtClean="0"/>
+            <a:endParaRPr lang="es-CL" sz="2800" b="1" dirty="0">
+              <a:solidFill>
+                <a:schemeClr val="bg2">
+                  <a:lumMod val="50000"/>
+                </a:schemeClr>
+              </a:solidFill>
+              <a:effectLst>
+                <a:outerShdw blurRad="31750" dist="25400" dir="5400000" algn="tl" rotWithShape="0">
+                  <a:srgbClr val="000000">
+                    <a:alpha val="25000"/>
+                  </a:srgbClr>
+                </a:outerShdw>
+              </a:effectLst>
+              <a:latin typeface="Aharoni" pitchFamily="2" charset="-79"/>
+              <a:ea typeface="+mj-ea"/>
+              <a:cs typeface="Aharoni" pitchFamily="2" charset="-79"/>
+            </a:endParaRPr>
           </a:p>
         </p:txBody>
       </p:sp>
@@ -9331,8 +9458,8 @@
         </p:nvSpPr>
         <p:spPr>
           <a:xfrm>
-            <a:off x="384030" y="734988"/>
-            <a:ext cx="8364434" cy="2333972"/>
+            <a:off x="384030" y="1104320"/>
+            <a:ext cx="8364434" cy="1964640"/>
           </a:xfrm>
           <a:prstGeom prst="rect">
             <a:avLst/>
@@ -9345,26 +9472,7 @@
           <a:lstStyle/>
           <a:p>
             <a:r>
-              <a:rPr lang="es-CL" sz="2300" b="1" dirty="0" smtClean="0"/>
-              <a:t>	</a:t>
-            </a:r>
-          </a:p>
-          <a:p>
-            <a:r>
-              <a:rPr lang="es-CL" sz="2400" dirty="0" smtClean="0">
-                <a:solidFill>
-                  <a:schemeClr val="tx2">
-                    <a:lumMod val="75000"/>
-                  </a:schemeClr>
-                </a:solidFill>
-                <a:effectLst>
-                  <a:outerShdw blurRad="38100" dist="38100" dir="2700000" algn="tl">
-                    <a:srgbClr val="000000">
-                      <a:alpha val="43137"/>
-                    </a:srgbClr>
-                  </a:outerShdw>
-                </a:effectLst>
-              </a:rPr>
+              <a:rPr lang="es-CL" sz="2300" b="1" dirty="0"/>
               <a:t>	</a:t>
             </a:r>
             <a:r>
@@ -9377,10 +9485,10 @@
                 <a:latin typeface="Times New Roman" pitchFamily="18" charset="0"/>
                 <a:cs typeface="Times New Roman" pitchFamily="18" charset="0"/>
               </a:rPr>
-              <a:t>EXFIDA provee reportes de su información de </a:t>
-            </a:r>
-            <a:r>
-              <a:rPr lang="es-CL" sz="2300" dirty="0" smtClean="0">
+              <a:t>EXFIDA </a:t>
+            </a:r>
+            <a:r>
+              <a:rPr lang="es-CL" sz="2300" dirty="0">
                 <a:solidFill>
                   <a:schemeClr val="accent4">
                     <a:lumMod val="75000"/>
@@ -9389,7 +9497,19 @@
                 <a:latin typeface="Times New Roman" pitchFamily="18" charset="0"/>
                 <a:cs typeface="Times New Roman" pitchFamily="18" charset="0"/>
               </a:rPr>
-              <a:t>Revelaciones </a:t>
+              <a:t>provee reportes de su información de </a:t>
+            </a:r>
+            <a:r>
+              <a:rPr lang="es-CL" sz="2300" dirty="0">
+                <a:solidFill>
+                  <a:schemeClr val="accent4">
+                    <a:lumMod val="75000"/>
+                  </a:schemeClr>
+                </a:solidFill>
+                <a:latin typeface="Times New Roman" pitchFamily="18" charset="0"/>
+                <a:cs typeface="Times New Roman" pitchFamily="18" charset="0"/>
+              </a:rPr>
+              <a:t>revelaciones </a:t>
             </a:r>
             <a:r>
               <a:rPr lang="es-CL" sz="2300" dirty="0">
@@ -9619,13 +9739,13 @@
         </p:nvSpPr>
         <p:spPr>
           <a:xfrm>
-            <a:off x="428596" y="500042"/>
-            <a:ext cx="8229600" cy="5286412"/>
+            <a:off x="-1" y="14054"/>
+            <a:ext cx="7884369" cy="966673"/>
           </a:xfrm>
         </p:spPr>
         <p:txBody>
           <a:bodyPr>
-            <a:normAutofit/>
+            <a:noAutofit/>
           </a:bodyPr>
           <a:lstStyle/>
           <a:p>
@@ -9636,7 +9756,7 @@
               <a:buNone/>
             </a:pPr>
             <a:r>
-              <a:rPr lang="es-CL" sz="3200" b="1" dirty="0">
+              <a:rPr lang="es-CL" sz="2800" b="1" dirty="0">
                 <a:solidFill>
                   <a:schemeClr val="bg2">
                     <a:lumMod val="50000"/>
@@ -9649,17 +9769,17 @@
                     </a:srgbClr>
                   </a:outerShdw>
                 </a:effectLst>
-                <a:latin typeface="Andalus" pitchFamily="18" charset="-78"/>
+                <a:latin typeface="Aharoni" pitchFamily="2" charset="-79"/>
                 <a:ea typeface="+mj-ea"/>
-                <a:cs typeface="Andalus" pitchFamily="18" charset="-78"/>
-              </a:rPr>
-              <a:t>Reportes &gt; Consolidado de </a:t>
-            </a:r>
-            <a:r>
-              <a:rPr lang="es-CL" sz="3200" b="1" dirty="0">
+                <a:cs typeface="Aharoni" pitchFamily="2" charset="-79"/>
+              </a:rPr>
+              <a:t>Reportes </a:t>
+            </a:r>
+            <a:r>
+              <a:rPr lang="es-CL" sz="2800" b="1" dirty="0">
                 <a:solidFill>
                   <a:schemeClr val="bg2">
-                    <a:lumMod val="50000"/>
+                    <a:lumMod val="25000"/>
                   </a:schemeClr>
                 </a:solidFill>
                 <a:effectLst>
@@ -9669,14 +9789,14 @@
                     </a:srgbClr>
                   </a:outerShdw>
                 </a:effectLst>
-                <a:latin typeface="Andalus" pitchFamily="18" charset="-78"/>
+                <a:latin typeface="Aharoni" pitchFamily="2" charset="-79"/>
                 <a:ea typeface="+mj-ea"/>
-                <a:cs typeface="Andalus" pitchFamily="18" charset="-78"/>
-              </a:rPr>
-              <a:t>Revelaciones</a:t>
-            </a:r>
-            <a:br>
-              <a:rPr lang="es-CL" sz="3200" b="1" dirty="0">
+                <a:cs typeface="Aharoni" pitchFamily="2" charset="-79"/>
+              </a:rPr>
+              <a:t>&gt;</a:t>
+            </a:r>
+            <a:r>
+              <a:rPr lang="es-CL" sz="2800" b="1" dirty="0">
                 <a:solidFill>
                   <a:schemeClr val="bg2">
                     <a:lumMod val="50000"/>
@@ -9689,13 +9809,14 @@
                     </a:srgbClr>
                   </a:outerShdw>
                 </a:effectLst>
-                <a:latin typeface="Andalus" pitchFamily="18" charset="-78"/>
+                <a:latin typeface="Aharoni" pitchFamily="2" charset="-79"/>
                 <a:ea typeface="+mj-ea"/>
-                <a:cs typeface="Andalus" pitchFamily="18" charset="-78"/>
-              </a:rPr>
-            </a:br>
-            <a:r>
-              <a:rPr lang="es-CL" sz="3200" b="1" dirty="0">
+                <a:cs typeface="Aharoni" pitchFamily="2" charset="-79"/>
+              </a:rPr>
+              <a:t> Consolidado de Revelaciones</a:t>
+            </a:r>
+            <a:br>
+              <a:rPr lang="es-CL" sz="2800" b="1" dirty="0">
                 <a:solidFill>
                   <a:schemeClr val="bg2">
                     <a:lumMod val="50000"/>
@@ -9708,14 +9829,13 @@
                     </a:srgbClr>
                   </a:outerShdw>
                 </a:effectLst>
-                <a:latin typeface="Andalus" pitchFamily="18" charset="-78"/>
+                <a:latin typeface="Aharoni" pitchFamily="2" charset="-79"/>
                 <a:ea typeface="+mj-ea"/>
-                <a:cs typeface="Andalus" pitchFamily="18" charset="-78"/>
-              </a:rPr>
-              <a:t>en </a:t>
-            </a:r>
-            <a:r>
-              <a:rPr lang="es-CL" sz="3200" b="1" dirty="0">
+                <a:cs typeface="Aharoni" pitchFamily="2" charset="-79"/>
+              </a:rPr>
+            </a:br>
+            <a:r>
+              <a:rPr lang="es-CL" sz="2800" b="1" dirty="0">
                 <a:solidFill>
                   <a:schemeClr val="bg2">
                     <a:lumMod val="50000"/>
@@ -9728,14 +9848,14 @@
                     </a:srgbClr>
                   </a:outerShdw>
                 </a:effectLst>
-                <a:latin typeface="Andalus" pitchFamily="18" charset="-78"/>
+                <a:latin typeface="Aharoni" pitchFamily="2" charset="-79"/>
                 <a:ea typeface="+mj-ea"/>
-                <a:cs typeface="Andalus" pitchFamily="18" charset="-78"/>
-              </a:rPr>
-              <a:t>MS </a:t>
-            </a:r>
-            <a:r>
-              <a:rPr lang="es-CL" sz="3200" b="1" dirty="0">
+                <a:cs typeface="Aharoni" pitchFamily="2" charset="-79"/>
+              </a:rPr>
+              <a:t>en MS Word para impresión de FECU</a:t>
+            </a:r>
+            <a:r>
+              <a:rPr lang="es-CL" sz="2800" b="1" dirty="0" smtClean="0">
                 <a:solidFill>
                   <a:schemeClr val="bg2">
                     <a:lumMod val="50000"/>
@@ -9748,16 +9868,36 @@
                     </a:srgbClr>
                   </a:outerShdw>
                 </a:effectLst>
-                <a:latin typeface="Andalus" pitchFamily="18" charset="-78"/>
+                <a:latin typeface="Aharoni" pitchFamily="2" charset="-79"/>
                 <a:ea typeface="+mj-ea"/>
-                <a:cs typeface="Andalus" pitchFamily="18" charset="-78"/>
-              </a:rPr>
-              <a:t>Word para impresión de FECU.&gt;</a:t>
-            </a:r>
-            <a:endParaRPr lang="es-CL" sz="3200" b="1" dirty="0">
+                <a:cs typeface="Aharoni" pitchFamily="2" charset="-79"/>
+              </a:rPr>
+              <a:t>. </a:t>
+            </a:r>
+            <a:r>
+              <a:rPr lang="es-CL" sz="2800" b="1" dirty="0" smtClean="0">
+                <a:solidFill>
+                  <a:schemeClr val="bg2">
+                    <a:lumMod val="25000"/>
+                  </a:schemeClr>
+                </a:solidFill>
+                <a:effectLst>
+                  <a:outerShdw blurRad="31750" dist="25400" dir="5400000" algn="tl" rotWithShape="0">
+                    <a:srgbClr val="000000">
+                      <a:alpha val="25000"/>
+                    </a:srgbClr>
+                  </a:outerShdw>
+                </a:effectLst>
+                <a:latin typeface="Aharoni" pitchFamily="2" charset="-79"/>
+                <a:ea typeface="+mj-ea"/>
+                <a:cs typeface="Aharoni" pitchFamily="2" charset="-79"/>
+              </a:rPr>
+              <a:t>&gt;</a:t>
+            </a:r>
+            <a:endParaRPr lang="es-CL" sz="2800" b="1" dirty="0">
               <a:solidFill>
                 <a:schemeClr val="bg2">
-                  <a:lumMod val="50000"/>
+                  <a:lumMod val="25000"/>
                 </a:schemeClr>
               </a:solidFill>
               <a:effectLst>
@@ -9767,9 +9907,9 @@
                   </a:srgbClr>
                 </a:outerShdw>
               </a:effectLst>
-              <a:latin typeface="Andalus" pitchFamily="18" charset="-78"/>
+              <a:latin typeface="Aharoni" pitchFamily="2" charset="-79"/>
               <a:ea typeface="+mj-ea"/>
-              <a:cs typeface="Andalus" pitchFamily="18" charset="-78"/>
+              <a:cs typeface="Aharoni" pitchFamily="2" charset="-79"/>
             </a:endParaRPr>
           </a:p>
         </p:txBody>
@@ -9990,8 +10130,8 @@
         </p:nvSpPr>
         <p:spPr>
           <a:xfrm>
-            <a:off x="428596" y="500042"/>
-            <a:ext cx="8229600" cy="5286412"/>
+            <a:off x="-2702" y="2769"/>
+            <a:ext cx="8229600" cy="637200"/>
           </a:xfrm>
         </p:spPr>
         <p:txBody>
@@ -10007,7 +10147,7 @@
               <a:buNone/>
             </a:pPr>
             <a:r>
-              <a:rPr lang="es-CL" sz="3200" b="1" dirty="0">
+              <a:rPr lang="es-CL" sz="2800" b="1" dirty="0" smtClean="0">
                 <a:solidFill>
                   <a:schemeClr val="bg2">
                     <a:lumMod val="50000"/>
@@ -10020,12 +10160,89 @@
                     </a:srgbClr>
                   </a:outerShdw>
                 </a:effectLst>
-                <a:latin typeface="Andalus" pitchFamily="18" charset="-78"/>
+                <a:latin typeface="Aharoni" pitchFamily="2" charset="-79"/>
                 <a:ea typeface="+mj-ea"/>
-                <a:cs typeface="Andalus" pitchFamily="18" charset="-78"/>
-              </a:rPr>
-              <a:t>Reportes &gt; RF en Formato MS Excel &gt;</a:t>
-            </a:r>
+                <a:cs typeface="Aharoni" pitchFamily="2" charset="-79"/>
+              </a:rPr>
+              <a:t>Reportes </a:t>
+            </a:r>
+            <a:r>
+              <a:rPr lang="es-CL" sz="2800" b="1" dirty="0" smtClean="0">
+                <a:solidFill>
+                  <a:schemeClr val="bg2">
+                    <a:lumMod val="25000"/>
+                  </a:schemeClr>
+                </a:solidFill>
+                <a:effectLst>
+                  <a:outerShdw blurRad="31750" dist="25400" dir="5400000" algn="tl" rotWithShape="0">
+                    <a:srgbClr val="000000">
+                      <a:alpha val="25000"/>
+                    </a:srgbClr>
+                  </a:outerShdw>
+                </a:effectLst>
+                <a:latin typeface="Aharoni" pitchFamily="2" charset="-79"/>
+                <a:ea typeface="+mj-ea"/>
+                <a:cs typeface="Aharoni" pitchFamily="2" charset="-79"/>
+              </a:rPr>
+              <a:t>&gt;</a:t>
+            </a:r>
+            <a:r>
+              <a:rPr lang="es-CL" sz="2800" b="1" dirty="0" smtClean="0">
+                <a:solidFill>
+                  <a:schemeClr val="bg2">
+                    <a:lumMod val="50000"/>
+                  </a:schemeClr>
+                </a:solidFill>
+                <a:effectLst>
+                  <a:outerShdw blurRad="31750" dist="25400" dir="5400000" algn="tl" rotWithShape="0">
+                    <a:srgbClr val="000000">
+                      <a:alpha val="25000"/>
+                    </a:srgbClr>
+                  </a:outerShdw>
+                </a:effectLst>
+                <a:latin typeface="Aharoni" pitchFamily="2" charset="-79"/>
+                <a:ea typeface="+mj-ea"/>
+                <a:cs typeface="Aharoni" pitchFamily="2" charset="-79"/>
+              </a:rPr>
+              <a:t> RF en Formato MS Excel </a:t>
+            </a:r>
+            <a:r>
+              <a:rPr lang="es-CL" sz="2800" b="1" dirty="0" smtClean="0">
+                <a:solidFill>
+                  <a:schemeClr val="bg2">
+                    <a:lumMod val="25000"/>
+                  </a:schemeClr>
+                </a:solidFill>
+                <a:effectLst>
+                  <a:outerShdw blurRad="31750" dist="25400" dir="5400000" algn="tl" rotWithShape="0">
+                    <a:srgbClr val="000000">
+                      <a:alpha val="25000"/>
+                    </a:srgbClr>
+                  </a:outerShdw>
+                </a:effectLst>
+                <a:latin typeface="Aharoni" pitchFamily="2" charset="-79"/>
+                <a:ea typeface="+mj-ea"/>
+                <a:cs typeface="Aharoni" pitchFamily="2" charset="-79"/>
+              </a:rPr>
+              <a:t>&gt;</a:t>
+            </a:r>
+            <a:endParaRPr lang="es-CL" sz="2800" b="1" dirty="0">
+              <a:solidFill>
+                <a:schemeClr val="bg2">
+                  <a:lumMod val="25000"/>
+                </a:schemeClr>
+              </a:solidFill>
+              <a:effectLst>
+                <a:outerShdw blurRad="31750" dist="25400" dir="5400000" algn="tl" rotWithShape="0">
+                  <a:srgbClr val="000000">
+                    <a:alpha val="25000"/>
+                  </a:srgbClr>
+                </a:outerShdw>
+              </a:effectLst>
+              <a:latin typeface="Aharoni" pitchFamily="2" charset="-79"/>
+              <a:ea typeface="+mj-ea"/>
+              <a:cs typeface="Aharoni" pitchFamily="2" charset="-79"/>
+            </a:endParaRPr>
           </a:p>
         </p:txBody>
       </p:sp>
@@ -10245,13 +10462,13 @@
         </p:nvSpPr>
         <p:spPr>
           <a:xfrm>
-            <a:off x="428596" y="428604"/>
-            <a:ext cx="8229600" cy="768148"/>
+            <a:off x="0" y="0"/>
+            <a:ext cx="8229600" cy="637200"/>
           </a:xfrm>
         </p:spPr>
         <p:txBody>
           <a:bodyPr>
-            <a:normAutofit fontScale="47500" lnSpcReduction="20000"/>
+            <a:noAutofit/>
           </a:bodyPr>
           <a:lstStyle/>
           <a:p>
@@ -10259,7 +10476,7 @@
               <a:buNone/>
             </a:pPr>
             <a:r>
-              <a:rPr lang="es-CL" sz="5800" b="1" dirty="0">
+              <a:rPr lang="es-CL" sz="2800" b="1" dirty="0">
                 <a:solidFill>
                   <a:schemeClr val="bg2">
                     <a:lumMod val="50000"/>
@@ -10272,17 +10489,17 @@
                     </a:srgbClr>
                   </a:outerShdw>
                 </a:effectLst>
-                <a:latin typeface="Andalus" pitchFamily="18" charset="-78"/>
+                <a:latin typeface="Aharoni" pitchFamily="2" charset="-79"/>
                 <a:ea typeface="+mj-ea"/>
-                <a:cs typeface="Andalus" pitchFamily="18" charset="-78"/>
-              </a:rPr>
-              <a:t>Seguridad &gt;</a:t>
-            </a:r>
-            <a:br>
-              <a:rPr lang="es-CL" sz="5800" b="1" dirty="0">
+                <a:cs typeface="Aharoni" pitchFamily="2" charset="-79"/>
+              </a:rPr>
+              <a:t>Seguridad </a:t>
+            </a:r>
+            <a:r>
+              <a:rPr lang="es-CL" sz="2800" b="1" dirty="0">
                 <a:solidFill>
                   <a:schemeClr val="bg2">
-                    <a:lumMod val="50000"/>
+                    <a:lumMod val="25000"/>
                   </a:schemeClr>
                 </a:solidFill>
                 <a:effectLst>
@@ -10292,19 +10509,107 @@
                     </a:srgbClr>
                   </a:outerShdw>
                 </a:effectLst>
-                <a:latin typeface="Andalus" pitchFamily="18" charset="-78"/>
+                <a:latin typeface="Aharoni" pitchFamily="2" charset="-79"/>
                 <a:ea typeface="+mj-ea"/>
-                <a:cs typeface="Andalus" pitchFamily="18" charset="-78"/>
+                <a:cs typeface="Aharoni" pitchFamily="2" charset="-79"/>
+              </a:rPr>
+              <a:t>&gt;</a:t>
+            </a:r>
+            <a:r>
+              <a:rPr lang="es-CL" sz="2800" b="1" dirty="0">
+                <a:solidFill>
+                  <a:schemeClr val="bg2">
+                    <a:lumMod val="50000"/>
+                  </a:schemeClr>
+                </a:solidFill>
+                <a:effectLst>
+                  <a:outerShdw blurRad="31750" dist="25400" dir="5400000" algn="tl" rotWithShape="0">
+                    <a:srgbClr val="000000">
+                      <a:alpha val="25000"/>
+                    </a:srgbClr>
+                  </a:outerShdw>
+                </a:effectLst>
+                <a:latin typeface="Aharoni" pitchFamily="2" charset="-79"/>
+                <a:ea typeface="+mj-ea"/>
+                <a:cs typeface="Aharoni" pitchFamily="2" charset="-79"/>
+              </a:rPr>
+              <a:t/>
+            </a:r>
+            <a:br>
+              <a:rPr lang="es-CL" sz="2800" b="1" dirty="0">
+                <a:solidFill>
+                  <a:schemeClr val="bg2">
+                    <a:lumMod val="50000"/>
+                  </a:schemeClr>
+                </a:solidFill>
+                <a:effectLst>
+                  <a:outerShdw blurRad="31750" dist="25400" dir="5400000" algn="tl" rotWithShape="0">
+                    <a:srgbClr val="000000">
+                      <a:alpha val="25000"/>
+                    </a:srgbClr>
+                  </a:outerShdw>
+                </a:effectLst>
+                <a:latin typeface="Aharoni" pitchFamily="2" charset="-79"/>
+                <a:ea typeface="+mj-ea"/>
+                <a:cs typeface="Aharoni" pitchFamily="2" charset="-79"/>
               </a:rPr>
             </a:br>
             <a:r>
-              <a:rPr lang="es-CL" dirty="0" smtClean="0"/>
+              <a:rPr lang="es-CL" sz="2800" b="1" dirty="0">
+                <a:solidFill>
+                  <a:schemeClr val="bg2">
+                    <a:lumMod val="50000"/>
+                  </a:schemeClr>
+                </a:solidFill>
+                <a:effectLst>
+                  <a:outerShdw blurRad="31750" dist="25400" dir="5400000" algn="tl" rotWithShape="0">
+                    <a:srgbClr val="000000">
+                      <a:alpha val="25000"/>
+                    </a:srgbClr>
+                  </a:outerShdw>
+                </a:effectLst>
+                <a:latin typeface="Aharoni" pitchFamily="2" charset="-79"/>
+                <a:ea typeface="+mj-ea"/>
+                <a:cs typeface="Aharoni" pitchFamily="2" charset="-79"/>
+              </a:rPr>
               <a:t/>
             </a:r>
             <a:br>
-              <a:rPr lang="es-CL" dirty="0" smtClean="0"/>
+              <a:rPr lang="es-CL" sz="2800" b="1" dirty="0">
+                <a:solidFill>
+                  <a:schemeClr val="bg2">
+                    <a:lumMod val="50000"/>
+                  </a:schemeClr>
+                </a:solidFill>
+                <a:effectLst>
+                  <a:outerShdw blurRad="31750" dist="25400" dir="5400000" algn="tl" rotWithShape="0">
+                    <a:srgbClr val="000000">
+                      <a:alpha val="25000"/>
+                    </a:srgbClr>
+                  </a:outerShdw>
+                </a:effectLst>
+                <a:latin typeface="Aharoni" pitchFamily="2" charset="-79"/>
+                <a:ea typeface="+mj-ea"/>
+                <a:cs typeface="Aharoni" pitchFamily="2" charset="-79"/>
+              </a:rPr>
             </a:br>
-            <a:endParaRPr lang="es-CL" dirty="0" smtClean="0"/>
+            <a:endParaRPr lang="es-CL" sz="2800" b="1" dirty="0">
+              <a:solidFill>
+                <a:schemeClr val="bg2">
+                  <a:lumMod val="50000"/>
+                </a:schemeClr>
+              </a:solidFill>
+              <a:effectLst>
+                <a:outerShdw blurRad="31750" dist="25400" dir="5400000" algn="tl" rotWithShape="0">
+                  <a:srgbClr val="000000">
+                    <a:alpha val="25000"/>
+                  </a:srgbClr>
+                </a:outerShdw>
+              </a:effectLst>
+              <a:latin typeface="Aharoni" pitchFamily="2" charset="-79"/>
+              <a:ea typeface="+mj-ea"/>
+              <a:cs typeface="Aharoni" pitchFamily="2" charset="-79"/>
+            </a:endParaRPr>
           </a:p>
         </p:txBody>
       </p:sp>
@@ -10316,7 +10621,7 @@
         </p:nvSpPr>
         <p:spPr>
           <a:xfrm>
-            <a:off x="-36512" y="1052736"/>
+            <a:off x="683568" y="1102613"/>
             <a:ext cx="7992888" cy="851515"/>
           </a:xfrm>
           <a:prstGeom prst="rect">
@@ -10350,79 +10655,7 @@
                 <a:latin typeface="Times New Roman" pitchFamily="18" charset="0"/>
                 <a:cs typeface="Times New Roman" pitchFamily="18" charset="0"/>
               </a:rPr>
-              <a:t>Administre </a:t>
-            </a:r>
-            <a:r>
-              <a:rPr lang="es-CL" sz="2300" dirty="0">
-                <a:solidFill>
-                  <a:schemeClr val="accent4">
-                    <a:lumMod val="75000"/>
-                  </a:schemeClr>
-                </a:solidFill>
-                <a:latin typeface="Times New Roman" pitchFamily="18" charset="0"/>
-                <a:cs typeface="Times New Roman" pitchFamily="18" charset="0"/>
-              </a:rPr>
-              <a:t>sus Usuarios</a:t>
-            </a:r>
-            <a:r>
-              <a:rPr lang="es-CL" sz="2300" dirty="0">
-                <a:solidFill>
-                  <a:schemeClr val="accent4">
-                    <a:lumMod val="75000"/>
-                  </a:schemeClr>
-                </a:solidFill>
-                <a:latin typeface="Times New Roman" pitchFamily="18" charset="0"/>
-                <a:cs typeface="Times New Roman" pitchFamily="18" charset="0"/>
-              </a:rPr>
-              <a:t>, </a:t>
-            </a:r>
-            <a:r>
-              <a:rPr lang="es-CL" sz="2300" dirty="0">
-                <a:solidFill>
-                  <a:schemeClr val="accent4">
-                    <a:lumMod val="75000"/>
-                  </a:schemeClr>
-                </a:solidFill>
-                <a:latin typeface="Times New Roman" pitchFamily="18" charset="0"/>
-                <a:cs typeface="Times New Roman" pitchFamily="18" charset="0"/>
-              </a:rPr>
-              <a:t>Grupos </a:t>
-            </a:r>
-            <a:r>
-              <a:rPr lang="es-CL" sz="2300" dirty="0">
-                <a:solidFill>
-                  <a:schemeClr val="accent4">
-                    <a:lumMod val="75000"/>
-                  </a:schemeClr>
-                </a:solidFill>
-                <a:latin typeface="Times New Roman" pitchFamily="18" charset="0"/>
-                <a:cs typeface="Times New Roman" pitchFamily="18" charset="0"/>
-              </a:rPr>
-              <a:t>y </a:t>
-            </a:r>
-            <a:r>
-              <a:rPr lang="es-CL" sz="2300" dirty="0">
-                <a:solidFill>
-                  <a:schemeClr val="accent4">
-                    <a:lumMod val="75000"/>
-                  </a:schemeClr>
-                </a:solidFill>
-                <a:latin typeface="Times New Roman" pitchFamily="18" charset="0"/>
-                <a:cs typeface="Times New Roman" pitchFamily="18" charset="0"/>
-              </a:rPr>
-              <a:t>Empresas</a:t>
-            </a:r>
-            <a:r>
-              <a:rPr lang="es-CL" sz="2300" dirty="0">
-                <a:solidFill>
-                  <a:schemeClr val="accent4">
-                    <a:lumMod val="75000"/>
-                  </a:schemeClr>
-                </a:solidFill>
-                <a:latin typeface="Times New Roman" pitchFamily="18" charset="0"/>
-                <a:cs typeface="Times New Roman" pitchFamily="18" charset="0"/>
-              </a:rPr>
-              <a:t>.</a:t>
+              <a:t>Administre sus Usuarios, Grupos y Empresas.</a:t>
             </a:r>
           </a:p>
           <a:p>
@@ -10588,6 +10821,32 @@
           <a:chExt cx="0" cy="0"/>
         </a:xfrm>
       </p:grpSpPr>
+      <p:pic>
+        <p:nvPicPr>
+          <p:cNvPr id="6146" name="Picture 2" descr="https://encrypted-tbn3.google.com/images?q=tbn:ANd9GcQv7o1uYuJTJ_GXWrchmYmF3--4xm-9XARhhT8NqDM6vkiRhclk"/>
+          <p:cNvPicPr>
+            <a:picLocks noChangeAspect="1" noChangeArrowheads="1"/>
+          </p:cNvPicPr>
+          <p:nvPr/>
+        </p:nvPicPr>
+        <p:blipFill>
+          <a:blip r:embed="rId2"/>
+          <a:srcRect/>
+          <a:stretch>
+            <a:fillRect/>
+          </a:stretch>
+        </p:blipFill>
+        <p:spPr bwMode="auto">
+          <a:xfrm>
+            <a:off x="357158" y="1071546"/>
+            <a:ext cx="2214578" cy="1016967"/>
+          </a:xfrm>
+          <a:prstGeom prst="rect">
+            <a:avLst/>
+          </a:prstGeom>
+          <a:noFill/>
+        </p:spPr>
+      </p:pic>
       <p:sp>
         <p:nvSpPr>
           <p:cNvPr id="16" name="15 Rectángulo redondeado"/>
@@ -10665,7 +10924,7 @@
           <p:nvPr/>
         </p:nvPicPr>
         <p:blipFill>
-          <a:blip r:embed="rId2"/>
+          <a:blip r:embed="rId3"/>
           <a:stretch>
             <a:fillRect/>
           </a:stretch>
@@ -10689,7 +10948,7 @@
           <p:nvPr/>
         </p:nvPicPr>
         <p:blipFill>
-          <a:blip r:embed="rId3"/>
+          <a:blip r:embed="rId4"/>
           <a:srcRect b="6584"/>
           <a:stretch>
             <a:fillRect/>
@@ -10697,8 +10956,8 @@
         </p:blipFill>
         <p:spPr bwMode="auto">
           <a:xfrm>
-            <a:off x="6227431" y="3339565"/>
-            <a:ext cx="2305009" cy="1817627"/>
+            <a:off x="5940152" y="3060497"/>
+            <a:ext cx="2587073" cy="2040050"/>
           </a:xfrm>
           <a:prstGeom prst="roundRect">
             <a:avLst>
@@ -10738,7 +10997,7 @@
           <p:nvPr/>
         </p:nvPicPr>
         <p:blipFill>
-          <a:blip r:embed="rId4"/>
+          <a:blip r:embed="rId5"/>
           <a:srcRect/>
           <a:stretch>
             <a:fillRect/>
@@ -10746,7 +11005,7 @@
         </p:blipFill>
         <p:spPr bwMode="auto">
           <a:xfrm>
-            <a:off x="5940152" y="1623274"/>
+            <a:off x="6161886" y="1538102"/>
             <a:ext cx="2665436" cy="1510015"/>
           </a:xfrm>
           <a:prstGeom prst="roundRect">
@@ -10787,7 +11046,7 @@
           <p:nvPr/>
         </p:nvPicPr>
         <p:blipFill>
-          <a:blip r:embed="rId5"/>
+          <a:blip r:embed="rId6"/>
           <a:srcRect r="6000"/>
           <a:stretch>
             <a:fillRect/>
@@ -10795,7 +11054,7 @@
         </p:blipFill>
         <p:spPr bwMode="auto">
           <a:xfrm>
-            <a:off x="573905" y="4341178"/>
+            <a:off x="307975" y="4080522"/>
             <a:ext cx="2814391" cy="1202843"/>
           </a:xfrm>
           <a:prstGeom prst="roundRect">
@@ -10836,7 +11095,7 @@
           <p:nvPr/>
         </p:nvPicPr>
         <p:blipFill>
-          <a:blip r:embed="rId6"/>
+          <a:blip r:embed="rId7"/>
           <a:srcRect l="21799" t="2035" b="14518"/>
           <a:stretch>
             <a:fillRect/>
@@ -10844,7 +11103,7 @@
         </p:blipFill>
         <p:spPr bwMode="auto">
           <a:xfrm>
-            <a:off x="788637" y="2454731"/>
+            <a:off x="810890" y="2236946"/>
             <a:ext cx="2271195" cy="1622341"/>
           </a:xfrm>
           <a:prstGeom prst="roundRect">
@@ -10924,7 +11183,7 @@
           <p:nvPr/>
         </p:nvPicPr>
         <p:blipFill>
-          <a:blip r:embed="rId7">
+          <a:blip r:embed="rId8">
             <a:extLst>
               <a:ext uri="{28A0092B-C50C-407E-A947-70E740481C1C}">
                 <a14:useLocalDpi xmlns:a14="http://schemas.microsoft.com/office/drawing/2010/main" val="0"/>
@@ -10938,146 +11197,8 @@
         </p:blipFill>
         <p:spPr bwMode="auto">
           <a:xfrm>
-            <a:off x="3635896" y="2852936"/>
-            <a:ext cx="1656184" cy="1656184"/>
-          </a:xfrm>
-          <a:prstGeom prst="rect">
-            <a:avLst/>
-          </a:prstGeom>
-          <a:solidFill>
-            <a:srgbClr val="FFFFFF">
-              <a:shade val="85000"/>
-            </a:srgbClr>
-          </a:solidFill>
-          <a:ln w="190500" cap="rnd">
-            <a:solidFill>
-              <a:srgbClr val="FFFFFF"/>
-            </a:solidFill>
-          </a:ln>
-          <a:effectLst>
-            <a:outerShdw blurRad="50000" algn="tl" rotWithShape="0">
-              <a:srgbClr val="000000">
-                <a:alpha val="41000"/>
-              </a:srgbClr>
-            </a:outerShdw>
-          </a:effectLst>
-          <a:extLst/>
-        </p:spPr>
-      </p:pic>
-      <p:sp>
-        <p:nvSpPr>
-          <p:cNvPr id="9" name="1 Marcador de contenido"/>
-          <p:cNvSpPr>
-            <a:spLocks noGrp="1"/>
-          </p:cNvSpPr>
-          <p:nvPr>
-            <p:ph idx="1"/>
-          </p:nvPr>
-        </p:nvSpPr>
-        <p:spPr>
-          <a:xfrm>
-            <a:off x="428596" y="428604"/>
-            <a:ext cx="8229600" cy="768148"/>
-          </a:xfrm>
-        </p:spPr>
-        <p:txBody>
-          <a:bodyPr>
-            <a:normAutofit fontScale="47500" lnSpcReduction="20000"/>
-          </a:bodyPr>
-          <a:lstStyle/>
-          <a:p>
-            <a:pPr marL="109728" indent="0">
-              <a:buNone/>
-            </a:pPr>
-            <a:r>
-              <a:rPr lang="es-CL" sz="5800" b="1" dirty="0">
-                <a:solidFill>
-                  <a:schemeClr val="bg2">
-                    <a:lumMod val="50000"/>
-                  </a:schemeClr>
-                </a:solidFill>
-                <a:effectLst>
-                  <a:outerShdw blurRad="31750" dist="25400" dir="5400000" algn="tl" rotWithShape="0">
-                    <a:srgbClr val="000000">
-                      <a:alpha val="25000"/>
-                    </a:srgbClr>
-                  </a:outerShdw>
-                </a:effectLst>
-                <a:latin typeface="Andalus" pitchFamily="18" charset="-78"/>
-                <a:ea typeface="+mj-ea"/>
-                <a:cs typeface="Andalus" pitchFamily="18" charset="-78"/>
-              </a:rPr>
-              <a:t>Trabajemos juntos &gt; EXFIDA</a:t>
-            </a:r>
-            <a:r>
-              <a:rPr lang="es-CL" sz="5800" b="1" dirty="0">
-                <a:solidFill>
-                  <a:schemeClr val="bg2">
-                    <a:lumMod val="50000"/>
-                  </a:schemeClr>
-                </a:solidFill>
-                <a:effectLst>
-                  <a:outerShdw blurRad="31750" dist="25400" dir="5400000" algn="tl" rotWithShape="0">
-                    <a:srgbClr val="000000">
-                      <a:alpha val="25000"/>
-                    </a:srgbClr>
-                  </a:outerShdw>
-                </a:effectLst>
-                <a:latin typeface="Andalus" pitchFamily="18" charset="-78"/>
-                <a:ea typeface="+mj-ea"/>
-                <a:cs typeface="Andalus" pitchFamily="18" charset="-78"/>
-              </a:rPr>
-              <a:t/>
-            </a:r>
-            <a:br>
-              <a:rPr lang="es-CL" sz="5800" b="1" dirty="0">
-                <a:solidFill>
-                  <a:schemeClr val="bg2">
-                    <a:lumMod val="50000"/>
-                  </a:schemeClr>
-                </a:solidFill>
-                <a:effectLst>
-                  <a:outerShdw blurRad="31750" dist="25400" dir="5400000" algn="tl" rotWithShape="0">
-                    <a:srgbClr val="000000">
-                      <a:alpha val="25000"/>
-                    </a:srgbClr>
-                  </a:outerShdw>
-                </a:effectLst>
-                <a:latin typeface="Andalus" pitchFamily="18" charset="-78"/>
-                <a:ea typeface="+mj-ea"/>
-                <a:cs typeface="Andalus" pitchFamily="18" charset="-78"/>
-              </a:rPr>
-            </a:br>
-            <a:r>
-              <a:rPr lang="es-CL" dirty="0" smtClean="0"/>
-              <a:t/>
-            </a:r>
-            <a:br>
-              <a:rPr lang="es-CL" dirty="0" smtClean="0"/>
-            </a:br>
-            <a:endParaRPr lang="es-CL" dirty="0" smtClean="0"/>
-          </a:p>
-        </p:txBody>
-      </p:sp>
-      <p:pic>
-        <p:nvPicPr>
-          <p:cNvPr id="11" name="Picture 2"/>
-          <p:cNvPicPr>
-            <a:picLocks noChangeAspect="1" noChangeArrowheads="1"/>
-          </p:cNvPicPr>
-          <p:nvPr/>
-        </p:nvPicPr>
-        <p:blipFill>
-          <a:blip r:embed="rId8"/>
-          <a:srcRect/>
-          <a:stretch>
-            <a:fillRect/>
-          </a:stretch>
-        </p:blipFill>
-        <p:spPr bwMode="auto">
-          <a:xfrm>
-            <a:off x="3131840" y="4878646"/>
-            <a:ext cx="3218115" cy="1496208"/>
+            <a:off x="3291903" y="2388956"/>
+            <a:ext cx="2525990" cy="2525990"/>
           </a:xfrm>
           <a:prstGeom prst="roundRect">
             <a:avLst>
@@ -11106,6 +11227,279 @@
               <a:srgbClr val="969696"/>
             </a:contourClr>
           </a:sp3d>
+          <a:extLst/>
+        </p:spPr>
+      </p:pic>
+      <p:sp>
+        <p:nvSpPr>
+          <p:cNvPr id="9" name="1 Marcador de contenido"/>
+          <p:cNvSpPr>
+            <a:spLocks noGrp="1"/>
+          </p:cNvSpPr>
+          <p:nvPr>
+            <p:ph idx="1"/>
+          </p:nvPr>
+        </p:nvSpPr>
+        <p:spPr>
+          <a:xfrm>
+            <a:off x="4432" y="14552"/>
+            <a:ext cx="8229600" cy="637200"/>
+          </a:xfrm>
+        </p:spPr>
+        <p:txBody>
+          <a:bodyPr>
+            <a:noAutofit/>
+          </a:bodyPr>
+          <a:lstStyle/>
+          <a:p>
+            <a:pPr marL="109728" indent="0">
+              <a:buNone/>
+            </a:pPr>
+            <a:r>
+              <a:rPr lang="es-CL" sz="2800" b="1" dirty="0">
+                <a:solidFill>
+                  <a:schemeClr val="bg2">
+                    <a:lumMod val="50000"/>
+                  </a:schemeClr>
+                </a:solidFill>
+                <a:effectLst>
+                  <a:outerShdw blurRad="31750" dist="25400" dir="5400000" algn="tl" rotWithShape="0">
+                    <a:srgbClr val="000000">
+                      <a:alpha val="25000"/>
+                    </a:srgbClr>
+                  </a:outerShdw>
+                </a:effectLst>
+                <a:latin typeface="Aharoni" pitchFamily="2" charset="-79"/>
+                <a:ea typeface="+mj-ea"/>
+                <a:cs typeface="Aharoni" pitchFamily="2" charset="-79"/>
+              </a:rPr>
+              <a:t>Trabajemos juntos </a:t>
+            </a:r>
+            <a:r>
+              <a:rPr lang="es-CL" sz="2800" b="1" dirty="0">
+                <a:solidFill>
+                  <a:schemeClr val="bg2">
+                    <a:lumMod val="25000"/>
+                  </a:schemeClr>
+                </a:solidFill>
+                <a:effectLst>
+                  <a:outerShdw blurRad="31750" dist="25400" dir="5400000" algn="tl" rotWithShape="0">
+                    <a:srgbClr val="000000">
+                      <a:alpha val="25000"/>
+                    </a:srgbClr>
+                  </a:outerShdw>
+                </a:effectLst>
+                <a:latin typeface="Aharoni" pitchFamily="2" charset="-79"/>
+                <a:ea typeface="+mj-ea"/>
+                <a:cs typeface="Aharoni" pitchFamily="2" charset="-79"/>
+              </a:rPr>
+              <a:t>&gt;</a:t>
+            </a:r>
+            <a:r>
+              <a:rPr lang="es-CL" sz="2800" b="1" dirty="0">
+                <a:solidFill>
+                  <a:schemeClr val="bg2">
+                    <a:lumMod val="50000"/>
+                  </a:schemeClr>
+                </a:solidFill>
+                <a:effectLst>
+                  <a:outerShdw blurRad="31750" dist="25400" dir="5400000" algn="tl" rotWithShape="0">
+                    <a:srgbClr val="000000">
+                      <a:alpha val="25000"/>
+                    </a:srgbClr>
+                  </a:outerShdw>
+                </a:effectLst>
+                <a:latin typeface="Aharoni" pitchFamily="2" charset="-79"/>
+                <a:ea typeface="+mj-ea"/>
+                <a:cs typeface="Aharoni" pitchFamily="2" charset="-79"/>
+              </a:rPr>
+              <a:t> </a:t>
+            </a:r>
+            <a:r>
+              <a:rPr lang="es-CL" sz="2800" b="1" dirty="0" smtClean="0">
+                <a:solidFill>
+                  <a:schemeClr val="bg2">
+                    <a:lumMod val="50000"/>
+                  </a:schemeClr>
+                </a:solidFill>
+                <a:effectLst>
+                  <a:outerShdw blurRad="31750" dist="25400" dir="5400000" algn="tl" rotWithShape="0">
+                    <a:srgbClr val="000000">
+                      <a:alpha val="25000"/>
+                    </a:srgbClr>
+                  </a:outerShdw>
+                </a:effectLst>
+                <a:latin typeface="Aharoni" pitchFamily="2" charset="-79"/>
+                <a:ea typeface="+mj-ea"/>
+                <a:cs typeface="Aharoni" pitchFamily="2" charset="-79"/>
+              </a:rPr>
+              <a:t>EXFIDA </a:t>
+            </a:r>
+            <a:r>
+              <a:rPr lang="es-CL" sz="2800" b="1" dirty="0" smtClean="0">
+                <a:solidFill>
+                  <a:schemeClr val="bg2">
+                    <a:lumMod val="25000"/>
+                  </a:schemeClr>
+                </a:solidFill>
+                <a:effectLst>
+                  <a:outerShdw blurRad="31750" dist="25400" dir="5400000" algn="tl" rotWithShape="0">
+                    <a:srgbClr val="000000">
+                      <a:alpha val="25000"/>
+                    </a:srgbClr>
+                  </a:outerShdw>
+                </a:effectLst>
+                <a:latin typeface="Aharoni" pitchFamily="2" charset="-79"/>
+                <a:ea typeface="+mj-ea"/>
+                <a:cs typeface="Aharoni" pitchFamily="2" charset="-79"/>
+              </a:rPr>
+              <a:t>&gt;</a:t>
+            </a:r>
+            <a:r>
+              <a:rPr lang="es-CL" sz="2800" b="1" dirty="0">
+                <a:solidFill>
+                  <a:schemeClr val="bg2">
+                    <a:lumMod val="50000"/>
+                  </a:schemeClr>
+                </a:solidFill>
+                <a:effectLst>
+                  <a:outerShdw blurRad="31750" dist="25400" dir="5400000" algn="tl" rotWithShape="0">
+                    <a:srgbClr val="000000">
+                      <a:alpha val="25000"/>
+                    </a:srgbClr>
+                  </a:outerShdw>
+                </a:effectLst>
+                <a:latin typeface="Aharoni" pitchFamily="2" charset="-79"/>
+                <a:ea typeface="+mj-ea"/>
+                <a:cs typeface="Aharoni" pitchFamily="2" charset="-79"/>
+              </a:rPr>
+              <a:t/>
+            </a:r>
+            <a:br>
+              <a:rPr lang="es-CL" sz="2800" b="1" dirty="0">
+                <a:solidFill>
+                  <a:schemeClr val="bg2">
+                    <a:lumMod val="50000"/>
+                  </a:schemeClr>
+                </a:solidFill>
+                <a:effectLst>
+                  <a:outerShdw blurRad="31750" dist="25400" dir="5400000" algn="tl" rotWithShape="0">
+                    <a:srgbClr val="000000">
+                      <a:alpha val="25000"/>
+                    </a:srgbClr>
+                  </a:outerShdw>
+                </a:effectLst>
+                <a:latin typeface="Aharoni" pitchFamily="2" charset="-79"/>
+                <a:ea typeface="+mj-ea"/>
+                <a:cs typeface="Aharoni" pitchFamily="2" charset="-79"/>
+              </a:rPr>
+            </a:br>
+            <a:r>
+              <a:rPr lang="es-CL" sz="2800" b="1" dirty="0">
+                <a:solidFill>
+                  <a:schemeClr val="bg2">
+                    <a:lumMod val="50000"/>
+                  </a:schemeClr>
+                </a:solidFill>
+                <a:effectLst>
+                  <a:outerShdw blurRad="31750" dist="25400" dir="5400000" algn="tl" rotWithShape="0">
+                    <a:srgbClr val="000000">
+                      <a:alpha val="25000"/>
+                    </a:srgbClr>
+                  </a:outerShdw>
+                </a:effectLst>
+                <a:latin typeface="Aharoni" pitchFamily="2" charset="-79"/>
+                <a:ea typeface="+mj-ea"/>
+                <a:cs typeface="Aharoni" pitchFamily="2" charset="-79"/>
+              </a:rPr>
+              <a:t/>
+            </a:r>
+            <a:br>
+              <a:rPr lang="es-CL" sz="2800" b="1" dirty="0">
+                <a:solidFill>
+                  <a:schemeClr val="bg2">
+                    <a:lumMod val="50000"/>
+                  </a:schemeClr>
+                </a:solidFill>
+                <a:effectLst>
+                  <a:outerShdw blurRad="31750" dist="25400" dir="5400000" algn="tl" rotWithShape="0">
+                    <a:srgbClr val="000000">
+                      <a:alpha val="25000"/>
+                    </a:srgbClr>
+                  </a:outerShdw>
+                </a:effectLst>
+                <a:latin typeface="Aharoni" pitchFamily="2" charset="-79"/>
+                <a:ea typeface="+mj-ea"/>
+                <a:cs typeface="Aharoni" pitchFamily="2" charset="-79"/>
+              </a:rPr>
+            </a:br>
+            <a:endParaRPr lang="es-CL" sz="2800" b="1" dirty="0">
+              <a:solidFill>
+                <a:schemeClr val="bg2">
+                  <a:lumMod val="50000"/>
+                </a:schemeClr>
+              </a:solidFill>
+              <a:effectLst>
+                <a:outerShdw blurRad="31750" dist="25400" dir="5400000" algn="tl" rotWithShape="0">
+                  <a:srgbClr val="000000">
+                    <a:alpha val="25000"/>
+                  </a:srgbClr>
+                </a:outerShdw>
+              </a:effectLst>
+              <a:latin typeface="Aharoni" pitchFamily="2" charset="-79"/>
+              <a:ea typeface="+mj-ea"/>
+              <a:cs typeface="Aharoni" pitchFamily="2" charset="-79"/>
+            </a:endParaRPr>
+          </a:p>
+        </p:txBody>
+      </p:sp>
+      <p:pic>
+        <p:nvPicPr>
+          <p:cNvPr id="11" name="Picture 2"/>
+          <p:cNvPicPr>
+            <a:picLocks noChangeAspect="1" noChangeArrowheads="1"/>
+          </p:cNvPicPr>
+          <p:nvPr/>
+        </p:nvPicPr>
+        <p:blipFill>
+          <a:blip r:embed="rId9"/>
+          <a:srcRect/>
+          <a:stretch>
+            <a:fillRect/>
+          </a:stretch>
+        </p:blipFill>
+        <p:spPr bwMode="auto">
+          <a:xfrm>
+            <a:off x="3203848" y="4957128"/>
+            <a:ext cx="3218115" cy="1496208"/>
+          </a:xfrm>
+          <a:prstGeom prst="roundRect">
+            <a:avLst>
+              <a:gd name="adj" fmla="val 16667"/>
+            </a:avLst>
+          </a:prstGeom>
+          <a:ln>
+            <a:noFill/>
+          </a:ln>
+          <a:effectLst>
+            <a:outerShdw blurRad="152400" dist="12000" dir="900000" sy="98000" kx="110000" ky="200000" algn="tl" rotWithShape="0">
+              <a:srgbClr val="000000">
+                <a:alpha val="30000"/>
+              </a:srgbClr>
+            </a:outerShdw>
+          </a:effectLst>
+          <a:scene3d>
+            <a:camera prst="perspectiveRelaxed">
+              <a:rot lat="19800000" lon="1200000" rev="20820000"/>
+            </a:camera>
+            <a:lightRig rig="threePt" dir="t"/>
+          </a:scene3d>
+          <a:sp3d contourW="6350" prstMaterial="matte">
+            <a:bevelT w="101600" h="101600"/>
+            <a:contourClr>
+              <a:srgbClr val="969696"/>
+            </a:contourClr>
+          </a:sp3d>
         </p:spPr>
       </p:pic>
       <p:pic>
@@ -11117,7 +11511,7 @@
           <p:nvPr/>
         </p:nvPicPr>
         <p:blipFill>
-          <a:blip r:embed="rId9" cstate="print">
+          <a:blip r:embed="rId10" cstate="print">
             <a:extLst>
               <a:ext uri="{28A0092B-C50C-407E-A947-70E740481C1C}">
                 <a14:useLocalDpi xmlns:a14="http://schemas.microsoft.com/office/drawing/2010/main" val="0"/>
@@ -11131,7 +11525,7 @@
         </p:blipFill>
         <p:spPr bwMode="auto">
           <a:xfrm>
-            <a:off x="2843808" y="954103"/>
+            <a:off x="2880321" y="954103"/>
             <a:ext cx="3059831" cy="1466785"/>
           </a:xfrm>
           <a:prstGeom prst="roundRect">
@@ -11180,32 +11574,6 @@
               </a14:hiddenLine>
             </a:ext>
           </a:extLst>
-        </p:spPr>
-      </p:pic>
-      <p:pic>
-        <p:nvPicPr>
-          <p:cNvPr id="6146" name="Picture 2" descr="https://encrypted-tbn3.google.com/images?q=tbn:ANd9GcQv7o1uYuJTJ_GXWrchmYmF3--4xm-9XARhhT8NqDM6vkiRhclk"/>
-          <p:cNvPicPr>
-            <a:picLocks noChangeAspect="1" noChangeArrowheads="1"/>
-          </p:cNvPicPr>
-          <p:nvPr/>
-        </p:nvPicPr>
-        <p:blipFill>
-          <a:blip r:embed="rId10"/>
-          <a:srcRect/>
-          <a:stretch>
-            <a:fillRect/>
-          </a:stretch>
-        </p:blipFill>
-        <p:spPr bwMode="auto">
-          <a:xfrm>
-            <a:off x="357158" y="1071546"/>
-            <a:ext cx="2214578" cy="1016967"/>
-          </a:xfrm>
-          <a:prstGeom prst="rect">
-            <a:avLst/>
-          </a:prstGeom>
-          <a:noFill/>
         </p:spPr>
       </p:pic>
       <p:pic>
@@ -11425,7 +11793,7 @@
         </p:nvSpPr>
         <p:spPr>
           <a:xfrm>
-            <a:off x="457200" y="1279301"/>
+            <a:off x="457200" y="1124744"/>
             <a:ext cx="8229600" cy="4525963"/>
           </a:xfrm>
         </p:spPr>
@@ -11552,7 +11920,7 @@
         </p:nvSpPr>
         <p:spPr>
           <a:xfrm>
-            <a:off x="457200" y="274638"/>
+            <a:off x="1160" y="13560"/>
             <a:ext cx="8229600" cy="706090"/>
           </a:xfrm>
         </p:spPr>
@@ -11563,38 +11931,29 @@
           <a:lstStyle/>
           <a:p>
             <a:r>
-              <a:rPr lang="es-CL" sz="3200" dirty="0">
+              <a:rPr lang="es-CL" sz="2800" dirty="0">
                 <a:solidFill>
                   <a:schemeClr val="bg2">
                     <a:lumMod val="50000"/>
                   </a:schemeClr>
                 </a:solidFill>
-                <a:latin typeface="Andalus" pitchFamily="18" charset="-78"/>
-                <a:cs typeface="Andalus" pitchFamily="18" charset="-78"/>
-              </a:rPr>
-              <a:t>Nuestro </a:t>
-            </a:r>
-            <a:r>
-              <a:rPr lang="es-CL" sz="3200" dirty="0">
+                <a:latin typeface="Aharoni" pitchFamily="2" charset="-79"/>
+                <a:cs typeface="Aharoni" pitchFamily="2" charset="-79"/>
+              </a:rPr>
+              <a:t>Nuestro Enfoque </a:t>
+            </a:r>
+            <a:r>
+              <a:rPr lang="es-CL" sz="2800" dirty="0">
                 <a:solidFill>
                   <a:schemeClr val="bg2">
-                    <a:lumMod val="50000"/>
-                  </a:schemeClr>
-                </a:solidFill>
-                <a:latin typeface="Andalus" pitchFamily="18" charset="-78"/>
-                <a:cs typeface="Andalus" pitchFamily="18" charset="-78"/>
-              </a:rPr>
-              <a:t>Enfoque &gt;</a:t>
-            </a:r>
-            <a:endParaRPr lang="es-CL" sz="3200" dirty="0">
-              <a:solidFill>
-                <a:schemeClr val="bg2">
-                  <a:lumMod val="50000"/>
-                </a:schemeClr>
-              </a:solidFill>
-              <a:latin typeface="Andalus" pitchFamily="18" charset="-78"/>
-              <a:cs typeface="Andalus" pitchFamily="18" charset="-78"/>
-            </a:endParaRPr>
+                    <a:lumMod val="25000"/>
+                  </a:schemeClr>
+                </a:solidFill>
+                <a:latin typeface="Aharoni" pitchFamily="2" charset="-79"/>
+                <a:cs typeface="Aharoni" pitchFamily="2" charset="-79"/>
+              </a:rPr>
+              <a:t>&gt;</a:t>
+            </a:r>
           </a:p>
         </p:txBody>
       </p:sp>
@@ -11784,7 +12143,7 @@
               <a:t>Profesionales con excelente calidad técnica y humana</a:t>
             </a:r>
             <a:r>
-              <a:rPr lang="es-CL" sz="2300" dirty="0" smtClean="0">
+              <a:rPr lang="es-CL" sz="2300" dirty="0">
                 <a:solidFill>
                   <a:schemeClr val="accent4">
                     <a:lumMod val="75000"/>
@@ -11805,7 +12164,7 @@
               <a:buChar char="•"/>
             </a:pPr>
             <a:r>
-              <a:rPr lang="es-CL" sz="2300" dirty="0" smtClean="0">
+              <a:rPr lang="es-CL" sz="2300" dirty="0">
                 <a:solidFill>
                   <a:schemeClr val="accent4">
                     <a:lumMod val="75000"/>
@@ -11879,8 +12238,8 @@
         </p:nvSpPr>
         <p:spPr>
           <a:xfrm>
-            <a:off x="467544" y="271441"/>
-            <a:ext cx="8229600" cy="637279"/>
+            <a:off x="4432" y="14473"/>
+            <a:ext cx="3631464" cy="637279"/>
           </a:xfrm>
         </p:spPr>
         <p:txBody>
@@ -11890,38 +12249,29 @@
           <a:lstStyle/>
           <a:p>
             <a:r>
-              <a:rPr lang="es-CL" sz="3200" dirty="0">
+              <a:rPr lang="es-CL" sz="2800" dirty="0">
                 <a:solidFill>
                   <a:schemeClr val="bg2">
                     <a:lumMod val="50000"/>
                   </a:schemeClr>
                 </a:solidFill>
-                <a:latin typeface="Andalus" pitchFamily="18" charset="-78"/>
-                <a:cs typeface="Andalus" pitchFamily="18" charset="-78"/>
-              </a:rPr>
-              <a:t>Nuestra </a:t>
-            </a:r>
-            <a:r>
-              <a:rPr lang="es-CL" sz="3200" dirty="0">
+                <a:latin typeface="Aharoni" pitchFamily="2" charset="-79"/>
+                <a:cs typeface="Aharoni" pitchFamily="2" charset="-79"/>
+              </a:rPr>
+              <a:t>Nuestra Fuerza </a:t>
+            </a:r>
+            <a:r>
+              <a:rPr lang="es-CL" sz="2800" dirty="0">
                 <a:solidFill>
                   <a:schemeClr val="bg2">
-                    <a:lumMod val="50000"/>
-                  </a:schemeClr>
-                </a:solidFill>
-                <a:latin typeface="Andalus" pitchFamily="18" charset="-78"/>
-                <a:cs typeface="Andalus" pitchFamily="18" charset="-78"/>
-              </a:rPr>
-              <a:t>Fuerza &gt;</a:t>
-            </a:r>
-            <a:endParaRPr lang="es-CL" sz="3200" dirty="0">
-              <a:solidFill>
-                <a:schemeClr val="bg2">
-                  <a:lumMod val="50000"/>
-                </a:schemeClr>
-              </a:solidFill>
-              <a:latin typeface="Andalus" pitchFamily="18" charset="-78"/>
-              <a:cs typeface="Andalus" pitchFamily="18" charset="-78"/>
-            </a:endParaRPr>
+                    <a:lumMod val="25000"/>
+                  </a:schemeClr>
+                </a:solidFill>
+                <a:latin typeface="Aharoni" pitchFamily="2" charset="-79"/>
+                <a:cs typeface="Aharoni" pitchFamily="2" charset="-79"/>
+              </a:rPr>
+              <a:t>&gt;</a:t>
+            </a:r>
           </a:p>
         </p:txBody>
       </p:sp>
@@ -12068,8 +12418,8 @@
         </p:nvSpPr>
         <p:spPr>
           <a:xfrm>
-            <a:off x="467544" y="3573016"/>
-            <a:ext cx="8229600" cy="710952"/>
+            <a:off x="3512" y="3409240"/>
+            <a:ext cx="4208448" cy="710952"/>
           </a:xfrm>
         </p:spPr>
         <p:txBody>
@@ -12079,38 +12429,29 @@
           <a:lstStyle/>
           <a:p>
             <a:r>
-              <a:rPr lang="es-CL" sz="3200" dirty="0">
+              <a:rPr lang="es-CL" sz="2800" dirty="0">
                 <a:solidFill>
                   <a:schemeClr val="bg2">
                     <a:lumMod val="50000"/>
                   </a:schemeClr>
                 </a:solidFill>
-                <a:latin typeface="Andalus" pitchFamily="18" charset="-78"/>
-                <a:cs typeface="Andalus" pitchFamily="18" charset="-78"/>
-              </a:rPr>
-              <a:t>Nuestras </a:t>
-            </a:r>
-            <a:r>
-              <a:rPr lang="es-CL" sz="3200" dirty="0">
+                <a:latin typeface="Aharoni" pitchFamily="2" charset="-79"/>
+                <a:cs typeface="Aharoni" pitchFamily="2" charset="-79"/>
+              </a:rPr>
+              <a:t>Nuestras Alianzas </a:t>
+            </a:r>
+            <a:r>
+              <a:rPr lang="es-CL" sz="2800" dirty="0">
                 <a:solidFill>
                   <a:schemeClr val="bg2">
-                    <a:lumMod val="50000"/>
-                  </a:schemeClr>
-                </a:solidFill>
-                <a:latin typeface="Andalus" pitchFamily="18" charset="-78"/>
-                <a:cs typeface="Andalus" pitchFamily="18" charset="-78"/>
-              </a:rPr>
-              <a:t>Alianzas &gt;</a:t>
-            </a:r>
-            <a:endParaRPr lang="es-CL" sz="3200" dirty="0">
-              <a:solidFill>
-                <a:schemeClr val="bg2">
-                  <a:lumMod val="50000"/>
-                </a:schemeClr>
-              </a:solidFill>
-              <a:latin typeface="Andalus" pitchFamily="18" charset="-78"/>
-              <a:cs typeface="Andalus" pitchFamily="18" charset="-78"/>
-            </a:endParaRPr>
+                    <a:lumMod val="25000"/>
+                  </a:schemeClr>
+                </a:solidFill>
+                <a:latin typeface="Aharoni" pitchFamily="2" charset="-79"/>
+                <a:cs typeface="Aharoni" pitchFamily="2" charset="-79"/>
+              </a:rPr>
+              <a:t>&gt;</a:t>
+            </a:r>
           </a:p>
         </p:txBody>
       </p:sp>
@@ -12283,8 +12624,8 @@
         </p:nvSpPr>
         <p:spPr>
           <a:xfrm>
-            <a:off x="467544" y="188640"/>
-            <a:ext cx="8229600" cy="697706"/>
+            <a:off x="-5448" y="12406"/>
+            <a:ext cx="4649456" cy="637200"/>
           </a:xfrm>
           <a:prstGeom prst="rect">
             <a:avLst/>
@@ -12321,7 +12662,7 @@
               <a:defRPr/>
             </a:pPr>
             <a:r>
-              <a:rPr lang="es-CL" sz="3200" b="1" dirty="0">
+              <a:rPr lang="es-CL" sz="2800" b="1" dirty="0">
                 <a:solidFill>
                   <a:schemeClr val="bg2">
                     <a:lumMod val="50000"/>
@@ -12334,17 +12675,17 @@
                     </a:srgbClr>
                   </a:outerShdw>
                 </a:effectLst>
-                <a:latin typeface="Andalus" pitchFamily="18" charset="-78"/>
+                <a:latin typeface="Aharoni" pitchFamily="2" charset="-79"/>
                 <a:ea typeface="+mj-ea"/>
-                <a:cs typeface="Andalus" pitchFamily="18" charset="-78"/>
-              </a:rPr>
-              <a:t>Nuestras </a:t>
-            </a:r>
-            <a:r>
-              <a:rPr lang="es-CL" sz="3200" b="1" dirty="0">
+                <a:cs typeface="Aharoni" pitchFamily="2" charset="-79"/>
+              </a:rPr>
+              <a:t>Nuestras Referencias </a:t>
+            </a:r>
+            <a:r>
+              <a:rPr lang="es-CL" sz="2800" b="1" dirty="0">
                 <a:solidFill>
                   <a:schemeClr val="bg2">
-                    <a:lumMod val="50000"/>
+                    <a:lumMod val="25000"/>
                   </a:schemeClr>
                 </a:solidFill>
                 <a:effectLst>
@@ -12354,29 +12695,12 @@
                     </a:srgbClr>
                   </a:outerShdw>
                 </a:effectLst>
-                <a:latin typeface="Andalus" pitchFamily="18" charset="-78"/>
+                <a:latin typeface="Aharoni" pitchFamily="2" charset="-79"/>
                 <a:ea typeface="+mj-ea"/>
-                <a:cs typeface="Andalus" pitchFamily="18" charset="-78"/>
-              </a:rPr>
-              <a:t>Referencias &gt;</a:t>
-            </a:r>
-            <a:endParaRPr lang="es-CL" sz="3200" b="1" dirty="0">
-              <a:solidFill>
-                <a:schemeClr val="bg2">
-                  <a:lumMod val="50000"/>
-                </a:schemeClr>
-              </a:solidFill>
-              <a:effectLst>
-                <a:outerShdw blurRad="31750" dist="25400" dir="5400000" algn="tl" rotWithShape="0">
-                  <a:srgbClr val="000000">
-                    <a:alpha val="25000"/>
-                  </a:srgbClr>
-                </a:outerShdw>
-              </a:effectLst>
-              <a:latin typeface="Andalus" pitchFamily="18" charset="-78"/>
-              <a:ea typeface="+mj-ea"/>
-              <a:cs typeface="Andalus" pitchFamily="18" charset="-78"/>
-            </a:endParaRPr>
+                <a:cs typeface="Aharoni" pitchFamily="2" charset="-79"/>
+              </a:rPr>
+              <a:t>&gt;</a:t>
+            </a:r>
           </a:p>
         </p:txBody>
       </p:sp>
@@ -12397,7 +12721,7 @@
         </p:blipFill>
         <p:spPr>
           <a:xfrm>
-            <a:off x="1392968" y="4437112"/>
+            <a:off x="1392968" y="4221088"/>
             <a:ext cx="1666864" cy="785818"/>
           </a:xfrm>
           <a:prstGeom prst="roundRect">
@@ -12446,7 +12770,7 @@
         </p:blipFill>
         <p:spPr>
           <a:xfrm>
-            <a:off x="3841240" y="4365104"/>
+            <a:off x="3707904" y="4149080"/>
             <a:ext cx="1666864" cy="785818"/>
           </a:xfrm>
           <a:prstGeom prst="roundRect">
@@ -12493,7 +12817,7 @@
         </p:blipFill>
         <p:spPr>
           <a:xfrm>
-            <a:off x="6084168" y="4437112"/>
+            <a:off x="6084168" y="4149080"/>
             <a:ext cx="1666864" cy="785818"/>
           </a:xfrm>
           <a:prstGeom prst="roundRect">
@@ -12826,7 +13150,7 @@
         </p:nvSpPr>
         <p:spPr>
           <a:xfrm>
-            <a:off x="395536" y="1279301"/>
+            <a:off x="395536" y="1135285"/>
             <a:ext cx="8229600" cy="4525963"/>
           </a:xfrm>
         </p:spPr>
@@ -12903,8 +13227,8 @@
         </p:nvSpPr>
         <p:spPr>
           <a:xfrm>
-            <a:off x="457200" y="274638"/>
-            <a:ext cx="8229600" cy="850106"/>
+            <a:off x="-5448" y="7936"/>
+            <a:ext cx="4865480" cy="637200"/>
           </a:xfrm>
         </p:spPr>
         <p:txBody>
@@ -12914,50 +13238,41 @@
           <a:lstStyle/>
           <a:p>
             <a:r>
-              <a:rPr lang="es-CL" sz="3200" dirty="0">
+              <a:rPr lang="es-CL" sz="2800" dirty="0">
                 <a:solidFill>
                   <a:schemeClr val="bg2">
                     <a:lumMod val="50000"/>
                   </a:schemeClr>
                 </a:solidFill>
-                <a:latin typeface="Andalus" pitchFamily="18" charset="-78"/>
-                <a:cs typeface="Andalus" pitchFamily="18" charset="-78"/>
+                <a:latin typeface="Aharoni" pitchFamily="2" charset="-79"/>
+                <a:cs typeface="Aharoni" pitchFamily="2" charset="-79"/>
               </a:rPr>
               <a:t>IFRS, XBRL. </a:t>
             </a:r>
             <a:r>
-              <a:rPr lang="es-CL" sz="3200" dirty="0" smtClean="0">
+              <a:rPr lang="es-CL" sz="2800" dirty="0">
                 <a:solidFill>
                   <a:schemeClr val="bg2">
                     <a:lumMod val="50000"/>
                   </a:schemeClr>
                 </a:solidFill>
-                <a:latin typeface="Andalus" pitchFamily="18" charset="-78"/>
-                <a:cs typeface="Andalus" pitchFamily="18" charset="-78"/>
+                <a:latin typeface="Aharoni" pitchFamily="2" charset="-79"/>
+                <a:cs typeface="Aharoni" pitchFamily="2" charset="-79"/>
               </a:rPr>
               <a:t>Ya están aquí </a:t>
             </a:r>
             <a:r>
-              <a:rPr lang="es-CL" sz="3200" dirty="0">
+              <a:rPr lang="es-CL" sz="2800" dirty="0">
                 <a:solidFill>
                   <a:schemeClr val="bg2">
-                    <a:lumMod val="50000"/>
-                  </a:schemeClr>
-                </a:solidFill>
-                <a:latin typeface="Andalus" pitchFamily="18" charset="-78"/>
-                <a:cs typeface="Andalus" pitchFamily="18" charset="-78"/>
+                    <a:lumMod val="25000"/>
+                  </a:schemeClr>
+                </a:solidFill>
+                <a:latin typeface="Aharoni" pitchFamily="2" charset="-79"/>
+                <a:cs typeface="Aharoni" pitchFamily="2" charset="-79"/>
               </a:rPr>
               <a:t>&gt;</a:t>
             </a:r>
-            <a:endParaRPr lang="es-CL" sz="3200" dirty="0">
-              <a:solidFill>
-                <a:schemeClr val="bg2">
-                  <a:lumMod val="50000"/>
-                </a:schemeClr>
-              </a:solidFill>
-              <a:latin typeface="Andalus" pitchFamily="18" charset="-78"/>
-              <a:cs typeface="Andalus" pitchFamily="18" charset="-78"/>
-            </a:endParaRPr>
           </a:p>
         </p:txBody>
       </p:sp>
@@ -13101,8 +13416,8 @@
         </p:blipFill>
         <p:spPr bwMode="auto">
           <a:xfrm>
-            <a:off x="6434735" y="6237312"/>
-            <a:ext cx="2745777" cy="648072"/>
+            <a:off x="6720457" y="5789798"/>
+            <a:ext cx="2423543" cy="572017"/>
           </a:xfrm>
           <a:prstGeom prst="rect">
             <a:avLst/>
@@ -13285,7 +13600,7 @@
         </p:nvSpPr>
         <p:spPr>
           <a:xfrm>
-            <a:off x="446856" y="1268760"/>
+            <a:off x="446856" y="1124744"/>
             <a:ext cx="8229600" cy="2753237"/>
           </a:xfrm>
         </p:spPr>
@@ -13340,16 +13655,117 @@
           </a:p>
         </p:txBody>
       </p:sp>
+      <p:sp>
+        <p:nvSpPr>
+          <p:cNvPr id="6" name="1 Título"/>
+          <p:cNvSpPr>
+            <a:spLocks noGrp="1"/>
+          </p:cNvSpPr>
+          <p:nvPr>
+            <p:ph type="title"/>
+          </p:nvPr>
+        </p:nvSpPr>
+        <p:spPr>
+          <a:xfrm>
+            <a:off x="-2144" y="17670"/>
+            <a:ext cx="5366232" cy="637200"/>
+          </a:xfrm>
+        </p:spPr>
+        <p:txBody>
+          <a:bodyPr>
+            <a:noAutofit/>
+          </a:bodyPr>
+          <a:lstStyle/>
+          <a:p>
+            <a:r>
+              <a:rPr lang="es-CL" sz="2800" dirty="0">
+                <a:solidFill>
+                  <a:schemeClr val="bg2">
+                    <a:lumMod val="50000"/>
+                  </a:schemeClr>
+                </a:solidFill>
+                <a:latin typeface="Aharoni" pitchFamily="2" charset="-79"/>
+                <a:cs typeface="Aharoni" pitchFamily="2" charset="-79"/>
+              </a:rPr>
+              <a:t>IFRS, XBRL. </a:t>
+            </a:r>
+            <a:r>
+              <a:rPr lang="es-CL" sz="2800" dirty="0">
+                <a:solidFill>
+                  <a:schemeClr val="bg2">
+                    <a:lumMod val="50000"/>
+                  </a:schemeClr>
+                </a:solidFill>
+                <a:latin typeface="Aharoni" pitchFamily="2" charset="-79"/>
+                <a:cs typeface="Aharoni" pitchFamily="2" charset="-79"/>
+              </a:rPr>
+              <a:t>Ya </a:t>
+            </a:r>
+            <a:r>
+              <a:rPr lang="es-CL" sz="2800" dirty="0" smtClean="0">
+                <a:solidFill>
+                  <a:schemeClr val="bg2">
+                    <a:lumMod val="50000"/>
+                  </a:schemeClr>
+                </a:solidFill>
+                <a:latin typeface="Aharoni" pitchFamily="2" charset="-79"/>
+                <a:cs typeface="Aharoni" pitchFamily="2" charset="-79"/>
+              </a:rPr>
+              <a:t>están aquí </a:t>
+            </a:r>
+            <a:r>
+              <a:rPr lang="es-CL" sz="2800" dirty="0">
+                <a:solidFill>
+                  <a:schemeClr val="bg2">
+                    <a:lumMod val="25000"/>
+                  </a:schemeClr>
+                </a:solidFill>
+                <a:latin typeface="Aharoni" pitchFamily="2" charset="-79"/>
+                <a:cs typeface="Aharoni" pitchFamily="2" charset="-79"/>
+              </a:rPr>
+              <a:t>&gt;</a:t>
+            </a:r>
+          </a:p>
+        </p:txBody>
+      </p:sp>
       <p:pic>
         <p:nvPicPr>
-          <p:cNvPr id="5" name="Picture 9"/>
+          <p:cNvPr id="7" name="6 Imagen" descr="logo_top_byte.gif"/>
+          <p:cNvPicPr>
+            <a:picLocks noChangeAspect="1"/>
+          </p:cNvPicPr>
+          <p:nvPr/>
+        </p:nvPicPr>
+        <p:blipFill>
+          <a:blip r:embed="rId2"/>
+          <a:stretch>
+            <a:fillRect/>
+          </a:stretch>
+        </p:blipFill>
+        <p:spPr>
+          <a:xfrm>
+            <a:off x="8029606" y="142852"/>
+            <a:ext cx="971550" cy="971550"/>
+          </a:xfrm>
+          <a:prstGeom prst="rect">
+            <a:avLst/>
+          </a:prstGeom>
+          <a:noFill/>
+          <a:ln>
+            <a:noFill/>
+          </a:ln>
+        </p:spPr>
+      </p:pic>
+      <p:pic>
+        <p:nvPicPr>
+          <p:cNvPr id="8" name="Picture 9"/>
           <p:cNvPicPr>
             <a:picLocks noChangeAspect="1" noChangeArrowheads="1"/>
           </p:cNvPicPr>
           <p:nvPr/>
         </p:nvPicPr>
         <p:blipFill>
-          <a:blip r:embed="rId2">
+          <a:blip r:embed="rId3">
             <a:extLst>
               <a:ext uri="{28A0092B-C50C-407E-A947-70E740481C1C}">
                 <a14:useLocalDpi xmlns:a14="http://schemas.microsoft.com/office/drawing/2010/main" val="0"/>
@@ -13363,8 +13779,8 @@
         </p:blipFill>
         <p:spPr bwMode="auto">
           <a:xfrm>
-            <a:off x="5231445" y="5805264"/>
-            <a:ext cx="3661036" cy="864096"/>
+            <a:off x="6720457" y="5789798"/>
+            <a:ext cx="2423543" cy="572017"/>
           </a:xfrm>
           <a:prstGeom prst="rect">
             <a:avLst/>
@@ -13402,116 +13818,6 @@
               </a14:hiddenEffects>
             </a:ext>
           </a:extLst>
-        </p:spPr>
-      </p:pic>
-      <p:sp>
-        <p:nvSpPr>
-          <p:cNvPr id="6" name="1 Título"/>
-          <p:cNvSpPr>
-            <a:spLocks noGrp="1"/>
-          </p:cNvSpPr>
-          <p:nvPr>
-            <p:ph type="title"/>
-          </p:nvPr>
-        </p:nvSpPr>
-        <p:spPr>
-          <a:xfrm>
-            <a:off x="457200" y="274638"/>
-            <a:ext cx="6923112" cy="562074"/>
-          </a:xfrm>
-        </p:spPr>
-        <p:txBody>
-          <a:bodyPr>
-            <a:noAutofit/>
-          </a:bodyPr>
-          <a:lstStyle/>
-          <a:p>
-            <a:r>
-              <a:rPr lang="es-CL" sz="2400" dirty="0">
-                <a:solidFill>
-                  <a:schemeClr val="bg2">
-                    <a:lumMod val="50000"/>
-                  </a:schemeClr>
-                </a:solidFill>
-                <a:latin typeface="Andalus" pitchFamily="18" charset="-78"/>
-                <a:cs typeface="Andalus" pitchFamily="18" charset="-78"/>
-              </a:rPr>
-              <a:t>IFRS, XBRL. </a:t>
-            </a:r>
-            <a:r>
-              <a:rPr lang="es-CL" sz="2400" dirty="0">
-                <a:solidFill>
-                  <a:schemeClr val="bg2">
-                    <a:lumMod val="50000"/>
-                  </a:schemeClr>
-                </a:solidFill>
-                <a:latin typeface="Andalus" pitchFamily="18" charset="-78"/>
-                <a:cs typeface="Andalus" pitchFamily="18" charset="-78"/>
-              </a:rPr>
-              <a:t>La estandarización financiera </a:t>
-            </a:r>
-            <a:r>
-              <a:rPr lang="es-CL" sz="2400" dirty="0" smtClean="0">
-                <a:solidFill>
-                  <a:schemeClr val="bg2">
-                    <a:lumMod val="50000"/>
-                  </a:schemeClr>
-                </a:solidFill>
-                <a:latin typeface="Andalus" pitchFamily="18" charset="-78"/>
-                <a:cs typeface="Andalus" pitchFamily="18" charset="-78"/>
-              </a:rPr>
-              <a:t>esta </a:t>
-            </a:r>
-            <a:r>
-              <a:rPr lang="es-CL" sz="2400" dirty="0">
-                <a:solidFill>
-                  <a:schemeClr val="bg2">
-                    <a:lumMod val="50000"/>
-                  </a:schemeClr>
-                </a:solidFill>
-                <a:latin typeface="Andalus" pitchFamily="18" charset="-78"/>
-                <a:cs typeface="Andalus" pitchFamily="18" charset="-78"/>
-              </a:rPr>
-              <a:t>aquí &gt;</a:t>
-            </a:r>
-            <a:endParaRPr lang="es-CL" sz="2400" dirty="0">
-              <a:solidFill>
-                <a:schemeClr val="bg2">
-                  <a:lumMod val="50000"/>
-                </a:schemeClr>
-              </a:solidFill>
-              <a:latin typeface="Andalus" pitchFamily="18" charset="-78"/>
-              <a:cs typeface="Andalus" pitchFamily="18" charset="-78"/>
-            </a:endParaRPr>
-          </a:p>
-        </p:txBody>
-      </p:sp>
-      <p:pic>
-        <p:nvPicPr>
-          <p:cNvPr id="7" name="6 Imagen" descr="logo_top_byte.gif"/>
-          <p:cNvPicPr>
-            <a:picLocks noChangeAspect="1"/>
-          </p:cNvPicPr>
-          <p:nvPr/>
-        </p:nvPicPr>
-        <p:blipFill>
-          <a:blip r:embed="rId3"/>
-          <a:stretch>
-            <a:fillRect/>
-          </a:stretch>
-        </p:blipFill>
-        <p:spPr>
-          <a:xfrm>
-            <a:off x="8029606" y="142852"/>
-            <a:ext cx="971550" cy="971550"/>
-          </a:xfrm>
-          <a:prstGeom prst="rect">
-            <a:avLst/>
-          </a:prstGeom>
-          <a:noFill/>
-          <a:ln>
-            <a:noFill/>
-          </a:ln>
         </p:spPr>
       </p:pic>
     </p:spTree>
@@ -13668,8 +13974,8 @@
         </p:nvSpPr>
         <p:spPr>
           <a:xfrm>
-            <a:off x="478603" y="129529"/>
-            <a:ext cx="8229600" cy="1143000"/>
+            <a:off x="5611" y="6697"/>
+            <a:ext cx="6397653" cy="637200"/>
           </a:xfrm>
         </p:spPr>
         <p:txBody>
@@ -13679,38 +13985,29 @@
           <a:lstStyle/>
           <a:p>
             <a:r>
-              <a:rPr lang="es-CL" sz="3200" dirty="0">
+              <a:rPr lang="es-CL" sz="2800" dirty="0">
                 <a:solidFill>
                   <a:schemeClr val="bg2">
                     <a:lumMod val="50000"/>
                   </a:schemeClr>
                 </a:solidFill>
-                <a:latin typeface="Andalus" pitchFamily="18" charset="-78"/>
-                <a:cs typeface="Andalus" pitchFamily="18" charset="-78"/>
-              </a:rPr>
-              <a:t>Nuestra </a:t>
-            </a:r>
-            <a:r>
-              <a:rPr lang="es-CL" sz="3200" dirty="0">
+                <a:latin typeface="Aharoni" pitchFamily="2" charset="-79"/>
+                <a:cs typeface="Aharoni" pitchFamily="2" charset="-79"/>
+              </a:rPr>
+              <a:t>Nuestra respuesta al desafío </a:t>
+            </a:r>
+            <a:r>
+              <a:rPr lang="es-CL" sz="2800" dirty="0">
                 <a:solidFill>
                   <a:schemeClr val="bg2">
-                    <a:lumMod val="50000"/>
-                  </a:schemeClr>
-                </a:solidFill>
-                <a:latin typeface="Andalus" pitchFamily="18" charset="-78"/>
-                <a:cs typeface="Andalus" pitchFamily="18" charset="-78"/>
-              </a:rPr>
-              <a:t>respuesta al desafío &gt;</a:t>
-            </a:r>
-            <a:endParaRPr lang="es-CL" sz="3200" dirty="0">
-              <a:solidFill>
-                <a:schemeClr val="bg2">
-                  <a:lumMod val="50000"/>
-                </a:schemeClr>
-              </a:solidFill>
-              <a:latin typeface="Andalus" pitchFamily="18" charset="-78"/>
-              <a:cs typeface="Andalus" pitchFamily="18" charset="-78"/>
-            </a:endParaRPr>
+                    <a:lumMod val="25000"/>
+                  </a:schemeClr>
+                </a:solidFill>
+                <a:latin typeface="Aharoni" pitchFamily="2" charset="-79"/>
+                <a:cs typeface="Aharoni" pitchFamily="2" charset="-79"/>
+              </a:rPr>
+              <a:t>&gt;</a:t>
+            </a:r>
           </a:p>
         </p:txBody>
       </p:sp>
@@ -13722,7 +14019,7 @@
         </p:nvSpPr>
         <p:spPr>
           <a:xfrm>
-            <a:off x="683568" y="1375316"/>
+            <a:off x="683568" y="1124744"/>
             <a:ext cx="7848872" cy="3277820"/>
           </a:xfrm>
           <a:prstGeom prst="rect">
@@ -13750,8 +14047,10 @@
                 <a:latin typeface="Times New Roman" pitchFamily="18" charset="0"/>
                 <a:cs typeface="Times New Roman" pitchFamily="18" charset="0"/>
               </a:rPr>
-              <a:t>Tomando en cuenta este nuevo escenario y pensando en ayudar al desarrollo de su </a:t>
-            </a:r>
+              <a:t>Tomando en cuenta este nuevo escenario y pensando en ayudar al desarrollo de su negocio, hemos desarrollado un producto flexible, capaz de ajustarse a los requerimientos de información de su empresa y la Superintendencia de Valores y Seguros (SVS). </a:t>
+            </a:r>
+          </a:p>
+          <a:p>
             <a:r>
               <a:rPr lang="es-CL" sz="2300" dirty="0">
                 <a:solidFill>
@@ -13762,8 +14061,11 @@
                 <a:latin typeface="Times New Roman" pitchFamily="18" charset="0"/>
                 <a:cs typeface="Times New Roman" pitchFamily="18" charset="0"/>
               </a:rPr>
-              <a:t>negocio, </a:t>
-            </a:r>
+              <a:t>	</a:t>
+            </a:r>
+          </a:p>
+          <a:p>
+            <a:pPr algn="just"/>
             <a:r>
               <a:rPr lang="es-CL" sz="2300" dirty="0">
                 <a:solidFill>
@@ -13774,60 +14076,7 @@
                 <a:latin typeface="Times New Roman" pitchFamily="18" charset="0"/>
                 <a:cs typeface="Times New Roman" pitchFamily="18" charset="0"/>
               </a:rPr>
-              <a:t>hemos desarrollado un producto flexible, capaz de ajustarse a los requerimientos de información de su empresa y la Superintendencia de Valores y Seguros (SVS). </a:t>
-            </a:r>
-          </a:p>
-          <a:p>
-            <a:r>
-              <a:rPr lang="es-CL" sz="2300" dirty="0">
-                <a:solidFill>
-                  <a:schemeClr val="accent4">
-                    <a:lumMod val="75000"/>
-                  </a:schemeClr>
-                </a:solidFill>
-                <a:latin typeface="Times New Roman" pitchFamily="18" charset="0"/>
-                <a:cs typeface="Times New Roman" pitchFamily="18" charset="0"/>
-              </a:rPr>
-              <a:t>	</a:t>
-            </a:r>
-          </a:p>
-          <a:p>
-            <a:pPr algn="just"/>
-            <a:r>
-              <a:rPr lang="es-CL" sz="2300" dirty="0">
-                <a:solidFill>
-                  <a:schemeClr val="accent4">
-                    <a:lumMod val="75000"/>
-                  </a:schemeClr>
-                </a:solidFill>
-                <a:latin typeface="Times New Roman" pitchFamily="18" charset="0"/>
-                <a:cs typeface="Times New Roman" pitchFamily="18" charset="0"/>
-              </a:rPr>
-              <a:t>	Estamos hablando de EXFIDA un </a:t>
-            </a:r>
-            <a:r>
-              <a:rPr lang="es-CL" sz="2300" dirty="0">
-                <a:solidFill>
-                  <a:schemeClr val="accent4">
-                    <a:lumMod val="75000"/>
-                  </a:schemeClr>
-                </a:solidFill>
-                <a:latin typeface="Times New Roman" pitchFamily="18" charset="0"/>
-                <a:cs typeface="Times New Roman" pitchFamily="18" charset="0"/>
-              </a:rPr>
-              <a:t>software que provee flexibilidad a </a:t>
-            </a:r>
-            <a:r>
-              <a:rPr lang="es-CL" sz="2300" dirty="0">
-                <a:solidFill>
-                  <a:schemeClr val="accent4">
-                    <a:lumMod val="75000"/>
-                  </a:schemeClr>
-                </a:solidFill>
-                <a:latin typeface="Times New Roman" pitchFamily="18" charset="0"/>
-                <a:cs typeface="Times New Roman" pitchFamily="18" charset="0"/>
-              </a:rPr>
-              <a:t>la hora de enfrentar los continuos cambios del mundo IFRS, estados financieros  (EEFF) y XBRL.</a:t>
+              <a:t>	Estamos hablando de EXFIDA un software que provee flexibilidad a la hora de enfrentar los continuos cambios del mundo IFRS, estados financieros  (EEFF) y XBRL.</a:t>
             </a:r>
           </a:p>
         </p:txBody>
@@ -14058,7 +14307,7 @@
         </p:nvSpPr>
         <p:spPr>
           <a:xfrm>
-            <a:off x="457200" y="1052736"/>
+            <a:off x="457200" y="1135285"/>
             <a:ext cx="8229600" cy="4525963"/>
           </a:xfrm>
         </p:spPr>
@@ -14236,7 +14485,15 @@
             </a:r>
           </a:p>
           <a:p>
-            <a:endParaRPr lang="es-CL" sz="2300" dirty="0" smtClean="0"/>
+            <a:endParaRPr lang="es-CL" sz="2500" dirty="0">
+              <a:solidFill>
+                <a:schemeClr val="accent4">
+                  <a:lumMod val="75000"/>
+                </a:schemeClr>
+              </a:solidFill>
+              <a:latin typeface="Times New Roman" pitchFamily="18" charset="0"/>
+              <a:cs typeface="Times New Roman" pitchFamily="18" charset="0"/>
+            </a:endParaRPr>
           </a:p>
           <a:p>
             <a:pPr algn="just"/>
@@ -14248,7 +14505,15 @@
           </a:p>
           <a:p>
             <a:pPr algn="just"/>
-            <a:endParaRPr lang="es-CL" sz="2300" dirty="0" smtClean="0"/>
+            <a:endParaRPr lang="es-CL" sz="2500" dirty="0">
+              <a:solidFill>
+                <a:schemeClr val="accent4">
+                  <a:lumMod val="75000"/>
+                </a:schemeClr>
+              </a:solidFill>
+              <a:latin typeface="Times New Roman" pitchFamily="18" charset="0"/>
+              <a:cs typeface="Times New Roman" pitchFamily="18" charset="0"/>
+            </a:endParaRPr>
           </a:p>
           <a:p>
             <a:pPr algn="just"/>
@@ -14272,8 +14537,8 @@
         </p:nvSpPr>
         <p:spPr>
           <a:xfrm>
-            <a:off x="457200" y="260648"/>
-            <a:ext cx="8229600" cy="792088"/>
+            <a:off x="-5448" y="904"/>
+            <a:ext cx="8229600" cy="637200"/>
           </a:xfrm>
         </p:spPr>
         <p:txBody>
@@ -14283,38 +14548,29 @@
           <a:lstStyle/>
           <a:p>
             <a:r>
-              <a:rPr lang="es-CL" sz="3200" dirty="0">
+              <a:rPr lang="es-CL" sz="2800" dirty="0">
                 <a:solidFill>
                   <a:schemeClr val="bg2">
                     <a:lumMod val="50000"/>
                   </a:schemeClr>
                 </a:solidFill>
-                <a:latin typeface="Andalus" pitchFamily="18" charset="-78"/>
-                <a:cs typeface="Andalus" pitchFamily="18" charset="-78"/>
-              </a:rPr>
-              <a:t>Principales </a:t>
-            </a:r>
-            <a:r>
-              <a:rPr lang="es-CL" sz="3200" dirty="0">
+                <a:latin typeface="Aharoni" pitchFamily="2" charset="-79"/>
+                <a:cs typeface="Aharoni" pitchFamily="2" charset="-79"/>
+              </a:rPr>
+              <a:t>Principales Características </a:t>
+            </a:r>
+            <a:r>
+              <a:rPr lang="es-CL" sz="2800" dirty="0">
                 <a:solidFill>
                   <a:schemeClr val="bg2">
-                    <a:lumMod val="50000"/>
-                  </a:schemeClr>
-                </a:solidFill>
-                <a:latin typeface="Andalus" pitchFamily="18" charset="-78"/>
-                <a:cs typeface="Andalus" pitchFamily="18" charset="-78"/>
-              </a:rPr>
-              <a:t>Características &gt;</a:t>
-            </a:r>
-            <a:endParaRPr lang="es-CL" sz="3200" dirty="0">
-              <a:solidFill>
-                <a:schemeClr val="bg2">
-                  <a:lumMod val="50000"/>
-                </a:schemeClr>
-              </a:solidFill>
-              <a:latin typeface="Andalus" pitchFamily="18" charset="-78"/>
-              <a:cs typeface="Andalus" pitchFamily="18" charset="-78"/>
-            </a:endParaRPr>
+                    <a:lumMod val="25000"/>
+                  </a:schemeClr>
+                </a:solidFill>
+                <a:latin typeface="Aharoni" pitchFamily="2" charset="-79"/>
+                <a:cs typeface="Aharoni" pitchFamily="2" charset="-79"/>
+              </a:rPr>
+              <a:t>&gt;</a:t>
+            </a:r>
           </a:p>
         </p:txBody>
       </p:sp>

--- a/trunk/docs/comercial/brochure_2.pptx
+++ b/trunk/docs/comercial/brochure_2.pptx
@@ -29,6 +29,7 @@
     <p:sldId id="274" r:id="rId23"/>
     <p:sldId id="271" r:id="rId24"/>
     <p:sldId id="260" r:id="rId25"/>
+    <p:sldId id="283" r:id="rId26"/>
   </p:sldIdLst>
   <p:sldSz cx="9144000" cy="6858000" type="screen4x3"/>
   <p:notesSz cx="6858000" cy="9144000"/>
@@ -756,7 +757,7 @@
             <a:fld id="{DE3A2F4D-761B-49FA-B2B4-D6F123DD324B}" type="datetimeFigureOut">
               <a:rPr lang="es-CL" smtClean="0"/>
               <a:pPr/>
-              <a:t>24-08-2012</a:t>
+              <a:t>26-08-2012</a:t>
             </a:fld>
             <a:endParaRPr lang="es-CL"/>
           </a:p>
@@ -957,7 +958,7 @@
             <a:fld id="{DE3A2F4D-761B-49FA-B2B4-D6F123DD324B}" type="datetimeFigureOut">
               <a:rPr lang="es-CL" smtClean="0"/>
               <a:pPr/>
-              <a:t>24-08-2012</a:t>
+              <a:t>26-08-2012</a:t>
             </a:fld>
             <a:endParaRPr lang="es-CL"/>
           </a:p>
@@ -1147,7 +1148,7 @@
             <a:fld id="{DE3A2F4D-761B-49FA-B2B4-D6F123DD324B}" type="datetimeFigureOut">
               <a:rPr lang="es-CL" smtClean="0"/>
               <a:pPr/>
-              <a:t>24-08-2012</a:t>
+              <a:t>26-08-2012</a:t>
             </a:fld>
             <a:endParaRPr lang="es-CL"/>
           </a:p>
@@ -1302,7 +1303,7 @@
             <a:fld id="{DE3A2F4D-761B-49FA-B2B4-D6F123DD324B}" type="datetimeFigureOut">
               <a:rPr lang="es-CL" smtClean="0"/>
               <a:pPr/>
-              <a:t>24-08-2012</a:t>
+              <a:t>26-08-2012</a:t>
             </a:fld>
             <a:endParaRPr lang="es-CL"/>
           </a:p>
@@ -1562,7 +1563,7 @@
             <a:fld id="{DE3A2F4D-761B-49FA-B2B4-D6F123DD324B}" type="datetimeFigureOut">
               <a:rPr lang="es-CL" smtClean="0"/>
               <a:pPr/>
-              <a:t>24-08-2012</a:t>
+              <a:t>26-08-2012</a:t>
             </a:fld>
             <a:endParaRPr lang="es-CL"/>
           </a:p>
@@ -1976,7 +1977,7 @@
             <a:fld id="{DE3A2F4D-761B-49FA-B2B4-D6F123DD324B}" type="datetimeFigureOut">
               <a:rPr lang="es-CL" smtClean="0"/>
               <a:pPr/>
-              <a:t>24-08-2012</a:t>
+              <a:t>26-08-2012</a:t>
             </a:fld>
             <a:endParaRPr lang="es-CL"/>
           </a:p>
@@ -2427,7 +2428,7 @@
             <a:fld id="{DE3A2F4D-761B-49FA-B2B4-D6F123DD324B}" type="datetimeFigureOut">
               <a:rPr lang="es-CL" smtClean="0"/>
               <a:pPr/>
-              <a:t>24-08-2012</a:t>
+              <a:t>26-08-2012</a:t>
             </a:fld>
             <a:endParaRPr lang="es-CL"/>
           </a:p>
@@ -2533,7 +2534,7 @@
             <a:fld id="{DE3A2F4D-761B-49FA-B2B4-D6F123DD324B}" type="datetimeFigureOut">
               <a:rPr lang="es-CL" smtClean="0"/>
               <a:pPr/>
-              <a:t>24-08-2012</a:t>
+              <a:t>26-08-2012</a:t>
             </a:fld>
             <a:endParaRPr lang="es-CL"/>
           </a:p>
@@ -2659,7 +2660,7 @@
             <a:fld id="{DE3A2F4D-761B-49FA-B2B4-D6F123DD324B}" type="datetimeFigureOut">
               <a:rPr lang="es-CL" smtClean="0"/>
               <a:pPr/>
-              <a:t>24-08-2012</a:t>
+              <a:t>26-08-2012</a:t>
             </a:fld>
             <a:endParaRPr lang="es-CL"/>
           </a:p>
@@ -2938,7 +2939,7 @@
             <a:fld id="{DE3A2F4D-761B-49FA-B2B4-D6F123DD324B}" type="datetimeFigureOut">
               <a:rPr lang="es-CL" smtClean="0"/>
               <a:pPr/>
-              <a:t>24-08-2012</a:t>
+              <a:t>26-08-2012</a:t>
             </a:fld>
             <a:endParaRPr lang="es-CL"/>
           </a:p>
@@ -3148,7 +3149,7 @@
             <a:fld id="{DE3A2F4D-761B-49FA-B2B4-D6F123DD324B}" type="datetimeFigureOut">
               <a:rPr lang="es-CL" smtClean="0"/>
               <a:pPr/>
-              <a:t>24-08-2012</a:t>
+              <a:t>26-08-2012</a:t>
             </a:fld>
             <a:endParaRPr lang="es-CL"/>
           </a:p>
@@ -4262,7 +4263,7 @@
             <a:fld id="{DE3A2F4D-761B-49FA-B2B4-D6F123DD324B}" type="datetimeFigureOut">
               <a:rPr lang="es-CL" smtClean="0"/>
               <a:pPr/>
-              <a:t>24-08-2012</a:t>
+              <a:t>26-08-2012</a:t>
             </a:fld>
             <a:endParaRPr lang="es-CL"/>
           </a:p>
@@ -4673,47 +4674,6 @@
           <a:chExt cx="0" cy="0"/>
         </a:xfrm>
       </p:grpSpPr>
-      <p:sp>
-        <p:nvSpPr>
-          <p:cNvPr id="2" name="1 Título"/>
-          <p:cNvSpPr>
-            <a:spLocks noGrp="1"/>
-          </p:cNvSpPr>
-          <p:nvPr>
-            <p:ph type="ctrTitle"/>
-          </p:nvPr>
-        </p:nvSpPr>
-        <p:spPr>
-          <a:xfrm>
-            <a:off x="1336104" y="4005064"/>
-            <a:ext cx="7772400" cy="923564"/>
-          </a:xfrm>
-        </p:spPr>
-        <p:txBody>
-          <a:bodyPr>
-            <a:normAutofit fontScale="90000"/>
-          </a:bodyPr>
-          <a:lstStyle/>
-          <a:p>
-            <a:r>
-              <a:rPr lang="es-CL" dirty="0" smtClean="0"/>
-              <a:t> </a:t>
-            </a:r>
-            <a:r>
-              <a:rPr lang="es-CL" sz="5400" dirty="0" smtClean="0"/>
-              <a:t/>
-            </a:r>
-            <a:br>
-              <a:rPr lang="es-CL" sz="5400" dirty="0" smtClean="0"/>
-            </a:br>
-            <a:r>
-              <a:rPr lang="es-CL" sz="2400" dirty="0" smtClean="0"/>
-              <a:t>Software de gestión de Revelaciones y Estados Financieros para Entidades Aseguradoras.</a:t>
-            </a:r>
-            <a:endParaRPr lang="es-CL" dirty="0"/>
-          </a:p>
-        </p:txBody>
-      </p:sp>
       <p:pic>
         <p:nvPicPr>
           <p:cNvPr id="4" name="3 Imagen" descr="logo_top_byte.gif"/>
@@ -4754,7 +4714,7 @@
         </p:blipFill>
         <p:spPr>
           <a:xfrm>
-            <a:off x="3944448" y="3345578"/>
+            <a:off x="1657556" y="3514952"/>
             <a:ext cx="2571768" cy="648285"/>
           </a:xfrm>
           <a:prstGeom prst="rect">
@@ -4764,36 +4724,70 @@
       </p:pic>
       <p:sp>
         <p:nvSpPr>
-          <p:cNvPr id="3" name="2 CuadroTexto"/>
-          <p:cNvSpPr txBox="1"/>
-          <p:nvPr/>
+          <p:cNvPr id="7" name="1 Título"/>
+          <p:cNvSpPr>
+            <a:spLocks noGrp="1"/>
+          </p:cNvSpPr>
+          <p:nvPr>
+            <p:ph type="ctrTitle"/>
+          </p:nvPr>
         </p:nvSpPr>
         <p:spPr>
           <a:xfrm>
-            <a:off x="6516216" y="3716864"/>
-            <a:ext cx="2016224" cy="276999"/>
-          </a:xfrm>
-          <a:prstGeom prst="rect">
-            <a:avLst/>
-          </a:prstGeom>
-          <a:noFill/>
+            <a:off x="714348" y="1785926"/>
+            <a:ext cx="7772400" cy="3286148"/>
+          </a:xfrm>
         </p:spPr>
         <p:txBody>
-          <a:bodyPr wrap="square" rtlCol="0">
-            <a:spAutoFit/>
+          <a:bodyPr>
+            <a:normAutofit/>
           </a:bodyPr>
           <a:lstStyle/>
           <a:p>
             <a:r>
-              <a:rPr lang="es-CL" sz="1200" b="1" dirty="0">
-                <a:solidFill>
-                  <a:schemeClr val="bg1">
-                    <a:lumMod val="65000"/>
-                  </a:schemeClr>
-                </a:solidFill>
-              </a:rPr>
-              <a:t>Exposure Finantial Data</a:t>
-            </a:r>
+              <a:rPr lang="es-CL" dirty="0" smtClean="0"/>
+              <a:t> </a:t>
+            </a:r>
+            <a:r>
+              <a:rPr lang="es-CL" sz="2000" dirty="0" smtClean="0"/>
+              <a:t>(</a:t>
+            </a:r>
+            <a:r>
+              <a:rPr lang="es-CL" sz="2000" dirty="0" err="1" smtClean="0"/>
+              <a:t>Exposure</a:t>
+            </a:r>
+            <a:r>
+              <a:rPr lang="es-CL" sz="2000" dirty="0" smtClean="0"/>
+              <a:t> </a:t>
+            </a:r>
+            <a:r>
+              <a:rPr lang="es-CL" sz="2000" dirty="0" err="1" smtClean="0"/>
+              <a:t>Finantial</a:t>
+            </a:r>
+            <a:r>
+              <a:rPr lang="es-CL" sz="2000" dirty="0" smtClean="0"/>
+              <a:t> Data </a:t>
+            </a:r>
+            <a:r>
+              <a:rPr lang="es-CL" sz="2000" dirty="0" err="1" smtClean="0"/>
+              <a:t>System</a:t>
+            </a:r>
+            <a:r>
+              <a:rPr lang="es-CL" sz="2000" dirty="0" smtClean="0"/>
+              <a:t>)</a:t>
+            </a:r>
+            <a:r>
+              <a:rPr lang="es-CL" sz="5400" dirty="0" smtClean="0"/>
+              <a:t/>
+            </a:r>
+            <a:br>
+              <a:rPr lang="es-CL" sz="5400" dirty="0" smtClean="0"/>
+            </a:br>
+            <a:r>
+              <a:rPr lang="es-CL" sz="2400" dirty="0" smtClean="0"/>
+              <a:t>Software de gestión de Revelaciones y Estados Financieros para Entidades Aseguradoras.</a:t>
+            </a:r>
+            <a:endParaRPr lang="es-CL" dirty="0"/>
           </a:p>
         </p:txBody>
       </p:sp>
@@ -4834,74 +4828,6 @@
       </p:grpSpPr>
       <p:sp>
         <p:nvSpPr>
-          <p:cNvPr id="11" name="10 Rectángulo redondeado"/>
-          <p:cNvSpPr/>
-          <p:nvPr/>
-        </p:nvSpPr>
-        <p:spPr>
-          <a:xfrm>
-            <a:off x="251519" y="260648"/>
-            <a:ext cx="8606759" cy="5256584"/>
-          </a:xfrm>
-          <a:prstGeom prst="roundRect">
-            <a:avLst/>
-          </a:prstGeom>
-          <a:gradFill flip="none" rotWithShape="1">
-            <a:gsLst>
-              <a:gs pos="33000">
-                <a:schemeClr val="accent1">
-                  <a:tint val="66000"/>
-                  <a:satMod val="160000"/>
-                </a:schemeClr>
-              </a:gs>
-              <a:gs pos="51000">
-                <a:schemeClr val="accent1">
-                  <a:tint val="44500"/>
-                  <a:satMod val="160000"/>
-                  <a:alpha val="0"/>
-                </a:schemeClr>
-              </a:gs>
-              <a:gs pos="100000">
-                <a:schemeClr val="accent1">
-                  <a:tint val="23500"/>
-                  <a:satMod val="160000"/>
-                </a:schemeClr>
-              </a:gs>
-            </a:gsLst>
-            <a:lin ang="16200000" scaled="1"/>
-            <a:tileRect/>
-          </a:gradFill>
-          <a:ln>
-            <a:noFill/>
-          </a:ln>
-        </p:spPr>
-        <p:style>
-          <a:lnRef idx="2">
-            <a:schemeClr val="accent1">
-              <a:shade val="50000"/>
-            </a:schemeClr>
-          </a:lnRef>
-          <a:fillRef idx="1">
-            <a:schemeClr val="accent1"/>
-          </a:fillRef>
-          <a:effectRef idx="0">
-            <a:schemeClr val="accent1"/>
-          </a:effectRef>
-          <a:fontRef idx="minor">
-            <a:schemeClr val="lt1"/>
-          </a:fontRef>
-        </p:style>
-        <p:txBody>
-          <a:bodyPr rtlCol="0" anchor="ctr"/>
-          <a:lstStyle/>
-          <a:p>
-            <a:pPr algn="ctr"/>
-            <a:endParaRPr lang="es-CL"/>
-          </a:p>
-        </p:txBody>
-      </p:sp>
-      <p:sp>
-        <p:nvSpPr>
           <p:cNvPr id="5" name="4 Rectángulo"/>
           <p:cNvSpPr/>
           <p:nvPr/>
@@ -4941,46 +4867,10 @@
                     <a:lumMod val="75000"/>
                   </a:schemeClr>
                 </a:solidFill>
-                <a:latin typeface="Times New Roman" pitchFamily="18" charset="0"/>
-                <a:cs typeface="Times New Roman" pitchFamily="18" charset="0"/>
-              </a:rPr>
-              <a:t>Acceda </a:t>
-            </a:r>
-            <a:r>
-              <a:rPr lang="es-CL" sz="2300" dirty="0">
-                <a:solidFill>
-                  <a:schemeClr val="accent4">
-                    <a:lumMod val="75000"/>
-                  </a:schemeClr>
-                </a:solidFill>
-                <a:latin typeface="Times New Roman" pitchFamily="18" charset="0"/>
-                <a:cs typeface="Times New Roman" pitchFamily="18" charset="0"/>
-              </a:rPr>
-              <a:t>a su información de acuerdo a su </a:t>
-            </a:r>
-            <a:r>
-              <a:rPr lang="es-CL" sz="2300" dirty="0">
-                <a:solidFill>
-                  <a:schemeClr val="accent4">
-                    <a:lumMod val="75000"/>
-                  </a:schemeClr>
-                </a:solidFill>
-                <a:latin typeface="Times New Roman" pitchFamily="18" charset="0"/>
-                <a:cs typeface="Times New Roman" pitchFamily="18" charset="0"/>
-              </a:rPr>
-              <a:t>perfil</a:t>
-            </a:r>
-            <a:r>
-              <a:rPr lang="es-CL" sz="2300" dirty="0">
-                <a:solidFill>
-                  <a:schemeClr val="accent4">
-                    <a:lumMod val="75000"/>
-                  </a:schemeClr>
-                </a:solidFill>
-                <a:latin typeface="Times New Roman" pitchFamily="18" charset="0"/>
-                <a:cs typeface="Times New Roman" pitchFamily="18" charset="0"/>
-              </a:rPr>
-              <a:t>, de manera fácil y oportuna.</a:t>
+                <a:latin typeface="Calibri" pitchFamily="34" charset="0"/>
+                <a:cs typeface="Calibri" pitchFamily="34" charset="0"/>
+              </a:rPr>
+              <a:t>Acceda a su información de acuerdo a su perfil, de manera fácil y oportuna.</a:t>
             </a:r>
           </a:p>
         </p:txBody>
@@ -4997,30 +4887,30 @@
         </p:nvSpPr>
         <p:spPr>
           <a:xfrm>
-            <a:off x="-6752" y="13560"/>
-            <a:ext cx="5802888" cy="637200"/>
+            <a:off x="428596" y="28074"/>
+            <a:ext cx="6643734" cy="637200"/>
           </a:xfrm>
         </p:spPr>
         <p:txBody>
           <a:bodyPr>
-            <a:normAutofit/>
+            <a:noAutofit/>
           </a:bodyPr>
           <a:lstStyle/>
           <a:p>
             <a:r>
-              <a:rPr lang="es-CL" sz="2800" dirty="0">
+              <a:rPr lang="es-CL" sz="3200" dirty="0">
                 <a:solidFill>
                   <a:schemeClr val="bg2">
                     <a:lumMod val="50000"/>
                   </a:schemeClr>
                 </a:solidFill>
-                <a:latin typeface="Aharoni" pitchFamily="2" charset="-79"/>
-                <a:cs typeface="Aharoni" pitchFamily="2" charset="-79"/>
+                <a:latin typeface="Arial" pitchFamily="34" charset="0"/>
+                <a:cs typeface="Arial" pitchFamily="34" charset="0"/>
               </a:rPr>
               <a:t>EXFIDA, seguro y confiable </a:t>
             </a:r>
             <a:r>
-              <a:rPr lang="es-CL" sz="2800" dirty="0">
+              <a:rPr lang="es-CL" sz="3200" dirty="0">
                 <a:solidFill>
                   <a:schemeClr val="bg2">
                     <a:lumMod val="25000"/>
@@ -5172,74 +5062,6 @@
       </p:grpSpPr>
       <p:sp>
         <p:nvSpPr>
-          <p:cNvPr id="8" name="7 Rectángulo redondeado"/>
-          <p:cNvSpPr/>
-          <p:nvPr/>
-        </p:nvSpPr>
-        <p:spPr>
-          <a:xfrm>
-            <a:off x="251519" y="260648"/>
-            <a:ext cx="8606759" cy="5256584"/>
-          </a:xfrm>
-          <a:prstGeom prst="roundRect">
-            <a:avLst/>
-          </a:prstGeom>
-          <a:gradFill flip="none" rotWithShape="1">
-            <a:gsLst>
-              <a:gs pos="33000">
-                <a:schemeClr val="accent1">
-                  <a:tint val="66000"/>
-                  <a:satMod val="160000"/>
-                </a:schemeClr>
-              </a:gs>
-              <a:gs pos="51000">
-                <a:schemeClr val="accent1">
-                  <a:tint val="44500"/>
-                  <a:satMod val="160000"/>
-                  <a:alpha val="0"/>
-                </a:schemeClr>
-              </a:gs>
-              <a:gs pos="100000">
-                <a:schemeClr val="accent1">
-                  <a:tint val="23500"/>
-                  <a:satMod val="160000"/>
-                </a:schemeClr>
-              </a:gs>
-            </a:gsLst>
-            <a:lin ang="16200000" scaled="1"/>
-            <a:tileRect/>
-          </a:gradFill>
-          <a:ln>
-            <a:noFill/>
-          </a:ln>
-        </p:spPr>
-        <p:style>
-          <a:lnRef idx="2">
-            <a:schemeClr val="accent1">
-              <a:shade val="50000"/>
-            </a:schemeClr>
-          </a:lnRef>
-          <a:fillRef idx="1">
-            <a:schemeClr val="accent1"/>
-          </a:fillRef>
-          <a:effectRef idx="0">
-            <a:schemeClr val="accent1"/>
-          </a:effectRef>
-          <a:fontRef idx="minor">
-            <a:schemeClr val="lt1"/>
-          </a:fontRef>
-        </p:style>
-        <p:txBody>
-          <a:bodyPr rtlCol="0" anchor="ctr"/>
-          <a:lstStyle/>
-          <a:p>
-            <a:pPr algn="ctr"/>
-            <a:endParaRPr lang="es-CL"/>
-          </a:p>
-        </p:txBody>
-      </p:sp>
-      <p:sp>
-        <p:nvSpPr>
           <p:cNvPr id="10" name="2 Título"/>
           <p:cNvSpPr>
             <a:spLocks noGrp="1"/>
@@ -5250,8 +5072,8 @@
         </p:nvSpPr>
         <p:spPr>
           <a:xfrm>
-            <a:off x="-5448" y="17328"/>
-            <a:ext cx="8229600" cy="637200"/>
+            <a:off x="500034" y="17328"/>
+            <a:ext cx="7724118" cy="637200"/>
           </a:xfrm>
         </p:spPr>
         <p:txBody>
@@ -5261,19 +5083,19 @@
           <a:lstStyle/>
           <a:p>
             <a:r>
-              <a:rPr lang="es-CL" sz="2800" dirty="0">
+              <a:rPr lang="es-CL" sz="3200" dirty="0">
                 <a:solidFill>
                   <a:schemeClr val="bg2">
                     <a:lumMod val="50000"/>
                   </a:schemeClr>
                 </a:solidFill>
-                <a:latin typeface="Aharoni" pitchFamily="2" charset="-79"/>
-                <a:cs typeface="Aharoni" pitchFamily="2" charset="-79"/>
+                <a:latin typeface="Arial" pitchFamily="34" charset="0"/>
+                <a:cs typeface="Arial" pitchFamily="34" charset="0"/>
               </a:rPr>
               <a:t>EXFIDA, seguro y confiable </a:t>
             </a:r>
             <a:r>
-              <a:rPr lang="es-CL" sz="2800" dirty="0">
+              <a:rPr lang="es-CL" sz="3200" dirty="0">
                 <a:solidFill>
                   <a:schemeClr val="bg2">
                     <a:lumMod val="25000"/>
@@ -5425,74 +5247,6 @@
       </p:grpSpPr>
       <p:sp>
         <p:nvSpPr>
-          <p:cNvPr id="9" name="8 Rectángulo redondeado"/>
-          <p:cNvSpPr/>
-          <p:nvPr/>
-        </p:nvSpPr>
-        <p:spPr>
-          <a:xfrm>
-            <a:off x="251519" y="260648"/>
-            <a:ext cx="8606759" cy="5256584"/>
-          </a:xfrm>
-          <a:prstGeom prst="roundRect">
-            <a:avLst/>
-          </a:prstGeom>
-          <a:gradFill flip="none" rotWithShape="1">
-            <a:gsLst>
-              <a:gs pos="33000">
-                <a:schemeClr val="accent1">
-                  <a:tint val="66000"/>
-                  <a:satMod val="160000"/>
-                </a:schemeClr>
-              </a:gs>
-              <a:gs pos="51000">
-                <a:schemeClr val="accent1">
-                  <a:tint val="44500"/>
-                  <a:satMod val="160000"/>
-                  <a:alpha val="0"/>
-                </a:schemeClr>
-              </a:gs>
-              <a:gs pos="100000">
-                <a:schemeClr val="accent1">
-                  <a:tint val="23500"/>
-                  <a:satMod val="160000"/>
-                </a:schemeClr>
-              </a:gs>
-            </a:gsLst>
-            <a:lin ang="16200000" scaled="1"/>
-            <a:tileRect/>
-          </a:gradFill>
-          <a:ln>
-            <a:noFill/>
-          </a:ln>
-        </p:spPr>
-        <p:style>
-          <a:lnRef idx="2">
-            <a:schemeClr val="accent1">
-              <a:shade val="50000"/>
-            </a:schemeClr>
-          </a:lnRef>
-          <a:fillRef idx="1">
-            <a:schemeClr val="accent1"/>
-          </a:fillRef>
-          <a:effectRef idx="0">
-            <a:schemeClr val="accent1"/>
-          </a:effectRef>
-          <a:fontRef idx="minor">
-            <a:schemeClr val="lt1"/>
-          </a:fontRef>
-        </p:style>
-        <p:txBody>
-          <a:bodyPr rtlCol="0" anchor="ctr"/>
-          <a:lstStyle/>
-          <a:p>
-            <a:pPr algn="ctr"/>
-            <a:endParaRPr lang="es-CL"/>
-          </a:p>
-        </p:txBody>
-      </p:sp>
-      <p:sp>
-        <p:nvSpPr>
           <p:cNvPr id="2" name="1 Marcador de contenido"/>
           <p:cNvSpPr>
             <a:spLocks noGrp="1"/>
@@ -5503,8 +5257,8 @@
         </p:nvSpPr>
         <p:spPr>
           <a:xfrm>
-            <a:off x="-5448" y="14552"/>
-            <a:ext cx="5367540" cy="637200"/>
+            <a:off x="500034" y="14552"/>
+            <a:ext cx="6429420" cy="637200"/>
           </a:xfrm>
         </p:spPr>
         <p:txBody>
@@ -5520,7 +5274,7 @@
               <a:buNone/>
             </a:pPr>
             <a:r>
-              <a:rPr lang="es-CL" sz="2800" b="1" dirty="0">
+              <a:rPr lang="es-CL" sz="3200" b="1" dirty="0">
                 <a:solidFill>
                   <a:schemeClr val="bg2">
                     <a:lumMod val="50000"/>
@@ -5533,14 +5287,14 @@
                     </a:srgbClr>
                   </a:outerShdw>
                 </a:effectLst>
-                <a:latin typeface="Aharoni" pitchFamily="2" charset="-79"/>
+                <a:latin typeface="Arial" pitchFamily="34" charset="0"/>
                 <a:ea typeface="+mj-ea"/>
-                <a:cs typeface="Aharoni" pitchFamily="2" charset="-79"/>
+                <a:cs typeface="Arial" pitchFamily="34" charset="0"/>
               </a:rPr>
               <a:t>Controle su </a:t>
             </a:r>
             <a:r>
-              <a:rPr lang="es-CL" sz="2800" b="1" dirty="0" smtClean="0">
+              <a:rPr lang="es-CL" sz="3200" b="1" dirty="0" smtClean="0">
                 <a:solidFill>
                   <a:schemeClr val="bg2">
                     <a:lumMod val="50000"/>
@@ -5553,14 +5307,14 @@
                     </a:srgbClr>
                   </a:outerShdw>
                 </a:effectLst>
-                <a:latin typeface="Aharoni" pitchFamily="2" charset="-79"/>
+                <a:latin typeface="Arial" pitchFamily="34" charset="0"/>
                 <a:ea typeface="+mj-ea"/>
-                <a:cs typeface="Aharoni" pitchFamily="2" charset="-79"/>
+                <a:cs typeface="Arial" pitchFamily="34" charset="0"/>
               </a:rPr>
               <a:t>Información </a:t>
             </a:r>
             <a:r>
-              <a:rPr lang="es-CL" sz="2800" b="1" dirty="0" smtClean="0">
+              <a:rPr lang="es-CL" sz="3200" b="1" dirty="0" smtClean="0">
                 <a:solidFill>
                   <a:schemeClr val="bg2">
                     <a:lumMod val="25000"/>
@@ -5762,17 +5516,29 @@
                 <a:latin typeface="Times New Roman" pitchFamily="18" charset="0"/>
                 <a:cs typeface="Times New Roman" pitchFamily="18" charset="0"/>
               </a:rPr>
-              <a:t>	Controle </a:t>
-            </a:r>
-            <a:r>
-              <a:rPr lang="es-CL" sz="2300" dirty="0">
+              <a:t>	</a:t>
+            </a:r>
+            <a:r>
+              <a:rPr lang="es-CL" sz="2300" dirty="0" smtClean="0">
                 <a:solidFill>
                   <a:schemeClr val="accent4">
                     <a:lumMod val="75000"/>
                   </a:schemeClr>
                 </a:solidFill>
-                <a:latin typeface="Times New Roman" pitchFamily="18" charset="0"/>
-                <a:cs typeface="Times New Roman" pitchFamily="18" charset="0"/>
+                <a:latin typeface="Calibri" pitchFamily="34" charset="0"/>
+                <a:cs typeface="Calibri" pitchFamily="34" charset="0"/>
+              </a:rPr>
+              <a:t>Controle </a:t>
+            </a:r>
+            <a:r>
+              <a:rPr lang="es-CL" sz="2300" dirty="0">
+                <a:solidFill>
+                  <a:schemeClr val="accent4">
+                    <a:lumMod val="75000"/>
+                  </a:schemeClr>
+                </a:solidFill>
+                <a:latin typeface="Calibri" pitchFamily="34" charset="0"/>
+                <a:cs typeface="Calibri" pitchFamily="34" charset="0"/>
               </a:rPr>
               <a:t>las operaciones de Cierre y Apertura de período para el Ingreso de su Información.</a:t>
             </a:r>
@@ -5868,74 +5634,6 @@
       </p:grpSpPr>
       <p:sp>
         <p:nvSpPr>
-          <p:cNvPr id="11" name="10 Rectángulo redondeado"/>
-          <p:cNvSpPr/>
-          <p:nvPr/>
-        </p:nvSpPr>
-        <p:spPr>
-          <a:xfrm>
-            <a:off x="251519" y="260648"/>
-            <a:ext cx="8606759" cy="5256584"/>
-          </a:xfrm>
-          <a:prstGeom prst="roundRect">
-            <a:avLst/>
-          </a:prstGeom>
-          <a:gradFill flip="none" rotWithShape="1">
-            <a:gsLst>
-              <a:gs pos="33000">
-                <a:schemeClr val="accent1">
-                  <a:tint val="66000"/>
-                  <a:satMod val="160000"/>
-                </a:schemeClr>
-              </a:gs>
-              <a:gs pos="51000">
-                <a:schemeClr val="accent1">
-                  <a:tint val="44500"/>
-                  <a:satMod val="160000"/>
-                  <a:alpha val="0"/>
-                </a:schemeClr>
-              </a:gs>
-              <a:gs pos="100000">
-                <a:schemeClr val="accent1">
-                  <a:tint val="23500"/>
-                  <a:satMod val="160000"/>
-                </a:schemeClr>
-              </a:gs>
-            </a:gsLst>
-            <a:lin ang="16200000" scaled="1"/>
-            <a:tileRect/>
-          </a:gradFill>
-          <a:ln>
-            <a:noFill/>
-          </a:ln>
-        </p:spPr>
-        <p:style>
-          <a:lnRef idx="2">
-            <a:schemeClr val="accent1">
-              <a:shade val="50000"/>
-            </a:schemeClr>
-          </a:lnRef>
-          <a:fillRef idx="1">
-            <a:schemeClr val="accent1"/>
-          </a:fillRef>
-          <a:effectRef idx="0">
-            <a:schemeClr val="accent1"/>
-          </a:effectRef>
-          <a:fontRef idx="minor">
-            <a:schemeClr val="lt1"/>
-          </a:fontRef>
-        </p:style>
-        <p:txBody>
-          <a:bodyPr rtlCol="0" anchor="ctr"/>
-          <a:lstStyle/>
-          <a:p>
-            <a:pPr algn="ctr"/>
-            <a:endParaRPr lang="es-CL"/>
-          </a:p>
-        </p:txBody>
-      </p:sp>
-      <p:sp>
-        <p:nvSpPr>
           <p:cNvPr id="2" name="1 Marcador de contenido"/>
           <p:cNvSpPr>
             <a:spLocks noGrp="1"/>
@@ -5978,8 +5676,8 @@
                     <a:lumMod val="75000"/>
                   </a:schemeClr>
                 </a:solidFill>
-                <a:latin typeface="Times New Roman" pitchFamily="18" charset="0"/>
-                <a:cs typeface="Times New Roman" pitchFamily="18" charset="0"/>
+                <a:latin typeface="Calibri" pitchFamily="34" charset="0"/>
+                <a:cs typeface="Calibri" pitchFamily="34" charset="0"/>
               </a:rPr>
               <a:t>Configure dinámicamente las estructuras de las Revelaciones según la normativa de la SVS.</a:t>
             </a:r>
@@ -5998,8 +5696,8 @@
         </p:nvSpPr>
         <p:spPr>
           <a:xfrm>
-            <a:off x="1160" y="14552"/>
-            <a:ext cx="5290920" cy="637200"/>
+            <a:off x="500034" y="14552"/>
+            <a:ext cx="6715172" cy="637200"/>
           </a:xfrm>
         </p:spPr>
         <p:txBody>
@@ -6009,19 +5707,19 @@
           <a:lstStyle/>
           <a:p>
             <a:r>
-              <a:rPr lang="es-CL" sz="2800" dirty="0">
+              <a:rPr lang="es-CL" sz="3200" dirty="0">
                 <a:solidFill>
                   <a:schemeClr val="bg2">
                     <a:lumMod val="50000"/>
                   </a:schemeClr>
                 </a:solidFill>
-                <a:latin typeface="Aharoni" pitchFamily="2" charset="-79"/>
-                <a:cs typeface="Aharoni" pitchFamily="2" charset="-79"/>
+                <a:latin typeface="Arial" pitchFamily="34" charset="0"/>
+                <a:cs typeface="Arial" pitchFamily="34" charset="0"/>
               </a:rPr>
               <a:t>Configure sus Revelaciones </a:t>
             </a:r>
             <a:r>
-              <a:rPr lang="es-CL" sz="2800" dirty="0">
+              <a:rPr lang="es-CL" sz="3200" dirty="0">
                 <a:solidFill>
                   <a:schemeClr val="bg2">
                     <a:lumMod val="25000"/>
@@ -6171,74 +5869,6 @@
           <a:chExt cx="0" cy="0"/>
         </a:xfrm>
       </p:grpSpPr>
-      <p:sp>
-        <p:nvSpPr>
-          <p:cNvPr id="10" name="9 Rectángulo redondeado"/>
-          <p:cNvSpPr/>
-          <p:nvPr/>
-        </p:nvSpPr>
-        <p:spPr>
-          <a:xfrm>
-            <a:off x="251519" y="260648"/>
-            <a:ext cx="8606759" cy="5256584"/>
-          </a:xfrm>
-          <a:prstGeom prst="roundRect">
-            <a:avLst/>
-          </a:prstGeom>
-          <a:gradFill flip="none" rotWithShape="1">
-            <a:gsLst>
-              <a:gs pos="33000">
-                <a:schemeClr val="accent1">
-                  <a:tint val="66000"/>
-                  <a:satMod val="160000"/>
-                </a:schemeClr>
-              </a:gs>
-              <a:gs pos="51000">
-                <a:schemeClr val="accent1">
-                  <a:tint val="44500"/>
-                  <a:satMod val="160000"/>
-                  <a:alpha val="0"/>
-                </a:schemeClr>
-              </a:gs>
-              <a:gs pos="100000">
-                <a:schemeClr val="accent1">
-                  <a:tint val="23500"/>
-                  <a:satMod val="160000"/>
-                </a:schemeClr>
-              </a:gs>
-            </a:gsLst>
-            <a:lin ang="16200000" scaled="1"/>
-            <a:tileRect/>
-          </a:gradFill>
-          <a:ln>
-            <a:noFill/>
-          </a:ln>
-        </p:spPr>
-        <p:style>
-          <a:lnRef idx="2">
-            <a:schemeClr val="accent1">
-              <a:shade val="50000"/>
-            </a:schemeClr>
-          </a:lnRef>
-          <a:fillRef idx="1">
-            <a:schemeClr val="accent1"/>
-          </a:fillRef>
-          <a:effectRef idx="0">
-            <a:schemeClr val="accent1"/>
-          </a:effectRef>
-          <a:fontRef idx="minor">
-            <a:schemeClr val="lt1"/>
-          </a:fontRef>
-        </p:style>
-        <p:txBody>
-          <a:bodyPr rtlCol="0" anchor="ctr"/>
-          <a:lstStyle/>
-          <a:p>
-            <a:pPr algn="ctr"/>
-            <a:endParaRPr lang="es-CL"/>
-          </a:p>
-        </p:txBody>
-      </p:sp>
       <p:pic>
         <p:nvPicPr>
           <p:cNvPr id="4" name="Picture 4"/>
@@ -6320,7 +5950,7 @@
                 <a:latin typeface="Times New Roman" pitchFamily="18" charset="0"/>
                 <a:cs typeface="Times New Roman" pitchFamily="18" charset="0"/>
               </a:rPr>
-              <a:t>	Configure</a:t>
+              <a:t>	</a:t>
             </a:r>
             <a:r>
               <a:rPr lang="es-CL" sz="2300" dirty="0">
@@ -6329,22 +5959,10 @@
                     <a:lumMod val="75000"/>
                   </a:schemeClr>
                 </a:solidFill>
-                <a:latin typeface="Times New Roman" pitchFamily="18" charset="0"/>
-                <a:cs typeface="Times New Roman" pitchFamily="18" charset="0"/>
-              </a:rPr>
-              <a:t> </a:t>
-            </a:r>
-            <a:r>
-              <a:rPr lang="es-CL" sz="2300" dirty="0">
-                <a:solidFill>
-                  <a:schemeClr val="accent4">
-                    <a:lumMod val="75000"/>
-                  </a:schemeClr>
-                </a:solidFill>
-                <a:latin typeface="Times New Roman" pitchFamily="18" charset="0"/>
-                <a:cs typeface="Times New Roman" pitchFamily="18" charset="0"/>
-              </a:rPr>
-              <a:t>las operatorias necesarias entre los campos de cada Revelación, estableciendo sumas y restas.</a:t>
+                <a:latin typeface="Calibri" pitchFamily="34" charset="0"/>
+                <a:cs typeface="Calibri" pitchFamily="34" charset="0"/>
+              </a:rPr>
+              <a:t>Configure las operatorias necesarias entre los campos de cada Revelación, estableciendo sumas y restas.</a:t>
             </a:r>
           </a:p>
         </p:txBody>
@@ -6413,8 +6031,8 @@
         </p:nvSpPr>
         <p:spPr>
           <a:xfrm>
-            <a:off x="1160" y="14552"/>
-            <a:ext cx="6299032" cy="637200"/>
+            <a:off x="428596" y="14552"/>
+            <a:ext cx="7000924" cy="637200"/>
           </a:xfrm>
         </p:spPr>
         <p:txBody>
@@ -6424,19 +6042,19 @@
           <a:lstStyle/>
           <a:p>
             <a:r>
-              <a:rPr lang="es-CL" sz="2800" dirty="0" smtClean="0">
+              <a:rPr lang="es-CL" sz="3200" dirty="0" smtClean="0">
                 <a:solidFill>
                   <a:schemeClr val="bg2">
                     <a:lumMod val="50000"/>
                   </a:schemeClr>
                 </a:solidFill>
-                <a:latin typeface="Aharoni" pitchFamily="2" charset="-79"/>
-                <a:cs typeface="Aharoni" pitchFamily="2" charset="-79"/>
-              </a:rPr>
-              <a:t>Añada operaciones y formulas </a:t>
-            </a:r>
-            <a:r>
-              <a:rPr lang="es-CL" sz="2800" dirty="0">
+                <a:latin typeface="Arial" pitchFamily="34" charset="0"/>
+                <a:cs typeface="Arial" pitchFamily="34" charset="0"/>
+              </a:rPr>
+              <a:t>Añada operaciones y fórmulas </a:t>
+            </a:r>
+            <a:r>
+              <a:rPr lang="es-CL" sz="3200" dirty="0">
                 <a:solidFill>
                   <a:schemeClr val="bg2">
                     <a:lumMod val="25000"/>
@@ -6487,74 +6105,6 @@
       </p:grpSpPr>
       <p:sp>
         <p:nvSpPr>
-          <p:cNvPr id="10" name="9 Rectángulo redondeado"/>
-          <p:cNvSpPr/>
-          <p:nvPr/>
-        </p:nvSpPr>
-        <p:spPr>
-          <a:xfrm>
-            <a:off x="251519" y="260648"/>
-            <a:ext cx="8606759" cy="5256584"/>
-          </a:xfrm>
-          <a:prstGeom prst="roundRect">
-            <a:avLst/>
-          </a:prstGeom>
-          <a:gradFill flip="none" rotWithShape="1">
-            <a:gsLst>
-              <a:gs pos="33000">
-                <a:schemeClr val="accent1">
-                  <a:tint val="66000"/>
-                  <a:satMod val="160000"/>
-                </a:schemeClr>
-              </a:gs>
-              <a:gs pos="51000">
-                <a:schemeClr val="accent1">
-                  <a:tint val="44500"/>
-                  <a:satMod val="160000"/>
-                  <a:alpha val="0"/>
-                </a:schemeClr>
-              </a:gs>
-              <a:gs pos="100000">
-                <a:schemeClr val="accent1">
-                  <a:tint val="23500"/>
-                  <a:satMod val="160000"/>
-                </a:schemeClr>
-              </a:gs>
-            </a:gsLst>
-            <a:lin ang="16200000" scaled="1"/>
-            <a:tileRect/>
-          </a:gradFill>
-          <a:ln>
-            <a:noFill/>
-          </a:ln>
-        </p:spPr>
-        <p:style>
-          <a:lnRef idx="2">
-            <a:schemeClr val="accent1">
-              <a:shade val="50000"/>
-            </a:schemeClr>
-          </a:lnRef>
-          <a:fillRef idx="1">
-            <a:schemeClr val="accent1"/>
-          </a:fillRef>
-          <a:effectRef idx="0">
-            <a:schemeClr val="accent1"/>
-          </a:effectRef>
-          <a:fontRef idx="minor">
-            <a:schemeClr val="lt1"/>
-          </a:fontRef>
-        </p:style>
-        <p:txBody>
-          <a:bodyPr rtlCol="0" anchor="ctr"/>
-          <a:lstStyle/>
-          <a:p>
-            <a:pPr algn="ctr"/>
-            <a:endParaRPr lang="es-CL"/>
-          </a:p>
-        </p:txBody>
-      </p:sp>
-      <p:sp>
-        <p:nvSpPr>
           <p:cNvPr id="2" name="1 Marcador de contenido"/>
           <p:cNvSpPr>
             <a:spLocks noGrp="1"/>
@@ -6565,8 +6115,8 @@
         </p:nvSpPr>
         <p:spPr>
           <a:xfrm>
-            <a:off x="-5448" y="3680"/>
-            <a:ext cx="7286675" cy="637200"/>
+            <a:off x="428596" y="18194"/>
+            <a:ext cx="7286676" cy="637200"/>
           </a:xfrm>
         </p:spPr>
         <p:txBody>
@@ -6582,10 +6132,30 @@
               <a:buNone/>
             </a:pPr>
             <a:r>
-              <a:rPr lang="es-CL" sz="2800" b="1" dirty="0">
+              <a:rPr lang="es-CL" sz="3200" b="1" dirty="0">
                 <a:solidFill>
                   <a:schemeClr val="bg2">
                     <a:lumMod val="50000"/>
+                  </a:schemeClr>
+                </a:solidFill>
+                <a:effectLst>
+                  <a:outerShdw blurRad="31750" dist="25400" dir="5400000" algn="tl" rotWithShape="0">
+                    <a:srgbClr val="000000">
+                      <a:alpha val="25000"/>
+                    </a:srgbClr>
+                  </a:outerShdw>
+                </a:effectLst>
+                <a:latin typeface="Arial" pitchFamily="34" charset="0"/>
+                <a:ea typeface="+mj-ea"/>
+                <a:cs typeface="Arial" pitchFamily="34" charset="0"/>
+              </a:rPr>
+              <a:t>Proceso e Ingreso de Información </a:t>
+            </a:r>
+            <a:r>
+              <a:rPr lang="es-CL" sz="3200" b="1" dirty="0">
+                <a:solidFill>
+                  <a:schemeClr val="bg2">
+                    <a:lumMod val="25000"/>
                   </a:schemeClr>
                 </a:solidFill>
                 <a:effectLst>
@@ -6599,13 +6169,13 @@
                 <a:ea typeface="+mj-ea"/>
                 <a:cs typeface="Aharoni" pitchFamily="2" charset="-79"/>
               </a:rPr>
-              <a:t>Proceso e Ingreso de Información &gt;</a:t>
+              <a:t>&gt;</a:t>
             </a:r>
             <a:br>
-              <a:rPr lang="es-CL" sz="2800" b="1" dirty="0">
+              <a:rPr lang="es-CL" sz="3200" b="1" dirty="0">
                 <a:solidFill>
                   <a:schemeClr val="bg2">
-                    <a:lumMod val="50000"/>
+                    <a:lumMod val="25000"/>
                   </a:schemeClr>
                 </a:solidFill>
                 <a:effectLst>
@@ -6708,46 +6278,10 @@
                     <a:lumMod val="75000"/>
                   </a:schemeClr>
                 </a:solidFill>
-                <a:latin typeface="Times New Roman" pitchFamily="18" charset="0"/>
-                <a:cs typeface="Times New Roman" pitchFamily="18" charset="0"/>
-              </a:rPr>
-              <a:t>	</a:t>
-            </a:r>
-            <a:r>
-              <a:rPr lang="es-CL" sz="2300" dirty="0">
-                <a:solidFill>
-                  <a:schemeClr val="accent4">
-                    <a:lumMod val="75000"/>
-                  </a:schemeClr>
-                </a:solidFill>
-                <a:latin typeface="Times New Roman" pitchFamily="18" charset="0"/>
-                <a:cs typeface="Times New Roman" pitchFamily="18" charset="0"/>
-              </a:rPr>
-              <a:t>Ingrese</a:t>
-            </a:r>
-            <a:r>
-              <a:rPr lang="es-CL" sz="2300" dirty="0">
-                <a:solidFill>
-                  <a:schemeClr val="accent4">
-                    <a:lumMod val="75000"/>
-                  </a:schemeClr>
-                </a:solidFill>
-                <a:latin typeface="Times New Roman" pitchFamily="18" charset="0"/>
-                <a:cs typeface="Times New Roman" pitchFamily="18" charset="0"/>
-              </a:rPr>
-              <a:t> </a:t>
-            </a:r>
-            <a:r>
-              <a:rPr lang="es-CL" sz="2300" dirty="0">
-                <a:solidFill>
-                  <a:schemeClr val="accent4">
-                    <a:lumMod val="75000"/>
-                  </a:schemeClr>
-                </a:solidFill>
-                <a:latin typeface="Times New Roman" pitchFamily="18" charset="0"/>
-                <a:cs typeface="Times New Roman" pitchFamily="18" charset="0"/>
-              </a:rPr>
-              <a:t>y almacene su información, para divulgarla de forma oportuna y fácil, validando dichos ingresos contra sus EEFF.</a:t>
+                <a:latin typeface="Calibri" pitchFamily="34" charset="0"/>
+                <a:cs typeface="Calibri" pitchFamily="34" charset="0"/>
+              </a:rPr>
+              <a:t>	Ingrese y almacene su información, para divulgarla de forma oportuna y fácil, validando dichos ingresos contra sus EEFF.</a:t>
             </a:r>
           </a:p>
         </p:txBody>
@@ -6888,74 +6422,6 @@
           <a:chExt cx="0" cy="0"/>
         </a:xfrm>
       </p:grpSpPr>
-      <p:sp>
-        <p:nvSpPr>
-          <p:cNvPr id="10" name="9 Rectángulo redondeado"/>
-          <p:cNvSpPr/>
-          <p:nvPr/>
-        </p:nvSpPr>
-        <p:spPr>
-          <a:xfrm>
-            <a:off x="251519" y="260648"/>
-            <a:ext cx="8606759" cy="5256584"/>
-          </a:xfrm>
-          <a:prstGeom prst="roundRect">
-            <a:avLst/>
-          </a:prstGeom>
-          <a:gradFill flip="none" rotWithShape="1">
-            <a:gsLst>
-              <a:gs pos="33000">
-                <a:schemeClr val="accent1">
-                  <a:tint val="66000"/>
-                  <a:satMod val="160000"/>
-                </a:schemeClr>
-              </a:gs>
-              <a:gs pos="51000">
-                <a:schemeClr val="accent1">
-                  <a:tint val="44500"/>
-                  <a:satMod val="160000"/>
-                  <a:alpha val="0"/>
-                </a:schemeClr>
-              </a:gs>
-              <a:gs pos="100000">
-                <a:schemeClr val="accent1">
-                  <a:tint val="23500"/>
-                  <a:satMod val="160000"/>
-                </a:schemeClr>
-              </a:gs>
-            </a:gsLst>
-            <a:lin ang="16200000" scaled="1"/>
-            <a:tileRect/>
-          </a:gradFill>
-          <a:ln>
-            <a:noFill/>
-          </a:ln>
-        </p:spPr>
-        <p:style>
-          <a:lnRef idx="2">
-            <a:schemeClr val="accent1">
-              <a:shade val="50000"/>
-            </a:schemeClr>
-          </a:lnRef>
-          <a:fillRef idx="1">
-            <a:schemeClr val="accent1"/>
-          </a:fillRef>
-          <a:effectRef idx="0">
-            <a:schemeClr val="accent1"/>
-          </a:effectRef>
-          <a:fontRef idx="minor">
-            <a:schemeClr val="lt1"/>
-          </a:fontRef>
-        </p:style>
-        <p:txBody>
-          <a:bodyPr rtlCol="0" anchor="ctr"/>
-          <a:lstStyle/>
-          <a:p>
-            <a:pPr algn="ctr"/>
-            <a:endParaRPr lang="es-CL"/>
-          </a:p>
-        </p:txBody>
-      </p:sp>
       <p:pic>
         <p:nvPicPr>
           <p:cNvPr id="7" name="6 Imagen" descr="logo_exfida.png"/>
@@ -6992,8 +6458,8 @@
         </p:nvSpPr>
         <p:spPr>
           <a:xfrm>
-            <a:off x="0" y="0"/>
-            <a:ext cx="5727580" cy="637200"/>
+            <a:off x="500034" y="29028"/>
+            <a:ext cx="6000792" cy="637200"/>
           </a:xfrm>
         </p:spPr>
         <p:txBody>
@@ -7009,10 +6475,30 @@
               <a:buNone/>
             </a:pPr>
             <a:r>
-              <a:rPr lang="es-CL" sz="2800" b="1" dirty="0">
+              <a:rPr lang="es-CL" sz="3200" b="1" dirty="0">
                 <a:solidFill>
                   <a:schemeClr val="bg2">
                     <a:lumMod val="50000"/>
+                  </a:schemeClr>
+                </a:solidFill>
+                <a:effectLst>
+                  <a:outerShdw blurRad="31750" dist="25400" dir="5400000" algn="tl" rotWithShape="0">
+                    <a:srgbClr val="000000">
+                      <a:alpha val="25000"/>
+                    </a:srgbClr>
+                  </a:outerShdw>
+                </a:effectLst>
+                <a:latin typeface="Arial" pitchFamily="34" charset="0"/>
+                <a:ea typeface="+mj-ea"/>
+                <a:cs typeface="Arial" pitchFamily="34" charset="0"/>
+              </a:rPr>
+              <a:t>Workflow de Aprobación </a:t>
+            </a:r>
+            <a:r>
+              <a:rPr lang="es-CL" sz="3200" b="1" dirty="0">
+                <a:solidFill>
+                  <a:schemeClr val="bg2">
+                    <a:lumMod val="25000"/>
                   </a:schemeClr>
                 </a:solidFill>
                 <a:effectLst>
@@ -7026,13 +6512,13 @@
                 <a:ea typeface="+mj-ea"/>
                 <a:cs typeface="Aharoni" pitchFamily="2" charset="-79"/>
               </a:rPr>
-              <a:t>Workflow de Aprobación </a:t>
-            </a:r>
-            <a:r>
-              <a:rPr lang="es-CL" sz="2800" b="1" dirty="0">
+              <a:t>&gt;</a:t>
+            </a:r>
+            <a:r>
+              <a:rPr lang="es-CL" sz="3200" b="1" dirty="0">
                 <a:solidFill>
                   <a:schemeClr val="bg2">
-                    <a:lumMod val="25000"/>
+                    <a:lumMod val="50000"/>
                   </a:schemeClr>
                 </a:solidFill>
                 <a:effectLst>
@@ -7046,30 +6532,10 @@
                 <a:ea typeface="+mj-ea"/>
                 <a:cs typeface="Aharoni" pitchFamily="2" charset="-79"/>
               </a:rPr>
-              <a:t>&gt;</a:t>
-            </a:r>
-            <a:r>
-              <a:rPr lang="es-CL" sz="2800" b="1" dirty="0">
-                <a:solidFill>
-                  <a:schemeClr val="bg2">
-                    <a:lumMod val="50000"/>
-                  </a:schemeClr>
-                </a:solidFill>
-                <a:effectLst>
-                  <a:outerShdw blurRad="31750" dist="25400" dir="5400000" algn="tl" rotWithShape="0">
-                    <a:srgbClr val="000000">
-                      <a:alpha val="25000"/>
-                    </a:srgbClr>
-                  </a:outerShdw>
-                </a:effectLst>
-                <a:latin typeface="Aharoni" pitchFamily="2" charset="-79"/>
-                <a:ea typeface="+mj-ea"/>
-                <a:cs typeface="Aharoni" pitchFamily="2" charset="-79"/>
-              </a:rPr>
               <a:t/>
             </a:r>
             <a:br>
-              <a:rPr lang="es-CL" sz="2800" b="1" dirty="0">
+              <a:rPr lang="es-CL" sz="3200" b="1" dirty="0">
                 <a:solidFill>
                   <a:schemeClr val="bg2">
                     <a:lumMod val="50000"/>
@@ -7224,22 +6690,10 @@
                     <a:lumMod val="75000"/>
                   </a:schemeClr>
                 </a:solidFill>
-                <a:latin typeface="Times New Roman" pitchFamily="18" charset="0"/>
-                <a:cs typeface="Times New Roman" pitchFamily="18" charset="0"/>
-              </a:rPr>
-              <a:t>Mantenga </a:t>
-            </a:r>
-            <a:r>
-              <a:rPr lang="es-CL" sz="2300" dirty="0">
-                <a:solidFill>
-                  <a:schemeClr val="accent4">
-                    <a:lumMod val="75000"/>
-                  </a:schemeClr>
-                </a:solidFill>
-                <a:latin typeface="Times New Roman" pitchFamily="18" charset="0"/>
-                <a:cs typeface="Times New Roman" pitchFamily="18" charset="0"/>
-              </a:rPr>
-              <a:t>el control sobre el estado de los RF por periodo.</a:t>
+                <a:latin typeface="Calibri" pitchFamily="34" charset="0"/>
+                <a:cs typeface="Calibri" pitchFamily="34" charset="0"/>
+              </a:rPr>
+              <a:t>Mantenga el control sobre el estado de los RF por periodo.</a:t>
             </a:r>
           </a:p>
         </p:txBody>
@@ -7309,74 +6763,6 @@
       </p:grpSpPr>
       <p:sp>
         <p:nvSpPr>
-          <p:cNvPr id="10" name="9 Rectángulo redondeado"/>
-          <p:cNvSpPr/>
-          <p:nvPr/>
-        </p:nvSpPr>
-        <p:spPr>
-          <a:xfrm>
-            <a:off x="251519" y="260648"/>
-            <a:ext cx="8606759" cy="5256584"/>
-          </a:xfrm>
-          <a:prstGeom prst="roundRect">
-            <a:avLst/>
-          </a:prstGeom>
-          <a:gradFill flip="none" rotWithShape="1">
-            <a:gsLst>
-              <a:gs pos="33000">
-                <a:schemeClr val="accent1">
-                  <a:tint val="66000"/>
-                  <a:satMod val="160000"/>
-                </a:schemeClr>
-              </a:gs>
-              <a:gs pos="51000">
-                <a:schemeClr val="accent1">
-                  <a:tint val="44500"/>
-                  <a:satMod val="160000"/>
-                  <a:alpha val="0"/>
-                </a:schemeClr>
-              </a:gs>
-              <a:gs pos="100000">
-                <a:schemeClr val="accent1">
-                  <a:tint val="23500"/>
-                  <a:satMod val="160000"/>
-                </a:schemeClr>
-              </a:gs>
-            </a:gsLst>
-            <a:lin ang="16200000" scaled="1"/>
-            <a:tileRect/>
-          </a:gradFill>
-          <a:ln>
-            <a:noFill/>
-          </a:ln>
-        </p:spPr>
-        <p:style>
-          <a:lnRef idx="2">
-            <a:schemeClr val="accent1">
-              <a:shade val="50000"/>
-            </a:schemeClr>
-          </a:lnRef>
-          <a:fillRef idx="1">
-            <a:schemeClr val="accent1"/>
-          </a:fillRef>
-          <a:effectRef idx="0">
-            <a:schemeClr val="accent1"/>
-          </a:effectRef>
-          <a:fontRef idx="minor">
-            <a:schemeClr val="lt1"/>
-          </a:fontRef>
-        </p:style>
-        <p:txBody>
-          <a:bodyPr rtlCol="0" anchor="ctr"/>
-          <a:lstStyle/>
-          <a:p>
-            <a:pPr algn="ctr"/>
-            <a:endParaRPr lang="es-CL"/>
-          </a:p>
-        </p:txBody>
-      </p:sp>
-      <p:sp>
-        <p:nvSpPr>
           <p:cNvPr id="2" name="1 Marcador de contenido"/>
           <p:cNvSpPr>
             <a:spLocks noGrp="1"/>
@@ -7387,8 +6773,8 @@
         </p:nvSpPr>
         <p:spPr>
           <a:xfrm>
-            <a:off x="-14290" y="8879"/>
-            <a:ext cx="6600202" cy="637200"/>
+            <a:off x="428596" y="23393"/>
+            <a:ext cx="6858048" cy="637200"/>
           </a:xfrm>
         </p:spPr>
         <p:txBody>
@@ -7405,6 +6791,26 @@
                 <a:solidFill>
                   <a:schemeClr val="bg2">
                     <a:lumMod val="50000"/>
+                  </a:schemeClr>
+                </a:solidFill>
+                <a:effectLst>
+                  <a:outerShdw blurRad="31750" dist="25400" dir="5400000" algn="tl" rotWithShape="0">
+                    <a:srgbClr val="000000">
+                      <a:alpha val="25000"/>
+                    </a:srgbClr>
+                  </a:outerShdw>
+                </a:effectLst>
+                <a:latin typeface="Arial" pitchFamily="34" charset="0"/>
+                <a:ea typeface="+mj-ea"/>
+                <a:cs typeface="Arial" pitchFamily="34" charset="0"/>
+              </a:rPr>
+              <a:t>Validación en base a sus EE.FF </a:t>
+            </a:r>
+            <a:r>
+              <a:rPr lang="es-CL" sz="3200" b="1" dirty="0">
+                <a:solidFill>
+                  <a:schemeClr val="bg2">
+                    <a:lumMod val="25000"/>
                   </a:schemeClr>
                 </a:solidFill>
                 <a:effectLst>
@@ -7418,9 +6824,9 @@
                 <a:ea typeface="+mj-ea"/>
                 <a:cs typeface="Aharoni" pitchFamily="2" charset="-79"/>
               </a:rPr>
-              <a:t>Validación en base a sus EE.FF </a:t>
-            </a:r>
-            <a:r>
+              <a:t>&gt;</a:t>
+            </a:r>
+            <a:br>
               <a:rPr lang="es-CL" sz="3200" b="1" dirty="0">
                 <a:solidFill>
                   <a:schemeClr val="bg2">
@@ -7438,13 +6844,12 @@
                 <a:ea typeface="+mj-ea"/>
                 <a:cs typeface="Aharoni" pitchFamily="2" charset="-79"/>
               </a:rPr>
-              <a:t>&gt;</a:t>
-            </a:r>
-            <a:br>
+            </a:br>
+            <a:r>
               <a:rPr lang="es-CL" sz="3200" b="1" dirty="0">
                 <a:solidFill>
                   <a:schemeClr val="bg2">
-                    <a:lumMod val="25000"/>
+                    <a:lumMod val="50000"/>
                   </a:schemeClr>
                 </a:solidFill>
                 <a:effectLst>
@@ -7458,8 +6863,9 @@
                 <a:ea typeface="+mj-ea"/>
                 <a:cs typeface="Aharoni" pitchFamily="2" charset="-79"/>
               </a:rPr>
-            </a:br>
-            <a:r>
+              <a:t/>
+            </a:r>
+            <a:br>
               <a:rPr lang="es-CL" sz="3200" b="1" dirty="0">
                 <a:solidFill>
                   <a:schemeClr val="bg2">
@@ -7477,9 +6883,8 @@
                 <a:ea typeface="+mj-ea"/>
                 <a:cs typeface="Aharoni" pitchFamily="2" charset="-79"/>
               </a:rPr>
-              <a:t/>
-            </a:r>
-            <a:br>
+            </a:br>
+            <a:r>
               <a:rPr lang="es-CL" sz="3200" b="1" dirty="0">
                 <a:solidFill>
                   <a:schemeClr val="bg2">
@@ -7497,44 +6902,8 @@
                 <a:ea typeface="+mj-ea"/>
                 <a:cs typeface="Aharoni" pitchFamily="2" charset="-79"/>
               </a:rPr>
-            </a:br>
-            <a:r>
-              <a:rPr lang="es-CL" sz="3200" b="1" dirty="0">
-                <a:solidFill>
-                  <a:schemeClr val="bg2">
-                    <a:lumMod val="50000"/>
-                  </a:schemeClr>
-                </a:solidFill>
-                <a:effectLst>
-                  <a:outerShdw blurRad="31750" dist="25400" dir="5400000" algn="tl" rotWithShape="0">
-                    <a:srgbClr val="000000">
-                      <a:alpha val="25000"/>
-                    </a:srgbClr>
-                  </a:outerShdw>
-                </a:effectLst>
-                <a:latin typeface="Aharoni" pitchFamily="2" charset="-79"/>
-                <a:ea typeface="+mj-ea"/>
-                <a:cs typeface="Aharoni" pitchFamily="2" charset="-79"/>
-              </a:rPr>
               <a:t>	</a:t>
             </a:r>
-            <a:endParaRPr lang="es-CL" sz="3200" b="1" dirty="0">
-              <a:solidFill>
-                <a:schemeClr val="bg2">
-                  <a:lumMod val="50000"/>
-                </a:schemeClr>
-              </a:solidFill>
-              <a:effectLst>
-                <a:outerShdw blurRad="31750" dist="25400" dir="5400000" algn="tl" rotWithShape="0">
-                  <a:srgbClr val="000000">
-                    <a:alpha val="25000"/>
-                  </a:srgbClr>
-                </a:outerShdw>
-              </a:effectLst>
-              <a:latin typeface="Aharoni" pitchFamily="2" charset="-79"/>
-              <a:ea typeface="+mj-ea"/>
-              <a:cs typeface="Aharoni" pitchFamily="2" charset="-79"/>
-            </a:endParaRPr>
           </a:p>
         </p:txBody>
       </p:sp>
@@ -7566,8 +6935,8 @@
                     <a:lumMod val="75000"/>
                   </a:schemeClr>
                 </a:solidFill>
-                <a:latin typeface="Times New Roman" pitchFamily="18" charset="0"/>
-                <a:cs typeface="Times New Roman" pitchFamily="18" charset="0"/>
+                <a:latin typeface="Calibri" pitchFamily="34" charset="0"/>
+                <a:cs typeface="Calibri" pitchFamily="34" charset="0"/>
               </a:rPr>
               <a:t>	</a:t>
             </a:r>
@@ -7578,22 +6947,10 @@
                     <a:lumMod val="75000"/>
                   </a:schemeClr>
                 </a:solidFill>
-                <a:latin typeface="Times New Roman" pitchFamily="18" charset="0"/>
-                <a:cs typeface="Times New Roman" pitchFamily="18" charset="0"/>
-              </a:rPr>
-              <a:t>Cargue </a:t>
-            </a:r>
-            <a:r>
-              <a:rPr lang="es-CL" sz="2300" dirty="0">
-                <a:solidFill>
-                  <a:schemeClr val="accent4">
-                    <a:lumMod val="75000"/>
-                  </a:schemeClr>
-                </a:solidFill>
-                <a:latin typeface="Times New Roman" pitchFamily="18" charset="0"/>
-                <a:cs typeface="Times New Roman" pitchFamily="18" charset="0"/>
-              </a:rPr>
-              <a:t>sus Estados Financieros en EXFIDA y valide sus Revelaciones en base a estos.</a:t>
+                <a:latin typeface="Calibri" pitchFamily="34" charset="0"/>
+                <a:cs typeface="Calibri" pitchFamily="34" charset="0"/>
+              </a:rPr>
+              <a:t>Cargue sus Estados Financieros en EXFIDA y valide sus Revelaciones en base a estos.</a:t>
             </a:r>
           </a:p>
         </p:txBody>
@@ -7734,74 +7091,6 @@
           <a:chExt cx="0" cy="0"/>
         </a:xfrm>
       </p:grpSpPr>
-      <p:sp>
-        <p:nvSpPr>
-          <p:cNvPr id="10" name="9 Rectángulo redondeado"/>
-          <p:cNvSpPr/>
-          <p:nvPr/>
-        </p:nvSpPr>
-        <p:spPr>
-          <a:xfrm>
-            <a:off x="251519" y="260648"/>
-            <a:ext cx="8606759" cy="5256584"/>
-          </a:xfrm>
-          <a:prstGeom prst="roundRect">
-            <a:avLst/>
-          </a:prstGeom>
-          <a:gradFill flip="none" rotWithShape="1">
-            <a:gsLst>
-              <a:gs pos="33000">
-                <a:schemeClr val="accent1">
-                  <a:tint val="66000"/>
-                  <a:satMod val="160000"/>
-                </a:schemeClr>
-              </a:gs>
-              <a:gs pos="51000">
-                <a:schemeClr val="accent1">
-                  <a:tint val="44500"/>
-                  <a:satMod val="160000"/>
-                  <a:alpha val="0"/>
-                </a:schemeClr>
-              </a:gs>
-              <a:gs pos="100000">
-                <a:schemeClr val="accent1">
-                  <a:tint val="23500"/>
-                  <a:satMod val="160000"/>
-                </a:schemeClr>
-              </a:gs>
-            </a:gsLst>
-            <a:lin ang="16200000" scaled="1"/>
-            <a:tileRect/>
-          </a:gradFill>
-          <a:ln>
-            <a:noFill/>
-          </a:ln>
-        </p:spPr>
-        <p:style>
-          <a:lnRef idx="2">
-            <a:schemeClr val="accent1">
-              <a:shade val="50000"/>
-            </a:schemeClr>
-          </a:lnRef>
-          <a:fillRef idx="1">
-            <a:schemeClr val="accent1"/>
-          </a:fillRef>
-          <a:effectRef idx="0">
-            <a:schemeClr val="accent1"/>
-          </a:effectRef>
-          <a:fontRef idx="minor">
-            <a:schemeClr val="lt1"/>
-          </a:fontRef>
-        </p:style>
-        <p:txBody>
-          <a:bodyPr rtlCol="0" anchor="ctr"/>
-          <a:lstStyle/>
-          <a:p>
-            <a:pPr algn="ctr"/>
-            <a:endParaRPr lang="es-CL"/>
-          </a:p>
-        </p:txBody>
-      </p:sp>
       <p:pic>
         <p:nvPicPr>
           <p:cNvPr id="7" name="6 Imagen" descr="logo_exfida.png"/>
@@ -7838,8 +7127,8 @@
         </p:nvSpPr>
         <p:spPr>
           <a:xfrm>
-            <a:off x="4928" y="3680"/>
-            <a:ext cx="6007232" cy="637200"/>
+            <a:off x="500034" y="18194"/>
+            <a:ext cx="7072362" cy="637200"/>
           </a:xfrm>
         </p:spPr>
         <p:txBody>
@@ -7852,10 +7141,30 @@
               <a:buNone/>
             </a:pPr>
             <a:r>
-              <a:rPr lang="es-CL" sz="2800" b="1" dirty="0">
+              <a:rPr lang="es-CL" sz="3200" b="1" dirty="0">
                 <a:solidFill>
                   <a:schemeClr val="bg2">
                     <a:lumMod val="50000"/>
+                  </a:schemeClr>
+                </a:solidFill>
+                <a:effectLst>
+                  <a:outerShdw blurRad="31750" dist="25400" dir="5400000" algn="tl" rotWithShape="0">
+                    <a:srgbClr val="000000">
+                      <a:alpha val="25000"/>
+                    </a:srgbClr>
+                  </a:outerShdw>
+                </a:effectLst>
+                <a:latin typeface="Arial" pitchFamily="34" charset="0"/>
+                <a:ea typeface="+mj-ea"/>
+                <a:cs typeface="Arial" pitchFamily="34" charset="0"/>
+              </a:rPr>
+              <a:t>Notificador de Cambios en EEFF </a:t>
+            </a:r>
+            <a:r>
+              <a:rPr lang="es-CL" sz="3200" b="1" dirty="0">
+                <a:solidFill>
+                  <a:schemeClr val="bg2">
+                    <a:lumMod val="25000"/>
                   </a:schemeClr>
                 </a:solidFill>
                 <a:effectLst>
@@ -7869,13 +7178,13 @@
                 <a:ea typeface="+mj-ea"/>
                 <a:cs typeface="Aharoni" pitchFamily="2" charset="-79"/>
               </a:rPr>
-              <a:t>Notificador de Cambios en EEFF </a:t>
-            </a:r>
-            <a:r>
-              <a:rPr lang="es-CL" sz="2800" b="1" dirty="0">
+              <a:t>&gt;</a:t>
+            </a:r>
+            <a:r>
+              <a:rPr lang="es-CL" sz="3200" b="1" dirty="0">
                 <a:solidFill>
                   <a:schemeClr val="bg2">
-                    <a:lumMod val="25000"/>
+                    <a:lumMod val="50000"/>
                   </a:schemeClr>
                 </a:solidFill>
                 <a:effectLst>
@@ -7889,10 +7198,10 @@
                 <a:ea typeface="+mj-ea"/>
                 <a:cs typeface="Aharoni" pitchFamily="2" charset="-79"/>
               </a:rPr>
-              <a:t>&gt;</a:t>
-            </a:r>
-            <a:r>
-              <a:rPr lang="es-CL" sz="2800" b="1" dirty="0">
+              <a:t/>
+            </a:r>
+            <a:br>
+              <a:rPr lang="es-CL" sz="3200" b="1" dirty="0">
                 <a:solidFill>
                   <a:schemeClr val="bg2">
                     <a:lumMod val="50000"/>
@@ -7909,9 +7218,8 @@
                 <a:ea typeface="+mj-ea"/>
                 <a:cs typeface="Aharoni" pitchFamily="2" charset="-79"/>
               </a:rPr>
-              <a:t/>
-            </a:r>
-            <a:br>
+            </a:br>
+            <a:r>
               <a:rPr lang="es-CL" sz="2800" b="1" dirty="0">
                 <a:solidFill>
                   <a:schemeClr val="bg2">
@@ -7929,8 +7237,9 @@
                 <a:ea typeface="+mj-ea"/>
                 <a:cs typeface="Aharoni" pitchFamily="2" charset="-79"/>
               </a:rPr>
-            </a:br>
-            <a:r>
+              <a:t/>
+            </a:r>
+            <a:br>
               <a:rPr lang="es-CL" sz="2800" b="1" dirty="0">
                 <a:solidFill>
                   <a:schemeClr val="bg2">
@@ -7948,9 +7257,8 @@
                 <a:ea typeface="+mj-ea"/>
                 <a:cs typeface="Aharoni" pitchFamily="2" charset="-79"/>
               </a:rPr>
-              <a:t/>
-            </a:r>
-            <a:br>
+            </a:br>
+            <a:r>
               <a:rPr lang="es-CL" sz="2800" b="1" dirty="0">
                 <a:solidFill>
                   <a:schemeClr val="bg2">
@@ -7968,44 +7276,8 @@
                 <a:ea typeface="+mj-ea"/>
                 <a:cs typeface="Aharoni" pitchFamily="2" charset="-79"/>
               </a:rPr>
-            </a:br>
-            <a:r>
-              <a:rPr lang="es-CL" sz="2800" b="1" dirty="0">
-                <a:solidFill>
-                  <a:schemeClr val="bg2">
-                    <a:lumMod val="50000"/>
-                  </a:schemeClr>
-                </a:solidFill>
-                <a:effectLst>
-                  <a:outerShdw blurRad="31750" dist="25400" dir="5400000" algn="tl" rotWithShape="0">
-                    <a:srgbClr val="000000">
-                      <a:alpha val="25000"/>
-                    </a:srgbClr>
-                  </a:outerShdw>
-                </a:effectLst>
-                <a:latin typeface="Aharoni" pitchFamily="2" charset="-79"/>
-                <a:ea typeface="+mj-ea"/>
-                <a:cs typeface="Aharoni" pitchFamily="2" charset="-79"/>
-              </a:rPr>
               <a:t>	</a:t>
             </a:r>
-            <a:endParaRPr lang="es-CL" sz="2800" b="1" dirty="0">
-              <a:solidFill>
-                <a:schemeClr val="bg2">
-                  <a:lumMod val="50000"/>
-                </a:schemeClr>
-              </a:solidFill>
-              <a:effectLst>
-                <a:outerShdw blurRad="31750" dist="25400" dir="5400000" algn="tl" rotWithShape="0">
-                  <a:srgbClr val="000000">
-                    <a:alpha val="25000"/>
-                  </a:srgbClr>
-                </a:outerShdw>
-              </a:effectLst>
-              <a:latin typeface="Aharoni" pitchFamily="2" charset="-79"/>
-              <a:ea typeface="+mj-ea"/>
-              <a:cs typeface="Aharoni" pitchFamily="2" charset="-79"/>
-            </a:endParaRPr>
           </a:p>
         </p:txBody>
       </p:sp>
@@ -8090,70 +7362,10 @@
                     <a:lumMod val="75000"/>
                   </a:schemeClr>
                 </a:solidFill>
-                <a:latin typeface="Times New Roman" pitchFamily="18" charset="0"/>
-                <a:cs typeface="Times New Roman" pitchFamily="18" charset="0"/>
-              </a:rPr>
-              <a:t>Notifique </a:t>
-            </a:r>
-            <a:r>
-              <a:rPr lang="es-CL" sz="2300" dirty="0">
-                <a:solidFill>
-                  <a:schemeClr val="accent4">
-                    <a:lumMod val="75000"/>
-                  </a:schemeClr>
-                </a:solidFill>
-                <a:latin typeface="Times New Roman" pitchFamily="18" charset="0"/>
-                <a:cs typeface="Times New Roman" pitchFamily="18" charset="0"/>
-              </a:rPr>
-              <a:t>a sus Áreas de Negocio el cambio en sus </a:t>
-            </a:r>
-            <a:r>
-              <a:rPr lang="es-CL" sz="2300" dirty="0">
-                <a:solidFill>
-                  <a:schemeClr val="accent4">
-                    <a:lumMod val="75000"/>
-                  </a:schemeClr>
-                </a:solidFill>
-                <a:latin typeface="Times New Roman" pitchFamily="18" charset="0"/>
-                <a:cs typeface="Times New Roman" pitchFamily="18" charset="0"/>
-              </a:rPr>
-              <a:t>estados financieros </a:t>
-            </a:r>
-            <a:r>
-              <a:rPr lang="es-CL" sz="2300" dirty="0">
-                <a:solidFill>
-                  <a:schemeClr val="accent4">
-                    <a:lumMod val="75000"/>
-                  </a:schemeClr>
-                </a:solidFill>
-                <a:latin typeface="Times New Roman" pitchFamily="18" charset="0"/>
-                <a:cs typeface="Times New Roman" pitchFamily="18" charset="0"/>
-              </a:rPr>
-              <a:t>para la cuadratura de sus </a:t>
-            </a:r>
-            <a:r>
-              <a:rPr lang="es-CL" sz="2300" dirty="0">
-                <a:solidFill>
-                  <a:schemeClr val="accent4">
-                    <a:lumMod val="75000"/>
-                  </a:schemeClr>
-                </a:solidFill>
-                <a:latin typeface="Times New Roman" pitchFamily="18" charset="0"/>
-                <a:cs typeface="Times New Roman" pitchFamily="18" charset="0"/>
-              </a:rPr>
-              <a:t>revelaciones</a:t>
-            </a:r>
-            <a:r>
-              <a:rPr lang="es-CL" sz="2300" dirty="0">
-                <a:solidFill>
-                  <a:schemeClr val="accent4">
-                    <a:lumMod val="75000"/>
-                  </a:schemeClr>
-                </a:solidFill>
-                <a:latin typeface="Times New Roman" pitchFamily="18" charset="0"/>
-                <a:cs typeface="Times New Roman" pitchFamily="18" charset="0"/>
-              </a:rPr>
-              <a:t>.</a:t>
+                <a:latin typeface="Calibri" pitchFamily="34" charset="0"/>
+                <a:cs typeface="Calibri" pitchFamily="34" charset="0"/>
+              </a:rPr>
+              <a:t>Notifique a sus Áreas de Negocio el cambio en sus estados financieros para la cuadratura de sus revelaciones.</a:t>
             </a:r>
           </a:p>
         </p:txBody>
@@ -8189,7 +7401,7 @@
     </p:spTree>
     <p:extLst>
       <p:ext uri="{BB962C8B-B14F-4D97-AF65-F5344CB8AC3E}">
-        <p14:creationId xmlns:p14="http://schemas.microsoft.com/office/powerpoint/2010/main" val="2482610731"/>
+        <p14:creationId xmlns="" xmlns:p14="http://schemas.microsoft.com/office/powerpoint/2010/main" val="2482610731"/>
       </p:ext>
     </p:extLst>
   </p:cSld>
@@ -8226,74 +7438,6 @@
           <a:chExt cx="0" cy="0"/>
         </a:xfrm>
       </p:grpSpPr>
-      <p:sp>
-        <p:nvSpPr>
-          <p:cNvPr id="11" name="10 Rectángulo redondeado"/>
-          <p:cNvSpPr/>
-          <p:nvPr/>
-        </p:nvSpPr>
-        <p:spPr>
-          <a:xfrm>
-            <a:off x="251519" y="260648"/>
-            <a:ext cx="8606759" cy="5256584"/>
-          </a:xfrm>
-          <a:prstGeom prst="roundRect">
-            <a:avLst/>
-          </a:prstGeom>
-          <a:gradFill flip="none" rotWithShape="1">
-            <a:gsLst>
-              <a:gs pos="33000">
-                <a:schemeClr val="accent1">
-                  <a:tint val="66000"/>
-                  <a:satMod val="160000"/>
-                </a:schemeClr>
-              </a:gs>
-              <a:gs pos="51000">
-                <a:schemeClr val="accent1">
-                  <a:tint val="44500"/>
-                  <a:satMod val="160000"/>
-                  <a:alpha val="0"/>
-                </a:schemeClr>
-              </a:gs>
-              <a:gs pos="100000">
-                <a:schemeClr val="accent1">
-                  <a:tint val="23500"/>
-                  <a:satMod val="160000"/>
-                </a:schemeClr>
-              </a:gs>
-            </a:gsLst>
-            <a:lin ang="16200000" scaled="1"/>
-            <a:tileRect/>
-          </a:gradFill>
-          <a:ln>
-            <a:noFill/>
-          </a:ln>
-        </p:spPr>
-        <p:style>
-          <a:lnRef idx="2">
-            <a:schemeClr val="accent1">
-              <a:shade val="50000"/>
-            </a:schemeClr>
-          </a:lnRef>
-          <a:fillRef idx="1">
-            <a:schemeClr val="accent1"/>
-          </a:fillRef>
-          <a:effectRef idx="0">
-            <a:schemeClr val="accent1"/>
-          </a:effectRef>
-          <a:fontRef idx="minor">
-            <a:schemeClr val="lt1"/>
-          </a:fontRef>
-        </p:style>
-        <p:txBody>
-          <a:bodyPr rtlCol="0" anchor="ctr"/>
-          <a:lstStyle/>
-          <a:p>
-            <a:pPr algn="ctr"/>
-            <a:endParaRPr lang="es-CL"/>
-          </a:p>
-        </p:txBody>
-      </p:sp>
       <p:pic>
         <p:nvPicPr>
           <p:cNvPr id="9" name="Picture 2" descr="https://encrypted-tbn3.google.com/images?q=tbn:ANd9GcQv7o1uYuJTJ_GXWrchmYmF3--4xm-9XARhhT8NqDM6vkiRhclk"/>
@@ -8332,8 +7476,8 @@
         </p:nvSpPr>
         <p:spPr>
           <a:xfrm>
-            <a:off x="0" y="-4769"/>
-            <a:ext cx="7023724" cy="637200"/>
+            <a:off x="500034" y="24259"/>
+            <a:ext cx="7072362" cy="637200"/>
           </a:xfrm>
         </p:spPr>
         <p:txBody>
@@ -8346,10 +7490,50 @@
               <a:buNone/>
             </a:pPr>
             <a:r>
-              <a:rPr lang="es-CL" sz="2800" b="1" dirty="0">
+              <a:rPr lang="es-CL" sz="3200" b="1" dirty="0">
                 <a:solidFill>
                   <a:schemeClr val="bg2">
                     <a:lumMod val="50000"/>
+                  </a:schemeClr>
+                </a:solidFill>
+                <a:effectLst>
+                  <a:outerShdw blurRad="31750" dist="25400" dir="5400000" algn="tl" rotWithShape="0">
+                    <a:srgbClr val="000000">
+                      <a:alpha val="25000"/>
+                    </a:srgbClr>
+                  </a:outerShdw>
+                </a:effectLst>
+                <a:latin typeface="Arial" pitchFamily="34" charset="0"/>
+                <a:ea typeface="+mj-ea"/>
+                <a:cs typeface="Arial" pitchFamily="34" charset="0"/>
+              </a:rPr>
+              <a:t>Cree sus propios Informes </a:t>
+            </a:r>
+            <a:r>
+              <a:rPr lang="es-CL" sz="3200" b="1" dirty="0" smtClean="0">
+                <a:solidFill>
+                  <a:schemeClr val="bg2">
+                    <a:lumMod val="50000"/>
+                  </a:schemeClr>
+                </a:solidFill>
+                <a:effectLst>
+                  <a:outerShdw blurRad="31750" dist="25400" dir="5400000" algn="tl" rotWithShape="0">
+                    <a:srgbClr val="000000">
+                      <a:alpha val="25000"/>
+                    </a:srgbClr>
+                  </a:outerShdw>
+                </a:effectLst>
+                <a:latin typeface="Arial" pitchFamily="34" charset="0"/>
+                <a:ea typeface="+mj-ea"/>
+                <a:cs typeface="Arial" pitchFamily="34" charset="0"/>
+              </a:rPr>
+              <a:t>XBRL </a:t>
+            </a:r>
+            <a:r>
+              <a:rPr lang="es-CL" sz="2800" b="1" dirty="0" smtClean="0">
+                <a:solidFill>
+                  <a:schemeClr val="bg2">
+                    <a:lumMod val="25000"/>
                   </a:schemeClr>
                 </a:solidFill>
                 <a:effectLst>
@@ -8363,10 +7547,10 @@
                 <a:ea typeface="+mj-ea"/>
                 <a:cs typeface="Aharoni" pitchFamily="2" charset="-79"/>
               </a:rPr>
-              <a:t>Cree sus propios Informes </a:t>
-            </a:r>
-            <a:r>
-              <a:rPr lang="es-CL" sz="2800" b="1" dirty="0" smtClean="0">
+              <a:t>&gt;</a:t>
+            </a:r>
+            <a:r>
+              <a:rPr lang="es-CL" sz="2800" b="1" dirty="0">
                 <a:solidFill>
                   <a:schemeClr val="bg2">
                     <a:lumMod val="50000"/>
@@ -8383,13 +7567,13 @@
                 <a:ea typeface="+mj-ea"/>
                 <a:cs typeface="Aharoni" pitchFamily="2" charset="-79"/>
               </a:rPr>
-              <a:t>XBRL </a:t>
-            </a:r>
-            <a:r>
-              <a:rPr lang="es-CL" sz="2800" b="1" dirty="0" smtClean="0">
+              <a:t/>
+            </a:r>
+            <a:br>
+              <a:rPr lang="es-CL" sz="2800" b="1" dirty="0">
                 <a:solidFill>
                   <a:schemeClr val="bg2">
-                    <a:lumMod val="25000"/>
+                    <a:lumMod val="50000"/>
                   </a:schemeClr>
                 </a:solidFill>
                 <a:effectLst>
@@ -8403,8 +7587,7 @@
                 <a:ea typeface="+mj-ea"/>
                 <a:cs typeface="Aharoni" pitchFamily="2" charset="-79"/>
               </a:rPr>
-              <a:t>&gt;</a:t>
-            </a:r>
+            </a:br>
             <a:r>
               <a:rPr lang="es-CL" sz="2800" b="1" dirty="0">
                 <a:solidFill>
@@ -8462,64 +7645,8 @@
                 <a:ea typeface="+mj-ea"/>
                 <a:cs typeface="Aharoni" pitchFamily="2" charset="-79"/>
               </a:rPr>
-              <a:t/>
-            </a:r>
-            <a:br>
-              <a:rPr lang="es-CL" sz="2800" b="1" dirty="0">
-                <a:solidFill>
-                  <a:schemeClr val="bg2">
-                    <a:lumMod val="50000"/>
-                  </a:schemeClr>
-                </a:solidFill>
-                <a:effectLst>
-                  <a:outerShdw blurRad="31750" dist="25400" dir="5400000" algn="tl" rotWithShape="0">
-                    <a:srgbClr val="000000">
-                      <a:alpha val="25000"/>
-                    </a:srgbClr>
-                  </a:outerShdw>
-                </a:effectLst>
-                <a:latin typeface="Aharoni" pitchFamily="2" charset="-79"/>
-                <a:ea typeface="+mj-ea"/>
-                <a:cs typeface="Aharoni" pitchFamily="2" charset="-79"/>
-              </a:rPr>
-            </a:br>
-            <a:r>
-              <a:rPr lang="es-CL" sz="2800" b="1" dirty="0">
-                <a:solidFill>
-                  <a:schemeClr val="bg2">
-                    <a:lumMod val="50000"/>
-                  </a:schemeClr>
-                </a:solidFill>
-                <a:effectLst>
-                  <a:outerShdw blurRad="31750" dist="25400" dir="5400000" algn="tl" rotWithShape="0">
-                    <a:srgbClr val="000000">
-                      <a:alpha val="25000"/>
-                    </a:srgbClr>
-                  </a:outerShdw>
-                </a:effectLst>
-                <a:latin typeface="Aharoni" pitchFamily="2" charset="-79"/>
-                <a:ea typeface="+mj-ea"/>
-                <a:cs typeface="Aharoni" pitchFamily="2" charset="-79"/>
-              </a:rPr>
               <a:t>	</a:t>
             </a:r>
-            <a:endParaRPr lang="es-CL" sz="2800" b="1" dirty="0">
-              <a:solidFill>
-                <a:schemeClr val="bg2">
-                  <a:lumMod val="50000"/>
-                </a:schemeClr>
-              </a:solidFill>
-              <a:effectLst>
-                <a:outerShdw blurRad="31750" dist="25400" dir="5400000" algn="tl" rotWithShape="0">
-                  <a:srgbClr val="000000">
-                    <a:alpha val="25000"/>
-                  </a:srgbClr>
-                </a:outerShdw>
-              </a:effectLst>
-              <a:latin typeface="Aharoni" pitchFamily="2" charset="-79"/>
-              <a:ea typeface="+mj-ea"/>
-              <a:cs typeface="Aharoni" pitchFamily="2" charset="-79"/>
-            </a:endParaRPr>
           </a:p>
         </p:txBody>
       </p:sp>
@@ -8532,7 +7659,7 @@
         <p:spPr>
           <a:xfrm>
             <a:off x="683568" y="1116613"/>
-            <a:ext cx="7992888" cy="800219"/>
+            <a:ext cx="7992888" cy="1154162"/>
           </a:xfrm>
           <a:prstGeom prst="rect">
             <a:avLst/>
@@ -8563,23 +7690,32 @@
                     <a:lumMod val="75000"/>
                   </a:schemeClr>
                 </a:solidFill>
-                <a:latin typeface="Times New Roman" pitchFamily="18" charset="0"/>
-                <a:cs typeface="Times New Roman" pitchFamily="18" charset="0"/>
-              </a:rPr>
-              <a:t>Genere </a:t>
-            </a:r>
-            <a:r>
-              <a:rPr lang="es-CL" sz="2300" dirty="0">
+                <a:latin typeface="Calibri" pitchFamily="34" charset="0"/>
+                <a:cs typeface="Calibri" pitchFamily="34" charset="0"/>
+              </a:rPr>
+              <a:t>Genere y valide sus informes XBRL en base a la información consolidada en </a:t>
+            </a:r>
+            <a:r>
+              <a:rPr lang="es-CL" sz="2300" dirty="0" smtClean="0">
                 <a:solidFill>
                   <a:schemeClr val="accent4">
                     <a:lumMod val="75000"/>
                   </a:schemeClr>
                 </a:solidFill>
-                <a:latin typeface="Times New Roman" pitchFamily="18" charset="0"/>
-                <a:cs typeface="Times New Roman" pitchFamily="18" charset="0"/>
-              </a:rPr>
-              <a:t>y valide sus informes XBRL en base a la información consolidada en EXFIDA.</a:t>
-            </a:r>
+                <a:latin typeface="Calibri" pitchFamily="34" charset="0"/>
+                <a:cs typeface="Calibri" pitchFamily="34" charset="0"/>
+              </a:rPr>
+              <a:t>EXFIDA y las taxonomías informadas por la SVS.</a:t>
+            </a:r>
+            <a:endParaRPr lang="es-CL" sz="2300" dirty="0">
+              <a:solidFill>
+                <a:schemeClr val="accent4">
+                  <a:lumMod val="75000"/>
+                </a:schemeClr>
+              </a:solidFill>
+              <a:latin typeface="Calibri" pitchFamily="34" charset="0"/>
+              <a:cs typeface="Calibri" pitchFamily="34" charset="0"/>
+            </a:endParaRPr>
           </a:p>
         </p:txBody>
       </p:sp>
@@ -8624,7 +7760,7 @@
         </p:blipFill>
         <p:spPr bwMode="auto">
           <a:xfrm>
-            <a:off x="785786" y="1772816"/>
+            <a:off x="1126004" y="1900302"/>
             <a:ext cx="6232078" cy="3600400"/>
           </a:xfrm>
           <a:prstGeom prst="roundRect">
@@ -8687,7 +7823,7 @@
     </p:spTree>
     <p:extLst>
       <p:ext uri="{BB962C8B-B14F-4D97-AF65-F5344CB8AC3E}">
-        <p14:creationId xmlns:p14="http://schemas.microsoft.com/office/powerpoint/2010/main" val="2482610731"/>
+        <p14:creationId xmlns="" xmlns:p14="http://schemas.microsoft.com/office/powerpoint/2010/main" val="2482610731"/>
       </p:ext>
     </p:extLst>
   </p:cSld>
@@ -8736,7 +7872,7 @@
           <a:blip r:embed="rId2">
             <a:extLst>
               <a:ext uri="{28A0092B-C50C-407E-A947-70E740481C1C}">
-                <a14:useLocalDpi xmlns:a14="http://schemas.microsoft.com/office/drawing/2010/main" val="0"/>
+                <a14:useLocalDpi xmlns="" xmlns:a14="http://schemas.microsoft.com/office/drawing/2010/main" val="0"/>
               </a:ext>
             </a:extLst>
           </a:blip>
@@ -8747,7 +7883,7 @@
         </p:blipFill>
         <p:spPr bwMode="auto">
           <a:xfrm>
-            <a:off x="7380312" y="5400565"/>
+            <a:off x="3786182" y="4786322"/>
             <a:ext cx="1763688" cy="1321064"/>
           </a:xfrm>
           <a:prstGeom prst="rect">
@@ -8756,7 +7892,7 @@
           <a:noFill/>
           <a:extLst>
             <a:ext uri="{909E8E84-426E-40DD-AFC4-6F175D3DCCD1}">
-              <a14:hiddenFill xmlns:a14="http://schemas.microsoft.com/office/drawing/2010/main">
+              <a14:hiddenFill xmlns="" xmlns:a14="http://schemas.microsoft.com/office/drawing/2010/main">
                 <a:solidFill>
                   <a:srgbClr val="FFFFFF"/>
                 </a:solidFill>
@@ -8765,74 +7901,6 @@
           </a:extLst>
         </p:spPr>
       </p:pic>
-      <p:sp>
-        <p:nvSpPr>
-          <p:cNvPr id="8" name="7 Rectángulo redondeado"/>
-          <p:cNvSpPr/>
-          <p:nvPr/>
-        </p:nvSpPr>
-        <p:spPr>
-          <a:xfrm>
-            <a:off x="251519" y="260648"/>
-            <a:ext cx="8606759" cy="5256584"/>
-          </a:xfrm>
-          <a:prstGeom prst="roundRect">
-            <a:avLst/>
-          </a:prstGeom>
-          <a:gradFill flip="none" rotWithShape="1">
-            <a:gsLst>
-              <a:gs pos="33000">
-                <a:schemeClr val="accent1">
-                  <a:tint val="66000"/>
-                  <a:satMod val="160000"/>
-                </a:schemeClr>
-              </a:gs>
-              <a:gs pos="51000">
-                <a:schemeClr val="accent1">
-                  <a:tint val="44500"/>
-                  <a:satMod val="160000"/>
-                  <a:alpha val="0"/>
-                </a:schemeClr>
-              </a:gs>
-              <a:gs pos="100000">
-                <a:schemeClr val="accent1">
-                  <a:tint val="23500"/>
-                  <a:satMod val="160000"/>
-                </a:schemeClr>
-              </a:gs>
-            </a:gsLst>
-            <a:lin ang="16200000" scaled="1"/>
-            <a:tileRect/>
-          </a:gradFill>
-          <a:ln>
-            <a:noFill/>
-          </a:ln>
-        </p:spPr>
-        <p:style>
-          <a:lnRef idx="2">
-            <a:schemeClr val="accent1">
-              <a:shade val="50000"/>
-            </a:schemeClr>
-          </a:lnRef>
-          <a:fillRef idx="1">
-            <a:schemeClr val="accent1"/>
-          </a:fillRef>
-          <a:effectRef idx="0">
-            <a:schemeClr val="accent1"/>
-          </a:effectRef>
-          <a:fontRef idx="minor">
-            <a:schemeClr val="lt1"/>
-          </a:fontRef>
-        </p:style>
-        <p:txBody>
-          <a:bodyPr rtlCol="0" anchor="ctr"/>
-          <a:lstStyle/>
-          <a:p>
-            <a:pPr algn="ctr"/>
-            <a:endParaRPr lang="es-CL"/>
-          </a:p>
-        </p:txBody>
-      </p:sp>
       <p:sp>
         <p:nvSpPr>
           <p:cNvPr id="2" name="1 Marcador de contenido"/>
@@ -8877,8 +7945,8 @@
                     <a:lumMod val="75000"/>
                   </a:schemeClr>
                 </a:solidFill>
-                <a:latin typeface="Times New Roman" pitchFamily="18" charset="0"/>
-                <a:cs typeface="Times New Roman" pitchFamily="18" charset="0"/>
+                <a:latin typeface="Calibri" pitchFamily="34" charset="0"/>
+                <a:cs typeface="Calibri" pitchFamily="34" charset="0"/>
               </a:rPr>
               <a:t>Somos</a:t>
             </a:r>
@@ -8889,22 +7957,10 @@
                     <a:lumMod val="75000"/>
                   </a:schemeClr>
                 </a:solidFill>
-                <a:latin typeface="Times New Roman" pitchFamily="18" charset="0"/>
-                <a:cs typeface="Times New Roman" pitchFamily="18" charset="0"/>
-              </a:rPr>
-              <a:t> </a:t>
-            </a:r>
-            <a:r>
-              <a:rPr lang="es-CL" sz="2300" dirty="0" smtClean="0">
-                <a:solidFill>
-                  <a:schemeClr val="accent4">
-                    <a:lumMod val="75000"/>
-                  </a:schemeClr>
-                </a:solidFill>
-                <a:latin typeface="Times New Roman" pitchFamily="18" charset="0"/>
-                <a:cs typeface="Times New Roman" pitchFamily="18" charset="0"/>
-              </a:rPr>
-              <a:t>una empresa Chilena con 18 años de experiencia profesional en las áreas de desarrollo de software y consultoría.</a:t>
+                <a:latin typeface="Calibri" pitchFamily="34" charset="0"/>
+                <a:cs typeface="Calibri" pitchFamily="34" charset="0"/>
+              </a:rPr>
+              <a:t> una empresa Chilena con 18 años de experiencia profesional en las áreas de desarrollo de software y consultoría.</a:t>
             </a:r>
             <a:endParaRPr lang="es-MX" sz="2300" dirty="0" smtClean="0">
               <a:solidFill>
@@ -8912,8 +7968,8 @@
                   <a:lumMod val="75000"/>
                 </a:schemeClr>
               </a:solidFill>
-              <a:latin typeface="Times New Roman" pitchFamily="18" charset="0"/>
-              <a:cs typeface="Times New Roman" pitchFamily="18" charset="0"/>
+              <a:latin typeface="Calibri" pitchFamily="34" charset="0"/>
+              <a:cs typeface="Calibri" pitchFamily="34" charset="0"/>
             </a:endParaRPr>
           </a:p>
           <a:p>
@@ -8926,7 +7982,10 @@
               </a:spcBef>
               <a:buNone/>
             </a:pPr>
-            <a:endParaRPr lang="es-MX" sz="2300" dirty="0" smtClean="0"/>
+            <a:endParaRPr lang="es-MX" sz="2300" dirty="0" smtClean="0">
+              <a:latin typeface="Calibri" pitchFamily="34" charset="0"/>
+              <a:cs typeface="Calibri" pitchFamily="34" charset="0"/>
+            </a:endParaRPr>
           </a:p>
           <a:p>
             <a:pPr marL="109728" indent="0" algn="just">
@@ -8945,8 +8004,8 @@
                     <a:lumMod val="75000"/>
                   </a:schemeClr>
                 </a:solidFill>
-                <a:latin typeface="Times New Roman" pitchFamily="18" charset="0"/>
-                <a:cs typeface="Times New Roman" pitchFamily="18" charset="0"/>
+                <a:latin typeface="Calibri" pitchFamily="34" charset="0"/>
+                <a:cs typeface="Calibri" pitchFamily="34" charset="0"/>
               </a:rPr>
               <a:t>	Actualmente</a:t>
             </a:r>
@@ -8957,8 +8016,8 @@
                     <a:lumMod val="75000"/>
                   </a:schemeClr>
                 </a:solidFill>
-                <a:latin typeface="Times New Roman" pitchFamily="18" charset="0"/>
-                <a:cs typeface="Times New Roman" pitchFamily="18" charset="0"/>
+                <a:latin typeface="Calibri" pitchFamily="34" charset="0"/>
+                <a:cs typeface="Calibri" pitchFamily="34" charset="0"/>
               </a:rPr>
               <a:t>, en nuestra línea de productos ofrecemos, desarrollo de Proyectos de Software específicamente en Arquitecturas JEE (Java Enterprise Edition), Consultoría Tecnológica y Funcional en Módulos SAP R3, Desarrollo de Productos de Software y venta e implementación de Infraestructura, a objeto de </a:t>
             </a:r>
@@ -8969,8 +8028,8 @@
                     <a:lumMod val="75000"/>
                   </a:schemeClr>
                 </a:solidFill>
-                <a:latin typeface="Times New Roman" pitchFamily="18" charset="0"/>
-                <a:cs typeface="Times New Roman" pitchFamily="18" charset="0"/>
+                <a:latin typeface="Calibri" pitchFamily="34" charset="0"/>
+                <a:cs typeface="Calibri" pitchFamily="34" charset="0"/>
               </a:rPr>
               <a:t>proveer</a:t>
             </a:r>
@@ -8981,8 +8040,8 @@
                     <a:lumMod val="75000"/>
                   </a:schemeClr>
                 </a:solidFill>
-                <a:latin typeface="Times New Roman" pitchFamily="18" charset="0"/>
-                <a:cs typeface="Times New Roman" pitchFamily="18" charset="0"/>
+                <a:latin typeface="Calibri" pitchFamily="34" charset="0"/>
+                <a:cs typeface="Calibri" pitchFamily="34" charset="0"/>
               </a:rPr>
               <a:t> </a:t>
             </a:r>
@@ -8993,8 +8052,8 @@
                     <a:lumMod val="75000"/>
                   </a:schemeClr>
                 </a:solidFill>
-                <a:latin typeface="Times New Roman" pitchFamily="18" charset="0"/>
-                <a:cs typeface="Times New Roman" pitchFamily="18" charset="0"/>
+                <a:latin typeface="Calibri" pitchFamily="34" charset="0"/>
+                <a:cs typeface="Calibri" pitchFamily="34" charset="0"/>
               </a:rPr>
               <a:t> soluciones integrales de </a:t>
             </a:r>
@@ -9005,8 +8064,8 @@
                     <a:lumMod val="75000"/>
                   </a:schemeClr>
                 </a:solidFill>
-                <a:latin typeface="Times New Roman" pitchFamily="18" charset="0"/>
-                <a:cs typeface="Times New Roman" pitchFamily="18" charset="0"/>
+                <a:latin typeface="Calibri" pitchFamily="34" charset="0"/>
+                <a:cs typeface="Calibri" pitchFamily="34" charset="0"/>
               </a:rPr>
               <a:t>tecnología de la Información (TI).</a:t>
             </a:r>
@@ -9016,8 +8075,8 @@
                   <a:lumMod val="75000"/>
                 </a:schemeClr>
               </a:solidFill>
-              <a:latin typeface="Times New Roman" pitchFamily="18" charset="0"/>
-              <a:cs typeface="Times New Roman" pitchFamily="18" charset="0"/>
+              <a:latin typeface="Calibri" pitchFamily="34" charset="0"/>
+              <a:cs typeface="Calibri" pitchFamily="34" charset="0"/>
             </a:endParaRPr>
           </a:p>
           <a:p>
@@ -9037,7 +8096,7 @@
         </p:nvSpPr>
         <p:spPr>
           <a:xfrm>
-            <a:off x="-2144" y="13560"/>
+            <a:off x="428596" y="0"/>
             <a:ext cx="4618856" cy="706090"/>
           </a:xfrm>
         </p:spPr>
@@ -9048,14 +8107,14 @@
           <a:lstStyle/>
           <a:p>
             <a:r>
-              <a:rPr lang="es-CL" sz="2800" dirty="0" smtClean="0">
+              <a:rPr lang="es-CL" sz="3200" dirty="0" smtClean="0">
                 <a:solidFill>
                   <a:schemeClr val="bg2">
                     <a:lumMod val="50000"/>
                   </a:schemeClr>
                 </a:solidFill>
-                <a:latin typeface="Aharoni" pitchFamily="2" charset="-79"/>
-                <a:cs typeface="Aharoni" pitchFamily="2" charset="-79"/>
+                <a:latin typeface="Arial" pitchFamily="34" charset="0"/>
+                <a:cs typeface="Arial" pitchFamily="34" charset="0"/>
               </a:rPr>
               <a:t>Nuestra empresa </a:t>
             </a:r>
@@ -9109,6 +8168,30 @@
           <a:ln>
             <a:noFill/>
           </a:ln>
+        </p:spPr>
+      </p:pic>
+      <p:pic>
+        <p:nvPicPr>
+          <p:cNvPr id="7" name="6 Imagen" descr="logo_exfida.png"/>
+          <p:cNvPicPr>
+            <a:picLocks noChangeAspect="1"/>
+          </p:cNvPicPr>
+          <p:nvPr/>
+        </p:nvPicPr>
+        <p:blipFill>
+          <a:blip r:embed="rId4"/>
+          <a:stretch>
+            <a:fillRect/>
+          </a:stretch>
+        </p:blipFill>
+        <p:spPr>
+          <a:xfrm>
+            <a:off x="6572264" y="6072206"/>
+            <a:ext cx="2286015" cy="576253"/>
+          </a:xfrm>
+          <a:prstGeom prst="rect">
+            <a:avLst/>
+          </a:prstGeom>
         </p:spPr>
       </p:pic>
     </p:spTree>
@@ -9146,74 +8229,6 @@
           <a:chExt cx="0" cy="0"/>
         </a:xfrm>
       </p:grpSpPr>
-      <p:sp>
-        <p:nvSpPr>
-          <p:cNvPr id="10" name="9 Rectángulo redondeado"/>
-          <p:cNvSpPr/>
-          <p:nvPr/>
-        </p:nvSpPr>
-        <p:spPr>
-          <a:xfrm>
-            <a:off x="251519" y="260648"/>
-            <a:ext cx="8606759" cy="5256584"/>
-          </a:xfrm>
-          <a:prstGeom prst="roundRect">
-            <a:avLst/>
-          </a:prstGeom>
-          <a:gradFill flip="none" rotWithShape="1">
-            <a:gsLst>
-              <a:gs pos="33000">
-                <a:schemeClr val="accent1">
-                  <a:tint val="66000"/>
-                  <a:satMod val="160000"/>
-                </a:schemeClr>
-              </a:gs>
-              <a:gs pos="51000">
-                <a:schemeClr val="accent1">
-                  <a:tint val="44500"/>
-                  <a:satMod val="160000"/>
-                  <a:alpha val="0"/>
-                </a:schemeClr>
-              </a:gs>
-              <a:gs pos="100000">
-                <a:schemeClr val="accent1">
-                  <a:tint val="23500"/>
-                  <a:satMod val="160000"/>
-                </a:schemeClr>
-              </a:gs>
-            </a:gsLst>
-            <a:lin ang="16200000" scaled="1"/>
-            <a:tileRect/>
-          </a:gradFill>
-          <a:ln>
-            <a:noFill/>
-          </a:ln>
-        </p:spPr>
-        <p:style>
-          <a:lnRef idx="2">
-            <a:schemeClr val="accent1">
-              <a:shade val="50000"/>
-            </a:schemeClr>
-          </a:lnRef>
-          <a:fillRef idx="1">
-            <a:schemeClr val="accent1"/>
-          </a:fillRef>
-          <a:effectRef idx="0">
-            <a:schemeClr val="accent1"/>
-          </a:effectRef>
-          <a:fontRef idx="minor">
-            <a:schemeClr val="lt1"/>
-          </a:fontRef>
-        </p:style>
-        <p:txBody>
-          <a:bodyPr rtlCol="0" anchor="ctr"/>
-          <a:lstStyle/>
-          <a:p>
-            <a:pPr algn="ctr"/>
-            <a:endParaRPr lang="es-CL"/>
-          </a:p>
-        </p:txBody>
-      </p:sp>
       <p:pic>
         <p:nvPicPr>
           <p:cNvPr id="7" name="6 Imagen" descr="logo_exfida.png"/>
@@ -9250,8 +8265,8 @@
         </p:nvSpPr>
         <p:spPr>
           <a:xfrm>
-            <a:off x="269" y="0"/>
-            <a:ext cx="2703244" cy="637200"/>
+            <a:off x="428595" y="0"/>
+            <a:ext cx="3286149" cy="637200"/>
           </a:xfrm>
         </p:spPr>
         <p:txBody>
@@ -9264,7 +8279,7 @@
               <a:buNone/>
             </a:pPr>
             <a:r>
-              <a:rPr lang="es-CL" sz="2800" b="1" dirty="0">
+              <a:rPr lang="es-CL" sz="3200" b="1" dirty="0">
                 <a:solidFill>
                   <a:schemeClr val="bg2">
                     <a:lumMod val="50000"/>
@@ -9277,14 +8292,14 @@
                     </a:srgbClr>
                   </a:outerShdw>
                 </a:effectLst>
-                <a:latin typeface="Aharoni" pitchFamily="2" charset="-79"/>
+                <a:latin typeface="Arial" pitchFamily="34" charset="0"/>
                 <a:ea typeface="+mj-ea"/>
-                <a:cs typeface="Aharoni" pitchFamily="2" charset="-79"/>
+                <a:cs typeface="Arial" pitchFamily="34" charset="0"/>
               </a:rPr>
               <a:t>Reportes </a:t>
             </a:r>
             <a:r>
-              <a:rPr lang="es-CL" sz="2800" b="1" dirty="0">
+              <a:rPr lang="es-CL" sz="3200" b="1" dirty="0">
                 <a:solidFill>
                   <a:schemeClr val="bg2">
                     <a:lumMod val="25000"/>
@@ -9297,14 +8312,14 @@
                     </a:srgbClr>
                   </a:outerShdw>
                 </a:effectLst>
-                <a:latin typeface="Aharoni" pitchFamily="2" charset="-79"/>
+                <a:latin typeface="Arial" pitchFamily="34" charset="0"/>
                 <a:ea typeface="+mj-ea"/>
-                <a:cs typeface="Aharoni" pitchFamily="2" charset="-79"/>
+                <a:cs typeface="Arial" pitchFamily="34" charset="0"/>
               </a:rPr>
               <a:t>&gt;</a:t>
             </a:r>
             <a:r>
-              <a:rPr lang="es-CL" sz="2800" b="1" dirty="0">
+              <a:rPr lang="es-CL" sz="3200" b="1" dirty="0">
                 <a:solidFill>
                   <a:schemeClr val="bg2">
                     <a:lumMod val="50000"/>
@@ -9317,14 +8332,14 @@
                     </a:srgbClr>
                   </a:outerShdw>
                 </a:effectLst>
-                <a:latin typeface="Aharoni" pitchFamily="2" charset="-79"/>
+                <a:latin typeface="Arial" pitchFamily="34" charset="0"/>
                 <a:ea typeface="+mj-ea"/>
-                <a:cs typeface="Aharoni" pitchFamily="2" charset="-79"/>
+                <a:cs typeface="Arial" pitchFamily="34" charset="0"/>
               </a:rPr>
               <a:t/>
             </a:r>
             <a:br>
-              <a:rPr lang="es-CL" sz="2800" b="1" dirty="0">
+              <a:rPr lang="es-CL" sz="3200" b="1" dirty="0">
                 <a:solidFill>
                   <a:schemeClr val="bg2">
                     <a:lumMod val="50000"/>
@@ -9337,9 +8352,9 @@
                     </a:srgbClr>
                   </a:outerShdw>
                 </a:effectLst>
-                <a:latin typeface="Aharoni" pitchFamily="2" charset="-79"/>
+                <a:latin typeface="Arial" pitchFamily="34" charset="0"/>
                 <a:ea typeface="+mj-ea"/>
-                <a:cs typeface="Aharoni" pitchFamily="2" charset="-79"/>
+                <a:cs typeface="Arial" pitchFamily="34" charset="0"/>
               </a:rPr>
             </a:br>
             <a:r>
@@ -9482,56 +8497,20 @@
                     <a:lumMod val="75000"/>
                   </a:schemeClr>
                 </a:solidFill>
-                <a:latin typeface="Times New Roman" pitchFamily="18" charset="0"/>
-                <a:cs typeface="Times New Roman" pitchFamily="18" charset="0"/>
-              </a:rPr>
-              <a:t>EXFIDA </a:t>
-            </a:r>
-            <a:r>
+                <a:latin typeface="Calibri" pitchFamily="34" charset="0"/>
+                <a:cs typeface="Calibri" pitchFamily="34" charset="0"/>
+              </a:rPr>
+              <a:t>EXFIDA provee reportes de su información de revelaciones para evitar impresiones innecesarias.</a:t>
+            </a:r>
+            <a:br>
               <a:rPr lang="es-CL" sz="2300" dirty="0">
                 <a:solidFill>
                   <a:schemeClr val="accent4">
                     <a:lumMod val="75000"/>
                   </a:schemeClr>
                 </a:solidFill>
-                <a:latin typeface="Times New Roman" pitchFamily="18" charset="0"/>
-                <a:cs typeface="Times New Roman" pitchFamily="18" charset="0"/>
-              </a:rPr>
-              <a:t>provee reportes de su información de </a:t>
-            </a:r>
-            <a:r>
-              <a:rPr lang="es-CL" sz="2300" dirty="0">
-                <a:solidFill>
-                  <a:schemeClr val="accent4">
-                    <a:lumMod val="75000"/>
-                  </a:schemeClr>
-                </a:solidFill>
-                <a:latin typeface="Times New Roman" pitchFamily="18" charset="0"/>
-                <a:cs typeface="Times New Roman" pitchFamily="18" charset="0"/>
-              </a:rPr>
-              <a:t>revelaciones </a:t>
-            </a:r>
-            <a:r>
-              <a:rPr lang="es-CL" sz="2300" dirty="0">
-                <a:solidFill>
-                  <a:schemeClr val="accent4">
-                    <a:lumMod val="75000"/>
-                  </a:schemeClr>
-                </a:solidFill>
-                <a:latin typeface="Times New Roman" pitchFamily="18" charset="0"/>
-                <a:cs typeface="Times New Roman" pitchFamily="18" charset="0"/>
-              </a:rPr>
-              <a:t>para evitar impresiones innecesarias.</a:t>
-            </a:r>
-            <a:br>
-              <a:rPr lang="es-CL" sz="2300" dirty="0">
-                <a:solidFill>
-                  <a:schemeClr val="accent4">
-                    <a:lumMod val="75000"/>
-                  </a:schemeClr>
-                </a:solidFill>
-                <a:latin typeface="Times New Roman" pitchFamily="18" charset="0"/>
-                <a:cs typeface="Times New Roman" pitchFamily="18" charset="0"/>
+                <a:latin typeface="Calibri" pitchFamily="34" charset="0"/>
+                <a:cs typeface="Calibri" pitchFamily="34" charset="0"/>
               </a:rPr>
             </a:br>
             <a:endParaRPr lang="es-CL" sz="2300" dirty="0">
@@ -9540,8 +8519,8 @@
                   <a:lumMod val="75000"/>
                 </a:schemeClr>
               </a:solidFill>
-              <a:latin typeface="Times New Roman" pitchFamily="18" charset="0"/>
-              <a:cs typeface="Times New Roman" pitchFamily="18" charset="0"/>
+              <a:latin typeface="Calibri" pitchFamily="34" charset="0"/>
+              <a:cs typeface="Calibri" pitchFamily="34" charset="0"/>
             </a:endParaRPr>
           </a:p>
           <a:p>
@@ -9563,8 +8542,8 @@
                     <a:lumMod val="75000"/>
                   </a:schemeClr>
                 </a:solidFill>
-                <a:latin typeface="Times New Roman" pitchFamily="18" charset="0"/>
-                <a:cs typeface="Times New Roman" pitchFamily="18" charset="0"/>
+                <a:latin typeface="Calibri" pitchFamily="34" charset="0"/>
+                <a:cs typeface="Calibri" pitchFamily="34" charset="0"/>
               </a:rPr>
               <a:t>Consolidado de Revelaciones en MS Word.</a:t>
             </a:r>
@@ -9588,8 +8567,8 @@
                     <a:lumMod val="75000"/>
                   </a:schemeClr>
                 </a:solidFill>
-                <a:latin typeface="Times New Roman" pitchFamily="18" charset="0"/>
-                <a:cs typeface="Times New Roman" pitchFamily="18" charset="0"/>
+                <a:latin typeface="Calibri" pitchFamily="34" charset="0"/>
+                <a:cs typeface="Calibri" pitchFamily="34" charset="0"/>
               </a:rPr>
               <a:t>Revelaciones en Formato MS Excel.</a:t>
             </a:r>
@@ -9661,74 +8640,6 @@
       </p:grpSpPr>
       <p:sp>
         <p:nvSpPr>
-          <p:cNvPr id="8" name="7 Rectángulo redondeado"/>
-          <p:cNvSpPr/>
-          <p:nvPr/>
-        </p:nvSpPr>
-        <p:spPr>
-          <a:xfrm>
-            <a:off x="251519" y="332656"/>
-            <a:ext cx="8606759" cy="5400600"/>
-          </a:xfrm>
-          <a:prstGeom prst="roundRect">
-            <a:avLst/>
-          </a:prstGeom>
-          <a:gradFill flip="none" rotWithShape="1">
-            <a:gsLst>
-              <a:gs pos="33000">
-                <a:schemeClr val="accent1">
-                  <a:tint val="66000"/>
-                  <a:satMod val="160000"/>
-                </a:schemeClr>
-              </a:gs>
-              <a:gs pos="51000">
-                <a:schemeClr val="accent1">
-                  <a:tint val="44500"/>
-                  <a:satMod val="160000"/>
-                  <a:alpha val="0"/>
-                </a:schemeClr>
-              </a:gs>
-              <a:gs pos="100000">
-                <a:schemeClr val="accent1">
-                  <a:tint val="23500"/>
-                  <a:satMod val="160000"/>
-                </a:schemeClr>
-              </a:gs>
-            </a:gsLst>
-            <a:lin ang="16200000" scaled="1"/>
-            <a:tileRect/>
-          </a:gradFill>
-          <a:ln>
-            <a:noFill/>
-          </a:ln>
-        </p:spPr>
-        <p:style>
-          <a:lnRef idx="2">
-            <a:schemeClr val="accent1">
-              <a:shade val="50000"/>
-            </a:schemeClr>
-          </a:lnRef>
-          <a:fillRef idx="1">
-            <a:schemeClr val="accent1"/>
-          </a:fillRef>
-          <a:effectRef idx="0">
-            <a:schemeClr val="accent1"/>
-          </a:effectRef>
-          <a:fontRef idx="minor">
-            <a:schemeClr val="lt1"/>
-          </a:fontRef>
-        </p:style>
-        <p:txBody>
-          <a:bodyPr rtlCol="0" anchor="ctr"/>
-          <a:lstStyle/>
-          <a:p>
-            <a:pPr algn="ctr"/>
-            <a:endParaRPr lang="es-CL"/>
-          </a:p>
-        </p:txBody>
-      </p:sp>
-      <p:sp>
-        <p:nvSpPr>
           <p:cNvPr id="2" name="1 Marcador de contenido"/>
           <p:cNvSpPr>
             <a:spLocks noGrp="1"/>
@@ -9739,8 +8650,8 @@
         </p:nvSpPr>
         <p:spPr>
           <a:xfrm>
-            <a:off x="-1" y="14054"/>
-            <a:ext cx="7884369" cy="966673"/>
+            <a:off x="428596" y="14054"/>
+            <a:ext cx="7455772" cy="966673"/>
           </a:xfrm>
         </p:spPr>
         <p:txBody>
@@ -9769,9 +8680,9 @@
                     </a:srgbClr>
                   </a:outerShdw>
                 </a:effectLst>
-                <a:latin typeface="Aharoni" pitchFamily="2" charset="-79"/>
+                <a:latin typeface="Arial" pitchFamily="34" charset="0"/>
                 <a:ea typeface="+mj-ea"/>
-                <a:cs typeface="Aharoni" pitchFamily="2" charset="-79"/>
+                <a:cs typeface="Arial" pitchFamily="34" charset="0"/>
               </a:rPr>
               <a:t>Reportes </a:t>
             </a:r>
@@ -9789,9 +8700,9 @@
                     </a:srgbClr>
                   </a:outerShdw>
                 </a:effectLst>
-                <a:latin typeface="Aharoni" pitchFamily="2" charset="-79"/>
+                <a:latin typeface="Arial" pitchFamily="34" charset="0"/>
                 <a:ea typeface="+mj-ea"/>
-                <a:cs typeface="Aharoni" pitchFamily="2" charset="-79"/>
+                <a:cs typeface="Arial" pitchFamily="34" charset="0"/>
               </a:rPr>
               <a:t>&gt;</a:t>
             </a:r>
@@ -9809,9 +8720,9 @@
                     </a:srgbClr>
                   </a:outerShdw>
                 </a:effectLst>
-                <a:latin typeface="Aharoni" pitchFamily="2" charset="-79"/>
+                <a:latin typeface="Arial" pitchFamily="34" charset="0"/>
                 <a:ea typeface="+mj-ea"/>
-                <a:cs typeface="Aharoni" pitchFamily="2" charset="-79"/>
+                <a:cs typeface="Arial" pitchFamily="34" charset="0"/>
               </a:rPr>
               <a:t> Consolidado de Revelaciones</a:t>
             </a:r>
@@ -9829,9 +8740,9 @@
                     </a:srgbClr>
                   </a:outerShdw>
                 </a:effectLst>
-                <a:latin typeface="Aharoni" pitchFamily="2" charset="-79"/>
+                <a:latin typeface="Arial" pitchFamily="34" charset="0"/>
                 <a:ea typeface="+mj-ea"/>
-                <a:cs typeface="Aharoni" pitchFamily="2" charset="-79"/>
+                <a:cs typeface="Arial" pitchFamily="34" charset="0"/>
               </a:rPr>
             </a:br>
             <a:r>
@@ -9848,9 +8759,9 @@
                     </a:srgbClr>
                   </a:outerShdw>
                 </a:effectLst>
-                <a:latin typeface="Aharoni" pitchFamily="2" charset="-79"/>
+                <a:latin typeface="Arial" pitchFamily="34" charset="0"/>
                 <a:ea typeface="+mj-ea"/>
-                <a:cs typeface="Aharoni" pitchFamily="2" charset="-79"/>
+                <a:cs typeface="Arial" pitchFamily="34" charset="0"/>
               </a:rPr>
               <a:t>en MS Word para impresión de FECU</a:t>
             </a:r>
@@ -9868,9 +8779,9 @@
                     </a:srgbClr>
                   </a:outerShdw>
                 </a:effectLst>
-                <a:latin typeface="Aharoni" pitchFamily="2" charset="-79"/>
+                <a:latin typeface="Arial" pitchFamily="34" charset="0"/>
                 <a:ea typeface="+mj-ea"/>
-                <a:cs typeface="Aharoni" pitchFamily="2" charset="-79"/>
+                <a:cs typeface="Arial" pitchFamily="34" charset="0"/>
               </a:rPr>
               <a:t>. </a:t>
             </a:r>
@@ -9888,9 +8799,9 @@
                     </a:srgbClr>
                   </a:outerShdw>
                 </a:effectLst>
-                <a:latin typeface="Aharoni" pitchFamily="2" charset="-79"/>
+                <a:latin typeface="Arial" pitchFamily="34" charset="0"/>
                 <a:ea typeface="+mj-ea"/>
-                <a:cs typeface="Aharoni" pitchFamily="2" charset="-79"/>
+                <a:cs typeface="Arial" pitchFamily="34" charset="0"/>
               </a:rPr>
               <a:t>&gt;</a:t>
             </a:r>
@@ -9907,9 +8818,9 @@
                   </a:srgbClr>
                 </a:outerShdw>
               </a:effectLst>
-              <a:latin typeface="Aharoni" pitchFamily="2" charset="-79"/>
+              <a:latin typeface="Arial" pitchFamily="34" charset="0"/>
               <a:ea typeface="+mj-ea"/>
-              <a:cs typeface="Aharoni" pitchFamily="2" charset="-79"/>
+              <a:cs typeface="Arial" pitchFamily="34" charset="0"/>
             </a:endParaRPr>
           </a:p>
         </p:txBody>
@@ -10052,74 +8963,6 @@
       </p:grpSpPr>
       <p:sp>
         <p:nvSpPr>
-          <p:cNvPr id="8" name="7 Rectángulo redondeado"/>
-          <p:cNvSpPr/>
-          <p:nvPr/>
-        </p:nvSpPr>
-        <p:spPr>
-          <a:xfrm>
-            <a:off x="323527" y="332656"/>
-            <a:ext cx="8534751" cy="5400600"/>
-          </a:xfrm>
-          <a:prstGeom prst="roundRect">
-            <a:avLst/>
-          </a:prstGeom>
-          <a:gradFill flip="none" rotWithShape="1">
-            <a:gsLst>
-              <a:gs pos="33000">
-                <a:schemeClr val="accent1">
-                  <a:tint val="66000"/>
-                  <a:satMod val="160000"/>
-                </a:schemeClr>
-              </a:gs>
-              <a:gs pos="51000">
-                <a:schemeClr val="accent1">
-                  <a:tint val="44500"/>
-                  <a:satMod val="160000"/>
-                  <a:alpha val="0"/>
-                </a:schemeClr>
-              </a:gs>
-              <a:gs pos="100000">
-                <a:schemeClr val="accent1">
-                  <a:tint val="23500"/>
-                  <a:satMod val="160000"/>
-                </a:schemeClr>
-              </a:gs>
-            </a:gsLst>
-            <a:lin ang="16200000" scaled="1"/>
-            <a:tileRect/>
-          </a:gradFill>
-          <a:ln>
-            <a:noFill/>
-          </a:ln>
-        </p:spPr>
-        <p:style>
-          <a:lnRef idx="2">
-            <a:schemeClr val="accent1">
-              <a:shade val="50000"/>
-            </a:schemeClr>
-          </a:lnRef>
-          <a:fillRef idx="1">
-            <a:schemeClr val="accent1"/>
-          </a:fillRef>
-          <a:effectRef idx="0">
-            <a:schemeClr val="accent1"/>
-          </a:effectRef>
-          <a:fontRef idx="minor">
-            <a:schemeClr val="lt1"/>
-          </a:fontRef>
-        </p:style>
-        <p:txBody>
-          <a:bodyPr rtlCol="0" anchor="ctr"/>
-          <a:lstStyle/>
-          <a:p>
-            <a:pPr algn="ctr"/>
-            <a:endParaRPr lang="es-CL"/>
-          </a:p>
-        </p:txBody>
-      </p:sp>
-      <p:sp>
-        <p:nvSpPr>
           <p:cNvPr id="2" name="1 Marcador de contenido"/>
           <p:cNvSpPr>
             <a:spLocks noGrp="1"/>
@@ -10130,8 +8973,8 @@
         </p:nvSpPr>
         <p:spPr>
           <a:xfrm>
-            <a:off x="-2702" y="2769"/>
-            <a:ext cx="8229600" cy="637200"/>
+            <a:off x="500034" y="2769"/>
+            <a:ext cx="7726864" cy="637200"/>
           </a:xfrm>
         </p:spPr>
         <p:txBody>
@@ -10147,7 +8990,7 @@
               <a:buNone/>
             </a:pPr>
             <a:r>
-              <a:rPr lang="es-CL" sz="2800" b="1" dirty="0" smtClean="0">
+              <a:rPr lang="es-CL" sz="3200" b="1" dirty="0" smtClean="0">
                 <a:solidFill>
                   <a:schemeClr val="bg2">
                     <a:lumMod val="50000"/>
@@ -10160,14 +9003,14 @@
                     </a:srgbClr>
                   </a:outerShdw>
                 </a:effectLst>
-                <a:latin typeface="Aharoni" pitchFamily="2" charset="-79"/>
+                <a:latin typeface="Arial" pitchFamily="34" charset="0"/>
                 <a:ea typeface="+mj-ea"/>
-                <a:cs typeface="Aharoni" pitchFamily="2" charset="-79"/>
+                <a:cs typeface="Arial" pitchFamily="34" charset="0"/>
               </a:rPr>
               <a:t>Reportes </a:t>
             </a:r>
             <a:r>
-              <a:rPr lang="es-CL" sz="2800" b="1" dirty="0" smtClean="0">
+              <a:rPr lang="es-CL" sz="3200" b="1" dirty="0" smtClean="0">
                 <a:solidFill>
                   <a:schemeClr val="bg2">
                     <a:lumMod val="25000"/>
@@ -10180,14 +9023,14 @@
                     </a:srgbClr>
                   </a:outerShdw>
                 </a:effectLst>
-                <a:latin typeface="Aharoni" pitchFamily="2" charset="-79"/>
+                <a:latin typeface="Arial" pitchFamily="34" charset="0"/>
                 <a:ea typeface="+mj-ea"/>
-                <a:cs typeface="Aharoni" pitchFamily="2" charset="-79"/>
+                <a:cs typeface="Arial" pitchFamily="34" charset="0"/>
               </a:rPr>
               <a:t>&gt;</a:t>
             </a:r>
             <a:r>
-              <a:rPr lang="es-CL" sz="2800" b="1" dirty="0" smtClean="0">
+              <a:rPr lang="es-CL" sz="3200" b="1" dirty="0" smtClean="0">
                 <a:solidFill>
                   <a:schemeClr val="bg2">
                     <a:lumMod val="50000"/>
@@ -10200,14 +9043,14 @@
                     </a:srgbClr>
                   </a:outerShdw>
                 </a:effectLst>
-                <a:latin typeface="Aharoni" pitchFamily="2" charset="-79"/>
+                <a:latin typeface="Arial" pitchFamily="34" charset="0"/>
                 <a:ea typeface="+mj-ea"/>
-                <a:cs typeface="Aharoni" pitchFamily="2" charset="-79"/>
+                <a:cs typeface="Arial" pitchFamily="34" charset="0"/>
               </a:rPr>
               <a:t> RF en Formato MS Excel </a:t>
             </a:r>
             <a:r>
-              <a:rPr lang="es-CL" sz="2800" b="1" dirty="0" smtClean="0">
+              <a:rPr lang="es-CL" sz="3200" b="1" dirty="0" smtClean="0">
                 <a:solidFill>
                   <a:schemeClr val="bg2">
                     <a:lumMod val="25000"/>
@@ -10220,13 +9063,13 @@
                     </a:srgbClr>
                   </a:outerShdw>
                 </a:effectLst>
-                <a:latin typeface="Aharoni" pitchFamily="2" charset="-79"/>
+                <a:latin typeface="Arial" pitchFamily="34" charset="0"/>
                 <a:ea typeface="+mj-ea"/>
-                <a:cs typeface="Aharoni" pitchFamily="2" charset="-79"/>
+                <a:cs typeface="Arial" pitchFamily="34" charset="0"/>
               </a:rPr>
               <a:t>&gt;</a:t>
             </a:r>
-            <a:endParaRPr lang="es-CL" sz="2800" b="1" dirty="0">
+            <a:endParaRPr lang="es-CL" sz="3200" b="1" dirty="0">
               <a:solidFill>
                 <a:schemeClr val="bg2">
                   <a:lumMod val="25000"/>
@@ -10239,9 +9082,9 @@
                   </a:srgbClr>
                 </a:outerShdw>
               </a:effectLst>
-              <a:latin typeface="Aharoni" pitchFamily="2" charset="-79"/>
+              <a:latin typeface="Arial" pitchFamily="34" charset="0"/>
               <a:ea typeface="+mj-ea"/>
-              <a:cs typeface="Aharoni" pitchFamily="2" charset="-79"/>
+              <a:cs typeface="Arial" pitchFamily="34" charset="0"/>
             </a:endParaRPr>
           </a:p>
         </p:txBody>
@@ -10384,74 +9227,6 @@
       </p:grpSpPr>
       <p:sp>
         <p:nvSpPr>
-          <p:cNvPr id="9" name="8 Rectángulo redondeado"/>
-          <p:cNvSpPr/>
-          <p:nvPr/>
-        </p:nvSpPr>
-        <p:spPr>
-          <a:xfrm>
-            <a:off x="251519" y="260648"/>
-            <a:ext cx="8606759" cy="5256584"/>
-          </a:xfrm>
-          <a:prstGeom prst="roundRect">
-            <a:avLst/>
-          </a:prstGeom>
-          <a:gradFill flip="none" rotWithShape="1">
-            <a:gsLst>
-              <a:gs pos="33000">
-                <a:schemeClr val="accent1">
-                  <a:tint val="66000"/>
-                  <a:satMod val="160000"/>
-                </a:schemeClr>
-              </a:gs>
-              <a:gs pos="51000">
-                <a:schemeClr val="accent1">
-                  <a:tint val="44500"/>
-                  <a:satMod val="160000"/>
-                  <a:alpha val="0"/>
-                </a:schemeClr>
-              </a:gs>
-              <a:gs pos="100000">
-                <a:schemeClr val="accent1">
-                  <a:tint val="23500"/>
-                  <a:satMod val="160000"/>
-                </a:schemeClr>
-              </a:gs>
-            </a:gsLst>
-            <a:lin ang="16200000" scaled="1"/>
-            <a:tileRect/>
-          </a:gradFill>
-          <a:ln>
-            <a:noFill/>
-          </a:ln>
-        </p:spPr>
-        <p:style>
-          <a:lnRef idx="2">
-            <a:schemeClr val="accent1">
-              <a:shade val="50000"/>
-            </a:schemeClr>
-          </a:lnRef>
-          <a:fillRef idx="1">
-            <a:schemeClr val="accent1"/>
-          </a:fillRef>
-          <a:effectRef idx="0">
-            <a:schemeClr val="accent1"/>
-          </a:effectRef>
-          <a:fontRef idx="minor">
-            <a:schemeClr val="lt1"/>
-          </a:fontRef>
-        </p:style>
-        <p:txBody>
-          <a:bodyPr rtlCol="0" anchor="ctr"/>
-          <a:lstStyle/>
-          <a:p>
-            <a:pPr algn="ctr"/>
-            <a:endParaRPr lang="es-CL"/>
-          </a:p>
-        </p:txBody>
-      </p:sp>
-      <p:sp>
-        <p:nvSpPr>
           <p:cNvPr id="2" name="1 Marcador de contenido"/>
           <p:cNvSpPr>
             <a:spLocks noGrp="1"/>
@@ -10462,8 +9237,8 @@
         </p:nvSpPr>
         <p:spPr>
           <a:xfrm>
-            <a:off x="0" y="0"/>
-            <a:ext cx="8229600" cy="637200"/>
+            <a:off x="428596" y="29028"/>
+            <a:ext cx="7801004" cy="637200"/>
           </a:xfrm>
         </p:spPr>
         <p:txBody>
@@ -10476,7 +9251,7 @@
               <a:buNone/>
             </a:pPr>
             <a:r>
-              <a:rPr lang="es-CL" sz="2800" b="1" dirty="0">
+              <a:rPr lang="es-CL" sz="3200" b="1" dirty="0">
                 <a:solidFill>
                   <a:schemeClr val="bg2">
                     <a:lumMod val="50000"/>
@@ -10489,9 +9264,9 @@
                     </a:srgbClr>
                   </a:outerShdw>
                 </a:effectLst>
-                <a:latin typeface="Aharoni" pitchFamily="2" charset="-79"/>
+                <a:latin typeface="Arial" pitchFamily="34" charset="0"/>
                 <a:ea typeface="+mj-ea"/>
-                <a:cs typeface="Aharoni" pitchFamily="2" charset="-79"/>
+                <a:cs typeface="Arial" pitchFamily="34" charset="0"/>
               </a:rPr>
               <a:t>Seguridad </a:t>
             </a:r>
@@ -10652,8 +9427,8 @@
                     <a:lumMod val="75000"/>
                   </a:schemeClr>
                 </a:solidFill>
-                <a:latin typeface="Times New Roman" pitchFamily="18" charset="0"/>
-                <a:cs typeface="Times New Roman" pitchFamily="18" charset="0"/>
+                <a:latin typeface="Calibri" pitchFamily="34" charset="0"/>
+                <a:cs typeface="Calibri" pitchFamily="34" charset="0"/>
               </a:rPr>
               <a:t>Administre sus Usuarios, Grupos y Empresas.</a:t>
             </a:r>
@@ -10677,8 +9452,8 @@
                     <a:lumMod val="75000"/>
                   </a:schemeClr>
                 </a:solidFill>
-                <a:latin typeface="Times New Roman" pitchFamily="18" charset="0"/>
-                <a:cs typeface="Times New Roman" pitchFamily="18" charset="0"/>
+                <a:latin typeface="Calibri" pitchFamily="34" charset="0"/>
+                <a:cs typeface="Calibri" pitchFamily="34" charset="0"/>
               </a:rPr>
               <a:t>Permita accesos y bloqueo de sistema.</a:t>
             </a:r>
@@ -10847,74 +9622,6 @@
           <a:noFill/>
         </p:spPr>
       </p:pic>
-      <p:sp>
-        <p:nvSpPr>
-          <p:cNvPr id="16" name="15 Rectángulo redondeado"/>
-          <p:cNvSpPr/>
-          <p:nvPr/>
-        </p:nvSpPr>
-        <p:spPr>
-          <a:xfrm>
-            <a:off x="251519" y="260648"/>
-            <a:ext cx="8606759" cy="5256584"/>
-          </a:xfrm>
-          <a:prstGeom prst="roundRect">
-            <a:avLst/>
-          </a:prstGeom>
-          <a:gradFill flip="none" rotWithShape="1">
-            <a:gsLst>
-              <a:gs pos="33000">
-                <a:schemeClr val="accent1">
-                  <a:tint val="66000"/>
-                  <a:satMod val="160000"/>
-                </a:schemeClr>
-              </a:gs>
-              <a:gs pos="51000">
-                <a:schemeClr val="accent1">
-                  <a:tint val="44500"/>
-                  <a:satMod val="160000"/>
-                  <a:alpha val="0"/>
-                </a:schemeClr>
-              </a:gs>
-              <a:gs pos="100000">
-                <a:schemeClr val="accent1">
-                  <a:tint val="23500"/>
-                  <a:satMod val="160000"/>
-                </a:schemeClr>
-              </a:gs>
-            </a:gsLst>
-            <a:lin ang="16200000" scaled="1"/>
-            <a:tileRect/>
-          </a:gradFill>
-          <a:ln>
-            <a:noFill/>
-          </a:ln>
-        </p:spPr>
-        <p:style>
-          <a:lnRef idx="2">
-            <a:schemeClr val="accent1">
-              <a:shade val="50000"/>
-            </a:schemeClr>
-          </a:lnRef>
-          <a:fillRef idx="1">
-            <a:schemeClr val="accent1"/>
-          </a:fillRef>
-          <a:effectRef idx="0">
-            <a:schemeClr val="accent1"/>
-          </a:effectRef>
-          <a:fontRef idx="minor">
-            <a:schemeClr val="lt1"/>
-          </a:fontRef>
-        </p:style>
-        <p:txBody>
-          <a:bodyPr rtlCol="0" anchor="ctr"/>
-          <a:lstStyle/>
-          <a:p>
-            <a:pPr algn="ctr"/>
-            <a:endParaRPr lang="es-CL"/>
-          </a:p>
-        </p:txBody>
-      </p:sp>
       <p:pic>
         <p:nvPicPr>
           <p:cNvPr id="13" name="12 Imagen" descr="logo_exfida.png"/>
@@ -11154,7 +9861,7 @@
           <a:noFill/>
           <a:extLst>
             <a:ext uri="{909E8E84-426E-40DD-AFC4-6F175D3DCCD1}">
-              <a14:hiddenFill xmlns:a14="http://schemas.microsoft.com/office/drawing/2010/main">
+              <a14:hiddenFill xmlns="" xmlns:a14="http://schemas.microsoft.com/office/drawing/2010/main">
                 <a:solidFill>
                   <a:srgbClr val="FFFFFF"/>
                 </a:solidFill>
@@ -11186,7 +9893,7 @@
           <a:blip r:embed="rId8">
             <a:extLst>
               <a:ext uri="{28A0092B-C50C-407E-A947-70E740481C1C}">
-                <a14:useLocalDpi xmlns:a14="http://schemas.microsoft.com/office/drawing/2010/main" val="0"/>
+                <a14:useLocalDpi xmlns="" xmlns:a14="http://schemas.microsoft.com/office/drawing/2010/main" val="0"/>
               </a:ext>
             </a:extLst>
           </a:blip>
@@ -11242,8 +9949,8 @@
         </p:nvSpPr>
         <p:spPr>
           <a:xfrm>
-            <a:off x="4432" y="14552"/>
-            <a:ext cx="8229600" cy="637200"/>
+            <a:off x="500034" y="14552"/>
+            <a:ext cx="7733998" cy="637200"/>
           </a:xfrm>
         </p:spPr>
         <p:txBody>
@@ -11256,7 +9963,7 @@
               <a:buNone/>
             </a:pPr>
             <a:r>
-              <a:rPr lang="es-CL" sz="2800" b="1" dirty="0">
+              <a:rPr lang="es-CL" sz="3200" b="1" dirty="0">
                 <a:solidFill>
                   <a:schemeClr val="bg2">
                     <a:lumMod val="50000"/>
@@ -11269,14 +9976,14 @@
                     </a:srgbClr>
                   </a:outerShdw>
                 </a:effectLst>
-                <a:latin typeface="Aharoni" pitchFamily="2" charset="-79"/>
+                <a:latin typeface="Arial" pitchFamily="34" charset="0"/>
                 <a:ea typeface="+mj-ea"/>
-                <a:cs typeface="Aharoni" pitchFamily="2" charset="-79"/>
+                <a:cs typeface="Arial" pitchFamily="34" charset="0"/>
               </a:rPr>
               <a:t>Trabajemos juntos </a:t>
             </a:r>
             <a:r>
-              <a:rPr lang="es-CL" sz="2800" b="1" dirty="0">
+              <a:rPr lang="es-CL" sz="3200" b="1" dirty="0">
                 <a:solidFill>
                   <a:schemeClr val="bg2">
                     <a:lumMod val="25000"/>
@@ -11289,14 +9996,14 @@
                     </a:srgbClr>
                   </a:outerShdw>
                 </a:effectLst>
-                <a:latin typeface="Aharoni" pitchFamily="2" charset="-79"/>
+                <a:latin typeface="Arial" pitchFamily="34" charset="0"/>
                 <a:ea typeface="+mj-ea"/>
-                <a:cs typeface="Aharoni" pitchFamily="2" charset="-79"/>
+                <a:cs typeface="Arial" pitchFamily="34" charset="0"/>
               </a:rPr>
               <a:t>&gt;</a:t>
             </a:r>
             <a:r>
-              <a:rPr lang="es-CL" sz="2800" b="1" dirty="0">
+              <a:rPr lang="es-CL" sz="3200" b="1" dirty="0">
                 <a:solidFill>
                   <a:schemeClr val="bg2">
                     <a:lumMod val="50000"/>
@@ -11309,14 +10016,14 @@
                     </a:srgbClr>
                   </a:outerShdw>
                 </a:effectLst>
-                <a:latin typeface="Aharoni" pitchFamily="2" charset="-79"/>
+                <a:latin typeface="Arial" pitchFamily="34" charset="0"/>
                 <a:ea typeface="+mj-ea"/>
-                <a:cs typeface="Aharoni" pitchFamily="2" charset="-79"/>
+                <a:cs typeface="Arial" pitchFamily="34" charset="0"/>
               </a:rPr>
               <a:t> </a:t>
             </a:r>
             <a:r>
-              <a:rPr lang="es-CL" sz="2800" b="1" dirty="0" smtClean="0">
+              <a:rPr lang="es-CL" sz="3200" b="1" dirty="0" smtClean="0">
                 <a:solidFill>
                   <a:schemeClr val="bg2">
                     <a:lumMod val="50000"/>
@@ -11329,14 +10036,14 @@
                     </a:srgbClr>
                   </a:outerShdw>
                 </a:effectLst>
-                <a:latin typeface="Aharoni" pitchFamily="2" charset="-79"/>
+                <a:latin typeface="Arial" pitchFamily="34" charset="0"/>
                 <a:ea typeface="+mj-ea"/>
-                <a:cs typeface="Aharoni" pitchFamily="2" charset="-79"/>
+                <a:cs typeface="Arial" pitchFamily="34" charset="0"/>
               </a:rPr>
               <a:t>EXFIDA </a:t>
             </a:r>
             <a:r>
-              <a:rPr lang="es-CL" sz="2800" b="1" dirty="0" smtClean="0">
+              <a:rPr lang="es-CL" sz="3200" b="1" dirty="0" smtClean="0">
                 <a:solidFill>
                   <a:schemeClr val="bg2">
                     <a:lumMod val="25000"/>
@@ -11349,14 +10056,14 @@
                     </a:srgbClr>
                   </a:outerShdw>
                 </a:effectLst>
-                <a:latin typeface="Aharoni" pitchFamily="2" charset="-79"/>
+                <a:latin typeface="Arial" pitchFamily="34" charset="0"/>
                 <a:ea typeface="+mj-ea"/>
-                <a:cs typeface="Aharoni" pitchFamily="2" charset="-79"/>
+                <a:cs typeface="Arial" pitchFamily="34" charset="0"/>
               </a:rPr>
               <a:t>&gt;</a:t>
             </a:r>
             <a:r>
-              <a:rPr lang="es-CL" sz="2800" b="1" dirty="0">
+              <a:rPr lang="es-CL" sz="3200" b="1" dirty="0">
                 <a:solidFill>
                   <a:schemeClr val="bg2">
                     <a:lumMod val="50000"/>
@@ -11369,14 +10076,14 @@
                     </a:srgbClr>
                   </a:outerShdw>
                 </a:effectLst>
-                <a:latin typeface="Aharoni" pitchFamily="2" charset="-79"/>
+                <a:latin typeface="Arial" pitchFamily="34" charset="0"/>
                 <a:ea typeface="+mj-ea"/>
-                <a:cs typeface="Aharoni" pitchFamily="2" charset="-79"/>
+                <a:cs typeface="Arial" pitchFamily="34" charset="0"/>
               </a:rPr>
               <a:t/>
             </a:r>
             <a:br>
-              <a:rPr lang="es-CL" sz="2800" b="1" dirty="0">
+              <a:rPr lang="es-CL" sz="3200" b="1" dirty="0">
                 <a:solidFill>
                   <a:schemeClr val="bg2">
                     <a:lumMod val="50000"/>
@@ -11389,13 +10096,13 @@
                     </a:srgbClr>
                   </a:outerShdw>
                 </a:effectLst>
-                <a:latin typeface="Aharoni" pitchFamily="2" charset="-79"/>
+                <a:latin typeface="Arial" pitchFamily="34" charset="0"/>
                 <a:ea typeface="+mj-ea"/>
-                <a:cs typeface="Aharoni" pitchFamily="2" charset="-79"/>
+                <a:cs typeface="Arial" pitchFamily="34" charset="0"/>
               </a:rPr>
             </a:br>
             <a:r>
-              <a:rPr lang="es-CL" sz="2800" b="1" dirty="0">
+              <a:rPr lang="es-CL" sz="3200" b="1" dirty="0">
                 <a:solidFill>
                   <a:schemeClr val="bg2">
                     <a:lumMod val="50000"/>
@@ -11408,14 +10115,14 @@
                     </a:srgbClr>
                   </a:outerShdw>
                 </a:effectLst>
-                <a:latin typeface="Aharoni" pitchFamily="2" charset="-79"/>
+                <a:latin typeface="Arial" pitchFamily="34" charset="0"/>
                 <a:ea typeface="+mj-ea"/>
-                <a:cs typeface="Aharoni" pitchFamily="2" charset="-79"/>
+                <a:cs typeface="Arial" pitchFamily="34" charset="0"/>
               </a:rPr>
               <a:t/>
             </a:r>
             <a:br>
-              <a:rPr lang="es-CL" sz="2800" b="1" dirty="0">
+              <a:rPr lang="es-CL" sz="3200" b="1" dirty="0">
                 <a:solidFill>
                   <a:schemeClr val="bg2">
                     <a:lumMod val="50000"/>
@@ -11428,12 +10135,12 @@
                     </a:srgbClr>
                   </a:outerShdw>
                 </a:effectLst>
-                <a:latin typeface="Aharoni" pitchFamily="2" charset="-79"/>
+                <a:latin typeface="Arial" pitchFamily="34" charset="0"/>
                 <a:ea typeface="+mj-ea"/>
-                <a:cs typeface="Aharoni" pitchFamily="2" charset="-79"/>
+                <a:cs typeface="Arial" pitchFamily="34" charset="0"/>
               </a:rPr>
             </a:br>
-            <a:endParaRPr lang="es-CL" sz="2800" b="1" dirty="0">
+            <a:endParaRPr lang="es-CL" sz="3200" b="1" dirty="0">
               <a:solidFill>
                 <a:schemeClr val="bg2">
                   <a:lumMod val="50000"/>
@@ -11446,9 +10153,9 @@
                   </a:srgbClr>
                 </a:outerShdw>
               </a:effectLst>
-              <a:latin typeface="Aharoni" pitchFamily="2" charset="-79"/>
+              <a:latin typeface="Arial" pitchFamily="34" charset="0"/>
               <a:ea typeface="+mj-ea"/>
-              <a:cs typeface="Aharoni" pitchFamily="2" charset="-79"/>
+              <a:cs typeface="Arial" pitchFamily="34" charset="0"/>
             </a:endParaRPr>
           </a:p>
         </p:txBody>
@@ -11514,7 +10221,7 @@
           <a:blip r:embed="rId10" cstate="print">
             <a:extLst>
               <a:ext uri="{28A0092B-C50C-407E-A947-70E740481C1C}">
-                <a14:useLocalDpi xmlns:a14="http://schemas.microsoft.com/office/drawing/2010/main" val="0"/>
+                <a14:useLocalDpi xmlns="" xmlns:a14="http://schemas.microsoft.com/office/drawing/2010/main" val="0"/>
               </a:ext>
             </a:extLst>
           </a:blip>
@@ -11557,14 +10264,14 @@
           </a:sp3d>
           <a:extLst>
             <a:ext uri="{909E8E84-426E-40DD-AFC4-6F175D3DCCD1}">
-              <a14:hiddenFill xmlns:a14="http://schemas.microsoft.com/office/drawing/2010/main">
+              <a14:hiddenFill xmlns="" xmlns:a14="http://schemas.microsoft.com/office/drawing/2010/main">
                 <a:solidFill>
                   <a:schemeClr val="accent1"/>
                 </a:solidFill>
               </a14:hiddenFill>
             </a:ext>
             <a:ext uri="{91240B29-F687-4F45-9708-019B960494DF}">
-              <a14:hiddenLine xmlns:a14="http://schemas.microsoft.com/office/drawing/2010/main" w="9525">
+              <a14:hiddenLine xmlns="" xmlns:a14="http://schemas.microsoft.com/office/drawing/2010/main" w="9525">
                 <a:solidFill>
                   <a:schemeClr val="tx1"/>
                 </a:solidFill>
@@ -11602,6 +10309,189 @@
           <a:ln>
             <a:noFill/>
           </a:ln>
+        </p:spPr>
+      </p:pic>
+    </p:spTree>
+  </p:cSld>
+  <p:clrMapOvr>
+    <a:masterClrMapping/>
+  </p:clrMapOvr>
+  <p:transition spd="slow">
+    <p:fade/>
+  </p:transition>
+  <p:timing>
+    <p:tnLst>
+      <p:par>
+        <p:cTn id="1" dur="indefinite" restart="never" nodeType="tmRoot"/>
+      </p:par>
+    </p:tnLst>
+  </p:timing>
+</p:sld>
+</file>
+
+<file path=ppt/slides/slide25.xml><?xml version="1.0" encoding="utf-8"?>
+<p:sld xmlns:a="http://schemas.openxmlformats.org/drawingml/2006/main" xmlns:r="http://schemas.openxmlformats.org/officeDocument/2006/relationships" xmlns:p="http://schemas.openxmlformats.org/presentationml/2006/main">
+  <p:cSld>
+    <p:spTree>
+      <p:nvGrpSpPr>
+        <p:cNvPr id="1" name=""/>
+        <p:cNvGrpSpPr/>
+        <p:nvPr/>
+      </p:nvGrpSpPr>
+      <p:grpSpPr>
+        <a:xfrm>
+          <a:off x="0" y="0"/>
+          <a:ext cx="0" cy="0"/>
+          <a:chOff x="0" y="0"/>
+          <a:chExt cx="0" cy="0"/>
+        </a:xfrm>
+      </p:grpSpPr>
+      <p:pic>
+        <p:nvPicPr>
+          <p:cNvPr id="4" name="3 Marcador de contenido" descr="logo_exfida.png"/>
+          <p:cNvPicPr>
+            <a:picLocks noGrp="1" noChangeAspect="1"/>
+          </p:cNvPicPr>
+          <p:nvPr>
+            <p:ph idx="1"/>
+          </p:nvPr>
+        </p:nvPicPr>
+        <p:blipFill>
+          <a:blip r:embed="rId2"/>
+          <a:stretch>
+            <a:fillRect/>
+          </a:stretch>
+        </p:blipFill>
+        <p:spPr>
+          <a:xfrm>
+            <a:off x="2857488" y="1785926"/>
+            <a:ext cx="3439005" cy="866896"/>
+          </a:xfrm>
+          <a:prstGeom prst="rect">
+            <a:avLst/>
+          </a:prstGeom>
+        </p:spPr>
+      </p:pic>
+      <p:sp>
+        <p:nvSpPr>
+          <p:cNvPr id="5" name="4 CuadroTexto"/>
+          <p:cNvSpPr txBox="1"/>
+          <p:nvPr/>
+        </p:nvSpPr>
+        <p:spPr>
+          <a:xfrm>
+            <a:off x="357158" y="3071810"/>
+            <a:ext cx="8501122" cy="815608"/>
+          </a:xfrm>
+          <a:prstGeom prst="rect">
+            <a:avLst/>
+          </a:prstGeom>
+          <a:noFill/>
+        </p:spPr>
+        <p:txBody>
+          <a:bodyPr wrap="square" rtlCol="0">
+            <a:spAutoFit/>
+          </a:bodyPr>
+          <a:lstStyle/>
+          <a:p>
+            <a:pPr algn="ctr"/>
+            <a:r>
+              <a:rPr lang="es-CL" sz="2300" dirty="0" smtClean="0">
+                <a:solidFill>
+                  <a:schemeClr val="accent4">
+                    <a:lumMod val="75000"/>
+                  </a:schemeClr>
+                </a:solidFill>
+                <a:latin typeface="Calibri" pitchFamily="34" charset="0"/>
+                <a:cs typeface="Calibri" pitchFamily="34" charset="0"/>
+              </a:rPr>
+              <a:t>EXFIDA es un producto desarrollado por MDR </a:t>
+            </a:r>
+            <a:r>
+              <a:rPr lang="es-CL" sz="2300" dirty="0" err="1" smtClean="0">
+                <a:solidFill>
+                  <a:schemeClr val="accent4">
+                    <a:lumMod val="75000"/>
+                  </a:schemeClr>
+                </a:solidFill>
+                <a:latin typeface="Calibri" pitchFamily="34" charset="0"/>
+                <a:cs typeface="Calibri" pitchFamily="34" charset="0"/>
+              </a:rPr>
+              <a:t>Technology</a:t>
+            </a:r>
+            <a:r>
+              <a:rPr lang="es-CL" sz="2300" dirty="0" smtClean="0">
+                <a:solidFill>
+                  <a:schemeClr val="accent4">
+                    <a:lumMod val="75000"/>
+                  </a:schemeClr>
+                </a:solidFill>
+                <a:latin typeface="Calibri" pitchFamily="34" charset="0"/>
+                <a:cs typeface="Calibri" pitchFamily="34" charset="0"/>
+              </a:rPr>
+              <a:t> LTDA</a:t>
+            </a:r>
+            <a:r>
+              <a:rPr lang="es-CL" sz="2300" dirty="0" smtClean="0">
+                <a:solidFill>
+                  <a:schemeClr val="accent4">
+                    <a:lumMod val="75000"/>
+                  </a:schemeClr>
+                </a:solidFill>
+                <a:latin typeface="Calibri" pitchFamily="34" charset="0"/>
+                <a:cs typeface="Calibri" pitchFamily="34" charset="0"/>
+              </a:rPr>
+              <a:t>.</a:t>
+            </a:r>
+          </a:p>
+          <a:p>
+            <a:pPr algn="ctr"/>
+            <a:r>
+              <a:rPr lang="es-CL" sz="2300" dirty="0" smtClean="0">
+                <a:solidFill>
+                  <a:schemeClr val="accent4">
+                    <a:lumMod val="75000"/>
+                  </a:schemeClr>
+                </a:solidFill>
+                <a:latin typeface="Calibri" pitchFamily="34" charset="0"/>
+                <a:cs typeface="Calibri" pitchFamily="34" charset="0"/>
+              </a:rPr>
+              <a:t>© 2012 - Todos los derechos reservados</a:t>
+            </a:r>
+            <a:endParaRPr lang="es-CL" sz="2300" dirty="0">
+              <a:solidFill>
+                <a:schemeClr val="accent4">
+                  <a:lumMod val="75000"/>
+                </a:schemeClr>
+              </a:solidFill>
+              <a:latin typeface="Calibri" pitchFamily="34" charset="0"/>
+              <a:cs typeface="Calibri" pitchFamily="34" charset="0"/>
+            </a:endParaRPr>
+          </a:p>
+        </p:txBody>
+      </p:sp>
+      <p:pic>
+        <p:nvPicPr>
+          <p:cNvPr id="6" name="5 Imagen" descr="mdr_tech1-e1345750218668.png"/>
+          <p:cNvPicPr>
+            <a:picLocks noChangeAspect="1"/>
+          </p:cNvPicPr>
+          <p:nvPr/>
+        </p:nvPicPr>
+        <p:blipFill>
+          <a:blip r:embed="rId3"/>
+          <a:stretch>
+            <a:fillRect/>
+          </a:stretch>
+        </p:blipFill>
+        <p:spPr>
+          <a:xfrm>
+            <a:off x="3714744" y="4071942"/>
+            <a:ext cx="1905004" cy="1020538"/>
+          </a:xfrm>
+          <a:prstGeom prst="rect">
+            <a:avLst/>
+          </a:prstGeom>
         </p:spPr>
       </p:pic>
     </p:spTree>
@@ -11646,115 +10536,6 @@
       </p:grpSpPr>
       <p:pic>
         <p:nvPicPr>
-          <p:cNvPr id="2052" name="Picture 4" descr="https://encrypted-tbn2.google.com/images?q=tbn:ANd9GcRkLlb7iF1dJQDLB69hO1DLyNdxd4i8UYgVj2aX-jG73c0H6pByuA"/>
-          <p:cNvPicPr>
-            <a:picLocks noChangeAspect="1" noChangeArrowheads="1"/>
-          </p:cNvPicPr>
-          <p:nvPr/>
-        </p:nvPicPr>
-        <p:blipFill>
-          <a:blip r:embed="rId3">
-            <a:extLst>
-              <a:ext uri="{28A0092B-C50C-407E-A947-70E740481C1C}">
-                <a14:useLocalDpi xmlns:a14="http://schemas.microsoft.com/office/drawing/2010/main" val="0"/>
-              </a:ext>
-            </a:extLst>
-          </a:blip>
-          <a:srcRect/>
-          <a:stretch>
-            <a:fillRect/>
-          </a:stretch>
-        </p:blipFill>
-        <p:spPr bwMode="auto">
-          <a:xfrm>
-            <a:off x="7698048" y="5445224"/>
-            <a:ext cx="1339384" cy="1412776"/>
-          </a:xfrm>
-          <a:prstGeom prst="rect">
-            <a:avLst/>
-          </a:prstGeom>
-          <a:noFill/>
-          <a:extLst>
-            <a:ext uri="{909E8E84-426E-40DD-AFC4-6F175D3DCCD1}">
-              <a14:hiddenFill xmlns:a14="http://schemas.microsoft.com/office/drawing/2010/main">
-                <a:solidFill>
-                  <a:srgbClr val="FFFFFF"/>
-                </a:solidFill>
-              </a14:hiddenFill>
-            </a:ext>
-          </a:extLst>
-        </p:spPr>
-      </p:pic>
-      <p:sp>
-        <p:nvSpPr>
-          <p:cNvPr id="8" name="7 Rectángulo redondeado"/>
-          <p:cNvSpPr/>
-          <p:nvPr/>
-        </p:nvSpPr>
-        <p:spPr>
-          <a:xfrm>
-            <a:off x="251519" y="260648"/>
-            <a:ext cx="8606759" cy="5256584"/>
-          </a:xfrm>
-          <a:prstGeom prst="roundRect">
-            <a:avLst/>
-          </a:prstGeom>
-          <a:gradFill flip="none" rotWithShape="1">
-            <a:gsLst>
-              <a:gs pos="33000">
-                <a:schemeClr val="accent1">
-                  <a:tint val="66000"/>
-                  <a:satMod val="160000"/>
-                </a:schemeClr>
-              </a:gs>
-              <a:gs pos="51000">
-                <a:schemeClr val="accent1">
-                  <a:tint val="44500"/>
-                  <a:satMod val="160000"/>
-                  <a:alpha val="0"/>
-                </a:schemeClr>
-              </a:gs>
-              <a:gs pos="100000">
-                <a:schemeClr val="accent1">
-                  <a:tint val="23500"/>
-                  <a:satMod val="160000"/>
-                </a:schemeClr>
-              </a:gs>
-            </a:gsLst>
-            <a:lin ang="16200000" scaled="1"/>
-            <a:tileRect/>
-          </a:gradFill>
-          <a:ln>
-            <a:noFill/>
-          </a:ln>
-        </p:spPr>
-        <p:style>
-          <a:lnRef idx="2">
-            <a:schemeClr val="accent1">
-              <a:shade val="50000"/>
-            </a:schemeClr>
-          </a:lnRef>
-          <a:fillRef idx="1">
-            <a:schemeClr val="accent1"/>
-          </a:fillRef>
-          <a:effectRef idx="0">
-            <a:schemeClr val="accent1"/>
-          </a:effectRef>
-          <a:fontRef idx="minor">
-            <a:schemeClr val="lt1"/>
-          </a:fontRef>
-        </p:style>
-        <p:txBody>
-          <a:bodyPr rtlCol="0" anchor="ctr"/>
-          <a:lstStyle/>
-          <a:p>
-            <a:pPr algn="ctr"/>
-            <a:endParaRPr lang="es-CL"/>
-          </a:p>
-        </p:txBody>
-      </p:sp>
-      <p:pic>
-        <p:nvPicPr>
           <p:cNvPr id="6" name="5 Imagen" descr="logo_top_byte.gif"/>
           <p:cNvPicPr>
             <a:picLocks noChangeAspect="1"/>
@@ -11762,7 +10543,7 @@
           <p:nvPr/>
         </p:nvPicPr>
         <p:blipFill>
-          <a:blip r:embed="rId4"/>
+          <a:blip r:embed="rId3"/>
           <a:stretch>
             <a:fillRect/>
           </a:stretch>
@@ -11803,7 +10584,7 @@
           </a:bodyPr>
           <a:lstStyle/>
           <a:p>
-            <a:pPr marL="109728" indent="0" algn="just">
+            <a:pPr marL="109728" indent="0">
               <a:buNone/>
             </a:pPr>
             <a:r>
@@ -11817,10 +10598,34 @@
                     <a:lumMod val="75000"/>
                   </a:schemeClr>
                 </a:solidFill>
-                <a:latin typeface="Times New Roman" pitchFamily="18" charset="0"/>
-                <a:cs typeface="Times New Roman" pitchFamily="18" charset="0"/>
-              </a:rPr>
-              <a:t>Queremos obtener su confianza, a través de soluciones tecnológicas que permitan hacer más eficiente la gestión de su Negocio, brindándole a su Compañía siempre un valor agregado.</a:t>
+                <a:latin typeface="Calibri" pitchFamily="34" charset="0"/>
+                <a:cs typeface="Calibri" pitchFamily="34" charset="0"/>
+              </a:rPr>
+              <a:t>Queremos obtener su confianza, a través de soluciones tecnológicas que permitan hacer más eficiente la gestión de su Negocio, brindándole a su Compañía siempre </a:t>
+            </a:r>
+            <a:r>
+              <a:rPr lang="es-CL" sz="2300" dirty="0" smtClean="0">
+                <a:solidFill>
+                  <a:schemeClr val="accent4">
+                    <a:lumMod val="75000"/>
+                  </a:schemeClr>
+                </a:solidFill>
+                <a:latin typeface="Calibri" pitchFamily="34" charset="0"/>
+                <a:cs typeface="Calibri" pitchFamily="34" charset="0"/>
+              </a:rPr>
+              <a:t>el máximo </a:t>
+            </a:r>
+            <a:r>
+              <a:rPr lang="es-CL" sz="2300" dirty="0">
+                <a:solidFill>
+                  <a:schemeClr val="accent4">
+                    <a:lumMod val="75000"/>
+                  </a:schemeClr>
+                </a:solidFill>
+                <a:latin typeface="Calibri" pitchFamily="34" charset="0"/>
+                <a:cs typeface="Calibri" pitchFamily="34" charset="0"/>
+              </a:rPr>
+              <a:t>valor agregado.</a:t>
             </a:r>
             <a:br>
               <a:rPr lang="es-CL" sz="2300" dirty="0">
@@ -11829,8 +10634,8 @@
                     <a:lumMod val="75000"/>
                   </a:schemeClr>
                 </a:solidFill>
-                <a:latin typeface="Times New Roman" pitchFamily="18" charset="0"/>
-                <a:cs typeface="Times New Roman" pitchFamily="18" charset="0"/>
+                <a:latin typeface="Calibri" pitchFamily="34" charset="0"/>
+                <a:cs typeface="Calibri" pitchFamily="34" charset="0"/>
               </a:rPr>
             </a:br>
             <a:endParaRPr lang="es-CL" sz="2300" dirty="0">
@@ -11839,8 +10644,8 @@
                   <a:lumMod val="75000"/>
                 </a:schemeClr>
               </a:solidFill>
-              <a:latin typeface="Times New Roman" pitchFamily="18" charset="0"/>
-              <a:cs typeface="Times New Roman" pitchFamily="18" charset="0"/>
+              <a:latin typeface="Calibri" pitchFamily="34" charset="0"/>
+              <a:cs typeface="Calibri" pitchFamily="34" charset="0"/>
             </a:endParaRPr>
           </a:p>
           <a:p>
@@ -11852,8 +10657,8 @@
                     <a:lumMod val="75000"/>
                   </a:schemeClr>
                 </a:solidFill>
-                <a:latin typeface="Times New Roman" pitchFamily="18" charset="0"/>
-                <a:cs typeface="Times New Roman" pitchFamily="18" charset="0"/>
+                <a:latin typeface="Calibri" pitchFamily="34" charset="0"/>
+                <a:cs typeface="Calibri" pitchFamily="34" charset="0"/>
               </a:rPr>
               <a:t>Adecuamos lo mejor posible la relación Costo/Beneficio.</a:t>
             </a:r>
@@ -11867,8 +10672,8 @@
                     <a:lumMod val="75000"/>
                   </a:schemeClr>
                 </a:solidFill>
-                <a:latin typeface="Times New Roman" pitchFamily="18" charset="0"/>
-                <a:cs typeface="Times New Roman" pitchFamily="18" charset="0"/>
+                <a:latin typeface="Calibri" pitchFamily="34" charset="0"/>
+                <a:cs typeface="Calibri" pitchFamily="34" charset="0"/>
               </a:rPr>
               <a:t>Optimizamos la utilización de sus recursos. </a:t>
             </a:r>
@@ -11882,8 +10687,8 @@
                     <a:lumMod val="75000"/>
                   </a:schemeClr>
                 </a:solidFill>
-                <a:latin typeface="Times New Roman" pitchFamily="18" charset="0"/>
-                <a:cs typeface="Times New Roman" pitchFamily="18" charset="0"/>
+                <a:latin typeface="Calibri" pitchFamily="34" charset="0"/>
+                <a:cs typeface="Calibri" pitchFamily="34" charset="0"/>
               </a:rPr>
               <a:t>Aumentamos la productividad derivado del incremento de niveles de servicio.</a:t>
             </a:r>
@@ -11897,8 +10702,8 @@
                     <a:lumMod val="75000"/>
                   </a:schemeClr>
                 </a:solidFill>
-                <a:latin typeface="Times New Roman" pitchFamily="18" charset="0"/>
-                <a:cs typeface="Times New Roman" pitchFamily="18" charset="0"/>
+                <a:latin typeface="Calibri" pitchFamily="34" charset="0"/>
+                <a:cs typeface="Calibri" pitchFamily="34" charset="0"/>
               </a:rPr>
               <a:t>Buscamos la innovación en la adopción de nuevas tecnologías.</a:t>
             </a:r>
@@ -11920,8 +10725,8 @@
         </p:nvSpPr>
         <p:spPr>
           <a:xfrm>
-            <a:off x="1160" y="13560"/>
-            <a:ext cx="8229600" cy="706090"/>
+            <a:off x="500034" y="13560"/>
+            <a:ext cx="7730726" cy="706090"/>
           </a:xfrm>
         </p:spPr>
         <p:txBody>
@@ -11931,32 +10736,56 @@
           <a:lstStyle/>
           <a:p>
             <a:r>
-              <a:rPr lang="es-CL" sz="2800" dirty="0">
+              <a:rPr lang="es-CL" sz="3200" dirty="0">
                 <a:solidFill>
                   <a:schemeClr val="bg2">
                     <a:lumMod val="50000"/>
                   </a:schemeClr>
                 </a:solidFill>
+                <a:latin typeface="Arial" pitchFamily="34" charset="0"/>
+                <a:cs typeface="Arial" pitchFamily="34" charset="0"/>
+              </a:rPr>
+              <a:t>Nuestro Enfoque </a:t>
+            </a:r>
+            <a:r>
+              <a:rPr lang="es-CL" sz="2800" dirty="0">
+                <a:solidFill>
+                  <a:schemeClr val="bg2">
+                    <a:lumMod val="25000"/>
+                  </a:schemeClr>
+                </a:solidFill>
                 <a:latin typeface="Aharoni" pitchFamily="2" charset="-79"/>
                 <a:cs typeface="Aharoni" pitchFamily="2" charset="-79"/>
               </a:rPr>
-              <a:t>Nuestro Enfoque </a:t>
-            </a:r>
-            <a:r>
-              <a:rPr lang="es-CL" sz="2800" dirty="0">
-                <a:solidFill>
-                  <a:schemeClr val="bg2">
-                    <a:lumMod val="25000"/>
-                  </a:schemeClr>
-                </a:solidFill>
-                <a:latin typeface="Aharoni" pitchFamily="2" charset="-79"/>
-                <a:cs typeface="Aharoni" pitchFamily="2" charset="-79"/>
-              </a:rPr>
               <a:t>&gt;</a:t>
             </a:r>
           </a:p>
         </p:txBody>
       </p:sp>
+      <p:pic>
+        <p:nvPicPr>
+          <p:cNvPr id="7" name="6 Imagen" descr="logo_exfida.png"/>
+          <p:cNvPicPr>
+            <a:picLocks noChangeAspect="1"/>
+          </p:cNvPicPr>
+          <p:nvPr/>
+        </p:nvPicPr>
+        <p:blipFill>
+          <a:blip r:embed="rId4"/>
+          <a:stretch>
+            <a:fillRect/>
+          </a:stretch>
+        </p:blipFill>
+        <p:spPr>
+          <a:xfrm>
+            <a:off x="6572264" y="6072206"/>
+            <a:ext cx="2286015" cy="576253"/>
+          </a:xfrm>
+          <a:prstGeom prst="rect">
+            <a:avLst/>
+          </a:prstGeom>
+        </p:spPr>
+      </p:pic>
     </p:spTree>
   </p:cSld>
   <p:clrMapOvr>
@@ -12004,7 +10833,7 @@
           <a:blip r:embed="rId2">
             <a:extLst>
               <a:ext uri="{28A0092B-C50C-407E-A947-70E740481C1C}">
-                <a14:useLocalDpi xmlns:a14="http://schemas.microsoft.com/office/drawing/2010/main" val="0"/>
+                <a14:useLocalDpi xmlns="" xmlns:a14="http://schemas.microsoft.com/office/drawing/2010/main" val="0"/>
               </a:ext>
             </a:extLst>
           </a:blip>
@@ -12015,7 +10844,7 @@
         </p:blipFill>
         <p:spPr bwMode="auto">
           <a:xfrm>
-            <a:off x="7236296" y="5440879"/>
+            <a:off x="3571868" y="3929066"/>
             <a:ext cx="1891928" cy="1417120"/>
           </a:xfrm>
           <a:prstGeom prst="rect">
@@ -12024,7 +10853,7 @@
           <a:noFill/>
           <a:extLst>
             <a:ext uri="{909E8E84-426E-40DD-AFC4-6F175D3DCCD1}">
-              <a14:hiddenFill xmlns:a14="http://schemas.microsoft.com/office/drawing/2010/main">
+              <a14:hiddenFill xmlns="" xmlns:a14="http://schemas.microsoft.com/office/drawing/2010/main">
                 <a:solidFill>
                   <a:srgbClr val="FFFFFF"/>
                 </a:solidFill>
@@ -12033,74 +10862,6 @@
           </a:extLst>
         </p:spPr>
       </p:pic>
-      <p:sp>
-        <p:nvSpPr>
-          <p:cNvPr id="8" name="7 Rectángulo redondeado"/>
-          <p:cNvSpPr/>
-          <p:nvPr/>
-        </p:nvSpPr>
-        <p:spPr>
-          <a:xfrm>
-            <a:off x="251519" y="260648"/>
-            <a:ext cx="8606759" cy="5256584"/>
-          </a:xfrm>
-          <a:prstGeom prst="roundRect">
-            <a:avLst/>
-          </a:prstGeom>
-          <a:gradFill flip="none" rotWithShape="1">
-            <a:gsLst>
-              <a:gs pos="33000">
-                <a:schemeClr val="accent1">
-                  <a:tint val="66000"/>
-                  <a:satMod val="160000"/>
-                </a:schemeClr>
-              </a:gs>
-              <a:gs pos="51000">
-                <a:schemeClr val="accent1">
-                  <a:tint val="44500"/>
-                  <a:satMod val="160000"/>
-                  <a:alpha val="0"/>
-                </a:schemeClr>
-              </a:gs>
-              <a:gs pos="100000">
-                <a:schemeClr val="accent1">
-                  <a:tint val="23500"/>
-                  <a:satMod val="160000"/>
-                </a:schemeClr>
-              </a:gs>
-            </a:gsLst>
-            <a:lin ang="16200000" scaled="1"/>
-            <a:tileRect/>
-          </a:gradFill>
-          <a:ln>
-            <a:noFill/>
-          </a:ln>
-        </p:spPr>
-        <p:style>
-          <a:lnRef idx="2">
-            <a:schemeClr val="accent1">
-              <a:shade val="50000"/>
-            </a:schemeClr>
-          </a:lnRef>
-          <a:fillRef idx="1">
-            <a:schemeClr val="accent1"/>
-          </a:fillRef>
-          <a:effectRef idx="0">
-            <a:schemeClr val="accent1"/>
-          </a:effectRef>
-          <a:fontRef idx="minor">
-            <a:schemeClr val="lt1"/>
-          </a:fontRef>
-        </p:style>
-        <p:txBody>
-          <a:bodyPr rtlCol="0" anchor="ctr"/>
-          <a:lstStyle/>
-          <a:p>
-            <a:pPr algn="ctr"/>
-            <a:endParaRPr lang="es-CL"/>
-          </a:p>
-        </p:txBody>
-      </p:sp>
       <p:sp>
         <p:nvSpPr>
           <p:cNvPr id="2" name="1 Marcador de contenido"/>
@@ -12137,22 +10898,10 @@
                     <a:lumMod val="75000"/>
                   </a:schemeClr>
                 </a:solidFill>
-                <a:latin typeface="Times New Roman" pitchFamily="18" charset="0"/>
-                <a:cs typeface="Times New Roman" pitchFamily="18" charset="0"/>
-              </a:rPr>
-              <a:t>Profesionales con excelente calidad técnica y humana</a:t>
-            </a:r>
-            <a:r>
-              <a:rPr lang="es-CL" sz="2300" dirty="0">
-                <a:solidFill>
-                  <a:schemeClr val="accent4">
-                    <a:lumMod val="75000"/>
-                  </a:schemeClr>
-                </a:solidFill>
-                <a:latin typeface="Times New Roman" pitchFamily="18" charset="0"/>
-                <a:cs typeface="Times New Roman" pitchFamily="18" charset="0"/>
-              </a:rPr>
-              <a:t>.</a:t>
+                <a:latin typeface="Calibri" pitchFamily="34" charset="0"/>
+                <a:cs typeface="Calibri" pitchFamily="34" charset="0"/>
+              </a:rPr>
+              <a:t>Profesionales con excelente calidad técnica y humana.</a:t>
             </a:r>
           </a:p>
           <a:p>
@@ -12170,8 +10919,8 @@
                     <a:lumMod val="75000"/>
                   </a:schemeClr>
                 </a:solidFill>
-                <a:latin typeface="Times New Roman" pitchFamily="18" charset="0"/>
-                <a:cs typeface="Times New Roman" pitchFamily="18" charset="0"/>
+                <a:latin typeface="Calibri" pitchFamily="34" charset="0"/>
+                <a:cs typeface="Calibri" pitchFamily="34" charset="0"/>
               </a:rPr>
               <a:t>Nuestra vocación es el servicio.</a:t>
             </a:r>
@@ -12191,8 +10940,8 @@
                     <a:lumMod val="75000"/>
                   </a:schemeClr>
                 </a:solidFill>
-                <a:latin typeface="Times New Roman" pitchFamily="18" charset="0"/>
-                <a:cs typeface="Times New Roman" pitchFamily="18" charset="0"/>
+                <a:latin typeface="Calibri" pitchFamily="34" charset="0"/>
+                <a:cs typeface="Calibri" pitchFamily="34" charset="0"/>
               </a:rPr>
               <a:t>En nuestros procesos productivos aplicamos las mejores prácticas de la industria.</a:t>
             </a:r>
@@ -12212,8 +10961,8 @@
                     <a:lumMod val="75000"/>
                   </a:schemeClr>
                 </a:solidFill>
-                <a:latin typeface="Times New Roman" pitchFamily="18" charset="0"/>
-                <a:cs typeface="Times New Roman" pitchFamily="18" charset="0"/>
+                <a:latin typeface="Calibri" pitchFamily="34" charset="0"/>
+                <a:cs typeface="Calibri" pitchFamily="34" charset="0"/>
               </a:rPr>
               <a:t>Queremos que nuestra relación con nuestros clientes sea duradera.</a:t>
             </a:r>
@@ -12238,25 +10987,25 @@
         </p:nvSpPr>
         <p:spPr>
           <a:xfrm>
-            <a:off x="4432" y="14473"/>
-            <a:ext cx="3631464" cy="637279"/>
+            <a:off x="428596" y="29004"/>
+            <a:ext cx="4714908" cy="637279"/>
           </a:xfrm>
         </p:spPr>
         <p:txBody>
           <a:bodyPr>
-            <a:normAutofit/>
+            <a:normAutofit fontScale="90000"/>
           </a:bodyPr>
           <a:lstStyle/>
           <a:p>
             <a:r>
-              <a:rPr lang="es-CL" sz="2800" dirty="0">
+              <a:rPr lang="es-CL" sz="3600" dirty="0">
                 <a:solidFill>
                   <a:schemeClr val="bg2">
                     <a:lumMod val="50000"/>
                   </a:schemeClr>
                 </a:solidFill>
-                <a:latin typeface="Aharoni" pitchFamily="2" charset="-79"/>
-                <a:cs typeface="Aharoni" pitchFamily="2" charset="-79"/>
+                <a:latin typeface="Arial" pitchFamily="34" charset="0"/>
+                <a:cs typeface="Arial" pitchFamily="34" charset="0"/>
               </a:rPr>
               <a:t>Nuestra Fuerza </a:t>
             </a:r>
@@ -12301,6 +11050,30 @@
           <a:ln>
             <a:noFill/>
           </a:ln>
+        </p:spPr>
+      </p:pic>
+      <p:pic>
+        <p:nvPicPr>
+          <p:cNvPr id="7" name="6 Imagen" descr="logo_exfida.png"/>
+          <p:cNvPicPr>
+            <a:picLocks noChangeAspect="1"/>
+          </p:cNvPicPr>
+          <p:nvPr/>
+        </p:nvPicPr>
+        <p:blipFill>
+          <a:blip r:embed="rId4"/>
+          <a:stretch>
+            <a:fillRect/>
+          </a:stretch>
+        </p:blipFill>
+        <p:spPr>
+          <a:xfrm>
+            <a:off x="6572264" y="6072206"/>
+            <a:ext cx="2286015" cy="576253"/>
+          </a:xfrm>
+          <a:prstGeom prst="rect">
+            <a:avLst/>
+          </a:prstGeom>
         </p:spPr>
       </p:pic>
     </p:spTree>
@@ -12340,74 +11113,6 @@
       </p:grpSpPr>
       <p:sp>
         <p:nvSpPr>
-          <p:cNvPr id="21" name="20 Rectángulo redondeado"/>
-          <p:cNvSpPr/>
-          <p:nvPr/>
-        </p:nvSpPr>
-        <p:spPr>
-          <a:xfrm>
-            <a:off x="251519" y="260648"/>
-            <a:ext cx="8606759" cy="5256584"/>
-          </a:xfrm>
-          <a:prstGeom prst="roundRect">
-            <a:avLst/>
-          </a:prstGeom>
-          <a:gradFill flip="none" rotWithShape="1">
-            <a:gsLst>
-              <a:gs pos="33000">
-                <a:schemeClr val="accent1">
-                  <a:tint val="66000"/>
-                  <a:satMod val="160000"/>
-                </a:schemeClr>
-              </a:gs>
-              <a:gs pos="51000">
-                <a:schemeClr val="accent1">
-                  <a:tint val="44500"/>
-                  <a:satMod val="160000"/>
-                  <a:alpha val="0"/>
-                </a:schemeClr>
-              </a:gs>
-              <a:gs pos="100000">
-                <a:schemeClr val="accent1">
-                  <a:tint val="23500"/>
-                  <a:satMod val="160000"/>
-                </a:schemeClr>
-              </a:gs>
-            </a:gsLst>
-            <a:lin ang="16200000" scaled="1"/>
-            <a:tileRect/>
-          </a:gradFill>
-          <a:ln>
-            <a:noFill/>
-          </a:ln>
-        </p:spPr>
-        <p:style>
-          <a:lnRef idx="2">
-            <a:schemeClr val="accent1">
-              <a:shade val="50000"/>
-            </a:schemeClr>
-          </a:lnRef>
-          <a:fillRef idx="1">
-            <a:schemeClr val="accent1"/>
-          </a:fillRef>
-          <a:effectRef idx="0">
-            <a:schemeClr val="accent1"/>
-          </a:effectRef>
-          <a:fontRef idx="minor">
-            <a:schemeClr val="lt1"/>
-          </a:fontRef>
-        </p:style>
-        <p:txBody>
-          <a:bodyPr rtlCol="0" anchor="ctr"/>
-          <a:lstStyle/>
-          <a:p>
-            <a:pPr algn="ctr"/>
-            <a:endParaRPr lang="es-CL"/>
-          </a:p>
-        </p:txBody>
-      </p:sp>
-      <p:sp>
-        <p:nvSpPr>
           <p:cNvPr id="3" name="2 Título"/>
           <p:cNvSpPr>
             <a:spLocks noGrp="1"/>
@@ -12418,30 +11123,30 @@
         </p:nvSpPr>
         <p:spPr>
           <a:xfrm>
-            <a:off x="3512" y="3409240"/>
-            <a:ext cx="4208448" cy="710952"/>
+            <a:off x="500034" y="3409240"/>
+            <a:ext cx="4500594" cy="710952"/>
           </a:xfrm>
         </p:spPr>
         <p:txBody>
           <a:bodyPr>
-            <a:normAutofit/>
+            <a:noAutofit/>
           </a:bodyPr>
           <a:lstStyle/>
           <a:p>
             <a:r>
-              <a:rPr lang="es-CL" sz="2800" dirty="0">
+              <a:rPr lang="es-CL" sz="3200" dirty="0">
                 <a:solidFill>
                   <a:schemeClr val="bg2">
                     <a:lumMod val="50000"/>
                   </a:schemeClr>
                 </a:solidFill>
-                <a:latin typeface="Aharoni" pitchFamily="2" charset="-79"/>
-                <a:cs typeface="Aharoni" pitchFamily="2" charset="-79"/>
+                <a:latin typeface="Arial" pitchFamily="34" charset="0"/>
+                <a:cs typeface="Arial" pitchFamily="34" charset="0"/>
               </a:rPr>
               <a:t>Nuestras Alianzas </a:t>
             </a:r>
             <a:r>
-              <a:rPr lang="es-CL" sz="2800" dirty="0">
+              <a:rPr lang="es-CL" sz="3200" dirty="0">
                 <a:solidFill>
                   <a:schemeClr val="bg2">
                     <a:lumMod val="25000"/>
@@ -12465,7 +11170,7 @@
           <a:blip r:embed="rId2" cstate="print">
             <a:extLst>
               <a:ext uri="{28A0092B-C50C-407E-A947-70E740481C1C}">
-                <a14:useLocalDpi xmlns:a14="http://schemas.microsoft.com/office/drawing/2010/main" val="0"/>
+                <a14:useLocalDpi xmlns="" xmlns:a14="http://schemas.microsoft.com/office/drawing/2010/main" val="0"/>
               </a:ext>
             </a:extLst>
           </a:blip>
@@ -12518,7 +11223,7 @@
           <a:blip r:embed="rId3" cstate="print">
             <a:extLst>
               <a:ext uri="{28A0092B-C50C-407E-A947-70E740481C1C}">
-                <a14:useLocalDpi xmlns:a14="http://schemas.microsoft.com/office/drawing/2010/main" val="0"/>
+                <a14:useLocalDpi xmlns="" xmlns:a14="http://schemas.microsoft.com/office/drawing/2010/main" val="0"/>
               </a:ext>
             </a:extLst>
           </a:blip>
@@ -12571,7 +11276,7 @@
           <a:blip r:embed="rId4" cstate="print">
             <a:extLst>
               <a:ext uri="{28A0092B-C50C-407E-A947-70E740481C1C}">
-                <a14:useLocalDpi xmlns:a14="http://schemas.microsoft.com/office/drawing/2010/main" val="0"/>
+                <a14:useLocalDpi xmlns="" xmlns:a14="http://schemas.microsoft.com/office/drawing/2010/main" val="0"/>
               </a:ext>
             </a:extLst>
           </a:blip>
@@ -12624,8 +11329,8 @@
         </p:nvSpPr>
         <p:spPr>
           <a:xfrm>
-            <a:off x="-5448" y="12406"/>
-            <a:ext cx="4649456" cy="637200"/>
+            <a:off x="500034" y="12406"/>
+            <a:ext cx="5143536" cy="637200"/>
           </a:xfrm>
           <a:prstGeom prst="rect">
             <a:avLst/>
@@ -12633,7 +11338,7 @@
         </p:spPr>
         <p:txBody>
           <a:bodyPr vert="horz" rtlCol="0" anchor="ctr">
-            <a:normAutofit/>
+            <a:noAutofit/>
             <a:scene3d>
               <a:camera prst="orthographicFront"/>
               <a:lightRig rig="soft" dir="t"/>
@@ -12662,7 +11367,7 @@
               <a:defRPr/>
             </a:pPr>
             <a:r>
-              <a:rPr lang="es-CL" sz="2800" b="1" dirty="0">
+              <a:rPr lang="es-CL" sz="3200" b="1" dirty="0">
                 <a:solidFill>
                   <a:schemeClr val="bg2">
                     <a:lumMod val="50000"/>
@@ -12675,14 +11380,14 @@
                     </a:srgbClr>
                   </a:outerShdw>
                 </a:effectLst>
-                <a:latin typeface="Aharoni" pitchFamily="2" charset="-79"/>
+                <a:latin typeface="Arial" pitchFamily="34" charset="0"/>
                 <a:ea typeface="+mj-ea"/>
-                <a:cs typeface="Aharoni" pitchFamily="2" charset="-79"/>
+                <a:cs typeface="Arial" pitchFamily="34" charset="0"/>
               </a:rPr>
               <a:t>Nuestras Referencias </a:t>
             </a:r>
             <a:r>
-              <a:rPr lang="es-CL" sz="2800" b="1" dirty="0">
+              <a:rPr lang="es-CL" sz="3200" b="1" dirty="0">
                 <a:solidFill>
                   <a:schemeClr val="bg2">
                     <a:lumMod val="25000"/>
@@ -12859,7 +11564,7 @@
           <a:blip r:embed="rId8" cstate="print">
             <a:extLst>
               <a:ext uri="{28A0092B-C50C-407E-A947-70E740481C1C}">
-                <a14:useLocalDpi xmlns:a14="http://schemas.microsoft.com/office/drawing/2010/main" val="0"/>
+                <a14:useLocalDpi xmlns="" xmlns:a14="http://schemas.microsoft.com/office/drawing/2010/main" val="0"/>
               </a:ext>
             </a:extLst>
           </a:blip>
@@ -12914,7 +11619,7 @@
           <a:blip r:embed="rId9">
             <a:extLst>
               <a:ext uri="{28A0092B-C50C-407E-A947-70E740481C1C}">
-                <a14:useLocalDpi xmlns:a14="http://schemas.microsoft.com/office/drawing/2010/main" val="0"/>
+                <a14:useLocalDpi xmlns="" xmlns:a14="http://schemas.microsoft.com/office/drawing/2010/main" val="0"/>
               </a:ext>
             </a:extLst>
           </a:blip>
@@ -13033,6 +11738,30 @@
           <a:ln>
             <a:noFill/>
           </a:ln>
+        </p:spPr>
+      </p:pic>
+      <p:pic>
+        <p:nvPicPr>
+          <p:cNvPr id="21" name="20 Imagen" descr="logo_exfida.png"/>
+          <p:cNvPicPr>
+            <a:picLocks noChangeAspect="1"/>
+          </p:cNvPicPr>
+          <p:nvPr/>
+        </p:nvPicPr>
+        <p:blipFill>
+          <a:blip r:embed="rId12"/>
+          <a:stretch>
+            <a:fillRect/>
+          </a:stretch>
+        </p:blipFill>
+        <p:spPr>
+          <a:xfrm>
+            <a:off x="6572264" y="6072206"/>
+            <a:ext cx="2286015" cy="576253"/>
+          </a:xfrm>
+          <a:prstGeom prst="rect">
+            <a:avLst/>
+          </a:prstGeom>
         </p:spPr>
       </p:pic>
     </p:spTree>
@@ -13072,74 +11801,6 @@
       </p:grpSpPr>
       <p:sp>
         <p:nvSpPr>
-          <p:cNvPr id="11" name="10 Rectángulo redondeado"/>
-          <p:cNvSpPr/>
-          <p:nvPr/>
-        </p:nvSpPr>
-        <p:spPr>
-          <a:xfrm>
-            <a:off x="251519" y="260648"/>
-            <a:ext cx="8606759" cy="5256584"/>
-          </a:xfrm>
-          <a:prstGeom prst="roundRect">
-            <a:avLst/>
-          </a:prstGeom>
-          <a:gradFill flip="none" rotWithShape="1">
-            <a:gsLst>
-              <a:gs pos="33000">
-                <a:schemeClr val="accent1">
-                  <a:tint val="66000"/>
-                  <a:satMod val="160000"/>
-                </a:schemeClr>
-              </a:gs>
-              <a:gs pos="51000">
-                <a:schemeClr val="accent1">
-                  <a:tint val="44500"/>
-                  <a:satMod val="160000"/>
-                  <a:alpha val="0"/>
-                </a:schemeClr>
-              </a:gs>
-              <a:gs pos="100000">
-                <a:schemeClr val="accent1">
-                  <a:tint val="23500"/>
-                  <a:satMod val="160000"/>
-                </a:schemeClr>
-              </a:gs>
-            </a:gsLst>
-            <a:lin ang="16200000" scaled="1"/>
-            <a:tileRect/>
-          </a:gradFill>
-          <a:ln>
-            <a:noFill/>
-          </a:ln>
-        </p:spPr>
-        <p:style>
-          <a:lnRef idx="2">
-            <a:schemeClr val="accent1">
-              <a:shade val="50000"/>
-            </a:schemeClr>
-          </a:lnRef>
-          <a:fillRef idx="1">
-            <a:schemeClr val="accent1"/>
-          </a:fillRef>
-          <a:effectRef idx="0">
-            <a:schemeClr val="accent1"/>
-          </a:effectRef>
-          <a:fontRef idx="minor">
-            <a:schemeClr val="lt1"/>
-          </a:fontRef>
-        </p:style>
-        <p:txBody>
-          <a:bodyPr rtlCol="0" anchor="ctr"/>
-          <a:lstStyle/>
-          <a:p>
-            <a:pPr algn="ctr"/>
-            <a:endParaRPr lang="es-CL"/>
-          </a:p>
-        </p:txBody>
-      </p:sp>
-      <p:sp>
-        <p:nvSpPr>
           <p:cNvPr id="3" name="2 Marcador de contenido"/>
           <p:cNvSpPr>
             <a:spLocks noGrp="1"/>
@@ -13174,8 +11835,8 @@
                     <a:lumMod val="75000"/>
                   </a:schemeClr>
                 </a:solidFill>
-                <a:latin typeface="Times New Roman" pitchFamily="18" charset="0"/>
-                <a:cs typeface="Times New Roman" pitchFamily="18" charset="0"/>
+                <a:latin typeface="Calibri" pitchFamily="34" charset="0"/>
+                <a:cs typeface="Calibri" pitchFamily="34" charset="0"/>
               </a:rPr>
               <a:t>Según la normativa de la Superintendencia de Valores y Seguros. Los estados financieros deberán prepararse de acuerdo a las normas internacionales de Información Financiera (IFRS) emitidas por la International Accounting Standard Board (IASB).</a:t>
             </a:r>
@@ -13188,8 +11849,8 @@
                   <a:lumMod val="75000"/>
                 </a:schemeClr>
               </a:solidFill>
-              <a:latin typeface="Times New Roman" pitchFamily="18" charset="0"/>
-              <a:cs typeface="Times New Roman" pitchFamily="18" charset="0"/>
+              <a:latin typeface="Calibri" pitchFamily="34" charset="0"/>
+              <a:cs typeface="Calibri" pitchFamily="34" charset="0"/>
             </a:endParaRPr>
           </a:p>
           <a:p>
@@ -13203,8 +11864,8 @@
                     <a:lumMod val="75000"/>
                   </a:schemeClr>
                 </a:solidFill>
-                <a:latin typeface="Times New Roman" pitchFamily="18" charset="0"/>
-                <a:cs typeface="Times New Roman" pitchFamily="18" charset="0"/>
+                <a:latin typeface="Calibri" pitchFamily="34" charset="0"/>
+                <a:cs typeface="Calibri" pitchFamily="34" charset="0"/>
               </a:rPr>
               <a:t>	Adicionalmente la SVS especifica que las entidades aseguradoras deben divulgar información que no esta directamente reflejada en dichos estados financieros. Esta información llamada revelaciones financieras (RF) deberá ser presentada con carácter de obligatoria.</a:t>
             </a:r>
@@ -13227,8 +11888,8 @@
         </p:nvSpPr>
         <p:spPr>
           <a:xfrm>
-            <a:off x="-5448" y="7936"/>
-            <a:ext cx="4865480" cy="637200"/>
+            <a:off x="428596" y="7936"/>
+            <a:ext cx="5715040" cy="637200"/>
           </a:xfrm>
         </p:spPr>
         <p:txBody>
@@ -13238,38 +11899,26 @@
           <a:lstStyle/>
           <a:p>
             <a:r>
-              <a:rPr lang="es-CL" sz="2800" dirty="0">
+              <a:rPr lang="es-CL" sz="3200" dirty="0">
                 <a:solidFill>
                   <a:schemeClr val="bg2">
                     <a:lumMod val="50000"/>
                   </a:schemeClr>
                 </a:solidFill>
-                <a:latin typeface="Aharoni" pitchFamily="2" charset="-79"/>
-                <a:cs typeface="Aharoni" pitchFamily="2" charset="-79"/>
-              </a:rPr>
-              <a:t>IFRS, XBRL. </a:t>
-            </a:r>
-            <a:r>
-              <a:rPr lang="es-CL" sz="2800" dirty="0">
-                <a:solidFill>
-                  <a:schemeClr val="bg2">
-                    <a:lumMod val="50000"/>
-                  </a:schemeClr>
-                </a:solidFill>
-                <a:latin typeface="Aharoni" pitchFamily="2" charset="-79"/>
-                <a:cs typeface="Aharoni" pitchFamily="2" charset="-79"/>
-              </a:rPr>
-              <a:t>Ya están aquí </a:t>
-            </a:r>
-            <a:r>
-              <a:rPr lang="es-CL" sz="2800" dirty="0">
+                <a:latin typeface="Arial" pitchFamily="34" charset="0"/>
+                <a:cs typeface="Arial" pitchFamily="34" charset="0"/>
+              </a:rPr>
+              <a:t>IFRS, XBRL. Ya están aquí </a:t>
+            </a:r>
+            <a:r>
+              <a:rPr lang="es-CL" sz="3200" dirty="0">
                 <a:solidFill>
                   <a:schemeClr val="bg2">
                     <a:lumMod val="25000"/>
                   </a:schemeClr>
                 </a:solidFill>
-                <a:latin typeface="Aharoni" pitchFamily="2" charset="-79"/>
-                <a:cs typeface="Aharoni" pitchFamily="2" charset="-79"/>
+                <a:latin typeface="Arial" pitchFamily="34" charset="0"/>
+                <a:cs typeface="Arial" pitchFamily="34" charset="0"/>
               </a:rPr>
               <a:t>&gt;</a:t>
             </a:r>
@@ -13295,7 +11944,7 @@
           <a:noFill/>
           <a:extLst>
             <a:ext uri="{909E8E84-426E-40DD-AFC4-6F175D3DCCD1}">
-              <a14:hiddenFill xmlns:a14="http://schemas.microsoft.com/office/drawing/2010/main">
+              <a14:hiddenFill xmlns="" xmlns:a14="http://schemas.microsoft.com/office/drawing/2010/main">
                 <a:solidFill>
                   <a:srgbClr val="FFFFFF"/>
                 </a:solidFill>
@@ -13315,109 +11964,24 @@
           </a:p>
         </p:txBody>
       </p:sp>
-      <p:sp>
-        <p:nvSpPr>
-          <p:cNvPr id="6" name="AutoShape 4" descr="data:image/jpeg;base64,/9j/4AAQSkZJRgABAQAAAQABAAD/2wCEAAkGBhQSEBITEhITFBQUGRwaFxcWFx0fIBwiGhgdIBwXGBohJyofIx0jIBgZHy8sKCovLSwuHB8xNjAqPSYtLCkBCQoKDgwOGA4PFjUkHiQqNTY1NSktNSk1Mis1LTUsLjAyNTU1NiwqNSs1LCwyNTU1NiotLTU1NikpKTU1LDYpKf/AABEIACYAoQMBIgACEQEDEQH/xAAcAAEAAgMAAwAAAAAAAAAAAAAABQYDBAcBAgj/xAA5EAABAwIEAgYIBQQDAAAAAAABAAIDBBEFBhIhMUEHExdUYdEiMkJRcYGRkhRyobHBIzQ1UhVDsv/EABoBAQADAAMAAAAAAAAAAAAAAAACBAUBBgf/xAAmEQACAgECBAcBAAAAAAAAAAAAAQIRAwQhIjFTkRMUFVFhcYFB/9oADAMBAAIRAxEAPwCM7T8R7yfsZ5J2n4j3k/YzyVWRQs9C8pg6a7ItPafiPeT9jPJO0/Ee8n7GeSqyJY8pg6a7ItPafiPeT9jPJZqfpDxWS+iaR9uOmJpt8bNVQXUcotnOEWwuwqet/r3LQeBtpLvRta36oVdVjwYYqXhR3dbpJL72JWAV9oWS4tHFUTM1NhdCy/A7X+X7qnVueMXh1dZJI0NNi4xNtfwOmyuVbNRjEKP8Y1xrtEYOn1A/2S/e3w4jgvNWKvqsRGK6fwukmPTY7g+jotv7vW3vbxXJlYskYtOeOLuuaS/tcO3ESmT8emmwl1RK/VKBJ6VgPVvbYC2yydHmNzVMEjpn63NdYGwHLwCi8gf4J/5Zv5Wbon/tpvz/AMKS5GNrIqOeaS2tkXh2MYlVTzRwVDB1ZPrgDbVbazSpiHC8Y1N1VMBbcX35c/8ArVZyxmaKjq6l02qziQNIB9u/MhXXCOkSmqZmQxiTU+9rtbbYE7+kfchVIjN+O1bK+Onp5QzrA0AEC13G1ybErHiFdi9IzrZHRSxt9awB2952abeI4LFmp1sapSdgDH/7W7mrP9O6nkigJlfINIs02F+ZJG/ha6As2WcfbWU7ZQNJvpc33EcR+oPzVXx7NVTPWGjobNLTZ0m3LibkEBo4cLqW6PcGfT0dpRpc9xfp5gEAAHx2v81VcappsNxB1WyPrInkm/L0vWa4+yb7g/vugJOXB8XhGtlUJrblmxv8A4b/AFCsuIV9SwNdHCJBpBc2xBub3tvbbZa+A56pqohrXGOQ+w/a/wCU8D+/grCgMdO5xY0vADiBqA5G24HzWREQBERAfKSLpHYfU94g+jvJOw+p7xB9HeShTO9+paXqHN0XSOw+p7xB9HeSdh9T3iD6O8kpj1LS9Q5uui5fliqsJFK2pjo5opdTnOdp6wG+9+PPl/qF79h9T3iD6O8l47D6jvEH0d5JTK+fWaXKkvFpp2WSpxWKKvoKd1L+Jk0MAqyBqOxGpu24HEm+260ZGto/+SfVVsdQyQPb+H1elqLjpBaeBF7bfHkpjDMv4rBCyFlVSFrBpaXRuLgOW/gqpL0KVTnFzqmEucSSSHbk8TwXJmYpYLqWRJfFu979uH8LFkD/AAT/AITfys3RP/bTfn/hSuWsqvpsONI57HOIeNTb29O9uO/NZMmZYfRRPY97Xlzr3aCOXipLkZGrmp55yi9m2Vfo8ha6tq9TQePEA+2uispGA3DGg+8NCreVsoPpaieV0jXCW9gARa7r73VpQrHNc3QtfjNM1wDmuMYIPAgu3BW1nvJrGQiopY2xui3cIxa4/wBgBzbxUvi+UHzV8NUJGhsZYS0g3Ol19jwVncwEEEXB2IKAhMnZhFXTNcT/AFGejIPH3/A8fqpvZw5EH5hVHBMkyUlY6WKZnUvveMtN7He1+FweC1Jso18Msj6SrAbI4u0u4DUb8CHN/RAaPSVlyCGNk8TRG8vAIbsDcE3A5EW5K55VrHS0UEkm7nMFz77bX/RVVuQampla+vqQ9rfZb+w2DRfwCvsMIY1rWizWgAD3AcAgPdERAEREAREQBERAEREAREQBERAEREAREQBERAEREAREQBERAf/Z"/>
-          <p:cNvSpPr>
-            <a:spLocks noChangeAspect="1" noChangeArrowheads="1"/>
-          </p:cNvSpPr>
-          <p:nvPr/>
-        </p:nvSpPr>
-        <p:spPr bwMode="auto">
-          <a:xfrm>
-            <a:off x="307975" y="7937"/>
-            <a:ext cx="304800" cy="304801"/>
-          </a:xfrm>
-          <a:prstGeom prst="rect">
-            <a:avLst/>
-          </a:prstGeom>
-          <a:noFill/>
-          <a:extLst>
-            <a:ext uri="{909E8E84-426E-40DD-AFC4-6F175D3DCCD1}">
-              <a14:hiddenFill xmlns:a14="http://schemas.microsoft.com/office/drawing/2010/main">
-                <a:solidFill>
-                  <a:srgbClr val="FFFFFF"/>
-                </a:solidFill>
-              </a14:hiddenFill>
-            </a:ext>
-          </a:extLst>
-        </p:spPr>
-        <p:txBody>
-          <a:bodyPr vert="horz" wrap="square" lIns="91440" tIns="45720" rIns="91440" bIns="45720" numCol="1" anchor="t" anchorCtr="0" compatLnSpc="1">
-            <a:prstTxWarp prst="textNoShape">
-              <a:avLst/>
-            </a:prstTxWarp>
-          </a:bodyPr>
-          <a:lstStyle/>
-          <a:p>
-            <a:endParaRPr lang="es-CL"/>
-          </a:p>
-        </p:txBody>
-      </p:sp>
-      <p:sp>
-        <p:nvSpPr>
-          <p:cNvPr id="7" name="AutoShape 6" descr="data:image/jpeg;base64,/9j/4AAQSkZJRgABAQAAAQABAAD/2wCEAAkGBhQSEBITEhITFBQUGRwaFxcWFx0fIBwiGhgdIBwXGBohJyofIx0jIBgZHy8sKCovLSwuHB8xNjAqPSYtLCkBCQoKDgwOGA4PFjUkHiQqNTY1NSktNSk1Mis1LTUsLjAyNTU1NiwqNSs1LCwyNTU1NiotLTU1NikpKTU1LDYpKf/AABEIACYAoQMBIgACEQEDEQH/xAAcAAEAAgMAAwAAAAAAAAAAAAAABQYDBAcBAgj/xAA5EAABAwIEAgYIBQQDAAAAAAABAAIDBBEFBhIhMUEHExdUYdEiMkJRcYGRkhRyobHBIzQ1UhVDsv/EABoBAQADAAMAAAAAAAAAAAAAAAACBAUBBgf/xAAmEQACAgECBAcBAAAAAAAAAAAAAQIRAwQhIjFTkRMUFVFhcYFB/9oADAMBAAIRAxEAPwCM7T8R7yfsZ5J2n4j3k/YzyVWRQs9C8pg6a7ItPafiPeT9jPJO0/Ee8n7GeSqyJY8pg6a7ItPafiPeT9jPJZqfpDxWS+iaR9uOmJpt8bNVQXUcotnOEWwuwqet/r3LQeBtpLvRta36oVdVjwYYqXhR3dbpJL72JWAV9oWS4tHFUTM1NhdCy/A7X+X7qnVueMXh1dZJI0NNi4xNtfwOmyuVbNRjEKP8Y1xrtEYOn1A/2S/e3w4jgvNWKvqsRGK6fwukmPTY7g+jotv7vW3vbxXJlYskYtOeOLuuaS/tcO3ESmT8emmwl1RK/VKBJ6VgPVvbYC2yydHmNzVMEjpn63NdYGwHLwCi8gf4J/5Zv5Wbon/tpvz/AMKS5GNrIqOeaS2tkXh2MYlVTzRwVDB1ZPrgDbVbazSpiHC8Y1N1VMBbcX35c/8ArVZyxmaKjq6l02qziQNIB9u/MhXXCOkSmqZmQxiTU+9rtbbYE7+kfchVIjN+O1bK+Onp5QzrA0AEC13G1ybErHiFdi9IzrZHRSxt9awB2952abeI4LFmp1sapSdgDH/7W7mrP9O6nkigJlfINIs02F+ZJG/ha6As2WcfbWU7ZQNJvpc33EcR+oPzVXx7NVTPWGjobNLTZ0m3LibkEBo4cLqW6PcGfT0dpRpc9xfp5gEAAHx2v81VcappsNxB1WyPrInkm/L0vWa4+yb7g/vugJOXB8XhGtlUJrblmxv8A4b/AFCsuIV9SwNdHCJBpBc2xBub3tvbbZa+A56pqohrXGOQ+w/a/wCU8D+/grCgMdO5xY0vADiBqA5G24HzWREQBERAfKSLpHYfU94g+jvJOw+p7xB9HeShTO9+paXqHN0XSOw+p7xB9HeSdh9T3iD6O8kpj1LS9Q5uui5fliqsJFK2pjo5opdTnOdp6wG+9+PPl/qF79h9T3iD6O8l47D6jvEH0d5JTK+fWaXKkvFpp2WSpxWKKvoKd1L+Jk0MAqyBqOxGpu24HEm+260ZGto/+SfVVsdQyQPb+H1elqLjpBaeBF7bfHkpjDMv4rBCyFlVSFrBpaXRuLgOW/gqpL0KVTnFzqmEucSSSHbk8TwXJmYpYLqWRJfFu979uH8LFkD/AAT/AITfys3RP/bTfn/hSuWsqvpsONI57HOIeNTb29O9uO/NZMmZYfRRPY97Xlzr3aCOXipLkZGrmp55yi9m2Vfo8ha6tq9TQePEA+2uispGA3DGg+8NCreVsoPpaieV0jXCW9gARa7r73VpQrHNc3QtfjNM1wDmuMYIPAgu3BW1nvJrGQiopY2xui3cIxa4/wBgBzbxUvi+UHzV8NUJGhsZYS0g3Ol19jwVncwEEEXB2IKAhMnZhFXTNcT/AFGejIPH3/A8fqpvZw5EH5hVHBMkyUlY6WKZnUvveMtN7He1+FweC1Jso18Msj6SrAbI4u0u4DUb8CHN/RAaPSVlyCGNk8TRG8vAIbsDcE3A5EW5K55VrHS0UEkm7nMFz77bX/RVVuQampla+vqQ9rfZb+w2DRfwCvsMIY1rWizWgAD3AcAgPdERAEREAREQBERAEREAREQBERAEREAREQBERAEREAREQBERAf/Z"/>
-          <p:cNvSpPr>
-            <a:spLocks noChangeAspect="1" noChangeArrowheads="1"/>
-          </p:cNvSpPr>
-          <p:nvPr/>
-        </p:nvSpPr>
-        <p:spPr bwMode="auto">
-          <a:xfrm>
-            <a:off x="460375" y="160337"/>
-            <a:ext cx="304800" cy="304801"/>
-          </a:xfrm>
-          <a:prstGeom prst="rect">
-            <a:avLst/>
-          </a:prstGeom>
-          <a:noFill/>
-          <a:extLst>
-            <a:ext uri="{909E8E84-426E-40DD-AFC4-6F175D3DCCD1}">
-              <a14:hiddenFill xmlns:a14="http://schemas.microsoft.com/office/drawing/2010/main">
-                <a:solidFill>
-                  <a:srgbClr val="FFFFFF"/>
-                </a:solidFill>
-              </a14:hiddenFill>
-            </a:ext>
-          </a:extLst>
-        </p:spPr>
-        <p:txBody>
-          <a:bodyPr vert="horz" wrap="square" lIns="91440" tIns="45720" rIns="91440" bIns="45720" numCol="1" anchor="t" anchorCtr="0" compatLnSpc="1">
-            <a:prstTxWarp prst="textNoShape">
-              <a:avLst/>
-            </a:prstTxWarp>
-          </a:bodyPr>
-          <a:lstStyle/>
-          <a:p>
-            <a:endParaRPr lang="es-CL"/>
-          </a:p>
-        </p:txBody>
-      </p:sp>
       <p:pic>
         <p:nvPicPr>
-          <p:cNvPr id="5129" name="Picture 9"/>
+          <p:cNvPr id="9" name="8 Imagen" descr="logo_top_byte.gif"/>
           <p:cNvPicPr>
-            <a:picLocks noChangeAspect="1" noChangeArrowheads="1"/>
+            <a:picLocks noChangeAspect="1"/>
           </p:cNvPicPr>
           <p:nvPr/>
         </p:nvPicPr>
         <p:blipFill>
-          <a:blip r:embed="rId2">
-            <a:extLst>
-              <a:ext uri="{28A0092B-C50C-407E-A947-70E740481C1C}">
-                <a14:useLocalDpi xmlns:a14="http://schemas.microsoft.com/office/drawing/2010/main" val="0"/>
-              </a:ext>
-            </a:extLst>
-          </a:blip>
-          <a:srcRect/>
+          <a:blip r:embed="rId2"/>
           <a:stretch>
             <a:fillRect/>
           </a:stretch>
         </p:blipFill>
-        <p:spPr bwMode="auto">
-          <a:xfrm>
-            <a:off x="6720457" y="5789798"/>
-            <a:ext cx="2423543" cy="572017"/>
+        <p:spPr>
+          <a:xfrm>
+            <a:off x="8029606" y="142852"/>
+            <a:ext cx="971550" cy="971550"/>
           </a:xfrm>
           <a:prstGeom prst="rect">
             <a:avLst/>
@@ -13426,40 +11990,11 @@
           <a:ln>
             <a:noFill/>
           </a:ln>
-          <a:effectLst/>
-          <a:extLst>
-            <a:ext uri="{909E8E84-426E-40DD-AFC4-6F175D3DCCD1}">
-              <a14:hiddenFill xmlns:a14="http://schemas.microsoft.com/office/drawing/2010/main">
-                <a:solidFill>
-                  <a:schemeClr val="accent1"/>
-                </a:solidFill>
-              </a14:hiddenFill>
-            </a:ext>
-            <a:ext uri="{91240B29-F687-4F45-9708-019B960494DF}">
-              <a14:hiddenLine xmlns:a14="http://schemas.microsoft.com/office/drawing/2010/main" w="9525">
-                <a:solidFill>
-                  <a:schemeClr val="tx1"/>
-                </a:solidFill>
-                <a:miter lim="800000"/>
-                <a:headEnd/>
-                <a:tailEnd/>
-              </a14:hiddenLine>
-            </a:ext>
-            <a:ext uri="{AF507438-7753-43E0-B8FC-AC1667EBCBE1}">
-              <a14:hiddenEffects xmlns:a14="http://schemas.microsoft.com/office/drawing/2010/main">
-                <a:effectLst>
-                  <a:outerShdw dist="35921" dir="2700000" algn="ctr" rotWithShape="0">
-                    <a:schemeClr val="bg2"/>
-                  </a:outerShdw>
-                </a:effectLst>
-              </a14:hiddenEffects>
-            </a:ext>
-          </a:extLst>
         </p:spPr>
       </p:pic>
       <p:pic>
         <p:nvPicPr>
-          <p:cNvPr id="9" name="8 Imagen" descr="logo_top_byte.gif"/>
+          <p:cNvPr id="7" name="6 Imagen" descr="logo_exfida.png"/>
           <p:cNvPicPr>
             <a:picLocks noChangeAspect="1"/>
           </p:cNvPicPr>
@@ -13473,16 +12008,12 @@
         </p:blipFill>
         <p:spPr>
           <a:xfrm>
-            <a:off x="8029606" y="142852"/>
-            <a:ext cx="971550" cy="971550"/>
+            <a:off x="6572264" y="6072206"/>
+            <a:ext cx="2286015" cy="576253"/>
           </a:xfrm>
           <a:prstGeom prst="rect">
             <a:avLst/>
           </a:prstGeom>
-          <a:noFill/>
-          <a:ln>
-            <a:noFill/>
-          </a:ln>
         </p:spPr>
       </p:pic>
     </p:spTree>
@@ -13522,74 +12053,6 @@
       </p:grpSpPr>
       <p:sp>
         <p:nvSpPr>
-          <p:cNvPr id="9" name="8 Rectángulo redondeado"/>
-          <p:cNvSpPr/>
-          <p:nvPr/>
-        </p:nvSpPr>
-        <p:spPr>
-          <a:xfrm>
-            <a:off x="251519" y="260648"/>
-            <a:ext cx="8606759" cy="5256584"/>
-          </a:xfrm>
-          <a:prstGeom prst="roundRect">
-            <a:avLst/>
-          </a:prstGeom>
-          <a:gradFill flip="none" rotWithShape="1">
-            <a:gsLst>
-              <a:gs pos="33000">
-                <a:schemeClr val="accent1">
-                  <a:tint val="66000"/>
-                  <a:satMod val="160000"/>
-                </a:schemeClr>
-              </a:gs>
-              <a:gs pos="51000">
-                <a:schemeClr val="accent1">
-                  <a:tint val="44500"/>
-                  <a:satMod val="160000"/>
-                  <a:alpha val="0"/>
-                </a:schemeClr>
-              </a:gs>
-              <a:gs pos="100000">
-                <a:schemeClr val="accent1">
-                  <a:tint val="23500"/>
-                  <a:satMod val="160000"/>
-                </a:schemeClr>
-              </a:gs>
-            </a:gsLst>
-            <a:lin ang="16200000" scaled="1"/>
-            <a:tileRect/>
-          </a:gradFill>
-          <a:ln>
-            <a:noFill/>
-          </a:ln>
-        </p:spPr>
-        <p:style>
-          <a:lnRef idx="2">
-            <a:schemeClr val="accent1">
-              <a:shade val="50000"/>
-            </a:schemeClr>
-          </a:lnRef>
-          <a:fillRef idx="1">
-            <a:schemeClr val="accent1"/>
-          </a:fillRef>
-          <a:effectRef idx="0">
-            <a:schemeClr val="accent1"/>
-          </a:effectRef>
-          <a:fontRef idx="minor">
-            <a:schemeClr val="lt1"/>
-          </a:fontRef>
-        </p:style>
-        <p:txBody>
-          <a:bodyPr rtlCol="0" anchor="ctr"/>
-          <a:lstStyle/>
-          <a:p>
-            <a:pPr algn="ctr"/>
-            <a:endParaRPr lang="es-CL"/>
-          </a:p>
-        </p:txBody>
-      </p:sp>
-      <p:sp>
-        <p:nvSpPr>
           <p:cNvPr id="2" name="1 Marcador de contenido"/>
           <p:cNvSpPr>
             <a:spLocks noGrp="1"/>
@@ -13624,8 +12087,8 @@
                     <a:lumMod val="75000"/>
                   </a:schemeClr>
                 </a:solidFill>
-                <a:latin typeface="Times New Roman" pitchFamily="18" charset="0"/>
-                <a:cs typeface="Times New Roman" pitchFamily="18" charset="0"/>
+                <a:latin typeface="Calibri" pitchFamily="34" charset="0"/>
+                <a:cs typeface="Calibri" pitchFamily="34" charset="0"/>
               </a:rPr>
               <a:t>Desde el nacimiento de la normativa </a:t>
             </a:r>
@@ -13636,8 +12099,8 @@
                     <a:lumMod val="75000"/>
                   </a:schemeClr>
                 </a:solidFill>
-                <a:latin typeface="Times New Roman" pitchFamily="18" charset="0"/>
-                <a:cs typeface="Times New Roman" pitchFamily="18" charset="0"/>
+                <a:latin typeface="Calibri" pitchFamily="34" charset="0"/>
+                <a:cs typeface="Calibri" pitchFamily="34" charset="0"/>
               </a:rPr>
             </a:br>
             <a:r>
@@ -13647,83 +12110,10 @@
                     <a:lumMod val="75000"/>
                   </a:schemeClr>
                 </a:solidFill>
-                <a:latin typeface="Times New Roman" pitchFamily="18" charset="0"/>
-                <a:cs typeface="Times New Roman" pitchFamily="18" charset="0"/>
+                <a:latin typeface="Calibri" pitchFamily="34" charset="0"/>
+                <a:cs typeface="Calibri" pitchFamily="34" charset="0"/>
               </a:rPr>
               <a:t>con la circular 2022 en Mayo del 2011, existen hasta la fecha, tres modificaciones en la definición de la Normativa impactando directamente en la Estructura y Contenido de las Revelaciones. Esto implica un alto porcentaje de variabilidad de la Información que se debe preparar y presentar.</a:t>
-            </a:r>
-          </a:p>
-        </p:txBody>
-      </p:sp>
-      <p:sp>
-        <p:nvSpPr>
-          <p:cNvPr id="6" name="1 Título"/>
-          <p:cNvSpPr>
-            <a:spLocks noGrp="1"/>
-          </p:cNvSpPr>
-          <p:nvPr>
-            <p:ph type="title"/>
-          </p:nvPr>
-        </p:nvSpPr>
-        <p:spPr>
-          <a:xfrm>
-            <a:off x="-2144" y="17670"/>
-            <a:ext cx="5366232" cy="637200"/>
-          </a:xfrm>
-        </p:spPr>
-        <p:txBody>
-          <a:bodyPr>
-            <a:noAutofit/>
-          </a:bodyPr>
-          <a:lstStyle/>
-          <a:p>
-            <a:r>
-              <a:rPr lang="es-CL" sz="2800" dirty="0">
-                <a:solidFill>
-                  <a:schemeClr val="bg2">
-                    <a:lumMod val="50000"/>
-                  </a:schemeClr>
-                </a:solidFill>
-                <a:latin typeface="Aharoni" pitchFamily="2" charset="-79"/>
-                <a:cs typeface="Aharoni" pitchFamily="2" charset="-79"/>
-              </a:rPr>
-              <a:t>IFRS, XBRL. </a:t>
-            </a:r>
-            <a:r>
-              <a:rPr lang="es-CL" sz="2800" dirty="0">
-                <a:solidFill>
-                  <a:schemeClr val="bg2">
-                    <a:lumMod val="50000"/>
-                  </a:schemeClr>
-                </a:solidFill>
-                <a:latin typeface="Aharoni" pitchFamily="2" charset="-79"/>
-                <a:cs typeface="Aharoni" pitchFamily="2" charset="-79"/>
-              </a:rPr>
-              <a:t>Ya </a:t>
-            </a:r>
-            <a:r>
-              <a:rPr lang="es-CL" sz="2800" dirty="0" smtClean="0">
-                <a:solidFill>
-                  <a:schemeClr val="bg2">
-                    <a:lumMod val="50000"/>
-                  </a:schemeClr>
-                </a:solidFill>
-                <a:latin typeface="Aharoni" pitchFamily="2" charset="-79"/>
-                <a:cs typeface="Aharoni" pitchFamily="2" charset="-79"/>
-              </a:rPr>
-              <a:t>están aquí </a:t>
-            </a:r>
-            <a:r>
-              <a:rPr lang="es-CL" sz="2800" dirty="0">
-                <a:solidFill>
-                  <a:schemeClr val="bg2">
-                    <a:lumMod val="25000"/>
-                  </a:schemeClr>
-                </a:solidFill>
-                <a:latin typeface="Aharoni" pitchFamily="2" charset="-79"/>
-                <a:cs typeface="Aharoni" pitchFamily="2" charset="-79"/>
-              </a:rPr>
-              <a:t>&gt;</a:t>
             </a:r>
           </a:p>
         </p:txBody>
@@ -13756,68 +12146,150 @@
           </a:ln>
         </p:spPr>
       </p:pic>
+      <p:sp>
+        <p:nvSpPr>
+          <p:cNvPr id="11" name="1 Título"/>
+          <p:cNvSpPr txBox="1">
+            <a:spLocks/>
+          </p:cNvSpPr>
+          <p:nvPr/>
+        </p:nvSpPr>
+        <p:spPr>
+          <a:xfrm>
+            <a:off x="428596" y="7936"/>
+            <a:ext cx="5715040" cy="637200"/>
+          </a:xfrm>
+          <a:prstGeom prst="rect">
+            <a:avLst/>
+          </a:prstGeom>
+        </p:spPr>
+        <p:txBody>
+          <a:bodyPr vert="horz" rtlCol="0" anchor="ctr">
+            <a:noAutofit/>
+            <a:scene3d>
+              <a:camera prst="orthographicFront"/>
+              <a:lightRig rig="soft" dir="t"/>
+            </a:scene3d>
+            <a:sp3d prstMaterial="softEdge">
+              <a:bevelT w="25400" h="25400"/>
+            </a:sp3d>
+          </a:bodyPr>
+          <a:lstStyle/>
+          <a:p>
+            <a:pPr marL="0" marR="0" lvl="0" indent="0" algn="l" defTabSz="914400" rtl="0" eaLnBrk="1" fontAlgn="auto" latinLnBrk="0" hangingPunct="1">
+              <a:lnSpc>
+                <a:spcPct val="100000"/>
+              </a:lnSpc>
+              <a:spcBef>
+                <a:spcPct val="0"/>
+              </a:spcBef>
+              <a:spcAft>
+                <a:spcPts val="0"/>
+              </a:spcAft>
+              <a:buClrTx/>
+              <a:buSzTx/>
+              <a:buFontTx/>
+              <a:buNone/>
+              <a:tabLst/>
+              <a:defRPr/>
+            </a:pPr>
+            <a:r>
+              <a:rPr kumimoji="0" lang="es-CL" sz="3200" b="1" i="0" u="none" strike="noStrike" kern="1200" cap="none" spc="0" normalizeH="0" baseline="0" noProof="0" dirty="0" smtClean="0">
+                <a:ln>
+                  <a:noFill/>
+                </a:ln>
+                <a:solidFill>
+                  <a:schemeClr val="bg2">
+                    <a:lumMod val="50000"/>
+                  </a:schemeClr>
+                </a:solidFill>
+                <a:effectLst>
+                  <a:outerShdw blurRad="31750" dist="25400" dir="5400000" algn="tl" rotWithShape="0">
+                    <a:srgbClr val="000000">
+                      <a:alpha val="25000"/>
+                    </a:srgbClr>
+                  </a:outerShdw>
+                </a:effectLst>
+                <a:uLnTx/>
+                <a:uFillTx/>
+                <a:latin typeface="Arial" pitchFamily="34" charset="0"/>
+                <a:ea typeface="+mj-ea"/>
+                <a:cs typeface="Arial" pitchFamily="34" charset="0"/>
+              </a:rPr>
+              <a:t>IFRS, XBRL. Ya están aquí </a:t>
+            </a:r>
+            <a:r>
+              <a:rPr kumimoji="0" lang="es-CL" sz="3200" b="1" i="0" u="none" strike="noStrike" kern="1200" cap="none" spc="0" normalizeH="0" baseline="0" noProof="0" dirty="0" smtClean="0">
+                <a:ln>
+                  <a:noFill/>
+                </a:ln>
+                <a:solidFill>
+                  <a:schemeClr val="bg2">
+                    <a:lumMod val="25000"/>
+                  </a:schemeClr>
+                </a:solidFill>
+                <a:effectLst>
+                  <a:outerShdw blurRad="31750" dist="25400" dir="5400000" algn="tl" rotWithShape="0">
+                    <a:srgbClr val="000000">
+                      <a:alpha val="25000"/>
+                    </a:srgbClr>
+                  </a:outerShdw>
+                </a:effectLst>
+                <a:uLnTx/>
+                <a:uFillTx/>
+                <a:latin typeface="Arial" pitchFamily="34" charset="0"/>
+                <a:ea typeface="+mj-ea"/>
+                <a:cs typeface="Arial" pitchFamily="34" charset="0"/>
+              </a:rPr>
+              <a:t>&gt;</a:t>
+            </a:r>
+            <a:endParaRPr kumimoji="0" lang="es-CL" sz="3200" b="1" i="0" u="none" strike="noStrike" kern="1200" cap="none" spc="0" normalizeH="0" baseline="0" noProof="0" dirty="0">
+              <a:ln>
+                <a:noFill/>
+              </a:ln>
+              <a:solidFill>
+                <a:schemeClr val="bg2">
+                  <a:lumMod val="25000"/>
+                </a:schemeClr>
+              </a:solidFill>
+              <a:effectLst>
+                <a:outerShdw blurRad="31750" dist="25400" dir="5400000" algn="tl" rotWithShape="0">
+                  <a:srgbClr val="000000">
+                    <a:alpha val="25000"/>
+                  </a:srgbClr>
+                </a:outerShdw>
+              </a:effectLst>
+              <a:uLnTx/>
+              <a:uFillTx/>
+              <a:latin typeface="Arial" pitchFamily="34" charset="0"/>
+              <a:ea typeface="+mj-ea"/>
+              <a:cs typeface="Arial" pitchFamily="34" charset="0"/>
+            </a:endParaRPr>
+          </a:p>
+        </p:txBody>
+      </p:sp>
       <p:pic>
         <p:nvPicPr>
-          <p:cNvPr id="8" name="Picture 9"/>
+          <p:cNvPr id="6" name="5 Imagen" descr="logo_exfida.png"/>
           <p:cNvPicPr>
-            <a:picLocks noChangeAspect="1" noChangeArrowheads="1"/>
+            <a:picLocks noChangeAspect="1"/>
           </p:cNvPicPr>
           <p:nvPr/>
         </p:nvPicPr>
         <p:blipFill>
-          <a:blip r:embed="rId3">
-            <a:extLst>
-              <a:ext uri="{28A0092B-C50C-407E-A947-70E740481C1C}">
-                <a14:useLocalDpi xmlns:a14="http://schemas.microsoft.com/office/drawing/2010/main" val="0"/>
-              </a:ext>
-            </a:extLst>
-          </a:blip>
-          <a:srcRect/>
+          <a:blip r:embed="rId3"/>
           <a:stretch>
             <a:fillRect/>
           </a:stretch>
         </p:blipFill>
-        <p:spPr bwMode="auto">
-          <a:xfrm>
-            <a:off x="6720457" y="5789798"/>
-            <a:ext cx="2423543" cy="572017"/>
+        <p:spPr>
+          <a:xfrm>
+            <a:off x="6572264" y="6072206"/>
+            <a:ext cx="2286015" cy="576253"/>
           </a:xfrm>
           <a:prstGeom prst="rect">
             <a:avLst/>
           </a:prstGeom>
-          <a:noFill/>
-          <a:ln>
-            <a:noFill/>
-          </a:ln>
-          <a:effectLst/>
-          <a:extLst>
-            <a:ext uri="{909E8E84-426E-40DD-AFC4-6F175D3DCCD1}">
-              <a14:hiddenFill xmlns:a14="http://schemas.microsoft.com/office/drawing/2010/main">
-                <a:solidFill>
-                  <a:schemeClr val="accent1"/>
-                </a:solidFill>
-              </a14:hiddenFill>
-            </a:ext>
-            <a:ext uri="{91240B29-F687-4F45-9708-019B960494DF}">
-              <a14:hiddenLine xmlns:a14="http://schemas.microsoft.com/office/drawing/2010/main" w="9525">
-                <a:solidFill>
-                  <a:schemeClr val="tx1"/>
-                </a:solidFill>
-                <a:miter lim="800000"/>
-                <a:headEnd/>
-                <a:tailEnd/>
-              </a14:hiddenLine>
-            </a:ext>
-            <a:ext uri="{AF507438-7753-43E0-B8FC-AC1667EBCBE1}">
-              <a14:hiddenEffects xmlns:a14="http://schemas.microsoft.com/office/drawing/2010/main">
-                <a:effectLst>
-                  <a:outerShdw dist="35921" dir="2700000" algn="ctr" rotWithShape="0">
-                    <a:schemeClr val="bg2"/>
-                  </a:outerShdw>
-                </a:effectLst>
-              </a14:hiddenEffects>
-            </a:ext>
-          </a:extLst>
         </p:spPr>
       </p:pic>
     </p:spTree>
@@ -13857,74 +12329,6 @@
       </p:grpSpPr>
       <p:sp>
         <p:nvSpPr>
-          <p:cNvPr id="11" name="10 Rectángulo redondeado"/>
-          <p:cNvSpPr/>
-          <p:nvPr/>
-        </p:nvSpPr>
-        <p:spPr>
-          <a:xfrm>
-            <a:off x="251519" y="260648"/>
-            <a:ext cx="8606759" cy="5256584"/>
-          </a:xfrm>
-          <a:prstGeom prst="roundRect">
-            <a:avLst/>
-          </a:prstGeom>
-          <a:gradFill flip="none" rotWithShape="1">
-            <a:gsLst>
-              <a:gs pos="33000">
-                <a:schemeClr val="accent1">
-                  <a:tint val="66000"/>
-                  <a:satMod val="160000"/>
-                </a:schemeClr>
-              </a:gs>
-              <a:gs pos="51000">
-                <a:schemeClr val="accent1">
-                  <a:tint val="44500"/>
-                  <a:satMod val="160000"/>
-                  <a:alpha val="0"/>
-                </a:schemeClr>
-              </a:gs>
-              <a:gs pos="100000">
-                <a:schemeClr val="accent1">
-                  <a:tint val="23500"/>
-                  <a:satMod val="160000"/>
-                </a:schemeClr>
-              </a:gs>
-            </a:gsLst>
-            <a:lin ang="16200000" scaled="1"/>
-            <a:tileRect/>
-          </a:gradFill>
-          <a:ln>
-            <a:noFill/>
-          </a:ln>
-        </p:spPr>
-        <p:style>
-          <a:lnRef idx="2">
-            <a:schemeClr val="accent1">
-              <a:shade val="50000"/>
-            </a:schemeClr>
-          </a:lnRef>
-          <a:fillRef idx="1">
-            <a:schemeClr val="accent1"/>
-          </a:fillRef>
-          <a:effectRef idx="0">
-            <a:schemeClr val="accent1"/>
-          </a:effectRef>
-          <a:fontRef idx="minor">
-            <a:schemeClr val="lt1"/>
-          </a:fontRef>
-        </p:style>
-        <p:txBody>
-          <a:bodyPr rtlCol="0" anchor="ctr"/>
-          <a:lstStyle/>
-          <a:p>
-            <a:pPr algn="ctr"/>
-            <a:endParaRPr lang="es-CL"/>
-          </a:p>
-        </p:txBody>
-      </p:sp>
-      <p:sp>
-        <p:nvSpPr>
           <p:cNvPr id="2" name="1 Marcador de contenido"/>
           <p:cNvSpPr>
             <a:spLocks noGrp="1"/>
@@ -13974,37 +12378,37 @@
         </p:nvSpPr>
         <p:spPr>
           <a:xfrm>
-            <a:off x="5611" y="6697"/>
-            <a:ext cx="6397653" cy="637200"/>
+            <a:off x="428596" y="21211"/>
+            <a:ext cx="6715172" cy="637200"/>
           </a:xfrm>
         </p:spPr>
         <p:txBody>
           <a:bodyPr>
-            <a:normAutofit/>
+            <a:noAutofit/>
           </a:bodyPr>
           <a:lstStyle/>
           <a:p>
             <a:r>
-              <a:rPr lang="es-CL" sz="2800" dirty="0">
+              <a:rPr lang="es-CL" sz="3200" dirty="0">
                 <a:solidFill>
                   <a:schemeClr val="bg2">
                     <a:lumMod val="50000"/>
                   </a:schemeClr>
                 </a:solidFill>
-                <a:latin typeface="Aharoni" pitchFamily="2" charset="-79"/>
-                <a:cs typeface="Aharoni" pitchFamily="2" charset="-79"/>
+                <a:latin typeface="Arial" pitchFamily="34" charset="0"/>
+                <a:cs typeface="Arial" pitchFamily="34" charset="0"/>
               </a:rPr>
               <a:t>Nuestra respuesta al desafío </a:t>
             </a:r>
             <a:r>
-              <a:rPr lang="es-CL" sz="2800" dirty="0">
+              <a:rPr lang="es-CL" sz="3200" dirty="0">
                 <a:solidFill>
                   <a:schemeClr val="bg2">
                     <a:lumMod val="25000"/>
                   </a:schemeClr>
                 </a:solidFill>
-                <a:latin typeface="Aharoni" pitchFamily="2" charset="-79"/>
-                <a:cs typeface="Aharoni" pitchFamily="2" charset="-79"/>
+                <a:latin typeface="Arial" pitchFamily="34" charset="0"/>
+                <a:cs typeface="Arial" pitchFamily="34" charset="0"/>
               </a:rPr>
               <a:t>&gt;</a:t>
             </a:r>
@@ -14044,8 +12448,8 @@
                     <a:lumMod val="75000"/>
                   </a:schemeClr>
                 </a:solidFill>
-                <a:latin typeface="Times New Roman" pitchFamily="18" charset="0"/>
-                <a:cs typeface="Times New Roman" pitchFamily="18" charset="0"/>
+                <a:latin typeface="Calibri" pitchFamily="34" charset="0"/>
+                <a:cs typeface="Calibri" pitchFamily="34" charset="0"/>
               </a:rPr>
               <a:t>Tomando en cuenta este nuevo escenario y pensando en ayudar al desarrollo de su negocio, hemos desarrollado un producto flexible, capaz de ajustarse a los requerimientos de información de su empresa y la Superintendencia de Valores y Seguros (SVS). </a:t>
             </a:r>
@@ -14058,8 +12462,8 @@
                     <a:lumMod val="75000"/>
                   </a:schemeClr>
                 </a:solidFill>
-                <a:latin typeface="Times New Roman" pitchFamily="18" charset="0"/>
-                <a:cs typeface="Times New Roman" pitchFamily="18" charset="0"/>
+                <a:latin typeface="Calibri" pitchFamily="34" charset="0"/>
+                <a:cs typeface="Calibri" pitchFamily="34" charset="0"/>
               </a:rPr>
               <a:t>	</a:t>
             </a:r>
@@ -14073,70 +12477,11 @@
                     <a:lumMod val="75000"/>
                   </a:schemeClr>
                 </a:solidFill>
-                <a:latin typeface="Times New Roman" pitchFamily="18" charset="0"/>
-                <a:cs typeface="Times New Roman" pitchFamily="18" charset="0"/>
+                <a:latin typeface="Calibri" pitchFamily="34" charset="0"/>
+                <a:cs typeface="Calibri" pitchFamily="34" charset="0"/>
               </a:rPr>
               <a:t>	Estamos hablando de EXFIDA un software que provee flexibilidad a la hora de enfrentar los continuos cambios del mundo IFRS, estados financieros  (EEFF) y XBRL.</a:t>
             </a:r>
-          </a:p>
-        </p:txBody>
-      </p:sp>
-      <p:sp>
-        <p:nvSpPr>
-          <p:cNvPr id="7" name="1 Título"/>
-          <p:cNvSpPr txBox="1">
-            <a:spLocks/>
-          </p:cNvSpPr>
-          <p:nvPr/>
-        </p:nvSpPr>
-        <p:spPr>
-          <a:xfrm>
-            <a:off x="457200" y="274638"/>
-            <a:ext cx="8229600" cy="850106"/>
-          </a:xfrm>
-          <a:prstGeom prst="rect">
-            <a:avLst/>
-          </a:prstGeom>
-        </p:spPr>
-        <p:txBody>
-          <a:bodyPr vert="horz" rtlCol="0" anchor="ctr">
-            <a:noAutofit/>
-            <a:scene3d>
-              <a:camera prst="orthographicFront"/>
-              <a:lightRig rig="soft" dir="t"/>
-            </a:scene3d>
-            <a:sp3d prstMaterial="softEdge">
-              <a:bevelT w="25400" h="25400"/>
-            </a:sp3d>
-          </a:bodyPr>
-          <a:lstStyle>
-            <a:lvl1pPr algn="l" rtl="0" eaLnBrk="1" latinLnBrk="0" hangingPunct="1">
-              <a:spcBef>
-                <a:spcPct val="0"/>
-              </a:spcBef>
-              <a:buNone/>
-              <a:defRPr kumimoji="0" sz="4100" b="1" kern="1200">
-                <a:solidFill>
-                  <a:schemeClr val="tx2"/>
-                </a:solidFill>
-                <a:effectLst>
-                  <a:outerShdw blurRad="31750" dist="25400" dir="5400000" algn="tl" rotWithShape="0">
-                    <a:srgbClr val="000000">
-                      <a:alpha val="25000"/>
-                    </a:srgbClr>
-                  </a:outerShdw>
-                </a:effectLst>
-                <a:latin typeface="+mj-lt"/>
-                <a:ea typeface="+mj-ea"/>
-                <a:cs typeface="+mj-cs"/>
-              </a:defRPr>
-            </a:lvl1pPr>
-            <a:extLst/>
-          </a:lstStyle>
-          <a:p>
-            <a:endParaRPr lang="es-CL" sz="2400" dirty="0">
-              <a:latin typeface="Arial Black" pitchFamily="34" charset="0"/>
-            </a:endParaRPr>
           </a:p>
         </p:txBody>
       </p:sp>
@@ -14229,74 +12574,6 @@
       </p:grpSpPr>
       <p:sp>
         <p:nvSpPr>
-          <p:cNvPr id="9" name="8 Rectángulo redondeado"/>
-          <p:cNvSpPr/>
-          <p:nvPr/>
-        </p:nvSpPr>
-        <p:spPr>
-          <a:xfrm>
-            <a:off x="251519" y="260648"/>
-            <a:ext cx="8606759" cy="5256584"/>
-          </a:xfrm>
-          <a:prstGeom prst="roundRect">
-            <a:avLst/>
-          </a:prstGeom>
-          <a:gradFill flip="none" rotWithShape="1">
-            <a:gsLst>
-              <a:gs pos="33000">
-                <a:schemeClr val="accent1">
-                  <a:tint val="66000"/>
-                  <a:satMod val="160000"/>
-                </a:schemeClr>
-              </a:gs>
-              <a:gs pos="51000">
-                <a:schemeClr val="accent1">
-                  <a:tint val="44500"/>
-                  <a:satMod val="160000"/>
-                  <a:alpha val="0"/>
-                </a:schemeClr>
-              </a:gs>
-              <a:gs pos="100000">
-                <a:schemeClr val="accent1">
-                  <a:tint val="23500"/>
-                  <a:satMod val="160000"/>
-                </a:schemeClr>
-              </a:gs>
-            </a:gsLst>
-            <a:lin ang="16200000" scaled="1"/>
-            <a:tileRect/>
-          </a:gradFill>
-          <a:ln>
-            <a:noFill/>
-          </a:ln>
-        </p:spPr>
-        <p:style>
-          <a:lnRef idx="2">
-            <a:schemeClr val="accent1">
-              <a:shade val="50000"/>
-            </a:schemeClr>
-          </a:lnRef>
-          <a:fillRef idx="1">
-            <a:schemeClr val="accent1"/>
-          </a:fillRef>
-          <a:effectRef idx="0">
-            <a:schemeClr val="accent1"/>
-          </a:effectRef>
-          <a:fontRef idx="minor">
-            <a:schemeClr val="lt1"/>
-          </a:fontRef>
-        </p:style>
-        <p:txBody>
-          <a:bodyPr rtlCol="0" anchor="ctr"/>
-          <a:lstStyle/>
-          <a:p>
-            <a:pPr algn="ctr"/>
-            <a:endParaRPr lang="es-CL"/>
-          </a:p>
-        </p:txBody>
-      </p:sp>
-      <p:sp>
-        <p:nvSpPr>
           <p:cNvPr id="2" name="1 Marcador de contenido"/>
           <p:cNvSpPr>
             <a:spLocks noGrp="1"/>
@@ -14313,9 +12590,74 @@
         </p:spPr>
         <p:txBody>
           <a:bodyPr>
-            <a:normAutofit fontScale="92500" lnSpcReduction="10000"/>
+            <a:normAutofit fontScale="92500" lnSpcReduction="20000"/>
           </a:bodyPr>
           <a:lstStyle/>
+          <a:p>
+            <a:pPr>
+              <a:buClr>
+                <a:schemeClr val="accent2"/>
+              </a:buClr>
+              <a:buFont typeface="Arial" pitchFamily="34" charset="0"/>
+              <a:buChar char="•"/>
+            </a:pPr>
+            <a:r>
+              <a:rPr lang="es-CL" sz="2500" dirty="0">
+                <a:solidFill>
+                  <a:schemeClr val="accent4">
+                    <a:lumMod val="75000"/>
+                  </a:schemeClr>
+                </a:solidFill>
+                <a:latin typeface="Calibri" pitchFamily="34" charset="0"/>
+                <a:cs typeface="Calibri" pitchFamily="34" charset="0"/>
+              </a:rPr>
+              <a:t>Aplicación 100% </a:t>
+            </a:r>
+            <a:r>
+              <a:rPr lang="es-CL" sz="2500" dirty="0" smtClean="0">
+                <a:solidFill>
+                  <a:schemeClr val="accent4">
+                    <a:lumMod val="75000"/>
+                  </a:schemeClr>
+                </a:solidFill>
+                <a:latin typeface="Calibri" pitchFamily="34" charset="0"/>
+                <a:cs typeface="Calibri" pitchFamily="34" charset="0"/>
+              </a:rPr>
+              <a:t>web y visible desde su </a:t>
+            </a:r>
+            <a:br>
+              <a:rPr lang="es-CL" sz="2500" dirty="0" smtClean="0">
+                <a:solidFill>
+                  <a:schemeClr val="accent4">
+                    <a:lumMod val="75000"/>
+                  </a:schemeClr>
+                </a:solidFill>
+                <a:latin typeface="Calibri" pitchFamily="34" charset="0"/>
+                <a:cs typeface="Calibri" pitchFamily="34" charset="0"/>
+              </a:rPr>
+            </a:br>
+            <a:r>
+              <a:rPr lang="es-CL" sz="2500" dirty="0" smtClean="0">
+                <a:solidFill>
+                  <a:schemeClr val="accent4">
+                    <a:lumMod val="75000"/>
+                  </a:schemeClr>
+                </a:solidFill>
+                <a:latin typeface="Calibri" pitchFamily="34" charset="0"/>
+                <a:cs typeface="Calibri" pitchFamily="34" charset="0"/>
+              </a:rPr>
+              <a:t>Intranet o desde la Nube</a:t>
+            </a:r>
+            <a:endParaRPr lang="es-CL" sz="2500" dirty="0">
+              <a:solidFill>
+                <a:schemeClr val="accent4">
+                  <a:lumMod val="75000"/>
+                </a:schemeClr>
+              </a:solidFill>
+              <a:latin typeface="Calibri" pitchFamily="34" charset="0"/>
+              <a:cs typeface="Calibri" pitchFamily="34" charset="0"/>
+            </a:endParaRPr>
+          </a:p>
           <a:p>
             <a:pPr algn="just">
               <a:buClr>
@@ -14331,10 +12673,10 @@
                     <a:lumMod val="75000"/>
                   </a:schemeClr>
                 </a:solidFill>
-                <a:latin typeface="Times New Roman" pitchFamily="18" charset="0"/>
-                <a:cs typeface="Times New Roman" pitchFamily="18" charset="0"/>
-              </a:rPr>
-              <a:t>Aplicación 100% web.</a:t>
+                <a:latin typeface="Calibri" pitchFamily="34" charset="0"/>
+                <a:cs typeface="Calibri" pitchFamily="34" charset="0"/>
+              </a:rPr>
+              <a:t>Multiusuarios</a:t>
             </a:r>
           </a:p>
           <a:p>
@@ -14352,10 +12694,10 @@
                     <a:lumMod val="75000"/>
                   </a:schemeClr>
                 </a:solidFill>
-                <a:latin typeface="Times New Roman" pitchFamily="18" charset="0"/>
-                <a:cs typeface="Times New Roman" pitchFamily="18" charset="0"/>
-              </a:rPr>
-              <a:t>Multiusuarios</a:t>
+                <a:latin typeface="Calibri" pitchFamily="34" charset="0"/>
+                <a:cs typeface="Calibri" pitchFamily="34" charset="0"/>
+              </a:rPr>
+              <a:t>Multiempresas</a:t>
             </a:r>
           </a:p>
           <a:p>
@@ -14373,10 +12715,10 @@
                     <a:lumMod val="75000"/>
                   </a:schemeClr>
                 </a:solidFill>
-                <a:latin typeface="Times New Roman" pitchFamily="18" charset="0"/>
-                <a:cs typeface="Times New Roman" pitchFamily="18" charset="0"/>
-              </a:rPr>
-              <a:t>Multiempresas</a:t>
+                <a:latin typeface="Calibri" pitchFamily="34" charset="0"/>
+                <a:cs typeface="Calibri" pitchFamily="34" charset="0"/>
+              </a:rPr>
+              <a:t>Interfaces usables.</a:t>
             </a:r>
           </a:p>
           <a:p>
@@ -14394,10 +12736,10 @@
                     <a:lumMod val="75000"/>
                   </a:schemeClr>
                 </a:solidFill>
-                <a:latin typeface="Times New Roman" pitchFamily="18" charset="0"/>
-                <a:cs typeface="Times New Roman" pitchFamily="18" charset="0"/>
-              </a:rPr>
-              <a:t>Interfaces usables.</a:t>
+                <a:latin typeface="Calibri" pitchFamily="34" charset="0"/>
+                <a:cs typeface="Calibri" pitchFamily="34" charset="0"/>
+              </a:rPr>
+              <a:t>Revelaciones 100%  configurables según las normativas.</a:t>
             </a:r>
           </a:p>
           <a:p>
@@ -14415,10 +12757,34 @@
                     <a:lumMod val="75000"/>
                   </a:schemeClr>
                 </a:solidFill>
-                <a:latin typeface="Times New Roman" pitchFamily="18" charset="0"/>
-                <a:cs typeface="Times New Roman" pitchFamily="18" charset="0"/>
-              </a:rPr>
-              <a:t>Revelaciones 100%  configurables según las normativas.</a:t>
+                <a:latin typeface="Calibri" pitchFamily="34" charset="0"/>
+                <a:cs typeface="Calibri" pitchFamily="34" charset="0"/>
+              </a:rPr>
+              <a:t>Cumple con las </a:t>
+            </a:r>
+            <a:r>
+              <a:rPr lang="es-CL" sz="2500" dirty="0" smtClean="0">
+                <a:solidFill>
+                  <a:schemeClr val="accent4">
+                    <a:lumMod val="75000"/>
+                  </a:schemeClr>
+                </a:solidFill>
+                <a:latin typeface="Calibri" pitchFamily="34" charset="0"/>
+                <a:cs typeface="Calibri" pitchFamily="34" charset="0"/>
+              </a:rPr>
+              <a:t>especificaciones impuestas por </a:t>
+            </a:r>
+            <a:r>
+              <a:rPr lang="es-CL" sz="2500" dirty="0">
+                <a:solidFill>
+                  <a:schemeClr val="accent4">
+                    <a:lumMod val="75000"/>
+                  </a:schemeClr>
+                </a:solidFill>
+                <a:latin typeface="Calibri" pitchFamily="34" charset="0"/>
+                <a:cs typeface="Calibri" pitchFamily="34" charset="0"/>
+              </a:rPr>
+              <a:t>la SVS.</a:t>
             </a:r>
           </a:p>
           <a:p>
@@ -14436,10 +12802,10 @@
                     <a:lumMod val="75000"/>
                   </a:schemeClr>
                 </a:solidFill>
-                <a:latin typeface="Times New Roman" pitchFamily="18" charset="0"/>
-                <a:cs typeface="Times New Roman" pitchFamily="18" charset="0"/>
-              </a:rPr>
-              <a:t>Cumple con las especificaciones de la SVS.</a:t>
+                <a:latin typeface="Calibri" pitchFamily="34" charset="0"/>
+                <a:cs typeface="Calibri" pitchFamily="34" charset="0"/>
+              </a:rPr>
+              <a:t>Generación de archivos XBRL el cual independiza a su Empresa de los proveedores externos al momento de generar el envió de XBRL a la SVS.</a:t>
             </a:r>
           </a:p>
           <a:p>
@@ -14457,29 +12823,8 @@
                     <a:lumMod val="75000"/>
                   </a:schemeClr>
                 </a:solidFill>
-                <a:latin typeface="Times New Roman" pitchFamily="18" charset="0"/>
-                <a:cs typeface="Times New Roman" pitchFamily="18" charset="0"/>
-              </a:rPr>
-              <a:t>Generación de archivos XBRL el cual independiza a su Empresa de los proveedores externos al momento de generar el envió de XBRL a la SVS.</a:t>
-            </a:r>
-          </a:p>
-          <a:p>
-            <a:pPr algn="just">
-              <a:buClr>
-                <a:schemeClr val="accent2"/>
-              </a:buClr>
-              <a:buFont typeface="Arial" pitchFamily="34" charset="0"/>
-              <a:buChar char="•"/>
-            </a:pPr>
-            <a:r>
-              <a:rPr lang="es-CL" sz="2500" dirty="0">
-                <a:solidFill>
-                  <a:schemeClr val="accent4">
-                    <a:lumMod val="75000"/>
-                  </a:schemeClr>
-                </a:solidFill>
-                <a:latin typeface="Times New Roman" pitchFamily="18" charset="0"/>
-                <a:cs typeface="Times New Roman" pitchFamily="18" charset="0"/>
+                <a:latin typeface="Calibri" pitchFamily="34" charset="0"/>
+                <a:cs typeface="Calibri" pitchFamily="34" charset="0"/>
               </a:rPr>
               <a:t>Proporciona herramientas de Control que permiten tener una visión amplia sobre el estado de completitud de los datos para los períodos informados (Workflow de Aprobación).</a:t>
             </a:r>
@@ -14537,8 +12882,8 @@
         </p:nvSpPr>
         <p:spPr>
           <a:xfrm>
-            <a:off x="-5448" y="904"/>
-            <a:ext cx="8229600" cy="637200"/>
+            <a:off x="428596" y="15418"/>
+            <a:ext cx="7795556" cy="637200"/>
           </a:xfrm>
         </p:spPr>
         <p:txBody>
@@ -14548,19 +12893,19 @@
           <a:lstStyle/>
           <a:p>
             <a:r>
-              <a:rPr lang="es-CL" sz="2800" dirty="0">
+              <a:rPr lang="es-CL" sz="3200" dirty="0">
                 <a:solidFill>
                   <a:schemeClr val="bg2">
                     <a:lumMod val="50000"/>
                   </a:schemeClr>
                 </a:solidFill>
-                <a:latin typeface="Aharoni" pitchFamily="2" charset="-79"/>
-                <a:cs typeface="Aharoni" pitchFamily="2" charset="-79"/>
+                <a:latin typeface="Arial" pitchFamily="34" charset="0"/>
+                <a:cs typeface="Arial" pitchFamily="34" charset="0"/>
               </a:rPr>
               <a:t>Principales Características </a:t>
             </a:r>
             <a:r>
-              <a:rPr lang="es-CL" sz="2800" dirty="0">
+              <a:rPr lang="es-CL" sz="3200" dirty="0">
                 <a:solidFill>
                   <a:schemeClr val="bg2">
                     <a:lumMod val="25000"/>
